--- a/images/draw.pptx
+++ b/images/draw.pptx
@@ -5,13 +5,14 @@
     <p:sldMasterId id="2147483648" r:id="rId1"/>
   </p:sldMasterIdLst>
   <p:notesMasterIdLst>
-    <p:notesMasterId r:id="rId6"/>
+    <p:notesMasterId r:id="rId7"/>
   </p:notesMasterIdLst>
   <p:sldIdLst>
     <p:sldId id="260" r:id="rId2"/>
     <p:sldId id="267" r:id="rId3"/>
     <p:sldId id="269" r:id="rId4"/>
-    <p:sldId id="268" r:id="rId5"/>
+    <p:sldId id="270" r:id="rId5"/>
+    <p:sldId id="268" r:id="rId6"/>
   </p:sldIdLst>
   <p:sldSz cx="12192000" cy="6858000"/>
   <p:notesSz cx="6858000" cy="9144000"/>
@@ -255,7 +256,7 @@
           </a:lstStyle>
           <a:p>
             <a:fld id="{25BDC7A1-BCF8-BB44-960D-FA8DD82E5CAA}" type="datetimeFigureOut">
-              <a:t>11/1/25</a:t>
+              <a:t>1/21/2025</a:t>
             </a:fld>
             <a:endParaRPr lang="en-VN"/>
           </a:p>
@@ -787,7 +788,7 @@
           <a:lstStyle/>
           <a:p>
             <a:fld id="{9117D41A-B3D1-B44F-ADF3-E80281933F1D}" type="datetimeFigureOut">
-              <a:t>11/1/25</a:t>
+              <a:t>1/21/2025</a:t>
             </a:fld>
             <a:endParaRPr lang="en-VN"/>
           </a:p>
@@ -985,7 +986,7 @@
           <a:lstStyle/>
           <a:p>
             <a:fld id="{9117D41A-B3D1-B44F-ADF3-E80281933F1D}" type="datetimeFigureOut">
-              <a:t>11/1/25</a:t>
+              <a:t>1/21/2025</a:t>
             </a:fld>
             <a:endParaRPr lang="en-VN"/>
           </a:p>
@@ -1193,7 +1194,7 @@
           <a:lstStyle/>
           <a:p>
             <a:fld id="{9117D41A-B3D1-B44F-ADF3-E80281933F1D}" type="datetimeFigureOut">
-              <a:t>11/1/25</a:t>
+              <a:t>1/21/2025</a:t>
             </a:fld>
             <a:endParaRPr lang="en-VN"/>
           </a:p>
@@ -1391,7 +1392,7 @@
           <a:lstStyle/>
           <a:p>
             <a:fld id="{9117D41A-B3D1-B44F-ADF3-E80281933F1D}" type="datetimeFigureOut">
-              <a:t>11/1/25</a:t>
+              <a:t>1/21/2025</a:t>
             </a:fld>
             <a:endParaRPr lang="en-VN"/>
           </a:p>
@@ -1665,7 +1666,7 @@
           <a:lstStyle/>
           <a:p>
             <a:fld id="{9117D41A-B3D1-B44F-ADF3-E80281933F1D}" type="datetimeFigureOut">
-              <a:t>11/1/25</a:t>
+              <a:t>1/21/2025</a:t>
             </a:fld>
             <a:endParaRPr lang="en-VN"/>
           </a:p>
@@ -1931,7 +1932,7 @@
           <a:lstStyle/>
           <a:p>
             <a:fld id="{9117D41A-B3D1-B44F-ADF3-E80281933F1D}" type="datetimeFigureOut">
-              <a:t>11/1/25</a:t>
+              <a:t>1/21/2025</a:t>
             </a:fld>
             <a:endParaRPr lang="en-VN"/>
           </a:p>
@@ -2344,7 +2345,7 @@
           <a:lstStyle/>
           <a:p>
             <a:fld id="{9117D41A-B3D1-B44F-ADF3-E80281933F1D}" type="datetimeFigureOut">
-              <a:t>11/1/25</a:t>
+              <a:t>1/21/2025</a:t>
             </a:fld>
             <a:endParaRPr lang="en-VN"/>
           </a:p>
@@ -2484,7 +2485,7 @@
           <a:lstStyle/>
           <a:p>
             <a:fld id="{9117D41A-B3D1-B44F-ADF3-E80281933F1D}" type="datetimeFigureOut">
-              <a:t>11/1/25</a:t>
+              <a:t>1/21/2025</a:t>
             </a:fld>
             <a:endParaRPr lang="en-VN"/>
           </a:p>
@@ -2595,7 +2596,7 @@
           <a:lstStyle/>
           <a:p>
             <a:fld id="{9117D41A-B3D1-B44F-ADF3-E80281933F1D}" type="datetimeFigureOut">
-              <a:t>11/1/25</a:t>
+              <a:t>1/21/2025</a:t>
             </a:fld>
             <a:endParaRPr lang="en-VN"/>
           </a:p>
@@ -2906,7 +2907,7 @@
           <a:lstStyle/>
           <a:p>
             <a:fld id="{9117D41A-B3D1-B44F-ADF3-E80281933F1D}" type="datetimeFigureOut">
-              <a:t>11/1/25</a:t>
+              <a:t>1/21/2025</a:t>
             </a:fld>
             <a:endParaRPr lang="en-VN"/>
           </a:p>
@@ -3193,7 +3194,7 @@
           <a:lstStyle/>
           <a:p>
             <a:fld id="{9117D41A-B3D1-B44F-ADF3-E80281933F1D}" type="datetimeFigureOut">
-              <a:t>11/1/25</a:t>
+              <a:t>1/21/2025</a:t>
             </a:fld>
             <a:endParaRPr lang="en-VN"/>
           </a:p>
@@ -3434,7 +3435,7 @@
           </a:lstStyle>
           <a:p>
             <a:fld id="{9117D41A-B3D1-B44F-ADF3-E80281933F1D}" type="datetimeFigureOut">
-              <a:t>11/1/25</a:t>
+              <a:t>1/21/2025</a:t>
             </a:fld>
             <a:endParaRPr lang="en-VN"/>
           </a:p>
@@ -13897,6 +13898,2066 @@
           <a:chExt cx="0" cy="0"/>
         </a:xfrm>
       </p:grpSpPr>
+      <p:cxnSp>
+        <p:nvCxnSpPr>
+          <p:cNvPr id="7" name="Đường nối Thẳng 9">
+            <a:extLst>
+              <a:ext uri="{FF2B5EF4-FFF2-40B4-BE49-F238E27FC236}">
+                <a16:creationId xmlns:a16="http://schemas.microsoft.com/office/drawing/2014/main" id="{BE613008-7F63-675A-EA04-AE92215699BC}"/>
+              </a:ext>
+            </a:extLst>
+          </p:cNvPr>
+          <p:cNvCxnSpPr>
+            <a:cxnSpLocks/>
+          </p:cNvCxnSpPr>
+          <p:nvPr/>
+        </p:nvCxnSpPr>
+        <p:spPr>
+          <a:xfrm>
+            <a:off x="1550184" y="2545552"/>
+            <a:ext cx="2377440" cy="0"/>
+          </a:xfrm>
+          <a:prstGeom prst="line">
+            <a:avLst/>
+          </a:prstGeom>
+          <a:ln w="38100"/>
+        </p:spPr>
+        <p:style>
+          <a:lnRef idx="1">
+            <a:schemeClr val="dk1"/>
+          </a:lnRef>
+          <a:fillRef idx="0">
+            <a:schemeClr val="dk1"/>
+          </a:fillRef>
+          <a:effectRef idx="0">
+            <a:schemeClr val="dk1"/>
+          </a:effectRef>
+          <a:fontRef idx="minor">
+            <a:schemeClr val="tx1"/>
+          </a:fontRef>
+        </p:style>
+      </p:cxnSp>
+      <p:cxnSp>
+        <p:nvCxnSpPr>
+          <p:cNvPr id="18" name="Đường nối Thẳng 9">
+            <a:extLst>
+              <a:ext uri="{FF2B5EF4-FFF2-40B4-BE49-F238E27FC236}">
+                <a16:creationId xmlns:a16="http://schemas.microsoft.com/office/drawing/2014/main" id="{37ADDD10-F3D8-89AD-AACB-C9578C3C1354}"/>
+              </a:ext>
+            </a:extLst>
+          </p:cNvPr>
+          <p:cNvCxnSpPr>
+            <a:cxnSpLocks/>
+          </p:cNvCxnSpPr>
+          <p:nvPr/>
+        </p:nvCxnSpPr>
+        <p:spPr>
+          <a:xfrm>
+            <a:off x="1550184" y="2809077"/>
+            <a:ext cx="2377440" cy="0"/>
+          </a:xfrm>
+          <a:prstGeom prst="line">
+            <a:avLst/>
+          </a:prstGeom>
+          <a:ln w="38100"/>
+        </p:spPr>
+        <p:style>
+          <a:lnRef idx="1">
+            <a:schemeClr val="dk1"/>
+          </a:lnRef>
+          <a:fillRef idx="0">
+            <a:schemeClr val="dk1"/>
+          </a:fillRef>
+          <a:effectRef idx="0">
+            <a:schemeClr val="dk1"/>
+          </a:effectRef>
+          <a:fontRef idx="minor">
+            <a:schemeClr val="tx1"/>
+          </a:fontRef>
+        </p:style>
+      </p:cxnSp>
+      <p:cxnSp>
+        <p:nvCxnSpPr>
+          <p:cNvPr id="19" name="Đường nối Thẳng 9">
+            <a:extLst>
+              <a:ext uri="{FF2B5EF4-FFF2-40B4-BE49-F238E27FC236}">
+                <a16:creationId xmlns:a16="http://schemas.microsoft.com/office/drawing/2014/main" id="{9A3AD540-324E-FE1C-79EC-9C858D70815C}"/>
+              </a:ext>
+            </a:extLst>
+          </p:cNvPr>
+          <p:cNvCxnSpPr>
+            <a:cxnSpLocks/>
+          </p:cNvCxnSpPr>
+          <p:nvPr/>
+        </p:nvCxnSpPr>
+        <p:spPr>
+          <a:xfrm>
+            <a:off x="1550184" y="3072602"/>
+            <a:ext cx="2377440" cy="0"/>
+          </a:xfrm>
+          <a:prstGeom prst="line">
+            <a:avLst/>
+          </a:prstGeom>
+          <a:ln w="38100"/>
+        </p:spPr>
+        <p:style>
+          <a:lnRef idx="1">
+            <a:schemeClr val="dk1"/>
+          </a:lnRef>
+          <a:fillRef idx="0">
+            <a:schemeClr val="dk1"/>
+          </a:fillRef>
+          <a:effectRef idx="0">
+            <a:schemeClr val="dk1"/>
+          </a:effectRef>
+          <a:fontRef idx="minor">
+            <a:schemeClr val="tx1"/>
+          </a:fontRef>
+        </p:style>
+      </p:cxnSp>
+      <p:cxnSp>
+        <p:nvCxnSpPr>
+          <p:cNvPr id="20" name="Đường nối Thẳng 9">
+            <a:extLst>
+              <a:ext uri="{FF2B5EF4-FFF2-40B4-BE49-F238E27FC236}">
+                <a16:creationId xmlns:a16="http://schemas.microsoft.com/office/drawing/2014/main" id="{29722B11-7369-CE44-7108-A35C84ADB45A}"/>
+              </a:ext>
+            </a:extLst>
+          </p:cNvPr>
+          <p:cNvCxnSpPr>
+            <a:cxnSpLocks/>
+          </p:cNvCxnSpPr>
+          <p:nvPr/>
+        </p:nvCxnSpPr>
+        <p:spPr>
+          <a:xfrm>
+            <a:off x="1550184" y="3336127"/>
+            <a:ext cx="2377440" cy="0"/>
+          </a:xfrm>
+          <a:prstGeom prst="line">
+            <a:avLst/>
+          </a:prstGeom>
+          <a:ln w="38100"/>
+        </p:spPr>
+        <p:style>
+          <a:lnRef idx="1">
+            <a:schemeClr val="dk1"/>
+          </a:lnRef>
+          <a:fillRef idx="0">
+            <a:schemeClr val="dk1"/>
+          </a:fillRef>
+          <a:effectRef idx="0">
+            <a:schemeClr val="dk1"/>
+          </a:effectRef>
+          <a:fontRef idx="minor">
+            <a:schemeClr val="tx1"/>
+          </a:fontRef>
+        </p:style>
+      </p:cxnSp>
+      <p:sp>
+        <p:nvSpPr>
+          <p:cNvPr id="21" name="Oval 20">
+            <a:extLst>
+              <a:ext uri="{FF2B5EF4-FFF2-40B4-BE49-F238E27FC236}">
+                <a16:creationId xmlns:a16="http://schemas.microsoft.com/office/drawing/2014/main" id="{AB409125-E9D2-9A72-C9EA-83C8C592A2F2}"/>
+              </a:ext>
+            </a:extLst>
+          </p:cNvPr>
+          <p:cNvSpPr/>
+          <p:nvPr/>
+        </p:nvSpPr>
+        <p:spPr>
+          <a:xfrm>
+            <a:off x="1721644" y="2454112"/>
+            <a:ext cx="182880" cy="182880"/>
+          </a:xfrm>
+          <a:prstGeom prst="ellipse">
+            <a:avLst/>
+          </a:prstGeom>
+        </p:spPr>
+        <p:style>
+          <a:lnRef idx="2">
+            <a:schemeClr val="accent1">
+              <a:shade val="15000"/>
+            </a:schemeClr>
+          </a:lnRef>
+          <a:fillRef idx="1">
+            <a:schemeClr val="accent1"/>
+          </a:fillRef>
+          <a:effectRef idx="0">
+            <a:schemeClr val="accent1"/>
+          </a:effectRef>
+          <a:fontRef idx="minor">
+            <a:schemeClr val="lt1"/>
+          </a:fontRef>
+        </p:style>
+        <p:txBody>
+          <a:bodyPr rtlCol="0" anchor="ctr"/>
+          <a:lstStyle/>
+          <a:p>
+            <a:pPr algn="ctr"/>
+            <a:endParaRPr lang="en-US"/>
+          </a:p>
+        </p:txBody>
+      </p:sp>
+      <p:sp>
+        <p:nvSpPr>
+          <p:cNvPr id="22" name="Oval 21">
+            <a:extLst>
+              <a:ext uri="{FF2B5EF4-FFF2-40B4-BE49-F238E27FC236}">
+                <a16:creationId xmlns:a16="http://schemas.microsoft.com/office/drawing/2014/main" id="{1731673B-13F5-836F-36E0-0EFB42073D92}"/>
+              </a:ext>
+            </a:extLst>
+          </p:cNvPr>
+          <p:cNvSpPr/>
+          <p:nvPr/>
+        </p:nvSpPr>
+        <p:spPr>
+          <a:xfrm>
+            <a:off x="1984544" y="2454112"/>
+            <a:ext cx="182880" cy="182880"/>
+          </a:xfrm>
+          <a:prstGeom prst="ellipse">
+            <a:avLst/>
+          </a:prstGeom>
+        </p:spPr>
+        <p:style>
+          <a:lnRef idx="2">
+            <a:schemeClr val="accent1">
+              <a:shade val="15000"/>
+            </a:schemeClr>
+          </a:lnRef>
+          <a:fillRef idx="1">
+            <a:schemeClr val="accent1"/>
+          </a:fillRef>
+          <a:effectRef idx="0">
+            <a:schemeClr val="accent1"/>
+          </a:effectRef>
+          <a:fontRef idx="minor">
+            <a:schemeClr val="lt1"/>
+          </a:fontRef>
+        </p:style>
+        <p:txBody>
+          <a:bodyPr rtlCol="0" anchor="ctr"/>
+          <a:lstStyle/>
+          <a:p>
+            <a:pPr algn="ctr"/>
+            <a:endParaRPr lang="en-US"/>
+          </a:p>
+        </p:txBody>
+      </p:sp>
+      <p:sp>
+        <p:nvSpPr>
+          <p:cNvPr id="23" name="Oval 22">
+            <a:extLst>
+              <a:ext uri="{FF2B5EF4-FFF2-40B4-BE49-F238E27FC236}">
+                <a16:creationId xmlns:a16="http://schemas.microsoft.com/office/drawing/2014/main" id="{106935A5-9CF0-43A8-57B4-2C39CFAAD06E}"/>
+              </a:ext>
+            </a:extLst>
+          </p:cNvPr>
+          <p:cNvSpPr/>
+          <p:nvPr/>
+        </p:nvSpPr>
+        <p:spPr>
+          <a:xfrm>
+            <a:off x="1725950" y="2717636"/>
+            <a:ext cx="182880" cy="182880"/>
+          </a:xfrm>
+          <a:prstGeom prst="ellipse">
+            <a:avLst/>
+          </a:prstGeom>
+        </p:spPr>
+        <p:style>
+          <a:lnRef idx="2">
+            <a:schemeClr val="accent1">
+              <a:shade val="15000"/>
+            </a:schemeClr>
+          </a:lnRef>
+          <a:fillRef idx="1">
+            <a:schemeClr val="accent1"/>
+          </a:fillRef>
+          <a:effectRef idx="0">
+            <a:schemeClr val="accent1"/>
+          </a:effectRef>
+          <a:fontRef idx="minor">
+            <a:schemeClr val="lt1"/>
+          </a:fontRef>
+        </p:style>
+        <p:txBody>
+          <a:bodyPr rtlCol="0" anchor="ctr"/>
+          <a:lstStyle/>
+          <a:p>
+            <a:pPr algn="ctr"/>
+            <a:endParaRPr lang="en-US"/>
+          </a:p>
+        </p:txBody>
+      </p:sp>
+      <p:sp>
+        <p:nvSpPr>
+          <p:cNvPr id="24" name="Oval 23">
+            <a:extLst>
+              <a:ext uri="{FF2B5EF4-FFF2-40B4-BE49-F238E27FC236}">
+                <a16:creationId xmlns:a16="http://schemas.microsoft.com/office/drawing/2014/main" id="{D529CDA9-2A00-BB33-1A3B-60B8943DC01B}"/>
+              </a:ext>
+            </a:extLst>
+          </p:cNvPr>
+          <p:cNvSpPr/>
+          <p:nvPr/>
+        </p:nvSpPr>
+        <p:spPr>
+          <a:xfrm>
+            <a:off x="1722607" y="2981159"/>
+            <a:ext cx="182880" cy="182880"/>
+          </a:xfrm>
+          <a:prstGeom prst="ellipse">
+            <a:avLst/>
+          </a:prstGeom>
+        </p:spPr>
+        <p:style>
+          <a:lnRef idx="2">
+            <a:schemeClr val="accent1">
+              <a:shade val="15000"/>
+            </a:schemeClr>
+          </a:lnRef>
+          <a:fillRef idx="1">
+            <a:schemeClr val="accent1"/>
+          </a:fillRef>
+          <a:effectRef idx="0">
+            <a:schemeClr val="accent1"/>
+          </a:effectRef>
+          <a:fontRef idx="minor">
+            <a:schemeClr val="lt1"/>
+          </a:fontRef>
+        </p:style>
+        <p:txBody>
+          <a:bodyPr rtlCol="0" anchor="ctr"/>
+          <a:lstStyle/>
+          <a:p>
+            <a:pPr algn="ctr"/>
+            <a:endParaRPr lang="en-US"/>
+          </a:p>
+        </p:txBody>
+      </p:sp>
+      <p:sp>
+        <p:nvSpPr>
+          <p:cNvPr id="25" name="Oval 24">
+            <a:extLst>
+              <a:ext uri="{FF2B5EF4-FFF2-40B4-BE49-F238E27FC236}">
+                <a16:creationId xmlns:a16="http://schemas.microsoft.com/office/drawing/2014/main" id="{3654FF00-D59B-F9E3-E2F0-2E7898EF6AC7}"/>
+              </a:ext>
+            </a:extLst>
+          </p:cNvPr>
+          <p:cNvSpPr/>
+          <p:nvPr/>
+        </p:nvSpPr>
+        <p:spPr>
+          <a:xfrm>
+            <a:off x="1984544" y="2975763"/>
+            <a:ext cx="182880" cy="182880"/>
+          </a:xfrm>
+          <a:prstGeom prst="ellipse">
+            <a:avLst/>
+          </a:prstGeom>
+        </p:spPr>
+        <p:style>
+          <a:lnRef idx="2">
+            <a:schemeClr val="accent1">
+              <a:shade val="15000"/>
+            </a:schemeClr>
+          </a:lnRef>
+          <a:fillRef idx="1">
+            <a:schemeClr val="accent1"/>
+          </a:fillRef>
+          <a:effectRef idx="0">
+            <a:schemeClr val="accent1"/>
+          </a:effectRef>
+          <a:fontRef idx="minor">
+            <a:schemeClr val="lt1"/>
+          </a:fontRef>
+        </p:style>
+        <p:txBody>
+          <a:bodyPr rtlCol="0" anchor="ctr"/>
+          <a:lstStyle/>
+          <a:p>
+            <a:pPr algn="ctr"/>
+            <a:endParaRPr lang="en-US"/>
+          </a:p>
+        </p:txBody>
+      </p:sp>
+      <p:sp>
+        <p:nvSpPr>
+          <p:cNvPr id="26" name="Oval 25">
+            <a:extLst>
+              <a:ext uri="{FF2B5EF4-FFF2-40B4-BE49-F238E27FC236}">
+                <a16:creationId xmlns:a16="http://schemas.microsoft.com/office/drawing/2014/main" id="{E7C4FDF3-E3D1-360C-16E5-0C73D83463B1}"/>
+              </a:ext>
+            </a:extLst>
+          </p:cNvPr>
+          <p:cNvSpPr/>
+          <p:nvPr/>
+        </p:nvSpPr>
+        <p:spPr>
+          <a:xfrm>
+            <a:off x="1721644" y="3255482"/>
+            <a:ext cx="182880" cy="182880"/>
+          </a:xfrm>
+          <a:prstGeom prst="ellipse">
+            <a:avLst/>
+          </a:prstGeom>
+        </p:spPr>
+        <p:style>
+          <a:lnRef idx="2">
+            <a:schemeClr val="accent1">
+              <a:shade val="15000"/>
+            </a:schemeClr>
+          </a:lnRef>
+          <a:fillRef idx="1">
+            <a:schemeClr val="accent1"/>
+          </a:fillRef>
+          <a:effectRef idx="0">
+            <a:schemeClr val="accent1"/>
+          </a:effectRef>
+          <a:fontRef idx="minor">
+            <a:schemeClr val="lt1"/>
+          </a:fontRef>
+        </p:style>
+        <p:txBody>
+          <a:bodyPr rtlCol="0" anchor="ctr"/>
+          <a:lstStyle/>
+          <a:p>
+            <a:pPr algn="ctr"/>
+            <a:endParaRPr lang="en-US"/>
+          </a:p>
+        </p:txBody>
+      </p:sp>
+      <p:sp>
+        <p:nvSpPr>
+          <p:cNvPr id="27" name="Oval 26">
+            <a:extLst>
+              <a:ext uri="{FF2B5EF4-FFF2-40B4-BE49-F238E27FC236}">
+                <a16:creationId xmlns:a16="http://schemas.microsoft.com/office/drawing/2014/main" id="{9F337C3C-F3E4-BCCB-DA06-4F56EE4905AD}"/>
+              </a:ext>
+            </a:extLst>
+          </p:cNvPr>
+          <p:cNvSpPr/>
+          <p:nvPr/>
+        </p:nvSpPr>
+        <p:spPr>
+          <a:xfrm>
+            <a:off x="1984544" y="3255482"/>
+            <a:ext cx="182880" cy="182880"/>
+          </a:xfrm>
+          <a:prstGeom prst="ellipse">
+            <a:avLst/>
+          </a:prstGeom>
+        </p:spPr>
+        <p:style>
+          <a:lnRef idx="2">
+            <a:schemeClr val="accent1">
+              <a:shade val="15000"/>
+            </a:schemeClr>
+          </a:lnRef>
+          <a:fillRef idx="1">
+            <a:schemeClr val="accent1"/>
+          </a:fillRef>
+          <a:effectRef idx="0">
+            <a:schemeClr val="accent1"/>
+          </a:effectRef>
+          <a:fontRef idx="minor">
+            <a:schemeClr val="lt1"/>
+          </a:fontRef>
+        </p:style>
+        <p:txBody>
+          <a:bodyPr rtlCol="0" anchor="ctr"/>
+          <a:lstStyle/>
+          <a:p>
+            <a:pPr algn="ctr"/>
+            <a:endParaRPr lang="en-US"/>
+          </a:p>
+        </p:txBody>
+      </p:sp>
+      <p:sp>
+        <p:nvSpPr>
+          <p:cNvPr id="28" name="Oval 27">
+            <a:extLst>
+              <a:ext uri="{FF2B5EF4-FFF2-40B4-BE49-F238E27FC236}">
+                <a16:creationId xmlns:a16="http://schemas.microsoft.com/office/drawing/2014/main" id="{585AF693-3D29-B365-D700-348E23CB42F4}"/>
+              </a:ext>
+            </a:extLst>
+          </p:cNvPr>
+          <p:cNvSpPr/>
+          <p:nvPr/>
+        </p:nvSpPr>
+        <p:spPr>
+          <a:xfrm>
+            <a:off x="2256513" y="3255482"/>
+            <a:ext cx="182880" cy="182880"/>
+          </a:xfrm>
+          <a:prstGeom prst="ellipse">
+            <a:avLst/>
+          </a:prstGeom>
+        </p:spPr>
+        <p:style>
+          <a:lnRef idx="2">
+            <a:schemeClr val="accent1">
+              <a:shade val="15000"/>
+            </a:schemeClr>
+          </a:lnRef>
+          <a:fillRef idx="1">
+            <a:schemeClr val="accent1"/>
+          </a:fillRef>
+          <a:effectRef idx="0">
+            <a:schemeClr val="accent1"/>
+          </a:effectRef>
+          <a:fontRef idx="minor">
+            <a:schemeClr val="lt1"/>
+          </a:fontRef>
+        </p:style>
+        <p:txBody>
+          <a:bodyPr rtlCol="0" anchor="ctr"/>
+          <a:lstStyle/>
+          <a:p>
+            <a:pPr algn="ctr"/>
+            <a:endParaRPr lang="en-US"/>
+          </a:p>
+        </p:txBody>
+      </p:sp>
+      <p:sp>
+        <p:nvSpPr>
+          <p:cNvPr id="29" name="Oval 28">
+            <a:extLst>
+              <a:ext uri="{FF2B5EF4-FFF2-40B4-BE49-F238E27FC236}">
+                <a16:creationId xmlns:a16="http://schemas.microsoft.com/office/drawing/2014/main" id="{5C432F99-06C0-C878-ECBC-1DDDB72FE754}"/>
+              </a:ext>
+            </a:extLst>
+          </p:cNvPr>
+          <p:cNvSpPr/>
+          <p:nvPr/>
+        </p:nvSpPr>
+        <p:spPr>
+          <a:xfrm>
+            <a:off x="2528482" y="3255482"/>
+            <a:ext cx="182880" cy="182880"/>
+          </a:xfrm>
+          <a:prstGeom prst="ellipse">
+            <a:avLst/>
+          </a:prstGeom>
+        </p:spPr>
+        <p:style>
+          <a:lnRef idx="2">
+            <a:schemeClr val="accent1">
+              <a:shade val="15000"/>
+            </a:schemeClr>
+          </a:lnRef>
+          <a:fillRef idx="1">
+            <a:schemeClr val="accent1"/>
+          </a:fillRef>
+          <a:effectRef idx="0">
+            <a:schemeClr val="accent1"/>
+          </a:effectRef>
+          <a:fontRef idx="minor">
+            <a:schemeClr val="lt1"/>
+          </a:fontRef>
+        </p:style>
+        <p:txBody>
+          <a:bodyPr rtlCol="0" anchor="ctr"/>
+          <a:lstStyle/>
+          <a:p>
+            <a:pPr algn="ctr"/>
+            <a:endParaRPr lang="en-US"/>
+          </a:p>
+        </p:txBody>
+      </p:sp>
+      <p:grpSp>
+        <p:nvGrpSpPr>
+          <p:cNvPr id="33" name="Group 32">
+            <a:extLst>
+              <a:ext uri="{FF2B5EF4-FFF2-40B4-BE49-F238E27FC236}">
+                <a16:creationId xmlns:a16="http://schemas.microsoft.com/office/drawing/2014/main" id="{936A29B5-1E08-40BE-76AC-3C90D7A4F024}"/>
+              </a:ext>
+            </a:extLst>
+          </p:cNvPr>
+          <p:cNvGrpSpPr/>
+          <p:nvPr/>
+        </p:nvGrpSpPr>
+        <p:grpSpPr>
+          <a:xfrm>
+            <a:off x="2659860" y="2562225"/>
+            <a:ext cx="681037" cy="424337"/>
+            <a:chOff x="2438400" y="2562225"/>
+            <a:chExt cx="681037" cy="424337"/>
+          </a:xfrm>
+        </p:grpSpPr>
+        <p:cxnSp>
+          <p:nvCxnSpPr>
+            <p:cNvPr id="31" name="Straight Connector 30">
+              <a:extLst>
+                <a:ext uri="{FF2B5EF4-FFF2-40B4-BE49-F238E27FC236}">
+                  <a16:creationId xmlns:a16="http://schemas.microsoft.com/office/drawing/2014/main" id="{2FAF7428-AA9E-92C9-1539-7AF34B5BC78D}"/>
+                </a:ext>
+              </a:extLst>
+            </p:cNvPr>
+            <p:cNvCxnSpPr/>
+            <p:nvPr/>
+          </p:nvCxnSpPr>
+          <p:spPr>
+            <a:xfrm>
+              <a:off x="2778919" y="2562225"/>
+              <a:ext cx="0" cy="269081"/>
+            </a:xfrm>
+            <a:prstGeom prst="line">
+              <a:avLst/>
+            </a:prstGeom>
+            <a:ln w="28575"/>
+          </p:spPr>
+          <p:style>
+            <a:lnRef idx="1">
+              <a:schemeClr val="dk1"/>
+            </a:lnRef>
+            <a:fillRef idx="0">
+              <a:schemeClr val="dk1"/>
+            </a:fillRef>
+            <a:effectRef idx="0">
+              <a:schemeClr val="dk1"/>
+            </a:effectRef>
+            <a:fontRef idx="minor">
+              <a:schemeClr val="tx1"/>
+            </a:fontRef>
+          </p:style>
+        </p:cxnSp>
+        <mc:AlternateContent xmlns:mc="http://schemas.openxmlformats.org/markup-compatibility/2006">
+          <mc:Choice xmlns:a14="http://schemas.microsoft.com/office/drawing/2010/main" Requires="a14">
+            <p:sp>
+              <p:nvSpPr>
+                <p:cNvPr id="32" name="TextBox 31">
+                  <a:extLst>
+                    <a:ext uri="{FF2B5EF4-FFF2-40B4-BE49-F238E27FC236}">
+                      <a16:creationId xmlns:a16="http://schemas.microsoft.com/office/drawing/2014/main" id="{991DAE08-3413-B5C1-81A9-EA62E553E57C}"/>
+                    </a:ext>
+                  </a:extLst>
+                </p:cNvPr>
+                <p:cNvSpPr txBox="1"/>
+                <p:nvPr/>
+              </p:nvSpPr>
+              <p:spPr>
+                <a:xfrm>
+                  <a:off x="2438400" y="2617230"/>
+                  <a:ext cx="681037" cy="369332"/>
+                </a:xfrm>
+                <a:prstGeom prst="rect">
+                  <a:avLst/>
+                </a:prstGeom>
+                <a:noFill/>
+              </p:spPr>
+              <p:txBody>
+                <a:bodyPr wrap="square" rtlCol="0">
+                  <a:spAutoFit/>
+                </a:bodyPr>
+                <a:lstStyle/>
+                <a:p>
+                  <a14:m>
+                    <m:oMathPara xmlns:m="http://schemas.openxmlformats.org/officeDocument/2006/math">
+                      <m:oMathParaPr>
+                        <m:jc m:val="centerGroup"/>
+                      </m:oMathParaPr>
+                      <m:oMath xmlns:m="http://schemas.openxmlformats.org/officeDocument/2006/math">
+                        <m:r>
+                          <a:rPr lang="en-US" b="0" i="1" smtClean="0">
+                            <a:latin typeface="Cambria Math" panose="02040503050406030204" pitchFamily="18" charset="0"/>
+                          </a:rPr>
+                          <m:t>×</m:t>
+                        </m:r>
+                      </m:oMath>
+                    </m:oMathPara>
+                  </a14:m>
+                  <a:endParaRPr lang="en-US" dirty="0"/>
+                </a:p>
+              </p:txBody>
+            </p:sp>
+          </mc:Choice>
+          <mc:Fallback>
+            <p:sp>
+              <p:nvSpPr>
+                <p:cNvPr id="32" name="TextBox 31">
+                  <a:extLst>
+                    <a:ext uri="{FF2B5EF4-FFF2-40B4-BE49-F238E27FC236}">
+                      <a16:creationId xmlns:a16="http://schemas.microsoft.com/office/drawing/2014/main" id="{991DAE08-3413-B5C1-81A9-EA62E553E57C}"/>
+                    </a:ext>
+                  </a:extLst>
+                </p:cNvPr>
+                <p:cNvSpPr txBox="1">
+                  <a:spLocks noRot="1" noChangeAspect="1" noMove="1" noResize="1" noEditPoints="1" noAdjustHandles="1" noChangeArrowheads="1" noChangeShapeType="1" noTextEdit="1"/>
+                </p:cNvSpPr>
+                <p:nvPr/>
+              </p:nvSpPr>
+              <p:spPr>
+                <a:xfrm>
+                  <a:off x="2438400" y="2617230"/>
+                  <a:ext cx="681037" cy="369332"/>
+                </a:xfrm>
+                <a:prstGeom prst="rect">
+                  <a:avLst/>
+                </a:prstGeom>
+                <a:blipFill>
+                  <a:blip r:embed="rId2"/>
+                  <a:stretch>
+                    <a:fillRect/>
+                  </a:stretch>
+                </a:blipFill>
+              </p:spPr>
+              <p:txBody>
+                <a:bodyPr/>
+                <a:lstStyle/>
+                <a:p>
+                  <a:r>
+                    <a:rPr lang="en-US">
+                      <a:noFill/>
+                    </a:rPr>
+                    <a:t> </a:t>
+                  </a:r>
+                </a:p>
+              </p:txBody>
+            </p:sp>
+          </mc:Fallback>
+        </mc:AlternateContent>
+      </p:grpSp>
+      <p:grpSp>
+        <p:nvGrpSpPr>
+          <p:cNvPr id="34" name="Group 33">
+            <a:extLst>
+              <a:ext uri="{FF2B5EF4-FFF2-40B4-BE49-F238E27FC236}">
+                <a16:creationId xmlns:a16="http://schemas.microsoft.com/office/drawing/2014/main" id="{1D44CF4A-1CF9-D307-3061-BFD84489E428}"/>
+              </a:ext>
+            </a:extLst>
+          </p:cNvPr>
+          <p:cNvGrpSpPr/>
+          <p:nvPr/>
+        </p:nvGrpSpPr>
+        <p:grpSpPr>
+          <a:xfrm>
+            <a:off x="2667000" y="3089425"/>
+            <a:ext cx="681037" cy="424337"/>
+            <a:chOff x="2438400" y="2562225"/>
+            <a:chExt cx="681037" cy="424337"/>
+          </a:xfrm>
+        </p:grpSpPr>
+        <p:cxnSp>
+          <p:nvCxnSpPr>
+            <p:cNvPr id="35" name="Straight Connector 34">
+              <a:extLst>
+                <a:ext uri="{FF2B5EF4-FFF2-40B4-BE49-F238E27FC236}">
+                  <a16:creationId xmlns:a16="http://schemas.microsoft.com/office/drawing/2014/main" id="{7922D74A-7772-1E65-FE33-DA1E5ACB741E}"/>
+                </a:ext>
+              </a:extLst>
+            </p:cNvPr>
+            <p:cNvCxnSpPr/>
+            <p:nvPr/>
+          </p:nvCxnSpPr>
+          <p:spPr>
+            <a:xfrm>
+              <a:off x="2778919" y="2562225"/>
+              <a:ext cx="0" cy="269081"/>
+            </a:xfrm>
+            <a:prstGeom prst="line">
+              <a:avLst/>
+            </a:prstGeom>
+            <a:ln w="28575"/>
+          </p:spPr>
+          <p:style>
+            <a:lnRef idx="1">
+              <a:schemeClr val="dk1"/>
+            </a:lnRef>
+            <a:fillRef idx="0">
+              <a:schemeClr val="dk1"/>
+            </a:fillRef>
+            <a:effectRef idx="0">
+              <a:schemeClr val="dk1"/>
+            </a:effectRef>
+            <a:fontRef idx="minor">
+              <a:schemeClr val="tx1"/>
+            </a:fontRef>
+          </p:style>
+        </p:cxnSp>
+        <mc:AlternateContent xmlns:mc="http://schemas.openxmlformats.org/markup-compatibility/2006">
+          <mc:Choice xmlns:a14="http://schemas.microsoft.com/office/drawing/2010/main" Requires="a14">
+            <p:sp>
+              <p:nvSpPr>
+                <p:cNvPr id="36" name="TextBox 35">
+                  <a:extLst>
+                    <a:ext uri="{FF2B5EF4-FFF2-40B4-BE49-F238E27FC236}">
+                      <a16:creationId xmlns:a16="http://schemas.microsoft.com/office/drawing/2014/main" id="{FDB0CAC6-A1FB-0901-3283-1EF881EC2C37}"/>
+                    </a:ext>
+                  </a:extLst>
+                </p:cNvPr>
+                <p:cNvSpPr txBox="1"/>
+                <p:nvPr/>
+              </p:nvSpPr>
+              <p:spPr>
+                <a:xfrm>
+                  <a:off x="2438400" y="2617230"/>
+                  <a:ext cx="681037" cy="369332"/>
+                </a:xfrm>
+                <a:prstGeom prst="rect">
+                  <a:avLst/>
+                </a:prstGeom>
+                <a:noFill/>
+              </p:spPr>
+              <p:txBody>
+                <a:bodyPr wrap="square" rtlCol="0">
+                  <a:spAutoFit/>
+                </a:bodyPr>
+                <a:lstStyle/>
+                <a:p>
+                  <a14:m>
+                    <m:oMathPara xmlns:m="http://schemas.openxmlformats.org/officeDocument/2006/math">
+                      <m:oMathParaPr>
+                        <m:jc m:val="centerGroup"/>
+                      </m:oMathParaPr>
+                      <m:oMath xmlns:m="http://schemas.openxmlformats.org/officeDocument/2006/math">
+                        <m:r>
+                          <a:rPr lang="en-US" b="0" i="1" smtClean="0">
+                            <a:latin typeface="Cambria Math" panose="02040503050406030204" pitchFamily="18" charset="0"/>
+                          </a:rPr>
+                          <m:t>×</m:t>
+                        </m:r>
+                      </m:oMath>
+                    </m:oMathPara>
+                  </a14:m>
+                  <a:endParaRPr lang="en-US" dirty="0"/>
+                </a:p>
+              </p:txBody>
+            </p:sp>
+          </mc:Choice>
+          <mc:Fallback>
+            <p:sp>
+              <p:nvSpPr>
+                <p:cNvPr id="36" name="TextBox 35">
+                  <a:extLst>
+                    <a:ext uri="{FF2B5EF4-FFF2-40B4-BE49-F238E27FC236}">
+                      <a16:creationId xmlns:a16="http://schemas.microsoft.com/office/drawing/2014/main" id="{FDB0CAC6-A1FB-0901-3283-1EF881EC2C37}"/>
+                    </a:ext>
+                  </a:extLst>
+                </p:cNvPr>
+                <p:cNvSpPr txBox="1">
+                  <a:spLocks noRot="1" noChangeAspect="1" noMove="1" noResize="1" noEditPoints="1" noAdjustHandles="1" noChangeArrowheads="1" noChangeShapeType="1" noTextEdit="1"/>
+                </p:cNvSpPr>
+                <p:nvPr/>
+              </p:nvSpPr>
+              <p:spPr>
+                <a:xfrm>
+                  <a:off x="2438400" y="2617230"/>
+                  <a:ext cx="681037" cy="369332"/>
+                </a:xfrm>
+                <a:prstGeom prst="rect">
+                  <a:avLst/>
+                </a:prstGeom>
+                <a:blipFill>
+                  <a:blip r:embed="rId3"/>
+                  <a:stretch>
+                    <a:fillRect/>
+                  </a:stretch>
+                </a:blipFill>
+              </p:spPr>
+              <p:txBody>
+                <a:bodyPr/>
+                <a:lstStyle/>
+                <a:p>
+                  <a:r>
+                    <a:rPr lang="en-US">
+                      <a:noFill/>
+                    </a:rPr>
+                    <a:t> </a:t>
+                  </a:r>
+                </a:p>
+              </p:txBody>
+            </p:sp>
+          </mc:Fallback>
+        </mc:AlternateContent>
+      </p:grpSp>
+      <p:sp>
+        <p:nvSpPr>
+          <p:cNvPr id="37" name="Oval 36">
+            <a:extLst>
+              <a:ext uri="{FF2B5EF4-FFF2-40B4-BE49-F238E27FC236}">
+                <a16:creationId xmlns:a16="http://schemas.microsoft.com/office/drawing/2014/main" id="{E91B9C1B-8135-3A71-1FBC-2956E4BEB1F8}"/>
+              </a:ext>
+            </a:extLst>
+          </p:cNvPr>
+          <p:cNvSpPr/>
+          <p:nvPr/>
+        </p:nvSpPr>
+        <p:spPr>
+          <a:xfrm>
+            <a:off x="3252291" y="2454112"/>
+            <a:ext cx="182880" cy="182880"/>
+          </a:xfrm>
+          <a:prstGeom prst="ellipse">
+            <a:avLst/>
+          </a:prstGeom>
+        </p:spPr>
+        <p:style>
+          <a:lnRef idx="2">
+            <a:schemeClr val="accent1">
+              <a:shade val="15000"/>
+            </a:schemeClr>
+          </a:lnRef>
+          <a:fillRef idx="1">
+            <a:schemeClr val="accent1"/>
+          </a:fillRef>
+          <a:effectRef idx="0">
+            <a:schemeClr val="accent1"/>
+          </a:effectRef>
+          <a:fontRef idx="minor">
+            <a:schemeClr val="lt1"/>
+          </a:fontRef>
+        </p:style>
+        <p:txBody>
+          <a:bodyPr rtlCol="0" anchor="ctr"/>
+          <a:lstStyle/>
+          <a:p>
+            <a:pPr algn="ctr"/>
+            <a:endParaRPr lang="en-US"/>
+          </a:p>
+        </p:txBody>
+      </p:sp>
+      <p:sp>
+        <p:nvSpPr>
+          <p:cNvPr id="38" name="Oval 37">
+            <a:extLst>
+              <a:ext uri="{FF2B5EF4-FFF2-40B4-BE49-F238E27FC236}">
+                <a16:creationId xmlns:a16="http://schemas.microsoft.com/office/drawing/2014/main" id="{5CEA002A-5A0A-ADA7-B263-FB1530D18AE3}"/>
+              </a:ext>
+            </a:extLst>
+          </p:cNvPr>
+          <p:cNvSpPr/>
+          <p:nvPr/>
+        </p:nvSpPr>
+        <p:spPr>
+          <a:xfrm>
+            <a:off x="3256597" y="2717636"/>
+            <a:ext cx="182880" cy="182880"/>
+          </a:xfrm>
+          <a:prstGeom prst="ellipse">
+            <a:avLst/>
+          </a:prstGeom>
+        </p:spPr>
+        <p:style>
+          <a:lnRef idx="2">
+            <a:schemeClr val="accent1">
+              <a:shade val="15000"/>
+            </a:schemeClr>
+          </a:lnRef>
+          <a:fillRef idx="1">
+            <a:schemeClr val="accent1"/>
+          </a:fillRef>
+          <a:effectRef idx="0">
+            <a:schemeClr val="accent1"/>
+          </a:effectRef>
+          <a:fontRef idx="minor">
+            <a:schemeClr val="lt1"/>
+          </a:fontRef>
+        </p:style>
+        <p:txBody>
+          <a:bodyPr rtlCol="0" anchor="ctr"/>
+          <a:lstStyle/>
+          <a:p>
+            <a:pPr algn="ctr"/>
+            <a:endParaRPr lang="en-US"/>
+          </a:p>
+        </p:txBody>
+      </p:sp>
+      <p:sp>
+        <p:nvSpPr>
+          <p:cNvPr id="39" name="Oval 38">
+            <a:extLst>
+              <a:ext uri="{FF2B5EF4-FFF2-40B4-BE49-F238E27FC236}">
+                <a16:creationId xmlns:a16="http://schemas.microsoft.com/office/drawing/2014/main" id="{B6AF0460-19EE-E1C7-6F00-0F68F34CF12A}"/>
+              </a:ext>
+            </a:extLst>
+          </p:cNvPr>
+          <p:cNvSpPr/>
+          <p:nvPr/>
+        </p:nvSpPr>
+        <p:spPr>
+          <a:xfrm>
+            <a:off x="3253254" y="2981159"/>
+            <a:ext cx="182880" cy="182880"/>
+          </a:xfrm>
+          <a:prstGeom prst="ellipse">
+            <a:avLst/>
+          </a:prstGeom>
+        </p:spPr>
+        <p:style>
+          <a:lnRef idx="2">
+            <a:schemeClr val="accent1">
+              <a:shade val="15000"/>
+            </a:schemeClr>
+          </a:lnRef>
+          <a:fillRef idx="1">
+            <a:schemeClr val="accent1"/>
+          </a:fillRef>
+          <a:effectRef idx="0">
+            <a:schemeClr val="accent1"/>
+          </a:effectRef>
+          <a:fontRef idx="minor">
+            <a:schemeClr val="lt1"/>
+          </a:fontRef>
+        </p:style>
+        <p:txBody>
+          <a:bodyPr rtlCol="0" anchor="ctr"/>
+          <a:lstStyle/>
+          <a:p>
+            <a:pPr algn="ctr"/>
+            <a:endParaRPr lang="en-US"/>
+          </a:p>
+        </p:txBody>
+      </p:sp>
+      <p:grpSp>
+        <p:nvGrpSpPr>
+          <p:cNvPr id="40" name="Group 39">
+            <a:extLst>
+              <a:ext uri="{FF2B5EF4-FFF2-40B4-BE49-F238E27FC236}">
+                <a16:creationId xmlns:a16="http://schemas.microsoft.com/office/drawing/2014/main" id="{D9741331-1ABB-EB1E-80BD-DEFE8B6AA466}"/>
+              </a:ext>
+            </a:extLst>
+          </p:cNvPr>
+          <p:cNvGrpSpPr/>
+          <p:nvPr/>
+        </p:nvGrpSpPr>
+        <p:grpSpPr>
+          <a:xfrm flipV="1">
+            <a:off x="3339393" y="2636992"/>
+            <a:ext cx="681037" cy="424337"/>
+            <a:chOff x="2438400" y="2562225"/>
+            <a:chExt cx="681037" cy="424337"/>
+          </a:xfrm>
+        </p:grpSpPr>
+        <p:cxnSp>
+          <p:nvCxnSpPr>
+            <p:cNvPr id="41" name="Straight Connector 40">
+              <a:extLst>
+                <a:ext uri="{FF2B5EF4-FFF2-40B4-BE49-F238E27FC236}">
+                  <a16:creationId xmlns:a16="http://schemas.microsoft.com/office/drawing/2014/main" id="{0E3F5EB3-8323-03A4-7E28-E23AB828FBFE}"/>
+                </a:ext>
+              </a:extLst>
+            </p:cNvPr>
+            <p:cNvCxnSpPr/>
+            <p:nvPr/>
+          </p:nvCxnSpPr>
+          <p:spPr>
+            <a:xfrm>
+              <a:off x="2778919" y="2562225"/>
+              <a:ext cx="0" cy="269081"/>
+            </a:xfrm>
+            <a:prstGeom prst="line">
+              <a:avLst/>
+            </a:prstGeom>
+            <a:ln w="28575"/>
+          </p:spPr>
+          <p:style>
+            <a:lnRef idx="1">
+              <a:schemeClr val="dk1"/>
+            </a:lnRef>
+            <a:fillRef idx="0">
+              <a:schemeClr val="dk1"/>
+            </a:fillRef>
+            <a:effectRef idx="0">
+              <a:schemeClr val="dk1"/>
+            </a:effectRef>
+            <a:fontRef idx="minor">
+              <a:schemeClr val="tx1"/>
+            </a:fontRef>
+          </p:style>
+        </p:cxnSp>
+        <mc:AlternateContent xmlns:mc="http://schemas.openxmlformats.org/markup-compatibility/2006">
+          <mc:Choice xmlns:a14="http://schemas.microsoft.com/office/drawing/2010/main" Requires="a14">
+            <p:sp>
+              <p:nvSpPr>
+                <p:cNvPr id="42" name="TextBox 41">
+                  <a:extLst>
+                    <a:ext uri="{FF2B5EF4-FFF2-40B4-BE49-F238E27FC236}">
+                      <a16:creationId xmlns:a16="http://schemas.microsoft.com/office/drawing/2014/main" id="{942E6F09-88C1-3559-0F60-C154B0DB4B1C}"/>
+                    </a:ext>
+                  </a:extLst>
+                </p:cNvPr>
+                <p:cNvSpPr txBox="1"/>
+                <p:nvPr/>
+              </p:nvSpPr>
+              <p:spPr>
+                <a:xfrm>
+                  <a:off x="2438400" y="2617230"/>
+                  <a:ext cx="681037" cy="369332"/>
+                </a:xfrm>
+                <a:prstGeom prst="rect">
+                  <a:avLst/>
+                </a:prstGeom>
+                <a:noFill/>
+              </p:spPr>
+              <p:txBody>
+                <a:bodyPr wrap="square" rtlCol="0">
+                  <a:spAutoFit/>
+                </a:bodyPr>
+                <a:lstStyle/>
+                <a:p>
+                  <a14:m>
+                    <m:oMathPara xmlns:m="http://schemas.openxmlformats.org/officeDocument/2006/math">
+                      <m:oMathParaPr>
+                        <m:jc m:val="centerGroup"/>
+                      </m:oMathParaPr>
+                      <m:oMath xmlns:m="http://schemas.openxmlformats.org/officeDocument/2006/math">
+                        <m:r>
+                          <a:rPr lang="en-US" b="0" i="1" smtClean="0">
+                            <a:latin typeface="Cambria Math" panose="02040503050406030204" pitchFamily="18" charset="0"/>
+                          </a:rPr>
+                          <m:t>×</m:t>
+                        </m:r>
+                      </m:oMath>
+                    </m:oMathPara>
+                  </a14:m>
+                  <a:endParaRPr lang="en-US" dirty="0"/>
+                </a:p>
+              </p:txBody>
+            </p:sp>
+          </mc:Choice>
+          <mc:Fallback>
+            <p:sp>
+              <p:nvSpPr>
+                <p:cNvPr id="42" name="TextBox 41">
+                  <a:extLst>
+                    <a:ext uri="{FF2B5EF4-FFF2-40B4-BE49-F238E27FC236}">
+                      <a16:creationId xmlns:a16="http://schemas.microsoft.com/office/drawing/2014/main" id="{942E6F09-88C1-3559-0F60-C154B0DB4B1C}"/>
+                    </a:ext>
+                  </a:extLst>
+                </p:cNvPr>
+                <p:cNvSpPr txBox="1">
+                  <a:spLocks noRot="1" noChangeAspect="1" noMove="1" noResize="1" noEditPoints="1" noAdjustHandles="1" noChangeArrowheads="1" noChangeShapeType="1" noTextEdit="1"/>
+                </p:cNvSpPr>
+                <p:nvPr/>
+              </p:nvSpPr>
+              <p:spPr>
+                <a:xfrm>
+                  <a:off x="2438400" y="2617230"/>
+                  <a:ext cx="681037" cy="369332"/>
+                </a:xfrm>
+                <a:prstGeom prst="rect">
+                  <a:avLst/>
+                </a:prstGeom>
+                <a:blipFill>
+                  <a:blip r:embed="rId4"/>
+                  <a:stretch>
+                    <a:fillRect/>
+                  </a:stretch>
+                </a:blipFill>
+              </p:spPr>
+              <p:txBody>
+                <a:bodyPr/>
+                <a:lstStyle/>
+                <a:p>
+                  <a:r>
+                    <a:rPr lang="en-US">
+                      <a:noFill/>
+                    </a:rPr>
+                    <a:t> </a:t>
+                  </a:r>
+                </a:p>
+              </p:txBody>
+            </p:sp>
+          </mc:Fallback>
+        </mc:AlternateContent>
+      </p:grpSp>
+      <p:sp>
+        <p:nvSpPr>
+          <p:cNvPr id="43" name="Rectangle: Rounded Corners 42">
+            <a:extLst>
+              <a:ext uri="{FF2B5EF4-FFF2-40B4-BE49-F238E27FC236}">
+                <a16:creationId xmlns:a16="http://schemas.microsoft.com/office/drawing/2014/main" id="{BC78A84D-BD8D-F7EA-743F-3697FE907D41}"/>
+              </a:ext>
+            </a:extLst>
+          </p:cNvPr>
+          <p:cNvSpPr/>
+          <p:nvPr/>
+        </p:nvSpPr>
+        <p:spPr>
+          <a:xfrm>
+            <a:off x="1627957" y="2402681"/>
+            <a:ext cx="1162868" cy="1111081"/>
+          </a:xfrm>
+          <a:prstGeom prst="roundRect">
+            <a:avLst/>
+          </a:prstGeom>
+          <a:solidFill>
+            <a:schemeClr val="accent1">
+              <a:alpha val="20000"/>
+            </a:schemeClr>
+          </a:solidFill>
+          <a:ln>
+            <a:noFill/>
+          </a:ln>
+        </p:spPr>
+        <p:style>
+          <a:lnRef idx="2">
+            <a:schemeClr val="accent1">
+              <a:shade val="15000"/>
+            </a:schemeClr>
+          </a:lnRef>
+          <a:fillRef idx="1">
+            <a:schemeClr val="accent1"/>
+          </a:fillRef>
+          <a:effectRef idx="0">
+            <a:schemeClr val="accent1"/>
+          </a:effectRef>
+          <a:fontRef idx="minor">
+            <a:schemeClr val="lt1"/>
+          </a:fontRef>
+        </p:style>
+        <p:txBody>
+          <a:bodyPr rtlCol="0" anchor="ctr"/>
+          <a:lstStyle/>
+          <a:p>
+            <a:pPr algn="ctr"/>
+            <a:endParaRPr lang="en-US"/>
+          </a:p>
+        </p:txBody>
+      </p:sp>
+      <p:sp>
+        <p:nvSpPr>
+          <p:cNvPr id="44" name="Rectangle: Rounded Corners 43">
+            <a:extLst>
+              <a:ext uri="{FF2B5EF4-FFF2-40B4-BE49-F238E27FC236}">
+                <a16:creationId xmlns:a16="http://schemas.microsoft.com/office/drawing/2014/main" id="{DC6AAE80-AC69-3D4E-9C87-1F61F203BA68}"/>
+              </a:ext>
+            </a:extLst>
+          </p:cNvPr>
+          <p:cNvSpPr/>
+          <p:nvPr/>
+        </p:nvSpPr>
+        <p:spPr>
+          <a:xfrm>
+            <a:off x="3197828" y="2402682"/>
+            <a:ext cx="309753" cy="831212"/>
+          </a:xfrm>
+          <a:prstGeom prst="roundRect">
+            <a:avLst/>
+          </a:prstGeom>
+          <a:solidFill>
+            <a:schemeClr val="accent1">
+              <a:alpha val="20000"/>
+            </a:schemeClr>
+          </a:solidFill>
+          <a:ln>
+            <a:noFill/>
+          </a:ln>
+        </p:spPr>
+        <p:style>
+          <a:lnRef idx="2">
+            <a:schemeClr val="accent1">
+              <a:shade val="15000"/>
+            </a:schemeClr>
+          </a:lnRef>
+          <a:fillRef idx="1">
+            <a:schemeClr val="accent1"/>
+          </a:fillRef>
+          <a:effectRef idx="0">
+            <a:schemeClr val="accent1"/>
+          </a:effectRef>
+          <a:fontRef idx="minor">
+            <a:schemeClr val="lt1"/>
+          </a:fontRef>
+        </p:style>
+        <p:txBody>
+          <a:bodyPr rtlCol="0" anchor="ctr"/>
+          <a:lstStyle/>
+          <a:p>
+            <a:pPr algn="ctr"/>
+            <a:endParaRPr lang="en-US"/>
+          </a:p>
+        </p:txBody>
+      </p:sp>
+      <p:sp>
+        <p:nvSpPr>
+          <p:cNvPr id="45" name="Rectangle: Rounded Corners 44">
+            <a:extLst>
+              <a:ext uri="{FF2B5EF4-FFF2-40B4-BE49-F238E27FC236}">
+                <a16:creationId xmlns:a16="http://schemas.microsoft.com/office/drawing/2014/main" id="{593A5460-34BD-0F8E-8260-C194E8663F12}"/>
+              </a:ext>
+            </a:extLst>
+          </p:cNvPr>
+          <p:cNvSpPr/>
+          <p:nvPr/>
+        </p:nvSpPr>
+        <p:spPr>
+          <a:xfrm>
+            <a:off x="2837659" y="2400839"/>
+            <a:ext cx="309753" cy="1111081"/>
+          </a:xfrm>
+          <a:prstGeom prst="roundRect">
+            <a:avLst/>
+          </a:prstGeom>
+          <a:solidFill>
+            <a:srgbClr val="FF0000">
+              <a:alpha val="20000"/>
+            </a:srgbClr>
+          </a:solidFill>
+          <a:ln>
+            <a:noFill/>
+          </a:ln>
+        </p:spPr>
+        <p:style>
+          <a:lnRef idx="2">
+            <a:schemeClr val="accent1">
+              <a:shade val="15000"/>
+            </a:schemeClr>
+          </a:lnRef>
+          <a:fillRef idx="1">
+            <a:schemeClr val="accent1"/>
+          </a:fillRef>
+          <a:effectRef idx="0">
+            <a:schemeClr val="accent1"/>
+          </a:effectRef>
+          <a:fontRef idx="minor">
+            <a:schemeClr val="lt1"/>
+          </a:fontRef>
+        </p:style>
+        <p:txBody>
+          <a:bodyPr rtlCol="0" anchor="ctr"/>
+          <a:lstStyle/>
+          <a:p>
+            <a:pPr algn="ctr"/>
+            <a:endParaRPr lang="en-US"/>
+          </a:p>
+        </p:txBody>
+      </p:sp>
+      <p:sp>
+        <p:nvSpPr>
+          <p:cNvPr id="46" name="Rectangle: Rounded Corners 45">
+            <a:extLst>
+              <a:ext uri="{FF2B5EF4-FFF2-40B4-BE49-F238E27FC236}">
+                <a16:creationId xmlns:a16="http://schemas.microsoft.com/office/drawing/2014/main" id="{6CB749CC-10CC-A768-B4A7-BE286DF77DEB}"/>
+              </a:ext>
+            </a:extLst>
+          </p:cNvPr>
+          <p:cNvSpPr/>
+          <p:nvPr/>
+        </p:nvSpPr>
+        <p:spPr>
+          <a:xfrm>
+            <a:off x="3563664" y="2680708"/>
+            <a:ext cx="236811" cy="553179"/>
+          </a:xfrm>
+          <a:prstGeom prst="roundRect">
+            <a:avLst/>
+          </a:prstGeom>
+          <a:solidFill>
+            <a:srgbClr val="FF0000">
+              <a:alpha val="20000"/>
+            </a:srgbClr>
+          </a:solidFill>
+          <a:ln>
+            <a:noFill/>
+          </a:ln>
+        </p:spPr>
+        <p:style>
+          <a:lnRef idx="2">
+            <a:schemeClr val="accent1">
+              <a:shade val="15000"/>
+            </a:schemeClr>
+          </a:lnRef>
+          <a:fillRef idx="1">
+            <a:schemeClr val="accent1"/>
+          </a:fillRef>
+          <a:effectRef idx="0">
+            <a:schemeClr val="accent1"/>
+          </a:effectRef>
+          <a:fontRef idx="minor">
+            <a:schemeClr val="lt1"/>
+          </a:fontRef>
+        </p:style>
+        <p:txBody>
+          <a:bodyPr rtlCol="0" anchor="ctr"/>
+          <a:lstStyle/>
+          <a:p>
+            <a:pPr algn="ctr"/>
+            <a:endParaRPr lang="en-US"/>
+          </a:p>
+        </p:txBody>
+      </p:sp>
+      <mc:AlternateContent xmlns:mc="http://schemas.openxmlformats.org/markup-compatibility/2006">
+        <mc:Choice xmlns:a14="http://schemas.microsoft.com/office/drawing/2010/main" Requires="a14">
+          <p:sp>
+            <p:nvSpPr>
+              <p:cNvPr id="47" name="TextBox 46">
+                <a:extLst>
+                  <a:ext uri="{FF2B5EF4-FFF2-40B4-BE49-F238E27FC236}">
+                    <a16:creationId xmlns:a16="http://schemas.microsoft.com/office/drawing/2014/main" id="{64AF30E1-5B6C-9C91-83BD-6A1E5ECCB740}"/>
+                  </a:ext>
+                </a:extLst>
+              </p:cNvPr>
+              <p:cNvSpPr txBox="1"/>
+              <p:nvPr/>
+            </p:nvSpPr>
+            <p:spPr>
+              <a:xfrm>
+                <a:off x="2075984" y="3565193"/>
+                <a:ext cx="304827" cy="276999"/>
+              </a:xfrm>
+              <a:prstGeom prst="rect">
+                <a:avLst/>
+              </a:prstGeom>
+              <a:noFill/>
+            </p:spPr>
+            <p:txBody>
+              <a:bodyPr wrap="none" lIns="0" tIns="0" rIns="0" bIns="0" rtlCol="0">
+                <a:spAutoFit/>
+              </a:bodyPr>
+              <a:lstStyle/>
+              <a:p>
+                <a14:m>
+                  <m:oMathPara xmlns:m="http://schemas.openxmlformats.org/officeDocument/2006/math">
+                    <m:oMathParaPr>
+                      <m:jc m:val="centerGroup"/>
+                    </m:oMathParaPr>
+                    <m:oMath xmlns:m="http://schemas.openxmlformats.org/officeDocument/2006/math">
+                      <m:sSub>
+                        <m:sSubPr>
+                          <m:ctrlPr>
+                            <a:rPr lang="en-US" b="0" i="1" smtClean="0">
+                              <a:latin typeface="Cambria Math" panose="02040503050406030204" pitchFamily="18" charset="0"/>
+                            </a:rPr>
+                          </m:ctrlPr>
+                        </m:sSubPr>
+                        <m:e>
+                          <m:r>
+                            <a:rPr lang="en-US" b="0" i="1" smtClean="0">
+                              <a:latin typeface="Cambria Math" panose="02040503050406030204" pitchFamily="18" charset="0"/>
+                            </a:rPr>
+                            <m:t>𝑈</m:t>
+                          </m:r>
+                        </m:e>
+                        <m:sub>
+                          <m:r>
+                            <a:rPr lang="en-US" b="0" i="1" smtClean="0">
+                              <a:latin typeface="Cambria Math" panose="02040503050406030204" pitchFamily="18" charset="0"/>
+                            </a:rPr>
+                            <m:t>0</m:t>
+                          </m:r>
+                        </m:sub>
+                      </m:sSub>
+                    </m:oMath>
+                  </m:oMathPara>
+                </a14:m>
+                <a:endParaRPr lang="en-US" dirty="0"/>
+              </a:p>
+            </p:txBody>
+          </p:sp>
+        </mc:Choice>
+        <mc:Fallback>
+          <p:sp>
+            <p:nvSpPr>
+              <p:cNvPr id="47" name="TextBox 46">
+                <a:extLst>
+                  <a:ext uri="{FF2B5EF4-FFF2-40B4-BE49-F238E27FC236}">
+                    <a16:creationId xmlns:a16="http://schemas.microsoft.com/office/drawing/2014/main" id="{64AF30E1-5B6C-9C91-83BD-6A1E5ECCB740}"/>
+                  </a:ext>
+                </a:extLst>
+              </p:cNvPr>
+              <p:cNvSpPr txBox="1">
+                <a:spLocks noRot="1" noChangeAspect="1" noMove="1" noResize="1" noEditPoints="1" noAdjustHandles="1" noChangeArrowheads="1" noChangeShapeType="1" noTextEdit="1"/>
+              </p:cNvSpPr>
+              <p:nvPr/>
+            </p:nvSpPr>
+            <p:spPr>
+              <a:xfrm>
+                <a:off x="2075984" y="3565193"/>
+                <a:ext cx="304827" cy="276999"/>
+              </a:xfrm>
+              <a:prstGeom prst="rect">
+                <a:avLst/>
+              </a:prstGeom>
+              <a:blipFill>
+                <a:blip r:embed="rId5"/>
+                <a:stretch>
+                  <a:fillRect l="-18000" r="-8000" b="-15556"/>
+                </a:stretch>
+              </a:blipFill>
+            </p:spPr>
+            <p:txBody>
+              <a:bodyPr/>
+              <a:lstStyle/>
+              <a:p>
+                <a:r>
+                  <a:rPr lang="en-US">
+                    <a:noFill/>
+                  </a:rPr>
+                  <a:t> </a:t>
+                </a:r>
+              </a:p>
+            </p:txBody>
+          </p:sp>
+        </mc:Fallback>
+      </mc:AlternateContent>
+      <mc:AlternateContent xmlns:mc="http://schemas.openxmlformats.org/markup-compatibility/2006">
+        <mc:Choice xmlns:a14="http://schemas.microsoft.com/office/drawing/2010/main" Requires="a14">
+          <p:sp>
+            <p:nvSpPr>
+              <p:cNvPr id="48" name="TextBox 47">
+                <a:extLst>
+                  <a:ext uri="{FF2B5EF4-FFF2-40B4-BE49-F238E27FC236}">
+                    <a16:creationId xmlns:a16="http://schemas.microsoft.com/office/drawing/2014/main" id="{13EB0F1C-4897-FF76-286B-4F5E442AA286}"/>
+                  </a:ext>
+                </a:extLst>
+              </p:cNvPr>
+              <p:cNvSpPr txBox="1"/>
+              <p:nvPr/>
+            </p:nvSpPr>
+            <p:spPr>
+              <a:xfrm>
+                <a:off x="2837659" y="3565193"/>
+                <a:ext cx="273858" cy="276999"/>
+              </a:xfrm>
+              <a:prstGeom prst="rect">
+                <a:avLst/>
+              </a:prstGeom>
+              <a:noFill/>
+            </p:spPr>
+            <p:txBody>
+              <a:bodyPr wrap="none" lIns="0" tIns="0" rIns="0" bIns="0" rtlCol="0">
+                <a:spAutoFit/>
+              </a:bodyPr>
+              <a:lstStyle/>
+              <a:p>
+                <a14:m>
+                  <m:oMathPara xmlns:m="http://schemas.openxmlformats.org/officeDocument/2006/math">
+                    <m:oMathParaPr>
+                      <m:jc m:val="centerGroup"/>
+                    </m:oMathParaPr>
+                    <m:oMath xmlns:m="http://schemas.openxmlformats.org/officeDocument/2006/math">
+                      <m:sSub>
+                        <m:sSubPr>
+                          <m:ctrlPr>
+                            <a:rPr lang="en-US" b="0" i="1" smtClean="0">
+                              <a:latin typeface="Cambria Math" panose="02040503050406030204" pitchFamily="18" charset="0"/>
+                            </a:rPr>
+                          </m:ctrlPr>
+                        </m:sSubPr>
+                        <m:e>
+                          <m:r>
+                            <a:rPr lang="en-US" b="0" i="1" smtClean="0">
+                              <a:latin typeface="Cambria Math" panose="02040503050406030204" pitchFamily="18" charset="0"/>
+                            </a:rPr>
+                            <m:t>𝑉</m:t>
+                          </m:r>
+                        </m:e>
+                        <m:sub>
+                          <m:r>
+                            <a:rPr lang="en-US" b="0" i="1" smtClean="0">
+                              <a:latin typeface="Cambria Math" panose="02040503050406030204" pitchFamily="18" charset="0"/>
+                            </a:rPr>
+                            <m:t>0</m:t>
+                          </m:r>
+                        </m:sub>
+                      </m:sSub>
+                    </m:oMath>
+                  </m:oMathPara>
+                </a14:m>
+                <a:endParaRPr lang="en-US" dirty="0"/>
+              </a:p>
+            </p:txBody>
+          </p:sp>
+        </mc:Choice>
+        <mc:Fallback>
+          <p:sp>
+            <p:nvSpPr>
+              <p:cNvPr id="48" name="TextBox 47">
+                <a:extLst>
+                  <a:ext uri="{FF2B5EF4-FFF2-40B4-BE49-F238E27FC236}">
+                    <a16:creationId xmlns:a16="http://schemas.microsoft.com/office/drawing/2014/main" id="{13EB0F1C-4897-FF76-286B-4F5E442AA286}"/>
+                  </a:ext>
+                </a:extLst>
+              </p:cNvPr>
+              <p:cNvSpPr txBox="1">
+                <a:spLocks noRot="1" noChangeAspect="1" noMove="1" noResize="1" noEditPoints="1" noAdjustHandles="1" noChangeArrowheads="1" noChangeShapeType="1" noTextEdit="1"/>
+              </p:cNvSpPr>
+              <p:nvPr/>
+            </p:nvSpPr>
+            <p:spPr>
+              <a:xfrm>
+                <a:off x="2837659" y="3565193"/>
+                <a:ext cx="273858" cy="276999"/>
+              </a:xfrm>
+              <a:prstGeom prst="rect">
+                <a:avLst/>
+              </a:prstGeom>
+              <a:blipFill>
+                <a:blip r:embed="rId6"/>
+                <a:stretch>
+                  <a:fillRect l="-20000" r="-8889" b="-15556"/>
+                </a:stretch>
+              </a:blipFill>
+            </p:spPr>
+            <p:txBody>
+              <a:bodyPr/>
+              <a:lstStyle/>
+              <a:p>
+                <a:r>
+                  <a:rPr lang="en-US">
+                    <a:noFill/>
+                  </a:rPr>
+                  <a:t> </a:t>
+                </a:r>
+              </a:p>
+            </p:txBody>
+          </p:sp>
+        </mc:Fallback>
+      </mc:AlternateContent>
+      <mc:AlternateContent xmlns:mc="http://schemas.openxmlformats.org/markup-compatibility/2006">
+        <mc:Choice xmlns:a14="http://schemas.microsoft.com/office/drawing/2010/main" Requires="a14">
+          <p:sp>
+            <p:nvSpPr>
+              <p:cNvPr id="49" name="TextBox 48">
+                <a:extLst>
+                  <a:ext uri="{FF2B5EF4-FFF2-40B4-BE49-F238E27FC236}">
+                    <a16:creationId xmlns:a16="http://schemas.microsoft.com/office/drawing/2014/main" id="{8189CA2C-ED02-FC7A-7568-9638A937F9AB}"/>
+                  </a:ext>
+                </a:extLst>
+              </p:cNvPr>
+              <p:cNvSpPr txBox="1"/>
+              <p:nvPr/>
+            </p:nvSpPr>
+            <p:spPr>
+              <a:xfrm>
+                <a:off x="3548880" y="3565193"/>
+                <a:ext cx="268535" cy="276999"/>
+              </a:xfrm>
+              <a:prstGeom prst="rect">
+                <a:avLst/>
+              </a:prstGeom>
+              <a:noFill/>
+            </p:spPr>
+            <p:txBody>
+              <a:bodyPr wrap="none" lIns="0" tIns="0" rIns="0" bIns="0" rtlCol="0">
+                <a:spAutoFit/>
+              </a:bodyPr>
+              <a:lstStyle/>
+              <a:p>
+                <a14:m>
+                  <m:oMathPara xmlns:m="http://schemas.openxmlformats.org/officeDocument/2006/math">
+                    <m:oMathParaPr>
+                      <m:jc m:val="centerGroup"/>
+                    </m:oMathParaPr>
+                    <m:oMath xmlns:m="http://schemas.openxmlformats.org/officeDocument/2006/math">
+                      <m:sSub>
+                        <m:sSubPr>
+                          <m:ctrlPr>
+                            <a:rPr lang="en-US" b="0" i="1" smtClean="0">
+                              <a:latin typeface="Cambria Math" panose="02040503050406030204" pitchFamily="18" charset="0"/>
+                            </a:rPr>
+                          </m:ctrlPr>
+                        </m:sSubPr>
+                        <m:e>
+                          <m:r>
+                            <a:rPr lang="en-US" b="0" i="1" smtClean="0">
+                              <a:latin typeface="Cambria Math" panose="02040503050406030204" pitchFamily="18" charset="0"/>
+                            </a:rPr>
+                            <m:t>𝑉</m:t>
+                          </m:r>
+                        </m:e>
+                        <m:sub>
+                          <m:r>
+                            <a:rPr lang="en-US" b="0" i="1" smtClean="0">
+                              <a:latin typeface="Cambria Math" panose="02040503050406030204" pitchFamily="18" charset="0"/>
+                            </a:rPr>
+                            <m:t>1</m:t>
+                          </m:r>
+                        </m:sub>
+                      </m:sSub>
+                    </m:oMath>
+                  </m:oMathPara>
+                </a14:m>
+                <a:endParaRPr lang="en-US" dirty="0"/>
+              </a:p>
+            </p:txBody>
+          </p:sp>
+        </mc:Choice>
+        <mc:Fallback>
+          <p:sp>
+            <p:nvSpPr>
+              <p:cNvPr id="49" name="TextBox 48">
+                <a:extLst>
+                  <a:ext uri="{FF2B5EF4-FFF2-40B4-BE49-F238E27FC236}">
+                    <a16:creationId xmlns:a16="http://schemas.microsoft.com/office/drawing/2014/main" id="{8189CA2C-ED02-FC7A-7568-9638A937F9AB}"/>
+                  </a:ext>
+                </a:extLst>
+              </p:cNvPr>
+              <p:cNvSpPr txBox="1">
+                <a:spLocks noRot="1" noChangeAspect="1" noMove="1" noResize="1" noEditPoints="1" noAdjustHandles="1" noChangeArrowheads="1" noChangeShapeType="1" noTextEdit="1"/>
+              </p:cNvSpPr>
+              <p:nvPr/>
+            </p:nvSpPr>
+            <p:spPr>
+              <a:xfrm>
+                <a:off x="3548880" y="3565193"/>
+                <a:ext cx="268535" cy="276999"/>
+              </a:xfrm>
+              <a:prstGeom prst="rect">
+                <a:avLst/>
+              </a:prstGeom>
+              <a:blipFill>
+                <a:blip r:embed="rId7"/>
+                <a:stretch>
+                  <a:fillRect l="-20455" r="-9091" b="-15556"/>
+                </a:stretch>
+              </a:blipFill>
+            </p:spPr>
+            <p:txBody>
+              <a:bodyPr/>
+              <a:lstStyle/>
+              <a:p>
+                <a:r>
+                  <a:rPr lang="en-US">
+                    <a:noFill/>
+                  </a:rPr>
+                  <a:t> </a:t>
+                </a:r>
+              </a:p>
+            </p:txBody>
+          </p:sp>
+        </mc:Fallback>
+      </mc:AlternateContent>
+      <mc:AlternateContent xmlns:mc="http://schemas.openxmlformats.org/markup-compatibility/2006">
+        <mc:Choice xmlns:a14="http://schemas.microsoft.com/office/drawing/2010/main" Requires="a14">
+          <p:sp>
+            <p:nvSpPr>
+              <p:cNvPr id="50" name="TextBox 49">
+                <a:extLst>
+                  <a:ext uri="{FF2B5EF4-FFF2-40B4-BE49-F238E27FC236}">
+                    <a16:creationId xmlns:a16="http://schemas.microsoft.com/office/drawing/2014/main" id="{FC50AFF8-5D60-B99E-79FA-2286E82FDE8B}"/>
+                  </a:ext>
+                </a:extLst>
+              </p:cNvPr>
+              <p:cNvSpPr txBox="1"/>
+              <p:nvPr/>
+            </p:nvSpPr>
+            <p:spPr>
+              <a:xfrm>
+                <a:off x="3208076" y="3565192"/>
+                <a:ext cx="299505" cy="276999"/>
+              </a:xfrm>
+              <a:prstGeom prst="rect">
+                <a:avLst/>
+              </a:prstGeom>
+              <a:noFill/>
+            </p:spPr>
+            <p:txBody>
+              <a:bodyPr wrap="none" lIns="0" tIns="0" rIns="0" bIns="0" rtlCol="0">
+                <a:spAutoFit/>
+              </a:bodyPr>
+              <a:lstStyle/>
+              <a:p>
+                <a14:m>
+                  <m:oMathPara xmlns:m="http://schemas.openxmlformats.org/officeDocument/2006/math">
+                    <m:oMathParaPr>
+                      <m:jc m:val="centerGroup"/>
+                    </m:oMathParaPr>
+                    <m:oMath xmlns:m="http://schemas.openxmlformats.org/officeDocument/2006/math">
+                      <m:sSub>
+                        <m:sSubPr>
+                          <m:ctrlPr>
+                            <a:rPr lang="en-US" b="0" i="1" smtClean="0">
+                              <a:latin typeface="Cambria Math" panose="02040503050406030204" pitchFamily="18" charset="0"/>
+                            </a:rPr>
+                          </m:ctrlPr>
+                        </m:sSubPr>
+                        <m:e>
+                          <m:r>
+                            <a:rPr lang="en-US" b="0" i="1" smtClean="0">
+                              <a:latin typeface="Cambria Math" panose="02040503050406030204" pitchFamily="18" charset="0"/>
+                            </a:rPr>
+                            <m:t>𝑈</m:t>
+                          </m:r>
+                        </m:e>
+                        <m:sub>
+                          <m:r>
+                            <a:rPr lang="en-US" b="0" i="1" smtClean="0">
+                              <a:latin typeface="Cambria Math" panose="02040503050406030204" pitchFamily="18" charset="0"/>
+                            </a:rPr>
+                            <m:t>1</m:t>
+                          </m:r>
+                        </m:sub>
+                      </m:sSub>
+                    </m:oMath>
+                  </m:oMathPara>
+                </a14:m>
+                <a:endParaRPr lang="en-US" dirty="0"/>
+              </a:p>
+            </p:txBody>
+          </p:sp>
+        </mc:Choice>
+        <mc:Fallback>
+          <p:sp>
+            <p:nvSpPr>
+              <p:cNvPr id="50" name="TextBox 49">
+                <a:extLst>
+                  <a:ext uri="{FF2B5EF4-FFF2-40B4-BE49-F238E27FC236}">
+                    <a16:creationId xmlns:a16="http://schemas.microsoft.com/office/drawing/2014/main" id="{FC50AFF8-5D60-B99E-79FA-2286E82FDE8B}"/>
+                  </a:ext>
+                </a:extLst>
+              </p:cNvPr>
+              <p:cNvSpPr txBox="1">
+                <a:spLocks noRot="1" noChangeAspect="1" noMove="1" noResize="1" noEditPoints="1" noAdjustHandles="1" noChangeArrowheads="1" noChangeShapeType="1" noTextEdit="1"/>
+              </p:cNvSpPr>
+              <p:nvPr/>
+            </p:nvSpPr>
+            <p:spPr>
+              <a:xfrm>
+                <a:off x="3208076" y="3565192"/>
+                <a:ext cx="299505" cy="276999"/>
+              </a:xfrm>
+              <a:prstGeom prst="rect">
+                <a:avLst/>
+              </a:prstGeom>
+              <a:blipFill>
+                <a:blip r:embed="rId8"/>
+                <a:stretch>
+                  <a:fillRect l="-18367" r="-8163" b="-15556"/>
+                </a:stretch>
+              </a:blipFill>
+            </p:spPr>
+            <p:txBody>
+              <a:bodyPr/>
+              <a:lstStyle/>
+              <a:p>
+                <a:r>
+                  <a:rPr lang="en-US">
+                    <a:noFill/>
+                  </a:rPr>
+                  <a:t> </a:t>
+                </a:r>
+              </a:p>
+            </p:txBody>
+          </p:sp>
+        </mc:Fallback>
+      </mc:AlternateContent>
+    </p:spTree>
+    <p:extLst>
+      <p:ext uri="{BB962C8B-B14F-4D97-AF65-F5344CB8AC3E}">
+        <p14:creationId xmlns:p14="http://schemas.microsoft.com/office/powerpoint/2010/main" val="3749061812"/>
+      </p:ext>
+    </p:extLst>
+  </p:cSld>
+  <p:clrMapOvr>
+    <a:masterClrMapping/>
+  </p:clrMapOvr>
+  <p:timing>
+    <p:tnLst>
+      <p:par>
+        <p:cTn id="1" dur="indefinite" restart="never" nodeType="tmRoot">
+          <p:childTnLst>
+            <p:seq concurrent="1" nextAc="seek">
+              <p:cTn id="2" dur="indefinite" nodeType="mainSeq">
+                <p:childTnLst>
+                  <p:par>
+                    <p:cTn id="3" fill="hold">
+                      <p:stCondLst>
+                        <p:cond delay="indefinite"/>
+                        <p:cond evt="onBegin" delay="0">
+                          <p:tn val="2"/>
+                        </p:cond>
+                      </p:stCondLst>
+                      <p:childTnLst>
+                        <p:par>
+                          <p:cTn id="4" fill="hold">
+                            <p:stCondLst>
+                              <p:cond delay="0"/>
+                            </p:stCondLst>
+                            <p:childTnLst>
+                              <p:par>
+                                <p:cTn id="5" presetID="10" presetClass="entr" presetSubtype="0" fill="hold" nodeType="withEffect">
+                                  <p:stCondLst>
+                                    <p:cond delay="0"/>
+                                  </p:stCondLst>
+                                  <p:childTnLst>
+                                    <p:set>
+                                      <p:cBhvr>
+                                        <p:cTn id="6" dur="1" fill="hold">
+                                          <p:stCondLst>
+                                            <p:cond delay="0"/>
+                                          </p:stCondLst>
+                                        </p:cTn>
+                                        <p:tgtEl>
+                                          <p:spTgt spid="7"/>
+                                        </p:tgtEl>
+                                        <p:attrNameLst>
+                                          <p:attrName>style.visibility</p:attrName>
+                                        </p:attrNameLst>
+                                      </p:cBhvr>
+                                      <p:to>
+                                        <p:strVal val="visible"/>
+                                      </p:to>
+                                    </p:set>
+                                    <p:animEffect transition="in" filter="fade">
+                                      <p:cBhvr>
+                                        <p:cTn id="7" dur="1000"/>
+                                        <p:tgtEl>
+                                          <p:spTgt spid="7"/>
+                                        </p:tgtEl>
+                                      </p:cBhvr>
+                                    </p:animEffect>
+                                  </p:childTnLst>
+                                </p:cTn>
+                              </p:par>
+                              <p:par>
+                                <p:cTn id="8" presetID="10" presetClass="entr" presetSubtype="0" fill="hold" nodeType="withEffect">
+                                  <p:stCondLst>
+                                    <p:cond delay="0"/>
+                                  </p:stCondLst>
+                                  <p:childTnLst>
+                                    <p:set>
+                                      <p:cBhvr>
+                                        <p:cTn id="9" dur="1" fill="hold">
+                                          <p:stCondLst>
+                                            <p:cond delay="0"/>
+                                          </p:stCondLst>
+                                        </p:cTn>
+                                        <p:tgtEl>
+                                          <p:spTgt spid="18"/>
+                                        </p:tgtEl>
+                                        <p:attrNameLst>
+                                          <p:attrName>style.visibility</p:attrName>
+                                        </p:attrNameLst>
+                                      </p:cBhvr>
+                                      <p:to>
+                                        <p:strVal val="visible"/>
+                                      </p:to>
+                                    </p:set>
+                                    <p:animEffect transition="in" filter="fade">
+                                      <p:cBhvr>
+                                        <p:cTn id="10" dur="1000"/>
+                                        <p:tgtEl>
+                                          <p:spTgt spid="18"/>
+                                        </p:tgtEl>
+                                      </p:cBhvr>
+                                    </p:animEffect>
+                                  </p:childTnLst>
+                                </p:cTn>
+                              </p:par>
+                              <p:par>
+                                <p:cTn id="11" presetID="10" presetClass="entr" presetSubtype="0" fill="hold" nodeType="withEffect">
+                                  <p:stCondLst>
+                                    <p:cond delay="0"/>
+                                  </p:stCondLst>
+                                  <p:childTnLst>
+                                    <p:set>
+                                      <p:cBhvr>
+                                        <p:cTn id="12" dur="1" fill="hold">
+                                          <p:stCondLst>
+                                            <p:cond delay="0"/>
+                                          </p:stCondLst>
+                                        </p:cTn>
+                                        <p:tgtEl>
+                                          <p:spTgt spid="19"/>
+                                        </p:tgtEl>
+                                        <p:attrNameLst>
+                                          <p:attrName>style.visibility</p:attrName>
+                                        </p:attrNameLst>
+                                      </p:cBhvr>
+                                      <p:to>
+                                        <p:strVal val="visible"/>
+                                      </p:to>
+                                    </p:set>
+                                    <p:animEffect transition="in" filter="fade">
+                                      <p:cBhvr>
+                                        <p:cTn id="13" dur="1000"/>
+                                        <p:tgtEl>
+                                          <p:spTgt spid="19"/>
+                                        </p:tgtEl>
+                                      </p:cBhvr>
+                                    </p:animEffect>
+                                  </p:childTnLst>
+                                </p:cTn>
+                              </p:par>
+                              <p:par>
+                                <p:cTn id="14" presetID="10" presetClass="entr" presetSubtype="0" fill="hold" nodeType="withEffect">
+                                  <p:stCondLst>
+                                    <p:cond delay="0"/>
+                                  </p:stCondLst>
+                                  <p:childTnLst>
+                                    <p:set>
+                                      <p:cBhvr>
+                                        <p:cTn id="15" dur="1" fill="hold">
+                                          <p:stCondLst>
+                                            <p:cond delay="0"/>
+                                          </p:stCondLst>
+                                        </p:cTn>
+                                        <p:tgtEl>
+                                          <p:spTgt spid="20"/>
+                                        </p:tgtEl>
+                                        <p:attrNameLst>
+                                          <p:attrName>style.visibility</p:attrName>
+                                        </p:attrNameLst>
+                                      </p:cBhvr>
+                                      <p:to>
+                                        <p:strVal val="visible"/>
+                                      </p:to>
+                                    </p:set>
+                                    <p:animEffect transition="in" filter="fade">
+                                      <p:cBhvr>
+                                        <p:cTn id="16" dur="1000"/>
+                                        <p:tgtEl>
+                                          <p:spTgt spid="20"/>
+                                        </p:tgtEl>
+                                      </p:cBhvr>
+                                    </p:animEffect>
+                                  </p:childTnLst>
+                                </p:cTn>
+                              </p:par>
+                            </p:childTnLst>
+                          </p:cTn>
+                        </p:par>
+                      </p:childTnLst>
+                    </p:cTn>
+                  </p:par>
+                </p:childTnLst>
+              </p:cTn>
+              <p:prevCondLst>
+                <p:cond evt="onPrev" delay="0">
+                  <p:tgtEl>
+                    <p:sldTgt/>
+                  </p:tgtEl>
+                </p:cond>
+              </p:prevCondLst>
+              <p:nextCondLst>
+                <p:cond evt="onNext" delay="0">
+                  <p:tgtEl>
+                    <p:sldTgt/>
+                  </p:tgtEl>
+                </p:cond>
+              </p:nextCondLst>
+            </p:seq>
+          </p:childTnLst>
+        </p:cTn>
+      </p:par>
+    </p:tnLst>
+  </p:timing>
+</p:sld>
+</file>
+
+<file path=ppt/slides/slide5.xml><?xml version="1.0" encoding="utf-8"?>
+<p:sld xmlns:a="http://schemas.openxmlformats.org/drawingml/2006/main" xmlns:r="http://schemas.openxmlformats.org/officeDocument/2006/relationships" xmlns:p="http://schemas.openxmlformats.org/presentationml/2006/main">
+  <p:cSld>
+    <p:spTree>
+      <p:nvGrpSpPr>
+        <p:cNvPr id="1" name=""/>
+        <p:cNvGrpSpPr/>
+        <p:nvPr/>
+      </p:nvGrpSpPr>
+      <p:grpSpPr>
+        <a:xfrm>
+          <a:off x="0" y="0"/>
+          <a:ext cx="0" cy="0"/>
+          <a:chOff x="0" y="0"/>
+          <a:chExt cx="0" cy="0"/>
+        </a:xfrm>
+      </p:grpSpPr>
       <p:graphicFrame>
         <p:nvGraphicFramePr>
           <p:cNvPr id="6" name="Content Placeholder 5">

--- a/images/draw.pptx
+++ b/images/draw.pptx
@@ -15134,7 +15134,7 @@
         <p:spPr>
           <a:xfrm>
             <a:off x="3197828" y="2402682"/>
-            <a:ext cx="309753" cy="831212"/>
+            <a:ext cx="309753" cy="1109238"/>
           </a:xfrm>
           <a:prstGeom prst="roundRect">
             <a:avLst/>
@@ -15169,7 +15169,7 @@
           <a:lstStyle/>
           <a:p>
             <a:pPr algn="ctr"/>
-            <a:endParaRPr lang="en-US"/>
+            <a:endParaRPr lang="en-US" dirty="0"/>
           </a:p>
         </p:txBody>
       </p:sp>
@@ -15241,8 +15241,8 @@
         </p:nvSpPr>
         <p:spPr>
           <a:xfrm>
-            <a:off x="3563664" y="2680708"/>
-            <a:ext cx="236811" cy="553179"/>
+            <a:off x="3563664" y="2400839"/>
+            <a:ext cx="236811" cy="1111081"/>
           </a:xfrm>
           <a:prstGeom prst="roundRect">
             <a:avLst/>
@@ -15297,8 +15297,8 @@
             </p:nvSpPr>
             <p:spPr>
               <a:xfrm>
-                <a:off x="2075984" y="3565193"/>
-                <a:ext cx="304827" cy="276999"/>
+                <a:off x="1627957" y="3565193"/>
+                <a:ext cx="1162868" cy="276999"/>
               </a:xfrm>
               <a:prstGeom prst="rect">
                 <a:avLst/>
@@ -15306,7 +15306,7 @@
               <a:noFill/>
             </p:spPr>
             <p:txBody>
-              <a:bodyPr wrap="none" lIns="0" tIns="0" rIns="0" bIns="0" rtlCol="0">
+              <a:bodyPr wrap="square" lIns="0" tIns="0" rIns="0" bIns="0" rtlCol="0">
                 <a:spAutoFit/>
               </a:bodyPr>
               <a:lstStyle/>
@@ -15367,8 +15367,8 @@
             </p:nvSpPr>
             <p:spPr>
               <a:xfrm>
-                <a:off x="2075984" y="3565193"/>
-                <a:ext cx="304827" cy="276999"/>
+                <a:off x="1627957" y="3565193"/>
+                <a:ext cx="1162868" cy="276999"/>
               </a:xfrm>
               <a:prstGeom prst="rect">
                 <a:avLst/>
@@ -15376,7 +15376,7 @@
               <a:blipFill>
                 <a:blip r:embed="rId5"/>
                 <a:stretch>
-                  <a:fillRect l="-18000" r="-8000" b="-15556"/>
+                  <a:fillRect b="-15556"/>
                 </a:stretch>
               </a:blipFill>
             </p:spPr>
@@ -15411,8 +15411,8 @@
             </p:nvSpPr>
             <p:spPr>
               <a:xfrm>
-                <a:off x="2837659" y="3565193"/>
-                <a:ext cx="273858" cy="276999"/>
+                <a:off x="2837658" y="3565193"/>
+                <a:ext cx="309753" cy="276999"/>
               </a:xfrm>
               <a:prstGeom prst="rect">
                 <a:avLst/>
@@ -15420,7 +15420,7 @@
               <a:noFill/>
             </p:spPr>
             <p:txBody>
-              <a:bodyPr wrap="none" lIns="0" tIns="0" rIns="0" bIns="0" rtlCol="0">
+              <a:bodyPr wrap="square" lIns="0" tIns="0" rIns="0" bIns="0" rtlCol="0">
                 <a:spAutoFit/>
               </a:bodyPr>
               <a:lstStyle/>
@@ -15481,8 +15481,8 @@
             </p:nvSpPr>
             <p:spPr>
               <a:xfrm>
-                <a:off x="2837659" y="3565193"/>
-                <a:ext cx="273858" cy="276999"/>
+                <a:off x="2837658" y="3565193"/>
+                <a:ext cx="309753" cy="276999"/>
               </a:xfrm>
               <a:prstGeom prst="rect">
                 <a:avLst/>
@@ -15490,7 +15490,7 @@
               <a:blipFill>
                 <a:blip r:embed="rId6"/>
                 <a:stretch>
-                  <a:fillRect l="-20000" r="-8889" b="-15556"/>
+                  <a:fillRect l="-11765" r="-1961" b="-15556"/>
                 </a:stretch>
               </a:blipFill>
             </p:spPr>
@@ -15525,8 +15525,8 @@
             </p:nvSpPr>
             <p:spPr>
               <a:xfrm>
-                <a:off x="3548880" y="3565193"/>
-                <a:ext cx="268535" cy="276999"/>
+                <a:off x="3563664" y="3565193"/>
+                <a:ext cx="236811" cy="276999"/>
               </a:xfrm>
               <a:prstGeom prst="rect">
                 <a:avLst/>
@@ -15534,7 +15534,7 @@
               <a:noFill/>
             </p:spPr>
             <p:txBody>
-              <a:bodyPr wrap="none" lIns="0" tIns="0" rIns="0" bIns="0" rtlCol="0">
+              <a:bodyPr wrap="square" lIns="0" tIns="0" rIns="0" bIns="0" rtlCol="0">
                 <a:spAutoFit/>
               </a:bodyPr>
               <a:lstStyle/>
@@ -15595,8 +15595,8 @@
             </p:nvSpPr>
             <p:spPr>
               <a:xfrm>
-                <a:off x="3548880" y="3565193"/>
-                <a:ext cx="268535" cy="276999"/>
+                <a:off x="3563664" y="3565193"/>
+                <a:ext cx="236811" cy="276999"/>
               </a:xfrm>
               <a:prstGeom prst="rect">
                 <a:avLst/>
@@ -15604,7 +15604,7 @@
               <a:blipFill>
                 <a:blip r:embed="rId7"/>
                 <a:stretch>
-                  <a:fillRect l="-20455" r="-9091" b="-15556"/>
+                  <a:fillRect l="-31579" r="-18421" b="-15556"/>
                 </a:stretch>
               </a:blipFill>
             </p:spPr>
@@ -15639,8 +15639,8 @@
             </p:nvSpPr>
             <p:spPr>
               <a:xfrm>
-                <a:off x="3208076" y="3565192"/>
-                <a:ext cx="299505" cy="276999"/>
+                <a:off x="3192294" y="3565192"/>
+                <a:ext cx="309753" cy="276999"/>
               </a:xfrm>
               <a:prstGeom prst="rect">
                 <a:avLst/>
@@ -15648,7 +15648,7 @@
               <a:noFill/>
             </p:spPr>
             <p:txBody>
-              <a:bodyPr wrap="none" lIns="0" tIns="0" rIns="0" bIns="0" rtlCol="0">
+              <a:bodyPr wrap="square" lIns="0" tIns="0" rIns="0" bIns="0" rtlCol="0">
                 <a:spAutoFit/>
               </a:bodyPr>
               <a:lstStyle/>
@@ -15709,8 +15709,8 @@
             </p:nvSpPr>
             <p:spPr>
               <a:xfrm>
-                <a:off x="3208076" y="3565192"/>
-                <a:ext cx="299505" cy="276999"/>
+                <a:off x="3192294" y="3565192"/>
+                <a:ext cx="309753" cy="276999"/>
               </a:xfrm>
               <a:prstGeom prst="rect">
                 <a:avLst/>
@@ -15718,7 +15718,7 @@
               <a:blipFill>
                 <a:blip r:embed="rId8"/>
                 <a:stretch>
-                  <a:fillRect l="-18367" r="-8163" b="-15556"/>
+                  <a:fillRect l="-18000" r="-6000" b="-15556"/>
                 </a:stretch>
               </a:blipFill>
             </p:spPr>
@@ -15737,6 +15737,1595 @@
           </p:sp>
         </mc:Fallback>
       </mc:AlternateContent>
+      <p:grpSp>
+        <p:nvGrpSpPr>
+          <p:cNvPr id="51" name="Group 50">
+            <a:extLst>
+              <a:ext uri="{FF2B5EF4-FFF2-40B4-BE49-F238E27FC236}">
+                <a16:creationId xmlns:a16="http://schemas.microsoft.com/office/drawing/2014/main" id="{17A78747-2FC8-0408-4A05-9FC1C9B9A0E2}"/>
+              </a:ext>
+            </a:extLst>
+          </p:cNvPr>
+          <p:cNvGrpSpPr/>
+          <p:nvPr/>
+        </p:nvGrpSpPr>
+        <p:grpSpPr>
+          <a:xfrm>
+            <a:off x="5004003" y="2785763"/>
+            <a:ext cx="681037" cy="424337"/>
+            <a:chOff x="2438400" y="2562225"/>
+            <a:chExt cx="681037" cy="424337"/>
+          </a:xfrm>
+        </p:grpSpPr>
+        <p:cxnSp>
+          <p:nvCxnSpPr>
+            <p:cNvPr id="52" name="Straight Connector 51">
+              <a:extLst>
+                <a:ext uri="{FF2B5EF4-FFF2-40B4-BE49-F238E27FC236}">
+                  <a16:creationId xmlns:a16="http://schemas.microsoft.com/office/drawing/2014/main" id="{241334C3-30DD-3F70-44A4-49356B95D8CF}"/>
+                </a:ext>
+              </a:extLst>
+            </p:cNvPr>
+            <p:cNvCxnSpPr/>
+            <p:nvPr/>
+          </p:nvCxnSpPr>
+          <p:spPr>
+            <a:xfrm>
+              <a:off x="2778919" y="2562225"/>
+              <a:ext cx="0" cy="269081"/>
+            </a:xfrm>
+            <a:prstGeom prst="line">
+              <a:avLst/>
+            </a:prstGeom>
+            <a:ln w="28575"/>
+          </p:spPr>
+          <p:style>
+            <a:lnRef idx="1">
+              <a:schemeClr val="dk1"/>
+            </a:lnRef>
+            <a:fillRef idx="0">
+              <a:schemeClr val="dk1"/>
+            </a:fillRef>
+            <a:effectRef idx="0">
+              <a:schemeClr val="dk1"/>
+            </a:effectRef>
+            <a:fontRef idx="minor">
+              <a:schemeClr val="tx1"/>
+            </a:fontRef>
+          </p:style>
+        </p:cxnSp>
+        <mc:AlternateContent xmlns:mc="http://schemas.openxmlformats.org/markup-compatibility/2006">
+          <mc:Choice xmlns:a14="http://schemas.microsoft.com/office/drawing/2010/main" Requires="a14">
+            <p:sp>
+              <p:nvSpPr>
+                <p:cNvPr id="53" name="TextBox 52">
+                  <a:extLst>
+                    <a:ext uri="{FF2B5EF4-FFF2-40B4-BE49-F238E27FC236}">
+                      <a16:creationId xmlns:a16="http://schemas.microsoft.com/office/drawing/2014/main" id="{346E9D27-421C-8E53-6C76-51C4D150D8D0}"/>
+                    </a:ext>
+                  </a:extLst>
+                </p:cNvPr>
+                <p:cNvSpPr txBox="1"/>
+                <p:nvPr/>
+              </p:nvSpPr>
+              <p:spPr>
+                <a:xfrm>
+                  <a:off x="2438400" y="2617230"/>
+                  <a:ext cx="681037" cy="369332"/>
+                </a:xfrm>
+                <a:prstGeom prst="rect">
+                  <a:avLst/>
+                </a:prstGeom>
+                <a:noFill/>
+              </p:spPr>
+              <p:txBody>
+                <a:bodyPr wrap="square" rtlCol="0">
+                  <a:spAutoFit/>
+                </a:bodyPr>
+                <a:lstStyle/>
+                <a:p>
+                  <a14:m>
+                    <m:oMathPara xmlns:m="http://schemas.openxmlformats.org/officeDocument/2006/math">
+                      <m:oMathParaPr>
+                        <m:jc m:val="centerGroup"/>
+                      </m:oMathParaPr>
+                      <m:oMath xmlns:m="http://schemas.openxmlformats.org/officeDocument/2006/math">
+                        <m:r>
+                          <a:rPr lang="en-US" b="0" i="1" smtClean="0">
+                            <a:latin typeface="Cambria Math" panose="02040503050406030204" pitchFamily="18" charset="0"/>
+                          </a:rPr>
+                          <m:t>×</m:t>
+                        </m:r>
+                      </m:oMath>
+                    </m:oMathPara>
+                  </a14:m>
+                  <a:endParaRPr lang="en-US" dirty="0"/>
+                </a:p>
+              </p:txBody>
+            </p:sp>
+          </mc:Choice>
+          <mc:Fallback>
+            <p:sp>
+              <p:nvSpPr>
+                <p:cNvPr id="53" name="TextBox 52">
+                  <a:extLst>
+                    <a:ext uri="{FF2B5EF4-FFF2-40B4-BE49-F238E27FC236}">
+                      <a16:creationId xmlns:a16="http://schemas.microsoft.com/office/drawing/2014/main" id="{346E9D27-421C-8E53-6C76-51C4D150D8D0}"/>
+                    </a:ext>
+                  </a:extLst>
+                </p:cNvPr>
+                <p:cNvSpPr txBox="1">
+                  <a:spLocks noRot="1" noChangeAspect="1" noMove="1" noResize="1" noEditPoints="1" noAdjustHandles="1" noChangeArrowheads="1" noChangeShapeType="1" noTextEdit="1"/>
+                </p:cNvSpPr>
+                <p:nvPr/>
+              </p:nvSpPr>
+              <p:spPr>
+                <a:xfrm>
+                  <a:off x="2438400" y="2617230"/>
+                  <a:ext cx="681037" cy="369332"/>
+                </a:xfrm>
+                <a:prstGeom prst="rect">
+                  <a:avLst/>
+                </a:prstGeom>
+                <a:blipFill>
+                  <a:blip r:embed="rId9"/>
+                  <a:stretch>
+                    <a:fillRect/>
+                  </a:stretch>
+                </a:blipFill>
+              </p:spPr>
+              <p:txBody>
+                <a:bodyPr/>
+                <a:lstStyle/>
+                <a:p>
+                  <a:r>
+                    <a:rPr lang="en-US">
+                      <a:noFill/>
+                    </a:rPr>
+                    <a:t> </a:t>
+                  </a:r>
+                </a:p>
+              </p:txBody>
+            </p:sp>
+          </mc:Fallback>
+        </mc:AlternateContent>
+      </p:grpSp>
+      <mc:AlternateContent xmlns:mc="http://schemas.openxmlformats.org/markup-compatibility/2006">
+        <mc:Choice xmlns:a14="http://schemas.microsoft.com/office/drawing/2010/main" Requires="a14">
+          <p:sp>
+            <p:nvSpPr>
+              <p:cNvPr id="54" name="TextBox 53">
+                <a:extLst>
+                  <a:ext uri="{FF2B5EF4-FFF2-40B4-BE49-F238E27FC236}">
+                    <a16:creationId xmlns:a16="http://schemas.microsoft.com/office/drawing/2014/main" id="{819A02C6-FDA3-98F8-6F26-D0B8904C1BB5}"/>
+                  </a:ext>
+                </a:extLst>
+              </p:cNvPr>
+              <p:cNvSpPr txBox="1"/>
+              <p:nvPr/>
+            </p:nvSpPr>
+            <p:spPr>
+              <a:xfrm>
+                <a:off x="1328013" y="2407052"/>
+                <a:ext cx="181140" cy="276999"/>
+              </a:xfrm>
+              <a:prstGeom prst="rect">
+                <a:avLst/>
+              </a:prstGeom>
+              <a:noFill/>
+            </p:spPr>
+            <p:txBody>
+              <a:bodyPr wrap="none" lIns="0" tIns="0" rIns="0" bIns="0" rtlCol="0">
+                <a:spAutoFit/>
+              </a:bodyPr>
+              <a:lstStyle/>
+              <a:p>
+                <a14:m>
+                  <m:oMathPara xmlns:m="http://schemas.openxmlformats.org/officeDocument/2006/math">
+                    <m:oMathParaPr>
+                      <m:jc m:val="centerGroup"/>
+                    </m:oMathParaPr>
+                    <m:oMath xmlns:m="http://schemas.openxmlformats.org/officeDocument/2006/math">
+                      <m:r>
+                        <a:rPr lang="en-US" b="0" i="1" smtClean="0">
+                          <a:latin typeface="Cambria Math" panose="02040503050406030204" pitchFamily="18" charset="0"/>
+                        </a:rPr>
+                        <m:t>0</m:t>
+                      </m:r>
+                    </m:oMath>
+                  </m:oMathPara>
+                </a14:m>
+                <a:endParaRPr lang="en-US" dirty="0"/>
+              </a:p>
+            </p:txBody>
+          </p:sp>
+        </mc:Choice>
+        <mc:Fallback>
+          <p:sp>
+            <p:nvSpPr>
+              <p:cNvPr id="54" name="TextBox 53">
+                <a:extLst>
+                  <a:ext uri="{FF2B5EF4-FFF2-40B4-BE49-F238E27FC236}">
+                    <a16:creationId xmlns:a16="http://schemas.microsoft.com/office/drawing/2014/main" id="{819A02C6-FDA3-98F8-6F26-D0B8904C1BB5}"/>
+                  </a:ext>
+                </a:extLst>
+              </p:cNvPr>
+              <p:cNvSpPr txBox="1">
+                <a:spLocks noRot="1" noChangeAspect="1" noMove="1" noResize="1" noEditPoints="1" noAdjustHandles="1" noChangeArrowheads="1" noChangeShapeType="1" noTextEdit="1"/>
+              </p:cNvSpPr>
+              <p:nvPr/>
+            </p:nvSpPr>
+            <p:spPr>
+              <a:xfrm>
+                <a:off x="1328013" y="2407052"/>
+                <a:ext cx="181140" cy="276999"/>
+              </a:xfrm>
+              <a:prstGeom prst="rect">
+                <a:avLst/>
+              </a:prstGeom>
+              <a:blipFill>
+                <a:blip r:embed="rId10"/>
+                <a:stretch>
+                  <a:fillRect l="-33333" r="-26667" b="-6667"/>
+                </a:stretch>
+              </a:blipFill>
+            </p:spPr>
+            <p:txBody>
+              <a:bodyPr/>
+              <a:lstStyle/>
+              <a:p>
+                <a:r>
+                  <a:rPr lang="en-US">
+                    <a:noFill/>
+                  </a:rPr>
+                  <a:t> </a:t>
+                </a:r>
+              </a:p>
+            </p:txBody>
+          </p:sp>
+        </mc:Fallback>
+      </mc:AlternateContent>
+      <mc:AlternateContent xmlns:mc="http://schemas.openxmlformats.org/markup-compatibility/2006">
+        <mc:Choice xmlns:a14="http://schemas.microsoft.com/office/drawing/2010/main" Requires="a14">
+          <p:sp>
+            <p:nvSpPr>
+              <p:cNvPr id="55" name="TextBox 54">
+                <a:extLst>
+                  <a:ext uri="{FF2B5EF4-FFF2-40B4-BE49-F238E27FC236}">
+                    <a16:creationId xmlns:a16="http://schemas.microsoft.com/office/drawing/2014/main" id="{17A921D6-BC67-3BF6-EAB5-3D80C1B175EE}"/>
+                  </a:ext>
+                </a:extLst>
+              </p:cNvPr>
+              <p:cNvSpPr txBox="1"/>
+              <p:nvPr/>
+            </p:nvSpPr>
+            <p:spPr>
+              <a:xfrm>
+                <a:off x="1325493" y="2666823"/>
+                <a:ext cx="181140" cy="276999"/>
+              </a:xfrm>
+              <a:prstGeom prst="rect">
+                <a:avLst/>
+              </a:prstGeom>
+              <a:noFill/>
+            </p:spPr>
+            <p:txBody>
+              <a:bodyPr wrap="none" lIns="0" tIns="0" rIns="0" bIns="0" rtlCol="0">
+                <a:spAutoFit/>
+              </a:bodyPr>
+              <a:lstStyle/>
+              <a:p>
+                <a14:m>
+                  <m:oMathPara xmlns:m="http://schemas.openxmlformats.org/officeDocument/2006/math">
+                    <m:oMathParaPr>
+                      <m:jc m:val="centerGroup"/>
+                    </m:oMathParaPr>
+                    <m:oMath xmlns:m="http://schemas.openxmlformats.org/officeDocument/2006/math">
+                      <m:r>
+                        <a:rPr lang="en-US" b="0" i="1" smtClean="0">
+                          <a:latin typeface="Cambria Math" panose="02040503050406030204" pitchFamily="18" charset="0"/>
+                        </a:rPr>
+                        <m:t>1</m:t>
+                      </m:r>
+                    </m:oMath>
+                  </m:oMathPara>
+                </a14:m>
+                <a:endParaRPr lang="en-US" dirty="0"/>
+              </a:p>
+            </p:txBody>
+          </p:sp>
+        </mc:Choice>
+        <mc:Fallback>
+          <p:sp>
+            <p:nvSpPr>
+              <p:cNvPr id="55" name="TextBox 54">
+                <a:extLst>
+                  <a:ext uri="{FF2B5EF4-FFF2-40B4-BE49-F238E27FC236}">
+                    <a16:creationId xmlns:a16="http://schemas.microsoft.com/office/drawing/2014/main" id="{17A921D6-BC67-3BF6-EAB5-3D80C1B175EE}"/>
+                  </a:ext>
+                </a:extLst>
+              </p:cNvPr>
+              <p:cNvSpPr txBox="1">
+                <a:spLocks noRot="1" noChangeAspect="1" noMove="1" noResize="1" noEditPoints="1" noAdjustHandles="1" noChangeArrowheads="1" noChangeShapeType="1" noTextEdit="1"/>
+              </p:cNvSpPr>
+              <p:nvPr/>
+            </p:nvSpPr>
+            <p:spPr>
+              <a:xfrm>
+                <a:off x="1325493" y="2666823"/>
+                <a:ext cx="181140" cy="276999"/>
+              </a:xfrm>
+              <a:prstGeom prst="rect">
+                <a:avLst/>
+              </a:prstGeom>
+              <a:blipFill>
+                <a:blip r:embed="rId11"/>
+                <a:stretch>
+                  <a:fillRect l="-30000" r="-30000" b="-6522"/>
+                </a:stretch>
+              </a:blipFill>
+            </p:spPr>
+            <p:txBody>
+              <a:bodyPr/>
+              <a:lstStyle/>
+              <a:p>
+                <a:r>
+                  <a:rPr lang="en-US">
+                    <a:noFill/>
+                  </a:rPr>
+                  <a:t> </a:t>
+                </a:r>
+              </a:p>
+            </p:txBody>
+          </p:sp>
+        </mc:Fallback>
+      </mc:AlternateContent>
+      <mc:AlternateContent xmlns:mc="http://schemas.openxmlformats.org/markup-compatibility/2006">
+        <mc:Choice xmlns:a14="http://schemas.microsoft.com/office/drawing/2010/main" Requires="a14">
+          <p:sp>
+            <p:nvSpPr>
+              <p:cNvPr id="56" name="TextBox 55">
+                <a:extLst>
+                  <a:ext uri="{FF2B5EF4-FFF2-40B4-BE49-F238E27FC236}">
+                    <a16:creationId xmlns:a16="http://schemas.microsoft.com/office/drawing/2014/main" id="{2E6694B3-01C0-7410-1D19-E1DD3AE0BBDD}"/>
+                  </a:ext>
+                </a:extLst>
+              </p:cNvPr>
+              <p:cNvSpPr txBox="1"/>
+              <p:nvPr/>
+            </p:nvSpPr>
+            <p:spPr>
+              <a:xfrm>
+                <a:off x="1330229" y="2926594"/>
+                <a:ext cx="181140" cy="276999"/>
+              </a:xfrm>
+              <a:prstGeom prst="rect">
+                <a:avLst/>
+              </a:prstGeom>
+              <a:noFill/>
+            </p:spPr>
+            <p:txBody>
+              <a:bodyPr wrap="none" lIns="0" tIns="0" rIns="0" bIns="0" rtlCol="0">
+                <a:spAutoFit/>
+              </a:bodyPr>
+              <a:lstStyle/>
+              <a:p>
+                <a14:m>
+                  <m:oMathPara xmlns:m="http://schemas.openxmlformats.org/officeDocument/2006/math">
+                    <m:oMathParaPr>
+                      <m:jc m:val="centerGroup"/>
+                    </m:oMathParaPr>
+                    <m:oMath xmlns:m="http://schemas.openxmlformats.org/officeDocument/2006/math">
+                      <m:r>
+                        <a:rPr lang="en-US" b="0" i="1" smtClean="0">
+                          <a:latin typeface="Cambria Math" panose="02040503050406030204" pitchFamily="18" charset="0"/>
+                        </a:rPr>
+                        <m:t>2</m:t>
+                      </m:r>
+                    </m:oMath>
+                  </m:oMathPara>
+                </a14:m>
+                <a:endParaRPr lang="en-US" dirty="0"/>
+              </a:p>
+            </p:txBody>
+          </p:sp>
+        </mc:Choice>
+        <mc:Fallback>
+          <p:sp>
+            <p:nvSpPr>
+              <p:cNvPr id="56" name="TextBox 55">
+                <a:extLst>
+                  <a:ext uri="{FF2B5EF4-FFF2-40B4-BE49-F238E27FC236}">
+                    <a16:creationId xmlns:a16="http://schemas.microsoft.com/office/drawing/2014/main" id="{2E6694B3-01C0-7410-1D19-E1DD3AE0BBDD}"/>
+                  </a:ext>
+                </a:extLst>
+              </p:cNvPr>
+              <p:cNvSpPr txBox="1">
+                <a:spLocks noRot="1" noChangeAspect="1" noMove="1" noResize="1" noEditPoints="1" noAdjustHandles="1" noChangeArrowheads="1" noChangeShapeType="1" noTextEdit="1"/>
+              </p:cNvSpPr>
+              <p:nvPr/>
+            </p:nvSpPr>
+            <p:spPr>
+              <a:xfrm>
+                <a:off x="1330229" y="2926594"/>
+                <a:ext cx="181140" cy="276999"/>
+              </a:xfrm>
+              <a:prstGeom prst="rect">
+                <a:avLst/>
+              </a:prstGeom>
+              <a:blipFill>
+                <a:blip r:embed="rId12"/>
+                <a:stretch>
+                  <a:fillRect l="-30000" r="-30000" b="-6522"/>
+                </a:stretch>
+              </a:blipFill>
+            </p:spPr>
+            <p:txBody>
+              <a:bodyPr/>
+              <a:lstStyle/>
+              <a:p>
+                <a:r>
+                  <a:rPr lang="en-US">
+                    <a:noFill/>
+                  </a:rPr>
+                  <a:t> </a:t>
+                </a:r>
+              </a:p>
+            </p:txBody>
+          </p:sp>
+        </mc:Fallback>
+      </mc:AlternateContent>
+      <mc:AlternateContent xmlns:mc="http://schemas.openxmlformats.org/markup-compatibility/2006">
+        <mc:Choice xmlns:a14="http://schemas.microsoft.com/office/drawing/2010/main" Requires="a14">
+          <p:sp>
+            <p:nvSpPr>
+              <p:cNvPr id="57" name="TextBox 56">
+                <a:extLst>
+                  <a:ext uri="{FF2B5EF4-FFF2-40B4-BE49-F238E27FC236}">
+                    <a16:creationId xmlns:a16="http://schemas.microsoft.com/office/drawing/2014/main" id="{71AA11AE-0EF6-C641-4501-65BB2D85E678}"/>
+                  </a:ext>
+                </a:extLst>
+              </p:cNvPr>
+              <p:cNvSpPr txBox="1"/>
+              <p:nvPr/>
+            </p:nvSpPr>
+            <p:spPr>
+              <a:xfrm>
+                <a:off x="1325493" y="3186366"/>
+                <a:ext cx="181140" cy="276999"/>
+              </a:xfrm>
+              <a:prstGeom prst="rect">
+                <a:avLst/>
+              </a:prstGeom>
+              <a:noFill/>
+            </p:spPr>
+            <p:txBody>
+              <a:bodyPr wrap="none" lIns="0" tIns="0" rIns="0" bIns="0" rtlCol="0">
+                <a:spAutoFit/>
+              </a:bodyPr>
+              <a:lstStyle/>
+              <a:p>
+                <a14:m>
+                  <m:oMathPara xmlns:m="http://schemas.openxmlformats.org/officeDocument/2006/math">
+                    <m:oMathParaPr>
+                      <m:jc m:val="centerGroup"/>
+                    </m:oMathParaPr>
+                    <m:oMath xmlns:m="http://schemas.openxmlformats.org/officeDocument/2006/math">
+                      <m:r>
+                        <a:rPr lang="en-US" b="0" i="1" smtClean="0">
+                          <a:latin typeface="Cambria Math" panose="02040503050406030204" pitchFamily="18" charset="0"/>
+                        </a:rPr>
+                        <m:t>3</m:t>
+                      </m:r>
+                    </m:oMath>
+                  </m:oMathPara>
+                </a14:m>
+                <a:endParaRPr lang="en-US" dirty="0"/>
+              </a:p>
+            </p:txBody>
+          </p:sp>
+        </mc:Choice>
+        <mc:Fallback>
+          <p:sp>
+            <p:nvSpPr>
+              <p:cNvPr id="57" name="TextBox 56">
+                <a:extLst>
+                  <a:ext uri="{FF2B5EF4-FFF2-40B4-BE49-F238E27FC236}">
+                    <a16:creationId xmlns:a16="http://schemas.microsoft.com/office/drawing/2014/main" id="{71AA11AE-0EF6-C641-4501-65BB2D85E678}"/>
+                  </a:ext>
+                </a:extLst>
+              </p:cNvPr>
+              <p:cNvSpPr txBox="1">
+                <a:spLocks noRot="1" noChangeAspect="1" noMove="1" noResize="1" noEditPoints="1" noAdjustHandles="1" noChangeArrowheads="1" noChangeShapeType="1" noTextEdit="1"/>
+              </p:cNvSpPr>
+              <p:nvPr/>
+            </p:nvSpPr>
+            <p:spPr>
+              <a:xfrm>
+                <a:off x="1325493" y="3186366"/>
+                <a:ext cx="181140" cy="276999"/>
+              </a:xfrm>
+              <a:prstGeom prst="rect">
+                <a:avLst/>
+              </a:prstGeom>
+              <a:blipFill>
+                <a:blip r:embed="rId13"/>
+                <a:stretch>
+                  <a:fillRect l="-30000" r="-30000" b="-6667"/>
+                </a:stretch>
+              </a:blipFill>
+            </p:spPr>
+            <p:txBody>
+              <a:bodyPr/>
+              <a:lstStyle/>
+              <a:p>
+                <a:r>
+                  <a:rPr lang="en-US">
+                    <a:noFill/>
+                  </a:rPr>
+                  <a:t> </a:t>
+                </a:r>
+              </a:p>
+            </p:txBody>
+          </p:sp>
+        </mc:Fallback>
+      </mc:AlternateContent>
+      <p:sp>
+        <p:nvSpPr>
+          <p:cNvPr id="59" name="Oval 58">
+            <a:extLst>
+              <a:ext uri="{FF2B5EF4-FFF2-40B4-BE49-F238E27FC236}">
+                <a16:creationId xmlns:a16="http://schemas.microsoft.com/office/drawing/2014/main" id="{2919D12F-522E-2D47-4044-2D5C8977E8FB}"/>
+              </a:ext>
+            </a:extLst>
+          </p:cNvPr>
+          <p:cNvSpPr/>
+          <p:nvPr/>
+        </p:nvSpPr>
+        <p:spPr>
+          <a:xfrm>
+            <a:off x="5253081" y="2497752"/>
+            <a:ext cx="182880" cy="182880"/>
+          </a:xfrm>
+          <a:prstGeom prst="ellipse">
+            <a:avLst/>
+          </a:prstGeom>
+        </p:spPr>
+        <p:style>
+          <a:lnRef idx="2">
+            <a:schemeClr val="accent1">
+              <a:shade val="15000"/>
+            </a:schemeClr>
+          </a:lnRef>
+          <a:fillRef idx="1">
+            <a:schemeClr val="accent1"/>
+          </a:fillRef>
+          <a:effectRef idx="0">
+            <a:schemeClr val="accent1"/>
+          </a:effectRef>
+          <a:fontRef idx="minor">
+            <a:schemeClr val="lt1"/>
+          </a:fontRef>
+        </p:style>
+        <p:txBody>
+          <a:bodyPr rtlCol="0" anchor="ctr"/>
+          <a:lstStyle/>
+          <a:p>
+            <a:pPr algn="ctr"/>
+            <a:endParaRPr lang="en-US"/>
+          </a:p>
+        </p:txBody>
+      </p:sp>
+      <p:sp>
+        <p:nvSpPr>
+          <p:cNvPr id="60" name="TextBox 59">
+            <a:extLst>
+              <a:ext uri="{FF2B5EF4-FFF2-40B4-BE49-F238E27FC236}">
+                <a16:creationId xmlns:a16="http://schemas.microsoft.com/office/drawing/2014/main" id="{2FC08AB1-94F7-892B-E0E5-FE1ECDFC6381}"/>
+              </a:ext>
+            </a:extLst>
+          </p:cNvPr>
+          <p:cNvSpPr txBox="1"/>
+          <p:nvPr/>
+        </p:nvSpPr>
+        <p:spPr>
+          <a:xfrm>
+            <a:off x="5459931" y="2794147"/>
+            <a:ext cx="902494" cy="307777"/>
+          </a:xfrm>
+          <a:prstGeom prst="rect">
+            <a:avLst/>
+          </a:prstGeom>
+          <a:noFill/>
+        </p:spPr>
+        <p:txBody>
+          <a:bodyPr wrap="square" rtlCol="0">
+            <a:spAutoFit/>
+          </a:bodyPr>
+          <a:lstStyle/>
+          <a:p>
+            <a:r>
+              <a:rPr lang="en-US" sz="1400" dirty="0"/>
+              <a:t>CX gate</a:t>
+            </a:r>
+          </a:p>
+        </p:txBody>
+      </p:sp>
+      <p:sp>
+        <p:nvSpPr>
+          <p:cNvPr id="61" name="TextBox 60">
+            <a:extLst>
+              <a:ext uri="{FF2B5EF4-FFF2-40B4-BE49-F238E27FC236}">
+                <a16:creationId xmlns:a16="http://schemas.microsoft.com/office/drawing/2014/main" id="{DED6C5B4-51A2-31D3-9057-CABCDEC8E8DD}"/>
+              </a:ext>
+            </a:extLst>
+          </p:cNvPr>
+          <p:cNvSpPr txBox="1"/>
+          <p:nvPr/>
+        </p:nvSpPr>
+        <p:spPr>
+          <a:xfrm>
+            <a:off x="5453281" y="2435246"/>
+            <a:ext cx="1028164" cy="307777"/>
+          </a:xfrm>
+          <a:prstGeom prst="rect">
+            <a:avLst/>
+          </a:prstGeom>
+          <a:noFill/>
+        </p:spPr>
+        <p:txBody>
+          <a:bodyPr wrap="square" rtlCol="0">
+            <a:spAutoFit/>
+          </a:bodyPr>
+          <a:lstStyle/>
+          <a:p>
+            <a:r>
+              <a:rPr lang="en-US" sz="1400" dirty="0"/>
+              <a:t>Other gates</a:t>
+            </a:r>
+          </a:p>
+        </p:txBody>
+      </p:sp>
+      <p:sp>
+        <p:nvSpPr>
+          <p:cNvPr id="62" name="Rectangle 61">
+            <a:extLst>
+              <a:ext uri="{FF2B5EF4-FFF2-40B4-BE49-F238E27FC236}">
+                <a16:creationId xmlns:a16="http://schemas.microsoft.com/office/drawing/2014/main" id="{FA40DB74-B6E1-23A0-16CE-953BB0624F59}"/>
+              </a:ext>
+            </a:extLst>
+          </p:cNvPr>
+          <p:cNvSpPr/>
+          <p:nvPr/>
+        </p:nvSpPr>
+        <p:spPr>
+          <a:xfrm>
+            <a:off x="5167866" y="2400839"/>
+            <a:ext cx="1344361" cy="785527"/>
+          </a:xfrm>
+          <a:prstGeom prst="rect">
+            <a:avLst/>
+          </a:prstGeom>
+          <a:noFill/>
+          <a:ln>
+            <a:solidFill>
+              <a:schemeClr val="tx1"/>
+            </a:solidFill>
+            <a:prstDash val="lgDash"/>
+          </a:ln>
+        </p:spPr>
+        <p:style>
+          <a:lnRef idx="2">
+            <a:schemeClr val="accent1">
+              <a:shade val="15000"/>
+            </a:schemeClr>
+          </a:lnRef>
+          <a:fillRef idx="1">
+            <a:schemeClr val="accent1"/>
+          </a:fillRef>
+          <a:effectRef idx="0">
+            <a:schemeClr val="accent1"/>
+          </a:effectRef>
+          <a:fontRef idx="minor">
+            <a:schemeClr val="lt1"/>
+          </a:fontRef>
+        </p:style>
+        <p:txBody>
+          <a:bodyPr rtlCol="0" anchor="ctr"/>
+          <a:lstStyle/>
+          <a:p>
+            <a:pPr algn="ctr"/>
+            <a:endParaRPr lang="en-VN" sz="1000">
+              <a:latin typeface="Courant" panose="02000509030000020004" pitchFamily="49" charset="0"/>
+              <a:cs typeface="Noto Sans Oriya" panose="020B0502040504020204" pitchFamily="34" charset="0"/>
+            </a:endParaRPr>
+          </a:p>
+        </p:txBody>
+      </p:sp>
+      <p:cxnSp>
+        <p:nvCxnSpPr>
+          <p:cNvPr id="63" name="Đường nối Thẳng 9">
+            <a:extLst>
+              <a:ext uri="{FF2B5EF4-FFF2-40B4-BE49-F238E27FC236}">
+                <a16:creationId xmlns:a16="http://schemas.microsoft.com/office/drawing/2014/main" id="{490BAFFB-71B0-2013-FF27-D10AF36CD174}"/>
+              </a:ext>
+            </a:extLst>
+          </p:cNvPr>
+          <p:cNvCxnSpPr>
+            <a:cxnSpLocks/>
+          </p:cNvCxnSpPr>
+          <p:nvPr/>
+        </p:nvCxnSpPr>
+        <p:spPr>
+          <a:xfrm>
+            <a:off x="4186704" y="2545552"/>
+            <a:ext cx="822960" cy="0"/>
+          </a:xfrm>
+          <a:prstGeom prst="line">
+            <a:avLst/>
+          </a:prstGeom>
+          <a:ln w="38100"/>
+        </p:spPr>
+        <p:style>
+          <a:lnRef idx="1">
+            <a:schemeClr val="dk1"/>
+          </a:lnRef>
+          <a:fillRef idx="0">
+            <a:schemeClr val="dk1"/>
+          </a:fillRef>
+          <a:effectRef idx="0">
+            <a:schemeClr val="dk1"/>
+          </a:effectRef>
+          <a:fontRef idx="minor">
+            <a:schemeClr val="tx1"/>
+          </a:fontRef>
+        </p:style>
+      </p:cxnSp>
+      <p:cxnSp>
+        <p:nvCxnSpPr>
+          <p:cNvPr id="64" name="Đường nối Thẳng 9">
+            <a:extLst>
+              <a:ext uri="{FF2B5EF4-FFF2-40B4-BE49-F238E27FC236}">
+                <a16:creationId xmlns:a16="http://schemas.microsoft.com/office/drawing/2014/main" id="{6F00692B-AF11-0A3D-44E7-C5BFDE818801}"/>
+              </a:ext>
+            </a:extLst>
+          </p:cNvPr>
+          <p:cNvCxnSpPr>
+            <a:cxnSpLocks/>
+          </p:cNvCxnSpPr>
+          <p:nvPr/>
+        </p:nvCxnSpPr>
+        <p:spPr>
+          <a:xfrm>
+            <a:off x="4186704" y="2809077"/>
+            <a:ext cx="822960" cy="0"/>
+          </a:xfrm>
+          <a:prstGeom prst="line">
+            <a:avLst/>
+          </a:prstGeom>
+          <a:ln w="38100"/>
+        </p:spPr>
+        <p:style>
+          <a:lnRef idx="1">
+            <a:schemeClr val="dk1"/>
+          </a:lnRef>
+          <a:fillRef idx="0">
+            <a:schemeClr val="dk1"/>
+          </a:fillRef>
+          <a:effectRef idx="0">
+            <a:schemeClr val="dk1"/>
+          </a:effectRef>
+          <a:fontRef idx="minor">
+            <a:schemeClr val="tx1"/>
+          </a:fontRef>
+        </p:style>
+      </p:cxnSp>
+      <p:cxnSp>
+        <p:nvCxnSpPr>
+          <p:cNvPr id="65" name="Đường nối Thẳng 9">
+            <a:extLst>
+              <a:ext uri="{FF2B5EF4-FFF2-40B4-BE49-F238E27FC236}">
+                <a16:creationId xmlns:a16="http://schemas.microsoft.com/office/drawing/2014/main" id="{930B4050-8A3D-61BD-B005-D756312D3B1D}"/>
+              </a:ext>
+            </a:extLst>
+          </p:cNvPr>
+          <p:cNvCxnSpPr>
+            <a:cxnSpLocks/>
+          </p:cNvCxnSpPr>
+          <p:nvPr/>
+        </p:nvCxnSpPr>
+        <p:spPr>
+          <a:xfrm>
+            <a:off x="4186704" y="3072602"/>
+            <a:ext cx="822960" cy="0"/>
+          </a:xfrm>
+          <a:prstGeom prst="line">
+            <a:avLst/>
+          </a:prstGeom>
+          <a:ln w="38100"/>
+        </p:spPr>
+        <p:style>
+          <a:lnRef idx="1">
+            <a:schemeClr val="dk1"/>
+          </a:lnRef>
+          <a:fillRef idx="0">
+            <a:schemeClr val="dk1"/>
+          </a:fillRef>
+          <a:effectRef idx="0">
+            <a:schemeClr val="dk1"/>
+          </a:effectRef>
+          <a:fontRef idx="minor">
+            <a:schemeClr val="tx1"/>
+          </a:fontRef>
+        </p:style>
+      </p:cxnSp>
+      <p:cxnSp>
+        <p:nvCxnSpPr>
+          <p:cNvPr id="66" name="Đường nối Thẳng 9">
+            <a:extLst>
+              <a:ext uri="{FF2B5EF4-FFF2-40B4-BE49-F238E27FC236}">
+                <a16:creationId xmlns:a16="http://schemas.microsoft.com/office/drawing/2014/main" id="{41CFAEAF-DBD6-ED19-2336-66182DDDD149}"/>
+              </a:ext>
+            </a:extLst>
+          </p:cNvPr>
+          <p:cNvCxnSpPr>
+            <a:cxnSpLocks/>
+          </p:cNvCxnSpPr>
+          <p:nvPr/>
+        </p:nvCxnSpPr>
+        <p:spPr>
+          <a:xfrm>
+            <a:off x="4186704" y="3336127"/>
+            <a:ext cx="822960" cy="0"/>
+          </a:xfrm>
+          <a:prstGeom prst="line">
+            <a:avLst/>
+          </a:prstGeom>
+          <a:ln w="38100"/>
+        </p:spPr>
+        <p:style>
+          <a:lnRef idx="1">
+            <a:schemeClr val="dk1"/>
+          </a:lnRef>
+          <a:fillRef idx="0">
+            <a:schemeClr val="dk1"/>
+          </a:fillRef>
+          <a:effectRef idx="0">
+            <a:schemeClr val="dk1"/>
+          </a:effectRef>
+          <a:fontRef idx="minor">
+            <a:schemeClr val="tx1"/>
+          </a:fontRef>
+        </p:style>
+      </p:cxnSp>
+      <mc:AlternateContent xmlns:mc="http://schemas.openxmlformats.org/markup-compatibility/2006">
+        <mc:Choice xmlns:a14="http://schemas.microsoft.com/office/drawing/2010/main" Requires="a14">
+          <p:sp>
+            <p:nvSpPr>
+              <p:cNvPr id="68" name="TextBox 67">
+                <a:extLst>
+                  <a:ext uri="{FF2B5EF4-FFF2-40B4-BE49-F238E27FC236}">
+                    <a16:creationId xmlns:a16="http://schemas.microsoft.com/office/drawing/2014/main" id="{5A17837B-870A-50A7-E4AF-424C9E13767D}"/>
+                  </a:ext>
+                </a:extLst>
+              </p:cNvPr>
+              <p:cNvSpPr txBox="1"/>
+              <p:nvPr/>
+            </p:nvSpPr>
+            <p:spPr>
+              <a:xfrm>
+                <a:off x="3994028" y="2793355"/>
+                <a:ext cx="125034" cy="276999"/>
+              </a:xfrm>
+              <a:prstGeom prst="rect">
+                <a:avLst/>
+              </a:prstGeom>
+              <a:noFill/>
+            </p:spPr>
+            <p:txBody>
+              <a:bodyPr wrap="none" lIns="0" tIns="0" rIns="0" bIns="0" rtlCol="0">
+                <a:spAutoFit/>
+              </a:bodyPr>
+              <a:lstStyle/>
+              <a:p>
+                <a14:m>
+                  <m:oMathPara xmlns:m="http://schemas.openxmlformats.org/officeDocument/2006/math">
+                    <m:oMathParaPr>
+                      <m:jc m:val="centerGroup"/>
+                    </m:oMathParaPr>
+                    <m:oMath xmlns:m="http://schemas.openxmlformats.org/officeDocument/2006/math">
+                      <m:r>
+                        <a:rPr lang="en-US" i="1" smtClean="0">
+                          <a:latin typeface="Cambria Math" panose="02040503050406030204" pitchFamily="18" charset="0"/>
+                        </a:rPr>
+                        <m:t>⋮</m:t>
+                      </m:r>
+                    </m:oMath>
+                  </m:oMathPara>
+                </a14:m>
+                <a:endParaRPr lang="en-US" dirty="0"/>
+              </a:p>
+            </p:txBody>
+          </p:sp>
+        </mc:Choice>
+        <mc:Fallback>
+          <p:sp>
+            <p:nvSpPr>
+              <p:cNvPr id="68" name="TextBox 67">
+                <a:extLst>
+                  <a:ext uri="{FF2B5EF4-FFF2-40B4-BE49-F238E27FC236}">
+                    <a16:creationId xmlns:a16="http://schemas.microsoft.com/office/drawing/2014/main" id="{5A17837B-870A-50A7-E4AF-424C9E13767D}"/>
+                  </a:ext>
+                </a:extLst>
+              </p:cNvPr>
+              <p:cNvSpPr txBox="1">
+                <a:spLocks noRot="1" noChangeAspect="1" noMove="1" noResize="1" noEditPoints="1" noAdjustHandles="1" noChangeArrowheads="1" noChangeShapeType="1" noTextEdit="1"/>
+              </p:cNvSpPr>
+              <p:nvPr/>
+            </p:nvSpPr>
+            <p:spPr>
+              <a:xfrm>
+                <a:off x="3994028" y="2793355"/>
+                <a:ext cx="125034" cy="276999"/>
+              </a:xfrm>
+              <a:prstGeom prst="rect">
+                <a:avLst/>
+              </a:prstGeom>
+              <a:blipFill>
+                <a:blip r:embed="rId14"/>
+                <a:stretch>
+                  <a:fillRect l="-42857" r="-38095" b="-4348"/>
+                </a:stretch>
+              </a:blipFill>
+            </p:spPr>
+            <p:txBody>
+              <a:bodyPr/>
+              <a:lstStyle/>
+              <a:p>
+                <a:r>
+                  <a:rPr lang="en-US">
+                    <a:noFill/>
+                  </a:rPr>
+                  <a:t> </a:t>
+                </a:r>
+              </a:p>
+            </p:txBody>
+          </p:sp>
+        </mc:Fallback>
+      </mc:AlternateContent>
+      <p:grpSp>
+        <p:nvGrpSpPr>
+          <p:cNvPr id="70" name="Group 69">
+            <a:extLst>
+              <a:ext uri="{FF2B5EF4-FFF2-40B4-BE49-F238E27FC236}">
+                <a16:creationId xmlns:a16="http://schemas.microsoft.com/office/drawing/2014/main" id="{8CCB733C-411A-3896-BD12-A2B4A8498129}"/>
+              </a:ext>
+            </a:extLst>
+          </p:cNvPr>
+          <p:cNvGrpSpPr/>
+          <p:nvPr/>
+        </p:nvGrpSpPr>
+        <p:grpSpPr>
+          <a:xfrm>
+            <a:off x="4104280" y="2562224"/>
+            <a:ext cx="681037" cy="424337"/>
+            <a:chOff x="2438400" y="2562225"/>
+            <a:chExt cx="681037" cy="424337"/>
+          </a:xfrm>
+        </p:grpSpPr>
+        <p:cxnSp>
+          <p:nvCxnSpPr>
+            <p:cNvPr id="71" name="Straight Connector 70">
+              <a:extLst>
+                <a:ext uri="{FF2B5EF4-FFF2-40B4-BE49-F238E27FC236}">
+                  <a16:creationId xmlns:a16="http://schemas.microsoft.com/office/drawing/2014/main" id="{81CC80FC-2916-D1CE-D03E-B72E557EBF97}"/>
+                </a:ext>
+              </a:extLst>
+            </p:cNvPr>
+            <p:cNvCxnSpPr/>
+            <p:nvPr/>
+          </p:nvCxnSpPr>
+          <p:spPr>
+            <a:xfrm>
+              <a:off x="2778919" y="2562225"/>
+              <a:ext cx="0" cy="269081"/>
+            </a:xfrm>
+            <a:prstGeom prst="line">
+              <a:avLst/>
+            </a:prstGeom>
+            <a:ln w="28575"/>
+          </p:spPr>
+          <p:style>
+            <a:lnRef idx="1">
+              <a:schemeClr val="dk1"/>
+            </a:lnRef>
+            <a:fillRef idx="0">
+              <a:schemeClr val="dk1"/>
+            </a:fillRef>
+            <a:effectRef idx="0">
+              <a:schemeClr val="dk1"/>
+            </a:effectRef>
+            <a:fontRef idx="minor">
+              <a:schemeClr val="tx1"/>
+            </a:fontRef>
+          </p:style>
+        </p:cxnSp>
+        <mc:AlternateContent xmlns:mc="http://schemas.openxmlformats.org/markup-compatibility/2006">
+          <mc:Choice xmlns:a14="http://schemas.microsoft.com/office/drawing/2010/main" Requires="a14">
+            <p:sp>
+              <p:nvSpPr>
+                <p:cNvPr id="72" name="TextBox 71">
+                  <a:extLst>
+                    <a:ext uri="{FF2B5EF4-FFF2-40B4-BE49-F238E27FC236}">
+                      <a16:creationId xmlns:a16="http://schemas.microsoft.com/office/drawing/2014/main" id="{D6D95DFD-BB98-76B2-8CA3-3DA82C2AC759}"/>
+                    </a:ext>
+                  </a:extLst>
+                </p:cNvPr>
+                <p:cNvSpPr txBox="1"/>
+                <p:nvPr/>
+              </p:nvSpPr>
+              <p:spPr>
+                <a:xfrm>
+                  <a:off x="2438400" y="2617230"/>
+                  <a:ext cx="681037" cy="369332"/>
+                </a:xfrm>
+                <a:prstGeom prst="rect">
+                  <a:avLst/>
+                </a:prstGeom>
+                <a:noFill/>
+              </p:spPr>
+              <p:txBody>
+                <a:bodyPr wrap="square" rtlCol="0">
+                  <a:spAutoFit/>
+                </a:bodyPr>
+                <a:lstStyle/>
+                <a:p>
+                  <a14:m>
+                    <m:oMathPara xmlns:m="http://schemas.openxmlformats.org/officeDocument/2006/math">
+                      <m:oMathParaPr>
+                        <m:jc m:val="centerGroup"/>
+                      </m:oMathParaPr>
+                      <m:oMath xmlns:m="http://schemas.openxmlformats.org/officeDocument/2006/math">
+                        <m:r>
+                          <a:rPr lang="en-US" b="0" i="1" smtClean="0">
+                            <a:latin typeface="Cambria Math" panose="02040503050406030204" pitchFamily="18" charset="0"/>
+                          </a:rPr>
+                          <m:t>×</m:t>
+                        </m:r>
+                      </m:oMath>
+                    </m:oMathPara>
+                  </a14:m>
+                  <a:endParaRPr lang="en-US" dirty="0"/>
+                </a:p>
+              </p:txBody>
+            </p:sp>
+          </mc:Choice>
+          <mc:Fallback>
+            <p:sp>
+              <p:nvSpPr>
+                <p:cNvPr id="72" name="TextBox 71">
+                  <a:extLst>
+                    <a:ext uri="{FF2B5EF4-FFF2-40B4-BE49-F238E27FC236}">
+                      <a16:creationId xmlns:a16="http://schemas.microsoft.com/office/drawing/2014/main" id="{D6D95DFD-BB98-76B2-8CA3-3DA82C2AC759}"/>
+                    </a:ext>
+                  </a:extLst>
+                </p:cNvPr>
+                <p:cNvSpPr txBox="1">
+                  <a:spLocks noRot="1" noChangeAspect="1" noMove="1" noResize="1" noEditPoints="1" noAdjustHandles="1" noChangeArrowheads="1" noChangeShapeType="1" noTextEdit="1"/>
+                </p:cNvSpPr>
+                <p:nvPr/>
+              </p:nvSpPr>
+              <p:spPr>
+                <a:xfrm>
+                  <a:off x="2438400" y="2617230"/>
+                  <a:ext cx="681037" cy="369332"/>
+                </a:xfrm>
+                <a:prstGeom prst="rect">
+                  <a:avLst/>
+                </a:prstGeom>
+                <a:blipFill>
+                  <a:blip r:embed="rId15"/>
+                  <a:stretch>
+                    <a:fillRect/>
+                  </a:stretch>
+                </a:blipFill>
+              </p:spPr>
+              <p:txBody>
+                <a:bodyPr/>
+                <a:lstStyle/>
+                <a:p>
+                  <a:r>
+                    <a:rPr lang="en-US">
+                      <a:noFill/>
+                    </a:rPr>
+                    <a:t> </a:t>
+                  </a:r>
+                </a:p>
+              </p:txBody>
+            </p:sp>
+          </mc:Fallback>
+        </mc:AlternateContent>
+      </p:grpSp>
+      <p:grpSp>
+        <p:nvGrpSpPr>
+          <p:cNvPr id="73" name="Group 72">
+            <a:extLst>
+              <a:ext uri="{FF2B5EF4-FFF2-40B4-BE49-F238E27FC236}">
+                <a16:creationId xmlns:a16="http://schemas.microsoft.com/office/drawing/2014/main" id="{5C5BDE70-874F-D48A-ED72-7DDF3A16A17B}"/>
+              </a:ext>
+            </a:extLst>
+          </p:cNvPr>
+          <p:cNvGrpSpPr/>
+          <p:nvPr/>
+        </p:nvGrpSpPr>
+        <p:grpSpPr>
+          <a:xfrm>
+            <a:off x="4528585" y="3083972"/>
+            <a:ext cx="681037" cy="424337"/>
+            <a:chOff x="2438400" y="2562225"/>
+            <a:chExt cx="681037" cy="424337"/>
+          </a:xfrm>
+        </p:grpSpPr>
+        <p:cxnSp>
+          <p:nvCxnSpPr>
+            <p:cNvPr id="74" name="Straight Connector 73">
+              <a:extLst>
+                <a:ext uri="{FF2B5EF4-FFF2-40B4-BE49-F238E27FC236}">
+                  <a16:creationId xmlns:a16="http://schemas.microsoft.com/office/drawing/2014/main" id="{16D691A6-08A6-E086-3FD0-58F7329804A9}"/>
+                </a:ext>
+              </a:extLst>
+            </p:cNvPr>
+            <p:cNvCxnSpPr/>
+            <p:nvPr/>
+          </p:nvCxnSpPr>
+          <p:spPr>
+            <a:xfrm>
+              <a:off x="2778919" y="2562225"/>
+              <a:ext cx="0" cy="269081"/>
+            </a:xfrm>
+            <a:prstGeom prst="line">
+              <a:avLst/>
+            </a:prstGeom>
+            <a:ln w="28575"/>
+          </p:spPr>
+          <p:style>
+            <a:lnRef idx="1">
+              <a:schemeClr val="dk1"/>
+            </a:lnRef>
+            <a:fillRef idx="0">
+              <a:schemeClr val="dk1"/>
+            </a:fillRef>
+            <a:effectRef idx="0">
+              <a:schemeClr val="dk1"/>
+            </a:effectRef>
+            <a:fontRef idx="minor">
+              <a:schemeClr val="tx1"/>
+            </a:fontRef>
+          </p:style>
+        </p:cxnSp>
+        <mc:AlternateContent xmlns:mc="http://schemas.openxmlformats.org/markup-compatibility/2006">
+          <mc:Choice xmlns:a14="http://schemas.microsoft.com/office/drawing/2010/main" Requires="a14">
+            <p:sp>
+              <p:nvSpPr>
+                <p:cNvPr id="75" name="TextBox 74">
+                  <a:extLst>
+                    <a:ext uri="{FF2B5EF4-FFF2-40B4-BE49-F238E27FC236}">
+                      <a16:creationId xmlns:a16="http://schemas.microsoft.com/office/drawing/2014/main" id="{2B8D6F2E-0446-8DA4-D5F9-ACFDA9E6DF7F}"/>
+                    </a:ext>
+                  </a:extLst>
+                </p:cNvPr>
+                <p:cNvSpPr txBox="1"/>
+                <p:nvPr/>
+              </p:nvSpPr>
+              <p:spPr>
+                <a:xfrm>
+                  <a:off x="2438400" y="2617230"/>
+                  <a:ext cx="681037" cy="369332"/>
+                </a:xfrm>
+                <a:prstGeom prst="rect">
+                  <a:avLst/>
+                </a:prstGeom>
+                <a:noFill/>
+              </p:spPr>
+              <p:txBody>
+                <a:bodyPr wrap="square" rtlCol="0">
+                  <a:spAutoFit/>
+                </a:bodyPr>
+                <a:lstStyle/>
+                <a:p>
+                  <a14:m>
+                    <m:oMathPara xmlns:m="http://schemas.openxmlformats.org/officeDocument/2006/math">
+                      <m:oMathParaPr>
+                        <m:jc m:val="centerGroup"/>
+                      </m:oMathParaPr>
+                      <m:oMath xmlns:m="http://schemas.openxmlformats.org/officeDocument/2006/math">
+                        <m:r>
+                          <a:rPr lang="en-US" b="0" i="1" smtClean="0">
+                            <a:latin typeface="Cambria Math" panose="02040503050406030204" pitchFamily="18" charset="0"/>
+                          </a:rPr>
+                          <m:t>×</m:t>
+                        </m:r>
+                      </m:oMath>
+                    </m:oMathPara>
+                  </a14:m>
+                  <a:endParaRPr lang="en-US" dirty="0"/>
+                </a:p>
+              </p:txBody>
+            </p:sp>
+          </mc:Choice>
+          <mc:Fallback>
+            <p:sp>
+              <p:nvSpPr>
+                <p:cNvPr id="75" name="TextBox 74">
+                  <a:extLst>
+                    <a:ext uri="{FF2B5EF4-FFF2-40B4-BE49-F238E27FC236}">
+                      <a16:creationId xmlns:a16="http://schemas.microsoft.com/office/drawing/2014/main" id="{2B8D6F2E-0446-8DA4-D5F9-ACFDA9E6DF7F}"/>
+                    </a:ext>
+                  </a:extLst>
+                </p:cNvPr>
+                <p:cNvSpPr txBox="1">
+                  <a:spLocks noRot="1" noChangeAspect="1" noMove="1" noResize="1" noEditPoints="1" noAdjustHandles="1" noChangeArrowheads="1" noChangeShapeType="1" noTextEdit="1"/>
+                </p:cNvSpPr>
+                <p:nvPr/>
+              </p:nvSpPr>
+              <p:spPr>
+                <a:xfrm>
+                  <a:off x="2438400" y="2617230"/>
+                  <a:ext cx="681037" cy="369332"/>
+                </a:xfrm>
+                <a:prstGeom prst="rect">
+                  <a:avLst/>
+                </a:prstGeom>
+                <a:blipFill>
+                  <a:blip r:embed="rId16"/>
+                  <a:stretch>
+                    <a:fillRect/>
+                  </a:stretch>
+                </a:blipFill>
+              </p:spPr>
+              <p:txBody>
+                <a:bodyPr/>
+                <a:lstStyle/>
+                <a:p>
+                  <a:r>
+                    <a:rPr lang="en-US">
+                      <a:noFill/>
+                    </a:rPr>
+                    <a:t> </a:t>
+                  </a:r>
+                </a:p>
+              </p:txBody>
+            </p:sp>
+          </mc:Fallback>
+        </mc:AlternateContent>
+      </p:grpSp>
+      <p:sp>
+        <p:nvSpPr>
+          <p:cNvPr id="76" name="Rectangle: Rounded Corners 75">
+            <a:extLst>
+              <a:ext uri="{FF2B5EF4-FFF2-40B4-BE49-F238E27FC236}">
+                <a16:creationId xmlns:a16="http://schemas.microsoft.com/office/drawing/2014/main" id="{AC3F88A2-F78D-AA88-F0CF-3EDE22C12D17}"/>
+              </a:ext>
+            </a:extLst>
+          </p:cNvPr>
+          <p:cNvSpPr/>
+          <p:nvPr/>
+        </p:nvSpPr>
+        <p:spPr>
+          <a:xfrm>
+            <a:off x="4282079" y="2400838"/>
+            <a:ext cx="684588" cy="1111081"/>
+          </a:xfrm>
+          <a:prstGeom prst="roundRect">
+            <a:avLst/>
+          </a:prstGeom>
+          <a:solidFill>
+            <a:srgbClr val="FF0000">
+              <a:alpha val="20000"/>
+            </a:srgbClr>
+          </a:solidFill>
+          <a:ln>
+            <a:noFill/>
+          </a:ln>
+        </p:spPr>
+        <p:style>
+          <a:lnRef idx="2">
+            <a:schemeClr val="accent1">
+              <a:shade val="15000"/>
+            </a:schemeClr>
+          </a:lnRef>
+          <a:fillRef idx="1">
+            <a:schemeClr val="accent1"/>
+          </a:fillRef>
+          <a:effectRef idx="0">
+            <a:schemeClr val="accent1"/>
+          </a:effectRef>
+          <a:fontRef idx="minor">
+            <a:schemeClr val="lt1"/>
+          </a:fontRef>
+        </p:style>
+        <p:txBody>
+          <a:bodyPr rtlCol="0" anchor="ctr"/>
+          <a:lstStyle/>
+          <a:p>
+            <a:pPr algn="ctr"/>
+            <a:endParaRPr lang="en-US"/>
+          </a:p>
+        </p:txBody>
+      </p:sp>
+      <mc:AlternateContent xmlns:mc="http://schemas.openxmlformats.org/markup-compatibility/2006">
+        <mc:Choice xmlns:a14="http://schemas.microsoft.com/office/drawing/2010/main" Requires="a14">
+          <p:sp>
+            <p:nvSpPr>
+              <p:cNvPr id="77" name="TextBox 76">
+                <a:extLst>
+                  <a:ext uri="{FF2B5EF4-FFF2-40B4-BE49-F238E27FC236}">
+                    <a16:creationId xmlns:a16="http://schemas.microsoft.com/office/drawing/2014/main" id="{40E41B9D-5DE3-4D37-FE14-E41B0F14850F}"/>
+                  </a:ext>
+                </a:extLst>
+              </p:cNvPr>
+              <p:cNvSpPr txBox="1"/>
+              <p:nvPr/>
+            </p:nvSpPr>
+            <p:spPr>
+              <a:xfrm>
+                <a:off x="4282078" y="3565192"/>
+                <a:ext cx="684588" cy="276999"/>
+              </a:xfrm>
+              <a:prstGeom prst="rect">
+                <a:avLst/>
+              </a:prstGeom>
+              <a:noFill/>
+            </p:spPr>
+            <p:txBody>
+              <a:bodyPr wrap="square" lIns="0" tIns="0" rIns="0" bIns="0" rtlCol="0">
+                <a:spAutoFit/>
+              </a:bodyPr>
+              <a:lstStyle/>
+              <a:p>
+                <a14:m>
+                  <m:oMathPara xmlns:m="http://schemas.openxmlformats.org/officeDocument/2006/math">
+                    <m:oMathParaPr>
+                      <m:jc m:val="centerGroup"/>
+                    </m:oMathParaPr>
+                    <m:oMath xmlns:m="http://schemas.openxmlformats.org/officeDocument/2006/math">
+                      <m:sSub>
+                        <m:sSubPr>
+                          <m:ctrlPr>
+                            <a:rPr lang="en-US" b="0" i="1" smtClean="0">
+                              <a:latin typeface="Cambria Math" panose="02040503050406030204" pitchFamily="18" charset="0"/>
+                            </a:rPr>
+                          </m:ctrlPr>
+                        </m:sSubPr>
+                        <m:e>
+                          <m:r>
+                            <a:rPr lang="en-US" b="0" i="1" smtClean="0">
+                              <a:latin typeface="Cambria Math" panose="02040503050406030204" pitchFamily="18" charset="0"/>
+                            </a:rPr>
+                            <m:t>𝑉</m:t>
+                          </m:r>
+                        </m:e>
+                        <m:sub>
+                          <m:r>
+                            <a:rPr lang="en-US" b="0" i="1" smtClean="0">
+                              <a:latin typeface="Cambria Math" panose="02040503050406030204" pitchFamily="18" charset="0"/>
+                            </a:rPr>
+                            <m:t>𝑘</m:t>
+                          </m:r>
+                          <m:r>
+                            <a:rPr lang="en-US" b="0" i="1" smtClean="0">
+                              <a:latin typeface="Cambria Math" panose="02040503050406030204" pitchFamily="18" charset="0"/>
+                            </a:rPr>
+                            <m:t>−1</m:t>
+                          </m:r>
+                        </m:sub>
+                      </m:sSub>
+                    </m:oMath>
+                  </m:oMathPara>
+                </a14:m>
+                <a:endParaRPr lang="en-US" dirty="0"/>
+              </a:p>
+            </p:txBody>
+          </p:sp>
+        </mc:Choice>
+        <mc:Fallback>
+          <p:sp>
+            <p:nvSpPr>
+              <p:cNvPr id="77" name="TextBox 76">
+                <a:extLst>
+                  <a:ext uri="{FF2B5EF4-FFF2-40B4-BE49-F238E27FC236}">
+                    <a16:creationId xmlns:a16="http://schemas.microsoft.com/office/drawing/2014/main" id="{40E41B9D-5DE3-4D37-FE14-E41B0F14850F}"/>
+                  </a:ext>
+                </a:extLst>
+              </p:cNvPr>
+              <p:cNvSpPr txBox="1">
+                <a:spLocks noRot="1" noChangeAspect="1" noMove="1" noResize="1" noEditPoints="1" noAdjustHandles="1" noChangeArrowheads="1" noChangeShapeType="1" noTextEdit="1"/>
+              </p:cNvSpPr>
+              <p:nvPr/>
+            </p:nvSpPr>
+            <p:spPr>
+              <a:xfrm>
+                <a:off x="4282078" y="3565192"/>
+                <a:ext cx="684588" cy="276999"/>
+              </a:xfrm>
+              <a:prstGeom prst="rect">
+                <a:avLst/>
+              </a:prstGeom>
+              <a:blipFill>
+                <a:blip r:embed="rId17"/>
+                <a:stretch>
+                  <a:fillRect b="-17778"/>
+                </a:stretch>
+              </a:blipFill>
+            </p:spPr>
+            <p:txBody>
+              <a:bodyPr/>
+              <a:lstStyle/>
+              <a:p>
+                <a:r>
+                  <a:rPr lang="en-US">
+                    <a:noFill/>
+                  </a:rPr>
+                  <a:t> </a:t>
+                </a:r>
+              </a:p>
+            </p:txBody>
+          </p:sp>
+        </mc:Fallback>
+      </mc:AlternateContent>
+      <p:grpSp>
+        <p:nvGrpSpPr>
+          <p:cNvPr id="78" name="Group 77">
+            <a:extLst>
+              <a:ext uri="{FF2B5EF4-FFF2-40B4-BE49-F238E27FC236}">
+                <a16:creationId xmlns:a16="http://schemas.microsoft.com/office/drawing/2014/main" id="{8EE3E5AD-9CF6-394F-06EE-2FD44A1B320B}"/>
+              </a:ext>
+            </a:extLst>
+          </p:cNvPr>
+          <p:cNvGrpSpPr/>
+          <p:nvPr/>
+        </p:nvGrpSpPr>
+        <p:grpSpPr>
+          <a:xfrm>
+            <a:off x="4311921" y="2824965"/>
+            <a:ext cx="681037" cy="424337"/>
+            <a:chOff x="2438400" y="2562225"/>
+            <a:chExt cx="681037" cy="424337"/>
+          </a:xfrm>
+        </p:grpSpPr>
+        <p:cxnSp>
+          <p:nvCxnSpPr>
+            <p:cNvPr id="79" name="Straight Connector 78">
+              <a:extLst>
+                <a:ext uri="{FF2B5EF4-FFF2-40B4-BE49-F238E27FC236}">
+                  <a16:creationId xmlns:a16="http://schemas.microsoft.com/office/drawing/2014/main" id="{A4DD88C4-04F8-08FC-6A83-D01FEF3AB8D2}"/>
+                </a:ext>
+              </a:extLst>
+            </p:cNvPr>
+            <p:cNvCxnSpPr/>
+            <p:nvPr/>
+          </p:nvCxnSpPr>
+          <p:spPr>
+            <a:xfrm>
+              <a:off x="2778919" y="2562225"/>
+              <a:ext cx="0" cy="269081"/>
+            </a:xfrm>
+            <a:prstGeom prst="line">
+              <a:avLst/>
+            </a:prstGeom>
+            <a:ln w="28575"/>
+          </p:spPr>
+          <p:style>
+            <a:lnRef idx="1">
+              <a:schemeClr val="dk1"/>
+            </a:lnRef>
+            <a:fillRef idx="0">
+              <a:schemeClr val="dk1"/>
+            </a:fillRef>
+            <a:effectRef idx="0">
+              <a:schemeClr val="dk1"/>
+            </a:effectRef>
+            <a:fontRef idx="minor">
+              <a:schemeClr val="tx1"/>
+            </a:fontRef>
+          </p:style>
+        </p:cxnSp>
+        <mc:AlternateContent xmlns:mc="http://schemas.openxmlformats.org/markup-compatibility/2006">
+          <mc:Choice xmlns:a14="http://schemas.microsoft.com/office/drawing/2010/main" Requires="a14">
+            <p:sp>
+              <p:nvSpPr>
+                <p:cNvPr id="80" name="TextBox 79">
+                  <a:extLst>
+                    <a:ext uri="{FF2B5EF4-FFF2-40B4-BE49-F238E27FC236}">
+                      <a16:creationId xmlns:a16="http://schemas.microsoft.com/office/drawing/2014/main" id="{631AF7F2-4F99-150D-D55A-41EB5F5AE6D1}"/>
+                    </a:ext>
+                  </a:extLst>
+                </p:cNvPr>
+                <p:cNvSpPr txBox="1"/>
+                <p:nvPr/>
+              </p:nvSpPr>
+              <p:spPr>
+                <a:xfrm>
+                  <a:off x="2438400" y="2617230"/>
+                  <a:ext cx="681037" cy="369332"/>
+                </a:xfrm>
+                <a:prstGeom prst="rect">
+                  <a:avLst/>
+                </a:prstGeom>
+                <a:noFill/>
+              </p:spPr>
+              <p:txBody>
+                <a:bodyPr wrap="square" rtlCol="0">
+                  <a:spAutoFit/>
+                </a:bodyPr>
+                <a:lstStyle/>
+                <a:p>
+                  <a14:m>
+                    <m:oMathPara xmlns:m="http://schemas.openxmlformats.org/officeDocument/2006/math">
+                      <m:oMathParaPr>
+                        <m:jc m:val="centerGroup"/>
+                      </m:oMathParaPr>
+                      <m:oMath xmlns:m="http://schemas.openxmlformats.org/officeDocument/2006/math">
+                        <m:r>
+                          <a:rPr lang="en-US" b="0" i="1" smtClean="0">
+                            <a:latin typeface="Cambria Math" panose="02040503050406030204" pitchFamily="18" charset="0"/>
+                          </a:rPr>
+                          <m:t>×</m:t>
+                        </m:r>
+                      </m:oMath>
+                    </m:oMathPara>
+                  </a14:m>
+                  <a:endParaRPr lang="en-US" dirty="0"/>
+                </a:p>
+              </p:txBody>
+            </p:sp>
+          </mc:Choice>
+          <mc:Fallback>
+            <p:sp>
+              <p:nvSpPr>
+                <p:cNvPr id="80" name="TextBox 79">
+                  <a:extLst>
+                    <a:ext uri="{FF2B5EF4-FFF2-40B4-BE49-F238E27FC236}">
+                      <a16:creationId xmlns:a16="http://schemas.microsoft.com/office/drawing/2014/main" id="{631AF7F2-4F99-150D-D55A-41EB5F5AE6D1}"/>
+                    </a:ext>
+                  </a:extLst>
+                </p:cNvPr>
+                <p:cNvSpPr txBox="1">
+                  <a:spLocks noRot="1" noChangeAspect="1" noMove="1" noResize="1" noEditPoints="1" noAdjustHandles="1" noChangeArrowheads="1" noChangeShapeType="1" noTextEdit="1"/>
+                </p:cNvSpPr>
+                <p:nvPr/>
+              </p:nvSpPr>
+              <p:spPr>
+                <a:xfrm>
+                  <a:off x="2438400" y="2617230"/>
+                  <a:ext cx="681037" cy="369332"/>
+                </a:xfrm>
+                <a:prstGeom prst="rect">
+                  <a:avLst/>
+                </a:prstGeom>
+                <a:blipFill>
+                  <a:blip r:embed="rId18"/>
+                  <a:stretch>
+                    <a:fillRect/>
+                  </a:stretch>
+                </a:blipFill>
+              </p:spPr>
+              <p:txBody>
+                <a:bodyPr/>
+                <a:lstStyle/>
+                <a:p>
+                  <a:r>
+                    <a:rPr lang="en-US">
+                      <a:noFill/>
+                    </a:rPr>
+                    <a:t> </a:t>
+                  </a:r>
+                </a:p>
+              </p:txBody>
+            </p:sp>
+          </mc:Fallback>
+        </mc:AlternateContent>
+      </p:grpSp>
     </p:spTree>
     <p:extLst>
       <p:ext uri="{BB962C8B-B14F-4D97-AF65-F5344CB8AC3E}">
@@ -15904,6 +17493,146 @@
                                         <p:cTn id="16" dur="1000"/>
                                         <p:tgtEl>
                                           <p:spTgt spid="20"/>
+                                        </p:tgtEl>
+                                      </p:cBhvr>
+                                    </p:animEffect>
+                                  </p:childTnLst>
+                                </p:cTn>
+                              </p:par>
+                              <p:par>
+                                <p:cTn id="17" presetID="10" presetClass="entr" presetSubtype="0" fill="hold" nodeType="withEffect">
+                                  <p:stCondLst>
+                                    <p:cond delay="0"/>
+                                  </p:stCondLst>
+                                  <p:childTnLst>
+                                    <p:set>
+                                      <p:cBhvr>
+                                        <p:cTn id="18" dur="1" fill="hold">
+                                          <p:stCondLst>
+                                            <p:cond delay="0"/>
+                                          </p:stCondLst>
+                                        </p:cTn>
+                                        <p:tgtEl>
+                                          <p:spTgt spid="63"/>
+                                        </p:tgtEl>
+                                        <p:attrNameLst>
+                                          <p:attrName>style.visibility</p:attrName>
+                                        </p:attrNameLst>
+                                      </p:cBhvr>
+                                      <p:to>
+                                        <p:strVal val="visible"/>
+                                      </p:to>
+                                    </p:set>
+                                    <p:animEffect transition="in" filter="fade">
+                                      <p:cBhvr>
+                                        <p:cTn id="19" dur="1000"/>
+                                        <p:tgtEl>
+                                          <p:spTgt spid="63"/>
+                                        </p:tgtEl>
+                                      </p:cBhvr>
+                                    </p:animEffect>
+                                  </p:childTnLst>
+                                </p:cTn>
+                              </p:par>
+                              <p:par>
+                                <p:cTn id="20" presetID="10" presetClass="entr" presetSubtype="0" fill="hold" nodeType="withEffect">
+                                  <p:stCondLst>
+                                    <p:cond delay="0"/>
+                                  </p:stCondLst>
+                                  <p:childTnLst>
+                                    <p:set>
+                                      <p:cBhvr>
+                                        <p:cTn id="21" dur="1" fill="hold">
+                                          <p:stCondLst>
+                                            <p:cond delay="0"/>
+                                          </p:stCondLst>
+                                        </p:cTn>
+                                        <p:tgtEl>
+                                          <p:spTgt spid="64"/>
+                                        </p:tgtEl>
+                                        <p:attrNameLst>
+                                          <p:attrName>style.visibility</p:attrName>
+                                        </p:attrNameLst>
+                                      </p:cBhvr>
+                                      <p:to>
+                                        <p:strVal val="visible"/>
+                                      </p:to>
+                                    </p:set>
+                                    <p:animEffect transition="in" filter="fade">
+                                      <p:cBhvr>
+                                        <p:cTn id="22" dur="1000"/>
+                                        <p:tgtEl>
+                                          <p:spTgt spid="64"/>
+                                        </p:tgtEl>
+                                      </p:cBhvr>
+                                    </p:animEffect>
+                                  </p:childTnLst>
+                                </p:cTn>
+                              </p:par>
+                              <p:par>
+                                <p:cTn id="23" presetID="10" presetClass="entr" presetSubtype="0" fill="hold" nodeType="withEffect">
+                                  <p:stCondLst>
+                                    <p:cond delay="0"/>
+                                  </p:stCondLst>
+                                  <p:childTnLst>
+                                    <p:set>
+                                      <p:cBhvr>
+                                        <p:cTn id="24" dur="1" fill="hold">
+                                          <p:stCondLst>
+                                            <p:cond delay="0"/>
+                                          </p:stCondLst>
+                                        </p:cTn>
+                                        <p:tgtEl>
+                                          <p:spTgt spid="65"/>
+                                        </p:tgtEl>
+                                        <p:attrNameLst>
+                                          <p:attrName>style.visibility</p:attrName>
+                                        </p:attrNameLst>
+                                      </p:cBhvr>
+                                      <p:to>
+                                        <p:strVal val="visible"/>
+                                      </p:to>
+                                    </p:set>
+                                    <p:animEffect transition="in" filter="fade">
+                                      <p:cBhvr>
+                                        <p:cTn id="25" dur="1000"/>
+                                        <p:tgtEl>
+                                          <p:spTgt spid="65"/>
+                                        </p:tgtEl>
+                                      </p:cBhvr>
+                                    </p:animEffect>
+                                  </p:childTnLst>
+                                </p:cTn>
+                              </p:par>
+                              <p:par>
+                                <p:cTn id="26" presetID="10" presetClass="entr" presetSubtype="0" fill="hold" nodeType="withEffect">
+                                  <p:stCondLst>
+                                    <p:cond delay="0"/>
+                                  </p:stCondLst>
+                                  <p:childTnLst>
+                                    <p:set>
+                                      <p:cBhvr>
+                                        <p:cTn id="27" dur="1" fill="hold">
+                                          <p:stCondLst>
+                                            <p:cond delay="0"/>
+                                          </p:stCondLst>
+                                        </p:cTn>
+                                        <p:tgtEl>
+                                          <p:spTgt spid="66"/>
+                                        </p:tgtEl>
+                                        <p:attrNameLst>
+                                          <p:attrName>style.visibility</p:attrName>
+                                        </p:attrNameLst>
+                                      </p:cBhvr>
+                                      <p:to>
+                                        <p:strVal val="visible"/>
+                                      </p:to>
+                                    </p:set>
+                                    <p:animEffect transition="in" filter="fade">
+                                      <p:cBhvr>
+                                        <p:cTn id="28" dur="1000"/>
+                                        <p:tgtEl>
+                                          <p:spTgt spid="66"/>
                                         </p:tgtEl>
                                       </p:cBhvr>
                                     </p:animEffect>

--- a/images/draw.pptx
+++ b/images/draw.pptx
@@ -10522,7 +10522,8 @@
                 </a14:m>
                 <a:r>
                   <a:rPr lang="en-US" sz="1000" dirty="0">
-                    <a:latin typeface="Courant" panose="02000509030000020004" pitchFamily="49" charset="0"/>
+                    <a:latin typeface="Times New Roman" panose="02020603050405020304" pitchFamily="18" charset="0"/>
+                    <a:cs typeface="Times New Roman" panose="02020603050405020304" pitchFamily="18" charset="0"/>
                   </a:rPr>
                   <a:t>: </a:t>
                 </a:r>
@@ -10550,7 +10551,8 @@
                   </m:oMath>
                 </a14:m>
                 <a:endParaRPr lang="en-VN" sz="1000" dirty="0">
-                  <a:latin typeface="Courant" panose="02000509030000020004" pitchFamily="49" charset="0"/>
+                  <a:latin typeface="Times New Roman" panose="02020603050405020304" pitchFamily="18" charset="0"/>
+                  <a:cs typeface="Times New Roman" panose="02020603050405020304" pitchFamily="18" charset="0"/>
                 </a:endParaRPr>
               </a:p>
             </p:txBody>
@@ -10582,7 +10584,7 @@
               <a:blipFill>
                 <a:blip r:embed="rId2"/>
                 <a:stretch>
-                  <a:fillRect b="-2000"/>
+                  <a:fillRect/>
                 </a:stretch>
               </a:blipFill>
             </p:spPr>
@@ -10634,7 +10636,8 @@
                 <a:pPr algn="ctr"/>
                 <a:r>
                   <a:rPr lang="en-US" sz="1000" dirty="0">
-                    <a:latin typeface="Courant" panose="02000509030000020004" pitchFamily="49" charset="0"/>
+                    <a:latin typeface="Times New Roman" panose="02020603050405020304" pitchFamily="18" charset="0"/>
+                    <a:cs typeface="Times New Roman" panose="02020603050405020304" pitchFamily="18" charset="0"/>
                   </a:rPr>
                   <a:t>Instructor: </a:t>
                 </a:r>
@@ -10686,7 +10689,8 @@
                   </m:oMath>
                 </a14:m>
                 <a:endParaRPr lang="en-VN" sz="1000" dirty="0">
-                  <a:latin typeface="Courant" panose="02000509030000020004" pitchFamily="49" charset="0"/>
+                  <a:latin typeface="Times New Roman" panose="02020603050405020304" pitchFamily="18" charset="0"/>
+                  <a:cs typeface="Times New Roman" panose="02020603050405020304" pitchFamily="18" charset="0"/>
                 </a:endParaRPr>
               </a:p>
             </p:txBody>
@@ -10718,7 +10722,7 @@
               <a:blipFill>
                 <a:blip r:embed="rId3"/>
                 <a:stretch>
-                  <a:fillRect b="-14634"/>
+                  <a:fillRect b="-12195"/>
                 </a:stretch>
               </a:blipFill>
             </p:spPr>
@@ -10770,7 +10774,8 @@
                 <a:pPr algn="ctr"/>
                 <a:r>
                   <a:rPr lang="en-US" sz="1000" dirty="0">
-                    <a:latin typeface="Courant" panose="02000509030000020004" pitchFamily="49" charset="0"/>
+                    <a:latin typeface="Times New Roman" panose="02020603050405020304" pitchFamily="18" charset="0"/>
+                    <a:cs typeface="Times New Roman" panose="02020603050405020304" pitchFamily="18" charset="0"/>
                   </a:rPr>
                   <a:t>Operator: </a:t>
                 </a:r>
@@ -10848,7 +10853,8 @@
                   </m:oMath>
                 </a14:m>
                 <a:endParaRPr lang="en-VN" sz="1000" dirty="0">
-                  <a:latin typeface="Courant" panose="02000509030000020004" pitchFamily="49" charset="0"/>
+                  <a:latin typeface="Times New Roman" panose="02020603050405020304" pitchFamily="18" charset="0"/>
+                  <a:cs typeface="Times New Roman" panose="02020603050405020304" pitchFamily="18" charset="0"/>
                 </a:endParaRPr>
               </a:p>
             </p:txBody>
@@ -10880,7 +10886,7 @@
               <a:blipFill>
                 <a:blip r:embed="rId4"/>
                 <a:stretch>
-                  <a:fillRect b="-9091"/>
+                  <a:fillRect b="-6818"/>
                 </a:stretch>
               </a:blipFill>
             </p:spPr>
@@ -11038,7 +11044,10 @@
                   </m:oMath>
                 </a14:m>
                 <a:r>
-                  <a:rPr lang="en-US" sz="1000" dirty="0"/>
+                  <a:rPr lang="en-US" sz="1000" dirty="0">
+                    <a:latin typeface="Times New Roman" panose="02020603050405020304" pitchFamily="18" charset="0"/>
+                    <a:cs typeface="Times New Roman" panose="02020603050405020304" pitchFamily="18" charset="0"/>
+                  </a:rPr>
                   <a:t> </a:t>
                 </a:r>
                 <a14:m>
@@ -11086,7 +11095,8 @@
                   </m:oMath>
                 </a14:m>
                 <a:endParaRPr lang="en-VN" sz="1000" dirty="0">
-                  <a:latin typeface="Courant" panose="02000509030000020004" pitchFamily="49" charset="0"/>
+                  <a:latin typeface="Times New Roman" panose="02020603050405020304" pitchFamily="18" charset="0"/>
+                  <a:cs typeface="Times New Roman" panose="02020603050405020304" pitchFamily="18" charset="0"/>
                 </a:endParaRPr>
               </a:p>
             </p:txBody>
@@ -11233,29 +11243,29 @@
             <a:r>
               <a:rPr lang="en-US" sz="1000" b="1" dirty="0" err="1">
                 <a:solidFill>
-                  <a:schemeClr val="tx1"/>
+                  <a:srgbClr val="FF0000"/>
                 </a:solidFill>
-                <a:latin typeface="Courant" panose="02000509030000020004" pitchFamily="49" charset="0"/>
-                <a:cs typeface="Noto Sans Oriya" panose="020B0502040504020204" pitchFamily="34" charset="0"/>
+                <a:latin typeface="Times New Roman" panose="02020603050405020304" pitchFamily="18" charset="0"/>
+                <a:cs typeface="Times New Roman" panose="02020603050405020304" pitchFamily="18" charset="0"/>
               </a:rPr>
               <a:t>createLUT</a:t>
             </a:r>
             <a:r>
               <a:rPr lang="en-US" sz="1000" b="1" dirty="0">
                 <a:solidFill>
-                  <a:schemeClr val="tx1"/>
+                  <a:srgbClr val="FF0000"/>
                 </a:solidFill>
-                <a:latin typeface="Courant" panose="02000509030000020004" pitchFamily="49" charset="0"/>
-                <a:cs typeface="Noto Sans Oriya" panose="020B0502040504020204" pitchFamily="34" charset="0"/>
+                <a:latin typeface="Times New Roman" panose="02020603050405020304" pitchFamily="18" charset="0"/>
+                <a:cs typeface="Times New Roman" panose="02020603050405020304" pitchFamily="18" charset="0"/>
               </a:rPr>
               <a:t>()</a:t>
             </a:r>
             <a:endParaRPr lang="en-VN" sz="1000" b="1" dirty="0">
               <a:solidFill>
-                <a:schemeClr val="tx1"/>
+                <a:srgbClr val="FF0000"/>
               </a:solidFill>
-              <a:latin typeface="Courant" panose="02000509030000020004" pitchFamily="49" charset="0"/>
-              <a:cs typeface="Noto Sans Oriya" panose="020B0502040504020204" pitchFamily="34" charset="0"/>
+              <a:latin typeface="Times New Roman" panose="02020603050405020304" pitchFamily="18" charset="0"/>
+              <a:cs typeface="Times New Roman" panose="02020603050405020304" pitchFamily="18" charset="0"/>
             </a:endParaRPr>
           </a:p>
         </p:txBody>
@@ -11336,7 +11346,8 @@
                 <a:pPr algn="ctr"/>
                 <a:r>
                   <a:rPr lang="en-US" sz="1000" dirty="0">
-                    <a:latin typeface="Courant" panose="02000509030000020004" pitchFamily="49" charset="0"/>
+                    <a:latin typeface="Times New Roman" panose="02020603050405020304" pitchFamily="18" charset="0"/>
+                    <a:cs typeface="Times New Roman" panose="02020603050405020304" pitchFamily="18" charset="0"/>
                   </a:rPr>
                   <a:t>Weight: </a:t>
                 </a:r>
@@ -11351,7 +11362,8 @@
                   </m:oMath>
                 </a14:m>
                 <a:endParaRPr lang="en-VN" sz="1000" b="1" dirty="0">
-                  <a:latin typeface="Courant" panose="02000509030000020004" pitchFamily="49" charset="0"/>
+                  <a:latin typeface="Times New Roman" panose="02020603050405020304" pitchFamily="18" charset="0"/>
+                  <a:cs typeface="Times New Roman" panose="02020603050405020304" pitchFamily="18" charset="0"/>
                 </a:endParaRPr>
               </a:p>
             </p:txBody>
@@ -11383,7 +11395,7 @@
               <a:blipFill>
                 <a:blip r:embed="rId6"/>
                 <a:stretch>
-                  <a:fillRect b="-15000"/>
+                  <a:fillRect b="-12500"/>
                 </a:stretch>
               </a:blipFill>
             </p:spPr>
@@ -11457,8 +11469,8 @@
                 <a:solidFill>
                   <a:schemeClr val="tx1"/>
                 </a:solidFill>
-                <a:latin typeface="Courant" panose="02000509030000020004" pitchFamily="49" charset="0"/>
-                <a:cs typeface="Noto Sans Oriya" panose="020B0502040504020204" pitchFamily="34" charset="0"/>
+                <a:latin typeface="Times New Roman" panose="02020603050405020304" pitchFamily="18" charset="0"/>
+                <a:cs typeface="Times New Roman" panose="02020603050405020304" pitchFamily="18" charset="0"/>
               </a:rPr>
               <a:t>divide()</a:t>
             </a:r>
@@ -11466,8 +11478,8 @@
               <a:solidFill>
                 <a:schemeClr val="tx1"/>
               </a:solidFill>
-              <a:latin typeface="Courant" panose="02000509030000020004" pitchFamily="49" charset="0"/>
-              <a:cs typeface="Noto Sans Oriya" panose="020B0502040504020204" pitchFamily="34" charset="0"/>
+              <a:latin typeface="Times New Roman" panose="02020603050405020304" pitchFamily="18" charset="0"/>
+              <a:cs typeface="Times New Roman" panose="02020603050405020304" pitchFamily="18" charset="0"/>
             </a:endParaRPr>
           </a:p>
         </p:txBody>
@@ -11525,19 +11537,19 @@
             <a:r>
               <a:rPr lang="en-US" sz="1000" b="1" dirty="0">
                 <a:solidFill>
-                  <a:schemeClr val="tx1"/>
+                  <a:srgbClr val="FF0000"/>
                 </a:solidFill>
-                <a:latin typeface="Courant" panose="02000509030000020004" pitchFamily="49" charset="0"/>
-                <a:cs typeface="Noto Sans Oriya" panose="020B0502040504020204" pitchFamily="34" charset="0"/>
+                <a:latin typeface="Times New Roman" panose="02020603050405020304" pitchFamily="18" charset="0"/>
+                <a:cs typeface="Times New Roman" panose="02020603050405020304" pitchFamily="18" charset="0"/>
               </a:rPr>
               <a:t>map()</a:t>
             </a:r>
             <a:endParaRPr lang="en-VN" sz="1000" b="1" dirty="0">
               <a:solidFill>
-                <a:schemeClr val="tx1"/>
+                <a:srgbClr val="FF0000"/>
               </a:solidFill>
-              <a:latin typeface="Courant" panose="02000509030000020004" pitchFamily="49" charset="0"/>
-              <a:cs typeface="Noto Sans Oriya" panose="020B0502040504020204" pitchFamily="34" charset="0"/>
+              <a:latin typeface="Times New Roman" panose="02020603050405020304" pitchFamily="18" charset="0"/>
+              <a:cs typeface="Times New Roman" panose="02020603050405020304" pitchFamily="18" charset="0"/>
             </a:endParaRPr>
           </a:p>
         </p:txBody>
@@ -11724,7 +11736,8 @@
                   </m:oMathPara>
                 </a14:m>
                 <a:endParaRPr lang="en-VN" sz="1000" b="1" dirty="0">
-                  <a:latin typeface="Courant" panose="02000509030000020004" pitchFamily="49" charset="0"/>
+                  <a:latin typeface="Times New Roman" panose="02020603050405020304" pitchFamily="18" charset="0"/>
+                  <a:cs typeface="Times New Roman" panose="02020603050405020304" pitchFamily="18" charset="0"/>
                 </a:endParaRPr>
               </a:p>
             </p:txBody>
@@ -11871,19 +11884,19 @@
             <a:r>
               <a:rPr lang="en-US" sz="1000" b="1" dirty="0">
                 <a:solidFill>
-                  <a:schemeClr val="tx1"/>
+                  <a:srgbClr val="FF0000"/>
                 </a:solidFill>
-                <a:latin typeface="Courant" panose="02000509030000020004" pitchFamily="49" charset="0"/>
-                <a:cs typeface="Noto Sans Oriya" panose="020B0502040504020204" pitchFamily="34" charset="0"/>
+                <a:latin typeface="Times New Roman" panose="02020603050405020304" pitchFamily="18" charset="0"/>
+                <a:cs typeface="Times New Roman" panose="02020603050405020304" pitchFamily="18" charset="0"/>
               </a:rPr>
               <a:t>flatten()</a:t>
             </a:r>
             <a:endParaRPr lang="en-VN" sz="1000" b="1" dirty="0">
               <a:solidFill>
-                <a:schemeClr val="tx1"/>
+                <a:srgbClr val="FF0000"/>
               </a:solidFill>
-              <a:latin typeface="Courant" panose="02000509030000020004" pitchFamily="49" charset="0"/>
-              <a:cs typeface="Noto Sans Oriya" panose="020B0502040504020204" pitchFamily="34" charset="0"/>
+              <a:latin typeface="Times New Roman" panose="02020603050405020304" pitchFamily="18" charset="0"/>
+              <a:cs typeface="Times New Roman" panose="02020603050405020304" pitchFamily="18" charset="0"/>
             </a:endParaRPr>
           </a:p>
         </p:txBody>
@@ -12053,12 +12066,14 @@
                 </a14:m>
                 <a:r>
                   <a:rPr lang="en-US" sz="1000" dirty="0">
-                    <a:latin typeface="Courant" panose="02000509030000020004" pitchFamily="49" charset="0"/>
+                    <a:latin typeface="Times New Roman" panose="02020603050405020304" pitchFamily="18" charset="0"/>
+                    <a:cs typeface="Times New Roman" panose="02020603050405020304" pitchFamily="18" charset="0"/>
                   </a:rPr>
                   <a:t> </a:t>
                 </a:r>
                 <a:endParaRPr lang="en-VN" sz="1000" dirty="0">
-                  <a:latin typeface="Courant" panose="02000509030000020004" pitchFamily="49" charset="0"/>
+                  <a:latin typeface="Times New Roman" panose="02020603050405020304" pitchFamily="18" charset="0"/>
+                  <a:cs typeface="Times New Roman" panose="02020603050405020304" pitchFamily="18" charset="0"/>
                 </a:endParaRPr>
               </a:p>
             </p:txBody>
@@ -12205,19 +12220,19 @@
             <a:r>
               <a:rPr lang="en-US" sz="1000" b="1" dirty="0">
                 <a:solidFill>
-                  <a:schemeClr val="tx1"/>
+                  <a:srgbClr val="FF0000"/>
                 </a:solidFill>
-                <a:latin typeface="Courant" panose="02000509030000020004" pitchFamily="49" charset="0"/>
-                <a:cs typeface="Noto Sans Oriya" panose="020B0502040504020204" pitchFamily="34" charset="0"/>
+                <a:latin typeface="Times New Roman" panose="02020603050405020304" pitchFamily="18" charset="0"/>
+                <a:cs typeface="Times New Roman" panose="02020603050405020304" pitchFamily="18" charset="0"/>
               </a:rPr>
               <a:t>map()</a:t>
             </a:r>
             <a:endParaRPr lang="en-VN" sz="1000" b="1" dirty="0">
               <a:solidFill>
-                <a:schemeClr val="tx1"/>
+                <a:srgbClr val="FF0000"/>
               </a:solidFill>
-              <a:latin typeface="Courant" panose="02000509030000020004" pitchFamily="49" charset="0"/>
-              <a:cs typeface="Noto Sans Oriya" panose="020B0502040504020204" pitchFamily="34" charset="0"/>
+              <a:latin typeface="Times New Roman" panose="02020603050405020304" pitchFamily="18" charset="0"/>
+              <a:cs typeface="Times New Roman" panose="02020603050405020304" pitchFamily="18" charset="0"/>
             </a:endParaRPr>
           </a:p>
         </p:txBody>
@@ -12338,7 +12353,8 @@
               <a:p>
                 <a:r>
                   <a:rPr lang="en-US" sz="800" dirty="0">
-                    <a:latin typeface="Courant" panose="02000509030000020004" pitchFamily="49" charset="0"/>
+                    <a:latin typeface="Times New Roman" panose="02020603050405020304" pitchFamily="18" charset="0"/>
+                    <a:cs typeface="Times New Roman" panose="02020603050405020304" pitchFamily="18" charset="0"/>
                   </a:rPr>
                   <a:t>for </a:t>
                 </a:r>
@@ -12354,7 +12370,8 @@
                 </a14:m>
                 <a:r>
                   <a:rPr lang="en-US" sz="800" dirty="0">
-                    <a:latin typeface="Courant" panose="02000509030000020004" pitchFamily="49" charset="0"/>
+                    <a:latin typeface="Times New Roman" panose="02020603050405020304" pitchFamily="18" charset="0"/>
+                    <a:cs typeface="Times New Roman" panose="02020603050405020304" pitchFamily="18" charset="0"/>
                   </a:rPr>
                   <a:t> in </a:t>
                 </a:r>
@@ -12381,7 +12398,8 @@
                   </m:oMath>
                 </a14:m>
                 <a:endParaRPr lang="en-VN" sz="800" dirty="0">
-                  <a:latin typeface="Courant" panose="02000509030000020004" pitchFamily="49" charset="0"/>
+                  <a:latin typeface="Times New Roman" panose="02020603050405020304" pitchFamily="18" charset="0"/>
+                  <a:cs typeface="Times New Roman" panose="02020603050405020304" pitchFamily="18" charset="0"/>
                 </a:endParaRPr>
               </a:p>
             </p:txBody>
@@ -12413,7 +12431,7 @@
               <a:blipFill>
                 <a:blip r:embed="rId9"/>
                 <a:stretch>
-                  <a:fillRect r="-11429"/>
+                  <a:fillRect r="-8571"/>
                 </a:stretch>
               </a:blipFill>
             </p:spPr>
@@ -12484,7 +12502,8 @@
                   </m:oMathPara>
                 </a14:m>
                 <a:endParaRPr lang="en-VN" sz="1000" dirty="0">
-                  <a:latin typeface="Courant" panose="02000509030000020004" pitchFamily="49" charset="0"/>
+                  <a:latin typeface="Times New Roman" panose="02020603050405020304" pitchFamily="18" charset="0"/>
+                  <a:cs typeface="Times New Roman" panose="02020603050405020304" pitchFamily="18" charset="0"/>
                 </a:endParaRPr>
               </a:p>
             </p:txBody>
@@ -12642,12 +12661,14 @@
                 </a14:m>
                 <a:r>
                   <a:rPr lang="en-US" sz="1000" dirty="0">
-                    <a:latin typeface="Courant" panose="02000509030000020004" pitchFamily="49" charset="0"/>
+                    <a:latin typeface="Times New Roman" panose="02020603050405020304" pitchFamily="18" charset="0"/>
+                    <a:cs typeface="Times New Roman" panose="02020603050405020304" pitchFamily="18" charset="0"/>
                   </a:rPr>
                   <a:t>  </a:t>
                 </a:r>
                 <a:endParaRPr lang="en-VN" sz="1000" dirty="0">
-                  <a:latin typeface="Courant" panose="02000509030000020004" pitchFamily="49" charset="0"/>
+                  <a:latin typeface="Times New Roman" panose="02020603050405020304" pitchFamily="18" charset="0"/>
+                  <a:cs typeface="Times New Roman" panose="02020603050405020304" pitchFamily="18" charset="0"/>
                 </a:endParaRPr>
               </a:p>
             </p:txBody>
@@ -12755,7 +12776,7 @@
         <p:spPr>
           <a:xfrm>
             <a:off x="4904747" y="4944892"/>
-            <a:ext cx="875466" cy="214256"/>
+            <a:ext cx="643778" cy="214256"/>
           </a:xfrm>
           <a:prstGeom prst="rect">
             <a:avLst/>
@@ -12793,29 +12814,29 @@
             <a:r>
               <a:rPr lang="en-US" sz="1000" b="1" dirty="0" err="1">
                 <a:solidFill>
-                  <a:schemeClr val="tx1"/>
+                  <a:srgbClr val="FF0000"/>
                 </a:solidFill>
-                <a:latin typeface="Courant" panose="02000509030000020004" pitchFamily="49" charset="0"/>
-                <a:cs typeface="Noto Sans Oriya" panose="020B0502040504020204" pitchFamily="34" charset="0"/>
+                <a:latin typeface="Times New Roman" panose="02020603050405020304" pitchFamily="18" charset="0"/>
+                <a:cs typeface="Times New Roman" panose="02020603050405020304" pitchFamily="18" charset="0"/>
               </a:rPr>
-              <a:t>to_density</a:t>
+              <a:t>toDM</a:t>
             </a:r>
             <a:r>
               <a:rPr lang="en-US" sz="1000" b="1" dirty="0">
                 <a:solidFill>
-                  <a:schemeClr val="tx1"/>
+                  <a:srgbClr val="FF0000"/>
                 </a:solidFill>
-                <a:latin typeface="Courant" panose="02000509030000020004" pitchFamily="49" charset="0"/>
-                <a:cs typeface="Noto Sans Oriya" panose="020B0502040504020204" pitchFamily="34" charset="0"/>
+                <a:latin typeface="Times New Roman" panose="02020603050405020304" pitchFamily="18" charset="0"/>
+                <a:cs typeface="Times New Roman" panose="02020603050405020304" pitchFamily="18" charset="0"/>
               </a:rPr>
               <a:t>()</a:t>
             </a:r>
             <a:endParaRPr lang="en-VN" sz="1000" b="1" dirty="0">
               <a:solidFill>
-                <a:schemeClr val="tx1"/>
+                <a:srgbClr val="FF0000"/>
               </a:solidFill>
-              <a:latin typeface="Courant" panose="02000509030000020004" pitchFamily="49" charset="0"/>
-              <a:cs typeface="Noto Sans Oriya" panose="020B0502040504020204" pitchFamily="34" charset="0"/>
+              <a:latin typeface="Times New Roman" panose="02020603050405020304" pitchFamily="18" charset="0"/>
+              <a:cs typeface="Times New Roman" panose="02020603050405020304" pitchFamily="18" charset="0"/>
             </a:endParaRPr>
           </a:p>
         </p:txBody>
@@ -12863,7 +12884,10 @@
           <a:lstStyle/>
           <a:p>
             <a:pPr algn="ctr"/>
-            <a:endParaRPr lang="en-US"/>
+            <a:endParaRPr lang="en-US">
+              <a:latin typeface="Times New Roman" panose="02020603050405020304" pitchFamily="18" charset="0"/>
+              <a:cs typeface="Times New Roman" panose="02020603050405020304" pitchFamily="18" charset="0"/>
+            </a:endParaRPr>
           </a:p>
         </p:txBody>
       </p:sp>
@@ -12910,7 +12934,10 @@
           <a:lstStyle/>
           <a:p>
             <a:pPr algn="ctr"/>
-            <a:endParaRPr lang="en-US"/>
+            <a:endParaRPr lang="en-US">
+              <a:latin typeface="Times New Roman" panose="02020603050405020304" pitchFamily="18" charset="0"/>
+              <a:cs typeface="Times New Roman" panose="02020603050405020304" pitchFamily="18" charset="0"/>
+            </a:endParaRPr>
           </a:p>
         </p:txBody>
       </p:sp>
@@ -12961,7 +12988,8 @@
                   </m:oMathPara>
                 </a14:m>
                 <a:endParaRPr lang="en-VN" sz="1000" dirty="0">
-                  <a:latin typeface="Courant" panose="02000509030000020004" pitchFamily="49" charset="0"/>
+                  <a:latin typeface="Times New Roman" panose="02020603050405020304" pitchFamily="18" charset="0"/>
+                  <a:cs typeface="Times New Roman" panose="02020603050405020304" pitchFamily="18" charset="0"/>
                 </a:endParaRPr>
               </a:p>
             </p:txBody>

--- a/images/draw.pptx
+++ b/images/draw.pptx
@@ -198,7 +198,7 @@
           </a:lstStyle>
           <a:p>
             <a:fld id="{25BDC7A1-BCF8-BB44-960D-FA8DD82E5CAA}" type="datetimeFigureOut">
-              <a:t>1/24/2025</a:t>
+              <a:t>26/1/25</a:t>
             </a:fld>
             <a:endParaRPr lang="en-VN"/>
           </a:p>
@@ -613,7 +613,7 @@
           <a:lstStyle/>
           <a:p>
             <a:fld id="{9117D41A-B3D1-B44F-ADF3-E80281933F1D}" type="datetimeFigureOut">
-              <a:t>1/24/2025</a:t>
+              <a:t>26/1/25</a:t>
             </a:fld>
             <a:endParaRPr lang="en-VN"/>
           </a:p>
@@ -811,7 +811,7 @@
           <a:lstStyle/>
           <a:p>
             <a:fld id="{9117D41A-B3D1-B44F-ADF3-E80281933F1D}" type="datetimeFigureOut">
-              <a:t>1/24/2025</a:t>
+              <a:t>26/1/25</a:t>
             </a:fld>
             <a:endParaRPr lang="en-VN"/>
           </a:p>
@@ -1019,7 +1019,7 @@
           <a:lstStyle/>
           <a:p>
             <a:fld id="{9117D41A-B3D1-B44F-ADF3-E80281933F1D}" type="datetimeFigureOut">
-              <a:t>1/24/2025</a:t>
+              <a:t>26/1/25</a:t>
             </a:fld>
             <a:endParaRPr lang="en-VN"/>
           </a:p>
@@ -1217,7 +1217,7 @@
           <a:lstStyle/>
           <a:p>
             <a:fld id="{9117D41A-B3D1-B44F-ADF3-E80281933F1D}" type="datetimeFigureOut">
-              <a:t>1/24/2025</a:t>
+              <a:t>26/1/25</a:t>
             </a:fld>
             <a:endParaRPr lang="en-VN"/>
           </a:p>
@@ -1491,7 +1491,7 @@
           <a:lstStyle/>
           <a:p>
             <a:fld id="{9117D41A-B3D1-B44F-ADF3-E80281933F1D}" type="datetimeFigureOut">
-              <a:t>1/24/2025</a:t>
+              <a:t>26/1/25</a:t>
             </a:fld>
             <a:endParaRPr lang="en-VN"/>
           </a:p>
@@ -1757,7 +1757,7 @@
           <a:lstStyle/>
           <a:p>
             <a:fld id="{9117D41A-B3D1-B44F-ADF3-E80281933F1D}" type="datetimeFigureOut">
-              <a:t>1/24/2025</a:t>
+              <a:t>26/1/25</a:t>
             </a:fld>
             <a:endParaRPr lang="en-VN"/>
           </a:p>
@@ -2170,7 +2170,7 @@
           <a:lstStyle/>
           <a:p>
             <a:fld id="{9117D41A-B3D1-B44F-ADF3-E80281933F1D}" type="datetimeFigureOut">
-              <a:t>1/24/2025</a:t>
+              <a:t>26/1/25</a:t>
             </a:fld>
             <a:endParaRPr lang="en-VN"/>
           </a:p>
@@ -2310,7 +2310,7 @@
           <a:lstStyle/>
           <a:p>
             <a:fld id="{9117D41A-B3D1-B44F-ADF3-E80281933F1D}" type="datetimeFigureOut">
-              <a:t>1/24/2025</a:t>
+              <a:t>26/1/25</a:t>
             </a:fld>
             <a:endParaRPr lang="en-VN"/>
           </a:p>
@@ -2421,7 +2421,7 @@
           <a:lstStyle/>
           <a:p>
             <a:fld id="{9117D41A-B3D1-B44F-ADF3-E80281933F1D}" type="datetimeFigureOut">
-              <a:t>1/24/2025</a:t>
+              <a:t>26/1/25</a:t>
             </a:fld>
             <a:endParaRPr lang="en-VN"/>
           </a:p>
@@ -2732,7 +2732,7 @@
           <a:lstStyle/>
           <a:p>
             <a:fld id="{9117D41A-B3D1-B44F-ADF3-E80281933F1D}" type="datetimeFigureOut">
-              <a:t>1/24/2025</a:t>
+              <a:t>26/1/25</a:t>
             </a:fld>
             <a:endParaRPr lang="en-VN"/>
           </a:p>
@@ -3019,7 +3019,7 @@
           <a:lstStyle/>
           <a:p>
             <a:fld id="{9117D41A-B3D1-B44F-ADF3-E80281933F1D}" type="datetimeFigureOut">
-              <a:t>1/24/2025</a:t>
+              <a:t>26/1/25</a:t>
             </a:fld>
             <a:endParaRPr lang="en-VN"/>
           </a:p>
@@ -3260,7 +3260,7 @@
           </a:lstStyle>
           <a:p>
             <a:fld id="{9117D41A-B3D1-B44F-ADF3-E80281933F1D}" type="datetimeFigureOut">
-              <a:t>1/24/2025</a:t>
+              <a:t>26/1/25</a:t>
             </a:fld>
             <a:endParaRPr lang="en-VN"/>
           </a:p>
@@ -6031,8 +6031,8 @@
           </a:p>
         </p:txBody>
       </p:sp>
-      <mc:AlternateContent xmlns:mc="http://schemas.openxmlformats.org/markup-compatibility/2006">
-        <mc:Choice xmlns:a14="http://schemas.microsoft.com/office/drawing/2010/main" Requires="a14">
+      <mc:AlternateContent xmlns:mc="http://schemas.openxmlformats.org/markup-compatibility/2006" xmlns:a14="http://schemas.microsoft.com/office/drawing/2010/main">
+        <mc:Choice Requires="a14">
           <p:sp>
             <p:nvSpPr>
               <p:cNvPr id="47" name="TextBox 46">
@@ -6101,7 +6101,7 @@
             </p:txBody>
           </p:sp>
         </mc:Choice>
-        <mc:Fallback>
+        <mc:Fallback xmlns="">
           <p:sp>
             <p:nvSpPr>
               <p:cNvPr id="47" name="TextBox 46">
@@ -6146,8 +6146,8 @@
           </p:sp>
         </mc:Fallback>
       </mc:AlternateContent>
-      <mc:AlternateContent xmlns:mc="http://schemas.openxmlformats.org/markup-compatibility/2006">
-        <mc:Choice xmlns:a14="http://schemas.microsoft.com/office/drawing/2010/main" Requires="a14">
+      <mc:AlternateContent xmlns:mc="http://schemas.openxmlformats.org/markup-compatibility/2006" xmlns:a14="http://schemas.microsoft.com/office/drawing/2010/main">
+        <mc:Choice Requires="a14">
           <p:sp>
             <p:nvSpPr>
               <p:cNvPr id="48" name="TextBox 47">
@@ -6216,7 +6216,7 @@
             </p:txBody>
           </p:sp>
         </mc:Choice>
-        <mc:Fallback>
+        <mc:Fallback xmlns="">
           <p:sp>
             <p:nvSpPr>
               <p:cNvPr id="48" name="TextBox 47">
@@ -6261,8 +6261,8 @@
           </p:sp>
         </mc:Fallback>
       </mc:AlternateContent>
-      <mc:AlternateContent xmlns:mc="http://schemas.openxmlformats.org/markup-compatibility/2006">
-        <mc:Choice xmlns:a14="http://schemas.microsoft.com/office/drawing/2010/main" Requires="a14">
+      <mc:AlternateContent xmlns:mc="http://schemas.openxmlformats.org/markup-compatibility/2006" xmlns:a14="http://schemas.microsoft.com/office/drawing/2010/main">
+        <mc:Choice Requires="a14">
           <p:sp>
             <p:nvSpPr>
               <p:cNvPr id="49" name="TextBox 48">
@@ -6331,7 +6331,7 @@
             </p:txBody>
           </p:sp>
         </mc:Choice>
-        <mc:Fallback>
+        <mc:Fallback xmlns="">
           <p:sp>
             <p:nvSpPr>
               <p:cNvPr id="49" name="TextBox 48">
@@ -6376,8 +6376,8 @@
           </p:sp>
         </mc:Fallback>
       </mc:AlternateContent>
-      <mc:AlternateContent xmlns:mc="http://schemas.openxmlformats.org/markup-compatibility/2006">
-        <mc:Choice xmlns:a14="http://schemas.microsoft.com/office/drawing/2010/main" Requires="a14">
+      <mc:AlternateContent xmlns:mc="http://schemas.openxmlformats.org/markup-compatibility/2006" xmlns:a14="http://schemas.microsoft.com/office/drawing/2010/main">
+        <mc:Choice Requires="a14">
           <p:sp>
             <p:nvSpPr>
               <p:cNvPr id="50" name="TextBox 49">
@@ -6446,7 +6446,7 @@
             </p:txBody>
           </p:sp>
         </mc:Choice>
-        <mc:Fallback>
+        <mc:Fallback xmlns="">
           <p:sp>
             <p:nvSpPr>
               <p:cNvPr id="50" name="TextBox 49">
@@ -6548,8 +6548,8 @@
             </a:fontRef>
           </p:style>
         </p:cxnSp>
-        <mc:AlternateContent xmlns:mc="http://schemas.openxmlformats.org/markup-compatibility/2006">
-          <mc:Choice xmlns:a14="http://schemas.microsoft.com/office/drawing/2010/main" Requires="a14">
+        <mc:AlternateContent xmlns:mc="http://schemas.openxmlformats.org/markup-compatibility/2006" xmlns:a14="http://schemas.microsoft.com/office/drawing/2010/main">
+          <mc:Choice Requires="a14">
             <p:sp>
               <p:nvSpPr>
                 <p:cNvPr id="53" name="TextBox 52">
@@ -6599,7 +6599,7 @@
               </p:txBody>
             </p:sp>
           </mc:Choice>
-          <mc:Fallback>
+          <mc:Fallback xmlns="">
             <p:sp>
               <p:nvSpPr>
                 <p:cNvPr id="53" name="TextBox 52">
@@ -6973,8 +6973,8 @@
           </a:fontRef>
         </p:style>
       </p:cxnSp>
-      <mc:AlternateContent xmlns:mc="http://schemas.openxmlformats.org/markup-compatibility/2006">
-        <mc:Choice xmlns:a14="http://schemas.microsoft.com/office/drawing/2010/main" Requires="a14">
+      <mc:AlternateContent xmlns:mc="http://schemas.openxmlformats.org/markup-compatibility/2006" xmlns:a14="http://schemas.microsoft.com/office/drawing/2010/main">
+        <mc:Choice Requires="a14">
           <p:sp>
             <p:nvSpPr>
               <p:cNvPr id="68" name="TextBox 67">
@@ -7024,7 +7024,7 @@
             </p:txBody>
           </p:sp>
         </mc:Choice>
-        <mc:Fallback>
+        <mc:Fallback xmlns="">
           <p:sp>
             <p:nvSpPr>
               <p:cNvPr id="68" name="TextBox 67">
@@ -7642,8 +7642,8 @@
             </a:fontRef>
           </p:style>
         </p:cxnSp>
-        <mc:AlternateContent xmlns:mc="http://schemas.openxmlformats.org/markup-compatibility/2006">
-          <mc:Choice xmlns:a14="http://schemas.microsoft.com/office/drawing/2010/main" Requires="a14">
+        <mc:AlternateContent xmlns:mc="http://schemas.openxmlformats.org/markup-compatibility/2006" xmlns:a14="http://schemas.microsoft.com/office/drawing/2010/main">
+          <mc:Choice Requires="a14">
             <p:sp>
               <p:nvSpPr>
                 <p:cNvPr id="5" name="TextBox 4">
@@ -7693,7 +7693,7 @@
               </p:txBody>
             </p:sp>
           </mc:Choice>
-          <mc:Fallback>
+          <mc:Fallback xmlns="">
             <p:sp>
               <p:nvSpPr>
                 <p:cNvPr id="5" name="TextBox 4">
@@ -7778,8 +7778,8 @@
           </a:fontRef>
         </p:style>
       </p:cxnSp>
-      <mc:AlternateContent xmlns:mc="http://schemas.openxmlformats.org/markup-compatibility/2006">
-        <mc:Choice xmlns:a14="http://schemas.microsoft.com/office/drawing/2010/main" Requires="a14">
+      <mc:AlternateContent xmlns:mc="http://schemas.openxmlformats.org/markup-compatibility/2006" xmlns:a14="http://schemas.microsoft.com/office/drawing/2010/main">
+        <mc:Choice Requires="a14">
           <p:sp>
             <p:nvSpPr>
               <p:cNvPr id="9" name="TextBox 8">
@@ -7829,7 +7829,7 @@
             </p:txBody>
           </p:sp>
         </mc:Choice>
-        <mc:Fallback>
+        <mc:Fallback xmlns="">
           <p:sp>
             <p:nvSpPr>
               <p:cNvPr id="9" name="TextBox 8">
@@ -7874,8 +7874,8 @@
           </p:sp>
         </mc:Fallback>
       </mc:AlternateContent>
-      <mc:AlternateContent xmlns:mc="http://schemas.openxmlformats.org/markup-compatibility/2006">
-        <mc:Choice xmlns:a14="http://schemas.microsoft.com/office/drawing/2010/main" Requires="a14">
+      <mc:AlternateContent xmlns:mc="http://schemas.openxmlformats.org/markup-compatibility/2006" xmlns:a14="http://schemas.microsoft.com/office/drawing/2010/main">
+        <mc:Choice Requires="a14">
           <p:sp>
             <p:nvSpPr>
               <p:cNvPr id="11" name="TextBox 10">
@@ -7925,7 +7925,7 @@
             </p:txBody>
           </p:sp>
         </mc:Choice>
-        <mc:Fallback>
+        <mc:Fallback xmlns="">
           <p:sp>
             <p:nvSpPr>
               <p:cNvPr id="11" name="TextBox 10">
@@ -8101,8 +8101,8 @@
           </a:p>
         </p:txBody>
       </p:sp>
-      <mc:AlternateContent xmlns:mc="http://schemas.openxmlformats.org/markup-compatibility/2006">
-        <mc:Choice xmlns:a14="http://schemas.microsoft.com/office/drawing/2010/main" Requires="a14">
+      <mc:AlternateContent xmlns:mc="http://schemas.openxmlformats.org/markup-compatibility/2006" xmlns:a14="http://schemas.microsoft.com/office/drawing/2010/main">
+        <mc:Choice Requires="a14">
           <p:sp>
             <p:nvSpPr>
               <p:cNvPr id="17" name="Rectangle 16">
@@ -8190,7 +8190,7 @@
             </p:txBody>
           </p:sp>
         </mc:Choice>
-        <mc:Fallback>
+        <mc:Fallback xmlns="">
           <p:sp>
             <p:nvSpPr>
               <p:cNvPr id="17" name="Rectangle 16">
@@ -8235,8 +8235,8 @@
           </p:sp>
         </mc:Fallback>
       </mc:AlternateContent>
-      <mc:AlternateContent xmlns:mc="http://schemas.openxmlformats.org/markup-compatibility/2006">
-        <mc:Choice xmlns:a14="http://schemas.microsoft.com/office/drawing/2010/main" Requires="a14">
+      <mc:AlternateContent xmlns:mc="http://schemas.openxmlformats.org/markup-compatibility/2006" xmlns:a14="http://schemas.microsoft.com/office/drawing/2010/main">
+        <mc:Choice Requires="a14">
           <p:sp>
             <p:nvSpPr>
               <p:cNvPr id="30" name="Rectangle 29">
@@ -8324,7 +8324,7 @@
             </p:txBody>
           </p:sp>
         </mc:Choice>
-        <mc:Fallback>
+        <mc:Fallback xmlns="">
           <p:sp>
             <p:nvSpPr>
               <p:cNvPr id="30" name="Rectangle 29">
@@ -8369,8 +8369,8 @@
           </p:sp>
         </mc:Fallback>
       </mc:AlternateContent>
-      <mc:AlternateContent xmlns:mc="http://schemas.openxmlformats.org/markup-compatibility/2006">
-        <mc:Choice xmlns:a14="http://schemas.microsoft.com/office/drawing/2010/main" Requires="a14">
+      <mc:AlternateContent xmlns:mc="http://schemas.openxmlformats.org/markup-compatibility/2006" xmlns:a14="http://schemas.microsoft.com/office/drawing/2010/main">
+        <mc:Choice Requires="a14">
           <p:sp>
             <p:nvSpPr>
               <p:cNvPr id="58" name="Rectangle 57">
@@ -8458,7 +8458,7 @@
             </p:txBody>
           </p:sp>
         </mc:Choice>
-        <mc:Fallback>
+        <mc:Fallback xmlns="">
           <p:sp>
             <p:nvSpPr>
               <p:cNvPr id="58" name="Rectangle 57">
@@ -8503,8 +8503,8 @@
           </p:sp>
         </mc:Fallback>
       </mc:AlternateContent>
-      <mc:AlternateContent xmlns:mc="http://schemas.openxmlformats.org/markup-compatibility/2006">
-        <mc:Choice xmlns:a14="http://schemas.microsoft.com/office/drawing/2010/main" Requires="a14">
+      <mc:AlternateContent xmlns:mc="http://schemas.openxmlformats.org/markup-compatibility/2006" xmlns:a14="http://schemas.microsoft.com/office/drawing/2010/main">
+        <mc:Choice Requires="a14">
           <p:sp>
             <p:nvSpPr>
               <p:cNvPr id="67" name="Rectangle 66">
@@ -8592,7 +8592,7 @@
             </p:txBody>
           </p:sp>
         </mc:Choice>
-        <mc:Fallback>
+        <mc:Fallback xmlns="">
           <p:sp>
             <p:nvSpPr>
               <p:cNvPr id="67" name="Rectangle 66">
@@ -8637,8 +8637,8 @@
           </p:sp>
         </mc:Fallback>
       </mc:AlternateContent>
-      <mc:AlternateContent xmlns:mc="http://schemas.openxmlformats.org/markup-compatibility/2006">
-        <mc:Choice xmlns:a14="http://schemas.microsoft.com/office/drawing/2010/main" Requires="a14">
+      <mc:AlternateContent xmlns:mc="http://schemas.openxmlformats.org/markup-compatibility/2006" xmlns:a14="http://schemas.microsoft.com/office/drawing/2010/main">
+        <mc:Choice Requires="a14">
           <p:sp>
             <p:nvSpPr>
               <p:cNvPr id="69" name="Rectangle 68">
@@ -8726,7 +8726,7 @@
             </p:txBody>
           </p:sp>
         </mc:Choice>
-        <mc:Fallback>
+        <mc:Fallback xmlns="">
           <p:sp>
             <p:nvSpPr>
               <p:cNvPr id="69" name="Rectangle 68">
@@ -8771,8 +8771,8 @@
           </p:sp>
         </mc:Fallback>
       </mc:AlternateContent>
-      <mc:AlternateContent xmlns:mc="http://schemas.openxmlformats.org/markup-compatibility/2006">
-        <mc:Choice xmlns:a14="http://schemas.microsoft.com/office/drawing/2010/main" Requires="a14">
+      <mc:AlternateContent xmlns:mc="http://schemas.openxmlformats.org/markup-compatibility/2006" xmlns:a14="http://schemas.microsoft.com/office/drawing/2010/main">
+        <mc:Choice Requires="a14">
           <p:sp>
             <p:nvSpPr>
               <p:cNvPr id="81" name="Rectangle 80">
@@ -8860,7 +8860,7 @@
             </p:txBody>
           </p:sp>
         </mc:Choice>
-        <mc:Fallback>
+        <mc:Fallback xmlns="">
           <p:sp>
             <p:nvSpPr>
               <p:cNvPr id="81" name="Rectangle 80">
@@ -8905,8 +8905,8 @@
           </p:sp>
         </mc:Fallback>
       </mc:AlternateContent>
-      <mc:AlternateContent xmlns:mc="http://schemas.openxmlformats.org/markup-compatibility/2006">
-        <mc:Choice xmlns:a14="http://schemas.microsoft.com/office/drawing/2010/main" Requires="a14">
+      <mc:AlternateContent xmlns:mc="http://schemas.openxmlformats.org/markup-compatibility/2006" xmlns:a14="http://schemas.microsoft.com/office/drawing/2010/main">
+        <mc:Choice Requires="a14">
           <p:sp>
             <p:nvSpPr>
               <p:cNvPr id="82" name="Rectangle 81">
@@ -8994,7 +8994,7 @@
             </p:txBody>
           </p:sp>
         </mc:Choice>
-        <mc:Fallback>
+        <mc:Fallback xmlns="">
           <p:sp>
             <p:nvSpPr>
               <p:cNvPr id="82" name="Rectangle 81">
@@ -9039,8 +9039,8 @@
           </p:sp>
         </mc:Fallback>
       </mc:AlternateContent>
-      <mc:AlternateContent xmlns:mc="http://schemas.openxmlformats.org/markup-compatibility/2006">
-        <mc:Choice xmlns:a14="http://schemas.microsoft.com/office/drawing/2010/main" Requires="a14">
+      <mc:AlternateContent xmlns:mc="http://schemas.openxmlformats.org/markup-compatibility/2006" xmlns:a14="http://schemas.microsoft.com/office/drawing/2010/main">
+        <mc:Choice Requires="a14">
           <p:sp>
             <p:nvSpPr>
               <p:cNvPr id="83" name="Rectangle 82">
@@ -9128,7 +9128,7 @@
             </p:txBody>
           </p:sp>
         </mc:Choice>
-        <mc:Fallback>
+        <mc:Fallback xmlns="">
           <p:sp>
             <p:nvSpPr>
               <p:cNvPr id="83" name="Rectangle 82">
@@ -9173,8 +9173,8 @@
           </p:sp>
         </mc:Fallback>
       </mc:AlternateContent>
-      <mc:AlternateContent xmlns:mc="http://schemas.openxmlformats.org/markup-compatibility/2006">
-        <mc:Choice xmlns:a14="http://schemas.microsoft.com/office/drawing/2010/main" Requires="a14">
+      <mc:AlternateContent xmlns:mc="http://schemas.openxmlformats.org/markup-compatibility/2006" xmlns:a14="http://schemas.microsoft.com/office/drawing/2010/main">
+        <mc:Choice Requires="a14">
           <p:sp>
             <p:nvSpPr>
               <p:cNvPr id="84" name="Rectangle 83">
@@ -9262,7 +9262,7 @@
             </p:txBody>
           </p:sp>
         </mc:Choice>
-        <mc:Fallback>
+        <mc:Fallback xmlns="">
           <p:sp>
             <p:nvSpPr>
               <p:cNvPr id="84" name="Rectangle 83">
@@ -9307,8 +9307,8 @@
           </p:sp>
         </mc:Fallback>
       </mc:AlternateContent>
-      <mc:AlternateContent xmlns:mc="http://schemas.openxmlformats.org/markup-compatibility/2006">
-        <mc:Choice xmlns:a14="http://schemas.microsoft.com/office/drawing/2010/main" Requires="a14">
+      <mc:AlternateContent xmlns:mc="http://schemas.openxmlformats.org/markup-compatibility/2006" xmlns:a14="http://schemas.microsoft.com/office/drawing/2010/main">
+        <mc:Choice Requires="a14">
           <p:sp>
             <p:nvSpPr>
               <p:cNvPr id="85" name="Rectangle 84">
@@ -9396,7 +9396,7 @@
             </p:txBody>
           </p:sp>
         </mc:Choice>
-        <mc:Fallback>
+        <mc:Fallback xmlns="">
           <p:sp>
             <p:nvSpPr>
               <p:cNvPr id="85" name="Rectangle 84">
@@ -9441,8 +9441,8 @@
           </p:sp>
         </mc:Fallback>
       </mc:AlternateContent>
-      <mc:AlternateContent xmlns:mc="http://schemas.openxmlformats.org/markup-compatibility/2006">
-        <mc:Choice xmlns:a14="http://schemas.microsoft.com/office/drawing/2010/main" Requires="a14">
+      <mc:AlternateContent xmlns:mc="http://schemas.openxmlformats.org/markup-compatibility/2006" xmlns:a14="http://schemas.microsoft.com/office/drawing/2010/main">
+        <mc:Choice Requires="a14">
           <p:sp>
             <p:nvSpPr>
               <p:cNvPr id="86" name="Rectangle 85">
@@ -9530,7 +9530,7 @@
             </p:txBody>
           </p:sp>
         </mc:Choice>
-        <mc:Fallback>
+        <mc:Fallback xmlns="">
           <p:sp>
             <p:nvSpPr>
               <p:cNvPr id="86" name="Rectangle 85">
@@ -9575,8 +9575,8 @@
           </p:sp>
         </mc:Fallback>
       </mc:AlternateContent>
-      <mc:AlternateContent xmlns:mc="http://schemas.openxmlformats.org/markup-compatibility/2006">
-        <mc:Choice xmlns:a14="http://schemas.microsoft.com/office/drawing/2010/main" Requires="a14">
+      <mc:AlternateContent xmlns:mc="http://schemas.openxmlformats.org/markup-compatibility/2006" xmlns:a14="http://schemas.microsoft.com/office/drawing/2010/main">
+        <mc:Choice Requires="a14">
           <p:sp>
             <p:nvSpPr>
               <p:cNvPr id="87" name="Rectangle 86">
@@ -9664,7 +9664,7 @@
             </p:txBody>
           </p:sp>
         </mc:Choice>
-        <mc:Fallback>
+        <mc:Fallback xmlns="">
           <p:sp>
             <p:nvSpPr>
               <p:cNvPr id="87" name="Rectangle 86">
@@ -9803,8 +9803,8 @@
           </a:p>
         </p:txBody>
       </p:sp>
-      <mc:AlternateContent xmlns:mc="http://schemas.openxmlformats.org/markup-compatibility/2006">
-        <mc:Choice xmlns:a14="http://schemas.microsoft.com/office/drawing/2010/main" Requires="a14">
+      <mc:AlternateContent xmlns:mc="http://schemas.openxmlformats.org/markup-compatibility/2006" xmlns:a14="http://schemas.microsoft.com/office/drawing/2010/main">
+        <mc:Choice Requires="a14">
           <p:sp>
             <p:nvSpPr>
               <p:cNvPr id="90" name="TextBox 89">
@@ -9860,7 +9860,7 @@
             </p:txBody>
           </p:sp>
         </mc:Choice>
-        <mc:Fallback>
+        <mc:Fallback xmlns="">
           <p:sp>
             <p:nvSpPr>
               <p:cNvPr id="90" name="TextBox 89">
@@ -9982,8 +9982,8 @@
           </a:fontRef>
         </p:style>
       </p:cxnSp>
-      <mc:AlternateContent xmlns:mc="http://schemas.openxmlformats.org/markup-compatibility/2006">
-        <mc:Choice xmlns:a14="http://schemas.microsoft.com/office/drawing/2010/main" Requires="a14">
+      <mc:AlternateContent xmlns:mc="http://schemas.openxmlformats.org/markup-compatibility/2006" xmlns:a14="http://schemas.microsoft.com/office/drawing/2010/main">
+        <mc:Choice Requires="a14">
           <p:sp>
             <p:nvSpPr>
               <p:cNvPr id="94" name="TextBox 93">
@@ -10033,7 +10033,7 @@
             </p:txBody>
           </p:sp>
         </mc:Choice>
-        <mc:Fallback>
+        <mc:Fallback xmlns="">
           <p:sp>
             <p:nvSpPr>
               <p:cNvPr id="94" name="TextBox 93">
@@ -10439,8 +10439,8 @@
           <a:chExt cx="0" cy="0"/>
         </a:xfrm>
       </p:grpSpPr>
-      <mc:AlternateContent xmlns:mc="http://schemas.openxmlformats.org/markup-compatibility/2006">
-        <mc:Choice xmlns:a14="http://schemas.microsoft.com/office/drawing/2010/main" Requires="a14">
+      <mc:AlternateContent xmlns:mc="http://schemas.openxmlformats.org/markup-compatibility/2006" xmlns:a14="http://schemas.microsoft.com/office/drawing/2010/main">
+        <mc:Choice Requires="a14">
           <p:sp>
             <p:nvSpPr>
               <p:cNvPr id="12" name="TextBox 11">
@@ -10558,7 +10558,7 @@
             </p:txBody>
           </p:sp>
         </mc:Choice>
-        <mc:Fallback>
+        <mc:Fallback xmlns="">
           <p:sp>
             <p:nvSpPr>
               <p:cNvPr id="12" name="TextBox 11">
@@ -10619,8 +10619,8 @@
             </p:nvSpPr>
             <p:spPr>
               <a:xfrm>
-                <a:off x="2305858" y="3604754"/>
-                <a:ext cx="1199308" cy="246221"/>
+                <a:off x="2275839" y="3604754"/>
+                <a:ext cx="1236095" cy="246221"/>
               </a:xfrm>
               <a:prstGeom prst="rect">
                 <a:avLst/>
@@ -10713,8 +10713,8 @@
             </p:nvSpPr>
             <p:spPr>
               <a:xfrm>
-                <a:off x="2305858" y="3604754"/>
-                <a:ext cx="1199308" cy="246221"/>
+                <a:off x="2275839" y="3604754"/>
+                <a:ext cx="1236095" cy="246221"/>
               </a:xfrm>
               <a:prstGeom prst="rect">
                 <a:avLst/>
@@ -10722,7 +10722,7 @@
               <a:blipFill>
                 <a:blip r:embed="rId3"/>
                 <a:stretch>
-                  <a:fillRect b="-12195"/>
+                  <a:fillRect b="-9524"/>
                 </a:stretch>
               </a:blipFill>
             </p:spPr>
@@ -10731,7 +10731,7 @@
               <a:lstStyle/>
               <a:p>
                 <a:r>
-                  <a:rPr lang="en-US">
+                  <a:rPr lang="en-VN">
                     <a:noFill/>
                   </a:rPr>
                   <a:t> </a:t>
@@ -10757,8 +10757,8 @@
             </p:nvSpPr>
             <p:spPr>
               <a:xfrm>
-                <a:off x="2354463" y="4334071"/>
-                <a:ext cx="1102098" cy="269176"/>
+                <a:off x="2312626" y="4256471"/>
+                <a:ext cx="1150703" cy="246221"/>
               </a:xfrm>
               <a:prstGeom prst="rect">
                 <a:avLst/>
@@ -10810,10 +10810,10 @@
                           </m:e>
                           <m:sub>
                             <m:r>
-                              <a:rPr lang="en-US" sz="1000" b="0" i="1" smtClean="0">
+                              <a:rPr lang="en-US" sz="1000" i="1">
                                 <a:latin typeface="Cambria Math" panose="02040503050406030204" pitchFamily="18" charset="0"/>
                               </a:rPr>
-                              <m:t>𝑗</m:t>
+                              <m:t>𝑘</m:t>
                             </m:r>
                           </m:sub>
                         </m:sSub>
@@ -10841,10 +10841,16 @@
                           </m:e>
                           <m:sub>
                             <m:r>
-                              <a:rPr lang="en-US" sz="1000" b="0" i="1" smtClean="0">
+                              <a:rPr lang="en-US" sz="1000" i="1">
                                 <a:latin typeface="Cambria Math" panose="02040503050406030204" pitchFamily="18" charset="0"/>
                               </a:rPr>
-                              <m:t>𝑗</m:t>
+                              <m:t>𝑘</m:t>
+                            </m:r>
+                            <m:r>
+                              <a:rPr lang="vi-VN" sz="1000" b="0" i="1">
+                                <a:latin typeface="Cambria Math" panose="02040503050406030204" pitchFamily="18" charset="0"/>
+                              </a:rPr>
+                              <m:t>′</m:t>
                             </m:r>
                           </m:sub>
                         </m:sSub>
@@ -10852,7 +10858,7 @@
                     </m:d>
                   </m:oMath>
                 </a14:m>
-                <a:endParaRPr lang="en-VN" sz="1000" dirty="0">
+                <a:endParaRPr lang="en-VN" sz="1000" i="1" dirty="0">
                   <a:latin typeface="Times New Roman" panose="02020603050405020304" pitchFamily="18" charset="0"/>
                   <a:cs typeface="Times New Roman" panose="02020603050405020304" pitchFamily="18" charset="0"/>
                 </a:endParaRPr>
@@ -10877,8 +10883,8 @@
             </p:nvSpPr>
             <p:spPr>
               <a:xfrm>
-                <a:off x="2354463" y="4334071"/>
-                <a:ext cx="1102098" cy="269176"/>
+                <a:off x="2312626" y="4256471"/>
+                <a:ext cx="1150703" cy="246221"/>
               </a:xfrm>
               <a:prstGeom prst="rect">
                 <a:avLst/>
@@ -10886,7 +10892,7 @@
               <a:blipFill>
                 <a:blip r:embed="rId4"/>
                 <a:stretch>
-                  <a:fillRect b="-6818"/>
+                  <a:fillRect b="-15000"/>
                 </a:stretch>
               </a:blipFill>
             </p:spPr>
@@ -10895,7 +10901,7 @@
               <a:lstStyle/>
               <a:p>
                 <a:r>
-                  <a:rPr lang="en-US">
+                  <a:rPr lang="en-VN">
                     <a:noFill/>
                   </a:rPr>
                   <a:t> </a:t>
@@ -10922,9 +10928,9 @@
           <p:nvPr/>
         </p:nvCxnSpPr>
         <p:spPr>
-          <a:xfrm>
-            <a:off x="2905512" y="3850975"/>
-            <a:ext cx="0" cy="483096"/>
+          <a:xfrm flipH="1">
+            <a:off x="2887978" y="3850975"/>
+            <a:ext cx="5909" cy="405496"/>
           </a:xfrm>
           <a:prstGeom prst="straightConnector1">
             <a:avLst/>
@@ -10964,8 +10970,8 @@
             </p:nvSpPr>
             <p:spPr>
               <a:xfrm>
-                <a:off x="2320144" y="5107341"/>
-                <a:ext cx="1160360" cy="246221"/>
+                <a:off x="2540838" y="4896792"/>
+                <a:ext cx="702244" cy="246221"/>
               </a:xfrm>
               <a:prstGeom prst="rect">
                 <a:avLst/>
@@ -10979,124 +10985,71 @@
               <a:lstStyle/>
               <a:p>
                 <a14:m>
-                  <m:oMath xmlns:m="http://schemas.openxmlformats.org/officeDocument/2006/math">
-                    <m:r>
-                      <m:rPr>
-                        <m:sty m:val="p"/>
-                      </m:rPr>
-                      <a:rPr lang="en-US" sz="1000" b="0" i="0" smtClean="0">
-                        <a:latin typeface="Cambria Math" panose="02040503050406030204" pitchFamily="18" charset="0"/>
-                      </a:rPr>
-                      <m:t>LU</m:t>
-                    </m:r>
-                    <m:sSub>
-                      <m:sSubPr>
-                        <m:ctrlPr>
-                          <a:rPr lang="en-US" sz="1000" b="0" i="1" smtClean="0">
-                            <a:latin typeface="Cambria Math" panose="02040503050406030204" pitchFamily="18" charset="0"/>
-                          </a:rPr>
-                        </m:ctrlPr>
-                      </m:sSubPr>
-                      <m:e>
-                        <m:r>
-                          <m:rPr>
-                            <m:sty m:val="p"/>
-                          </m:rPr>
-                          <a:rPr lang="en-US" sz="1000" b="0" i="0" smtClean="0">
-                            <a:latin typeface="Cambria Math" panose="02040503050406030204" pitchFamily="18" charset="0"/>
-                          </a:rPr>
-                          <m:t>T</m:t>
-                        </m:r>
-                      </m:e>
-                      <m:sub>
-                        <m:r>
-                          <m:rPr>
-                            <m:sty m:val="p"/>
-                          </m:rPr>
-                          <a:rPr lang="en-US" sz="1000" b="0" i="0" smtClean="0">
-                            <a:latin typeface="Cambria Math" panose="02040503050406030204" pitchFamily="18" charset="0"/>
-                          </a:rPr>
-                          <m:t>non</m:t>
-                        </m:r>
-                        <m:r>
-                          <a:rPr lang="en-US" sz="1000" b="0" i="0" smtClean="0">
-                            <a:latin typeface="Cambria Math" panose="02040503050406030204" pitchFamily="18" charset="0"/>
-                          </a:rPr>
-                          <m:t>−</m:t>
-                        </m:r>
-                        <m:r>
-                          <m:rPr>
-                            <m:sty m:val="p"/>
-                          </m:rPr>
-                          <a:rPr lang="en-US" sz="1000" b="0" i="0" smtClean="0">
-                            <a:latin typeface="Cambria Math" panose="02040503050406030204" pitchFamily="18" charset="0"/>
-                          </a:rPr>
-                          <m:t>CX</m:t>
-                        </m:r>
-                      </m:sub>
-                    </m:sSub>
-                    <m:r>
-                      <a:rPr lang="en-US" sz="1000" b="0" i="1" smtClean="0">
-                        <a:latin typeface="Cambria Math" panose="02040503050406030204" pitchFamily="18" charset="0"/>
-                      </a:rPr>
-                      <m:t>,</m:t>
-                    </m:r>
-                  </m:oMath>
+                  <m:oMathPara xmlns:m="http://schemas.openxmlformats.org/officeDocument/2006/math">
+                    <m:oMathParaPr>
+                      <m:jc m:val="centerGroup"/>
+                    </m:oMathParaPr>
+                    <m:oMath xmlns:m="http://schemas.openxmlformats.org/officeDocument/2006/math">
+                      <m:r>
+                        <m:rPr>
+                          <m:sty m:val="p"/>
+                        </m:rPr>
+                        <a:rPr lang="en-US" sz="1000" b="0" i="0" smtClean="0">
+                          <a:latin typeface="Cambria Math" panose="02040503050406030204" pitchFamily="18" charset="0"/>
+                        </a:rPr>
+                        <m:t>LU</m:t>
+                      </m:r>
+                      <m:sSub>
+                        <m:sSubPr>
+                          <m:ctrlPr>
+                            <a:rPr lang="en-US" sz="1000" b="0" i="1" smtClean="0">
+                              <a:latin typeface="Cambria Math" panose="02040503050406030204" pitchFamily="18" charset="0"/>
+                            </a:rPr>
+                          </m:ctrlPr>
+                        </m:sSubPr>
+                        <m:e>
+                          <m:r>
+                            <m:rPr>
+                              <m:sty m:val="p"/>
+                            </m:rPr>
+                            <a:rPr lang="en-US" sz="1000" b="0" i="0" smtClean="0">
+                              <a:latin typeface="Cambria Math" panose="02040503050406030204" pitchFamily="18" charset="0"/>
+                            </a:rPr>
+                            <m:t>T</m:t>
+                          </m:r>
+                        </m:e>
+                        <m:sub>
+                          <m:r>
+                            <m:rPr>
+                              <m:sty m:val="p"/>
+                            </m:rPr>
+                            <a:rPr lang="en-US" sz="1000" b="0" i="0" smtClean="0">
+                              <a:latin typeface="Cambria Math" panose="02040503050406030204" pitchFamily="18" charset="0"/>
+                            </a:rPr>
+                            <m:t>non</m:t>
+                          </m:r>
+                          <m:r>
+                            <a:rPr lang="en-US" sz="1000" b="0" i="0" smtClean="0">
+                              <a:latin typeface="Cambria Math" panose="02040503050406030204" pitchFamily="18" charset="0"/>
+                            </a:rPr>
+                            <m:t>−</m:t>
+                          </m:r>
+                          <m:r>
+                            <m:rPr>
+                              <m:sty m:val="p"/>
+                            </m:rPr>
+                            <a:rPr lang="en-US" sz="1000" b="0" i="0" smtClean="0">
+                              <a:latin typeface="Cambria Math" panose="02040503050406030204" pitchFamily="18" charset="0"/>
+                            </a:rPr>
+                            <m:t>CX</m:t>
+                          </m:r>
+                        </m:sub>
+                      </m:sSub>
+                    </m:oMath>
+                  </m:oMathPara>
                 </a14:m>
-                <a:r>
-                  <a:rPr lang="en-US" sz="1000" dirty="0">
-                    <a:latin typeface="Times New Roman" panose="02020603050405020304" pitchFamily="18" charset="0"/>
-                    <a:cs typeface="Times New Roman" panose="02020603050405020304" pitchFamily="18" charset="0"/>
-                  </a:rPr>
-                  <a:t> </a:t>
-                </a:r>
-                <a14:m>
-                  <m:oMath xmlns:m="http://schemas.openxmlformats.org/officeDocument/2006/math">
-                    <m:r>
-                      <m:rPr>
-                        <m:sty m:val="p"/>
-                      </m:rPr>
-                      <a:rPr lang="en-US" sz="1000">
-                        <a:latin typeface="Cambria Math" panose="02040503050406030204" pitchFamily="18" charset="0"/>
-                      </a:rPr>
-                      <m:t>LU</m:t>
-                    </m:r>
-                    <m:sSub>
-                      <m:sSubPr>
-                        <m:ctrlPr>
-                          <a:rPr lang="en-US" sz="1000" i="1">
-                            <a:latin typeface="Cambria Math" panose="02040503050406030204" pitchFamily="18" charset="0"/>
-                          </a:rPr>
-                        </m:ctrlPr>
-                      </m:sSubPr>
-                      <m:e>
-                        <m:r>
-                          <m:rPr>
-                            <m:sty m:val="p"/>
-                          </m:rPr>
-                          <a:rPr lang="en-US" sz="1000">
-                            <a:latin typeface="Cambria Math" panose="02040503050406030204" pitchFamily="18" charset="0"/>
-                          </a:rPr>
-                          <m:t>T</m:t>
-                        </m:r>
-                      </m:e>
-                      <m:sub>
-                        <m:r>
-                          <m:rPr>
-                            <m:sty m:val="p"/>
-                          </m:rPr>
-                          <a:rPr lang="en-US" sz="1000">
-                            <a:latin typeface="Cambria Math" panose="02040503050406030204" pitchFamily="18" charset="0"/>
-                          </a:rPr>
-                          <m:t>CX</m:t>
-                        </m:r>
-                      </m:sub>
-                    </m:sSub>
-                  </m:oMath>
-                </a14:m>
-                <a:endParaRPr lang="en-VN" sz="1000" dirty="0">
-                  <a:latin typeface="Times New Roman" panose="02020603050405020304" pitchFamily="18" charset="0"/>
-                  <a:cs typeface="Times New Roman" panose="02020603050405020304" pitchFamily="18" charset="0"/>
+                <a:endParaRPr lang="vi-VN" sz="1000">
+                  <a:latin typeface="Cambria Math" panose="02040503050406030204" pitchFamily="18" charset="0"/>
                 </a:endParaRPr>
               </a:p>
             </p:txBody>
@@ -11119,8 +11072,8 @@
             </p:nvSpPr>
             <p:spPr>
               <a:xfrm>
-                <a:off x="2320144" y="5107341"/>
-                <a:ext cx="1160360" cy="246221"/>
+                <a:off x="2540838" y="4896792"/>
+                <a:ext cx="702244" cy="246221"/>
               </a:xfrm>
               <a:prstGeom prst="rect">
                 <a:avLst/>
@@ -11137,7 +11090,7 @@
               <a:lstStyle/>
               <a:p>
                 <a:r>
-                  <a:rPr lang="en-US">
+                  <a:rPr lang="en-VN">
                     <a:noFill/>
                   </a:rPr>
                   <a:t> </a:t>
@@ -11164,9 +11117,9 @@
           <p:nvPr/>
         </p:nvCxnSpPr>
         <p:spPr>
-          <a:xfrm flipH="1">
-            <a:off x="2900324" y="4603247"/>
-            <a:ext cx="5188" cy="504094"/>
+          <a:xfrm>
+            <a:off x="2887978" y="4502692"/>
+            <a:ext cx="3982" cy="394100"/>
           </a:xfrm>
           <a:prstGeom prst="straightConnector1">
             <a:avLst/>
@@ -11204,8 +11157,8 @@
         </p:nvSpPr>
         <p:spPr>
           <a:xfrm>
-            <a:off x="2505199" y="4684031"/>
-            <a:ext cx="806974" cy="214256"/>
+            <a:off x="2450409" y="4561973"/>
+            <a:ext cx="869556" cy="214256"/>
           </a:xfrm>
           <a:prstGeom prst="rect">
             <a:avLst/>
@@ -11289,7 +11242,7 @@
         <p:spPr>
           <a:xfrm>
             <a:off x="4074375" y="3881769"/>
-            <a:ext cx="0" cy="455979"/>
+            <a:ext cx="0" cy="374702"/>
           </a:xfrm>
           <a:prstGeom prst="straightConnector1">
             <a:avLst/>
@@ -11329,7 +11282,7 @@
             </p:nvSpPr>
             <p:spPr>
               <a:xfrm>
-                <a:off x="3627312" y="4337748"/>
+                <a:off x="3627312" y="4256471"/>
                 <a:ext cx="894125" cy="246221"/>
               </a:xfrm>
               <a:prstGeom prst="rect">
@@ -11386,7 +11339,7 @@
             </p:nvSpPr>
             <p:spPr>
               <a:xfrm>
-                <a:off x="3627312" y="4337748"/>
+                <a:off x="3627312" y="4256471"/>
                 <a:ext cx="894125" cy="246221"/>
               </a:xfrm>
               <a:prstGeom prst="rect">
@@ -11395,7 +11348,7 @@
               <a:blipFill>
                 <a:blip r:embed="rId6"/>
                 <a:stretch>
-                  <a:fillRect b="-12500"/>
+                  <a:fillRect b="-15000"/>
                 </a:stretch>
               </a:blipFill>
             </p:spPr>
@@ -11404,7 +11357,7 @@
               <a:lstStyle/>
               <a:p>
                 <a:r>
-                  <a:rPr lang="en-US">
+                  <a:rPr lang="en-VN">
                     <a:noFill/>
                   </a:rPr>
                   <a:t> </a:t>
@@ -11428,7 +11381,7 @@
         </p:nvSpPr>
         <p:spPr>
           <a:xfrm>
-            <a:off x="2583622" y="3955251"/>
+            <a:off x="2563298" y="3925865"/>
             <a:ext cx="643779" cy="214256"/>
           </a:xfrm>
           <a:prstGeom prst="rect">
@@ -11484,76 +11437,190 @@
           </a:p>
         </p:txBody>
       </p:sp>
-      <p:sp>
-        <p:nvSpPr>
-          <p:cNvPr id="57" name="Rectangle 56">
-            <a:extLst>
-              <a:ext uri="{FF2B5EF4-FFF2-40B4-BE49-F238E27FC236}">
-                <a16:creationId xmlns:a16="http://schemas.microsoft.com/office/drawing/2014/main" id="{EABF0F72-06C8-9A2B-2CF4-35D7A742208F}"/>
-              </a:ext>
-            </a:extLst>
-          </p:cNvPr>
-          <p:cNvSpPr/>
-          <p:nvPr/>
-        </p:nvSpPr>
-        <p:spPr>
-          <a:xfrm>
-            <a:off x="3752484" y="3955005"/>
-            <a:ext cx="643779" cy="214256"/>
-          </a:xfrm>
-          <a:prstGeom prst="rect">
-            <a:avLst/>
-          </a:prstGeom>
-          <a:solidFill>
-            <a:schemeClr val="bg1"/>
-          </a:solidFill>
-          <a:ln>
-            <a:solidFill>
-              <a:schemeClr val="tx1"/>
-            </a:solidFill>
-          </a:ln>
-        </p:spPr>
-        <p:style>
-          <a:lnRef idx="2">
-            <a:schemeClr val="accent1">
-              <a:shade val="15000"/>
-            </a:schemeClr>
-          </a:lnRef>
-          <a:fillRef idx="1">
-            <a:schemeClr val="accent1"/>
-          </a:fillRef>
-          <a:effectRef idx="0">
-            <a:schemeClr val="accent1"/>
-          </a:effectRef>
-          <a:fontRef idx="minor">
-            <a:schemeClr val="lt1"/>
-          </a:fontRef>
-        </p:style>
-        <p:txBody>
-          <a:bodyPr rtlCol="0" anchor="ctr"/>
-          <a:lstStyle/>
-          <a:p>
-            <a:pPr algn="ctr"/>
-            <a:r>
-              <a:rPr lang="en-US" sz="1000" b="1" dirty="0">
+      <mc:AlternateContent xmlns:mc="http://schemas.openxmlformats.org/markup-compatibility/2006">
+        <mc:Choice xmlns:a14="http://schemas.microsoft.com/office/drawing/2010/main" Requires="a14">
+          <p:sp>
+            <p:nvSpPr>
+              <p:cNvPr id="57" name="Rectangle 56">
+                <a:extLst>
+                  <a:ext uri="{FF2B5EF4-FFF2-40B4-BE49-F238E27FC236}">
+                    <a16:creationId xmlns:a16="http://schemas.microsoft.com/office/drawing/2014/main" id="{EABF0F72-06C8-9A2B-2CF4-35D7A742208F}"/>
+                  </a:ext>
+                </a:extLst>
+              </p:cNvPr>
+              <p:cNvSpPr/>
+              <p:nvPr/>
+            </p:nvSpPr>
+            <p:spPr>
+              <a:xfrm>
+                <a:off x="3624059" y="3921140"/>
+                <a:ext cx="894124" cy="214256"/>
+              </a:xfrm>
+              <a:prstGeom prst="rect">
+                <a:avLst/>
+              </a:prstGeom>
+              <a:solidFill>
+                <a:schemeClr val="bg1"/>
+              </a:solidFill>
+              <a:ln>
                 <a:solidFill>
-                  <a:srgbClr val="FF0000"/>
+                  <a:schemeClr val="tx1"/>
                 </a:solidFill>
-                <a:latin typeface="Times New Roman" panose="02020603050405020304" pitchFamily="18" charset="0"/>
-                <a:cs typeface="Times New Roman" panose="02020603050405020304" pitchFamily="18" charset="0"/>
-              </a:rPr>
-              <a:t>map()</a:t>
-            </a:r>
-            <a:endParaRPr lang="en-VN" sz="1000" b="1" dirty="0">
-              <a:solidFill>
-                <a:srgbClr val="FF0000"/>
-              </a:solidFill>
-              <a:latin typeface="Times New Roman" panose="02020603050405020304" pitchFamily="18" charset="0"/>
-              <a:cs typeface="Times New Roman" panose="02020603050405020304" pitchFamily="18" charset="0"/>
-            </a:endParaRPr>
-          </a:p>
-        </p:txBody>
-      </p:sp>
+              </a:ln>
+            </p:spPr>
+            <p:style>
+              <a:lnRef idx="2">
+                <a:schemeClr val="accent1">
+                  <a:shade val="15000"/>
+                </a:schemeClr>
+              </a:lnRef>
+              <a:fillRef idx="1">
+                <a:schemeClr val="accent1"/>
+              </a:fillRef>
+              <a:effectRef idx="0">
+                <a:schemeClr val="accent1"/>
+              </a:effectRef>
+              <a:fontRef idx="minor">
+                <a:schemeClr val="lt1"/>
+              </a:fontRef>
+            </p:style>
+            <p:txBody>
+              <a:bodyPr rtlCol="0" anchor="ctr"/>
+              <a:lstStyle/>
+              <a:p>
+                <a:pPr algn="ctr"/>
+                <a14:m>
+                  <m:oMath xmlns:m="http://schemas.openxmlformats.org/officeDocument/2006/math">
+                    <m:sSub>
+                      <m:sSubPr>
+                        <m:ctrlPr>
+                          <a:rPr lang="en-US" sz="1000" b="1" dirty="0">
+                            <a:solidFill>
+                              <a:srgbClr val="FF0000"/>
+                            </a:solidFill>
+                            <a:latin typeface="Cambria Math" panose="02040503050406030204" pitchFamily="18" charset="0"/>
+                            <a:cs typeface="Times New Roman" panose="02020603050405020304" pitchFamily="18" charset="0"/>
+                          </a:rPr>
+                        </m:ctrlPr>
+                      </m:sSubPr>
+                      <m:e>
+                        <m:r>
+                          <a:rPr lang="en-US" sz="1000" b="1" i="0" dirty="0">
+                            <a:solidFill>
+                              <a:srgbClr val="FF0000"/>
+                            </a:solidFill>
+                            <a:latin typeface="Cambria Math" panose="02040503050406030204" pitchFamily="18" charset="0"/>
+                            <a:cs typeface="Times New Roman" panose="02020603050405020304" pitchFamily="18" charset="0"/>
+                          </a:rPr>
+                          <m:t>𝐦𝐚𝐩</m:t>
+                        </m:r>
+                      </m:e>
+                      <m:sub>
+                        <m:r>
+                          <a:rPr lang="en-US" sz="1000" b="1" i="0" dirty="0">
+                            <a:solidFill>
+                              <a:srgbClr val="FF0000"/>
+                            </a:solidFill>
+                            <a:latin typeface="Cambria Math" panose="02040503050406030204" pitchFamily="18" charset="0"/>
+                            <a:cs typeface="Times New Roman" panose="02020603050405020304" pitchFamily="18" charset="0"/>
+                          </a:rPr>
+                          <m:t>𝐧𝐨𝐧</m:t>
+                        </m:r>
+                        <m:r>
+                          <a:rPr lang="vi-VN" sz="1000" b="1" i="0" dirty="0">
+                            <a:solidFill>
+                              <a:srgbClr val="FF0000"/>
+                            </a:solidFill>
+                            <a:latin typeface="Cambria Math" panose="02040503050406030204" pitchFamily="18" charset="0"/>
+                            <a:cs typeface="Times New Roman" panose="02020603050405020304" pitchFamily="18" charset="0"/>
+                          </a:rPr>
+                          <m:t>−</m:t>
+                        </m:r>
+                        <m:r>
+                          <a:rPr lang="en-US" sz="1000" b="1" i="0" dirty="0">
+                            <a:solidFill>
+                              <a:srgbClr val="FF0000"/>
+                            </a:solidFill>
+                            <a:latin typeface="Cambria Math" panose="02040503050406030204" pitchFamily="18" charset="0"/>
+                            <a:cs typeface="Times New Roman" panose="02020603050405020304" pitchFamily="18" charset="0"/>
+                          </a:rPr>
+                          <m:t>𝐂𝐗</m:t>
+                        </m:r>
+                      </m:sub>
+                    </m:sSub>
+                  </m:oMath>
+                </a14:m>
+                <a:r>
+                  <a:rPr lang="en-US" sz="1000" b="1" dirty="0">
+                    <a:solidFill>
+                      <a:srgbClr val="FF0000"/>
+                    </a:solidFill>
+                    <a:latin typeface="Times New Roman" panose="02020603050405020304" pitchFamily="18" charset="0"/>
+                    <a:cs typeface="Times New Roman" panose="02020603050405020304" pitchFamily="18" charset="0"/>
+                  </a:rPr>
+                  <a:t>()</a:t>
+                </a:r>
+                <a:endParaRPr lang="en-VN" sz="1000" b="1" dirty="0">
+                  <a:solidFill>
+                    <a:srgbClr val="FF0000"/>
+                  </a:solidFill>
+                  <a:latin typeface="Times New Roman" panose="02020603050405020304" pitchFamily="18" charset="0"/>
+                  <a:cs typeface="Times New Roman" panose="02020603050405020304" pitchFamily="18" charset="0"/>
+                </a:endParaRPr>
+              </a:p>
+            </p:txBody>
+          </p:sp>
+        </mc:Choice>
+        <mc:Fallback>
+          <p:sp>
+            <p:nvSpPr>
+              <p:cNvPr id="57" name="Rectangle 56">
+                <a:extLst>
+                  <a:ext uri="{FF2B5EF4-FFF2-40B4-BE49-F238E27FC236}">
+                    <a16:creationId xmlns:a16="http://schemas.microsoft.com/office/drawing/2014/main" id="{EABF0F72-06C8-9A2B-2CF4-35D7A742208F}"/>
+                  </a:ext>
+                </a:extLst>
+              </p:cNvPr>
+              <p:cNvSpPr>
+                <a:spLocks noRot="1" noChangeAspect="1" noMove="1" noResize="1" noEditPoints="1" noAdjustHandles="1" noChangeArrowheads="1" noChangeShapeType="1" noTextEdit="1"/>
+              </p:cNvSpPr>
+              <p:nvPr/>
+            </p:nvSpPr>
+            <p:spPr>
+              <a:xfrm>
+                <a:off x="3624059" y="3921140"/>
+                <a:ext cx="894124" cy="214256"/>
+              </a:xfrm>
+              <a:prstGeom prst="rect">
+                <a:avLst/>
+              </a:prstGeom>
+              <a:blipFill>
+                <a:blip r:embed="rId7"/>
+                <a:stretch>
+                  <a:fillRect b="-22222"/>
+                </a:stretch>
+              </a:blipFill>
+              <a:ln>
+                <a:solidFill>
+                  <a:schemeClr val="tx1"/>
+                </a:solidFill>
+              </a:ln>
+            </p:spPr>
+            <p:txBody>
+              <a:bodyPr/>
+              <a:lstStyle/>
+              <a:p>
+                <a:r>
+                  <a:rPr lang="en-VN">
+                    <a:noFill/>
+                  </a:rPr>
+                  <a:t> </a:t>
+                </a:r>
+              </a:p>
+            </p:txBody>
+          </p:sp>
+        </mc:Fallback>
+      </mc:AlternateContent>
       <p:cxnSp>
         <p:nvCxnSpPr>
           <p:cNvPr id="71" name="Connector: Elbow 70">
@@ -11572,8 +11639,8 @@
         </p:nvCxnSpPr>
         <p:spPr>
           <a:xfrm flipV="1">
-            <a:off x="3480504" y="4062133"/>
-            <a:ext cx="271980" cy="1168319"/>
+            <a:off x="3243082" y="4028268"/>
+            <a:ext cx="380977" cy="991635"/>
           </a:xfrm>
           <a:prstGeom prst="bentConnector3">
             <a:avLst>
@@ -11616,8 +11683,8 @@
             </p:nvSpPr>
             <p:spPr>
               <a:xfrm>
-                <a:off x="3648039" y="5071212"/>
-                <a:ext cx="846133" cy="256609"/>
+                <a:off x="3756413" y="4888333"/>
+                <a:ext cx="640041" cy="259366"/>
               </a:xfrm>
               <a:prstGeom prst="rect">
                 <a:avLst/>
@@ -11667,13 +11734,7 @@
                                 <a:rPr lang="en-US" sz="1000" i="1">
                                   <a:latin typeface="Cambria Math" panose="02040503050406030204" pitchFamily="18" charset="0"/>
                                 </a:rPr>
-                                <m:t>𝑡</m:t>
-                              </m:r>
-                              <m:r>
-                                <a:rPr lang="en-US" sz="1000" i="1">
-                                  <a:latin typeface="Cambria Math" panose="02040503050406030204" pitchFamily="18" charset="0"/>
-                                </a:rPr>
-                                <m:t>+1</m:t>
+                                <m:t>𝑘</m:t>
                               </m:r>
                             </m:e>
                           </m:d>
@@ -11719,14 +11780,7 @@
                                   <a:latin typeface="Cambria Math" panose="02040503050406030204" pitchFamily="18" charset="0"/>
                                   <a:ea typeface="Cambria Math" panose="02040503050406030204" pitchFamily="18" charset="0"/>
                                 </a:rPr>
-                                <m:t>𝑡</m:t>
-                              </m:r>
-                              <m:r>
-                                <a:rPr lang="en-US" sz="1000" i="1">
-                                  <a:latin typeface="Cambria Math" panose="02040503050406030204" pitchFamily="18" charset="0"/>
-                                  <a:ea typeface="Cambria Math" panose="02040503050406030204" pitchFamily="18" charset="0"/>
-                                </a:rPr>
-                                <m:t>+1</m:t>
+                                <m:t>𝑘</m:t>
                               </m:r>
                             </m:e>
                           </m:d>
@@ -11760,14 +11814,14 @@
             </p:nvSpPr>
             <p:spPr>
               <a:xfrm>
-                <a:off x="3648039" y="5071212"/>
-                <a:ext cx="846133" cy="256609"/>
+                <a:off x="3756413" y="4888333"/>
+                <a:ext cx="640041" cy="259366"/>
               </a:xfrm>
               <a:prstGeom prst="rect">
                 <a:avLst/>
               </a:prstGeom>
               <a:blipFill>
-                <a:blip r:embed="rId7"/>
+                <a:blip r:embed="rId8"/>
                 <a:stretch>
                   <a:fillRect/>
                 </a:stretch>
@@ -11778,7 +11832,7 @@
               <a:lstStyle/>
               <a:p>
                 <a:r>
-                  <a:rPr lang="en-US">
+                  <a:rPr lang="en-VN">
                     <a:noFill/>
                   </a:rPr>
                   <a:t> </a:t>
@@ -11805,9 +11859,9 @@
           <p:nvPr/>
         </p:nvCxnSpPr>
         <p:spPr>
-          <a:xfrm flipH="1">
-            <a:off x="4071106" y="4583969"/>
-            <a:ext cx="3269" cy="487243"/>
+          <a:xfrm>
+            <a:off x="4074375" y="4502692"/>
+            <a:ext cx="2059" cy="385641"/>
           </a:xfrm>
           <a:prstGeom prst="straightConnector1">
             <a:avLst/>
@@ -11845,7 +11899,7 @@
         </p:nvSpPr>
         <p:spPr>
           <a:xfrm>
-            <a:off x="3747027" y="4685905"/>
+            <a:off x="3747027" y="4557213"/>
             <a:ext cx="643779" cy="214256"/>
           </a:xfrm>
           <a:prstGeom prst="rect">
@@ -11912,19 +11966,19 @@
           </p:cNvPr>
           <p:cNvCxnSpPr>
             <a:cxnSpLocks/>
-            <a:stCxn id="84" idx="3"/>
+            <a:stCxn id="14" idx="3"/>
             <a:endCxn id="57" idx="3"/>
           </p:cNvCxnSpPr>
           <p:nvPr/>
         </p:nvCxnSpPr>
         <p:spPr>
-          <a:xfrm flipH="1" flipV="1">
-            <a:off x="4396263" y="4062133"/>
-            <a:ext cx="97909" cy="1137384"/>
+          <a:xfrm flipV="1">
+            <a:off x="4396454" y="4028268"/>
+            <a:ext cx="121729" cy="1663951"/>
           </a:xfrm>
           <a:prstGeom prst="bentConnector3">
             <a:avLst>
-              <a:gd name="adj1" fmla="val -132955"/>
+              <a:gd name="adj1" fmla="val 193201"/>
             </a:avLst>
           </a:prstGeom>
           <a:ln>
@@ -11963,7 +12017,7 @@
             </p:nvSpPr>
             <p:spPr>
               <a:xfrm>
-                <a:off x="4817668" y="3614193"/>
+                <a:off x="4749935" y="4284805"/>
                 <a:ext cx="811563" cy="305212"/>
               </a:xfrm>
               <a:prstGeom prst="rect">
@@ -12096,14 +12150,14 @@
             </p:nvSpPr>
             <p:spPr>
               <a:xfrm>
-                <a:off x="4817668" y="3614193"/>
+                <a:off x="4749935" y="4284805"/>
                 <a:ext cx="811563" cy="305212"/>
               </a:xfrm>
               <a:prstGeom prst="rect">
                 <a:avLst/>
               </a:prstGeom>
               <a:blipFill>
-                <a:blip r:embed="rId8"/>
+                <a:blip r:embed="rId9"/>
                 <a:stretch>
                   <a:fillRect/>
                 </a:stretch>
@@ -12114,7 +12168,7 @@
               <a:lstStyle/>
               <a:p>
                 <a:r>
-                  <a:rPr lang="en-US">
+                  <a:rPr lang="en-VN">
                     <a:noFill/>
                   </a:rPr>
                   <a:t> </a:t>
@@ -12141,9 +12195,9 @@
           <p:nvPr/>
         </p:nvCxnSpPr>
         <p:spPr>
-          <a:xfrm flipH="1">
-            <a:off x="5223449" y="3919405"/>
-            <a:ext cx="1" cy="624221"/>
+          <a:xfrm>
+            <a:off x="5155717" y="4590017"/>
+            <a:ext cx="1178" cy="432785"/>
           </a:xfrm>
           <a:prstGeom prst="straightConnector1">
             <a:avLst/>
@@ -12181,7 +12235,7 @@
         </p:nvSpPr>
         <p:spPr>
           <a:xfrm>
-            <a:off x="4904747" y="4203131"/>
+            <a:off x="4843590" y="4673772"/>
             <a:ext cx="643779" cy="214256"/>
           </a:xfrm>
           <a:prstGeom prst="rect">
@@ -12249,13 +12303,14 @@
           <p:cNvCxnSpPr>
             <a:cxnSpLocks/>
             <a:stCxn id="97" idx="1"/>
+            <a:endCxn id="21" idx="0"/>
           </p:cNvCxnSpPr>
           <p:nvPr/>
         </p:nvCxnSpPr>
         <p:spPr>
           <a:xfrm flipH="1" flipV="1">
-            <a:off x="4692472" y="3650717"/>
-            <a:ext cx="212275" cy="659542"/>
+            <a:off x="4587607" y="3583473"/>
+            <a:ext cx="255983" cy="1197427"/>
           </a:xfrm>
           <a:prstGeom prst="line">
             <a:avLst/>
@@ -12291,13 +12346,14 @@
           <p:cNvCxnSpPr>
             <a:cxnSpLocks/>
             <a:stCxn id="97" idx="1"/>
+            <a:endCxn id="21" idx="2"/>
           </p:cNvCxnSpPr>
           <p:nvPr/>
         </p:nvCxnSpPr>
         <p:spPr>
           <a:xfrm flipH="1">
-            <a:off x="4684599" y="4310259"/>
-            <a:ext cx="220148" cy="977307"/>
+            <a:off x="4587607" y="4780900"/>
+            <a:ext cx="255983" cy="998573"/>
           </a:xfrm>
           <a:prstGeom prst="line">
             <a:avLst/>
@@ -12337,8 +12393,8 @@
             </p:nvSpPr>
             <p:spPr>
               <a:xfrm rot="16200000">
-                <a:off x="4081297" y="4560054"/>
-                <a:ext cx="879130" cy="215444"/>
+                <a:off x="3866057" y="4748753"/>
+                <a:ext cx="1338397" cy="215444"/>
               </a:xfrm>
               <a:prstGeom prst="rect">
                 <a:avLst/>
@@ -12356,48 +12412,83 @@
                     <a:latin typeface="Times New Roman" panose="02020603050405020304" pitchFamily="18" charset="0"/>
                     <a:cs typeface="Times New Roman" panose="02020603050405020304" pitchFamily="18" charset="0"/>
                   </a:rPr>
-                  <a:t>for </a:t>
+                  <a:t>for operator in </a:t>
                 </a:r>
                 <a14:m>
                   <m:oMath xmlns:m="http://schemas.openxmlformats.org/officeDocument/2006/math">
+                    <m:sSub>
+                      <m:sSubPr>
+                        <m:ctrlPr>
+                          <a:rPr lang="vi-VN" sz="800" b="0" i="1" dirty="0">
+                            <a:latin typeface="Cambria Math" panose="02040503050406030204" pitchFamily="18" charset="0"/>
+                            <a:cs typeface="Times New Roman" panose="02020603050405020304" pitchFamily="18" charset="0"/>
+                          </a:rPr>
+                        </m:ctrlPr>
+                      </m:sSubPr>
+                      <m:e>
+                        <m:r>
+                          <a:rPr lang="en-US" sz="800" i="1" dirty="0">
+                            <a:latin typeface="Cambria Math" panose="02040503050406030204" pitchFamily="18" charset="0"/>
+                            <a:cs typeface="Times New Roman" panose="02020603050405020304" pitchFamily="18" charset="0"/>
+                          </a:rPr>
+                          <m:t>𝑈</m:t>
+                        </m:r>
+                      </m:e>
+                      <m:sub>
+                        <m:r>
+                          <a:rPr lang="vi-VN" sz="800" b="0" i="1" dirty="0">
+                            <a:latin typeface="Cambria Math" panose="02040503050406030204" pitchFamily="18" charset="0"/>
+                            <a:cs typeface="Times New Roman" panose="02020603050405020304" pitchFamily="18" charset="0"/>
+                          </a:rPr>
+                          <m:t>0</m:t>
+                        </m:r>
+                      </m:sub>
+                    </m:sSub>
                     <m:r>
-                      <a:rPr lang="en-US" sz="800" b="0" i="1" smtClean="0">
+                      <a:rPr lang="vi-VN" sz="800" b="0" i="1" dirty="0">
                         <a:latin typeface="Cambria Math" panose="02040503050406030204" pitchFamily="18" charset="0"/>
+                        <a:cs typeface="Times New Roman" panose="02020603050405020304" pitchFamily="18" charset="0"/>
                       </a:rPr>
-                      <m:t>𝑘</m:t>
+                      <m:t>,</m:t>
+                    </m:r>
+                    <m:sSub>
+                      <m:sSubPr>
+                        <m:ctrlPr>
+                          <a:rPr lang="vi-VN" sz="800" b="0" i="1" dirty="0">
+                            <a:latin typeface="Cambria Math" panose="02040503050406030204" pitchFamily="18" charset="0"/>
+                            <a:cs typeface="Times New Roman" panose="02020603050405020304" pitchFamily="18" charset="0"/>
+                          </a:rPr>
+                        </m:ctrlPr>
+                      </m:sSubPr>
+                      <m:e>
+                        <m:r>
+                          <a:rPr lang="vi-VN" sz="800" i="1" dirty="0">
+                            <a:latin typeface="Cambria Math" panose="02040503050406030204" pitchFamily="18" charset="0"/>
+                            <a:cs typeface="Times New Roman" panose="02020603050405020304" pitchFamily="18" charset="0"/>
+                          </a:rPr>
+                          <m:t>𝑉</m:t>
+                        </m:r>
+                      </m:e>
+                      <m:sub>
+                        <m:r>
+                          <a:rPr lang="vi-VN" sz="800" b="0" i="1" dirty="0">
+                            <a:latin typeface="Cambria Math" panose="02040503050406030204" pitchFamily="18" charset="0"/>
+                            <a:cs typeface="Times New Roman" panose="02020603050405020304" pitchFamily="18" charset="0"/>
+                          </a:rPr>
+                          <m:t>0</m:t>
+                        </m:r>
+                      </m:sub>
+                    </m:sSub>
+                    <m:r>
+                      <a:rPr lang="vi-VN" sz="800" b="0" i="1" dirty="0">
+                        <a:latin typeface="Cambria Math" panose="02040503050406030204" pitchFamily="18" charset="0"/>
+                        <a:cs typeface="Times New Roman" panose="02020603050405020304" pitchFamily="18" charset="0"/>
+                      </a:rPr>
+                      <m:t>,…</m:t>
                     </m:r>
                   </m:oMath>
                 </a14:m>
-                <a:r>
-                  <a:rPr lang="en-US" sz="800" dirty="0">
-                    <a:latin typeface="Times New Roman" panose="02020603050405020304" pitchFamily="18" charset="0"/>
-                    <a:cs typeface="Times New Roman" panose="02020603050405020304" pitchFamily="18" charset="0"/>
-                  </a:rPr>
-                  <a:t> in </a:t>
-                </a:r>
-                <a14:m>
-                  <m:oMath xmlns:m="http://schemas.openxmlformats.org/officeDocument/2006/math">
-                    <m:r>
-                      <a:rPr lang="en-US" sz="800" i="1" dirty="0" smtClean="0">
-                        <a:latin typeface="Cambria Math" panose="02040503050406030204" pitchFamily="18" charset="0"/>
-                      </a:rPr>
-                      <m:t>[0…</m:t>
-                    </m:r>
-                    <m:r>
-                      <a:rPr lang="en-US" sz="800" b="0" i="1" dirty="0" smtClean="0">
-                        <a:latin typeface="Cambria Math" panose="02040503050406030204" pitchFamily="18" charset="0"/>
-                      </a:rPr>
-                      <m:t>𝐾</m:t>
-                    </m:r>
-                    <m:r>
-                      <a:rPr lang="en-US" sz="800" i="1" dirty="0">
-                        <a:latin typeface="Cambria Math" panose="02040503050406030204" pitchFamily="18" charset="0"/>
-                      </a:rPr>
-                      <m:t>]</m:t>
-                    </m:r>
-                  </m:oMath>
-                </a14:m>
-                <a:endParaRPr lang="en-VN" sz="800" dirty="0">
+                <a:endParaRPr lang="en-VN" sz="800" i="1" dirty="0">
                   <a:latin typeface="Times New Roman" panose="02020603050405020304" pitchFamily="18" charset="0"/>
                   <a:cs typeface="Times New Roman" panose="02020603050405020304" pitchFamily="18" charset="0"/>
                 </a:endParaRPr>
@@ -12422,16 +12513,16 @@
             </p:nvSpPr>
             <p:spPr>
               <a:xfrm rot="16200000">
-                <a:off x="4081297" y="4560054"/>
-                <a:ext cx="879130" cy="215444"/>
+                <a:off x="3866057" y="4748753"/>
+                <a:ext cx="1338397" cy="215444"/>
               </a:xfrm>
               <a:prstGeom prst="rect">
                 <a:avLst/>
               </a:prstGeom>
               <a:blipFill>
-                <a:blip r:embed="rId9"/>
+                <a:blip r:embed="rId10"/>
                 <a:stretch>
-                  <a:fillRect r="-8571"/>
+                  <a:fillRect r="-11111"/>
                 </a:stretch>
               </a:blipFill>
             </p:spPr>
@@ -12440,7 +12531,7 @@
               <a:lstStyle/>
               <a:p>
                 <a:r>
-                  <a:rPr lang="en-US">
+                  <a:rPr lang="en-VN">
                     <a:noFill/>
                   </a:rPr>
                   <a:t> </a:t>
@@ -12466,8 +12557,8 @@
             </p:nvSpPr>
             <p:spPr>
               <a:xfrm>
-                <a:off x="4329323" y="5284966"/>
-                <a:ext cx="894125" cy="246221"/>
+                <a:off x="4620745" y="5618221"/>
+                <a:ext cx="410669" cy="246221"/>
               </a:xfrm>
               <a:prstGeom prst="rect">
                 <a:avLst/>
@@ -12480,6 +12571,7 @@
               </a:bodyPr>
               <a:lstStyle/>
               <a:p>
+                <a:pPr/>
                 <a14:m>
                   <m:oMathPara xmlns:m="http://schemas.openxmlformats.org/officeDocument/2006/math">
                     <m:oMathParaPr>
@@ -12491,6 +12583,12 @@
                           <a:latin typeface="Cambria Math" panose="02040503050406030204" pitchFamily="18" charset="0"/>
                         </a:rPr>
                         <m:t>×</m:t>
+                      </m:r>
+                      <m:r>
+                        <a:rPr lang="vi-VN" sz="1000" b="0" i="1" smtClean="0">
+                          <a:latin typeface="Cambria Math" panose="02040503050406030204" pitchFamily="18" charset="0"/>
+                        </a:rPr>
+                        <m:t> </m:t>
                       </m:r>
                       <m:r>
                         <a:rPr lang="en-US" sz="1000" b="0" i="1" smtClean="0">
@@ -12526,16 +12624,16 @@
             </p:nvSpPr>
             <p:spPr>
               <a:xfrm>
-                <a:off x="4329323" y="5284966"/>
-                <a:ext cx="894125" cy="246221"/>
+                <a:off x="4620745" y="5618221"/>
+                <a:ext cx="410669" cy="246221"/>
               </a:xfrm>
               <a:prstGeom prst="rect">
                 <a:avLst/>
               </a:prstGeom>
               <a:blipFill>
-                <a:blip r:embed="rId10"/>
+                <a:blip r:embed="rId11"/>
                 <a:stretch>
-                  <a:fillRect/>
+                  <a:fillRect b="-10000"/>
                 </a:stretch>
               </a:blipFill>
             </p:spPr>
@@ -12544,7 +12642,7 @@
               <a:lstStyle/>
               <a:p>
                 <a:r>
-                  <a:rPr lang="en-US">
+                  <a:rPr lang="en-VN">
                     <a:noFill/>
                   </a:rPr>
                   <a:t> </a:t>
@@ -12570,8 +12668,8 @@
             </p:nvSpPr>
             <p:spPr>
               <a:xfrm>
-                <a:off x="4776386" y="4543626"/>
-                <a:ext cx="894125" cy="305212"/>
+                <a:off x="4835005" y="5022802"/>
+                <a:ext cx="643779" cy="305212"/>
               </a:xfrm>
               <a:prstGeom prst="rect">
                 <a:avLst/>
@@ -12691,16 +12789,16 @@
             </p:nvSpPr>
             <p:spPr>
               <a:xfrm>
-                <a:off x="4776386" y="4543626"/>
-                <a:ext cx="894125" cy="305212"/>
+                <a:off x="4835005" y="5022802"/>
+                <a:ext cx="643779" cy="305212"/>
               </a:xfrm>
               <a:prstGeom prst="rect">
                 <a:avLst/>
               </a:prstGeom>
               <a:blipFill>
-                <a:blip r:embed="rId11"/>
+                <a:blip r:embed="rId12"/>
                 <a:stretch>
-                  <a:fillRect/>
+                  <a:fillRect b="-4000"/>
                 </a:stretch>
               </a:blipFill>
             </p:spPr>
@@ -12709,7 +12807,7 @@
               <a:lstStyle/>
               <a:p>
                 <a:r>
-                  <a:rPr lang="en-US">
+                  <a:rPr lang="en-VN">
                     <a:noFill/>
                   </a:rPr>
                   <a:t> </a:t>
@@ -12731,13 +12829,14 @@
           <p:cNvCxnSpPr>
             <a:cxnSpLocks/>
             <a:stCxn id="146" idx="2"/>
+            <a:endCxn id="24" idx="0"/>
           </p:cNvCxnSpPr>
           <p:nvPr/>
         </p:nvCxnSpPr>
         <p:spPr>
           <a:xfrm flipH="1">
-            <a:off x="5223448" y="4848838"/>
-            <a:ext cx="1" cy="470334"/>
+            <a:off x="5152609" y="5328014"/>
+            <a:ext cx="4286" cy="394202"/>
           </a:xfrm>
           <a:prstGeom prst="straightConnector1">
             <a:avLst/>
@@ -12775,7 +12874,7 @@
         </p:nvSpPr>
         <p:spPr>
           <a:xfrm>
-            <a:off x="4904747" y="4944892"/>
+            <a:off x="4833801" y="5375208"/>
             <a:ext cx="643778" cy="214256"/>
           </a:xfrm>
           <a:prstGeom prst="rect">
@@ -12855,8 +12954,8 @@
         </p:nvSpPr>
         <p:spPr>
           <a:xfrm>
-            <a:off x="3557846" y="3599604"/>
-            <a:ext cx="89773" cy="1770369"/>
+            <a:off x="3496884" y="3599603"/>
+            <a:ext cx="89773" cy="2196000"/>
           </a:xfrm>
           <a:prstGeom prst="leftBracket">
             <a:avLst>
@@ -12905,8 +13004,8 @@
         </p:nvSpPr>
         <p:spPr>
           <a:xfrm flipH="1">
-            <a:off x="4587607" y="3583474"/>
-            <a:ext cx="89773" cy="1770369"/>
+            <a:off x="4587607" y="3583473"/>
+            <a:ext cx="89773" cy="2196000"/>
           </a:xfrm>
           <a:prstGeom prst="leftBracket">
             <a:avLst>
@@ -12957,7 +13056,7 @@
             </p:nvSpPr>
             <p:spPr>
               <a:xfrm>
-                <a:off x="5098387" y="5281510"/>
+                <a:off x="5027548" y="5722216"/>
                 <a:ext cx="250122" cy="246221"/>
               </a:xfrm>
               <a:prstGeom prst="rect">
@@ -13012,14 +13111,14 @@
             </p:nvSpPr>
             <p:spPr>
               <a:xfrm>
-                <a:off x="5098387" y="5281510"/>
+                <a:off x="5027548" y="5722216"/>
                 <a:ext cx="250122" cy="246221"/>
               </a:xfrm>
               <a:prstGeom prst="rect">
                 <a:avLst/>
               </a:prstGeom>
               <a:blipFill>
-                <a:blip r:embed="rId12"/>
+                <a:blip r:embed="rId13"/>
                 <a:stretch>
                   <a:fillRect/>
                 </a:stretch>
@@ -13030,7 +13129,7 @@
               <a:lstStyle/>
               <a:p>
                 <a:r>
-                  <a:rPr lang="en-US">
+                  <a:rPr lang="en-VN">
                     <a:noFill/>
                   </a:rPr>
                   <a:t> </a:t>
@@ -13040,6 +13139,605 @@
           </p:sp>
         </mc:Fallback>
       </mc:AlternateContent>
+      <p:cxnSp>
+        <p:nvCxnSpPr>
+          <p:cNvPr id="8" name="Straight Arrow Connector 7">
+            <a:extLst>
+              <a:ext uri="{FF2B5EF4-FFF2-40B4-BE49-F238E27FC236}">
+                <a16:creationId xmlns:a16="http://schemas.microsoft.com/office/drawing/2014/main" id="{66C1EE12-18C4-75CA-3DAB-C9B8F9F29B15}"/>
+              </a:ext>
+            </a:extLst>
+          </p:cNvPr>
+          <p:cNvCxnSpPr>
+            <a:cxnSpLocks/>
+            <a:stCxn id="84" idx="2"/>
+            <a:endCxn id="14" idx="0"/>
+          </p:cNvCxnSpPr>
+          <p:nvPr/>
+        </p:nvCxnSpPr>
+        <p:spPr>
+          <a:xfrm>
+            <a:off x="4076434" y="5147699"/>
+            <a:ext cx="0" cy="409611"/>
+          </a:xfrm>
+          <a:prstGeom prst="straightConnector1">
+            <a:avLst/>
+          </a:prstGeom>
+          <a:ln>
+            <a:tailEnd type="triangle"/>
+          </a:ln>
+        </p:spPr>
+        <p:style>
+          <a:lnRef idx="1">
+            <a:schemeClr val="dk1"/>
+          </a:lnRef>
+          <a:fillRef idx="0">
+            <a:schemeClr val="dk1"/>
+          </a:fillRef>
+          <a:effectRef idx="0">
+            <a:schemeClr val="dk1"/>
+          </a:effectRef>
+          <a:fontRef idx="minor">
+            <a:schemeClr val="tx1"/>
+          </a:fontRef>
+        </p:style>
+      </p:cxnSp>
+      <mc:AlternateContent xmlns:mc="http://schemas.openxmlformats.org/markup-compatibility/2006">
+        <mc:Choice xmlns:a14="http://schemas.microsoft.com/office/drawing/2010/main" Requires="a14">
+          <p:sp>
+            <p:nvSpPr>
+              <p:cNvPr id="14" name="TextBox 13">
+                <a:extLst>
+                  <a:ext uri="{FF2B5EF4-FFF2-40B4-BE49-F238E27FC236}">
+                    <a16:creationId xmlns:a16="http://schemas.microsoft.com/office/drawing/2014/main" id="{087F061F-A2AF-0955-4808-8805F2A5F38D}"/>
+                  </a:ext>
+                </a:extLst>
+              </p:cNvPr>
+              <p:cNvSpPr txBox="1"/>
+              <p:nvPr/>
+            </p:nvSpPr>
+            <p:spPr>
+              <a:xfrm>
+                <a:off x="3756413" y="5557310"/>
+                <a:ext cx="640041" cy="269817"/>
+              </a:xfrm>
+              <a:prstGeom prst="rect">
+                <a:avLst/>
+              </a:prstGeom>
+              <a:noFill/>
+            </p:spPr>
+            <p:txBody>
+              <a:bodyPr wrap="square" rtlCol="0">
+                <a:spAutoFit/>
+              </a:bodyPr>
+              <a:lstStyle/>
+              <a:p>
+                <a:pPr/>
+                <a14:m>
+                  <m:oMathPara xmlns:m="http://schemas.openxmlformats.org/officeDocument/2006/math">
+                    <m:oMathParaPr>
+                      <m:jc m:val="center"/>
+                    </m:oMathParaPr>
+                    <m:oMath xmlns:m="http://schemas.openxmlformats.org/officeDocument/2006/math">
+                      <m:sSup>
+                        <m:sSupPr>
+                          <m:ctrlPr>
+                            <a:rPr lang="en-US" sz="1000" b="1" i="1">
+                              <a:latin typeface="Cambria Math" panose="02040503050406030204" pitchFamily="18" charset="0"/>
+                            </a:rPr>
+                          </m:ctrlPr>
+                        </m:sSupPr>
+                        <m:e>
+                          <m:r>
+                            <a:rPr lang="en-US" sz="1000" b="1" i="1">
+                              <a:latin typeface="Cambria Math" panose="02040503050406030204" pitchFamily="18" charset="0"/>
+                            </a:rPr>
+                            <m:t>𝝀</m:t>
+                          </m:r>
+                        </m:e>
+                        <m:sup>
+                          <m:d>
+                            <m:dPr>
+                              <m:ctrlPr>
+                                <a:rPr lang="en-US" sz="1000" i="1">
+                                  <a:latin typeface="Cambria Math" panose="02040503050406030204" pitchFamily="18" charset="0"/>
+                                </a:rPr>
+                              </m:ctrlPr>
+                            </m:dPr>
+                            <m:e>
+                              <m:sSup>
+                                <m:sSupPr>
+                                  <m:ctrlPr>
+                                    <a:rPr lang="vi-VN" sz="1000" b="0" i="1">
+                                      <a:latin typeface="Cambria Math" panose="02040503050406030204" pitchFamily="18" charset="0"/>
+                                    </a:rPr>
+                                  </m:ctrlPr>
+                                </m:sSupPr>
+                                <m:e>
+                                  <m:r>
+                                    <a:rPr lang="en-US" sz="1000" i="1">
+                                      <a:latin typeface="Cambria Math" panose="02040503050406030204" pitchFamily="18" charset="0"/>
+                                    </a:rPr>
+                                    <m:t>𝑘</m:t>
+                                  </m:r>
+                                </m:e>
+                                <m:sup>
+                                  <m:r>
+                                    <a:rPr lang="vi-VN" sz="1000" b="0" i="1">
+                                      <a:latin typeface="Cambria Math" panose="02040503050406030204" pitchFamily="18" charset="0"/>
+                                    </a:rPr>
+                                    <m:t>′</m:t>
+                                  </m:r>
+                                </m:sup>
+                              </m:sSup>
+                            </m:e>
+                          </m:d>
+                        </m:sup>
+                      </m:sSup>
+                      <m:r>
+                        <a:rPr lang="en-US" sz="1000" b="1">
+                          <a:latin typeface="Cambria Math" panose="02040503050406030204" pitchFamily="18" charset="0"/>
+                        </a:rPr>
+                        <m:t>,</m:t>
+                      </m:r>
+                      <m:sSup>
+                        <m:sSupPr>
+                          <m:ctrlPr>
+                            <a:rPr lang="en-US" sz="1000" b="1" i="1">
+                              <a:latin typeface="Cambria Math" panose="02040503050406030204" pitchFamily="18" charset="0"/>
+                              <a:ea typeface="Cambria Math" panose="02040503050406030204" pitchFamily="18" charset="0"/>
+                            </a:rPr>
+                          </m:ctrlPr>
+                        </m:sSupPr>
+                        <m:e>
+                          <m:r>
+                            <a:rPr lang="en-US" sz="1000" b="1" i="1">
+                              <a:latin typeface="Cambria Math" panose="02040503050406030204" pitchFamily="18" charset="0"/>
+                              <a:ea typeface="Cambria Math" panose="02040503050406030204" pitchFamily="18" charset="0"/>
+                            </a:rPr>
+                            <m:t>𝓘</m:t>
+                          </m:r>
+                        </m:e>
+                        <m:sup>
+                          <m:d>
+                            <m:dPr>
+                              <m:ctrlPr>
+                                <a:rPr lang="en-US" sz="1000" i="1">
+                                  <a:latin typeface="Cambria Math" panose="02040503050406030204" pitchFamily="18" charset="0"/>
+                                  <a:ea typeface="Cambria Math" panose="02040503050406030204" pitchFamily="18" charset="0"/>
+                                </a:rPr>
+                              </m:ctrlPr>
+                            </m:dPr>
+                            <m:e>
+                              <m:sSup>
+                                <m:sSupPr>
+                                  <m:ctrlPr>
+                                    <a:rPr lang="vi-VN" sz="1000" b="0" i="1">
+                                      <a:latin typeface="Cambria Math" panose="02040503050406030204" pitchFamily="18" charset="0"/>
+                                      <a:ea typeface="Cambria Math" panose="02040503050406030204" pitchFamily="18" charset="0"/>
+                                    </a:rPr>
+                                  </m:ctrlPr>
+                                </m:sSupPr>
+                                <m:e>
+                                  <m:r>
+                                    <a:rPr lang="en-US" sz="1000" i="1">
+                                      <a:latin typeface="Cambria Math" panose="02040503050406030204" pitchFamily="18" charset="0"/>
+                                      <a:ea typeface="Cambria Math" panose="02040503050406030204" pitchFamily="18" charset="0"/>
+                                    </a:rPr>
+                                    <m:t>𝑘</m:t>
+                                  </m:r>
+                                </m:e>
+                                <m:sup>
+                                  <m:r>
+                                    <a:rPr lang="vi-VN" sz="1000" b="0" i="1">
+                                      <a:latin typeface="Cambria Math" panose="02040503050406030204" pitchFamily="18" charset="0"/>
+                                      <a:ea typeface="Cambria Math" panose="02040503050406030204" pitchFamily="18" charset="0"/>
+                                    </a:rPr>
+                                    <m:t>′</m:t>
+                                  </m:r>
+                                </m:sup>
+                              </m:sSup>
+                            </m:e>
+                          </m:d>
+                        </m:sup>
+                      </m:sSup>
+                    </m:oMath>
+                  </m:oMathPara>
+                </a14:m>
+                <a:endParaRPr lang="en-VN" sz="1000" b="1" dirty="0">
+                  <a:latin typeface="Times New Roman" panose="02020603050405020304" pitchFamily="18" charset="0"/>
+                  <a:cs typeface="Times New Roman" panose="02020603050405020304" pitchFamily="18" charset="0"/>
+                </a:endParaRPr>
+              </a:p>
+            </p:txBody>
+          </p:sp>
+        </mc:Choice>
+        <mc:Fallback>
+          <p:sp>
+            <p:nvSpPr>
+              <p:cNvPr id="14" name="TextBox 13">
+                <a:extLst>
+                  <a:ext uri="{FF2B5EF4-FFF2-40B4-BE49-F238E27FC236}">
+                    <a16:creationId xmlns:a16="http://schemas.microsoft.com/office/drawing/2014/main" id="{087F061F-A2AF-0955-4808-8805F2A5F38D}"/>
+                  </a:ext>
+                </a:extLst>
+              </p:cNvPr>
+              <p:cNvSpPr txBox="1">
+                <a:spLocks noRot="1" noChangeAspect="1" noMove="1" noResize="1" noEditPoints="1" noAdjustHandles="1" noChangeArrowheads="1" noChangeShapeType="1" noTextEdit="1"/>
+              </p:cNvSpPr>
+              <p:nvPr/>
+            </p:nvSpPr>
+            <p:spPr>
+              <a:xfrm>
+                <a:off x="3756413" y="5557310"/>
+                <a:ext cx="640041" cy="269817"/>
+              </a:xfrm>
+              <a:prstGeom prst="rect">
+                <a:avLst/>
+              </a:prstGeom>
+              <a:blipFill>
+                <a:blip r:embed="rId14"/>
+                <a:stretch>
+                  <a:fillRect/>
+                </a:stretch>
+              </a:blipFill>
+            </p:spPr>
+            <p:txBody>
+              <a:bodyPr/>
+              <a:lstStyle/>
+              <a:p>
+                <a:r>
+                  <a:rPr lang="en-VN">
+                    <a:noFill/>
+                  </a:rPr>
+                  <a:t> </a:t>
+                </a:r>
+              </a:p>
+            </p:txBody>
+          </p:sp>
+        </mc:Fallback>
+      </mc:AlternateContent>
+      <mc:AlternateContent xmlns:mc="http://schemas.openxmlformats.org/markup-compatibility/2006">
+        <mc:Choice xmlns:a14="http://schemas.microsoft.com/office/drawing/2010/main" Requires="a14">
+          <p:sp>
+            <p:nvSpPr>
+              <p:cNvPr id="7" name="Rectangle 6">
+                <a:extLst>
+                  <a:ext uri="{FF2B5EF4-FFF2-40B4-BE49-F238E27FC236}">
+                    <a16:creationId xmlns:a16="http://schemas.microsoft.com/office/drawing/2014/main" id="{493E5249-A276-69D9-AE53-5F5057104E6A}"/>
+                  </a:ext>
+                </a:extLst>
+              </p:cNvPr>
+              <p:cNvSpPr/>
+              <p:nvPr/>
+            </p:nvSpPr>
+            <p:spPr>
+              <a:xfrm>
+                <a:off x="3742867" y="5212559"/>
+                <a:ext cx="667866" cy="214256"/>
+              </a:xfrm>
+              <a:prstGeom prst="rect">
+                <a:avLst/>
+              </a:prstGeom>
+              <a:solidFill>
+                <a:schemeClr val="bg1"/>
+              </a:solidFill>
+              <a:ln>
+                <a:solidFill>
+                  <a:schemeClr val="tx1"/>
+                </a:solidFill>
+              </a:ln>
+            </p:spPr>
+            <p:style>
+              <a:lnRef idx="2">
+                <a:schemeClr val="accent1">
+                  <a:shade val="15000"/>
+                </a:schemeClr>
+              </a:lnRef>
+              <a:fillRef idx="1">
+                <a:schemeClr val="accent1"/>
+              </a:fillRef>
+              <a:effectRef idx="0">
+                <a:schemeClr val="accent1"/>
+              </a:effectRef>
+              <a:fontRef idx="minor">
+                <a:schemeClr val="lt1"/>
+              </a:fontRef>
+            </p:style>
+            <p:txBody>
+              <a:bodyPr rtlCol="0" anchor="ctr"/>
+              <a:lstStyle/>
+              <a:p>
+                <a:pPr algn="ctr"/>
+                <a14:m>
+                  <m:oMath xmlns:m="http://schemas.openxmlformats.org/officeDocument/2006/math">
+                    <m:sSub>
+                      <m:sSubPr>
+                        <m:ctrlPr>
+                          <a:rPr lang="en-US" sz="1000" b="1" dirty="0">
+                            <a:solidFill>
+                              <a:srgbClr val="FF0000"/>
+                            </a:solidFill>
+                            <a:latin typeface="Cambria Math" panose="02040503050406030204" pitchFamily="18" charset="0"/>
+                            <a:cs typeface="Times New Roman" panose="02020603050405020304" pitchFamily="18" charset="0"/>
+                          </a:rPr>
+                        </m:ctrlPr>
+                      </m:sSubPr>
+                      <m:e>
+                        <m:r>
+                          <a:rPr lang="en-US" sz="1000" b="1" i="0" dirty="0">
+                            <a:solidFill>
+                              <a:srgbClr val="FF0000"/>
+                            </a:solidFill>
+                            <a:latin typeface="Cambria Math" panose="02040503050406030204" pitchFamily="18" charset="0"/>
+                            <a:cs typeface="Times New Roman" panose="02020603050405020304" pitchFamily="18" charset="0"/>
+                          </a:rPr>
+                          <m:t>𝐦𝐚𝐩</m:t>
+                        </m:r>
+                      </m:e>
+                      <m:sub>
+                        <m:r>
+                          <a:rPr lang="en-US" sz="1000" b="1" i="0" dirty="0">
+                            <a:solidFill>
+                              <a:srgbClr val="FF0000"/>
+                            </a:solidFill>
+                            <a:latin typeface="Cambria Math" panose="02040503050406030204" pitchFamily="18" charset="0"/>
+                            <a:cs typeface="Times New Roman" panose="02020603050405020304" pitchFamily="18" charset="0"/>
+                          </a:rPr>
+                          <m:t>𝐂𝐗</m:t>
+                        </m:r>
+                      </m:sub>
+                    </m:sSub>
+                  </m:oMath>
+                </a14:m>
+                <a:r>
+                  <a:rPr lang="en-US" sz="1000" b="1" dirty="0">
+                    <a:solidFill>
+                      <a:srgbClr val="FF0000"/>
+                    </a:solidFill>
+                    <a:latin typeface="Times New Roman" panose="02020603050405020304" pitchFamily="18" charset="0"/>
+                    <a:cs typeface="Times New Roman" panose="02020603050405020304" pitchFamily="18" charset="0"/>
+                  </a:rPr>
+                  <a:t>()</a:t>
+                </a:r>
+                <a:endParaRPr lang="en-VN" sz="1000" b="1" dirty="0">
+                  <a:solidFill>
+                    <a:srgbClr val="FF0000"/>
+                  </a:solidFill>
+                  <a:latin typeface="Times New Roman" panose="02020603050405020304" pitchFamily="18" charset="0"/>
+                  <a:cs typeface="Times New Roman" panose="02020603050405020304" pitchFamily="18" charset="0"/>
+                </a:endParaRPr>
+              </a:p>
+            </p:txBody>
+          </p:sp>
+        </mc:Choice>
+        <mc:Fallback>
+          <p:sp>
+            <p:nvSpPr>
+              <p:cNvPr id="7" name="Rectangle 6">
+                <a:extLst>
+                  <a:ext uri="{FF2B5EF4-FFF2-40B4-BE49-F238E27FC236}">
+                    <a16:creationId xmlns:a16="http://schemas.microsoft.com/office/drawing/2014/main" id="{493E5249-A276-69D9-AE53-5F5057104E6A}"/>
+                  </a:ext>
+                </a:extLst>
+              </p:cNvPr>
+              <p:cNvSpPr>
+                <a:spLocks noRot="1" noChangeAspect="1" noMove="1" noResize="1" noEditPoints="1" noAdjustHandles="1" noChangeArrowheads="1" noChangeShapeType="1" noTextEdit="1"/>
+              </p:cNvSpPr>
+              <p:nvPr/>
+            </p:nvSpPr>
+            <p:spPr>
+              <a:xfrm>
+                <a:off x="3742867" y="5212559"/>
+                <a:ext cx="667866" cy="214256"/>
+              </a:xfrm>
+              <a:prstGeom prst="rect">
+                <a:avLst/>
+              </a:prstGeom>
+              <a:blipFill>
+                <a:blip r:embed="rId15"/>
+                <a:stretch>
+                  <a:fillRect b="-21053"/>
+                </a:stretch>
+              </a:blipFill>
+              <a:ln>
+                <a:solidFill>
+                  <a:schemeClr val="tx1"/>
+                </a:solidFill>
+              </a:ln>
+            </p:spPr>
+            <p:txBody>
+              <a:bodyPr/>
+              <a:lstStyle/>
+              <a:p>
+                <a:r>
+                  <a:rPr lang="en-VN">
+                    <a:noFill/>
+                  </a:rPr>
+                  <a:t> </a:t>
+                </a:r>
+              </a:p>
+            </p:txBody>
+          </p:sp>
+        </mc:Fallback>
+      </mc:AlternateContent>
+      <mc:AlternateContent xmlns:mc="http://schemas.openxmlformats.org/markup-compatibility/2006">
+        <mc:Choice xmlns:a14="http://schemas.microsoft.com/office/drawing/2010/main" Requires="a14">
+          <p:sp>
+            <p:nvSpPr>
+              <p:cNvPr id="23" name="TextBox 22">
+                <a:extLst>
+                  <a:ext uri="{FF2B5EF4-FFF2-40B4-BE49-F238E27FC236}">
+                    <a16:creationId xmlns:a16="http://schemas.microsoft.com/office/drawing/2014/main" id="{0C7CC0EC-DB8F-0332-EB73-1BF7CDFBA3C8}"/>
+                  </a:ext>
+                </a:extLst>
+              </p:cNvPr>
+              <p:cNvSpPr txBox="1"/>
+              <p:nvPr/>
+            </p:nvSpPr>
+            <p:spPr>
+              <a:xfrm>
+                <a:off x="2563298" y="5196061"/>
+                <a:ext cx="636693" cy="246221"/>
+              </a:xfrm>
+              <a:prstGeom prst="rect">
+                <a:avLst/>
+              </a:prstGeom>
+              <a:noFill/>
+            </p:spPr>
+            <p:txBody>
+              <a:bodyPr wrap="square">
+                <a:spAutoFit/>
+              </a:bodyPr>
+              <a:lstStyle/>
+              <a:p>
+                <a:pPr/>
+                <a14:m>
+                  <m:oMathPara xmlns:m="http://schemas.openxmlformats.org/officeDocument/2006/math">
+                    <m:oMathParaPr>
+                      <m:jc m:val="centerGroup"/>
+                    </m:oMathParaPr>
+                    <m:oMath xmlns:m="http://schemas.openxmlformats.org/officeDocument/2006/math">
+                      <m:r>
+                        <m:rPr>
+                          <m:sty m:val="p"/>
+                        </m:rPr>
+                        <a:rPr lang="en-US" sz="1000">
+                          <a:latin typeface="Cambria Math" panose="02040503050406030204" pitchFamily="18" charset="0"/>
+                        </a:rPr>
+                        <m:t>LU</m:t>
+                      </m:r>
+                      <m:sSub>
+                        <m:sSubPr>
+                          <m:ctrlPr>
+                            <a:rPr lang="en-US" sz="1000" i="1">
+                              <a:latin typeface="Cambria Math" panose="02040503050406030204" pitchFamily="18" charset="0"/>
+                            </a:rPr>
+                          </m:ctrlPr>
+                        </m:sSubPr>
+                        <m:e>
+                          <m:r>
+                            <m:rPr>
+                              <m:sty m:val="p"/>
+                            </m:rPr>
+                            <a:rPr lang="en-US" sz="1000">
+                              <a:latin typeface="Cambria Math" panose="02040503050406030204" pitchFamily="18" charset="0"/>
+                            </a:rPr>
+                            <m:t>T</m:t>
+                          </m:r>
+                        </m:e>
+                        <m:sub>
+                          <m:r>
+                            <m:rPr>
+                              <m:sty m:val="p"/>
+                            </m:rPr>
+                            <a:rPr lang="en-US" sz="1000">
+                              <a:latin typeface="Cambria Math" panose="02040503050406030204" pitchFamily="18" charset="0"/>
+                            </a:rPr>
+                            <m:t>CX</m:t>
+                          </m:r>
+                        </m:sub>
+                      </m:sSub>
+                    </m:oMath>
+                  </m:oMathPara>
+                </a14:m>
+                <a:endParaRPr lang="en-VN" sz="1000" dirty="0">
+                  <a:latin typeface="Times New Roman" panose="02020603050405020304" pitchFamily="18" charset="0"/>
+                  <a:cs typeface="Times New Roman" panose="02020603050405020304" pitchFamily="18" charset="0"/>
+                </a:endParaRPr>
+              </a:p>
+            </p:txBody>
+          </p:sp>
+        </mc:Choice>
+        <mc:Fallback>
+          <p:sp>
+            <p:nvSpPr>
+              <p:cNvPr id="23" name="TextBox 22">
+                <a:extLst>
+                  <a:ext uri="{FF2B5EF4-FFF2-40B4-BE49-F238E27FC236}">
+                    <a16:creationId xmlns:a16="http://schemas.microsoft.com/office/drawing/2014/main" id="{0C7CC0EC-DB8F-0332-EB73-1BF7CDFBA3C8}"/>
+                  </a:ext>
+                </a:extLst>
+              </p:cNvPr>
+              <p:cNvSpPr txBox="1">
+                <a:spLocks noRot="1" noChangeAspect="1" noMove="1" noResize="1" noEditPoints="1" noAdjustHandles="1" noChangeArrowheads="1" noChangeShapeType="1" noTextEdit="1"/>
+              </p:cNvSpPr>
+              <p:nvPr/>
+            </p:nvSpPr>
+            <p:spPr>
+              <a:xfrm>
+                <a:off x="2563298" y="5196061"/>
+                <a:ext cx="636693" cy="246221"/>
+              </a:xfrm>
+              <a:prstGeom prst="rect">
+                <a:avLst/>
+              </a:prstGeom>
+              <a:blipFill>
+                <a:blip r:embed="rId16"/>
+                <a:stretch>
+                  <a:fillRect/>
+                </a:stretch>
+              </a:blipFill>
+            </p:spPr>
+            <p:txBody>
+              <a:bodyPr/>
+              <a:lstStyle/>
+              <a:p>
+                <a:r>
+                  <a:rPr lang="en-VN">
+                    <a:noFill/>
+                  </a:rPr>
+                  <a:t> </a:t>
+                </a:r>
+              </a:p>
+            </p:txBody>
+          </p:sp>
+        </mc:Fallback>
+      </mc:AlternateContent>
+      <p:cxnSp>
+        <p:nvCxnSpPr>
+          <p:cNvPr id="59" name="Straight Arrow Connector 58">
+            <a:extLst>
+              <a:ext uri="{FF2B5EF4-FFF2-40B4-BE49-F238E27FC236}">
+                <a16:creationId xmlns:a16="http://schemas.microsoft.com/office/drawing/2014/main" id="{9EC0F73C-3EC0-5C2B-5254-0CE35D8EFC99}"/>
+              </a:ext>
+            </a:extLst>
+          </p:cNvPr>
+          <p:cNvCxnSpPr>
+            <a:cxnSpLocks/>
+            <a:stCxn id="23" idx="3"/>
+            <a:endCxn id="7" idx="1"/>
+          </p:cNvCxnSpPr>
+          <p:nvPr/>
+        </p:nvCxnSpPr>
+        <p:spPr>
+          <a:xfrm>
+            <a:off x="3199991" y="5319172"/>
+            <a:ext cx="542876" cy="515"/>
+          </a:xfrm>
+          <a:prstGeom prst="straightConnector1">
+            <a:avLst/>
+          </a:prstGeom>
+          <a:ln>
+            <a:prstDash val="lgDash"/>
+            <a:tailEnd type="triangle"/>
+          </a:ln>
+        </p:spPr>
+        <p:style>
+          <a:lnRef idx="1">
+            <a:schemeClr val="dk1"/>
+          </a:lnRef>
+          <a:fillRef idx="0">
+            <a:schemeClr val="dk1"/>
+          </a:fillRef>
+          <a:effectRef idx="0">
+            <a:schemeClr val="dk1"/>
+          </a:effectRef>
+          <a:fontRef idx="minor">
+            <a:schemeClr val="tx1"/>
+          </a:fontRef>
+        </p:style>
+      </p:cxnSp>
     </p:spTree>
     <p:extLst>
       <p:ext uri="{BB962C8B-B14F-4D97-AF65-F5344CB8AC3E}">

--- a/images/draw.pptx
+++ b/images/draw.pptx
@@ -5,12 +5,13 @@
     <p:sldMasterId id="2147483648" r:id="rId1"/>
   </p:sldMasterIdLst>
   <p:notesMasterIdLst>
-    <p:notesMasterId r:id="rId5"/>
+    <p:notesMasterId r:id="rId6"/>
   </p:notesMasterIdLst>
   <p:sldIdLst>
     <p:sldId id="269" r:id="rId2"/>
     <p:sldId id="270" r:id="rId3"/>
     <p:sldId id="271" r:id="rId4"/>
+    <p:sldId id="272" r:id="rId5"/>
   </p:sldIdLst>
   <p:sldSz cx="12192000" cy="6858000"/>
   <p:notesSz cx="6858000" cy="9144000"/>
@@ -198,7 +199,7 @@
           </a:lstStyle>
           <a:p>
             <a:fld id="{25BDC7A1-BCF8-BB44-960D-FA8DD82E5CAA}" type="datetimeFigureOut">
-              <a:t>26/1/25</a:t>
+              <a:t>1/27/2025</a:t>
             </a:fld>
             <a:endParaRPr lang="en-VN"/>
           </a:p>
@@ -613,7 +614,7 @@
           <a:lstStyle/>
           <a:p>
             <a:fld id="{9117D41A-B3D1-B44F-ADF3-E80281933F1D}" type="datetimeFigureOut">
-              <a:t>26/1/25</a:t>
+              <a:t>1/27/2025</a:t>
             </a:fld>
             <a:endParaRPr lang="en-VN"/>
           </a:p>
@@ -811,7 +812,7 @@
           <a:lstStyle/>
           <a:p>
             <a:fld id="{9117D41A-B3D1-B44F-ADF3-E80281933F1D}" type="datetimeFigureOut">
-              <a:t>26/1/25</a:t>
+              <a:t>1/27/2025</a:t>
             </a:fld>
             <a:endParaRPr lang="en-VN"/>
           </a:p>
@@ -1019,7 +1020,7 @@
           <a:lstStyle/>
           <a:p>
             <a:fld id="{9117D41A-B3D1-B44F-ADF3-E80281933F1D}" type="datetimeFigureOut">
-              <a:t>26/1/25</a:t>
+              <a:t>1/27/2025</a:t>
             </a:fld>
             <a:endParaRPr lang="en-VN"/>
           </a:p>
@@ -1217,7 +1218,7 @@
           <a:lstStyle/>
           <a:p>
             <a:fld id="{9117D41A-B3D1-B44F-ADF3-E80281933F1D}" type="datetimeFigureOut">
-              <a:t>26/1/25</a:t>
+              <a:t>1/27/2025</a:t>
             </a:fld>
             <a:endParaRPr lang="en-VN"/>
           </a:p>
@@ -1491,7 +1492,7 @@
           <a:lstStyle/>
           <a:p>
             <a:fld id="{9117D41A-B3D1-B44F-ADF3-E80281933F1D}" type="datetimeFigureOut">
-              <a:t>26/1/25</a:t>
+              <a:t>1/27/2025</a:t>
             </a:fld>
             <a:endParaRPr lang="en-VN"/>
           </a:p>
@@ -1757,7 +1758,7 @@
           <a:lstStyle/>
           <a:p>
             <a:fld id="{9117D41A-B3D1-B44F-ADF3-E80281933F1D}" type="datetimeFigureOut">
-              <a:t>26/1/25</a:t>
+              <a:t>1/27/2025</a:t>
             </a:fld>
             <a:endParaRPr lang="en-VN"/>
           </a:p>
@@ -2170,7 +2171,7 @@
           <a:lstStyle/>
           <a:p>
             <a:fld id="{9117D41A-B3D1-B44F-ADF3-E80281933F1D}" type="datetimeFigureOut">
-              <a:t>26/1/25</a:t>
+              <a:t>1/27/2025</a:t>
             </a:fld>
             <a:endParaRPr lang="en-VN"/>
           </a:p>
@@ -2310,7 +2311,7 @@
           <a:lstStyle/>
           <a:p>
             <a:fld id="{9117D41A-B3D1-B44F-ADF3-E80281933F1D}" type="datetimeFigureOut">
-              <a:t>26/1/25</a:t>
+              <a:t>1/27/2025</a:t>
             </a:fld>
             <a:endParaRPr lang="en-VN"/>
           </a:p>
@@ -2421,7 +2422,7 @@
           <a:lstStyle/>
           <a:p>
             <a:fld id="{9117D41A-B3D1-B44F-ADF3-E80281933F1D}" type="datetimeFigureOut">
-              <a:t>26/1/25</a:t>
+              <a:t>1/27/2025</a:t>
             </a:fld>
             <a:endParaRPr lang="en-VN"/>
           </a:p>
@@ -2732,7 +2733,7 @@
           <a:lstStyle/>
           <a:p>
             <a:fld id="{9117D41A-B3D1-B44F-ADF3-E80281933F1D}" type="datetimeFigureOut">
-              <a:t>26/1/25</a:t>
+              <a:t>1/27/2025</a:t>
             </a:fld>
             <a:endParaRPr lang="en-VN"/>
           </a:p>
@@ -3019,7 +3020,7 @@
           <a:lstStyle/>
           <a:p>
             <a:fld id="{9117D41A-B3D1-B44F-ADF3-E80281933F1D}" type="datetimeFigureOut">
-              <a:t>26/1/25</a:t>
+              <a:t>1/27/2025</a:t>
             </a:fld>
             <a:endParaRPr lang="en-VN"/>
           </a:p>
@@ -3260,7 +3261,7 @@
           </a:lstStyle>
           <a:p>
             <a:fld id="{9117D41A-B3D1-B44F-ADF3-E80281933F1D}" type="datetimeFigureOut">
-              <a:t>26/1/25</a:t>
+              <a:t>1/27/2025</a:t>
             </a:fld>
             <a:endParaRPr lang="en-VN"/>
           </a:p>
@@ -10078,6 +10079,6655 @@
           </p:sp>
         </mc:Fallback>
       </mc:AlternateContent>
+      <p:cxnSp>
+        <p:nvCxnSpPr>
+          <p:cNvPr id="6" name="Straight Connector 5">
+            <a:extLst>
+              <a:ext uri="{FF2B5EF4-FFF2-40B4-BE49-F238E27FC236}">
+                <a16:creationId xmlns:a16="http://schemas.microsoft.com/office/drawing/2014/main" id="{0125B9DE-BD88-C0BE-680E-B76310A06509}"/>
+              </a:ext>
+            </a:extLst>
+          </p:cNvPr>
+          <p:cNvCxnSpPr>
+            <a:cxnSpLocks/>
+          </p:cNvCxnSpPr>
+          <p:nvPr/>
+        </p:nvCxnSpPr>
+        <p:spPr>
+          <a:xfrm flipV="1">
+            <a:off x="8596667" y="456077"/>
+            <a:ext cx="0" cy="1843847"/>
+          </a:xfrm>
+          <a:prstGeom prst="line">
+            <a:avLst/>
+          </a:prstGeom>
+          <a:ln w="19050">
+            <a:prstDash val="dash"/>
+          </a:ln>
+        </p:spPr>
+        <p:style>
+          <a:lnRef idx="1">
+            <a:schemeClr val="dk1"/>
+          </a:lnRef>
+          <a:fillRef idx="0">
+            <a:schemeClr val="dk1"/>
+          </a:fillRef>
+          <a:effectRef idx="0">
+            <a:schemeClr val="dk1"/>
+          </a:effectRef>
+          <a:fontRef idx="minor">
+            <a:schemeClr val="tx1"/>
+          </a:fontRef>
+        </p:style>
+      </p:cxnSp>
+      <p:sp>
+        <p:nvSpPr>
+          <p:cNvPr id="10" name="Cube 9">
+            <a:extLst>
+              <a:ext uri="{FF2B5EF4-FFF2-40B4-BE49-F238E27FC236}">
+                <a16:creationId xmlns:a16="http://schemas.microsoft.com/office/drawing/2014/main" id="{C57D90DE-DDAE-9707-F3F0-9480639ED769}"/>
+              </a:ext>
+            </a:extLst>
+          </p:cNvPr>
+          <p:cNvSpPr/>
+          <p:nvPr/>
+        </p:nvSpPr>
+        <p:spPr>
+          <a:xfrm>
+            <a:off x="9777906" y="923770"/>
+            <a:ext cx="1280072" cy="1148521"/>
+          </a:xfrm>
+          <a:prstGeom prst="cube">
+            <a:avLst/>
+          </a:prstGeom>
+          <a:solidFill>
+            <a:schemeClr val="accent1">
+              <a:alpha val="50000"/>
+            </a:schemeClr>
+          </a:solidFill>
+        </p:spPr>
+        <p:style>
+          <a:lnRef idx="2">
+            <a:schemeClr val="accent1">
+              <a:shade val="15000"/>
+            </a:schemeClr>
+          </a:lnRef>
+          <a:fillRef idx="1">
+            <a:schemeClr val="accent1"/>
+          </a:fillRef>
+          <a:effectRef idx="0">
+            <a:schemeClr val="accent1"/>
+          </a:effectRef>
+          <a:fontRef idx="minor">
+            <a:schemeClr val="lt1"/>
+          </a:fontRef>
+        </p:style>
+        <p:txBody>
+          <a:bodyPr rtlCol="0" anchor="ctr"/>
+          <a:lstStyle/>
+          <a:p>
+            <a:pPr algn="ctr"/>
+            <a:endParaRPr lang="en-US"/>
+          </a:p>
+        </p:txBody>
+      </p:sp>
+      <p:sp>
+        <p:nvSpPr>
+          <p:cNvPr id="15" name="Rectangle 14">
+            <a:extLst>
+              <a:ext uri="{FF2B5EF4-FFF2-40B4-BE49-F238E27FC236}">
+                <a16:creationId xmlns:a16="http://schemas.microsoft.com/office/drawing/2014/main" id="{5485BFC0-E3F6-C060-0341-3752360029C2}"/>
+              </a:ext>
+            </a:extLst>
+          </p:cNvPr>
+          <p:cNvSpPr/>
+          <p:nvPr/>
+        </p:nvSpPr>
+        <p:spPr>
+          <a:xfrm>
+            <a:off x="7808163" y="1204412"/>
+            <a:ext cx="2955234" cy="1828800"/>
+          </a:xfrm>
+          <a:prstGeom prst="rect">
+            <a:avLst/>
+          </a:prstGeom>
+          <a:noFill/>
+          <a:ln>
+            <a:solidFill>
+              <a:schemeClr val="accent2"/>
+            </a:solidFill>
+          </a:ln>
+        </p:spPr>
+        <p:style>
+          <a:lnRef idx="2">
+            <a:schemeClr val="accent1">
+              <a:shade val="15000"/>
+            </a:schemeClr>
+          </a:lnRef>
+          <a:fillRef idx="1">
+            <a:schemeClr val="accent1"/>
+          </a:fillRef>
+          <a:effectRef idx="0">
+            <a:schemeClr val="accent1"/>
+          </a:effectRef>
+          <a:fontRef idx="minor">
+            <a:schemeClr val="lt1"/>
+          </a:fontRef>
+        </p:style>
+        <p:txBody>
+          <a:bodyPr rtlCol="0" anchor="ctr"/>
+          <a:lstStyle/>
+          <a:p>
+            <a:pPr algn="ctr"/>
+            <a:endParaRPr lang="en-US"/>
+          </a:p>
+        </p:txBody>
+      </p:sp>
+      <p:cxnSp>
+        <p:nvCxnSpPr>
+          <p:cNvPr id="16" name="Straight Connector 15">
+            <a:extLst>
+              <a:ext uri="{FF2B5EF4-FFF2-40B4-BE49-F238E27FC236}">
+                <a16:creationId xmlns:a16="http://schemas.microsoft.com/office/drawing/2014/main" id="{D3703B2A-9B71-9075-BABE-3C27DC0218DE}"/>
+              </a:ext>
+            </a:extLst>
+          </p:cNvPr>
+          <p:cNvCxnSpPr/>
+          <p:nvPr/>
+        </p:nvCxnSpPr>
+        <p:spPr>
+          <a:xfrm flipV="1">
+            <a:off x="10763397" y="471125"/>
+            <a:ext cx="777461" cy="733287"/>
+          </a:xfrm>
+          <a:prstGeom prst="line">
+            <a:avLst/>
+          </a:prstGeom>
+          <a:ln w="19050"/>
+        </p:spPr>
+        <p:style>
+          <a:lnRef idx="1">
+            <a:schemeClr val="dk1"/>
+          </a:lnRef>
+          <a:fillRef idx="0">
+            <a:schemeClr val="dk1"/>
+          </a:fillRef>
+          <a:effectRef idx="0">
+            <a:schemeClr val="dk1"/>
+          </a:effectRef>
+          <a:fontRef idx="minor">
+            <a:schemeClr val="tx1"/>
+          </a:fontRef>
+        </p:style>
+      </p:cxnSp>
+      <p:cxnSp>
+        <p:nvCxnSpPr>
+          <p:cNvPr id="31" name="Straight Connector 30">
+            <a:extLst>
+              <a:ext uri="{FF2B5EF4-FFF2-40B4-BE49-F238E27FC236}">
+                <a16:creationId xmlns:a16="http://schemas.microsoft.com/office/drawing/2014/main" id="{CBAB56FF-588C-C142-EDD4-AF3E294490B8}"/>
+              </a:ext>
+            </a:extLst>
+          </p:cNvPr>
+          <p:cNvCxnSpPr/>
+          <p:nvPr/>
+        </p:nvCxnSpPr>
+        <p:spPr>
+          <a:xfrm flipV="1">
+            <a:off x="10763397" y="2299925"/>
+            <a:ext cx="777461" cy="733287"/>
+          </a:xfrm>
+          <a:prstGeom prst="line">
+            <a:avLst/>
+          </a:prstGeom>
+          <a:ln w="19050"/>
+        </p:spPr>
+        <p:style>
+          <a:lnRef idx="1">
+            <a:schemeClr val="dk1"/>
+          </a:lnRef>
+          <a:fillRef idx="0">
+            <a:schemeClr val="dk1"/>
+          </a:fillRef>
+          <a:effectRef idx="0">
+            <a:schemeClr val="dk1"/>
+          </a:effectRef>
+          <a:fontRef idx="minor">
+            <a:schemeClr val="tx1"/>
+          </a:fontRef>
+        </p:style>
+      </p:cxnSp>
+      <p:cxnSp>
+        <p:nvCxnSpPr>
+          <p:cNvPr id="32" name="Straight Connector 31">
+            <a:extLst>
+              <a:ext uri="{FF2B5EF4-FFF2-40B4-BE49-F238E27FC236}">
+                <a16:creationId xmlns:a16="http://schemas.microsoft.com/office/drawing/2014/main" id="{E640F29C-EEDB-22DE-3EF7-581033EC65EA}"/>
+              </a:ext>
+            </a:extLst>
+          </p:cNvPr>
+          <p:cNvCxnSpPr/>
+          <p:nvPr/>
+        </p:nvCxnSpPr>
+        <p:spPr>
+          <a:xfrm flipV="1">
+            <a:off x="7819206" y="471125"/>
+            <a:ext cx="777461" cy="733287"/>
+          </a:xfrm>
+          <a:prstGeom prst="line">
+            <a:avLst/>
+          </a:prstGeom>
+          <a:ln w="19050"/>
+        </p:spPr>
+        <p:style>
+          <a:lnRef idx="1">
+            <a:schemeClr val="dk1"/>
+          </a:lnRef>
+          <a:fillRef idx="0">
+            <a:schemeClr val="dk1"/>
+          </a:fillRef>
+          <a:effectRef idx="0">
+            <a:schemeClr val="dk1"/>
+          </a:effectRef>
+          <a:fontRef idx="minor">
+            <a:schemeClr val="tx1"/>
+          </a:fontRef>
+        </p:style>
+      </p:cxnSp>
+      <p:cxnSp>
+        <p:nvCxnSpPr>
+          <p:cNvPr id="33" name="Straight Connector 32">
+            <a:extLst>
+              <a:ext uri="{FF2B5EF4-FFF2-40B4-BE49-F238E27FC236}">
+                <a16:creationId xmlns:a16="http://schemas.microsoft.com/office/drawing/2014/main" id="{294A77EA-3493-7FAA-AD9C-00E6C7F482CB}"/>
+              </a:ext>
+            </a:extLst>
+          </p:cNvPr>
+          <p:cNvCxnSpPr/>
+          <p:nvPr/>
+        </p:nvCxnSpPr>
+        <p:spPr>
+          <a:xfrm flipV="1">
+            <a:off x="7808163" y="2299924"/>
+            <a:ext cx="777461" cy="733287"/>
+          </a:xfrm>
+          <a:prstGeom prst="line">
+            <a:avLst/>
+          </a:prstGeom>
+          <a:ln w="19050">
+            <a:prstDash val="dash"/>
+          </a:ln>
+        </p:spPr>
+        <p:style>
+          <a:lnRef idx="1">
+            <a:schemeClr val="dk1"/>
+          </a:lnRef>
+          <a:fillRef idx="0">
+            <a:schemeClr val="dk1"/>
+          </a:fillRef>
+          <a:effectRef idx="0">
+            <a:schemeClr val="dk1"/>
+          </a:effectRef>
+          <a:fontRef idx="minor">
+            <a:schemeClr val="tx1"/>
+          </a:fontRef>
+        </p:style>
+      </p:cxnSp>
+      <p:cxnSp>
+        <p:nvCxnSpPr>
+          <p:cNvPr id="34" name="Straight Connector 33">
+            <a:extLst>
+              <a:ext uri="{FF2B5EF4-FFF2-40B4-BE49-F238E27FC236}">
+                <a16:creationId xmlns:a16="http://schemas.microsoft.com/office/drawing/2014/main" id="{0C1E4B43-E65F-C9DB-73E1-EC8E91CE82C1}"/>
+              </a:ext>
+            </a:extLst>
+          </p:cNvPr>
+          <p:cNvCxnSpPr>
+            <a:cxnSpLocks/>
+          </p:cNvCxnSpPr>
+          <p:nvPr/>
+        </p:nvCxnSpPr>
+        <p:spPr>
+          <a:xfrm flipV="1">
+            <a:off x="11077032" y="898369"/>
+            <a:ext cx="0" cy="1843847"/>
+          </a:xfrm>
+          <a:prstGeom prst="line">
+            <a:avLst/>
+          </a:prstGeom>
+          <a:ln w="19050">
+            <a:solidFill>
+              <a:schemeClr val="accent2"/>
+            </a:solidFill>
+          </a:ln>
+        </p:spPr>
+        <p:style>
+          <a:lnRef idx="1">
+            <a:schemeClr val="dk1"/>
+          </a:lnRef>
+          <a:fillRef idx="0">
+            <a:schemeClr val="dk1"/>
+          </a:fillRef>
+          <a:effectRef idx="0">
+            <a:schemeClr val="dk1"/>
+          </a:effectRef>
+          <a:fontRef idx="minor">
+            <a:schemeClr val="tx1"/>
+          </a:fontRef>
+        </p:style>
+      </p:cxnSp>
+      <p:cxnSp>
+        <p:nvCxnSpPr>
+          <p:cNvPr id="35" name="Straight Connector 34">
+            <a:extLst>
+              <a:ext uri="{FF2B5EF4-FFF2-40B4-BE49-F238E27FC236}">
+                <a16:creationId xmlns:a16="http://schemas.microsoft.com/office/drawing/2014/main" id="{99E22BBF-7A04-D79F-0371-2FA2EF754DAC}"/>
+              </a:ext>
+            </a:extLst>
+          </p:cNvPr>
+          <p:cNvCxnSpPr>
+            <a:cxnSpLocks/>
+          </p:cNvCxnSpPr>
+          <p:nvPr/>
+        </p:nvCxnSpPr>
+        <p:spPr>
+          <a:xfrm flipH="1">
+            <a:off x="8126905" y="904235"/>
+            <a:ext cx="2950127" cy="0"/>
+          </a:xfrm>
+          <a:prstGeom prst="line">
+            <a:avLst/>
+          </a:prstGeom>
+          <a:ln w="19050">
+            <a:solidFill>
+              <a:schemeClr val="accent2"/>
+            </a:solidFill>
+          </a:ln>
+        </p:spPr>
+        <p:style>
+          <a:lnRef idx="1">
+            <a:schemeClr val="dk1"/>
+          </a:lnRef>
+          <a:fillRef idx="0">
+            <a:schemeClr val="dk1"/>
+          </a:fillRef>
+          <a:effectRef idx="0">
+            <a:schemeClr val="dk1"/>
+          </a:effectRef>
+          <a:fontRef idx="minor">
+            <a:schemeClr val="tx1"/>
+          </a:fontRef>
+        </p:style>
+      </p:cxnSp>
+      <p:cxnSp>
+        <p:nvCxnSpPr>
+          <p:cNvPr id="36" name="Straight Connector 35">
+            <a:extLst>
+              <a:ext uri="{FF2B5EF4-FFF2-40B4-BE49-F238E27FC236}">
+                <a16:creationId xmlns:a16="http://schemas.microsoft.com/office/drawing/2014/main" id="{81E12B6C-B041-A4E5-9676-05E46E52E089}"/>
+              </a:ext>
+            </a:extLst>
+          </p:cNvPr>
+          <p:cNvCxnSpPr>
+            <a:cxnSpLocks/>
+          </p:cNvCxnSpPr>
+          <p:nvPr/>
+        </p:nvCxnSpPr>
+        <p:spPr>
+          <a:xfrm flipH="1">
+            <a:off x="8126905" y="2742216"/>
+            <a:ext cx="2950127" cy="0"/>
+          </a:xfrm>
+          <a:prstGeom prst="line">
+            <a:avLst/>
+          </a:prstGeom>
+          <a:ln w="19050">
+            <a:solidFill>
+              <a:schemeClr val="accent2"/>
+            </a:solidFill>
+            <a:prstDash val="dash"/>
+          </a:ln>
+        </p:spPr>
+        <p:style>
+          <a:lnRef idx="1">
+            <a:schemeClr val="dk1"/>
+          </a:lnRef>
+          <a:fillRef idx="0">
+            <a:schemeClr val="dk1"/>
+          </a:fillRef>
+          <a:effectRef idx="0">
+            <a:schemeClr val="dk1"/>
+          </a:effectRef>
+          <a:fontRef idx="minor">
+            <a:schemeClr val="tx1"/>
+          </a:fontRef>
+        </p:style>
+      </p:cxnSp>
+      <p:cxnSp>
+        <p:nvCxnSpPr>
+          <p:cNvPr id="40" name="Straight Connector 39">
+            <a:extLst>
+              <a:ext uri="{FF2B5EF4-FFF2-40B4-BE49-F238E27FC236}">
+                <a16:creationId xmlns:a16="http://schemas.microsoft.com/office/drawing/2014/main" id="{38B95BAF-95D1-BD35-68C8-2E789EA2CEBE}"/>
+              </a:ext>
+            </a:extLst>
+          </p:cNvPr>
+          <p:cNvCxnSpPr>
+            <a:cxnSpLocks/>
+          </p:cNvCxnSpPr>
+          <p:nvPr/>
+        </p:nvCxnSpPr>
+        <p:spPr>
+          <a:xfrm flipH="1">
+            <a:off x="8585624" y="2299924"/>
+            <a:ext cx="2950127" cy="0"/>
+          </a:xfrm>
+          <a:prstGeom prst="line">
+            <a:avLst/>
+          </a:prstGeom>
+          <a:ln w="19050">
+            <a:prstDash val="dash"/>
+          </a:ln>
+        </p:spPr>
+        <p:style>
+          <a:lnRef idx="1">
+            <a:schemeClr val="dk1"/>
+          </a:lnRef>
+          <a:fillRef idx="0">
+            <a:schemeClr val="dk1"/>
+          </a:fillRef>
+          <a:effectRef idx="0">
+            <a:schemeClr val="dk1"/>
+          </a:effectRef>
+          <a:fontRef idx="minor">
+            <a:schemeClr val="tx1"/>
+          </a:fontRef>
+        </p:style>
+      </p:cxnSp>
+      <p:cxnSp>
+        <p:nvCxnSpPr>
+          <p:cNvPr id="41" name="Straight Connector 40">
+            <a:extLst>
+              <a:ext uri="{FF2B5EF4-FFF2-40B4-BE49-F238E27FC236}">
+                <a16:creationId xmlns:a16="http://schemas.microsoft.com/office/drawing/2014/main" id="{1A666FEB-1F46-C711-0459-19E195611818}"/>
+              </a:ext>
+            </a:extLst>
+          </p:cNvPr>
+          <p:cNvCxnSpPr>
+            <a:cxnSpLocks/>
+          </p:cNvCxnSpPr>
+          <p:nvPr/>
+        </p:nvCxnSpPr>
+        <p:spPr>
+          <a:xfrm flipV="1">
+            <a:off x="8137510" y="898369"/>
+            <a:ext cx="0" cy="1843847"/>
+          </a:xfrm>
+          <a:prstGeom prst="line">
+            <a:avLst/>
+          </a:prstGeom>
+          <a:ln w="19050">
+            <a:solidFill>
+              <a:schemeClr val="accent2"/>
+            </a:solidFill>
+            <a:prstDash val="dash"/>
+          </a:ln>
+        </p:spPr>
+        <p:style>
+          <a:lnRef idx="1">
+            <a:schemeClr val="dk1"/>
+          </a:lnRef>
+          <a:fillRef idx="0">
+            <a:schemeClr val="dk1"/>
+          </a:fillRef>
+          <a:effectRef idx="0">
+            <a:schemeClr val="dk1"/>
+          </a:effectRef>
+          <a:fontRef idx="minor">
+            <a:schemeClr val="tx1"/>
+          </a:fontRef>
+        </p:style>
+      </p:cxnSp>
+      <p:sp>
+        <p:nvSpPr>
+          <p:cNvPr id="42" name="Cube 41">
+            <a:extLst>
+              <a:ext uri="{FF2B5EF4-FFF2-40B4-BE49-F238E27FC236}">
+                <a16:creationId xmlns:a16="http://schemas.microsoft.com/office/drawing/2014/main" id="{205E1085-1B72-348C-B42A-D775B5020B1E}"/>
+              </a:ext>
+            </a:extLst>
+          </p:cNvPr>
+          <p:cNvSpPr/>
+          <p:nvPr/>
+        </p:nvSpPr>
+        <p:spPr>
+          <a:xfrm>
+            <a:off x="8803870" y="923769"/>
+            <a:ext cx="1280072" cy="1148521"/>
+          </a:xfrm>
+          <a:prstGeom prst="cube">
+            <a:avLst/>
+          </a:prstGeom>
+          <a:solidFill>
+            <a:srgbClr val="FF0000">
+              <a:alpha val="50000"/>
+            </a:srgbClr>
+          </a:solidFill>
+        </p:spPr>
+        <p:style>
+          <a:lnRef idx="2">
+            <a:schemeClr val="accent1">
+              <a:shade val="15000"/>
+            </a:schemeClr>
+          </a:lnRef>
+          <a:fillRef idx="1">
+            <a:schemeClr val="accent1"/>
+          </a:fillRef>
+          <a:effectRef idx="0">
+            <a:schemeClr val="accent1"/>
+          </a:effectRef>
+          <a:fontRef idx="minor">
+            <a:schemeClr val="lt1"/>
+          </a:fontRef>
+        </p:style>
+        <p:txBody>
+          <a:bodyPr rtlCol="0" anchor="ctr"/>
+          <a:lstStyle/>
+          <a:p>
+            <a:pPr algn="ctr"/>
+            <a:endParaRPr lang="en-US"/>
+          </a:p>
+        </p:txBody>
+      </p:sp>
+      <p:sp>
+        <p:nvSpPr>
+          <p:cNvPr id="51" name="Cube 50">
+            <a:extLst>
+              <a:ext uri="{FF2B5EF4-FFF2-40B4-BE49-F238E27FC236}">
+                <a16:creationId xmlns:a16="http://schemas.microsoft.com/office/drawing/2014/main" id="{86EB0354-1FD5-ED03-46C2-D6AAF9696C70}"/>
+              </a:ext>
+            </a:extLst>
+          </p:cNvPr>
+          <p:cNvSpPr/>
+          <p:nvPr/>
+        </p:nvSpPr>
+        <p:spPr>
+          <a:xfrm>
+            <a:off x="7821723" y="923769"/>
+            <a:ext cx="1280072" cy="1148521"/>
+          </a:xfrm>
+          <a:prstGeom prst="cube">
+            <a:avLst/>
+          </a:prstGeom>
+          <a:solidFill>
+            <a:srgbClr val="00B050">
+              <a:alpha val="50000"/>
+            </a:srgbClr>
+          </a:solidFill>
+        </p:spPr>
+        <p:style>
+          <a:lnRef idx="2">
+            <a:schemeClr val="accent1">
+              <a:shade val="15000"/>
+            </a:schemeClr>
+          </a:lnRef>
+          <a:fillRef idx="1">
+            <a:schemeClr val="accent1"/>
+          </a:fillRef>
+          <a:effectRef idx="0">
+            <a:schemeClr val="accent1"/>
+          </a:effectRef>
+          <a:fontRef idx="minor">
+            <a:schemeClr val="lt1"/>
+          </a:fontRef>
+        </p:style>
+        <p:txBody>
+          <a:bodyPr rtlCol="0" anchor="ctr"/>
+          <a:lstStyle/>
+          <a:p>
+            <a:pPr algn="ctr"/>
+            <a:endParaRPr lang="en-US"/>
+          </a:p>
+        </p:txBody>
+      </p:sp>
+      <p:cxnSp>
+        <p:nvCxnSpPr>
+          <p:cNvPr id="54" name="Straight Connector 53">
+            <a:extLst>
+              <a:ext uri="{FF2B5EF4-FFF2-40B4-BE49-F238E27FC236}">
+                <a16:creationId xmlns:a16="http://schemas.microsoft.com/office/drawing/2014/main" id="{B6C2B766-7C1E-C2A9-4885-328C171616BD}"/>
+              </a:ext>
+            </a:extLst>
+          </p:cNvPr>
+          <p:cNvCxnSpPr>
+            <a:cxnSpLocks/>
+          </p:cNvCxnSpPr>
+          <p:nvPr/>
+        </p:nvCxnSpPr>
+        <p:spPr>
+          <a:xfrm flipH="1">
+            <a:off x="8585623" y="477819"/>
+            <a:ext cx="2950127" cy="0"/>
+          </a:xfrm>
+          <a:prstGeom prst="line">
+            <a:avLst/>
+          </a:prstGeom>
+          <a:ln w="19050"/>
+        </p:spPr>
+        <p:style>
+          <a:lnRef idx="1">
+            <a:schemeClr val="dk1"/>
+          </a:lnRef>
+          <a:fillRef idx="0">
+            <a:schemeClr val="dk1"/>
+          </a:fillRef>
+          <a:effectRef idx="0">
+            <a:schemeClr val="dk1"/>
+          </a:effectRef>
+          <a:fontRef idx="minor">
+            <a:schemeClr val="tx1"/>
+          </a:fontRef>
+        </p:style>
+      </p:cxnSp>
+      <p:cxnSp>
+        <p:nvCxnSpPr>
+          <p:cNvPr id="55" name="Straight Connector 54">
+            <a:extLst>
+              <a:ext uri="{FF2B5EF4-FFF2-40B4-BE49-F238E27FC236}">
+                <a16:creationId xmlns:a16="http://schemas.microsoft.com/office/drawing/2014/main" id="{DA2F0539-4E68-872E-D6A1-91D4A16BA4E5}"/>
+              </a:ext>
+            </a:extLst>
+          </p:cNvPr>
+          <p:cNvCxnSpPr>
+            <a:cxnSpLocks/>
+          </p:cNvCxnSpPr>
+          <p:nvPr/>
+        </p:nvCxnSpPr>
+        <p:spPr>
+          <a:xfrm flipV="1">
+            <a:off x="11533127" y="477819"/>
+            <a:ext cx="0" cy="1843847"/>
+          </a:xfrm>
+          <a:prstGeom prst="line">
+            <a:avLst/>
+          </a:prstGeom>
+          <a:ln w="19050"/>
+        </p:spPr>
+        <p:style>
+          <a:lnRef idx="1">
+            <a:schemeClr val="dk1"/>
+          </a:lnRef>
+          <a:fillRef idx="0">
+            <a:schemeClr val="dk1"/>
+          </a:fillRef>
+          <a:effectRef idx="0">
+            <a:schemeClr val="dk1"/>
+          </a:effectRef>
+          <a:fontRef idx="minor">
+            <a:schemeClr val="tx1"/>
+          </a:fontRef>
+        </p:style>
+      </p:cxnSp>
+      <p:cxnSp>
+        <p:nvCxnSpPr>
+          <p:cNvPr id="56" name="Straight Connector 55">
+            <a:extLst>
+              <a:ext uri="{FF2B5EF4-FFF2-40B4-BE49-F238E27FC236}">
+                <a16:creationId xmlns:a16="http://schemas.microsoft.com/office/drawing/2014/main" id="{9A7DD746-84F6-577A-F285-126A912E17A9}"/>
+              </a:ext>
+            </a:extLst>
+          </p:cNvPr>
+          <p:cNvCxnSpPr>
+            <a:cxnSpLocks/>
+          </p:cNvCxnSpPr>
+          <p:nvPr/>
+        </p:nvCxnSpPr>
+        <p:spPr>
+          <a:xfrm flipV="1">
+            <a:off x="10763397" y="2742216"/>
+            <a:ext cx="307076" cy="290995"/>
+          </a:xfrm>
+          <a:prstGeom prst="line">
+            <a:avLst/>
+          </a:prstGeom>
+          <a:ln w="19050"/>
+        </p:spPr>
+        <p:style>
+          <a:lnRef idx="1">
+            <a:schemeClr val="accent2"/>
+          </a:lnRef>
+          <a:fillRef idx="0">
+            <a:schemeClr val="accent2"/>
+          </a:fillRef>
+          <a:effectRef idx="0">
+            <a:schemeClr val="accent2"/>
+          </a:effectRef>
+          <a:fontRef idx="minor">
+            <a:schemeClr val="tx1"/>
+          </a:fontRef>
+        </p:style>
+      </p:cxnSp>
+      <p:cxnSp>
+        <p:nvCxnSpPr>
+          <p:cNvPr id="57" name="Straight Connector 56">
+            <a:extLst>
+              <a:ext uri="{FF2B5EF4-FFF2-40B4-BE49-F238E27FC236}">
+                <a16:creationId xmlns:a16="http://schemas.microsoft.com/office/drawing/2014/main" id="{8043547B-2472-2DBB-1A73-26B1A87173C5}"/>
+              </a:ext>
+            </a:extLst>
+          </p:cNvPr>
+          <p:cNvCxnSpPr>
+            <a:cxnSpLocks/>
+          </p:cNvCxnSpPr>
+          <p:nvPr/>
+        </p:nvCxnSpPr>
+        <p:spPr>
+          <a:xfrm flipV="1">
+            <a:off x="7808786" y="2730201"/>
+            <a:ext cx="317681" cy="303009"/>
+          </a:xfrm>
+          <a:prstGeom prst="line">
+            <a:avLst/>
+          </a:prstGeom>
+          <a:ln w="19050">
+            <a:prstDash val="dash"/>
+          </a:ln>
+        </p:spPr>
+        <p:style>
+          <a:lnRef idx="1">
+            <a:schemeClr val="accent2"/>
+          </a:lnRef>
+          <a:fillRef idx="0">
+            <a:schemeClr val="accent2"/>
+          </a:fillRef>
+          <a:effectRef idx="0">
+            <a:schemeClr val="accent2"/>
+          </a:effectRef>
+          <a:fontRef idx="minor">
+            <a:schemeClr val="tx1"/>
+          </a:fontRef>
+        </p:style>
+      </p:cxnSp>
+      <mc:AlternateContent xmlns:mc="http://schemas.openxmlformats.org/markup-compatibility/2006">
+        <mc:Choice xmlns:a14="http://schemas.microsoft.com/office/drawing/2010/main" Requires="a14">
+          <p:sp>
+            <p:nvSpPr>
+              <p:cNvPr id="77" name="TextBox 76">
+                <a:extLst>
+                  <a:ext uri="{FF2B5EF4-FFF2-40B4-BE49-F238E27FC236}">
+                    <a16:creationId xmlns:a16="http://schemas.microsoft.com/office/drawing/2014/main" id="{D42D5F7C-CE58-F7A0-EE4B-0689E723662F}"/>
+                  </a:ext>
+                </a:extLst>
+              </p:cNvPr>
+              <p:cNvSpPr txBox="1"/>
+              <p:nvPr/>
+            </p:nvSpPr>
+            <p:spPr>
+              <a:xfrm rot="18983524">
+                <a:off x="10852056" y="2937504"/>
+                <a:ext cx="478529" cy="215444"/>
+              </a:xfrm>
+              <a:prstGeom prst="rect">
+                <a:avLst/>
+              </a:prstGeom>
+              <a:noFill/>
+            </p:spPr>
+            <p:txBody>
+              <a:bodyPr wrap="none" lIns="0" tIns="0" rIns="0" bIns="0" rtlCol="0">
+                <a:spAutoFit/>
+              </a:bodyPr>
+              <a:lstStyle/>
+              <a:p>
+                <a14:m>
+                  <m:oMathPara xmlns:m="http://schemas.openxmlformats.org/officeDocument/2006/math">
+                    <m:oMathParaPr>
+                      <m:jc m:val="centerGroup"/>
+                    </m:oMathParaPr>
+                    <m:oMath xmlns:m="http://schemas.openxmlformats.org/officeDocument/2006/math">
+                      <m:r>
+                        <a:rPr lang="en-US" sz="1400" b="0" i="1" smtClean="0">
+                          <a:latin typeface="Cambria Math" panose="02040503050406030204" pitchFamily="18" charset="0"/>
+                        </a:rPr>
+                        <m:t>𝑘</m:t>
+                      </m:r>
+                      <m:r>
+                        <a:rPr lang="en-US" sz="1400" b="0" i="1" smtClean="0">
+                          <a:latin typeface="Cambria Math" panose="02040503050406030204" pitchFamily="18" charset="0"/>
+                        </a:rPr>
+                        <m:t>=0</m:t>
+                      </m:r>
+                    </m:oMath>
+                  </m:oMathPara>
+                </a14:m>
+                <a:endParaRPr lang="en-US" sz="1400" dirty="0"/>
+              </a:p>
+            </p:txBody>
+          </p:sp>
+        </mc:Choice>
+        <mc:Fallback>
+          <p:sp>
+            <p:nvSpPr>
+              <p:cNvPr id="77" name="TextBox 76">
+                <a:extLst>
+                  <a:ext uri="{FF2B5EF4-FFF2-40B4-BE49-F238E27FC236}">
+                    <a16:creationId xmlns:a16="http://schemas.microsoft.com/office/drawing/2014/main" id="{D42D5F7C-CE58-F7A0-EE4B-0689E723662F}"/>
+                  </a:ext>
+                </a:extLst>
+              </p:cNvPr>
+              <p:cNvSpPr txBox="1">
+                <a:spLocks noRot="1" noChangeAspect="1" noMove="1" noResize="1" noEditPoints="1" noAdjustHandles="1" noChangeArrowheads="1" noChangeShapeType="1" noTextEdit="1"/>
+              </p:cNvSpPr>
+              <p:nvPr/>
+            </p:nvSpPr>
+            <p:spPr>
+              <a:xfrm rot="18983524">
+                <a:off x="10852056" y="2937504"/>
+                <a:ext cx="478529" cy="215444"/>
+              </a:xfrm>
+              <a:prstGeom prst="rect">
+                <a:avLst/>
+              </a:prstGeom>
+              <a:blipFill>
+                <a:blip r:embed="rId31"/>
+                <a:stretch>
+                  <a:fillRect l="-3614" t="-2469" r="-6024" b="-6173"/>
+                </a:stretch>
+              </a:blipFill>
+            </p:spPr>
+            <p:txBody>
+              <a:bodyPr/>
+              <a:lstStyle/>
+              <a:p>
+                <a:r>
+                  <a:rPr lang="en-US">
+                    <a:noFill/>
+                  </a:rPr>
+                  <a:t> </a:t>
+                </a:r>
+              </a:p>
+            </p:txBody>
+          </p:sp>
+        </mc:Fallback>
+      </mc:AlternateContent>
+      <p:sp>
+        <p:nvSpPr>
+          <p:cNvPr id="95" name="Left Brace 94">
+            <a:extLst>
+              <a:ext uri="{FF2B5EF4-FFF2-40B4-BE49-F238E27FC236}">
+                <a16:creationId xmlns:a16="http://schemas.microsoft.com/office/drawing/2014/main" id="{E1B5717E-43B0-90B3-41D4-04C69B59E0E4}"/>
+              </a:ext>
+            </a:extLst>
+          </p:cNvPr>
+          <p:cNvSpPr/>
+          <p:nvPr/>
+        </p:nvSpPr>
+        <p:spPr>
+          <a:xfrm flipH="1">
+            <a:off x="11116314" y="920108"/>
+            <a:ext cx="95402" cy="857504"/>
+          </a:xfrm>
+          <a:prstGeom prst="leftBrace">
+            <a:avLst>
+              <a:gd name="adj1" fmla="val 44503"/>
+              <a:gd name="adj2" fmla="val 50000"/>
+            </a:avLst>
+          </a:prstGeom>
+          <a:ln w="19050"/>
+        </p:spPr>
+        <p:style>
+          <a:lnRef idx="1">
+            <a:schemeClr val="dk1"/>
+          </a:lnRef>
+          <a:fillRef idx="0">
+            <a:schemeClr val="dk1"/>
+          </a:fillRef>
+          <a:effectRef idx="0">
+            <a:schemeClr val="dk1"/>
+          </a:effectRef>
+          <a:fontRef idx="minor">
+            <a:schemeClr val="tx1"/>
+          </a:fontRef>
+        </p:style>
+        <p:txBody>
+          <a:bodyPr rtlCol="0" anchor="ctr"/>
+          <a:lstStyle/>
+          <a:p>
+            <a:pPr algn="ctr"/>
+            <a:endParaRPr lang="en-US"/>
+          </a:p>
+        </p:txBody>
+      </p:sp>
+      <mc:AlternateContent xmlns:mc="http://schemas.openxmlformats.org/markup-compatibility/2006">
+        <mc:Choice xmlns:a14="http://schemas.microsoft.com/office/drawing/2010/main" Requires="a14">
+          <p:sp>
+            <p:nvSpPr>
+              <p:cNvPr id="96" name="TextBox 95">
+                <a:extLst>
+                  <a:ext uri="{FF2B5EF4-FFF2-40B4-BE49-F238E27FC236}">
+                    <a16:creationId xmlns:a16="http://schemas.microsoft.com/office/drawing/2014/main" id="{DFCF52AD-167F-872C-5EFA-7AE8E831D8D6}"/>
+                  </a:ext>
+                </a:extLst>
+              </p:cNvPr>
+              <p:cNvSpPr txBox="1"/>
+              <p:nvPr/>
+            </p:nvSpPr>
+            <p:spPr>
+              <a:xfrm rot="16200000">
+                <a:off x="11106074" y="1235006"/>
+                <a:ext cx="441083" cy="215444"/>
+              </a:xfrm>
+              <a:prstGeom prst="rect">
+                <a:avLst/>
+              </a:prstGeom>
+              <a:noFill/>
+            </p:spPr>
+            <p:txBody>
+              <a:bodyPr wrap="none" lIns="0" tIns="0" rIns="0" bIns="0" rtlCol="0">
+                <a:spAutoFit/>
+              </a:bodyPr>
+              <a:lstStyle/>
+              <a:p>
+                <a14:m>
+                  <m:oMathPara xmlns:m="http://schemas.openxmlformats.org/officeDocument/2006/math">
+                    <m:oMathParaPr>
+                      <m:jc m:val="centerGroup"/>
+                    </m:oMathParaPr>
+                    <m:oMath xmlns:m="http://schemas.openxmlformats.org/officeDocument/2006/math">
+                      <m:r>
+                        <a:rPr lang="en-US" sz="1400" b="0" i="1" smtClean="0">
+                          <a:latin typeface="Cambria Math" panose="02040503050406030204" pitchFamily="18" charset="0"/>
+                        </a:rPr>
+                        <m:t>𝑗</m:t>
+                      </m:r>
+                      <m:r>
+                        <a:rPr lang="en-US" sz="1400" b="0" i="1" smtClean="0">
+                          <a:latin typeface="Cambria Math" panose="02040503050406030204" pitchFamily="18" charset="0"/>
+                        </a:rPr>
+                        <m:t>=0</m:t>
+                      </m:r>
+                    </m:oMath>
+                  </m:oMathPara>
+                </a14:m>
+                <a:endParaRPr lang="en-US" sz="1400" dirty="0"/>
+              </a:p>
+            </p:txBody>
+          </p:sp>
+        </mc:Choice>
+        <mc:Fallback>
+          <p:sp>
+            <p:nvSpPr>
+              <p:cNvPr id="96" name="TextBox 95">
+                <a:extLst>
+                  <a:ext uri="{FF2B5EF4-FFF2-40B4-BE49-F238E27FC236}">
+                    <a16:creationId xmlns:a16="http://schemas.microsoft.com/office/drawing/2014/main" id="{DFCF52AD-167F-872C-5EFA-7AE8E831D8D6}"/>
+                  </a:ext>
+                </a:extLst>
+              </p:cNvPr>
+              <p:cNvSpPr txBox="1">
+                <a:spLocks noRot="1" noChangeAspect="1" noMove="1" noResize="1" noEditPoints="1" noAdjustHandles="1" noChangeArrowheads="1" noChangeShapeType="1" noTextEdit="1"/>
+              </p:cNvSpPr>
+              <p:nvPr/>
+            </p:nvSpPr>
+            <p:spPr>
+              <a:xfrm rot="16200000">
+                <a:off x="11106074" y="1235006"/>
+                <a:ext cx="441083" cy="215444"/>
+              </a:xfrm>
+              <a:prstGeom prst="rect">
+                <a:avLst/>
+              </a:prstGeom>
+              <a:blipFill>
+                <a:blip r:embed="rId32"/>
+                <a:stretch>
+                  <a:fillRect t="-8333" r="-30556" b="-15278"/>
+                </a:stretch>
+              </a:blipFill>
+            </p:spPr>
+            <p:txBody>
+              <a:bodyPr/>
+              <a:lstStyle/>
+              <a:p>
+                <a:r>
+                  <a:rPr lang="en-US">
+                    <a:noFill/>
+                  </a:rPr>
+                  <a:t> </a:t>
+                </a:r>
+              </a:p>
+            </p:txBody>
+          </p:sp>
+        </mc:Fallback>
+      </mc:AlternateContent>
+      <p:cxnSp>
+        <p:nvCxnSpPr>
+          <p:cNvPr id="97" name="Straight Connector 96">
+            <a:extLst>
+              <a:ext uri="{FF2B5EF4-FFF2-40B4-BE49-F238E27FC236}">
+                <a16:creationId xmlns:a16="http://schemas.microsoft.com/office/drawing/2014/main" id="{23B15D9A-D30A-C0CF-BAFC-58780439A256}"/>
+              </a:ext>
+            </a:extLst>
+          </p:cNvPr>
+          <p:cNvCxnSpPr>
+            <a:cxnSpLocks/>
+          </p:cNvCxnSpPr>
+          <p:nvPr/>
+        </p:nvCxnSpPr>
+        <p:spPr>
+          <a:xfrm flipV="1">
+            <a:off x="10760429" y="925550"/>
+            <a:ext cx="307076" cy="290995"/>
+          </a:xfrm>
+          <a:prstGeom prst="line">
+            <a:avLst/>
+          </a:prstGeom>
+          <a:ln w="19050"/>
+        </p:spPr>
+        <p:style>
+          <a:lnRef idx="1">
+            <a:schemeClr val="accent2"/>
+          </a:lnRef>
+          <a:fillRef idx="0">
+            <a:schemeClr val="accent2"/>
+          </a:fillRef>
+          <a:effectRef idx="0">
+            <a:schemeClr val="accent2"/>
+          </a:effectRef>
+          <a:fontRef idx="minor">
+            <a:schemeClr val="tx1"/>
+          </a:fontRef>
+        </p:style>
+      </p:cxnSp>
+      <p:cxnSp>
+        <p:nvCxnSpPr>
+          <p:cNvPr id="98" name="Straight Connector 97">
+            <a:extLst>
+              <a:ext uri="{FF2B5EF4-FFF2-40B4-BE49-F238E27FC236}">
+                <a16:creationId xmlns:a16="http://schemas.microsoft.com/office/drawing/2014/main" id="{EE939778-FD2F-616F-6A55-1CCB0A3717D8}"/>
+              </a:ext>
+            </a:extLst>
+          </p:cNvPr>
+          <p:cNvCxnSpPr>
+            <a:cxnSpLocks/>
+          </p:cNvCxnSpPr>
+          <p:nvPr/>
+        </p:nvCxnSpPr>
+        <p:spPr>
+          <a:xfrm flipV="1">
+            <a:off x="7816204" y="900869"/>
+            <a:ext cx="319060" cy="302351"/>
+          </a:xfrm>
+          <a:prstGeom prst="line">
+            <a:avLst/>
+          </a:prstGeom>
+          <a:ln w="19050"/>
+        </p:spPr>
+        <p:style>
+          <a:lnRef idx="1">
+            <a:schemeClr val="accent2"/>
+          </a:lnRef>
+          <a:fillRef idx="0">
+            <a:schemeClr val="accent2"/>
+          </a:fillRef>
+          <a:effectRef idx="0">
+            <a:schemeClr val="accent2"/>
+          </a:effectRef>
+          <a:fontRef idx="minor">
+            <a:schemeClr val="tx1"/>
+          </a:fontRef>
+        </p:style>
+      </p:cxnSp>
+      <p:sp>
+        <p:nvSpPr>
+          <p:cNvPr id="99" name="Left Brace 98">
+            <a:extLst>
+              <a:ext uri="{FF2B5EF4-FFF2-40B4-BE49-F238E27FC236}">
+                <a16:creationId xmlns:a16="http://schemas.microsoft.com/office/drawing/2014/main" id="{3DA86701-07B2-3C8D-93B4-3DE187D9C825}"/>
+              </a:ext>
+            </a:extLst>
+          </p:cNvPr>
+          <p:cNvSpPr/>
+          <p:nvPr/>
+        </p:nvSpPr>
+        <p:spPr>
+          <a:xfrm rot="2770329" flipH="1">
+            <a:off x="10939447" y="2729514"/>
+            <a:ext cx="96577" cy="431814"/>
+          </a:xfrm>
+          <a:prstGeom prst="leftBrace">
+            <a:avLst>
+              <a:gd name="adj1" fmla="val 44503"/>
+              <a:gd name="adj2" fmla="val 50000"/>
+            </a:avLst>
+          </a:prstGeom>
+          <a:ln w="19050"/>
+        </p:spPr>
+        <p:style>
+          <a:lnRef idx="1">
+            <a:schemeClr val="dk1"/>
+          </a:lnRef>
+          <a:fillRef idx="0">
+            <a:schemeClr val="dk1"/>
+          </a:fillRef>
+          <a:effectRef idx="0">
+            <a:schemeClr val="dk1"/>
+          </a:effectRef>
+          <a:fontRef idx="minor">
+            <a:schemeClr val="tx1"/>
+          </a:fontRef>
+        </p:style>
+        <p:txBody>
+          <a:bodyPr rtlCol="0" anchor="ctr"/>
+          <a:lstStyle/>
+          <a:p>
+            <a:pPr algn="ctr"/>
+            <a:endParaRPr lang="en-US"/>
+          </a:p>
+        </p:txBody>
+      </p:sp>
+      <p:sp>
+        <p:nvSpPr>
+          <p:cNvPr id="101" name="Left Brace 100">
+            <a:extLst>
+              <a:ext uri="{FF2B5EF4-FFF2-40B4-BE49-F238E27FC236}">
+                <a16:creationId xmlns:a16="http://schemas.microsoft.com/office/drawing/2014/main" id="{FD96BC4F-B752-052C-CA73-F7F8C58F95A8}"/>
+              </a:ext>
+            </a:extLst>
+          </p:cNvPr>
+          <p:cNvSpPr/>
+          <p:nvPr/>
+        </p:nvSpPr>
+        <p:spPr>
+          <a:xfrm rot="5400000" flipH="1">
+            <a:off x="8258345" y="1720070"/>
+            <a:ext cx="117549" cy="922175"/>
+          </a:xfrm>
+          <a:prstGeom prst="leftBrace">
+            <a:avLst>
+              <a:gd name="adj1" fmla="val 44503"/>
+              <a:gd name="adj2" fmla="val 50000"/>
+            </a:avLst>
+          </a:prstGeom>
+          <a:ln w="19050"/>
+        </p:spPr>
+        <p:style>
+          <a:lnRef idx="1">
+            <a:schemeClr val="dk1"/>
+          </a:lnRef>
+          <a:fillRef idx="0">
+            <a:schemeClr val="dk1"/>
+          </a:fillRef>
+          <a:effectRef idx="0">
+            <a:schemeClr val="dk1"/>
+          </a:effectRef>
+          <a:fontRef idx="minor">
+            <a:schemeClr val="tx1"/>
+          </a:fontRef>
+        </p:style>
+        <p:txBody>
+          <a:bodyPr rtlCol="0" anchor="ctr"/>
+          <a:lstStyle/>
+          <a:p>
+            <a:pPr algn="ctr"/>
+            <a:endParaRPr lang="en-US"/>
+          </a:p>
+        </p:txBody>
+      </p:sp>
+      <mc:AlternateContent xmlns:mc="http://schemas.openxmlformats.org/markup-compatibility/2006">
+        <mc:Choice xmlns:a14="http://schemas.microsoft.com/office/drawing/2010/main" Requires="a14">
+          <p:sp>
+            <p:nvSpPr>
+              <p:cNvPr id="102" name="TextBox 101">
+                <a:extLst>
+                  <a:ext uri="{FF2B5EF4-FFF2-40B4-BE49-F238E27FC236}">
+                    <a16:creationId xmlns:a16="http://schemas.microsoft.com/office/drawing/2014/main" id="{9B62251E-F9B3-153D-2E05-20BAA5D35B6E}"/>
+                  </a:ext>
+                </a:extLst>
+              </p:cNvPr>
+              <p:cNvSpPr txBox="1"/>
+              <p:nvPr/>
+            </p:nvSpPr>
+            <p:spPr>
+              <a:xfrm>
+                <a:off x="8230222" y="2299137"/>
+                <a:ext cx="159852" cy="215444"/>
+              </a:xfrm>
+              <a:prstGeom prst="rect">
+                <a:avLst/>
+              </a:prstGeom>
+              <a:noFill/>
+            </p:spPr>
+            <p:txBody>
+              <a:bodyPr wrap="none" lIns="0" tIns="0" rIns="0" bIns="0" rtlCol="0">
+                <a:spAutoFit/>
+              </a:bodyPr>
+              <a:lstStyle/>
+              <a:p>
+                <a14:m>
+                  <m:oMathPara xmlns:m="http://schemas.openxmlformats.org/officeDocument/2006/math">
+                    <m:oMathParaPr>
+                      <m:jc m:val="centerGroup"/>
+                    </m:oMathParaPr>
+                    <m:oMath xmlns:m="http://schemas.openxmlformats.org/officeDocument/2006/math">
+                      <m:r>
+                        <a:rPr lang="en-US" sz="1400" b="0" i="1" smtClean="0">
+                          <a:latin typeface="Cambria Math" panose="02040503050406030204" pitchFamily="18" charset="0"/>
+                        </a:rPr>
+                        <m:t>𝑋</m:t>
+                      </m:r>
+                    </m:oMath>
+                  </m:oMathPara>
+                </a14:m>
+                <a:endParaRPr lang="en-US" sz="1400" dirty="0"/>
+              </a:p>
+            </p:txBody>
+          </p:sp>
+        </mc:Choice>
+        <mc:Fallback>
+          <p:sp>
+            <p:nvSpPr>
+              <p:cNvPr id="102" name="TextBox 101">
+                <a:extLst>
+                  <a:ext uri="{FF2B5EF4-FFF2-40B4-BE49-F238E27FC236}">
+                    <a16:creationId xmlns:a16="http://schemas.microsoft.com/office/drawing/2014/main" id="{9B62251E-F9B3-153D-2E05-20BAA5D35B6E}"/>
+                  </a:ext>
+                </a:extLst>
+              </p:cNvPr>
+              <p:cNvSpPr txBox="1">
+                <a:spLocks noRot="1" noChangeAspect="1" noMove="1" noResize="1" noEditPoints="1" noAdjustHandles="1" noChangeArrowheads="1" noChangeShapeType="1" noTextEdit="1"/>
+              </p:cNvSpPr>
+              <p:nvPr/>
+            </p:nvSpPr>
+            <p:spPr>
+              <a:xfrm>
+                <a:off x="8230222" y="2299137"/>
+                <a:ext cx="159852" cy="215444"/>
+              </a:xfrm>
+              <a:prstGeom prst="rect">
+                <a:avLst/>
+              </a:prstGeom>
+              <a:blipFill>
+                <a:blip r:embed="rId33"/>
+                <a:stretch>
+                  <a:fillRect l="-26923" r="-23077" b="-5714"/>
+                </a:stretch>
+              </a:blipFill>
+            </p:spPr>
+            <p:txBody>
+              <a:bodyPr/>
+              <a:lstStyle/>
+              <a:p>
+                <a:r>
+                  <a:rPr lang="en-US">
+                    <a:noFill/>
+                  </a:rPr>
+                  <a:t> </a:t>
+                </a:r>
+              </a:p>
+            </p:txBody>
+          </p:sp>
+        </mc:Fallback>
+      </mc:AlternateContent>
+      <p:sp>
+        <p:nvSpPr>
+          <p:cNvPr id="103" name="Left Brace 102">
+            <a:extLst>
+              <a:ext uri="{FF2B5EF4-FFF2-40B4-BE49-F238E27FC236}">
+                <a16:creationId xmlns:a16="http://schemas.microsoft.com/office/drawing/2014/main" id="{A0427875-F1B9-D0B4-14CE-3B32BAFA864D}"/>
+              </a:ext>
+            </a:extLst>
+          </p:cNvPr>
+          <p:cNvSpPr/>
+          <p:nvPr/>
+        </p:nvSpPr>
+        <p:spPr>
+          <a:xfrm rot="5400000" flipH="1">
+            <a:off x="9240880" y="1719072"/>
+            <a:ext cx="117549" cy="922175"/>
+          </a:xfrm>
+          <a:prstGeom prst="leftBrace">
+            <a:avLst>
+              <a:gd name="adj1" fmla="val 44503"/>
+              <a:gd name="adj2" fmla="val 50000"/>
+            </a:avLst>
+          </a:prstGeom>
+          <a:ln w="19050"/>
+        </p:spPr>
+        <p:style>
+          <a:lnRef idx="1">
+            <a:schemeClr val="dk1"/>
+          </a:lnRef>
+          <a:fillRef idx="0">
+            <a:schemeClr val="dk1"/>
+          </a:fillRef>
+          <a:effectRef idx="0">
+            <a:schemeClr val="dk1"/>
+          </a:effectRef>
+          <a:fontRef idx="minor">
+            <a:schemeClr val="tx1"/>
+          </a:fontRef>
+        </p:style>
+        <p:txBody>
+          <a:bodyPr rtlCol="0" anchor="ctr"/>
+          <a:lstStyle/>
+          <a:p>
+            <a:pPr algn="ctr"/>
+            <a:endParaRPr lang="en-US"/>
+          </a:p>
+        </p:txBody>
+      </p:sp>
+      <mc:AlternateContent xmlns:mc="http://schemas.openxmlformats.org/markup-compatibility/2006">
+        <mc:Choice xmlns:a14="http://schemas.microsoft.com/office/drawing/2010/main" Requires="a14">
+          <p:sp>
+            <p:nvSpPr>
+              <p:cNvPr id="104" name="TextBox 103">
+                <a:extLst>
+                  <a:ext uri="{FF2B5EF4-FFF2-40B4-BE49-F238E27FC236}">
+                    <a16:creationId xmlns:a16="http://schemas.microsoft.com/office/drawing/2014/main" id="{1FECCC03-56E7-EE20-80A8-5EDC1582E431}"/>
+                  </a:ext>
+                </a:extLst>
+              </p:cNvPr>
+              <p:cNvSpPr txBox="1"/>
+              <p:nvPr/>
+            </p:nvSpPr>
+            <p:spPr>
+              <a:xfrm>
+                <a:off x="9212757" y="2304537"/>
+                <a:ext cx="151836" cy="215444"/>
+              </a:xfrm>
+              <a:prstGeom prst="rect">
+                <a:avLst/>
+              </a:prstGeom>
+              <a:noFill/>
+            </p:spPr>
+            <p:txBody>
+              <a:bodyPr wrap="none" lIns="0" tIns="0" rIns="0" bIns="0" rtlCol="0">
+                <a:spAutoFit/>
+              </a:bodyPr>
+              <a:lstStyle/>
+              <a:p>
+                <a14:m>
+                  <m:oMathPara xmlns:m="http://schemas.openxmlformats.org/officeDocument/2006/math">
+                    <m:oMathParaPr>
+                      <m:jc m:val="centerGroup"/>
+                    </m:oMathParaPr>
+                    <m:oMath xmlns:m="http://schemas.openxmlformats.org/officeDocument/2006/math">
+                      <m:r>
+                        <a:rPr lang="en-US" sz="1400" b="0" i="1" smtClean="0">
+                          <a:latin typeface="Cambria Math" panose="02040503050406030204" pitchFamily="18" charset="0"/>
+                        </a:rPr>
+                        <m:t>𝑌</m:t>
+                      </m:r>
+                    </m:oMath>
+                  </m:oMathPara>
+                </a14:m>
+                <a:endParaRPr lang="en-US" sz="1400" dirty="0"/>
+              </a:p>
+            </p:txBody>
+          </p:sp>
+        </mc:Choice>
+        <mc:Fallback>
+          <p:sp>
+            <p:nvSpPr>
+              <p:cNvPr id="104" name="TextBox 103">
+                <a:extLst>
+                  <a:ext uri="{FF2B5EF4-FFF2-40B4-BE49-F238E27FC236}">
+                    <a16:creationId xmlns:a16="http://schemas.microsoft.com/office/drawing/2014/main" id="{1FECCC03-56E7-EE20-80A8-5EDC1582E431}"/>
+                  </a:ext>
+                </a:extLst>
+              </p:cNvPr>
+              <p:cNvSpPr txBox="1">
+                <a:spLocks noRot="1" noChangeAspect="1" noMove="1" noResize="1" noEditPoints="1" noAdjustHandles="1" noChangeArrowheads="1" noChangeShapeType="1" noTextEdit="1"/>
+              </p:cNvSpPr>
+              <p:nvPr/>
+            </p:nvSpPr>
+            <p:spPr>
+              <a:xfrm>
+                <a:off x="9212757" y="2304537"/>
+                <a:ext cx="151836" cy="215444"/>
+              </a:xfrm>
+              <a:prstGeom prst="rect">
+                <a:avLst/>
+              </a:prstGeom>
+              <a:blipFill>
+                <a:blip r:embed="rId34"/>
+                <a:stretch>
+                  <a:fillRect l="-28000" r="-20000" b="-5714"/>
+                </a:stretch>
+              </a:blipFill>
+            </p:spPr>
+            <p:txBody>
+              <a:bodyPr/>
+              <a:lstStyle/>
+              <a:p>
+                <a:r>
+                  <a:rPr lang="en-US">
+                    <a:noFill/>
+                  </a:rPr>
+                  <a:t> </a:t>
+                </a:r>
+              </a:p>
+            </p:txBody>
+          </p:sp>
+        </mc:Fallback>
+      </mc:AlternateContent>
+      <p:sp>
+        <p:nvSpPr>
+          <p:cNvPr id="105" name="Left Brace 104">
+            <a:extLst>
+              <a:ext uri="{FF2B5EF4-FFF2-40B4-BE49-F238E27FC236}">
+                <a16:creationId xmlns:a16="http://schemas.microsoft.com/office/drawing/2014/main" id="{AE3AFDBD-456D-1222-CCEF-523064B899B3}"/>
+              </a:ext>
+            </a:extLst>
+          </p:cNvPr>
+          <p:cNvSpPr/>
+          <p:nvPr/>
+        </p:nvSpPr>
+        <p:spPr>
+          <a:xfrm rot="5400000" flipH="1">
+            <a:off x="10218786" y="1714459"/>
+            <a:ext cx="117549" cy="922175"/>
+          </a:xfrm>
+          <a:prstGeom prst="leftBrace">
+            <a:avLst>
+              <a:gd name="adj1" fmla="val 44503"/>
+              <a:gd name="adj2" fmla="val 50000"/>
+            </a:avLst>
+          </a:prstGeom>
+          <a:ln w="19050"/>
+        </p:spPr>
+        <p:style>
+          <a:lnRef idx="1">
+            <a:schemeClr val="dk1"/>
+          </a:lnRef>
+          <a:fillRef idx="0">
+            <a:schemeClr val="dk1"/>
+          </a:fillRef>
+          <a:effectRef idx="0">
+            <a:schemeClr val="dk1"/>
+          </a:effectRef>
+          <a:fontRef idx="minor">
+            <a:schemeClr val="tx1"/>
+          </a:fontRef>
+        </p:style>
+        <p:txBody>
+          <a:bodyPr rtlCol="0" anchor="ctr"/>
+          <a:lstStyle/>
+          <a:p>
+            <a:pPr algn="ctr"/>
+            <a:endParaRPr lang="en-US"/>
+          </a:p>
+        </p:txBody>
+      </p:sp>
+      <mc:AlternateContent xmlns:mc="http://schemas.openxmlformats.org/markup-compatibility/2006">
+        <mc:Choice xmlns:a14="http://schemas.microsoft.com/office/drawing/2010/main" Requires="a14">
+          <p:sp>
+            <p:nvSpPr>
+              <p:cNvPr id="106" name="TextBox 105">
+                <a:extLst>
+                  <a:ext uri="{FF2B5EF4-FFF2-40B4-BE49-F238E27FC236}">
+                    <a16:creationId xmlns:a16="http://schemas.microsoft.com/office/drawing/2014/main" id="{DB97A325-E0D7-4821-C8E4-E1A6D2D8AD0A}"/>
+                  </a:ext>
+                </a:extLst>
+              </p:cNvPr>
+              <p:cNvSpPr txBox="1"/>
+              <p:nvPr/>
+            </p:nvSpPr>
+            <p:spPr>
+              <a:xfrm>
+                <a:off x="10190663" y="2299924"/>
+                <a:ext cx="151836" cy="215444"/>
+              </a:xfrm>
+              <a:prstGeom prst="rect">
+                <a:avLst/>
+              </a:prstGeom>
+              <a:noFill/>
+            </p:spPr>
+            <p:txBody>
+              <a:bodyPr wrap="none" lIns="0" tIns="0" rIns="0" bIns="0" rtlCol="0">
+                <a:spAutoFit/>
+              </a:bodyPr>
+              <a:lstStyle/>
+              <a:p>
+                <a14:m>
+                  <m:oMathPara xmlns:m="http://schemas.openxmlformats.org/officeDocument/2006/math">
+                    <m:oMathParaPr>
+                      <m:jc m:val="centerGroup"/>
+                    </m:oMathParaPr>
+                    <m:oMath xmlns:m="http://schemas.openxmlformats.org/officeDocument/2006/math">
+                      <m:r>
+                        <a:rPr lang="en-US" sz="1400" b="0" i="1" smtClean="0">
+                          <a:latin typeface="Cambria Math" panose="02040503050406030204" pitchFamily="18" charset="0"/>
+                        </a:rPr>
+                        <m:t>𝑍</m:t>
+                      </m:r>
+                    </m:oMath>
+                  </m:oMathPara>
+                </a14:m>
+                <a:endParaRPr lang="en-US" sz="1400" dirty="0"/>
+              </a:p>
+            </p:txBody>
+          </p:sp>
+        </mc:Choice>
+        <mc:Fallback>
+          <p:sp>
+            <p:nvSpPr>
+              <p:cNvPr id="106" name="TextBox 105">
+                <a:extLst>
+                  <a:ext uri="{FF2B5EF4-FFF2-40B4-BE49-F238E27FC236}">
+                    <a16:creationId xmlns:a16="http://schemas.microsoft.com/office/drawing/2014/main" id="{DB97A325-E0D7-4821-C8E4-E1A6D2D8AD0A}"/>
+                  </a:ext>
+                </a:extLst>
+              </p:cNvPr>
+              <p:cNvSpPr txBox="1">
+                <a:spLocks noRot="1" noChangeAspect="1" noMove="1" noResize="1" noEditPoints="1" noAdjustHandles="1" noChangeArrowheads="1" noChangeShapeType="1" noTextEdit="1"/>
+              </p:cNvSpPr>
+              <p:nvPr/>
+            </p:nvSpPr>
+            <p:spPr>
+              <a:xfrm>
+                <a:off x="10190663" y="2299924"/>
+                <a:ext cx="151836" cy="215444"/>
+              </a:xfrm>
+              <a:prstGeom prst="rect">
+                <a:avLst/>
+              </a:prstGeom>
+              <a:blipFill>
+                <a:blip r:embed="rId35"/>
+                <a:stretch>
+                  <a:fillRect l="-28000" r="-20000" b="-2778"/>
+                </a:stretch>
+              </a:blipFill>
+            </p:spPr>
+            <p:txBody>
+              <a:bodyPr/>
+              <a:lstStyle/>
+              <a:p>
+                <a:r>
+                  <a:rPr lang="en-US">
+                    <a:noFill/>
+                  </a:rPr>
+                  <a:t> </a:t>
+                </a:r>
+              </a:p>
+            </p:txBody>
+          </p:sp>
+        </mc:Fallback>
+      </mc:AlternateContent>
+      <p:sp>
+        <p:nvSpPr>
+          <p:cNvPr id="107" name="Cube 106">
+            <a:extLst>
+              <a:ext uri="{FF2B5EF4-FFF2-40B4-BE49-F238E27FC236}">
+                <a16:creationId xmlns:a16="http://schemas.microsoft.com/office/drawing/2014/main" id="{BBA531AC-CCED-825D-F704-A348391FD892}"/>
+              </a:ext>
+            </a:extLst>
+          </p:cNvPr>
+          <p:cNvSpPr/>
+          <p:nvPr/>
+        </p:nvSpPr>
+        <p:spPr>
+          <a:xfrm>
+            <a:off x="10387302" y="1523448"/>
+            <a:ext cx="530856" cy="476300"/>
+          </a:xfrm>
+          <a:prstGeom prst="cube">
+            <a:avLst/>
+          </a:prstGeom>
+          <a:solidFill>
+            <a:schemeClr val="accent1">
+              <a:alpha val="50000"/>
+            </a:schemeClr>
+          </a:solidFill>
+        </p:spPr>
+        <p:style>
+          <a:lnRef idx="2">
+            <a:schemeClr val="accent1">
+              <a:shade val="15000"/>
+            </a:schemeClr>
+          </a:lnRef>
+          <a:fillRef idx="1">
+            <a:schemeClr val="accent1"/>
+          </a:fillRef>
+          <a:effectRef idx="0">
+            <a:schemeClr val="accent1"/>
+          </a:effectRef>
+          <a:fontRef idx="minor">
+            <a:schemeClr val="lt1"/>
+          </a:fontRef>
+        </p:style>
+        <p:txBody>
+          <a:bodyPr rtlCol="0" anchor="ctr"/>
+          <a:lstStyle/>
+          <a:p>
+            <a:pPr algn="ctr"/>
+            <a:endParaRPr lang="en-US"/>
+          </a:p>
+        </p:txBody>
+      </p:sp>
+      <p:sp>
+        <p:nvSpPr>
+          <p:cNvPr id="111" name="Cube 110">
+            <a:extLst>
+              <a:ext uri="{FF2B5EF4-FFF2-40B4-BE49-F238E27FC236}">
+                <a16:creationId xmlns:a16="http://schemas.microsoft.com/office/drawing/2014/main" id="{5829552B-CEF1-F2B7-64C5-59CE8A008991}"/>
+              </a:ext>
+            </a:extLst>
+          </p:cNvPr>
+          <p:cNvSpPr/>
+          <p:nvPr/>
+        </p:nvSpPr>
+        <p:spPr>
+          <a:xfrm>
+            <a:off x="9896035" y="1523448"/>
+            <a:ext cx="530856" cy="476300"/>
+          </a:xfrm>
+          <a:prstGeom prst="cube">
+            <a:avLst/>
+          </a:prstGeom>
+          <a:solidFill>
+            <a:schemeClr val="accent1">
+              <a:alpha val="50000"/>
+            </a:schemeClr>
+          </a:solidFill>
+        </p:spPr>
+        <p:style>
+          <a:lnRef idx="2">
+            <a:schemeClr val="accent1">
+              <a:shade val="15000"/>
+            </a:schemeClr>
+          </a:lnRef>
+          <a:fillRef idx="1">
+            <a:schemeClr val="accent1"/>
+          </a:fillRef>
+          <a:effectRef idx="0">
+            <a:schemeClr val="accent1"/>
+          </a:effectRef>
+          <a:fontRef idx="minor">
+            <a:schemeClr val="lt1"/>
+          </a:fontRef>
+        </p:style>
+        <p:txBody>
+          <a:bodyPr rtlCol="0" anchor="ctr"/>
+          <a:lstStyle/>
+          <a:p>
+            <a:pPr algn="ctr"/>
+            <a:endParaRPr lang="en-US"/>
+          </a:p>
+        </p:txBody>
+      </p:sp>
+      <p:sp>
+        <p:nvSpPr>
+          <p:cNvPr id="112" name="Cube 111">
+            <a:extLst>
+              <a:ext uri="{FF2B5EF4-FFF2-40B4-BE49-F238E27FC236}">
+                <a16:creationId xmlns:a16="http://schemas.microsoft.com/office/drawing/2014/main" id="{C697AFE1-A1BD-52BE-C46D-96FA82B40352}"/>
+              </a:ext>
+            </a:extLst>
+          </p:cNvPr>
+          <p:cNvSpPr/>
+          <p:nvPr/>
+        </p:nvSpPr>
+        <p:spPr>
+          <a:xfrm>
+            <a:off x="10397577" y="1114861"/>
+            <a:ext cx="530856" cy="476300"/>
+          </a:xfrm>
+          <a:prstGeom prst="cube">
+            <a:avLst/>
+          </a:prstGeom>
+          <a:solidFill>
+            <a:schemeClr val="accent1">
+              <a:alpha val="50000"/>
+            </a:schemeClr>
+          </a:solidFill>
+        </p:spPr>
+        <p:style>
+          <a:lnRef idx="2">
+            <a:schemeClr val="accent1">
+              <a:shade val="15000"/>
+            </a:schemeClr>
+          </a:lnRef>
+          <a:fillRef idx="1">
+            <a:schemeClr val="accent1"/>
+          </a:fillRef>
+          <a:effectRef idx="0">
+            <a:schemeClr val="accent1"/>
+          </a:effectRef>
+          <a:fontRef idx="minor">
+            <a:schemeClr val="lt1"/>
+          </a:fontRef>
+        </p:style>
+        <p:txBody>
+          <a:bodyPr rtlCol="0" anchor="ctr"/>
+          <a:lstStyle/>
+          <a:p>
+            <a:pPr algn="ctr"/>
+            <a:endParaRPr lang="en-US"/>
+          </a:p>
+        </p:txBody>
+      </p:sp>
+      <p:sp>
+        <p:nvSpPr>
+          <p:cNvPr id="113" name="Cube 112">
+            <a:extLst>
+              <a:ext uri="{FF2B5EF4-FFF2-40B4-BE49-F238E27FC236}">
+                <a16:creationId xmlns:a16="http://schemas.microsoft.com/office/drawing/2014/main" id="{450FE2CE-E0C6-DA5F-1AF8-692187E23C0A}"/>
+              </a:ext>
+            </a:extLst>
+          </p:cNvPr>
+          <p:cNvSpPr/>
+          <p:nvPr/>
+        </p:nvSpPr>
+        <p:spPr>
+          <a:xfrm>
+            <a:off x="9906310" y="1114861"/>
+            <a:ext cx="530856" cy="476300"/>
+          </a:xfrm>
+          <a:prstGeom prst="cube">
+            <a:avLst/>
+          </a:prstGeom>
+          <a:solidFill>
+            <a:schemeClr val="accent1">
+              <a:alpha val="50000"/>
+            </a:schemeClr>
+          </a:solidFill>
+        </p:spPr>
+        <p:style>
+          <a:lnRef idx="2">
+            <a:schemeClr val="accent1">
+              <a:shade val="15000"/>
+            </a:schemeClr>
+          </a:lnRef>
+          <a:fillRef idx="1">
+            <a:schemeClr val="accent1"/>
+          </a:fillRef>
+          <a:effectRef idx="0">
+            <a:schemeClr val="accent1"/>
+          </a:effectRef>
+          <a:fontRef idx="minor">
+            <a:schemeClr val="lt1"/>
+          </a:fontRef>
+        </p:style>
+        <p:txBody>
+          <a:bodyPr rtlCol="0" anchor="ctr"/>
+          <a:lstStyle/>
+          <a:p>
+            <a:pPr algn="ctr"/>
+            <a:endParaRPr lang="en-US"/>
+          </a:p>
+        </p:txBody>
+      </p:sp>
+      <mc:AlternateContent xmlns:mc="http://schemas.openxmlformats.org/markup-compatibility/2006">
+        <mc:Choice xmlns:a14="http://schemas.microsoft.com/office/drawing/2010/main" Requires="a14">
+          <p:sp>
+            <p:nvSpPr>
+              <p:cNvPr id="114" name="TextBox 113">
+                <a:extLst>
+                  <a:ext uri="{FF2B5EF4-FFF2-40B4-BE49-F238E27FC236}">
+                    <a16:creationId xmlns:a16="http://schemas.microsoft.com/office/drawing/2014/main" id="{00FC4976-9BA1-7A23-709F-994CBB075A00}"/>
+                  </a:ext>
+                </a:extLst>
+              </p:cNvPr>
+              <p:cNvSpPr txBox="1"/>
+              <p:nvPr/>
+            </p:nvSpPr>
+            <p:spPr>
+              <a:xfrm>
+                <a:off x="9900571" y="1286945"/>
+                <a:ext cx="414337" cy="215444"/>
+              </a:xfrm>
+              <a:prstGeom prst="rect">
+                <a:avLst/>
+              </a:prstGeom>
+              <a:noFill/>
+            </p:spPr>
+            <p:txBody>
+              <a:bodyPr wrap="square" lIns="0" tIns="0" rIns="0" bIns="0" rtlCol="0">
+                <a:spAutoFit/>
+              </a:bodyPr>
+              <a:lstStyle/>
+              <a:p>
+                <a:pPr algn="ctr"/>
+                <a:r>
+                  <a:rPr lang="en-US" sz="1400" b="0" dirty="0"/>
+                  <a:t>  </a:t>
+                </a:r>
+                <a14:m>
+                  <m:oMath xmlns:m="http://schemas.openxmlformats.org/officeDocument/2006/math">
+                    <m:sSub>
+                      <m:sSubPr>
+                        <m:ctrlPr>
+                          <a:rPr lang="en-US" sz="1400" b="0" i="1" smtClean="0">
+                            <a:latin typeface="Cambria Math" panose="02040503050406030204" pitchFamily="18" charset="0"/>
+                          </a:rPr>
+                        </m:ctrlPr>
+                      </m:sSubPr>
+                      <m:e>
+                        <m:r>
+                          <a:rPr lang="en-US" sz="1400" b="0" i="1" smtClean="0">
+                            <a:latin typeface="Cambria Math" panose="02040503050406030204" pitchFamily="18" charset="0"/>
+                          </a:rPr>
+                          <m:t>𝑤</m:t>
+                        </m:r>
+                      </m:e>
+                      <m:sub>
+                        <m:r>
+                          <a:rPr lang="en-US" sz="1400" b="0" i="1" smtClean="0">
+                            <a:latin typeface="Cambria Math" panose="02040503050406030204" pitchFamily="18" charset="0"/>
+                          </a:rPr>
+                          <m:t>0</m:t>
+                        </m:r>
+                      </m:sub>
+                    </m:sSub>
+                  </m:oMath>
+                </a14:m>
+                <a:r>
+                  <a:rPr lang="en-US" sz="1400" dirty="0"/>
+                  <a:t> </a:t>
+                </a:r>
+              </a:p>
+            </p:txBody>
+          </p:sp>
+        </mc:Choice>
+        <mc:Fallback>
+          <p:sp>
+            <p:nvSpPr>
+              <p:cNvPr id="114" name="TextBox 113">
+                <a:extLst>
+                  <a:ext uri="{FF2B5EF4-FFF2-40B4-BE49-F238E27FC236}">
+                    <a16:creationId xmlns:a16="http://schemas.microsoft.com/office/drawing/2014/main" id="{00FC4976-9BA1-7A23-709F-994CBB075A00}"/>
+                  </a:ext>
+                </a:extLst>
+              </p:cNvPr>
+              <p:cNvSpPr txBox="1">
+                <a:spLocks noRot="1" noChangeAspect="1" noMove="1" noResize="1" noEditPoints="1" noAdjustHandles="1" noChangeArrowheads="1" noChangeShapeType="1" noTextEdit="1"/>
+              </p:cNvSpPr>
+              <p:nvPr/>
+            </p:nvSpPr>
+            <p:spPr>
+              <a:xfrm>
+                <a:off x="9900571" y="1286945"/>
+                <a:ext cx="414337" cy="215444"/>
+              </a:xfrm>
+              <a:prstGeom prst="rect">
+                <a:avLst/>
+              </a:prstGeom>
+              <a:blipFill>
+                <a:blip r:embed="rId36"/>
+                <a:stretch>
+                  <a:fillRect b="-14286"/>
+                </a:stretch>
+              </a:blipFill>
+            </p:spPr>
+            <p:txBody>
+              <a:bodyPr/>
+              <a:lstStyle/>
+              <a:p>
+                <a:r>
+                  <a:rPr lang="en-US">
+                    <a:noFill/>
+                  </a:rPr>
+                  <a:t> </a:t>
+                </a:r>
+              </a:p>
+            </p:txBody>
+          </p:sp>
+        </mc:Fallback>
+      </mc:AlternateContent>
+      <mc:AlternateContent xmlns:mc="http://schemas.openxmlformats.org/markup-compatibility/2006">
+        <mc:Choice xmlns:a14="http://schemas.microsoft.com/office/drawing/2010/main" Requires="a14">
+          <p:sp>
+            <p:nvSpPr>
+              <p:cNvPr id="115" name="TextBox 114">
+                <a:extLst>
+                  <a:ext uri="{FF2B5EF4-FFF2-40B4-BE49-F238E27FC236}">
+                    <a16:creationId xmlns:a16="http://schemas.microsoft.com/office/drawing/2014/main" id="{2F1486F0-796D-D706-53FE-AD867CA6BD8B}"/>
+                  </a:ext>
+                </a:extLst>
+              </p:cNvPr>
+              <p:cNvSpPr txBox="1"/>
+              <p:nvPr/>
+            </p:nvSpPr>
+            <p:spPr>
+              <a:xfrm>
+                <a:off x="10389249" y="1282585"/>
+                <a:ext cx="414337" cy="215444"/>
+              </a:xfrm>
+              <a:prstGeom prst="rect">
+                <a:avLst/>
+              </a:prstGeom>
+              <a:noFill/>
+            </p:spPr>
+            <p:txBody>
+              <a:bodyPr wrap="square" lIns="0" tIns="0" rIns="0" bIns="0" rtlCol="0">
+                <a:spAutoFit/>
+              </a:bodyPr>
+              <a:lstStyle/>
+              <a:p>
+                <a:pPr algn="ctr"/>
+                <a:r>
+                  <a:rPr lang="en-US" sz="1400" b="0" i="1" dirty="0"/>
+                  <a:t>  </a:t>
+                </a:r>
+                <a14:m>
+                  <m:oMath xmlns:m="http://schemas.openxmlformats.org/officeDocument/2006/math">
+                    <m:sSub>
+                      <m:sSubPr>
+                        <m:ctrlPr>
+                          <a:rPr lang="en-US" sz="1400" b="0" i="1" smtClean="0">
+                            <a:latin typeface="Cambria Math" panose="02040503050406030204" pitchFamily="18" charset="0"/>
+                          </a:rPr>
+                        </m:ctrlPr>
+                      </m:sSubPr>
+                      <m:e>
+                        <m:r>
+                          <a:rPr lang="en-US" sz="1400" b="0" i="1" smtClean="0">
+                            <a:latin typeface="Cambria Math" panose="02040503050406030204" pitchFamily="18" charset="0"/>
+                          </a:rPr>
+                          <m:t>𝑤</m:t>
+                        </m:r>
+                      </m:e>
+                      <m:sub>
+                        <m:r>
+                          <a:rPr lang="en-US" sz="1400" b="0" i="1" smtClean="0">
+                            <a:latin typeface="Cambria Math" panose="02040503050406030204" pitchFamily="18" charset="0"/>
+                          </a:rPr>
+                          <m:t>1</m:t>
+                        </m:r>
+                      </m:sub>
+                    </m:sSub>
+                  </m:oMath>
+                </a14:m>
+                <a:r>
+                  <a:rPr lang="en-US" sz="1400" i="1" dirty="0"/>
+                  <a:t> </a:t>
+                </a:r>
+              </a:p>
+            </p:txBody>
+          </p:sp>
+        </mc:Choice>
+        <mc:Fallback>
+          <p:sp>
+            <p:nvSpPr>
+              <p:cNvPr id="115" name="TextBox 114">
+                <a:extLst>
+                  <a:ext uri="{FF2B5EF4-FFF2-40B4-BE49-F238E27FC236}">
+                    <a16:creationId xmlns:a16="http://schemas.microsoft.com/office/drawing/2014/main" id="{2F1486F0-796D-D706-53FE-AD867CA6BD8B}"/>
+                  </a:ext>
+                </a:extLst>
+              </p:cNvPr>
+              <p:cNvSpPr txBox="1">
+                <a:spLocks noRot="1" noChangeAspect="1" noMove="1" noResize="1" noEditPoints="1" noAdjustHandles="1" noChangeArrowheads="1" noChangeShapeType="1" noTextEdit="1"/>
+              </p:cNvSpPr>
+              <p:nvPr/>
+            </p:nvSpPr>
+            <p:spPr>
+              <a:xfrm>
+                <a:off x="10389249" y="1282585"/>
+                <a:ext cx="414337" cy="215444"/>
+              </a:xfrm>
+              <a:prstGeom prst="rect">
+                <a:avLst/>
+              </a:prstGeom>
+              <a:blipFill>
+                <a:blip r:embed="rId37"/>
+                <a:stretch>
+                  <a:fillRect b="-11111"/>
+                </a:stretch>
+              </a:blipFill>
+            </p:spPr>
+            <p:txBody>
+              <a:bodyPr/>
+              <a:lstStyle/>
+              <a:p>
+                <a:r>
+                  <a:rPr lang="en-US">
+                    <a:noFill/>
+                  </a:rPr>
+                  <a:t> </a:t>
+                </a:r>
+              </a:p>
+            </p:txBody>
+          </p:sp>
+        </mc:Fallback>
+      </mc:AlternateContent>
+      <mc:AlternateContent xmlns:mc="http://schemas.openxmlformats.org/markup-compatibility/2006">
+        <mc:Choice xmlns:a14="http://schemas.microsoft.com/office/drawing/2010/main" Requires="a14">
+          <p:sp>
+            <p:nvSpPr>
+              <p:cNvPr id="116" name="TextBox 115">
+                <a:extLst>
+                  <a:ext uri="{FF2B5EF4-FFF2-40B4-BE49-F238E27FC236}">
+                    <a16:creationId xmlns:a16="http://schemas.microsoft.com/office/drawing/2014/main" id="{82EA39AE-C5E5-7774-4B14-17686009A572}"/>
+                  </a:ext>
+                </a:extLst>
+              </p:cNvPr>
+              <p:cNvSpPr txBox="1"/>
+              <p:nvPr/>
+            </p:nvSpPr>
+            <p:spPr>
+              <a:xfrm>
+                <a:off x="9895827" y="1712570"/>
+                <a:ext cx="414337" cy="215444"/>
+              </a:xfrm>
+              <a:prstGeom prst="rect">
+                <a:avLst/>
+              </a:prstGeom>
+              <a:noFill/>
+            </p:spPr>
+            <p:txBody>
+              <a:bodyPr wrap="square" lIns="0" tIns="0" rIns="0" bIns="0" rtlCol="0">
+                <a:spAutoFit/>
+              </a:bodyPr>
+              <a:lstStyle/>
+              <a:p>
+                <a:pPr algn="ctr"/>
+                <a:r>
+                  <a:rPr lang="en-US" sz="1400" b="0" i="1" dirty="0"/>
+                  <a:t>  </a:t>
+                </a:r>
+                <a14:m>
+                  <m:oMath xmlns:m="http://schemas.openxmlformats.org/officeDocument/2006/math">
+                    <m:sSub>
+                      <m:sSubPr>
+                        <m:ctrlPr>
+                          <a:rPr lang="en-US" sz="1400" b="0" i="1" smtClean="0">
+                            <a:latin typeface="Cambria Math" panose="02040503050406030204" pitchFamily="18" charset="0"/>
+                          </a:rPr>
+                        </m:ctrlPr>
+                      </m:sSubPr>
+                      <m:e>
+                        <m:r>
+                          <a:rPr lang="en-US" sz="1400" b="0" i="1" smtClean="0">
+                            <a:latin typeface="Cambria Math" panose="02040503050406030204" pitchFamily="18" charset="0"/>
+                          </a:rPr>
+                          <m:t>𝑤</m:t>
+                        </m:r>
+                      </m:e>
+                      <m:sub>
+                        <m:r>
+                          <a:rPr lang="en-US" sz="1400" b="0" i="1" smtClean="0">
+                            <a:latin typeface="Cambria Math" panose="02040503050406030204" pitchFamily="18" charset="0"/>
+                          </a:rPr>
+                          <m:t>2</m:t>
+                        </m:r>
+                      </m:sub>
+                    </m:sSub>
+                  </m:oMath>
+                </a14:m>
+                <a:r>
+                  <a:rPr lang="en-US" sz="1400" i="1" dirty="0"/>
+                  <a:t> </a:t>
+                </a:r>
+              </a:p>
+            </p:txBody>
+          </p:sp>
+        </mc:Choice>
+        <mc:Fallback>
+          <p:sp>
+            <p:nvSpPr>
+              <p:cNvPr id="116" name="TextBox 115">
+                <a:extLst>
+                  <a:ext uri="{FF2B5EF4-FFF2-40B4-BE49-F238E27FC236}">
+                    <a16:creationId xmlns:a16="http://schemas.microsoft.com/office/drawing/2014/main" id="{82EA39AE-C5E5-7774-4B14-17686009A572}"/>
+                  </a:ext>
+                </a:extLst>
+              </p:cNvPr>
+              <p:cNvSpPr txBox="1">
+                <a:spLocks noRot="1" noChangeAspect="1" noMove="1" noResize="1" noEditPoints="1" noAdjustHandles="1" noChangeArrowheads="1" noChangeShapeType="1" noTextEdit="1"/>
+              </p:cNvSpPr>
+              <p:nvPr/>
+            </p:nvSpPr>
+            <p:spPr>
+              <a:xfrm>
+                <a:off x="9895827" y="1712570"/>
+                <a:ext cx="414337" cy="215444"/>
+              </a:xfrm>
+              <a:prstGeom prst="rect">
+                <a:avLst/>
+              </a:prstGeom>
+              <a:blipFill>
+                <a:blip r:embed="rId38"/>
+                <a:stretch>
+                  <a:fillRect b="-14286"/>
+                </a:stretch>
+              </a:blipFill>
+            </p:spPr>
+            <p:txBody>
+              <a:bodyPr/>
+              <a:lstStyle/>
+              <a:p>
+                <a:r>
+                  <a:rPr lang="en-US">
+                    <a:noFill/>
+                  </a:rPr>
+                  <a:t> </a:t>
+                </a:r>
+              </a:p>
+            </p:txBody>
+          </p:sp>
+        </mc:Fallback>
+      </mc:AlternateContent>
+      <mc:AlternateContent xmlns:mc="http://schemas.openxmlformats.org/markup-compatibility/2006">
+        <mc:Choice xmlns:a14="http://schemas.microsoft.com/office/drawing/2010/main" Requires="a14">
+          <p:sp>
+            <p:nvSpPr>
+              <p:cNvPr id="117" name="TextBox 116">
+                <a:extLst>
+                  <a:ext uri="{FF2B5EF4-FFF2-40B4-BE49-F238E27FC236}">
+                    <a16:creationId xmlns:a16="http://schemas.microsoft.com/office/drawing/2014/main" id="{831DFEC2-734C-0D29-1F15-661435D7B478}"/>
+                  </a:ext>
+                </a:extLst>
+              </p:cNvPr>
+              <p:cNvSpPr txBox="1"/>
+              <p:nvPr/>
+            </p:nvSpPr>
+            <p:spPr>
+              <a:xfrm>
+                <a:off x="10389249" y="1712570"/>
+                <a:ext cx="414337" cy="215444"/>
+              </a:xfrm>
+              <a:prstGeom prst="rect">
+                <a:avLst/>
+              </a:prstGeom>
+              <a:noFill/>
+            </p:spPr>
+            <p:txBody>
+              <a:bodyPr wrap="square" lIns="0" tIns="0" rIns="0" bIns="0" rtlCol="0">
+                <a:spAutoFit/>
+              </a:bodyPr>
+              <a:lstStyle/>
+              <a:p>
+                <a:pPr algn="ctr"/>
+                <a:r>
+                  <a:rPr lang="en-US" sz="1400" b="0" i="1" dirty="0"/>
+                  <a:t>  </a:t>
+                </a:r>
+                <a14:m>
+                  <m:oMath xmlns:m="http://schemas.openxmlformats.org/officeDocument/2006/math">
+                    <m:sSub>
+                      <m:sSubPr>
+                        <m:ctrlPr>
+                          <a:rPr lang="en-US" sz="1400" b="0" i="1" smtClean="0">
+                            <a:latin typeface="Cambria Math" panose="02040503050406030204" pitchFamily="18" charset="0"/>
+                          </a:rPr>
+                        </m:ctrlPr>
+                      </m:sSubPr>
+                      <m:e>
+                        <m:r>
+                          <a:rPr lang="en-US" sz="1400" b="0" i="1" smtClean="0">
+                            <a:latin typeface="Cambria Math" panose="02040503050406030204" pitchFamily="18" charset="0"/>
+                          </a:rPr>
+                          <m:t>𝑤</m:t>
+                        </m:r>
+                      </m:e>
+                      <m:sub>
+                        <m:r>
+                          <a:rPr lang="en-US" sz="1400" b="0" i="1" smtClean="0">
+                            <a:latin typeface="Cambria Math" panose="02040503050406030204" pitchFamily="18" charset="0"/>
+                          </a:rPr>
+                          <m:t>3</m:t>
+                        </m:r>
+                      </m:sub>
+                    </m:sSub>
+                  </m:oMath>
+                </a14:m>
+                <a:r>
+                  <a:rPr lang="en-US" sz="1400" i="1" dirty="0"/>
+                  <a:t> </a:t>
+                </a:r>
+              </a:p>
+            </p:txBody>
+          </p:sp>
+        </mc:Choice>
+        <mc:Fallback>
+          <p:sp>
+            <p:nvSpPr>
+              <p:cNvPr id="117" name="TextBox 116">
+                <a:extLst>
+                  <a:ext uri="{FF2B5EF4-FFF2-40B4-BE49-F238E27FC236}">
+                    <a16:creationId xmlns:a16="http://schemas.microsoft.com/office/drawing/2014/main" id="{831DFEC2-734C-0D29-1F15-661435D7B478}"/>
+                  </a:ext>
+                </a:extLst>
+              </p:cNvPr>
+              <p:cNvSpPr txBox="1">
+                <a:spLocks noRot="1" noChangeAspect="1" noMove="1" noResize="1" noEditPoints="1" noAdjustHandles="1" noChangeArrowheads="1" noChangeShapeType="1" noTextEdit="1"/>
+              </p:cNvSpPr>
+              <p:nvPr/>
+            </p:nvSpPr>
+            <p:spPr>
+              <a:xfrm>
+                <a:off x="10389249" y="1712570"/>
+                <a:ext cx="414337" cy="215444"/>
+              </a:xfrm>
+              <a:prstGeom prst="rect">
+                <a:avLst/>
+              </a:prstGeom>
+              <a:blipFill>
+                <a:blip r:embed="rId39"/>
+                <a:stretch>
+                  <a:fillRect b="-14286"/>
+                </a:stretch>
+              </a:blipFill>
+            </p:spPr>
+            <p:txBody>
+              <a:bodyPr/>
+              <a:lstStyle/>
+              <a:p>
+                <a:r>
+                  <a:rPr lang="en-US">
+                    <a:noFill/>
+                  </a:rPr>
+                  <a:t> </a:t>
+                </a:r>
+              </a:p>
+            </p:txBody>
+          </p:sp>
+        </mc:Fallback>
+      </mc:AlternateContent>
+      <p:sp>
+        <p:nvSpPr>
+          <p:cNvPr id="118" name="Cube 117">
+            <a:extLst>
+              <a:ext uri="{FF2B5EF4-FFF2-40B4-BE49-F238E27FC236}">
+                <a16:creationId xmlns:a16="http://schemas.microsoft.com/office/drawing/2014/main" id="{696F4966-67FE-2615-3DB1-D63CA253D52C}"/>
+              </a:ext>
+            </a:extLst>
+          </p:cNvPr>
+          <p:cNvSpPr/>
+          <p:nvPr/>
+        </p:nvSpPr>
+        <p:spPr>
+          <a:xfrm>
+            <a:off x="9365017" y="1526540"/>
+            <a:ext cx="530856" cy="476300"/>
+          </a:xfrm>
+          <a:prstGeom prst="cube">
+            <a:avLst/>
+          </a:prstGeom>
+          <a:solidFill>
+            <a:srgbClr val="FF0000">
+              <a:alpha val="50000"/>
+            </a:srgbClr>
+          </a:solidFill>
+        </p:spPr>
+        <p:style>
+          <a:lnRef idx="2">
+            <a:schemeClr val="accent1">
+              <a:shade val="15000"/>
+            </a:schemeClr>
+          </a:lnRef>
+          <a:fillRef idx="1">
+            <a:schemeClr val="accent1"/>
+          </a:fillRef>
+          <a:effectRef idx="0">
+            <a:schemeClr val="accent1"/>
+          </a:effectRef>
+          <a:fontRef idx="minor">
+            <a:schemeClr val="lt1"/>
+          </a:fontRef>
+        </p:style>
+        <p:txBody>
+          <a:bodyPr rtlCol="0" anchor="ctr"/>
+          <a:lstStyle/>
+          <a:p>
+            <a:pPr algn="ctr"/>
+            <a:endParaRPr lang="en-US"/>
+          </a:p>
+        </p:txBody>
+      </p:sp>
+      <p:sp>
+        <p:nvSpPr>
+          <p:cNvPr id="119" name="Cube 118">
+            <a:extLst>
+              <a:ext uri="{FF2B5EF4-FFF2-40B4-BE49-F238E27FC236}">
+                <a16:creationId xmlns:a16="http://schemas.microsoft.com/office/drawing/2014/main" id="{D248D62C-1090-20E7-B3B5-58BD54BBC406}"/>
+              </a:ext>
+            </a:extLst>
+          </p:cNvPr>
+          <p:cNvSpPr/>
+          <p:nvPr/>
+        </p:nvSpPr>
+        <p:spPr>
+          <a:xfrm>
+            <a:off x="8873750" y="1526540"/>
+            <a:ext cx="530856" cy="476300"/>
+          </a:xfrm>
+          <a:prstGeom prst="cube">
+            <a:avLst/>
+          </a:prstGeom>
+          <a:solidFill>
+            <a:srgbClr val="FF0000">
+              <a:alpha val="50000"/>
+            </a:srgbClr>
+          </a:solidFill>
+        </p:spPr>
+        <p:style>
+          <a:lnRef idx="2">
+            <a:schemeClr val="accent1">
+              <a:shade val="15000"/>
+            </a:schemeClr>
+          </a:lnRef>
+          <a:fillRef idx="1">
+            <a:schemeClr val="accent1"/>
+          </a:fillRef>
+          <a:effectRef idx="0">
+            <a:schemeClr val="accent1"/>
+          </a:effectRef>
+          <a:fontRef idx="minor">
+            <a:schemeClr val="lt1"/>
+          </a:fontRef>
+        </p:style>
+        <p:txBody>
+          <a:bodyPr rtlCol="0" anchor="ctr"/>
+          <a:lstStyle/>
+          <a:p>
+            <a:pPr algn="ctr"/>
+            <a:endParaRPr lang="en-US"/>
+          </a:p>
+        </p:txBody>
+      </p:sp>
+      <p:sp>
+        <p:nvSpPr>
+          <p:cNvPr id="120" name="Cube 119">
+            <a:extLst>
+              <a:ext uri="{FF2B5EF4-FFF2-40B4-BE49-F238E27FC236}">
+                <a16:creationId xmlns:a16="http://schemas.microsoft.com/office/drawing/2014/main" id="{F28AF55A-8D5C-C493-AE3A-2F18BF719819}"/>
+              </a:ext>
+            </a:extLst>
+          </p:cNvPr>
+          <p:cNvSpPr/>
+          <p:nvPr/>
+        </p:nvSpPr>
+        <p:spPr>
+          <a:xfrm>
+            <a:off x="9375292" y="1117953"/>
+            <a:ext cx="530856" cy="476300"/>
+          </a:xfrm>
+          <a:prstGeom prst="cube">
+            <a:avLst/>
+          </a:prstGeom>
+          <a:solidFill>
+            <a:srgbClr val="FF0000">
+              <a:alpha val="50000"/>
+            </a:srgbClr>
+          </a:solidFill>
+        </p:spPr>
+        <p:style>
+          <a:lnRef idx="2">
+            <a:schemeClr val="accent1">
+              <a:shade val="15000"/>
+            </a:schemeClr>
+          </a:lnRef>
+          <a:fillRef idx="1">
+            <a:schemeClr val="accent1"/>
+          </a:fillRef>
+          <a:effectRef idx="0">
+            <a:schemeClr val="accent1"/>
+          </a:effectRef>
+          <a:fontRef idx="minor">
+            <a:schemeClr val="lt1"/>
+          </a:fontRef>
+        </p:style>
+        <p:txBody>
+          <a:bodyPr rtlCol="0" anchor="ctr"/>
+          <a:lstStyle/>
+          <a:p>
+            <a:pPr algn="ctr"/>
+            <a:endParaRPr lang="en-US"/>
+          </a:p>
+        </p:txBody>
+      </p:sp>
+      <p:sp>
+        <p:nvSpPr>
+          <p:cNvPr id="121" name="Cube 120">
+            <a:extLst>
+              <a:ext uri="{FF2B5EF4-FFF2-40B4-BE49-F238E27FC236}">
+                <a16:creationId xmlns:a16="http://schemas.microsoft.com/office/drawing/2014/main" id="{A3590F12-099B-C633-360B-45F91A496775}"/>
+              </a:ext>
+            </a:extLst>
+          </p:cNvPr>
+          <p:cNvSpPr/>
+          <p:nvPr/>
+        </p:nvSpPr>
+        <p:spPr>
+          <a:xfrm>
+            <a:off x="8884025" y="1117953"/>
+            <a:ext cx="530856" cy="476300"/>
+          </a:xfrm>
+          <a:prstGeom prst="cube">
+            <a:avLst/>
+          </a:prstGeom>
+          <a:solidFill>
+            <a:srgbClr val="FF0000">
+              <a:alpha val="50000"/>
+            </a:srgbClr>
+          </a:solidFill>
+        </p:spPr>
+        <p:style>
+          <a:lnRef idx="2">
+            <a:schemeClr val="accent1">
+              <a:shade val="15000"/>
+            </a:schemeClr>
+          </a:lnRef>
+          <a:fillRef idx="1">
+            <a:schemeClr val="accent1"/>
+          </a:fillRef>
+          <a:effectRef idx="0">
+            <a:schemeClr val="accent1"/>
+          </a:effectRef>
+          <a:fontRef idx="minor">
+            <a:schemeClr val="lt1"/>
+          </a:fontRef>
+        </p:style>
+        <p:txBody>
+          <a:bodyPr rtlCol="0" anchor="ctr"/>
+          <a:lstStyle/>
+          <a:p>
+            <a:pPr algn="ctr"/>
+            <a:endParaRPr lang="en-US"/>
+          </a:p>
+        </p:txBody>
+      </p:sp>
+      <mc:AlternateContent xmlns:mc="http://schemas.openxmlformats.org/markup-compatibility/2006">
+        <mc:Choice xmlns:a14="http://schemas.microsoft.com/office/drawing/2010/main" Requires="a14">
+          <p:sp>
+            <p:nvSpPr>
+              <p:cNvPr id="122" name="TextBox 121">
+                <a:extLst>
+                  <a:ext uri="{FF2B5EF4-FFF2-40B4-BE49-F238E27FC236}">
+                    <a16:creationId xmlns:a16="http://schemas.microsoft.com/office/drawing/2014/main" id="{BE0AAC36-D98D-A271-7BCB-1BF32843E2B6}"/>
+                  </a:ext>
+                </a:extLst>
+              </p:cNvPr>
+              <p:cNvSpPr txBox="1"/>
+              <p:nvPr/>
+            </p:nvSpPr>
+            <p:spPr>
+              <a:xfrm>
+                <a:off x="8878286" y="1290037"/>
+                <a:ext cx="414337" cy="215444"/>
+              </a:xfrm>
+              <a:prstGeom prst="rect">
+                <a:avLst/>
+              </a:prstGeom>
+              <a:noFill/>
+            </p:spPr>
+            <p:txBody>
+              <a:bodyPr wrap="square" lIns="0" tIns="0" rIns="0" bIns="0" rtlCol="0">
+                <a:spAutoFit/>
+              </a:bodyPr>
+              <a:lstStyle/>
+              <a:p>
+                <a:pPr algn="ctr"/>
+                <a:r>
+                  <a:rPr lang="en-US" sz="1400" b="0" dirty="0"/>
+                  <a:t>  </a:t>
+                </a:r>
+                <a14:m>
+                  <m:oMath xmlns:m="http://schemas.openxmlformats.org/officeDocument/2006/math">
+                    <m:sSub>
+                      <m:sSubPr>
+                        <m:ctrlPr>
+                          <a:rPr lang="en-US" sz="1400" b="0" i="1" smtClean="0">
+                            <a:latin typeface="Cambria Math" panose="02040503050406030204" pitchFamily="18" charset="0"/>
+                          </a:rPr>
+                        </m:ctrlPr>
+                      </m:sSubPr>
+                      <m:e>
+                        <m:r>
+                          <a:rPr lang="en-US" sz="1400" b="0" i="1" smtClean="0">
+                            <a:latin typeface="Cambria Math" panose="02040503050406030204" pitchFamily="18" charset="0"/>
+                          </a:rPr>
+                          <m:t>𝑤</m:t>
+                        </m:r>
+                      </m:e>
+                      <m:sub>
+                        <m:r>
+                          <a:rPr lang="en-US" sz="1400" b="0" i="1" smtClean="0">
+                            <a:latin typeface="Cambria Math" panose="02040503050406030204" pitchFamily="18" charset="0"/>
+                          </a:rPr>
+                          <m:t>0</m:t>
+                        </m:r>
+                      </m:sub>
+                    </m:sSub>
+                  </m:oMath>
+                </a14:m>
+                <a:r>
+                  <a:rPr lang="en-US" sz="1400" dirty="0"/>
+                  <a:t> </a:t>
+                </a:r>
+              </a:p>
+            </p:txBody>
+          </p:sp>
+        </mc:Choice>
+        <mc:Fallback>
+          <p:sp>
+            <p:nvSpPr>
+              <p:cNvPr id="122" name="TextBox 121">
+                <a:extLst>
+                  <a:ext uri="{FF2B5EF4-FFF2-40B4-BE49-F238E27FC236}">
+                    <a16:creationId xmlns:a16="http://schemas.microsoft.com/office/drawing/2014/main" id="{BE0AAC36-D98D-A271-7BCB-1BF32843E2B6}"/>
+                  </a:ext>
+                </a:extLst>
+              </p:cNvPr>
+              <p:cNvSpPr txBox="1">
+                <a:spLocks noRot="1" noChangeAspect="1" noMove="1" noResize="1" noEditPoints="1" noAdjustHandles="1" noChangeArrowheads="1" noChangeShapeType="1" noTextEdit="1"/>
+              </p:cNvSpPr>
+              <p:nvPr/>
+            </p:nvSpPr>
+            <p:spPr>
+              <a:xfrm>
+                <a:off x="8878286" y="1290037"/>
+                <a:ext cx="414337" cy="215444"/>
+              </a:xfrm>
+              <a:prstGeom prst="rect">
+                <a:avLst/>
+              </a:prstGeom>
+              <a:blipFill>
+                <a:blip r:embed="rId40"/>
+                <a:stretch>
+                  <a:fillRect b="-14286"/>
+                </a:stretch>
+              </a:blipFill>
+            </p:spPr>
+            <p:txBody>
+              <a:bodyPr/>
+              <a:lstStyle/>
+              <a:p>
+                <a:r>
+                  <a:rPr lang="en-US">
+                    <a:noFill/>
+                  </a:rPr>
+                  <a:t> </a:t>
+                </a:r>
+              </a:p>
+            </p:txBody>
+          </p:sp>
+        </mc:Fallback>
+      </mc:AlternateContent>
+      <mc:AlternateContent xmlns:mc="http://schemas.openxmlformats.org/markup-compatibility/2006">
+        <mc:Choice xmlns:a14="http://schemas.microsoft.com/office/drawing/2010/main" Requires="a14">
+          <p:sp>
+            <p:nvSpPr>
+              <p:cNvPr id="123" name="TextBox 122">
+                <a:extLst>
+                  <a:ext uri="{FF2B5EF4-FFF2-40B4-BE49-F238E27FC236}">
+                    <a16:creationId xmlns:a16="http://schemas.microsoft.com/office/drawing/2014/main" id="{7FC84FF7-2B44-0643-6C3F-578DA77ECD57}"/>
+                  </a:ext>
+                </a:extLst>
+              </p:cNvPr>
+              <p:cNvSpPr txBox="1"/>
+              <p:nvPr/>
+            </p:nvSpPr>
+            <p:spPr>
+              <a:xfrm>
+                <a:off x="9366964" y="1285677"/>
+                <a:ext cx="414337" cy="215444"/>
+              </a:xfrm>
+              <a:prstGeom prst="rect">
+                <a:avLst/>
+              </a:prstGeom>
+              <a:noFill/>
+            </p:spPr>
+            <p:txBody>
+              <a:bodyPr wrap="square" lIns="0" tIns="0" rIns="0" bIns="0" rtlCol="0">
+                <a:spAutoFit/>
+              </a:bodyPr>
+              <a:lstStyle/>
+              <a:p>
+                <a:pPr algn="ctr"/>
+                <a:r>
+                  <a:rPr lang="en-US" sz="1400" b="0" i="1" dirty="0"/>
+                  <a:t>  </a:t>
+                </a:r>
+                <a14:m>
+                  <m:oMath xmlns:m="http://schemas.openxmlformats.org/officeDocument/2006/math">
+                    <m:sSub>
+                      <m:sSubPr>
+                        <m:ctrlPr>
+                          <a:rPr lang="en-US" sz="1400" b="0" i="1" smtClean="0">
+                            <a:latin typeface="Cambria Math" panose="02040503050406030204" pitchFamily="18" charset="0"/>
+                          </a:rPr>
+                        </m:ctrlPr>
+                      </m:sSubPr>
+                      <m:e>
+                        <m:r>
+                          <a:rPr lang="en-US" sz="1400" b="0" i="1" smtClean="0">
+                            <a:latin typeface="Cambria Math" panose="02040503050406030204" pitchFamily="18" charset="0"/>
+                          </a:rPr>
+                          <m:t>𝑤</m:t>
+                        </m:r>
+                      </m:e>
+                      <m:sub>
+                        <m:r>
+                          <a:rPr lang="en-US" sz="1400" b="0" i="1" smtClean="0">
+                            <a:latin typeface="Cambria Math" panose="02040503050406030204" pitchFamily="18" charset="0"/>
+                          </a:rPr>
+                          <m:t>1</m:t>
+                        </m:r>
+                      </m:sub>
+                    </m:sSub>
+                  </m:oMath>
+                </a14:m>
+                <a:r>
+                  <a:rPr lang="en-US" sz="1400" i="1" dirty="0"/>
+                  <a:t> </a:t>
+                </a:r>
+              </a:p>
+            </p:txBody>
+          </p:sp>
+        </mc:Choice>
+        <mc:Fallback>
+          <p:sp>
+            <p:nvSpPr>
+              <p:cNvPr id="123" name="TextBox 122">
+                <a:extLst>
+                  <a:ext uri="{FF2B5EF4-FFF2-40B4-BE49-F238E27FC236}">
+                    <a16:creationId xmlns:a16="http://schemas.microsoft.com/office/drawing/2014/main" id="{7FC84FF7-2B44-0643-6C3F-578DA77ECD57}"/>
+                  </a:ext>
+                </a:extLst>
+              </p:cNvPr>
+              <p:cNvSpPr txBox="1">
+                <a:spLocks noRot="1" noChangeAspect="1" noMove="1" noResize="1" noEditPoints="1" noAdjustHandles="1" noChangeArrowheads="1" noChangeShapeType="1" noTextEdit="1"/>
+              </p:cNvSpPr>
+              <p:nvPr/>
+            </p:nvSpPr>
+            <p:spPr>
+              <a:xfrm>
+                <a:off x="9366964" y="1285677"/>
+                <a:ext cx="414337" cy="215444"/>
+              </a:xfrm>
+              <a:prstGeom prst="rect">
+                <a:avLst/>
+              </a:prstGeom>
+              <a:blipFill>
+                <a:blip r:embed="rId37"/>
+                <a:stretch>
+                  <a:fillRect b="-14286"/>
+                </a:stretch>
+              </a:blipFill>
+            </p:spPr>
+            <p:txBody>
+              <a:bodyPr/>
+              <a:lstStyle/>
+              <a:p>
+                <a:r>
+                  <a:rPr lang="en-US">
+                    <a:noFill/>
+                  </a:rPr>
+                  <a:t> </a:t>
+                </a:r>
+              </a:p>
+            </p:txBody>
+          </p:sp>
+        </mc:Fallback>
+      </mc:AlternateContent>
+      <mc:AlternateContent xmlns:mc="http://schemas.openxmlformats.org/markup-compatibility/2006">
+        <mc:Choice xmlns:a14="http://schemas.microsoft.com/office/drawing/2010/main" Requires="a14">
+          <p:sp>
+            <p:nvSpPr>
+              <p:cNvPr id="124" name="TextBox 123">
+                <a:extLst>
+                  <a:ext uri="{FF2B5EF4-FFF2-40B4-BE49-F238E27FC236}">
+                    <a16:creationId xmlns:a16="http://schemas.microsoft.com/office/drawing/2014/main" id="{01BEC586-522C-A407-F77F-3F7FEAF600B0}"/>
+                  </a:ext>
+                </a:extLst>
+              </p:cNvPr>
+              <p:cNvSpPr txBox="1"/>
+              <p:nvPr/>
+            </p:nvSpPr>
+            <p:spPr>
+              <a:xfrm>
+                <a:off x="8873542" y="1715662"/>
+                <a:ext cx="414337" cy="215444"/>
+              </a:xfrm>
+              <a:prstGeom prst="rect">
+                <a:avLst/>
+              </a:prstGeom>
+              <a:noFill/>
+            </p:spPr>
+            <p:txBody>
+              <a:bodyPr wrap="square" lIns="0" tIns="0" rIns="0" bIns="0" rtlCol="0">
+                <a:spAutoFit/>
+              </a:bodyPr>
+              <a:lstStyle/>
+              <a:p>
+                <a:pPr algn="ctr"/>
+                <a:r>
+                  <a:rPr lang="en-US" sz="1400" b="0" i="1" dirty="0"/>
+                  <a:t>  </a:t>
+                </a:r>
+                <a14:m>
+                  <m:oMath xmlns:m="http://schemas.openxmlformats.org/officeDocument/2006/math">
+                    <m:sSub>
+                      <m:sSubPr>
+                        <m:ctrlPr>
+                          <a:rPr lang="en-US" sz="1400" b="0" i="1" smtClean="0">
+                            <a:latin typeface="Cambria Math" panose="02040503050406030204" pitchFamily="18" charset="0"/>
+                          </a:rPr>
+                        </m:ctrlPr>
+                      </m:sSubPr>
+                      <m:e>
+                        <m:r>
+                          <a:rPr lang="en-US" sz="1400" b="0" i="1" smtClean="0">
+                            <a:latin typeface="Cambria Math" panose="02040503050406030204" pitchFamily="18" charset="0"/>
+                          </a:rPr>
+                          <m:t>𝑤</m:t>
+                        </m:r>
+                      </m:e>
+                      <m:sub>
+                        <m:r>
+                          <a:rPr lang="en-US" sz="1400" b="0" i="1" smtClean="0">
+                            <a:latin typeface="Cambria Math" panose="02040503050406030204" pitchFamily="18" charset="0"/>
+                          </a:rPr>
+                          <m:t>2</m:t>
+                        </m:r>
+                      </m:sub>
+                    </m:sSub>
+                  </m:oMath>
+                </a14:m>
+                <a:r>
+                  <a:rPr lang="en-US" sz="1400" i="1" dirty="0"/>
+                  <a:t> </a:t>
+                </a:r>
+              </a:p>
+            </p:txBody>
+          </p:sp>
+        </mc:Choice>
+        <mc:Fallback>
+          <p:sp>
+            <p:nvSpPr>
+              <p:cNvPr id="124" name="TextBox 123">
+                <a:extLst>
+                  <a:ext uri="{FF2B5EF4-FFF2-40B4-BE49-F238E27FC236}">
+                    <a16:creationId xmlns:a16="http://schemas.microsoft.com/office/drawing/2014/main" id="{01BEC586-522C-A407-F77F-3F7FEAF600B0}"/>
+                  </a:ext>
+                </a:extLst>
+              </p:cNvPr>
+              <p:cNvSpPr txBox="1">
+                <a:spLocks noRot="1" noChangeAspect="1" noMove="1" noResize="1" noEditPoints="1" noAdjustHandles="1" noChangeArrowheads="1" noChangeShapeType="1" noTextEdit="1"/>
+              </p:cNvSpPr>
+              <p:nvPr/>
+            </p:nvSpPr>
+            <p:spPr>
+              <a:xfrm>
+                <a:off x="8873542" y="1715662"/>
+                <a:ext cx="414337" cy="215444"/>
+              </a:xfrm>
+              <a:prstGeom prst="rect">
+                <a:avLst/>
+              </a:prstGeom>
+              <a:blipFill>
+                <a:blip r:embed="rId38"/>
+                <a:stretch>
+                  <a:fillRect b="-11111"/>
+                </a:stretch>
+              </a:blipFill>
+            </p:spPr>
+            <p:txBody>
+              <a:bodyPr/>
+              <a:lstStyle/>
+              <a:p>
+                <a:r>
+                  <a:rPr lang="en-US">
+                    <a:noFill/>
+                  </a:rPr>
+                  <a:t> </a:t>
+                </a:r>
+              </a:p>
+            </p:txBody>
+          </p:sp>
+        </mc:Fallback>
+      </mc:AlternateContent>
+      <mc:AlternateContent xmlns:mc="http://schemas.openxmlformats.org/markup-compatibility/2006">
+        <mc:Choice xmlns:a14="http://schemas.microsoft.com/office/drawing/2010/main" Requires="a14">
+          <p:sp>
+            <p:nvSpPr>
+              <p:cNvPr id="125" name="TextBox 124">
+                <a:extLst>
+                  <a:ext uri="{FF2B5EF4-FFF2-40B4-BE49-F238E27FC236}">
+                    <a16:creationId xmlns:a16="http://schemas.microsoft.com/office/drawing/2014/main" id="{DB01F160-264D-BE1F-0838-AC5B240A513B}"/>
+                  </a:ext>
+                </a:extLst>
+              </p:cNvPr>
+              <p:cNvSpPr txBox="1"/>
+              <p:nvPr/>
+            </p:nvSpPr>
+            <p:spPr>
+              <a:xfrm>
+                <a:off x="9366964" y="1715662"/>
+                <a:ext cx="414337" cy="215444"/>
+              </a:xfrm>
+              <a:prstGeom prst="rect">
+                <a:avLst/>
+              </a:prstGeom>
+              <a:noFill/>
+            </p:spPr>
+            <p:txBody>
+              <a:bodyPr wrap="square" lIns="0" tIns="0" rIns="0" bIns="0" rtlCol="0">
+                <a:spAutoFit/>
+              </a:bodyPr>
+              <a:lstStyle/>
+              <a:p>
+                <a:pPr algn="ctr"/>
+                <a:r>
+                  <a:rPr lang="en-US" sz="1400" b="0" i="1" dirty="0"/>
+                  <a:t>  </a:t>
+                </a:r>
+                <a14:m>
+                  <m:oMath xmlns:m="http://schemas.openxmlformats.org/officeDocument/2006/math">
+                    <m:sSub>
+                      <m:sSubPr>
+                        <m:ctrlPr>
+                          <a:rPr lang="en-US" sz="1400" b="0" i="1" smtClean="0">
+                            <a:latin typeface="Cambria Math" panose="02040503050406030204" pitchFamily="18" charset="0"/>
+                          </a:rPr>
+                        </m:ctrlPr>
+                      </m:sSubPr>
+                      <m:e>
+                        <m:r>
+                          <a:rPr lang="en-US" sz="1400" b="0" i="1" smtClean="0">
+                            <a:latin typeface="Cambria Math" panose="02040503050406030204" pitchFamily="18" charset="0"/>
+                          </a:rPr>
+                          <m:t>𝑤</m:t>
+                        </m:r>
+                      </m:e>
+                      <m:sub>
+                        <m:r>
+                          <a:rPr lang="en-US" sz="1400" b="0" i="1" smtClean="0">
+                            <a:latin typeface="Cambria Math" panose="02040503050406030204" pitchFamily="18" charset="0"/>
+                          </a:rPr>
+                          <m:t>3</m:t>
+                        </m:r>
+                      </m:sub>
+                    </m:sSub>
+                  </m:oMath>
+                </a14:m>
+                <a:r>
+                  <a:rPr lang="en-US" sz="1400" i="1" dirty="0"/>
+                  <a:t> </a:t>
+                </a:r>
+              </a:p>
+            </p:txBody>
+          </p:sp>
+        </mc:Choice>
+        <mc:Fallback>
+          <p:sp>
+            <p:nvSpPr>
+              <p:cNvPr id="125" name="TextBox 124">
+                <a:extLst>
+                  <a:ext uri="{FF2B5EF4-FFF2-40B4-BE49-F238E27FC236}">
+                    <a16:creationId xmlns:a16="http://schemas.microsoft.com/office/drawing/2014/main" id="{DB01F160-264D-BE1F-0838-AC5B240A513B}"/>
+                  </a:ext>
+                </a:extLst>
+              </p:cNvPr>
+              <p:cNvSpPr txBox="1">
+                <a:spLocks noRot="1" noChangeAspect="1" noMove="1" noResize="1" noEditPoints="1" noAdjustHandles="1" noChangeArrowheads="1" noChangeShapeType="1" noTextEdit="1"/>
+              </p:cNvSpPr>
+              <p:nvPr/>
+            </p:nvSpPr>
+            <p:spPr>
+              <a:xfrm>
+                <a:off x="9366964" y="1715662"/>
+                <a:ext cx="414337" cy="215444"/>
+              </a:xfrm>
+              <a:prstGeom prst="rect">
+                <a:avLst/>
+              </a:prstGeom>
+              <a:blipFill>
+                <a:blip r:embed="rId39"/>
+                <a:stretch>
+                  <a:fillRect b="-11111"/>
+                </a:stretch>
+              </a:blipFill>
+            </p:spPr>
+            <p:txBody>
+              <a:bodyPr/>
+              <a:lstStyle/>
+              <a:p>
+                <a:r>
+                  <a:rPr lang="en-US">
+                    <a:noFill/>
+                  </a:rPr>
+                  <a:t> </a:t>
+                </a:r>
+              </a:p>
+            </p:txBody>
+          </p:sp>
+        </mc:Fallback>
+      </mc:AlternateContent>
+      <p:sp>
+        <p:nvSpPr>
+          <p:cNvPr id="126" name="Cube 125">
+            <a:extLst>
+              <a:ext uri="{FF2B5EF4-FFF2-40B4-BE49-F238E27FC236}">
+                <a16:creationId xmlns:a16="http://schemas.microsoft.com/office/drawing/2014/main" id="{1A105AF5-5F2B-F481-7596-29C22CB108F8}"/>
+              </a:ext>
+            </a:extLst>
+          </p:cNvPr>
+          <p:cNvSpPr/>
+          <p:nvPr/>
+        </p:nvSpPr>
+        <p:spPr>
+          <a:xfrm>
+            <a:off x="8395281" y="1525394"/>
+            <a:ext cx="530856" cy="476300"/>
+          </a:xfrm>
+          <a:prstGeom prst="cube">
+            <a:avLst/>
+          </a:prstGeom>
+          <a:solidFill>
+            <a:srgbClr val="00B050">
+              <a:alpha val="50000"/>
+            </a:srgbClr>
+          </a:solidFill>
+        </p:spPr>
+        <p:style>
+          <a:lnRef idx="2">
+            <a:schemeClr val="accent1">
+              <a:shade val="15000"/>
+            </a:schemeClr>
+          </a:lnRef>
+          <a:fillRef idx="1">
+            <a:schemeClr val="accent1"/>
+          </a:fillRef>
+          <a:effectRef idx="0">
+            <a:schemeClr val="accent1"/>
+          </a:effectRef>
+          <a:fontRef idx="minor">
+            <a:schemeClr val="lt1"/>
+          </a:fontRef>
+        </p:style>
+        <p:txBody>
+          <a:bodyPr rtlCol="0" anchor="ctr"/>
+          <a:lstStyle/>
+          <a:p>
+            <a:pPr algn="ctr"/>
+            <a:endParaRPr lang="en-US"/>
+          </a:p>
+        </p:txBody>
+      </p:sp>
+      <p:sp>
+        <p:nvSpPr>
+          <p:cNvPr id="127" name="Cube 126">
+            <a:extLst>
+              <a:ext uri="{FF2B5EF4-FFF2-40B4-BE49-F238E27FC236}">
+                <a16:creationId xmlns:a16="http://schemas.microsoft.com/office/drawing/2014/main" id="{0DE1AC8B-4F37-6B9E-64BB-CC784E5123EE}"/>
+              </a:ext>
+            </a:extLst>
+          </p:cNvPr>
+          <p:cNvSpPr/>
+          <p:nvPr/>
+        </p:nvSpPr>
+        <p:spPr>
+          <a:xfrm>
+            <a:off x="7904014" y="1527775"/>
+            <a:ext cx="530856" cy="476300"/>
+          </a:xfrm>
+          <a:prstGeom prst="cube">
+            <a:avLst/>
+          </a:prstGeom>
+          <a:solidFill>
+            <a:srgbClr val="00B050">
+              <a:alpha val="50000"/>
+            </a:srgbClr>
+          </a:solidFill>
+        </p:spPr>
+        <p:style>
+          <a:lnRef idx="2">
+            <a:schemeClr val="accent1">
+              <a:shade val="15000"/>
+            </a:schemeClr>
+          </a:lnRef>
+          <a:fillRef idx="1">
+            <a:schemeClr val="accent1"/>
+          </a:fillRef>
+          <a:effectRef idx="0">
+            <a:schemeClr val="accent1"/>
+          </a:effectRef>
+          <a:fontRef idx="minor">
+            <a:schemeClr val="lt1"/>
+          </a:fontRef>
+        </p:style>
+        <p:txBody>
+          <a:bodyPr rtlCol="0" anchor="ctr"/>
+          <a:lstStyle/>
+          <a:p>
+            <a:pPr algn="ctr"/>
+            <a:endParaRPr lang="en-US"/>
+          </a:p>
+        </p:txBody>
+      </p:sp>
+      <p:sp>
+        <p:nvSpPr>
+          <p:cNvPr id="128" name="Cube 127">
+            <a:extLst>
+              <a:ext uri="{FF2B5EF4-FFF2-40B4-BE49-F238E27FC236}">
+                <a16:creationId xmlns:a16="http://schemas.microsoft.com/office/drawing/2014/main" id="{9DE23165-BBF4-AC33-216C-41DA012C634E}"/>
+              </a:ext>
+            </a:extLst>
+          </p:cNvPr>
+          <p:cNvSpPr/>
+          <p:nvPr/>
+        </p:nvSpPr>
+        <p:spPr>
+          <a:xfrm>
+            <a:off x="8405556" y="1114426"/>
+            <a:ext cx="530856" cy="476300"/>
+          </a:xfrm>
+          <a:prstGeom prst="cube">
+            <a:avLst/>
+          </a:prstGeom>
+          <a:solidFill>
+            <a:srgbClr val="00B050">
+              <a:alpha val="50000"/>
+            </a:srgbClr>
+          </a:solidFill>
+        </p:spPr>
+        <p:style>
+          <a:lnRef idx="2">
+            <a:schemeClr val="accent1">
+              <a:shade val="15000"/>
+            </a:schemeClr>
+          </a:lnRef>
+          <a:fillRef idx="1">
+            <a:schemeClr val="accent1"/>
+          </a:fillRef>
+          <a:effectRef idx="0">
+            <a:schemeClr val="accent1"/>
+          </a:effectRef>
+          <a:fontRef idx="minor">
+            <a:schemeClr val="lt1"/>
+          </a:fontRef>
+        </p:style>
+        <p:txBody>
+          <a:bodyPr rtlCol="0" anchor="ctr"/>
+          <a:lstStyle/>
+          <a:p>
+            <a:pPr algn="ctr"/>
+            <a:endParaRPr lang="en-US"/>
+          </a:p>
+        </p:txBody>
+      </p:sp>
+      <p:sp>
+        <p:nvSpPr>
+          <p:cNvPr id="129" name="Cube 128">
+            <a:extLst>
+              <a:ext uri="{FF2B5EF4-FFF2-40B4-BE49-F238E27FC236}">
+                <a16:creationId xmlns:a16="http://schemas.microsoft.com/office/drawing/2014/main" id="{A686FEB9-F82E-3DA1-ECA8-CE65E3AB3DD0}"/>
+              </a:ext>
+            </a:extLst>
+          </p:cNvPr>
+          <p:cNvSpPr/>
+          <p:nvPr/>
+        </p:nvSpPr>
+        <p:spPr>
+          <a:xfrm>
+            <a:off x="7914289" y="1114425"/>
+            <a:ext cx="530856" cy="476300"/>
+          </a:xfrm>
+          <a:prstGeom prst="cube">
+            <a:avLst/>
+          </a:prstGeom>
+          <a:solidFill>
+            <a:srgbClr val="00B050">
+              <a:alpha val="50000"/>
+            </a:srgbClr>
+          </a:solidFill>
+        </p:spPr>
+        <p:style>
+          <a:lnRef idx="2">
+            <a:schemeClr val="accent1">
+              <a:shade val="15000"/>
+            </a:schemeClr>
+          </a:lnRef>
+          <a:fillRef idx="1">
+            <a:schemeClr val="accent1"/>
+          </a:fillRef>
+          <a:effectRef idx="0">
+            <a:schemeClr val="accent1"/>
+          </a:effectRef>
+          <a:fontRef idx="minor">
+            <a:schemeClr val="lt1"/>
+          </a:fontRef>
+        </p:style>
+        <p:txBody>
+          <a:bodyPr rtlCol="0" anchor="ctr"/>
+          <a:lstStyle/>
+          <a:p>
+            <a:pPr algn="ctr"/>
+            <a:endParaRPr lang="en-US"/>
+          </a:p>
+        </p:txBody>
+      </p:sp>
+      <mc:AlternateContent xmlns:mc="http://schemas.openxmlformats.org/markup-compatibility/2006">
+        <mc:Choice xmlns:a14="http://schemas.microsoft.com/office/drawing/2010/main" Requires="a14">
+          <p:sp>
+            <p:nvSpPr>
+              <p:cNvPr id="130" name="TextBox 129">
+                <a:extLst>
+                  <a:ext uri="{FF2B5EF4-FFF2-40B4-BE49-F238E27FC236}">
+                    <a16:creationId xmlns:a16="http://schemas.microsoft.com/office/drawing/2014/main" id="{4DB0B342-E320-1D0F-6301-71EB1D3E857A}"/>
+                  </a:ext>
+                </a:extLst>
+              </p:cNvPr>
+              <p:cNvSpPr txBox="1"/>
+              <p:nvPr/>
+            </p:nvSpPr>
+            <p:spPr>
+              <a:xfrm>
+                <a:off x="7908550" y="1288891"/>
+                <a:ext cx="414337" cy="215444"/>
+              </a:xfrm>
+              <a:prstGeom prst="rect">
+                <a:avLst/>
+              </a:prstGeom>
+              <a:noFill/>
+            </p:spPr>
+            <p:txBody>
+              <a:bodyPr wrap="square" lIns="0" tIns="0" rIns="0" bIns="0" rtlCol="0">
+                <a:spAutoFit/>
+              </a:bodyPr>
+              <a:lstStyle/>
+              <a:p>
+                <a:pPr algn="ctr"/>
+                <a:r>
+                  <a:rPr lang="en-US" sz="1400" b="0" dirty="0"/>
+                  <a:t>  </a:t>
+                </a:r>
+                <a14:m>
+                  <m:oMath xmlns:m="http://schemas.openxmlformats.org/officeDocument/2006/math">
+                    <m:sSub>
+                      <m:sSubPr>
+                        <m:ctrlPr>
+                          <a:rPr lang="en-US" sz="1400" b="0" i="1" smtClean="0">
+                            <a:latin typeface="Cambria Math" panose="02040503050406030204" pitchFamily="18" charset="0"/>
+                          </a:rPr>
+                        </m:ctrlPr>
+                      </m:sSubPr>
+                      <m:e>
+                        <m:r>
+                          <a:rPr lang="en-US" sz="1400" b="0" i="1" smtClean="0">
+                            <a:latin typeface="Cambria Math" panose="02040503050406030204" pitchFamily="18" charset="0"/>
+                          </a:rPr>
+                          <m:t>𝑤</m:t>
+                        </m:r>
+                      </m:e>
+                      <m:sub>
+                        <m:r>
+                          <a:rPr lang="en-US" sz="1400" b="0" i="1" smtClean="0">
+                            <a:latin typeface="Cambria Math" panose="02040503050406030204" pitchFamily="18" charset="0"/>
+                          </a:rPr>
+                          <m:t>0</m:t>
+                        </m:r>
+                      </m:sub>
+                    </m:sSub>
+                  </m:oMath>
+                </a14:m>
+                <a:r>
+                  <a:rPr lang="en-US" sz="1400" dirty="0"/>
+                  <a:t> </a:t>
+                </a:r>
+              </a:p>
+            </p:txBody>
+          </p:sp>
+        </mc:Choice>
+        <mc:Fallback>
+          <p:sp>
+            <p:nvSpPr>
+              <p:cNvPr id="130" name="TextBox 129">
+                <a:extLst>
+                  <a:ext uri="{FF2B5EF4-FFF2-40B4-BE49-F238E27FC236}">
+                    <a16:creationId xmlns:a16="http://schemas.microsoft.com/office/drawing/2014/main" id="{4DB0B342-E320-1D0F-6301-71EB1D3E857A}"/>
+                  </a:ext>
+                </a:extLst>
+              </p:cNvPr>
+              <p:cNvSpPr txBox="1">
+                <a:spLocks noRot="1" noChangeAspect="1" noMove="1" noResize="1" noEditPoints="1" noAdjustHandles="1" noChangeArrowheads="1" noChangeShapeType="1" noTextEdit="1"/>
+              </p:cNvSpPr>
+              <p:nvPr/>
+            </p:nvSpPr>
+            <p:spPr>
+              <a:xfrm>
+                <a:off x="7908550" y="1288891"/>
+                <a:ext cx="414337" cy="215444"/>
+              </a:xfrm>
+              <a:prstGeom prst="rect">
+                <a:avLst/>
+              </a:prstGeom>
+              <a:blipFill>
+                <a:blip r:embed="rId40"/>
+                <a:stretch>
+                  <a:fillRect b="-11111"/>
+                </a:stretch>
+              </a:blipFill>
+            </p:spPr>
+            <p:txBody>
+              <a:bodyPr/>
+              <a:lstStyle/>
+              <a:p>
+                <a:r>
+                  <a:rPr lang="en-US">
+                    <a:noFill/>
+                  </a:rPr>
+                  <a:t> </a:t>
+                </a:r>
+              </a:p>
+            </p:txBody>
+          </p:sp>
+        </mc:Fallback>
+      </mc:AlternateContent>
+      <mc:AlternateContent xmlns:mc="http://schemas.openxmlformats.org/markup-compatibility/2006">
+        <mc:Choice xmlns:a14="http://schemas.microsoft.com/office/drawing/2010/main" Requires="a14">
+          <p:sp>
+            <p:nvSpPr>
+              <p:cNvPr id="131" name="TextBox 130">
+                <a:extLst>
+                  <a:ext uri="{FF2B5EF4-FFF2-40B4-BE49-F238E27FC236}">
+                    <a16:creationId xmlns:a16="http://schemas.microsoft.com/office/drawing/2014/main" id="{765ED829-A622-D442-7002-E64668E3102D}"/>
+                  </a:ext>
+                </a:extLst>
+              </p:cNvPr>
+              <p:cNvSpPr txBox="1"/>
+              <p:nvPr/>
+            </p:nvSpPr>
+            <p:spPr>
+              <a:xfrm>
+                <a:off x="8397228" y="1284531"/>
+                <a:ext cx="414337" cy="215444"/>
+              </a:xfrm>
+              <a:prstGeom prst="rect">
+                <a:avLst/>
+              </a:prstGeom>
+              <a:noFill/>
+            </p:spPr>
+            <p:txBody>
+              <a:bodyPr wrap="square" lIns="0" tIns="0" rIns="0" bIns="0" rtlCol="0">
+                <a:spAutoFit/>
+              </a:bodyPr>
+              <a:lstStyle/>
+              <a:p>
+                <a:pPr algn="ctr"/>
+                <a:r>
+                  <a:rPr lang="en-US" sz="1400" b="0" i="1" dirty="0"/>
+                  <a:t>  </a:t>
+                </a:r>
+                <a14:m>
+                  <m:oMath xmlns:m="http://schemas.openxmlformats.org/officeDocument/2006/math">
+                    <m:sSub>
+                      <m:sSubPr>
+                        <m:ctrlPr>
+                          <a:rPr lang="en-US" sz="1400" b="0" i="1" smtClean="0">
+                            <a:latin typeface="Cambria Math" panose="02040503050406030204" pitchFamily="18" charset="0"/>
+                          </a:rPr>
+                        </m:ctrlPr>
+                      </m:sSubPr>
+                      <m:e>
+                        <m:r>
+                          <a:rPr lang="en-US" sz="1400" b="0" i="1" smtClean="0">
+                            <a:latin typeface="Cambria Math" panose="02040503050406030204" pitchFamily="18" charset="0"/>
+                          </a:rPr>
+                          <m:t>𝑤</m:t>
+                        </m:r>
+                      </m:e>
+                      <m:sub>
+                        <m:r>
+                          <a:rPr lang="en-US" sz="1400" b="0" i="1" smtClean="0">
+                            <a:latin typeface="Cambria Math" panose="02040503050406030204" pitchFamily="18" charset="0"/>
+                          </a:rPr>
+                          <m:t>1</m:t>
+                        </m:r>
+                      </m:sub>
+                    </m:sSub>
+                  </m:oMath>
+                </a14:m>
+                <a:r>
+                  <a:rPr lang="en-US" sz="1400" i="1" dirty="0"/>
+                  <a:t> </a:t>
+                </a:r>
+              </a:p>
+            </p:txBody>
+          </p:sp>
+        </mc:Choice>
+        <mc:Fallback>
+          <p:sp>
+            <p:nvSpPr>
+              <p:cNvPr id="131" name="TextBox 130">
+                <a:extLst>
+                  <a:ext uri="{FF2B5EF4-FFF2-40B4-BE49-F238E27FC236}">
+                    <a16:creationId xmlns:a16="http://schemas.microsoft.com/office/drawing/2014/main" id="{765ED829-A622-D442-7002-E64668E3102D}"/>
+                  </a:ext>
+                </a:extLst>
+              </p:cNvPr>
+              <p:cNvSpPr txBox="1">
+                <a:spLocks noRot="1" noChangeAspect="1" noMove="1" noResize="1" noEditPoints="1" noAdjustHandles="1" noChangeArrowheads="1" noChangeShapeType="1" noTextEdit="1"/>
+              </p:cNvSpPr>
+              <p:nvPr/>
+            </p:nvSpPr>
+            <p:spPr>
+              <a:xfrm>
+                <a:off x="8397228" y="1284531"/>
+                <a:ext cx="414337" cy="215444"/>
+              </a:xfrm>
+              <a:prstGeom prst="rect">
+                <a:avLst/>
+              </a:prstGeom>
+              <a:blipFill>
+                <a:blip r:embed="rId41"/>
+                <a:stretch>
+                  <a:fillRect b="-14286"/>
+                </a:stretch>
+              </a:blipFill>
+            </p:spPr>
+            <p:txBody>
+              <a:bodyPr/>
+              <a:lstStyle/>
+              <a:p>
+                <a:r>
+                  <a:rPr lang="en-US">
+                    <a:noFill/>
+                  </a:rPr>
+                  <a:t> </a:t>
+                </a:r>
+              </a:p>
+            </p:txBody>
+          </p:sp>
+        </mc:Fallback>
+      </mc:AlternateContent>
+      <mc:AlternateContent xmlns:mc="http://schemas.openxmlformats.org/markup-compatibility/2006">
+        <mc:Choice xmlns:a14="http://schemas.microsoft.com/office/drawing/2010/main" Requires="a14">
+          <p:sp>
+            <p:nvSpPr>
+              <p:cNvPr id="132" name="TextBox 131">
+                <a:extLst>
+                  <a:ext uri="{FF2B5EF4-FFF2-40B4-BE49-F238E27FC236}">
+                    <a16:creationId xmlns:a16="http://schemas.microsoft.com/office/drawing/2014/main" id="{2E257DA7-F450-7919-7A68-07E7D6011276}"/>
+                  </a:ext>
+                </a:extLst>
+              </p:cNvPr>
+              <p:cNvSpPr txBox="1"/>
+              <p:nvPr/>
+            </p:nvSpPr>
+            <p:spPr>
+              <a:xfrm>
+                <a:off x="7903806" y="1714516"/>
+                <a:ext cx="414337" cy="215444"/>
+              </a:xfrm>
+              <a:prstGeom prst="rect">
+                <a:avLst/>
+              </a:prstGeom>
+              <a:noFill/>
+            </p:spPr>
+            <p:txBody>
+              <a:bodyPr wrap="square" lIns="0" tIns="0" rIns="0" bIns="0" rtlCol="0">
+                <a:spAutoFit/>
+              </a:bodyPr>
+              <a:lstStyle/>
+              <a:p>
+                <a:pPr algn="ctr"/>
+                <a:r>
+                  <a:rPr lang="en-US" sz="1400" b="0" i="1" dirty="0"/>
+                  <a:t>  </a:t>
+                </a:r>
+                <a14:m>
+                  <m:oMath xmlns:m="http://schemas.openxmlformats.org/officeDocument/2006/math">
+                    <m:sSub>
+                      <m:sSubPr>
+                        <m:ctrlPr>
+                          <a:rPr lang="en-US" sz="1400" b="0" i="1" smtClean="0">
+                            <a:latin typeface="Cambria Math" panose="02040503050406030204" pitchFamily="18" charset="0"/>
+                          </a:rPr>
+                        </m:ctrlPr>
+                      </m:sSubPr>
+                      <m:e>
+                        <m:r>
+                          <a:rPr lang="en-US" sz="1400" b="0" i="1" smtClean="0">
+                            <a:latin typeface="Cambria Math" panose="02040503050406030204" pitchFamily="18" charset="0"/>
+                          </a:rPr>
+                          <m:t>𝑤</m:t>
+                        </m:r>
+                      </m:e>
+                      <m:sub>
+                        <m:r>
+                          <a:rPr lang="en-US" sz="1400" b="0" i="1" smtClean="0">
+                            <a:latin typeface="Cambria Math" panose="02040503050406030204" pitchFamily="18" charset="0"/>
+                          </a:rPr>
+                          <m:t>2</m:t>
+                        </m:r>
+                      </m:sub>
+                    </m:sSub>
+                  </m:oMath>
+                </a14:m>
+                <a:r>
+                  <a:rPr lang="en-US" sz="1400" i="1" dirty="0"/>
+                  <a:t> </a:t>
+                </a:r>
+              </a:p>
+            </p:txBody>
+          </p:sp>
+        </mc:Choice>
+        <mc:Fallback>
+          <p:sp>
+            <p:nvSpPr>
+              <p:cNvPr id="132" name="TextBox 131">
+                <a:extLst>
+                  <a:ext uri="{FF2B5EF4-FFF2-40B4-BE49-F238E27FC236}">
+                    <a16:creationId xmlns:a16="http://schemas.microsoft.com/office/drawing/2014/main" id="{2E257DA7-F450-7919-7A68-07E7D6011276}"/>
+                  </a:ext>
+                </a:extLst>
+              </p:cNvPr>
+              <p:cNvSpPr txBox="1">
+                <a:spLocks noRot="1" noChangeAspect="1" noMove="1" noResize="1" noEditPoints="1" noAdjustHandles="1" noChangeArrowheads="1" noChangeShapeType="1" noTextEdit="1"/>
+              </p:cNvSpPr>
+              <p:nvPr/>
+            </p:nvSpPr>
+            <p:spPr>
+              <a:xfrm>
+                <a:off x="7903806" y="1714516"/>
+                <a:ext cx="414337" cy="215444"/>
+              </a:xfrm>
+              <a:prstGeom prst="rect">
+                <a:avLst/>
+              </a:prstGeom>
+              <a:blipFill>
+                <a:blip r:embed="rId38"/>
+                <a:stretch>
+                  <a:fillRect b="-11111"/>
+                </a:stretch>
+              </a:blipFill>
+            </p:spPr>
+            <p:txBody>
+              <a:bodyPr/>
+              <a:lstStyle/>
+              <a:p>
+                <a:r>
+                  <a:rPr lang="en-US">
+                    <a:noFill/>
+                  </a:rPr>
+                  <a:t> </a:t>
+                </a:r>
+              </a:p>
+            </p:txBody>
+          </p:sp>
+        </mc:Fallback>
+      </mc:AlternateContent>
+      <mc:AlternateContent xmlns:mc="http://schemas.openxmlformats.org/markup-compatibility/2006">
+        <mc:Choice xmlns:a14="http://schemas.microsoft.com/office/drawing/2010/main" Requires="a14">
+          <p:sp>
+            <p:nvSpPr>
+              <p:cNvPr id="133" name="TextBox 132">
+                <a:extLst>
+                  <a:ext uri="{FF2B5EF4-FFF2-40B4-BE49-F238E27FC236}">
+                    <a16:creationId xmlns:a16="http://schemas.microsoft.com/office/drawing/2014/main" id="{1203F928-38B7-A56D-661D-97E601EA978F}"/>
+                  </a:ext>
+                </a:extLst>
+              </p:cNvPr>
+              <p:cNvSpPr txBox="1"/>
+              <p:nvPr/>
+            </p:nvSpPr>
+            <p:spPr>
+              <a:xfrm>
+                <a:off x="8397228" y="1714516"/>
+                <a:ext cx="414337" cy="215444"/>
+              </a:xfrm>
+              <a:prstGeom prst="rect">
+                <a:avLst/>
+              </a:prstGeom>
+              <a:noFill/>
+            </p:spPr>
+            <p:txBody>
+              <a:bodyPr wrap="square" lIns="0" tIns="0" rIns="0" bIns="0" rtlCol="0">
+                <a:spAutoFit/>
+              </a:bodyPr>
+              <a:lstStyle/>
+              <a:p>
+                <a:pPr algn="ctr"/>
+                <a:r>
+                  <a:rPr lang="en-US" sz="1400" b="0" i="1" dirty="0"/>
+                  <a:t>  </a:t>
+                </a:r>
+                <a14:m>
+                  <m:oMath xmlns:m="http://schemas.openxmlformats.org/officeDocument/2006/math">
+                    <m:sSub>
+                      <m:sSubPr>
+                        <m:ctrlPr>
+                          <a:rPr lang="en-US" sz="1400" b="0" i="1" smtClean="0">
+                            <a:latin typeface="Cambria Math" panose="02040503050406030204" pitchFamily="18" charset="0"/>
+                          </a:rPr>
+                        </m:ctrlPr>
+                      </m:sSubPr>
+                      <m:e>
+                        <m:r>
+                          <a:rPr lang="en-US" sz="1400" b="0" i="1" smtClean="0">
+                            <a:latin typeface="Cambria Math" panose="02040503050406030204" pitchFamily="18" charset="0"/>
+                          </a:rPr>
+                          <m:t>𝑤</m:t>
+                        </m:r>
+                      </m:e>
+                      <m:sub>
+                        <m:r>
+                          <a:rPr lang="en-US" sz="1400" b="0" i="1" smtClean="0">
+                            <a:latin typeface="Cambria Math" panose="02040503050406030204" pitchFamily="18" charset="0"/>
+                          </a:rPr>
+                          <m:t>3</m:t>
+                        </m:r>
+                      </m:sub>
+                    </m:sSub>
+                  </m:oMath>
+                </a14:m>
+                <a:r>
+                  <a:rPr lang="en-US" sz="1400" i="1" dirty="0"/>
+                  <a:t> </a:t>
+                </a:r>
+              </a:p>
+            </p:txBody>
+          </p:sp>
+        </mc:Choice>
+        <mc:Fallback>
+          <p:sp>
+            <p:nvSpPr>
+              <p:cNvPr id="133" name="TextBox 132">
+                <a:extLst>
+                  <a:ext uri="{FF2B5EF4-FFF2-40B4-BE49-F238E27FC236}">
+                    <a16:creationId xmlns:a16="http://schemas.microsoft.com/office/drawing/2014/main" id="{1203F928-38B7-A56D-661D-97E601EA978F}"/>
+                  </a:ext>
+                </a:extLst>
+              </p:cNvPr>
+              <p:cNvSpPr txBox="1">
+                <a:spLocks noRot="1" noChangeAspect="1" noMove="1" noResize="1" noEditPoints="1" noAdjustHandles="1" noChangeArrowheads="1" noChangeShapeType="1" noTextEdit="1"/>
+              </p:cNvSpPr>
+              <p:nvPr/>
+            </p:nvSpPr>
+            <p:spPr>
+              <a:xfrm>
+                <a:off x="8397228" y="1714516"/>
+                <a:ext cx="414337" cy="215444"/>
+              </a:xfrm>
+              <a:prstGeom prst="rect">
+                <a:avLst/>
+              </a:prstGeom>
+              <a:blipFill>
+                <a:blip r:embed="rId42"/>
+                <a:stretch>
+                  <a:fillRect b="-11111"/>
+                </a:stretch>
+              </a:blipFill>
+            </p:spPr>
+            <p:txBody>
+              <a:bodyPr/>
+              <a:lstStyle/>
+              <a:p>
+                <a:r>
+                  <a:rPr lang="en-US">
+                    <a:noFill/>
+                  </a:rPr>
+                  <a:t> </a:t>
+                </a:r>
+              </a:p>
+            </p:txBody>
+          </p:sp>
+        </mc:Fallback>
+      </mc:AlternateContent>
+      <p:cxnSp>
+        <p:nvCxnSpPr>
+          <p:cNvPr id="137" name="Straight Arrow Connector 136">
+            <a:extLst>
+              <a:ext uri="{FF2B5EF4-FFF2-40B4-BE49-F238E27FC236}">
+                <a16:creationId xmlns:a16="http://schemas.microsoft.com/office/drawing/2014/main" id="{6B111864-5E84-822D-3C40-CA47D1E39233}"/>
+              </a:ext>
+            </a:extLst>
+          </p:cNvPr>
+          <p:cNvCxnSpPr>
+            <a:cxnSpLocks/>
+            <a:stCxn id="146" idx="7"/>
+            <a:endCxn id="148" idx="2"/>
+          </p:cNvCxnSpPr>
+          <p:nvPr/>
+        </p:nvCxnSpPr>
+        <p:spPr>
+          <a:xfrm flipV="1">
+            <a:off x="7665403" y="376013"/>
+            <a:ext cx="846654" cy="808405"/>
+          </a:xfrm>
+          <a:prstGeom prst="straightConnector1">
+            <a:avLst/>
+          </a:prstGeom>
+          <a:ln>
+            <a:tailEnd type="triangle"/>
+          </a:ln>
+        </p:spPr>
+        <p:style>
+          <a:lnRef idx="1">
+            <a:schemeClr val="accent1"/>
+          </a:lnRef>
+          <a:fillRef idx="0">
+            <a:schemeClr val="accent1"/>
+          </a:fillRef>
+          <a:effectRef idx="0">
+            <a:schemeClr val="accent1"/>
+          </a:effectRef>
+          <a:fontRef idx="minor">
+            <a:schemeClr val="tx1"/>
+          </a:fontRef>
+        </p:style>
+      </p:cxnSp>
+      <p:cxnSp>
+        <p:nvCxnSpPr>
+          <p:cNvPr id="142" name="Straight Arrow Connector 141">
+            <a:extLst>
+              <a:ext uri="{FF2B5EF4-FFF2-40B4-BE49-F238E27FC236}">
+                <a16:creationId xmlns:a16="http://schemas.microsoft.com/office/drawing/2014/main" id="{613C7CE2-4022-E800-90CA-6E7B493A182A}"/>
+              </a:ext>
+            </a:extLst>
+          </p:cNvPr>
+          <p:cNvCxnSpPr>
+            <a:cxnSpLocks/>
+            <a:stCxn id="146" idx="4"/>
+          </p:cNvCxnSpPr>
+          <p:nvPr/>
+        </p:nvCxnSpPr>
+        <p:spPr>
+          <a:xfrm>
+            <a:off x="7645409" y="1232688"/>
+            <a:ext cx="559" cy="1917402"/>
+          </a:xfrm>
+          <a:prstGeom prst="straightConnector1">
+            <a:avLst/>
+          </a:prstGeom>
+          <a:ln>
+            <a:tailEnd type="triangle"/>
+          </a:ln>
+        </p:spPr>
+        <p:style>
+          <a:lnRef idx="1">
+            <a:schemeClr val="accent1"/>
+          </a:lnRef>
+          <a:fillRef idx="0">
+            <a:schemeClr val="accent1"/>
+          </a:fillRef>
+          <a:effectRef idx="0">
+            <a:schemeClr val="accent1"/>
+          </a:effectRef>
+          <a:fontRef idx="minor">
+            <a:schemeClr val="tx1"/>
+          </a:fontRef>
+        </p:style>
+      </p:cxnSp>
+      <p:sp>
+        <p:nvSpPr>
+          <p:cNvPr id="146" name="Oval 145">
+            <a:extLst>
+              <a:ext uri="{FF2B5EF4-FFF2-40B4-BE49-F238E27FC236}">
+                <a16:creationId xmlns:a16="http://schemas.microsoft.com/office/drawing/2014/main" id="{CC65C267-4DA5-85DD-302D-6F02097D0DFD}"/>
+              </a:ext>
+            </a:extLst>
+          </p:cNvPr>
+          <p:cNvSpPr/>
+          <p:nvPr/>
+        </p:nvSpPr>
+        <p:spPr>
+          <a:xfrm>
+            <a:off x="7617133" y="1176136"/>
+            <a:ext cx="56552" cy="56552"/>
+          </a:xfrm>
+          <a:prstGeom prst="ellipse">
+            <a:avLst/>
+          </a:prstGeom>
+          <a:ln>
+            <a:noFill/>
+          </a:ln>
+        </p:spPr>
+        <p:style>
+          <a:lnRef idx="2">
+            <a:schemeClr val="accent1">
+              <a:shade val="15000"/>
+            </a:schemeClr>
+          </a:lnRef>
+          <a:fillRef idx="1">
+            <a:schemeClr val="accent1"/>
+          </a:fillRef>
+          <a:effectRef idx="0">
+            <a:schemeClr val="accent1"/>
+          </a:effectRef>
+          <a:fontRef idx="minor">
+            <a:schemeClr val="lt1"/>
+          </a:fontRef>
+        </p:style>
+        <p:txBody>
+          <a:bodyPr rtlCol="0" anchor="ctr"/>
+          <a:lstStyle/>
+          <a:p>
+            <a:pPr algn="ctr"/>
+            <a:endParaRPr lang="en-US"/>
+          </a:p>
+        </p:txBody>
+      </p:sp>
+      <mc:AlternateContent xmlns:mc="http://schemas.openxmlformats.org/markup-compatibility/2006">
+        <mc:Choice xmlns:a14="http://schemas.microsoft.com/office/drawing/2010/main" Requires="a14">
+          <p:sp>
+            <p:nvSpPr>
+              <p:cNvPr id="147" name="TextBox 146">
+                <a:extLst>
+                  <a:ext uri="{FF2B5EF4-FFF2-40B4-BE49-F238E27FC236}">
+                    <a16:creationId xmlns:a16="http://schemas.microsoft.com/office/drawing/2014/main" id="{FA6AC7F2-9CA6-F44C-0DA0-6FD0D0BC11DF}"/>
+                  </a:ext>
+                </a:extLst>
+              </p:cNvPr>
+              <p:cNvSpPr txBox="1"/>
+              <p:nvPr/>
+            </p:nvSpPr>
+            <p:spPr>
+              <a:xfrm>
+                <a:off x="7439124" y="1096690"/>
+                <a:ext cx="139461" cy="215444"/>
+              </a:xfrm>
+              <a:prstGeom prst="rect">
+                <a:avLst/>
+              </a:prstGeom>
+              <a:noFill/>
+            </p:spPr>
+            <p:txBody>
+              <a:bodyPr wrap="none" lIns="0" tIns="0" rIns="0" bIns="0" rtlCol="0">
+                <a:spAutoFit/>
+              </a:bodyPr>
+              <a:lstStyle/>
+              <a:p>
+                <a14:m>
+                  <m:oMathPara xmlns:m="http://schemas.openxmlformats.org/officeDocument/2006/math">
+                    <m:oMathParaPr>
+                      <m:jc m:val="centerGroup"/>
+                    </m:oMathParaPr>
+                    <m:oMath xmlns:m="http://schemas.openxmlformats.org/officeDocument/2006/math">
+                      <m:r>
+                        <a:rPr lang="en-US" sz="1400" b="0" i="1" smtClean="0">
+                          <a:latin typeface="Cambria Math" panose="02040503050406030204" pitchFamily="18" charset="0"/>
+                        </a:rPr>
+                        <m:t>0</m:t>
+                      </m:r>
+                    </m:oMath>
+                  </m:oMathPara>
+                </a14:m>
+                <a:endParaRPr lang="en-US" sz="1400" dirty="0"/>
+              </a:p>
+            </p:txBody>
+          </p:sp>
+        </mc:Choice>
+        <mc:Fallback>
+          <p:sp>
+            <p:nvSpPr>
+              <p:cNvPr id="147" name="TextBox 146">
+                <a:extLst>
+                  <a:ext uri="{FF2B5EF4-FFF2-40B4-BE49-F238E27FC236}">
+                    <a16:creationId xmlns:a16="http://schemas.microsoft.com/office/drawing/2014/main" id="{FA6AC7F2-9CA6-F44C-0DA0-6FD0D0BC11DF}"/>
+                  </a:ext>
+                </a:extLst>
+              </p:cNvPr>
+              <p:cNvSpPr txBox="1">
+                <a:spLocks noRot="1" noChangeAspect="1" noMove="1" noResize="1" noEditPoints="1" noAdjustHandles="1" noChangeArrowheads="1" noChangeShapeType="1" noTextEdit="1"/>
+              </p:cNvSpPr>
+              <p:nvPr/>
+            </p:nvSpPr>
+            <p:spPr>
+              <a:xfrm>
+                <a:off x="7439124" y="1096690"/>
+                <a:ext cx="139461" cy="215444"/>
+              </a:xfrm>
+              <a:prstGeom prst="rect">
+                <a:avLst/>
+              </a:prstGeom>
+              <a:blipFill>
+                <a:blip r:embed="rId43"/>
+                <a:stretch>
+                  <a:fillRect l="-30435" r="-26087" b="-5714"/>
+                </a:stretch>
+              </a:blipFill>
+            </p:spPr>
+            <p:txBody>
+              <a:bodyPr/>
+              <a:lstStyle/>
+              <a:p>
+                <a:r>
+                  <a:rPr lang="en-US">
+                    <a:noFill/>
+                  </a:rPr>
+                  <a:t> </a:t>
+                </a:r>
+              </a:p>
+            </p:txBody>
+          </p:sp>
+        </mc:Fallback>
+      </mc:AlternateContent>
+      <mc:AlternateContent xmlns:mc="http://schemas.openxmlformats.org/markup-compatibility/2006">
+        <mc:Choice xmlns:a14="http://schemas.microsoft.com/office/drawing/2010/main" Requires="a14">
+          <p:sp>
+            <p:nvSpPr>
+              <p:cNvPr id="148" name="TextBox 147">
+                <a:extLst>
+                  <a:ext uri="{FF2B5EF4-FFF2-40B4-BE49-F238E27FC236}">
+                    <a16:creationId xmlns:a16="http://schemas.microsoft.com/office/drawing/2014/main" id="{F829E76E-2FDC-2C96-6A7F-5B40712619D5}"/>
+                  </a:ext>
+                </a:extLst>
+              </p:cNvPr>
+              <p:cNvSpPr txBox="1"/>
+              <p:nvPr/>
+            </p:nvSpPr>
+            <p:spPr>
+              <a:xfrm>
+                <a:off x="8238104" y="160569"/>
+                <a:ext cx="547906" cy="215444"/>
+              </a:xfrm>
+              <a:prstGeom prst="rect">
+                <a:avLst/>
+              </a:prstGeom>
+              <a:noFill/>
+            </p:spPr>
+            <p:txBody>
+              <a:bodyPr wrap="none" lIns="0" tIns="0" rIns="0" bIns="0" rtlCol="0">
+                <a:spAutoFit/>
+              </a:bodyPr>
+              <a:lstStyle/>
+              <a:p>
+                <a14:m>
+                  <m:oMathPara xmlns:m="http://schemas.openxmlformats.org/officeDocument/2006/math">
+                    <m:oMathParaPr>
+                      <m:jc m:val="centerGroup"/>
+                    </m:oMathParaPr>
+                    <m:oMath xmlns:m="http://schemas.openxmlformats.org/officeDocument/2006/math">
+                      <m:sSup>
+                        <m:sSupPr>
+                          <m:ctrlPr>
+                            <a:rPr lang="en-US" sz="1400" b="0" i="1" smtClean="0">
+                              <a:latin typeface="Cambria Math" panose="02040503050406030204" pitchFamily="18" charset="0"/>
+                            </a:rPr>
+                          </m:ctrlPr>
+                        </m:sSupPr>
+                        <m:e>
+                          <m:r>
+                            <a:rPr lang="en-US" sz="1400" b="0" i="1" smtClean="0">
+                              <a:latin typeface="Cambria Math" panose="02040503050406030204" pitchFamily="18" charset="0"/>
+                            </a:rPr>
+                            <m:t>4</m:t>
+                          </m:r>
+                        </m:e>
+                        <m:sup>
+                          <m:r>
+                            <a:rPr lang="en-US" sz="1400" b="0" i="1" smtClean="0">
+                              <a:latin typeface="Cambria Math" panose="02040503050406030204" pitchFamily="18" charset="0"/>
+                            </a:rPr>
+                            <m:t>𝑛</m:t>
+                          </m:r>
+                        </m:sup>
+                      </m:sSup>
+                      <m:r>
+                        <a:rPr lang="en-US" sz="1400" b="0" i="1" smtClean="0">
+                          <a:latin typeface="Cambria Math" panose="02040503050406030204" pitchFamily="18" charset="0"/>
+                        </a:rPr>
+                        <m:t>−1</m:t>
+                      </m:r>
+                    </m:oMath>
+                  </m:oMathPara>
+                </a14:m>
+                <a:endParaRPr lang="en-US" sz="1400" dirty="0"/>
+              </a:p>
+            </p:txBody>
+          </p:sp>
+        </mc:Choice>
+        <mc:Fallback>
+          <p:sp>
+            <p:nvSpPr>
+              <p:cNvPr id="148" name="TextBox 147">
+                <a:extLst>
+                  <a:ext uri="{FF2B5EF4-FFF2-40B4-BE49-F238E27FC236}">
+                    <a16:creationId xmlns:a16="http://schemas.microsoft.com/office/drawing/2014/main" id="{F829E76E-2FDC-2C96-6A7F-5B40712619D5}"/>
+                  </a:ext>
+                </a:extLst>
+              </p:cNvPr>
+              <p:cNvSpPr txBox="1">
+                <a:spLocks noRot="1" noChangeAspect="1" noMove="1" noResize="1" noEditPoints="1" noAdjustHandles="1" noChangeArrowheads="1" noChangeShapeType="1" noTextEdit="1"/>
+              </p:cNvSpPr>
+              <p:nvPr/>
+            </p:nvSpPr>
+            <p:spPr>
+              <a:xfrm>
+                <a:off x="8238104" y="160569"/>
+                <a:ext cx="547906" cy="215444"/>
+              </a:xfrm>
+              <a:prstGeom prst="rect">
+                <a:avLst/>
+              </a:prstGeom>
+              <a:blipFill>
+                <a:blip r:embed="rId44"/>
+                <a:stretch>
+                  <a:fillRect l="-6667" r="-6667" b="-2778"/>
+                </a:stretch>
+              </a:blipFill>
+            </p:spPr>
+            <p:txBody>
+              <a:bodyPr/>
+              <a:lstStyle/>
+              <a:p>
+                <a:r>
+                  <a:rPr lang="en-US">
+                    <a:noFill/>
+                  </a:rPr>
+                  <a:t> </a:t>
+                </a:r>
+              </a:p>
+            </p:txBody>
+          </p:sp>
+        </mc:Fallback>
+      </mc:AlternateContent>
+      <mc:AlternateContent xmlns:mc="http://schemas.openxmlformats.org/markup-compatibility/2006">
+        <mc:Choice xmlns:a14="http://schemas.microsoft.com/office/drawing/2010/main" Requires="a14">
+          <p:sp>
+            <p:nvSpPr>
+              <p:cNvPr id="149" name="TextBox 148">
+                <a:extLst>
+                  <a:ext uri="{FF2B5EF4-FFF2-40B4-BE49-F238E27FC236}">
+                    <a16:creationId xmlns:a16="http://schemas.microsoft.com/office/drawing/2014/main" id="{F7D6086B-6E6F-7DBC-96C8-50D34B3C4C0E}"/>
+                  </a:ext>
+                </a:extLst>
+              </p:cNvPr>
+              <p:cNvSpPr txBox="1"/>
+              <p:nvPr/>
+            </p:nvSpPr>
+            <p:spPr>
+              <a:xfrm>
+                <a:off x="7371468" y="3150090"/>
+                <a:ext cx="459548" cy="215444"/>
+              </a:xfrm>
+              <a:prstGeom prst="rect">
+                <a:avLst/>
+              </a:prstGeom>
+              <a:noFill/>
+            </p:spPr>
+            <p:txBody>
+              <a:bodyPr wrap="none" lIns="0" tIns="0" rIns="0" bIns="0" rtlCol="0">
+                <a:spAutoFit/>
+              </a:bodyPr>
+              <a:lstStyle/>
+              <a:p>
+                <a14:m>
+                  <m:oMathPara xmlns:m="http://schemas.openxmlformats.org/officeDocument/2006/math">
+                    <m:oMathParaPr>
+                      <m:jc m:val="centerGroup"/>
+                    </m:oMathParaPr>
+                    <m:oMath xmlns:m="http://schemas.openxmlformats.org/officeDocument/2006/math">
+                      <m:r>
+                        <a:rPr lang="en-US" sz="1400" b="0" i="1" smtClean="0">
+                          <a:latin typeface="Cambria Math" panose="02040503050406030204" pitchFamily="18" charset="0"/>
+                        </a:rPr>
+                        <m:t>𝑛</m:t>
+                      </m:r>
+                      <m:r>
+                        <a:rPr lang="en-US" sz="1400" b="0" i="1" smtClean="0">
+                          <a:latin typeface="Cambria Math" panose="02040503050406030204" pitchFamily="18" charset="0"/>
+                        </a:rPr>
+                        <m:t>−1</m:t>
+                      </m:r>
+                    </m:oMath>
+                  </m:oMathPara>
+                </a14:m>
+                <a:endParaRPr lang="en-US" sz="1400" dirty="0"/>
+              </a:p>
+            </p:txBody>
+          </p:sp>
+        </mc:Choice>
+        <mc:Fallback>
+          <p:sp>
+            <p:nvSpPr>
+              <p:cNvPr id="149" name="TextBox 148">
+                <a:extLst>
+                  <a:ext uri="{FF2B5EF4-FFF2-40B4-BE49-F238E27FC236}">
+                    <a16:creationId xmlns:a16="http://schemas.microsoft.com/office/drawing/2014/main" id="{F7D6086B-6E6F-7DBC-96C8-50D34B3C4C0E}"/>
+                  </a:ext>
+                </a:extLst>
+              </p:cNvPr>
+              <p:cNvSpPr txBox="1">
+                <a:spLocks noRot="1" noChangeAspect="1" noMove="1" noResize="1" noEditPoints="1" noAdjustHandles="1" noChangeArrowheads="1" noChangeShapeType="1" noTextEdit="1"/>
+              </p:cNvSpPr>
+              <p:nvPr/>
+            </p:nvSpPr>
+            <p:spPr>
+              <a:xfrm>
+                <a:off x="7371468" y="3150090"/>
+                <a:ext cx="459548" cy="215444"/>
+              </a:xfrm>
+              <a:prstGeom prst="rect">
+                <a:avLst/>
+              </a:prstGeom>
+              <a:blipFill>
+                <a:blip r:embed="rId45"/>
+                <a:stretch>
+                  <a:fillRect l="-3947" r="-7895" b="-5714"/>
+                </a:stretch>
+              </a:blipFill>
+            </p:spPr>
+            <p:txBody>
+              <a:bodyPr/>
+              <a:lstStyle/>
+              <a:p>
+                <a:r>
+                  <a:rPr lang="en-US">
+                    <a:noFill/>
+                  </a:rPr>
+                  <a:t> </a:t>
+                </a:r>
+              </a:p>
+            </p:txBody>
+          </p:sp>
+        </mc:Fallback>
+      </mc:AlternateContent>
+      <p:sp>
+        <p:nvSpPr>
+          <p:cNvPr id="156" name="Rectangle 155">
+            <a:extLst>
+              <a:ext uri="{FF2B5EF4-FFF2-40B4-BE49-F238E27FC236}">
+                <a16:creationId xmlns:a16="http://schemas.microsoft.com/office/drawing/2014/main" id="{E32DB02B-73B5-3144-4BC2-769F750EBA05}"/>
+              </a:ext>
+            </a:extLst>
+          </p:cNvPr>
+          <p:cNvSpPr/>
+          <p:nvPr/>
+        </p:nvSpPr>
+        <p:spPr>
+          <a:xfrm>
+            <a:off x="7808163" y="4120815"/>
+            <a:ext cx="2955234" cy="1828800"/>
+          </a:xfrm>
+          <a:prstGeom prst="rect">
+            <a:avLst/>
+          </a:prstGeom>
+          <a:noFill/>
+          <a:ln>
+            <a:solidFill>
+              <a:schemeClr val="accent2"/>
+            </a:solidFill>
+          </a:ln>
+        </p:spPr>
+        <p:style>
+          <a:lnRef idx="2">
+            <a:schemeClr val="accent1">
+              <a:shade val="15000"/>
+            </a:schemeClr>
+          </a:lnRef>
+          <a:fillRef idx="1">
+            <a:schemeClr val="accent1"/>
+          </a:fillRef>
+          <a:effectRef idx="0">
+            <a:schemeClr val="accent1"/>
+          </a:effectRef>
+          <a:fontRef idx="minor">
+            <a:schemeClr val="lt1"/>
+          </a:fontRef>
+        </p:style>
+        <p:txBody>
+          <a:bodyPr rtlCol="0" anchor="ctr"/>
+          <a:lstStyle/>
+          <a:p>
+            <a:pPr algn="ctr"/>
+            <a:endParaRPr lang="en-US"/>
+          </a:p>
+        </p:txBody>
+      </p:sp>
+      <p:cxnSp>
+        <p:nvCxnSpPr>
+          <p:cNvPr id="161" name="Straight Connector 160">
+            <a:extLst>
+              <a:ext uri="{FF2B5EF4-FFF2-40B4-BE49-F238E27FC236}">
+                <a16:creationId xmlns:a16="http://schemas.microsoft.com/office/drawing/2014/main" id="{99904469-30DD-5E53-BD82-A9A2B72C25E9}"/>
+              </a:ext>
+            </a:extLst>
+          </p:cNvPr>
+          <p:cNvCxnSpPr>
+            <a:cxnSpLocks/>
+          </p:cNvCxnSpPr>
+          <p:nvPr/>
+        </p:nvCxnSpPr>
+        <p:spPr>
+          <a:xfrm flipV="1">
+            <a:off x="11077032" y="3814772"/>
+            <a:ext cx="0" cy="1843847"/>
+          </a:xfrm>
+          <a:prstGeom prst="line">
+            <a:avLst/>
+          </a:prstGeom>
+          <a:ln w="19050">
+            <a:solidFill>
+              <a:schemeClr val="accent2"/>
+            </a:solidFill>
+          </a:ln>
+        </p:spPr>
+        <p:style>
+          <a:lnRef idx="1">
+            <a:schemeClr val="dk1"/>
+          </a:lnRef>
+          <a:fillRef idx="0">
+            <a:schemeClr val="dk1"/>
+          </a:fillRef>
+          <a:effectRef idx="0">
+            <a:schemeClr val="dk1"/>
+          </a:effectRef>
+          <a:fontRef idx="minor">
+            <a:schemeClr val="tx1"/>
+          </a:fontRef>
+        </p:style>
+      </p:cxnSp>
+      <p:cxnSp>
+        <p:nvCxnSpPr>
+          <p:cNvPr id="162" name="Straight Connector 161">
+            <a:extLst>
+              <a:ext uri="{FF2B5EF4-FFF2-40B4-BE49-F238E27FC236}">
+                <a16:creationId xmlns:a16="http://schemas.microsoft.com/office/drawing/2014/main" id="{160BA25D-F928-46EC-B873-B120EEFC2739}"/>
+              </a:ext>
+            </a:extLst>
+          </p:cNvPr>
+          <p:cNvCxnSpPr>
+            <a:cxnSpLocks/>
+          </p:cNvCxnSpPr>
+          <p:nvPr/>
+        </p:nvCxnSpPr>
+        <p:spPr>
+          <a:xfrm flipH="1">
+            <a:off x="8126905" y="3820638"/>
+            <a:ext cx="2950127" cy="0"/>
+          </a:xfrm>
+          <a:prstGeom prst="line">
+            <a:avLst/>
+          </a:prstGeom>
+          <a:ln w="19050">
+            <a:solidFill>
+              <a:schemeClr val="accent2"/>
+            </a:solidFill>
+          </a:ln>
+        </p:spPr>
+        <p:style>
+          <a:lnRef idx="1">
+            <a:schemeClr val="dk1"/>
+          </a:lnRef>
+          <a:fillRef idx="0">
+            <a:schemeClr val="dk1"/>
+          </a:fillRef>
+          <a:effectRef idx="0">
+            <a:schemeClr val="dk1"/>
+          </a:effectRef>
+          <a:fontRef idx="minor">
+            <a:schemeClr val="tx1"/>
+          </a:fontRef>
+        </p:style>
+      </p:cxnSp>
+      <p:cxnSp>
+        <p:nvCxnSpPr>
+          <p:cNvPr id="163" name="Straight Connector 162">
+            <a:extLst>
+              <a:ext uri="{FF2B5EF4-FFF2-40B4-BE49-F238E27FC236}">
+                <a16:creationId xmlns:a16="http://schemas.microsoft.com/office/drawing/2014/main" id="{1F4BF512-575A-CCC3-CA75-2A2F1A0C6D77}"/>
+              </a:ext>
+            </a:extLst>
+          </p:cNvPr>
+          <p:cNvCxnSpPr>
+            <a:cxnSpLocks/>
+          </p:cNvCxnSpPr>
+          <p:nvPr/>
+        </p:nvCxnSpPr>
+        <p:spPr>
+          <a:xfrm flipH="1">
+            <a:off x="8126905" y="5658619"/>
+            <a:ext cx="2950127" cy="0"/>
+          </a:xfrm>
+          <a:prstGeom prst="line">
+            <a:avLst/>
+          </a:prstGeom>
+          <a:ln w="19050">
+            <a:solidFill>
+              <a:schemeClr val="accent2"/>
+            </a:solidFill>
+            <a:prstDash val="dash"/>
+          </a:ln>
+        </p:spPr>
+        <p:style>
+          <a:lnRef idx="1">
+            <a:schemeClr val="dk1"/>
+          </a:lnRef>
+          <a:fillRef idx="0">
+            <a:schemeClr val="dk1"/>
+          </a:fillRef>
+          <a:effectRef idx="0">
+            <a:schemeClr val="dk1"/>
+          </a:effectRef>
+          <a:fontRef idx="minor">
+            <a:schemeClr val="tx1"/>
+          </a:fontRef>
+        </p:style>
+      </p:cxnSp>
+      <p:cxnSp>
+        <p:nvCxnSpPr>
+          <p:cNvPr id="165" name="Straight Connector 164">
+            <a:extLst>
+              <a:ext uri="{FF2B5EF4-FFF2-40B4-BE49-F238E27FC236}">
+                <a16:creationId xmlns:a16="http://schemas.microsoft.com/office/drawing/2014/main" id="{21851190-01EA-7080-41A7-201F4E92CCCD}"/>
+              </a:ext>
+            </a:extLst>
+          </p:cNvPr>
+          <p:cNvCxnSpPr>
+            <a:cxnSpLocks/>
+          </p:cNvCxnSpPr>
+          <p:nvPr/>
+        </p:nvCxnSpPr>
+        <p:spPr>
+          <a:xfrm flipV="1">
+            <a:off x="8137510" y="3814772"/>
+            <a:ext cx="0" cy="1843847"/>
+          </a:xfrm>
+          <a:prstGeom prst="line">
+            <a:avLst/>
+          </a:prstGeom>
+          <a:ln w="19050">
+            <a:solidFill>
+              <a:schemeClr val="accent2"/>
+            </a:solidFill>
+            <a:prstDash val="dash"/>
+          </a:ln>
+        </p:spPr>
+        <p:style>
+          <a:lnRef idx="1">
+            <a:schemeClr val="dk1"/>
+          </a:lnRef>
+          <a:fillRef idx="0">
+            <a:schemeClr val="dk1"/>
+          </a:fillRef>
+          <a:effectRef idx="0">
+            <a:schemeClr val="dk1"/>
+          </a:effectRef>
+          <a:fontRef idx="minor">
+            <a:schemeClr val="tx1"/>
+          </a:fontRef>
+        </p:style>
+      </p:cxnSp>
+      <p:cxnSp>
+        <p:nvCxnSpPr>
+          <p:cNvPr id="170" name="Straight Connector 169">
+            <a:extLst>
+              <a:ext uri="{FF2B5EF4-FFF2-40B4-BE49-F238E27FC236}">
+                <a16:creationId xmlns:a16="http://schemas.microsoft.com/office/drawing/2014/main" id="{6F65CD8E-8398-EF11-763E-A0B47F6942C5}"/>
+              </a:ext>
+            </a:extLst>
+          </p:cNvPr>
+          <p:cNvCxnSpPr>
+            <a:cxnSpLocks/>
+          </p:cNvCxnSpPr>
+          <p:nvPr/>
+        </p:nvCxnSpPr>
+        <p:spPr>
+          <a:xfrm flipV="1">
+            <a:off x="10763397" y="5658619"/>
+            <a:ext cx="307076" cy="290995"/>
+          </a:xfrm>
+          <a:prstGeom prst="line">
+            <a:avLst/>
+          </a:prstGeom>
+          <a:ln w="19050"/>
+        </p:spPr>
+        <p:style>
+          <a:lnRef idx="1">
+            <a:schemeClr val="accent2"/>
+          </a:lnRef>
+          <a:fillRef idx="0">
+            <a:schemeClr val="accent2"/>
+          </a:fillRef>
+          <a:effectRef idx="0">
+            <a:schemeClr val="accent2"/>
+          </a:effectRef>
+          <a:fontRef idx="minor">
+            <a:schemeClr val="tx1"/>
+          </a:fontRef>
+        </p:style>
+      </p:cxnSp>
+      <p:cxnSp>
+        <p:nvCxnSpPr>
+          <p:cNvPr id="171" name="Straight Connector 170">
+            <a:extLst>
+              <a:ext uri="{FF2B5EF4-FFF2-40B4-BE49-F238E27FC236}">
+                <a16:creationId xmlns:a16="http://schemas.microsoft.com/office/drawing/2014/main" id="{39A8CA7C-6B8E-A8CB-3D6F-24ABAFABB009}"/>
+              </a:ext>
+            </a:extLst>
+          </p:cNvPr>
+          <p:cNvCxnSpPr>
+            <a:cxnSpLocks/>
+          </p:cNvCxnSpPr>
+          <p:nvPr/>
+        </p:nvCxnSpPr>
+        <p:spPr>
+          <a:xfrm flipV="1">
+            <a:off x="7808786" y="5172501"/>
+            <a:ext cx="822063" cy="784096"/>
+          </a:xfrm>
+          <a:prstGeom prst="line">
+            <a:avLst/>
+          </a:prstGeom>
+          <a:ln w="19050">
+            <a:prstDash val="dash"/>
+          </a:ln>
+        </p:spPr>
+        <p:style>
+          <a:lnRef idx="1">
+            <a:schemeClr val="accent2"/>
+          </a:lnRef>
+          <a:fillRef idx="0">
+            <a:schemeClr val="accent2"/>
+          </a:fillRef>
+          <a:effectRef idx="0">
+            <a:schemeClr val="accent2"/>
+          </a:effectRef>
+          <a:fontRef idx="minor">
+            <a:schemeClr val="tx1"/>
+          </a:fontRef>
+        </p:style>
+      </p:cxnSp>
+      <mc:AlternateContent xmlns:mc="http://schemas.openxmlformats.org/markup-compatibility/2006">
+        <mc:Choice xmlns:a14="http://schemas.microsoft.com/office/drawing/2010/main" Requires="a14">
+          <p:sp>
+            <p:nvSpPr>
+              <p:cNvPr id="172" name="TextBox 171">
+                <a:extLst>
+                  <a:ext uri="{FF2B5EF4-FFF2-40B4-BE49-F238E27FC236}">
+                    <a16:creationId xmlns:a16="http://schemas.microsoft.com/office/drawing/2014/main" id="{EDA53615-FF3B-E8D4-62FD-26762EA4799D}"/>
+                  </a:ext>
+                </a:extLst>
+              </p:cNvPr>
+              <p:cNvSpPr txBox="1"/>
+              <p:nvPr/>
+            </p:nvSpPr>
+            <p:spPr>
+              <a:xfrm rot="18983524">
+                <a:off x="10873472" y="5853907"/>
+                <a:ext cx="435696" cy="215444"/>
+              </a:xfrm>
+              <a:prstGeom prst="rect">
+                <a:avLst/>
+              </a:prstGeom>
+              <a:noFill/>
+            </p:spPr>
+            <p:txBody>
+              <a:bodyPr wrap="none" lIns="0" tIns="0" rIns="0" bIns="0" rtlCol="0">
+                <a:spAutoFit/>
+              </a:bodyPr>
+              <a:lstStyle/>
+              <a:p>
+                <a14:m>
+                  <m:oMathPara xmlns:m="http://schemas.openxmlformats.org/officeDocument/2006/math">
+                    <m:oMathParaPr>
+                      <m:jc m:val="centerGroup"/>
+                    </m:oMathParaPr>
+                    <m:oMath xmlns:m="http://schemas.openxmlformats.org/officeDocument/2006/math">
+                      <m:r>
+                        <a:rPr lang="en-US" sz="1400" b="0" i="1" smtClean="0">
+                          <a:latin typeface="Cambria Math" panose="02040503050406030204" pitchFamily="18" charset="0"/>
+                        </a:rPr>
+                        <m:t>𝑖</m:t>
+                      </m:r>
+                      <m:r>
+                        <a:rPr lang="en-US" sz="1400" b="0" i="1" smtClean="0">
+                          <a:latin typeface="Cambria Math" panose="02040503050406030204" pitchFamily="18" charset="0"/>
+                        </a:rPr>
+                        <m:t>=0</m:t>
+                      </m:r>
+                    </m:oMath>
+                  </m:oMathPara>
+                </a14:m>
+                <a:endParaRPr lang="en-US" sz="1400" dirty="0"/>
+              </a:p>
+            </p:txBody>
+          </p:sp>
+        </mc:Choice>
+        <mc:Fallback>
+          <p:sp>
+            <p:nvSpPr>
+              <p:cNvPr id="172" name="TextBox 171">
+                <a:extLst>
+                  <a:ext uri="{FF2B5EF4-FFF2-40B4-BE49-F238E27FC236}">
+                    <a16:creationId xmlns:a16="http://schemas.microsoft.com/office/drawing/2014/main" id="{EDA53615-FF3B-E8D4-62FD-26762EA4799D}"/>
+                  </a:ext>
+                </a:extLst>
+              </p:cNvPr>
+              <p:cNvSpPr txBox="1">
+                <a:spLocks noRot="1" noChangeAspect="1" noMove="1" noResize="1" noEditPoints="1" noAdjustHandles="1" noChangeArrowheads="1" noChangeShapeType="1" noTextEdit="1"/>
+              </p:cNvSpPr>
+              <p:nvPr/>
+            </p:nvSpPr>
+            <p:spPr>
+              <a:xfrm rot="18983524">
+                <a:off x="10873472" y="5853907"/>
+                <a:ext cx="435696" cy="215444"/>
+              </a:xfrm>
+              <a:prstGeom prst="rect">
+                <a:avLst/>
+              </a:prstGeom>
+              <a:blipFill>
+                <a:blip r:embed="rId46"/>
+                <a:stretch>
+                  <a:fillRect l="-3896" t="-2632" r="-6494" b="-6579"/>
+                </a:stretch>
+              </a:blipFill>
+            </p:spPr>
+            <p:txBody>
+              <a:bodyPr/>
+              <a:lstStyle/>
+              <a:p>
+                <a:r>
+                  <a:rPr lang="en-US">
+                    <a:noFill/>
+                  </a:rPr>
+                  <a:t> </a:t>
+                </a:r>
+              </a:p>
+            </p:txBody>
+          </p:sp>
+        </mc:Fallback>
+      </mc:AlternateContent>
+      <p:cxnSp>
+        <p:nvCxnSpPr>
+          <p:cNvPr id="175" name="Straight Connector 174">
+            <a:extLst>
+              <a:ext uri="{FF2B5EF4-FFF2-40B4-BE49-F238E27FC236}">
+                <a16:creationId xmlns:a16="http://schemas.microsoft.com/office/drawing/2014/main" id="{5918DAD4-50F5-E9D9-443F-4E70C4E0F283}"/>
+              </a:ext>
+            </a:extLst>
+          </p:cNvPr>
+          <p:cNvCxnSpPr>
+            <a:cxnSpLocks/>
+          </p:cNvCxnSpPr>
+          <p:nvPr/>
+        </p:nvCxnSpPr>
+        <p:spPr>
+          <a:xfrm flipV="1">
+            <a:off x="10760429" y="3841953"/>
+            <a:ext cx="307076" cy="290995"/>
+          </a:xfrm>
+          <a:prstGeom prst="line">
+            <a:avLst/>
+          </a:prstGeom>
+          <a:ln w="19050"/>
+        </p:spPr>
+        <p:style>
+          <a:lnRef idx="1">
+            <a:schemeClr val="accent2"/>
+          </a:lnRef>
+          <a:fillRef idx="0">
+            <a:schemeClr val="accent2"/>
+          </a:fillRef>
+          <a:effectRef idx="0">
+            <a:schemeClr val="accent2"/>
+          </a:effectRef>
+          <a:fontRef idx="minor">
+            <a:schemeClr val="tx1"/>
+          </a:fontRef>
+        </p:style>
+      </p:cxnSp>
+      <p:cxnSp>
+        <p:nvCxnSpPr>
+          <p:cNvPr id="176" name="Straight Connector 175">
+            <a:extLst>
+              <a:ext uri="{FF2B5EF4-FFF2-40B4-BE49-F238E27FC236}">
+                <a16:creationId xmlns:a16="http://schemas.microsoft.com/office/drawing/2014/main" id="{A5632050-F99A-99F0-2FE9-79DE2BAFB8C6}"/>
+              </a:ext>
+            </a:extLst>
+          </p:cNvPr>
+          <p:cNvCxnSpPr>
+            <a:cxnSpLocks/>
+          </p:cNvCxnSpPr>
+          <p:nvPr/>
+        </p:nvCxnSpPr>
+        <p:spPr>
+          <a:xfrm flipV="1">
+            <a:off x="7816204" y="3390498"/>
+            <a:ext cx="769419" cy="729125"/>
+          </a:xfrm>
+          <a:prstGeom prst="line">
+            <a:avLst/>
+          </a:prstGeom>
+          <a:ln w="19050"/>
+        </p:spPr>
+        <p:style>
+          <a:lnRef idx="1">
+            <a:schemeClr val="accent2"/>
+          </a:lnRef>
+          <a:fillRef idx="0">
+            <a:schemeClr val="accent2"/>
+          </a:fillRef>
+          <a:effectRef idx="0">
+            <a:schemeClr val="accent2"/>
+          </a:effectRef>
+          <a:fontRef idx="minor">
+            <a:schemeClr val="tx1"/>
+          </a:fontRef>
+        </p:style>
+      </p:cxnSp>
+      <p:sp>
+        <p:nvSpPr>
+          <p:cNvPr id="177" name="Left Brace 176">
+            <a:extLst>
+              <a:ext uri="{FF2B5EF4-FFF2-40B4-BE49-F238E27FC236}">
+                <a16:creationId xmlns:a16="http://schemas.microsoft.com/office/drawing/2014/main" id="{D1C51B43-AE47-E32F-CAB7-A51F2C6459D2}"/>
+              </a:ext>
+            </a:extLst>
+          </p:cNvPr>
+          <p:cNvSpPr/>
+          <p:nvPr/>
+        </p:nvSpPr>
+        <p:spPr>
+          <a:xfrm rot="2770329" flipH="1">
+            <a:off x="10939447" y="5645917"/>
+            <a:ext cx="96577" cy="431814"/>
+          </a:xfrm>
+          <a:prstGeom prst="leftBrace">
+            <a:avLst>
+              <a:gd name="adj1" fmla="val 44503"/>
+              <a:gd name="adj2" fmla="val 50000"/>
+            </a:avLst>
+          </a:prstGeom>
+          <a:ln w="19050"/>
+        </p:spPr>
+        <p:style>
+          <a:lnRef idx="1">
+            <a:schemeClr val="dk1"/>
+          </a:lnRef>
+          <a:fillRef idx="0">
+            <a:schemeClr val="dk1"/>
+          </a:fillRef>
+          <a:effectRef idx="0">
+            <a:schemeClr val="dk1"/>
+          </a:effectRef>
+          <a:fontRef idx="minor">
+            <a:schemeClr val="tx1"/>
+          </a:fontRef>
+        </p:style>
+        <p:txBody>
+          <a:bodyPr rtlCol="0" anchor="ctr"/>
+          <a:lstStyle/>
+          <a:p>
+            <a:pPr algn="ctr"/>
+            <a:endParaRPr lang="en-US"/>
+          </a:p>
+        </p:txBody>
+      </p:sp>
+      <p:cxnSp>
+        <p:nvCxnSpPr>
+          <p:cNvPr id="208" name="Straight Arrow Connector 207">
+            <a:extLst>
+              <a:ext uri="{FF2B5EF4-FFF2-40B4-BE49-F238E27FC236}">
+                <a16:creationId xmlns:a16="http://schemas.microsoft.com/office/drawing/2014/main" id="{281EF4AB-92D2-44FB-CB19-F934E52E2C91}"/>
+              </a:ext>
+            </a:extLst>
+          </p:cNvPr>
+          <p:cNvCxnSpPr>
+            <a:cxnSpLocks/>
+            <a:stCxn id="210" idx="7"/>
+            <a:endCxn id="212" idx="2"/>
+          </p:cNvCxnSpPr>
+          <p:nvPr/>
+        </p:nvCxnSpPr>
+        <p:spPr>
+          <a:xfrm flipV="1">
+            <a:off x="7577773" y="3362673"/>
+            <a:ext cx="603294" cy="562888"/>
+          </a:xfrm>
+          <a:prstGeom prst="straightConnector1">
+            <a:avLst/>
+          </a:prstGeom>
+          <a:ln>
+            <a:tailEnd type="triangle"/>
+          </a:ln>
+        </p:spPr>
+        <p:style>
+          <a:lnRef idx="1">
+            <a:schemeClr val="accent1"/>
+          </a:lnRef>
+          <a:fillRef idx="0">
+            <a:schemeClr val="accent1"/>
+          </a:fillRef>
+          <a:effectRef idx="0">
+            <a:schemeClr val="accent1"/>
+          </a:effectRef>
+          <a:fontRef idx="minor">
+            <a:schemeClr val="tx1"/>
+          </a:fontRef>
+        </p:style>
+      </p:cxnSp>
+      <p:cxnSp>
+        <p:nvCxnSpPr>
+          <p:cNvPr id="209" name="Straight Arrow Connector 208">
+            <a:extLst>
+              <a:ext uri="{FF2B5EF4-FFF2-40B4-BE49-F238E27FC236}">
+                <a16:creationId xmlns:a16="http://schemas.microsoft.com/office/drawing/2014/main" id="{E5E629F0-BC90-3F6E-98D3-0A8ADA930B83}"/>
+              </a:ext>
+            </a:extLst>
+          </p:cNvPr>
+          <p:cNvCxnSpPr>
+            <a:cxnSpLocks/>
+            <a:stCxn id="210" idx="4"/>
+            <a:endCxn id="213" idx="0"/>
+          </p:cNvCxnSpPr>
+          <p:nvPr/>
+        </p:nvCxnSpPr>
+        <p:spPr>
+          <a:xfrm>
+            <a:off x="7557779" y="3973831"/>
+            <a:ext cx="12" cy="1997412"/>
+          </a:xfrm>
+          <a:prstGeom prst="straightConnector1">
+            <a:avLst/>
+          </a:prstGeom>
+          <a:ln>
+            <a:tailEnd type="triangle"/>
+          </a:ln>
+        </p:spPr>
+        <p:style>
+          <a:lnRef idx="1">
+            <a:schemeClr val="accent1"/>
+          </a:lnRef>
+          <a:fillRef idx="0">
+            <a:schemeClr val="accent1"/>
+          </a:fillRef>
+          <a:effectRef idx="0">
+            <a:schemeClr val="accent1"/>
+          </a:effectRef>
+          <a:fontRef idx="minor">
+            <a:schemeClr val="tx1"/>
+          </a:fontRef>
+        </p:style>
+      </p:cxnSp>
+      <p:sp>
+        <p:nvSpPr>
+          <p:cNvPr id="210" name="Oval 209">
+            <a:extLst>
+              <a:ext uri="{FF2B5EF4-FFF2-40B4-BE49-F238E27FC236}">
+                <a16:creationId xmlns:a16="http://schemas.microsoft.com/office/drawing/2014/main" id="{1C773F0A-BF10-AF3C-6733-E12BB78A2A05}"/>
+              </a:ext>
+            </a:extLst>
+          </p:cNvPr>
+          <p:cNvSpPr/>
+          <p:nvPr/>
+        </p:nvSpPr>
+        <p:spPr>
+          <a:xfrm>
+            <a:off x="7529503" y="3917279"/>
+            <a:ext cx="56552" cy="56552"/>
+          </a:xfrm>
+          <a:prstGeom prst="ellipse">
+            <a:avLst/>
+          </a:prstGeom>
+          <a:ln>
+            <a:noFill/>
+          </a:ln>
+        </p:spPr>
+        <p:style>
+          <a:lnRef idx="2">
+            <a:schemeClr val="accent1">
+              <a:shade val="15000"/>
+            </a:schemeClr>
+          </a:lnRef>
+          <a:fillRef idx="1">
+            <a:schemeClr val="accent1"/>
+          </a:fillRef>
+          <a:effectRef idx="0">
+            <a:schemeClr val="accent1"/>
+          </a:effectRef>
+          <a:fontRef idx="minor">
+            <a:schemeClr val="lt1"/>
+          </a:fontRef>
+        </p:style>
+        <p:txBody>
+          <a:bodyPr rtlCol="0" anchor="ctr"/>
+          <a:lstStyle/>
+          <a:p>
+            <a:pPr algn="ctr"/>
+            <a:endParaRPr lang="en-US"/>
+          </a:p>
+        </p:txBody>
+      </p:sp>
+      <mc:AlternateContent xmlns:mc="http://schemas.openxmlformats.org/markup-compatibility/2006">
+        <mc:Choice xmlns:a14="http://schemas.microsoft.com/office/drawing/2010/main" Requires="a14">
+          <p:sp>
+            <p:nvSpPr>
+              <p:cNvPr id="211" name="TextBox 210">
+                <a:extLst>
+                  <a:ext uri="{FF2B5EF4-FFF2-40B4-BE49-F238E27FC236}">
+                    <a16:creationId xmlns:a16="http://schemas.microsoft.com/office/drawing/2014/main" id="{283FB1D2-741B-C990-BB5F-1B9CFDF02DE2}"/>
+                  </a:ext>
+                </a:extLst>
+              </p:cNvPr>
+              <p:cNvSpPr txBox="1"/>
+              <p:nvPr/>
+            </p:nvSpPr>
+            <p:spPr>
+              <a:xfrm>
+                <a:off x="7351494" y="3837833"/>
+                <a:ext cx="139461" cy="215444"/>
+              </a:xfrm>
+              <a:prstGeom prst="rect">
+                <a:avLst/>
+              </a:prstGeom>
+              <a:noFill/>
+            </p:spPr>
+            <p:txBody>
+              <a:bodyPr wrap="none" lIns="0" tIns="0" rIns="0" bIns="0" rtlCol="0">
+                <a:spAutoFit/>
+              </a:bodyPr>
+              <a:lstStyle/>
+              <a:p>
+                <a14:m>
+                  <m:oMathPara xmlns:m="http://schemas.openxmlformats.org/officeDocument/2006/math">
+                    <m:oMathParaPr>
+                      <m:jc m:val="centerGroup"/>
+                    </m:oMathParaPr>
+                    <m:oMath xmlns:m="http://schemas.openxmlformats.org/officeDocument/2006/math">
+                      <m:r>
+                        <a:rPr lang="en-US" sz="1400" b="0" i="1" smtClean="0">
+                          <a:latin typeface="Cambria Math" panose="02040503050406030204" pitchFamily="18" charset="0"/>
+                        </a:rPr>
+                        <m:t>0</m:t>
+                      </m:r>
+                    </m:oMath>
+                  </m:oMathPara>
+                </a14:m>
+                <a:endParaRPr lang="en-US" sz="1400" dirty="0"/>
+              </a:p>
+            </p:txBody>
+          </p:sp>
+        </mc:Choice>
+        <mc:Fallback>
+          <p:sp>
+            <p:nvSpPr>
+              <p:cNvPr id="211" name="TextBox 210">
+                <a:extLst>
+                  <a:ext uri="{FF2B5EF4-FFF2-40B4-BE49-F238E27FC236}">
+                    <a16:creationId xmlns:a16="http://schemas.microsoft.com/office/drawing/2014/main" id="{283FB1D2-741B-C990-BB5F-1B9CFDF02DE2}"/>
+                  </a:ext>
+                </a:extLst>
+              </p:cNvPr>
+              <p:cNvSpPr txBox="1">
+                <a:spLocks noRot="1" noChangeAspect="1" noMove="1" noResize="1" noEditPoints="1" noAdjustHandles="1" noChangeArrowheads="1" noChangeShapeType="1" noTextEdit="1"/>
+              </p:cNvSpPr>
+              <p:nvPr/>
+            </p:nvSpPr>
+            <p:spPr>
+              <a:xfrm>
+                <a:off x="7351494" y="3837833"/>
+                <a:ext cx="139461" cy="215444"/>
+              </a:xfrm>
+              <a:prstGeom prst="rect">
+                <a:avLst/>
+              </a:prstGeom>
+              <a:blipFill>
+                <a:blip r:embed="rId43"/>
+                <a:stretch>
+                  <a:fillRect l="-30435" r="-26087" b="-5714"/>
+                </a:stretch>
+              </a:blipFill>
+            </p:spPr>
+            <p:txBody>
+              <a:bodyPr/>
+              <a:lstStyle/>
+              <a:p>
+                <a:r>
+                  <a:rPr lang="en-US">
+                    <a:noFill/>
+                  </a:rPr>
+                  <a:t> </a:t>
+                </a:r>
+              </a:p>
+            </p:txBody>
+          </p:sp>
+        </mc:Fallback>
+      </mc:AlternateContent>
+      <mc:AlternateContent xmlns:mc="http://schemas.openxmlformats.org/markup-compatibility/2006">
+        <mc:Choice xmlns:a14="http://schemas.microsoft.com/office/drawing/2010/main" Requires="a14">
+          <p:sp>
+            <p:nvSpPr>
+              <p:cNvPr id="212" name="TextBox 211">
+                <a:extLst>
+                  <a:ext uri="{FF2B5EF4-FFF2-40B4-BE49-F238E27FC236}">
+                    <a16:creationId xmlns:a16="http://schemas.microsoft.com/office/drawing/2014/main" id="{CF869825-8A93-224F-B0CB-82E085B6F329}"/>
+                  </a:ext>
+                </a:extLst>
+              </p:cNvPr>
+              <p:cNvSpPr txBox="1"/>
+              <p:nvPr/>
+            </p:nvSpPr>
+            <p:spPr>
+              <a:xfrm>
+                <a:off x="7951293" y="3147229"/>
+                <a:ext cx="459548" cy="215444"/>
+              </a:xfrm>
+              <a:prstGeom prst="rect">
+                <a:avLst/>
+              </a:prstGeom>
+              <a:noFill/>
+            </p:spPr>
+            <p:txBody>
+              <a:bodyPr wrap="none" lIns="0" tIns="0" rIns="0" bIns="0" rtlCol="0">
+                <a:spAutoFit/>
+              </a:bodyPr>
+              <a:lstStyle/>
+              <a:p>
+                <a14:m>
+                  <m:oMathPara xmlns:m="http://schemas.openxmlformats.org/officeDocument/2006/math">
+                    <m:oMathParaPr>
+                      <m:jc m:val="centerGroup"/>
+                    </m:oMathParaPr>
+                    <m:oMath xmlns:m="http://schemas.openxmlformats.org/officeDocument/2006/math">
+                      <m:r>
+                        <a:rPr lang="en-US" sz="1400" b="0" i="1" smtClean="0">
+                          <a:latin typeface="Cambria Math" panose="02040503050406030204" pitchFamily="18" charset="0"/>
+                        </a:rPr>
+                        <m:t>𝑛</m:t>
+                      </m:r>
+                      <m:r>
+                        <a:rPr lang="en-US" sz="1400" b="0" i="1" smtClean="0">
+                          <a:latin typeface="Cambria Math" panose="02040503050406030204" pitchFamily="18" charset="0"/>
+                        </a:rPr>
+                        <m:t>−1</m:t>
+                      </m:r>
+                    </m:oMath>
+                  </m:oMathPara>
+                </a14:m>
+                <a:endParaRPr lang="en-US" sz="1400" dirty="0"/>
+              </a:p>
+            </p:txBody>
+          </p:sp>
+        </mc:Choice>
+        <mc:Fallback>
+          <p:sp>
+            <p:nvSpPr>
+              <p:cNvPr id="212" name="TextBox 211">
+                <a:extLst>
+                  <a:ext uri="{FF2B5EF4-FFF2-40B4-BE49-F238E27FC236}">
+                    <a16:creationId xmlns:a16="http://schemas.microsoft.com/office/drawing/2014/main" id="{CF869825-8A93-224F-B0CB-82E085B6F329}"/>
+                  </a:ext>
+                </a:extLst>
+              </p:cNvPr>
+              <p:cNvSpPr txBox="1">
+                <a:spLocks noRot="1" noChangeAspect="1" noMove="1" noResize="1" noEditPoints="1" noAdjustHandles="1" noChangeArrowheads="1" noChangeShapeType="1" noTextEdit="1"/>
+              </p:cNvSpPr>
+              <p:nvPr/>
+            </p:nvSpPr>
+            <p:spPr>
+              <a:xfrm>
+                <a:off x="7951293" y="3147229"/>
+                <a:ext cx="459548" cy="215444"/>
+              </a:xfrm>
+              <a:prstGeom prst="rect">
+                <a:avLst/>
+              </a:prstGeom>
+              <a:blipFill>
+                <a:blip r:embed="rId45"/>
+                <a:stretch>
+                  <a:fillRect l="-3947" r="-7895" b="-2778"/>
+                </a:stretch>
+              </a:blipFill>
+            </p:spPr>
+            <p:txBody>
+              <a:bodyPr/>
+              <a:lstStyle/>
+              <a:p>
+                <a:r>
+                  <a:rPr lang="en-US">
+                    <a:noFill/>
+                  </a:rPr>
+                  <a:t> </a:t>
+                </a:r>
+              </a:p>
+            </p:txBody>
+          </p:sp>
+        </mc:Fallback>
+      </mc:AlternateContent>
+      <mc:AlternateContent xmlns:mc="http://schemas.openxmlformats.org/markup-compatibility/2006">
+        <mc:Choice xmlns:a14="http://schemas.microsoft.com/office/drawing/2010/main" Requires="a14">
+          <p:sp>
+            <p:nvSpPr>
+              <p:cNvPr id="213" name="TextBox 212">
+                <a:extLst>
+                  <a:ext uri="{FF2B5EF4-FFF2-40B4-BE49-F238E27FC236}">
+                    <a16:creationId xmlns:a16="http://schemas.microsoft.com/office/drawing/2014/main" id="{D88C2EF0-37D9-FF24-10F9-40C558528720}"/>
+                  </a:ext>
+                </a:extLst>
+              </p:cNvPr>
+              <p:cNvSpPr txBox="1"/>
+              <p:nvPr/>
+            </p:nvSpPr>
+            <p:spPr>
+              <a:xfrm>
+                <a:off x="7283838" y="5971243"/>
+                <a:ext cx="547906" cy="215444"/>
+              </a:xfrm>
+              <a:prstGeom prst="rect">
+                <a:avLst/>
+              </a:prstGeom>
+              <a:noFill/>
+            </p:spPr>
+            <p:txBody>
+              <a:bodyPr wrap="none" lIns="0" tIns="0" rIns="0" bIns="0" rtlCol="0">
+                <a:spAutoFit/>
+              </a:bodyPr>
+              <a:lstStyle/>
+              <a:p>
+                <a14:m>
+                  <m:oMathPara xmlns:m="http://schemas.openxmlformats.org/officeDocument/2006/math">
+                    <m:oMathParaPr>
+                      <m:jc m:val="centerGroup"/>
+                    </m:oMathParaPr>
+                    <m:oMath xmlns:m="http://schemas.openxmlformats.org/officeDocument/2006/math">
+                      <m:sSup>
+                        <m:sSupPr>
+                          <m:ctrlPr>
+                            <a:rPr lang="en-US" sz="1400" b="0" i="1" smtClean="0">
+                              <a:latin typeface="Cambria Math" panose="02040503050406030204" pitchFamily="18" charset="0"/>
+                            </a:rPr>
+                          </m:ctrlPr>
+                        </m:sSupPr>
+                        <m:e>
+                          <m:r>
+                            <a:rPr lang="en-US" sz="1400" b="0" i="1" smtClean="0">
+                              <a:latin typeface="Cambria Math" panose="02040503050406030204" pitchFamily="18" charset="0"/>
+                            </a:rPr>
+                            <m:t>4</m:t>
+                          </m:r>
+                        </m:e>
+                        <m:sup>
+                          <m:r>
+                            <a:rPr lang="en-US" sz="1400" b="0" i="1" smtClean="0">
+                              <a:latin typeface="Cambria Math" panose="02040503050406030204" pitchFamily="18" charset="0"/>
+                            </a:rPr>
+                            <m:t>𝑛</m:t>
+                          </m:r>
+                        </m:sup>
+                      </m:sSup>
+                      <m:r>
+                        <a:rPr lang="en-US" sz="1400" b="0" i="1" smtClean="0">
+                          <a:latin typeface="Cambria Math" panose="02040503050406030204" pitchFamily="18" charset="0"/>
+                        </a:rPr>
+                        <m:t>−1</m:t>
+                      </m:r>
+                    </m:oMath>
+                  </m:oMathPara>
+                </a14:m>
+                <a:endParaRPr lang="en-US" sz="1400" dirty="0"/>
+              </a:p>
+            </p:txBody>
+          </p:sp>
+        </mc:Choice>
+        <mc:Fallback>
+          <p:sp>
+            <p:nvSpPr>
+              <p:cNvPr id="213" name="TextBox 212">
+                <a:extLst>
+                  <a:ext uri="{FF2B5EF4-FFF2-40B4-BE49-F238E27FC236}">
+                    <a16:creationId xmlns:a16="http://schemas.microsoft.com/office/drawing/2014/main" id="{D88C2EF0-37D9-FF24-10F9-40C558528720}"/>
+                  </a:ext>
+                </a:extLst>
+              </p:cNvPr>
+              <p:cNvSpPr txBox="1">
+                <a:spLocks noRot="1" noChangeAspect="1" noMove="1" noResize="1" noEditPoints="1" noAdjustHandles="1" noChangeArrowheads="1" noChangeShapeType="1" noTextEdit="1"/>
+              </p:cNvSpPr>
+              <p:nvPr/>
+            </p:nvSpPr>
+            <p:spPr>
+              <a:xfrm>
+                <a:off x="7283838" y="5971243"/>
+                <a:ext cx="547906" cy="215444"/>
+              </a:xfrm>
+              <a:prstGeom prst="rect">
+                <a:avLst/>
+              </a:prstGeom>
+              <a:blipFill>
+                <a:blip r:embed="rId44"/>
+                <a:stretch>
+                  <a:fillRect l="-6667" r="-6667" b="-5714"/>
+                </a:stretch>
+              </a:blipFill>
+            </p:spPr>
+            <p:txBody>
+              <a:bodyPr/>
+              <a:lstStyle/>
+              <a:p>
+                <a:r>
+                  <a:rPr lang="en-US">
+                    <a:noFill/>
+                  </a:rPr>
+                  <a:t> </a:t>
+                </a:r>
+              </a:p>
+            </p:txBody>
+          </p:sp>
+        </mc:Fallback>
+      </mc:AlternateContent>
+      <p:cxnSp>
+        <p:nvCxnSpPr>
+          <p:cNvPr id="214" name="Straight Connector 213">
+            <a:extLst>
+              <a:ext uri="{FF2B5EF4-FFF2-40B4-BE49-F238E27FC236}">
+                <a16:creationId xmlns:a16="http://schemas.microsoft.com/office/drawing/2014/main" id="{1CD34A70-2A93-4C29-C86B-124BB12133D6}"/>
+              </a:ext>
+            </a:extLst>
+          </p:cNvPr>
+          <p:cNvCxnSpPr>
+            <a:cxnSpLocks/>
+          </p:cNvCxnSpPr>
+          <p:nvPr/>
+        </p:nvCxnSpPr>
+        <p:spPr>
+          <a:xfrm flipH="1">
+            <a:off x="8347434" y="3637758"/>
+            <a:ext cx="1935756" cy="0"/>
+          </a:xfrm>
+          <a:prstGeom prst="line">
+            <a:avLst/>
+          </a:prstGeom>
+          <a:ln w="19050">
+            <a:solidFill>
+              <a:schemeClr val="accent2"/>
+            </a:solidFill>
+          </a:ln>
+        </p:spPr>
+        <p:style>
+          <a:lnRef idx="1">
+            <a:schemeClr val="dk1"/>
+          </a:lnRef>
+          <a:fillRef idx="0">
+            <a:schemeClr val="dk1"/>
+          </a:fillRef>
+          <a:effectRef idx="0">
+            <a:schemeClr val="dk1"/>
+          </a:effectRef>
+          <a:fontRef idx="minor">
+            <a:schemeClr val="tx1"/>
+          </a:fontRef>
+        </p:style>
+      </p:cxnSp>
+      <p:cxnSp>
+        <p:nvCxnSpPr>
+          <p:cNvPr id="216" name="Straight Connector 215">
+            <a:extLst>
+              <a:ext uri="{FF2B5EF4-FFF2-40B4-BE49-F238E27FC236}">
+                <a16:creationId xmlns:a16="http://schemas.microsoft.com/office/drawing/2014/main" id="{C8BD7FBE-557D-7FF1-582F-655A83CEC81F}"/>
+              </a:ext>
+            </a:extLst>
+          </p:cNvPr>
+          <p:cNvCxnSpPr>
+            <a:cxnSpLocks/>
+          </p:cNvCxnSpPr>
+          <p:nvPr/>
+        </p:nvCxnSpPr>
+        <p:spPr>
+          <a:xfrm flipV="1">
+            <a:off x="10284552" y="3639512"/>
+            <a:ext cx="0" cy="1792913"/>
+          </a:xfrm>
+          <a:prstGeom prst="line">
+            <a:avLst/>
+          </a:prstGeom>
+          <a:ln w="19050">
+            <a:solidFill>
+              <a:schemeClr val="accent2"/>
+            </a:solidFill>
+            <a:prstDash val="dash"/>
+          </a:ln>
+        </p:spPr>
+        <p:style>
+          <a:lnRef idx="1">
+            <a:schemeClr val="dk1"/>
+          </a:lnRef>
+          <a:fillRef idx="0">
+            <a:schemeClr val="dk1"/>
+          </a:fillRef>
+          <a:effectRef idx="0">
+            <a:schemeClr val="dk1"/>
+          </a:effectRef>
+          <a:fontRef idx="minor">
+            <a:schemeClr val="tx1"/>
+          </a:fontRef>
+        </p:style>
+      </p:cxnSp>
+      <p:cxnSp>
+        <p:nvCxnSpPr>
+          <p:cNvPr id="219" name="Straight Connector 218">
+            <a:extLst>
+              <a:ext uri="{FF2B5EF4-FFF2-40B4-BE49-F238E27FC236}">
+                <a16:creationId xmlns:a16="http://schemas.microsoft.com/office/drawing/2014/main" id="{BF8877B0-979B-152A-F78F-27D60E4C7584}"/>
+              </a:ext>
+            </a:extLst>
+          </p:cNvPr>
+          <p:cNvCxnSpPr>
+            <a:cxnSpLocks/>
+          </p:cNvCxnSpPr>
+          <p:nvPr/>
+        </p:nvCxnSpPr>
+        <p:spPr>
+          <a:xfrm>
+            <a:off x="10284302" y="3638550"/>
+            <a:ext cx="0" cy="188119"/>
+          </a:xfrm>
+          <a:prstGeom prst="line">
+            <a:avLst/>
+          </a:prstGeom>
+          <a:ln w="19050">
+            <a:solidFill>
+              <a:schemeClr val="accent2"/>
+            </a:solidFill>
+          </a:ln>
+        </p:spPr>
+        <p:style>
+          <a:lnRef idx="1">
+            <a:schemeClr val="dk1"/>
+          </a:lnRef>
+          <a:fillRef idx="0">
+            <a:schemeClr val="dk1"/>
+          </a:fillRef>
+          <a:effectRef idx="0">
+            <a:schemeClr val="dk1"/>
+          </a:effectRef>
+          <a:fontRef idx="minor">
+            <a:schemeClr val="tx1"/>
+          </a:fontRef>
+        </p:style>
+      </p:cxnSp>
+      <p:cxnSp>
+        <p:nvCxnSpPr>
+          <p:cNvPr id="222" name="Straight Connector 221">
+            <a:extLst>
+              <a:ext uri="{FF2B5EF4-FFF2-40B4-BE49-F238E27FC236}">
+                <a16:creationId xmlns:a16="http://schemas.microsoft.com/office/drawing/2014/main" id="{6CB17021-D20B-D17F-11E3-C4690E230D04}"/>
+              </a:ext>
+            </a:extLst>
+          </p:cNvPr>
+          <p:cNvCxnSpPr>
+            <a:cxnSpLocks/>
+          </p:cNvCxnSpPr>
+          <p:nvPr/>
+        </p:nvCxnSpPr>
+        <p:spPr>
+          <a:xfrm flipV="1">
+            <a:off x="10097961" y="3640326"/>
+            <a:ext cx="186589" cy="176818"/>
+          </a:xfrm>
+          <a:prstGeom prst="line">
+            <a:avLst/>
+          </a:prstGeom>
+          <a:ln w="19050"/>
+        </p:spPr>
+        <p:style>
+          <a:lnRef idx="1">
+            <a:schemeClr val="accent2"/>
+          </a:lnRef>
+          <a:fillRef idx="0">
+            <a:schemeClr val="accent2"/>
+          </a:fillRef>
+          <a:effectRef idx="0">
+            <a:schemeClr val="accent2"/>
+          </a:effectRef>
+          <a:fontRef idx="minor">
+            <a:schemeClr val="tx1"/>
+          </a:fontRef>
+        </p:style>
+      </p:cxnSp>
+      <p:cxnSp>
+        <p:nvCxnSpPr>
+          <p:cNvPr id="225" name="Straight Connector 224">
+            <a:extLst>
+              <a:ext uri="{FF2B5EF4-FFF2-40B4-BE49-F238E27FC236}">
+                <a16:creationId xmlns:a16="http://schemas.microsoft.com/office/drawing/2014/main" id="{717C0884-49DB-9C36-12D2-88088F874CCF}"/>
+              </a:ext>
+            </a:extLst>
+          </p:cNvPr>
+          <p:cNvCxnSpPr>
+            <a:cxnSpLocks/>
+          </p:cNvCxnSpPr>
+          <p:nvPr/>
+        </p:nvCxnSpPr>
+        <p:spPr>
+          <a:xfrm flipV="1">
+            <a:off x="10094052" y="3817312"/>
+            <a:ext cx="0" cy="1831013"/>
+          </a:xfrm>
+          <a:prstGeom prst="line">
+            <a:avLst/>
+          </a:prstGeom>
+          <a:ln w="19050">
+            <a:solidFill>
+              <a:schemeClr val="accent2"/>
+            </a:solidFill>
+            <a:prstDash val="dash"/>
+          </a:ln>
+        </p:spPr>
+        <p:style>
+          <a:lnRef idx="1">
+            <a:schemeClr val="dk1"/>
+          </a:lnRef>
+          <a:fillRef idx="0">
+            <a:schemeClr val="dk1"/>
+          </a:fillRef>
+          <a:effectRef idx="0">
+            <a:schemeClr val="dk1"/>
+          </a:effectRef>
+          <a:fontRef idx="minor">
+            <a:schemeClr val="tx1"/>
+          </a:fontRef>
+        </p:style>
+      </p:cxnSp>
+      <p:cxnSp>
+        <p:nvCxnSpPr>
+          <p:cNvPr id="227" name="Straight Connector 226">
+            <a:extLst>
+              <a:ext uri="{FF2B5EF4-FFF2-40B4-BE49-F238E27FC236}">
+                <a16:creationId xmlns:a16="http://schemas.microsoft.com/office/drawing/2014/main" id="{C05D67B0-963D-CAF3-DD38-647EF9D33794}"/>
+              </a:ext>
+            </a:extLst>
+          </p:cNvPr>
+          <p:cNvCxnSpPr>
+            <a:cxnSpLocks/>
+          </p:cNvCxnSpPr>
+          <p:nvPr/>
+        </p:nvCxnSpPr>
+        <p:spPr>
+          <a:xfrm flipV="1">
+            <a:off x="10101136" y="5475476"/>
+            <a:ext cx="186589" cy="176818"/>
+          </a:xfrm>
+          <a:prstGeom prst="line">
+            <a:avLst/>
+          </a:prstGeom>
+          <a:ln w="19050">
+            <a:prstDash val="dash"/>
+          </a:ln>
+        </p:spPr>
+        <p:style>
+          <a:lnRef idx="1">
+            <a:schemeClr val="accent2"/>
+          </a:lnRef>
+          <a:fillRef idx="0">
+            <a:schemeClr val="accent2"/>
+          </a:fillRef>
+          <a:effectRef idx="0">
+            <a:schemeClr val="accent2"/>
+          </a:effectRef>
+          <a:fontRef idx="minor">
+            <a:schemeClr val="tx1"/>
+          </a:fontRef>
+        </p:style>
+      </p:cxnSp>
+      <p:cxnSp>
+        <p:nvCxnSpPr>
+          <p:cNvPr id="229" name="Straight Connector 228">
+            <a:extLst>
+              <a:ext uri="{FF2B5EF4-FFF2-40B4-BE49-F238E27FC236}">
+                <a16:creationId xmlns:a16="http://schemas.microsoft.com/office/drawing/2014/main" id="{39E713C9-C15A-199B-44BB-E40B1721DD78}"/>
+              </a:ext>
+            </a:extLst>
+          </p:cNvPr>
+          <p:cNvCxnSpPr>
+            <a:cxnSpLocks/>
+          </p:cNvCxnSpPr>
+          <p:nvPr/>
+        </p:nvCxnSpPr>
+        <p:spPr>
+          <a:xfrm flipV="1">
+            <a:off x="8349707" y="3607762"/>
+            <a:ext cx="0" cy="1831013"/>
+          </a:xfrm>
+          <a:prstGeom prst="line">
+            <a:avLst/>
+          </a:prstGeom>
+          <a:ln w="19050">
+            <a:solidFill>
+              <a:schemeClr val="accent2"/>
+            </a:solidFill>
+            <a:prstDash val="dash"/>
+          </a:ln>
+        </p:spPr>
+        <p:style>
+          <a:lnRef idx="1">
+            <a:schemeClr val="dk1"/>
+          </a:lnRef>
+          <a:fillRef idx="0">
+            <a:schemeClr val="dk1"/>
+          </a:fillRef>
+          <a:effectRef idx="0">
+            <a:schemeClr val="dk1"/>
+          </a:effectRef>
+          <a:fontRef idx="minor">
+            <a:schemeClr val="tx1"/>
+          </a:fontRef>
+        </p:style>
+      </p:cxnSp>
+      <p:cxnSp>
+        <p:nvCxnSpPr>
+          <p:cNvPr id="230" name="Straight Connector 229">
+            <a:extLst>
+              <a:ext uri="{FF2B5EF4-FFF2-40B4-BE49-F238E27FC236}">
+                <a16:creationId xmlns:a16="http://schemas.microsoft.com/office/drawing/2014/main" id="{F9CA3F76-E6B3-A8FD-FE1A-A70ABFBA6104}"/>
+              </a:ext>
+            </a:extLst>
+          </p:cNvPr>
+          <p:cNvCxnSpPr>
+            <a:cxnSpLocks/>
+          </p:cNvCxnSpPr>
+          <p:nvPr/>
+        </p:nvCxnSpPr>
+        <p:spPr>
+          <a:xfrm>
+            <a:off x="8350250" y="5435600"/>
+            <a:ext cx="1929130" cy="0"/>
+          </a:xfrm>
+          <a:prstGeom prst="line">
+            <a:avLst/>
+          </a:prstGeom>
+          <a:ln w="19050">
+            <a:solidFill>
+              <a:schemeClr val="accent2"/>
+            </a:solidFill>
+            <a:prstDash val="dash"/>
+          </a:ln>
+        </p:spPr>
+        <p:style>
+          <a:lnRef idx="1">
+            <a:schemeClr val="dk1"/>
+          </a:lnRef>
+          <a:fillRef idx="0">
+            <a:schemeClr val="dk1"/>
+          </a:fillRef>
+          <a:effectRef idx="0">
+            <a:schemeClr val="dk1"/>
+          </a:effectRef>
+          <a:fontRef idx="minor">
+            <a:schemeClr val="tx1"/>
+          </a:fontRef>
+        </p:style>
+      </p:cxnSp>
+      <p:sp>
+        <p:nvSpPr>
+          <p:cNvPr id="237" name="TextBox 236">
+            <a:extLst>
+              <a:ext uri="{FF2B5EF4-FFF2-40B4-BE49-F238E27FC236}">
+                <a16:creationId xmlns:a16="http://schemas.microsoft.com/office/drawing/2014/main" id="{EB4EDAF7-C15C-10AF-7E50-CAFAB3A47F80}"/>
+              </a:ext>
+            </a:extLst>
+          </p:cNvPr>
+          <p:cNvSpPr txBox="1"/>
+          <p:nvPr/>
+        </p:nvSpPr>
+        <p:spPr>
+          <a:xfrm>
+            <a:off x="7220954" y="1995701"/>
+            <a:ext cx="229230" cy="246221"/>
+          </a:xfrm>
+          <a:prstGeom prst="rect">
+            <a:avLst/>
+          </a:prstGeom>
+          <a:noFill/>
+        </p:spPr>
+        <p:txBody>
+          <a:bodyPr wrap="none" lIns="0" tIns="0" rIns="0" bIns="0" rtlCol="0">
+            <a:spAutoFit/>
+          </a:bodyPr>
+          <a:lstStyle/>
+          <a:p>
+            <a:r>
+              <a:rPr lang="en-US" sz="1600" dirty="0">
+                <a:latin typeface="Times New Roman" panose="02020603050405020304" pitchFamily="18" charset="0"/>
+                <a:cs typeface="Times New Roman" panose="02020603050405020304" pitchFamily="18" charset="0"/>
+              </a:rPr>
+              <a:t>(a)</a:t>
+            </a:r>
+          </a:p>
+        </p:txBody>
+      </p:sp>
+      <p:sp>
+        <p:nvSpPr>
+          <p:cNvPr id="238" name="TextBox 237">
+            <a:extLst>
+              <a:ext uri="{FF2B5EF4-FFF2-40B4-BE49-F238E27FC236}">
+                <a16:creationId xmlns:a16="http://schemas.microsoft.com/office/drawing/2014/main" id="{B81A0A49-140F-5428-DBD6-3F212B411769}"/>
+              </a:ext>
+            </a:extLst>
+          </p:cNvPr>
+          <p:cNvSpPr txBox="1"/>
+          <p:nvPr/>
+        </p:nvSpPr>
+        <p:spPr>
+          <a:xfrm>
+            <a:off x="7213909" y="4896243"/>
+            <a:ext cx="240450" cy="246221"/>
+          </a:xfrm>
+          <a:prstGeom prst="rect">
+            <a:avLst/>
+          </a:prstGeom>
+          <a:noFill/>
+        </p:spPr>
+        <p:txBody>
+          <a:bodyPr wrap="none" lIns="0" tIns="0" rIns="0" bIns="0" rtlCol="0">
+            <a:spAutoFit/>
+          </a:bodyPr>
+          <a:lstStyle/>
+          <a:p>
+            <a:r>
+              <a:rPr lang="en-US" sz="1600" dirty="0">
+                <a:latin typeface="Times New Roman" panose="02020603050405020304" pitchFamily="18" charset="0"/>
+                <a:cs typeface="Times New Roman" panose="02020603050405020304" pitchFamily="18" charset="0"/>
+              </a:rPr>
+              <a:t>(b)</a:t>
+            </a:r>
+          </a:p>
+        </p:txBody>
+      </p:sp>
+      <p:sp>
+        <p:nvSpPr>
+          <p:cNvPr id="239" name="Cube 238">
+            <a:extLst>
+              <a:ext uri="{FF2B5EF4-FFF2-40B4-BE49-F238E27FC236}">
+                <a16:creationId xmlns:a16="http://schemas.microsoft.com/office/drawing/2014/main" id="{5C9093F8-E8D5-7EC0-8E82-3EF0D077E480}"/>
+              </a:ext>
+            </a:extLst>
+          </p:cNvPr>
+          <p:cNvSpPr/>
+          <p:nvPr/>
+        </p:nvSpPr>
+        <p:spPr>
+          <a:xfrm>
+            <a:off x="9777906" y="3824789"/>
+            <a:ext cx="1299126" cy="2128976"/>
+          </a:xfrm>
+          <a:prstGeom prst="cube">
+            <a:avLst>
+              <a:gd name="adj" fmla="val 23909"/>
+            </a:avLst>
+          </a:prstGeom>
+          <a:solidFill>
+            <a:schemeClr val="accent2">
+              <a:alpha val="50000"/>
+            </a:schemeClr>
+          </a:solidFill>
+        </p:spPr>
+        <p:style>
+          <a:lnRef idx="2">
+            <a:schemeClr val="accent1">
+              <a:shade val="15000"/>
+            </a:schemeClr>
+          </a:lnRef>
+          <a:fillRef idx="1">
+            <a:schemeClr val="accent1"/>
+          </a:fillRef>
+          <a:effectRef idx="0">
+            <a:schemeClr val="accent1"/>
+          </a:effectRef>
+          <a:fontRef idx="minor">
+            <a:schemeClr val="lt1"/>
+          </a:fontRef>
+        </p:style>
+        <p:txBody>
+          <a:bodyPr rtlCol="0" anchor="ctr"/>
+          <a:lstStyle/>
+          <a:p>
+            <a:pPr algn="ctr"/>
+            <a:endParaRPr lang="en-US"/>
+          </a:p>
+        </p:txBody>
+      </p:sp>
+      <p:sp>
+        <p:nvSpPr>
+          <p:cNvPr id="173" name="Left Brace 172">
+            <a:extLst>
+              <a:ext uri="{FF2B5EF4-FFF2-40B4-BE49-F238E27FC236}">
+                <a16:creationId xmlns:a16="http://schemas.microsoft.com/office/drawing/2014/main" id="{F86028CE-F9B2-7038-A419-B2DFFB1D164D}"/>
+              </a:ext>
+            </a:extLst>
+          </p:cNvPr>
+          <p:cNvSpPr/>
+          <p:nvPr/>
+        </p:nvSpPr>
+        <p:spPr>
+          <a:xfrm rot="16200000" flipH="1">
+            <a:off x="10539064" y="3266910"/>
+            <a:ext cx="95404" cy="942425"/>
+          </a:xfrm>
+          <a:prstGeom prst="leftBrace">
+            <a:avLst>
+              <a:gd name="adj1" fmla="val 44503"/>
+              <a:gd name="adj2" fmla="val 50000"/>
+            </a:avLst>
+          </a:prstGeom>
+          <a:ln w="19050"/>
+        </p:spPr>
+        <p:style>
+          <a:lnRef idx="1">
+            <a:schemeClr val="dk1"/>
+          </a:lnRef>
+          <a:fillRef idx="0">
+            <a:schemeClr val="dk1"/>
+          </a:fillRef>
+          <a:effectRef idx="0">
+            <a:schemeClr val="dk1"/>
+          </a:effectRef>
+          <a:fontRef idx="minor">
+            <a:schemeClr val="tx1"/>
+          </a:fontRef>
+        </p:style>
+        <p:txBody>
+          <a:bodyPr rtlCol="0" anchor="ctr"/>
+          <a:lstStyle/>
+          <a:p>
+            <a:pPr algn="ctr"/>
+            <a:endParaRPr lang="en-US"/>
+          </a:p>
+        </p:txBody>
+      </p:sp>
+      <p:cxnSp>
+        <p:nvCxnSpPr>
+          <p:cNvPr id="242" name="Straight Arrow Connector 241">
+            <a:extLst>
+              <a:ext uri="{FF2B5EF4-FFF2-40B4-BE49-F238E27FC236}">
+                <a16:creationId xmlns:a16="http://schemas.microsoft.com/office/drawing/2014/main" id="{EDB01CC7-192F-1443-8C5F-B3549BD0BD94}"/>
+              </a:ext>
+            </a:extLst>
+          </p:cNvPr>
+          <p:cNvCxnSpPr>
+            <a:cxnSpLocks/>
+            <a:stCxn id="210" idx="6"/>
+            <a:endCxn id="249" idx="1"/>
+          </p:cNvCxnSpPr>
+          <p:nvPr/>
+        </p:nvCxnSpPr>
+        <p:spPr>
+          <a:xfrm flipV="1">
+            <a:off x="7586055" y="3942034"/>
+            <a:ext cx="1527750" cy="3521"/>
+          </a:xfrm>
+          <a:prstGeom prst="straightConnector1">
+            <a:avLst/>
+          </a:prstGeom>
+          <a:ln>
+            <a:tailEnd type="triangle"/>
+          </a:ln>
+        </p:spPr>
+        <p:style>
+          <a:lnRef idx="1">
+            <a:schemeClr val="accent1"/>
+          </a:lnRef>
+          <a:fillRef idx="0">
+            <a:schemeClr val="accent1"/>
+          </a:fillRef>
+          <a:effectRef idx="0">
+            <a:schemeClr val="accent1"/>
+          </a:effectRef>
+          <a:fontRef idx="minor">
+            <a:schemeClr val="tx1"/>
+          </a:fontRef>
+        </p:style>
+      </p:cxnSp>
+      <mc:AlternateContent xmlns:mc="http://schemas.openxmlformats.org/markup-compatibility/2006">
+        <mc:Choice xmlns:a14="http://schemas.microsoft.com/office/drawing/2010/main" Requires="a14">
+          <p:sp>
+            <p:nvSpPr>
+              <p:cNvPr id="246" name="TextBox 245">
+                <a:extLst>
+                  <a:ext uri="{FF2B5EF4-FFF2-40B4-BE49-F238E27FC236}">
+                    <a16:creationId xmlns:a16="http://schemas.microsoft.com/office/drawing/2014/main" id="{F33DF914-804B-6FFA-A623-A8CDEED6853A}"/>
+                  </a:ext>
+                </a:extLst>
+              </p:cNvPr>
+              <p:cNvSpPr txBox="1"/>
+              <p:nvPr/>
+            </p:nvSpPr>
+            <p:spPr>
+              <a:xfrm>
+                <a:off x="9856666" y="4133497"/>
+                <a:ext cx="503728" cy="1600438"/>
+              </a:xfrm>
+              <a:prstGeom prst="rect">
+                <a:avLst/>
+              </a:prstGeom>
+              <a:noFill/>
+            </p:spPr>
+            <p:txBody>
+              <a:bodyPr wrap="square" rtlCol="0">
+                <a:spAutoFit/>
+              </a:bodyPr>
+              <a:lstStyle/>
+              <a:p>
+                <a14:m>
+                  <m:oMathPara xmlns:m="http://schemas.openxmlformats.org/officeDocument/2006/math">
+                    <m:oMathParaPr>
+                      <m:jc m:val="centerGroup"/>
+                    </m:oMathParaPr>
+                    <m:oMath xmlns:m="http://schemas.openxmlformats.org/officeDocument/2006/math">
+                      <m:r>
+                        <a:rPr lang="en-US" sz="1400" b="0" i="1" dirty="0" smtClean="0">
+                          <a:latin typeface="Cambria Math" panose="02040503050406030204" pitchFamily="18" charset="0"/>
+                        </a:rPr>
+                        <m:t>𝐼𝑛</m:t>
+                      </m:r>
+                    </m:oMath>
+                  </m:oMathPara>
+                </a14:m>
+                <a:endParaRPr lang="en-US" sz="1400" dirty="0"/>
+              </a:p>
+              <a:p>
+                <a14:m>
+                  <m:oMathPara xmlns:m="http://schemas.openxmlformats.org/officeDocument/2006/math">
+                    <m:oMathParaPr>
+                      <m:jc m:val="centerGroup"/>
+                    </m:oMathParaPr>
+                    <m:oMath xmlns:m="http://schemas.openxmlformats.org/officeDocument/2006/math">
+                      <m:r>
+                        <a:rPr lang="en-US" sz="1400" b="0" i="1" smtClean="0">
+                          <a:latin typeface="Cambria Math" panose="02040503050406030204" pitchFamily="18" charset="0"/>
+                        </a:rPr>
+                        <m:t>1</m:t>
+                      </m:r>
+                    </m:oMath>
+                  </m:oMathPara>
+                </a14:m>
+                <a:endParaRPr lang="en-US" sz="1400" dirty="0"/>
+              </a:p>
+              <a:p>
+                <a14:m>
+                  <m:oMathPara xmlns:m="http://schemas.openxmlformats.org/officeDocument/2006/math">
+                    <m:oMathParaPr>
+                      <m:jc m:val="centerGroup"/>
+                    </m:oMathParaPr>
+                    <m:oMath xmlns:m="http://schemas.openxmlformats.org/officeDocument/2006/math">
+                      <m:r>
+                        <a:rPr lang="en-US" sz="1400" b="0" i="1" smtClean="0">
+                          <a:latin typeface="Cambria Math" panose="02040503050406030204" pitchFamily="18" charset="0"/>
+                        </a:rPr>
+                        <m:t>2</m:t>
+                      </m:r>
+                    </m:oMath>
+                  </m:oMathPara>
+                </a14:m>
+                <a:endParaRPr lang="en-US" sz="1400" dirty="0"/>
+              </a:p>
+              <a:p>
+                <a14:m>
+                  <m:oMathPara xmlns:m="http://schemas.openxmlformats.org/officeDocument/2006/math">
+                    <m:oMathParaPr>
+                      <m:jc m:val="centerGroup"/>
+                    </m:oMathParaPr>
+                    <m:oMath xmlns:m="http://schemas.openxmlformats.org/officeDocument/2006/math">
+                      <m:r>
+                        <a:rPr lang="en-US" sz="1400" b="0" i="1" smtClean="0">
+                          <a:latin typeface="Cambria Math" panose="02040503050406030204" pitchFamily="18" charset="0"/>
+                        </a:rPr>
+                        <m:t>3</m:t>
+                      </m:r>
+                    </m:oMath>
+                  </m:oMathPara>
+                </a14:m>
+                <a:endParaRPr lang="en-US" sz="1400" dirty="0"/>
+              </a:p>
+              <a:p>
+                <a14:m>
+                  <m:oMathPara xmlns:m="http://schemas.openxmlformats.org/officeDocument/2006/math">
+                    <m:oMathParaPr>
+                      <m:jc m:val="centerGroup"/>
+                    </m:oMathParaPr>
+                    <m:oMath xmlns:m="http://schemas.openxmlformats.org/officeDocument/2006/math">
+                      <m:r>
+                        <a:rPr lang="en-US" sz="1400" i="1" dirty="0" smtClean="0">
+                          <a:latin typeface="Cambria Math" panose="02040503050406030204" pitchFamily="18" charset="0"/>
+                        </a:rPr>
+                        <m:t>4</m:t>
+                      </m:r>
+                    </m:oMath>
+                  </m:oMathPara>
+                </a14:m>
+                <a:endParaRPr lang="en-US" sz="1400" dirty="0"/>
+              </a:p>
+              <a:p>
+                <a14:m>
+                  <m:oMathPara xmlns:m="http://schemas.openxmlformats.org/officeDocument/2006/math">
+                    <m:oMathParaPr>
+                      <m:jc m:val="centerGroup"/>
+                    </m:oMathParaPr>
+                    <m:oMath xmlns:m="http://schemas.openxmlformats.org/officeDocument/2006/math">
+                      <m:r>
+                        <a:rPr lang="en-US" sz="1400" i="1" smtClean="0">
+                          <a:latin typeface="Cambria Math" panose="02040503050406030204" pitchFamily="18" charset="0"/>
+                        </a:rPr>
+                        <m:t>⋮</m:t>
+                      </m:r>
+                    </m:oMath>
+                  </m:oMathPara>
+                </a14:m>
+                <a:endParaRPr lang="en-US" sz="1400" dirty="0"/>
+              </a:p>
+              <a:p>
+                <a14:m>
+                  <m:oMathPara xmlns:m="http://schemas.openxmlformats.org/officeDocument/2006/math">
+                    <m:oMathParaPr>
+                      <m:jc m:val="centerGroup"/>
+                    </m:oMathParaPr>
+                    <m:oMath xmlns:m="http://schemas.openxmlformats.org/officeDocument/2006/math">
+                      <m:r>
+                        <a:rPr lang="en-US" sz="1400" i="1" dirty="0" smtClean="0">
+                          <a:latin typeface="Cambria Math" panose="02040503050406030204" pitchFamily="18" charset="0"/>
+                        </a:rPr>
+                        <m:t>1</m:t>
+                      </m:r>
+                      <m:r>
+                        <a:rPr lang="en-US" sz="1400" i="1" dirty="0">
+                          <a:latin typeface="Cambria Math" panose="02040503050406030204" pitchFamily="18" charset="0"/>
+                        </a:rPr>
+                        <m:t>5</m:t>
+                      </m:r>
+                    </m:oMath>
+                  </m:oMathPara>
+                </a14:m>
+                <a:endParaRPr lang="en-US" sz="1400" dirty="0"/>
+              </a:p>
+            </p:txBody>
+          </p:sp>
+        </mc:Choice>
+        <mc:Fallback>
+          <p:sp>
+            <p:nvSpPr>
+              <p:cNvPr id="246" name="TextBox 245">
+                <a:extLst>
+                  <a:ext uri="{FF2B5EF4-FFF2-40B4-BE49-F238E27FC236}">
+                    <a16:creationId xmlns:a16="http://schemas.microsoft.com/office/drawing/2014/main" id="{F33DF914-804B-6FFA-A623-A8CDEED6853A}"/>
+                  </a:ext>
+                </a:extLst>
+              </p:cNvPr>
+              <p:cNvSpPr txBox="1">
+                <a:spLocks noRot="1" noChangeAspect="1" noMove="1" noResize="1" noEditPoints="1" noAdjustHandles="1" noChangeArrowheads="1" noChangeShapeType="1" noTextEdit="1"/>
+              </p:cNvSpPr>
+              <p:nvPr/>
+            </p:nvSpPr>
+            <p:spPr>
+              <a:xfrm>
+                <a:off x="9856666" y="4133497"/>
+                <a:ext cx="503728" cy="1600438"/>
+              </a:xfrm>
+              <a:prstGeom prst="rect">
+                <a:avLst/>
+              </a:prstGeom>
+              <a:blipFill>
+                <a:blip r:embed="rId47"/>
+                <a:stretch>
+                  <a:fillRect/>
+                </a:stretch>
+              </a:blipFill>
+            </p:spPr>
+            <p:txBody>
+              <a:bodyPr/>
+              <a:lstStyle/>
+              <a:p>
+                <a:r>
+                  <a:rPr lang="en-US">
+                    <a:noFill/>
+                  </a:rPr>
+                  <a:t> </a:t>
+                </a:r>
+              </a:p>
+            </p:txBody>
+          </p:sp>
+        </mc:Fallback>
+      </mc:AlternateContent>
+      <mc:AlternateContent xmlns:mc="http://schemas.openxmlformats.org/markup-compatibility/2006">
+        <mc:Choice xmlns:a14="http://schemas.microsoft.com/office/drawing/2010/main" Requires="a14">
+          <p:sp>
+            <p:nvSpPr>
+              <p:cNvPr id="249" name="TextBox 248">
+                <a:extLst>
+                  <a:ext uri="{FF2B5EF4-FFF2-40B4-BE49-F238E27FC236}">
+                    <a16:creationId xmlns:a16="http://schemas.microsoft.com/office/drawing/2014/main" id="{11F6F612-A1F0-5926-0B0C-A44546D0D4CD}"/>
+                  </a:ext>
+                </a:extLst>
+              </p:cNvPr>
+              <p:cNvSpPr txBox="1"/>
+              <p:nvPr/>
+            </p:nvSpPr>
+            <p:spPr>
+              <a:xfrm>
+                <a:off x="9113805" y="3834312"/>
+                <a:ext cx="459549" cy="215444"/>
+              </a:xfrm>
+              <a:prstGeom prst="rect">
+                <a:avLst/>
+              </a:prstGeom>
+              <a:noFill/>
+            </p:spPr>
+            <p:txBody>
+              <a:bodyPr wrap="none" lIns="0" tIns="0" rIns="0" bIns="0" rtlCol="0">
+                <a:spAutoFit/>
+              </a:bodyPr>
+              <a:lstStyle/>
+              <a:p>
+                <a14:m>
+                  <m:oMathPara xmlns:m="http://schemas.openxmlformats.org/officeDocument/2006/math">
+                    <m:oMathParaPr>
+                      <m:jc m:val="centerGroup"/>
+                    </m:oMathParaPr>
+                    <m:oMath xmlns:m="http://schemas.openxmlformats.org/officeDocument/2006/math">
+                      <m:r>
+                        <a:rPr lang="en-US" sz="1400" b="0" i="1" smtClean="0">
+                          <a:latin typeface="Cambria Math" panose="02040503050406030204" pitchFamily="18" charset="0"/>
+                        </a:rPr>
+                        <m:t>𝑛</m:t>
+                      </m:r>
+                      <m:r>
+                        <a:rPr lang="en-US" sz="1400" b="0" i="1" smtClean="0">
+                          <a:latin typeface="Cambria Math" panose="02040503050406030204" pitchFamily="18" charset="0"/>
+                        </a:rPr>
+                        <m:t>−1</m:t>
+                      </m:r>
+                    </m:oMath>
+                  </m:oMathPara>
+                </a14:m>
+                <a:endParaRPr lang="en-US" sz="1400" dirty="0"/>
+              </a:p>
+            </p:txBody>
+          </p:sp>
+        </mc:Choice>
+        <mc:Fallback>
+          <p:sp>
+            <p:nvSpPr>
+              <p:cNvPr id="249" name="TextBox 248">
+                <a:extLst>
+                  <a:ext uri="{FF2B5EF4-FFF2-40B4-BE49-F238E27FC236}">
+                    <a16:creationId xmlns:a16="http://schemas.microsoft.com/office/drawing/2014/main" id="{11F6F612-A1F0-5926-0B0C-A44546D0D4CD}"/>
+                  </a:ext>
+                </a:extLst>
+              </p:cNvPr>
+              <p:cNvSpPr txBox="1">
+                <a:spLocks noRot="1" noChangeAspect="1" noMove="1" noResize="1" noEditPoints="1" noAdjustHandles="1" noChangeArrowheads="1" noChangeShapeType="1" noTextEdit="1"/>
+              </p:cNvSpPr>
+              <p:nvPr/>
+            </p:nvSpPr>
+            <p:spPr>
+              <a:xfrm>
+                <a:off x="9113805" y="3834312"/>
+                <a:ext cx="459549" cy="215444"/>
+              </a:xfrm>
+              <a:prstGeom prst="rect">
+                <a:avLst/>
+              </a:prstGeom>
+              <a:blipFill>
+                <a:blip r:embed="rId45"/>
+                <a:stretch>
+                  <a:fillRect l="-4000" r="-9333" b="-5714"/>
+                </a:stretch>
+              </a:blipFill>
+            </p:spPr>
+            <p:txBody>
+              <a:bodyPr/>
+              <a:lstStyle/>
+              <a:p>
+                <a:r>
+                  <a:rPr lang="en-US">
+                    <a:noFill/>
+                  </a:rPr>
+                  <a:t> </a:t>
+                </a:r>
+              </a:p>
+            </p:txBody>
+          </p:sp>
+        </mc:Fallback>
+      </mc:AlternateContent>
+      <mc:AlternateContent xmlns:mc="http://schemas.openxmlformats.org/markup-compatibility/2006">
+        <mc:Choice xmlns:a14="http://schemas.microsoft.com/office/drawing/2010/main" Requires="a14">
+          <p:sp>
+            <p:nvSpPr>
+              <p:cNvPr id="253" name="TextBox 252">
+                <a:extLst>
+                  <a:ext uri="{FF2B5EF4-FFF2-40B4-BE49-F238E27FC236}">
+                    <a16:creationId xmlns:a16="http://schemas.microsoft.com/office/drawing/2014/main" id="{59B4B258-3AD8-0603-3018-D8B00036351B}"/>
+                  </a:ext>
+                </a:extLst>
+              </p:cNvPr>
+              <p:cNvSpPr txBox="1"/>
+              <p:nvPr/>
+            </p:nvSpPr>
+            <p:spPr>
+              <a:xfrm>
+                <a:off x="10202121" y="4133497"/>
+                <a:ext cx="503728" cy="1600438"/>
+              </a:xfrm>
+              <a:prstGeom prst="rect">
+                <a:avLst/>
+              </a:prstGeom>
+              <a:noFill/>
+            </p:spPr>
+            <p:txBody>
+              <a:bodyPr wrap="square" rtlCol="0">
+                <a:spAutoFit/>
+              </a:bodyPr>
+              <a:lstStyle/>
+              <a:p>
+                <a14:m>
+                  <m:oMathPara xmlns:m="http://schemas.openxmlformats.org/officeDocument/2006/math">
+                    <m:oMathParaPr>
+                      <m:jc m:val="centerGroup"/>
+                    </m:oMathParaPr>
+                    <m:oMath xmlns:m="http://schemas.openxmlformats.org/officeDocument/2006/math">
+                      <m:r>
+                        <a:rPr lang="en-US" sz="1400" b="0" i="1" dirty="0" smtClean="0">
+                          <a:latin typeface="Cambria Math" panose="02040503050406030204" pitchFamily="18" charset="0"/>
+                        </a:rPr>
+                        <m:t>𝑂𝑢𝑡</m:t>
+                      </m:r>
+                    </m:oMath>
+                  </m:oMathPara>
+                </a14:m>
+                <a:endParaRPr lang="en-US" sz="1400" dirty="0"/>
+              </a:p>
+              <a:p>
+                <a14:m>
+                  <m:oMathPara xmlns:m="http://schemas.openxmlformats.org/officeDocument/2006/math">
+                    <m:oMathParaPr>
+                      <m:jc m:val="centerGroup"/>
+                    </m:oMathParaPr>
+                    <m:oMath xmlns:m="http://schemas.openxmlformats.org/officeDocument/2006/math">
+                      <m:r>
+                        <a:rPr lang="en-US" sz="1400" i="1" dirty="0" smtClean="0">
+                          <a:latin typeface="Cambria Math" panose="02040503050406030204" pitchFamily="18" charset="0"/>
+                        </a:rPr>
+                        <m:t>1</m:t>
+                      </m:r>
+                    </m:oMath>
+                  </m:oMathPara>
+                </a14:m>
+                <a:endParaRPr lang="en-US" sz="1400" dirty="0"/>
+              </a:p>
+              <a:p>
+                <a14:m>
+                  <m:oMathPara xmlns:m="http://schemas.openxmlformats.org/officeDocument/2006/math">
+                    <m:oMathParaPr>
+                      <m:jc m:val="centerGroup"/>
+                    </m:oMathParaPr>
+                    <m:oMath xmlns:m="http://schemas.openxmlformats.org/officeDocument/2006/math">
+                      <m:r>
+                        <a:rPr lang="en-US" sz="1400" b="0" i="1" smtClean="0">
+                          <a:latin typeface="Cambria Math" panose="02040503050406030204" pitchFamily="18" charset="0"/>
+                        </a:rPr>
+                        <m:t>14</m:t>
+                      </m:r>
+                    </m:oMath>
+                  </m:oMathPara>
+                </a14:m>
+                <a:endParaRPr lang="en-US" sz="1400" dirty="0"/>
+              </a:p>
+              <a:p>
+                <a14:m>
+                  <m:oMathPara xmlns:m="http://schemas.openxmlformats.org/officeDocument/2006/math">
+                    <m:oMathParaPr>
+                      <m:jc m:val="centerGroup"/>
+                    </m:oMathParaPr>
+                    <m:oMath xmlns:m="http://schemas.openxmlformats.org/officeDocument/2006/math">
+                      <m:r>
+                        <a:rPr lang="en-US" sz="1400" b="0" i="1" smtClean="0">
+                          <a:latin typeface="Cambria Math" panose="02040503050406030204" pitchFamily="18" charset="0"/>
+                        </a:rPr>
+                        <m:t>15</m:t>
+                      </m:r>
+                    </m:oMath>
+                  </m:oMathPara>
+                </a14:m>
+                <a:endParaRPr lang="en-US" sz="1400" dirty="0"/>
+              </a:p>
+              <a:p>
+                <a14:m>
+                  <m:oMathPara xmlns:m="http://schemas.openxmlformats.org/officeDocument/2006/math">
+                    <m:oMathParaPr>
+                      <m:jc m:val="centerGroup"/>
+                    </m:oMathParaPr>
+                    <m:oMath xmlns:m="http://schemas.openxmlformats.org/officeDocument/2006/math">
+                      <m:r>
+                        <a:rPr lang="en-US" sz="1400" b="0" i="1" smtClean="0">
+                          <a:latin typeface="Cambria Math" panose="02040503050406030204" pitchFamily="18" charset="0"/>
+                        </a:rPr>
+                        <m:t>5</m:t>
+                      </m:r>
+                    </m:oMath>
+                  </m:oMathPara>
+                </a14:m>
+                <a:endParaRPr lang="en-US" sz="1400" dirty="0"/>
+              </a:p>
+              <a:p>
+                <a14:m>
+                  <m:oMathPara xmlns:m="http://schemas.openxmlformats.org/officeDocument/2006/math">
+                    <m:oMathParaPr>
+                      <m:jc m:val="centerGroup"/>
+                    </m:oMathParaPr>
+                    <m:oMath xmlns:m="http://schemas.openxmlformats.org/officeDocument/2006/math">
+                      <m:r>
+                        <a:rPr lang="en-US" sz="1400" i="1" smtClean="0">
+                          <a:latin typeface="Cambria Math" panose="02040503050406030204" pitchFamily="18" charset="0"/>
+                        </a:rPr>
+                        <m:t>⋮</m:t>
+                      </m:r>
+                    </m:oMath>
+                  </m:oMathPara>
+                </a14:m>
+                <a:endParaRPr lang="en-US" sz="1400" dirty="0"/>
+              </a:p>
+              <a:p>
+                <a14:m>
+                  <m:oMathPara xmlns:m="http://schemas.openxmlformats.org/officeDocument/2006/math">
+                    <m:oMathParaPr>
+                      <m:jc m:val="centerGroup"/>
+                    </m:oMathParaPr>
+                    <m:oMath xmlns:m="http://schemas.openxmlformats.org/officeDocument/2006/math">
+                      <m:r>
+                        <a:rPr lang="en-US" sz="1400" b="0" i="1" smtClean="0">
+                          <a:latin typeface="Cambria Math" panose="02040503050406030204" pitchFamily="18" charset="0"/>
+                        </a:rPr>
+                        <m:t>3</m:t>
+                      </m:r>
+                    </m:oMath>
+                  </m:oMathPara>
+                </a14:m>
+                <a:endParaRPr lang="en-US" sz="1400" dirty="0"/>
+              </a:p>
+            </p:txBody>
+          </p:sp>
+        </mc:Choice>
+        <mc:Fallback>
+          <p:sp>
+            <p:nvSpPr>
+              <p:cNvPr id="253" name="TextBox 252">
+                <a:extLst>
+                  <a:ext uri="{FF2B5EF4-FFF2-40B4-BE49-F238E27FC236}">
+                    <a16:creationId xmlns:a16="http://schemas.microsoft.com/office/drawing/2014/main" id="{59B4B258-3AD8-0603-3018-D8B00036351B}"/>
+                  </a:ext>
+                </a:extLst>
+              </p:cNvPr>
+              <p:cNvSpPr txBox="1">
+                <a:spLocks noRot="1" noChangeAspect="1" noMove="1" noResize="1" noEditPoints="1" noAdjustHandles="1" noChangeArrowheads="1" noChangeShapeType="1" noTextEdit="1"/>
+              </p:cNvSpPr>
+              <p:nvPr/>
+            </p:nvSpPr>
+            <p:spPr>
+              <a:xfrm>
+                <a:off x="10202121" y="4133497"/>
+                <a:ext cx="503728" cy="1600438"/>
+              </a:xfrm>
+              <a:prstGeom prst="rect">
+                <a:avLst/>
+              </a:prstGeom>
+              <a:blipFill>
+                <a:blip r:embed="rId48"/>
+                <a:stretch>
+                  <a:fillRect/>
+                </a:stretch>
+              </a:blipFill>
+            </p:spPr>
+            <p:txBody>
+              <a:bodyPr/>
+              <a:lstStyle/>
+              <a:p>
+                <a:r>
+                  <a:rPr lang="en-US">
+                    <a:noFill/>
+                  </a:rPr>
+                  <a:t> </a:t>
+                </a:r>
+              </a:p>
+            </p:txBody>
+          </p:sp>
+        </mc:Fallback>
+      </mc:AlternateContent>
+      <p:cxnSp>
+        <p:nvCxnSpPr>
+          <p:cNvPr id="261" name="Straight Connector 260">
+            <a:extLst>
+              <a:ext uri="{FF2B5EF4-FFF2-40B4-BE49-F238E27FC236}">
+                <a16:creationId xmlns:a16="http://schemas.microsoft.com/office/drawing/2014/main" id="{DF5FC08B-F880-7A32-50C2-5AB75BEFA301}"/>
+              </a:ext>
+            </a:extLst>
+          </p:cNvPr>
+          <p:cNvCxnSpPr>
+            <a:cxnSpLocks/>
+          </p:cNvCxnSpPr>
+          <p:nvPr/>
+        </p:nvCxnSpPr>
+        <p:spPr>
+          <a:xfrm flipH="1">
+            <a:off x="8482186" y="3515074"/>
+            <a:ext cx="1461914" cy="0"/>
+          </a:xfrm>
+          <a:prstGeom prst="line">
+            <a:avLst/>
+          </a:prstGeom>
+          <a:ln w="19050">
+            <a:solidFill>
+              <a:schemeClr val="accent2"/>
+            </a:solidFill>
+          </a:ln>
+        </p:spPr>
+        <p:style>
+          <a:lnRef idx="1">
+            <a:schemeClr val="dk1"/>
+          </a:lnRef>
+          <a:fillRef idx="0">
+            <a:schemeClr val="dk1"/>
+          </a:fillRef>
+          <a:effectRef idx="0">
+            <a:schemeClr val="dk1"/>
+          </a:effectRef>
+          <a:fontRef idx="minor">
+            <a:schemeClr val="tx1"/>
+          </a:fontRef>
+        </p:style>
+      </p:cxnSp>
+      <p:cxnSp>
+        <p:nvCxnSpPr>
+          <p:cNvPr id="263" name="Straight Connector 262">
+            <a:extLst>
+              <a:ext uri="{FF2B5EF4-FFF2-40B4-BE49-F238E27FC236}">
+                <a16:creationId xmlns:a16="http://schemas.microsoft.com/office/drawing/2014/main" id="{4DE06922-04BB-BF0A-B971-B556D2BC60C5}"/>
+              </a:ext>
+            </a:extLst>
+          </p:cNvPr>
+          <p:cNvCxnSpPr>
+            <a:cxnSpLocks/>
+          </p:cNvCxnSpPr>
+          <p:nvPr/>
+        </p:nvCxnSpPr>
+        <p:spPr>
+          <a:xfrm>
+            <a:off x="8488812" y="5324143"/>
+            <a:ext cx="1451307" cy="0"/>
+          </a:xfrm>
+          <a:prstGeom prst="line">
+            <a:avLst/>
+          </a:prstGeom>
+          <a:ln w="19050">
+            <a:solidFill>
+              <a:schemeClr val="accent2"/>
+            </a:solidFill>
+            <a:prstDash val="dash"/>
+          </a:ln>
+        </p:spPr>
+        <p:style>
+          <a:lnRef idx="1">
+            <a:schemeClr val="dk1"/>
+          </a:lnRef>
+          <a:fillRef idx="0">
+            <a:schemeClr val="dk1"/>
+          </a:fillRef>
+          <a:effectRef idx="0">
+            <a:schemeClr val="dk1"/>
+          </a:effectRef>
+          <a:fontRef idx="minor">
+            <a:schemeClr val="tx1"/>
+          </a:fontRef>
+        </p:style>
+      </p:cxnSp>
+      <p:cxnSp>
+        <p:nvCxnSpPr>
+          <p:cNvPr id="265" name="Straight Connector 264">
+            <a:extLst>
+              <a:ext uri="{FF2B5EF4-FFF2-40B4-BE49-F238E27FC236}">
+                <a16:creationId xmlns:a16="http://schemas.microsoft.com/office/drawing/2014/main" id="{AEE5D396-3201-EA99-E5FE-7BEA6C0B45A8}"/>
+              </a:ext>
+            </a:extLst>
+          </p:cNvPr>
+          <p:cNvCxnSpPr>
+            <a:cxnSpLocks/>
+          </p:cNvCxnSpPr>
+          <p:nvPr/>
+        </p:nvCxnSpPr>
+        <p:spPr>
+          <a:xfrm flipV="1">
+            <a:off x="8494773" y="3508308"/>
+            <a:ext cx="0" cy="1805220"/>
+          </a:xfrm>
+          <a:prstGeom prst="line">
+            <a:avLst/>
+          </a:prstGeom>
+          <a:ln w="19050">
+            <a:solidFill>
+              <a:schemeClr val="accent2"/>
+            </a:solidFill>
+            <a:prstDash val="dash"/>
+          </a:ln>
+        </p:spPr>
+        <p:style>
+          <a:lnRef idx="1">
+            <a:schemeClr val="dk1"/>
+          </a:lnRef>
+          <a:fillRef idx="0">
+            <a:schemeClr val="dk1"/>
+          </a:fillRef>
+          <a:effectRef idx="0">
+            <a:schemeClr val="dk1"/>
+          </a:effectRef>
+          <a:fontRef idx="minor">
+            <a:schemeClr val="tx1"/>
+          </a:fontRef>
+        </p:style>
+      </p:cxnSp>
+      <p:cxnSp>
+        <p:nvCxnSpPr>
+          <p:cNvPr id="267" name="Straight Connector 266">
+            <a:extLst>
+              <a:ext uri="{FF2B5EF4-FFF2-40B4-BE49-F238E27FC236}">
+                <a16:creationId xmlns:a16="http://schemas.microsoft.com/office/drawing/2014/main" id="{291E17EA-D5F6-0D41-6DC1-8DC60B20B680}"/>
+              </a:ext>
+            </a:extLst>
+          </p:cNvPr>
+          <p:cNvCxnSpPr>
+            <a:cxnSpLocks/>
+          </p:cNvCxnSpPr>
+          <p:nvPr/>
+        </p:nvCxnSpPr>
+        <p:spPr>
+          <a:xfrm flipV="1">
+            <a:off x="9939161" y="3508308"/>
+            <a:ext cx="0" cy="1805220"/>
+          </a:xfrm>
+          <a:prstGeom prst="line">
+            <a:avLst/>
+          </a:prstGeom>
+          <a:ln w="19050">
+            <a:solidFill>
+              <a:schemeClr val="accent2"/>
+            </a:solidFill>
+            <a:prstDash val="dash"/>
+          </a:ln>
+        </p:spPr>
+        <p:style>
+          <a:lnRef idx="1">
+            <a:schemeClr val="dk1"/>
+          </a:lnRef>
+          <a:fillRef idx="0">
+            <a:schemeClr val="dk1"/>
+          </a:fillRef>
+          <a:effectRef idx="0">
+            <a:schemeClr val="dk1"/>
+          </a:effectRef>
+          <a:fontRef idx="minor">
+            <a:schemeClr val="tx1"/>
+          </a:fontRef>
+        </p:style>
+      </p:cxnSp>
+      <p:cxnSp>
+        <p:nvCxnSpPr>
+          <p:cNvPr id="268" name="Straight Connector 267">
+            <a:extLst>
+              <a:ext uri="{FF2B5EF4-FFF2-40B4-BE49-F238E27FC236}">
+                <a16:creationId xmlns:a16="http://schemas.microsoft.com/office/drawing/2014/main" id="{E3DE5235-88AF-EAA9-F165-C0934D4380A1}"/>
+              </a:ext>
+            </a:extLst>
+          </p:cNvPr>
+          <p:cNvCxnSpPr>
+            <a:cxnSpLocks/>
+          </p:cNvCxnSpPr>
+          <p:nvPr/>
+        </p:nvCxnSpPr>
+        <p:spPr>
+          <a:xfrm>
+            <a:off x="9939690" y="3524400"/>
+            <a:ext cx="0" cy="112563"/>
+          </a:xfrm>
+          <a:prstGeom prst="line">
+            <a:avLst/>
+          </a:prstGeom>
+          <a:ln w="19050">
+            <a:solidFill>
+              <a:schemeClr val="accent2"/>
+            </a:solidFill>
+          </a:ln>
+        </p:spPr>
+        <p:style>
+          <a:lnRef idx="1">
+            <a:schemeClr val="dk1"/>
+          </a:lnRef>
+          <a:fillRef idx="0">
+            <a:schemeClr val="dk1"/>
+          </a:fillRef>
+          <a:effectRef idx="0">
+            <a:schemeClr val="dk1"/>
+          </a:effectRef>
+          <a:fontRef idx="minor">
+            <a:schemeClr val="tx1"/>
+          </a:fontRef>
+        </p:style>
+      </p:cxnSp>
+      <mc:AlternateContent xmlns:mc="http://schemas.openxmlformats.org/markup-compatibility/2006">
+        <mc:Choice xmlns:a14="http://schemas.microsoft.com/office/drawing/2010/main" Requires="a14">
+          <p:sp>
+            <p:nvSpPr>
+              <p:cNvPr id="275" name="TextBox 274">
+                <a:extLst>
+                  <a:ext uri="{FF2B5EF4-FFF2-40B4-BE49-F238E27FC236}">
+                    <a16:creationId xmlns:a16="http://schemas.microsoft.com/office/drawing/2014/main" id="{99359F54-CCE8-1C8C-0A2D-2F6FDE3C529E}"/>
+                  </a:ext>
+                </a:extLst>
+              </p:cNvPr>
+              <p:cNvSpPr txBox="1"/>
+              <p:nvPr/>
+            </p:nvSpPr>
+            <p:spPr>
+              <a:xfrm>
+                <a:off x="9188798" y="3292864"/>
+                <a:ext cx="193964" cy="215444"/>
+              </a:xfrm>
+              <a:prstGeom prst="rect">
+                <a:avLst/>
+              </a:prstGeom>
+              <a:noFill/>
+            </p:spPr>
+            <p:txBody>
+              <a:bodyPr wrap="none" lIns="0" tIns="0" rIns="0" bIns="0" rtlCol="0">
+                <a:spAutoFit/>
+              </a:bodyPr>
+              <a:lstStyle/>
+              <a:p>
+                <a14:m>
+                  <m:oMathPara xmlns:m="http://schemas.openxmlformats.org/officeDocument/2006/math">
+                    <m:oMathParaPr>
+                      <m:jc m:val="centerGroup"/>
+                    </m:oMathParaPr>
+                    <m:oMath xmlns:m="http://schemas.openxmlformats.org/officeDocument/2006/math">
+                      <m:r>
+                        <a:rPr lang="en-US" sz="1400" b="0" i="1" smtClean="0">
+                          <a:latin typeface="Cambria Math" panose="02040503050406030204" pitchFamily="18" charset="0"/>
+                        </a:rPr>
+                        <m:t>⋯</m:t>
+                      </m:r>
+                    </m:oMath>
+                  </m:oMathPara>
+                </a14:m>
+                <a:endParaRPr lang="en-US" sz="1400" dirty="0"/>
+              </a:p>
+            </p:txBody>
+          </p:sp>
+        </mc:Choice>
+        <mc:Fallback>
+          <p:sp>
+            <p:nvSpPr>
+              <p:cNvPr id="275" name="TextBox 274">
+                <a:extLst>
+                  <a:ext uri="{FF2B5EF4-FFF2-40B4-BE49-F238E27FC236}">
+                    <a16:creationId xmlns:a16="http://schemas.microsoft.com/office/drawing/2014/main" id="{99359F54-CCE8-1C8C-0A2D-2F6FDE3C529E}"/>
+                  </a:ext>
+                </a:extLst>
+              </p:cNvPr>
+              <p:cNvSpPr txBox="1">
+                <a:spLocks noRot="1" noChangeAspect="1" noMove="1" noResize="1" noEditPoints="1" noAdjustHandles="1" noChangeArrowheads="1" noChangeShapeType="1" noTextEdit="1"/>
+              </p:cNvSpPr>
+              <p:nvPr/>
+            </p:nvSpPr>
+            <p:spPr>
+              <a:xfrm>
+                <a:off x="9188798" y="3292864"/>
+                <a:ext cx="193964" cy="215444"/>
+              </a:xfrm>
+              <a:prstGeom prst="rect">
+                <a:avLst/>
+              </a:prstGeom>
+              <a:blipFill>
+                <a:blip r:embed="rId49"/>
+                <a:stretch>
+                  <a:fillRect l="-6250" r="-6250"/>
+                </a:stretch>
+              </a:blipFill>
+            </p:spPr>
+            <p:txBody>
+              <a:bodyPr/>
+              <a:lstStyle/>
+              <a:p>
+                <a:r>
+                  <a:rPr lang="en-US">
+                    <a:noFill/>
+                  </a:rPr>
+                  <a:t> </a:t>
+                </a:r>
+              </a:p>
+            </p:txBody>
+          </p:sp>
+        </mc:Fallback>
+      </mc:AlternateContent>
+      <mc:AlternateContent xmlns:mc="http://schemas.openxmlformats.org/markup-compatibility/2006">
+        <mc:Choice xmlns:a14="http://schemas.microsoft.com/office/drawing/2010/main" Requires="a14">
+          <p:sp>
+            <p:nvSpPr>
+              <p:cNvPr id="278" name="TextBox 277">
+                <a:extLst>
+                  <a:ext uri="{FF2B5EF4-FFF2-40B4-BE49-F238E27FC236}">
+                    <a16:creationId xmlns:a16="http://schemas.microsoft.com/office/drawing/2014/main" id="{D16448B1-E8EF-57C6-7AFD-9CCA2350DB4D}"/>
+                  </a:ext>
+                </a:extLst>
+              </p:cNvPr>
+              <p:cNvSpPr txBox="1"/>
+              <p:nvPr/>
+            </p:nvSpPr>
+            <p:spPr>
+              <a:xfrm>
+                <a:off x="10207456" y="3384208"/>
+                <a:ext cx="761170" cy="215444"/>
+              </a:xfrm>
+              <a:prstGeom prst="rect">
+                <a:avLst/>
+              </a:prstGeom>
+              <a:noFill/>
+            </p:spPr>
+            <p:txBody>
+              <a:bodyPr wrap="none" lIns="0" tIns="0" rIns="0" bIns="0" rtlCol="0">
+                <a:spAutoFit/>
+              </a:bodyPr>
+              <a:lstStyle/>
+              <a:p>
+                <a14:m>
+                  <m:oMathPara xmlns:m="http://schemas.openxmlformats.org/officeDocument/2006/math">
+                    <m:oMathParaPr>
+                      <m:jc m:val="centerGroup"/>
+                    </m:oMathParaPr>
+                    <m:oMath xmlns:m="http://schemas.openxmlformats.org/officeDocument/2006/math">
+                      <m:r>
+                        <a:rPr lang="en-US" sz="1400" b="0" i="1" smtClean="0">
+                          <a:latin typeface="Cambria Math" panose="02040503050406030204" pitchFamily="18" charset="0"/>
+                        </a:rPr>
+                        <m:t>𝑗</m:t>
+                      </m:r>
+                      <m:r>
+                        <a:rPr lang="en-US" sz="1400" b="0" i="1" smtClean="0">
+                          <a:latin typeface="Cambria Math" panose="02040503050406030204" pitchFamily="18" charset="0"/>
+                        </a:rPr>
+                        <m:t>=</m:t>
+                      </m:r>
+                      <m:r>
+                        <a:rPr lang="en-US" sz="1400" b="0" i="1" smtClean="0">
+                          <a:latin typeface="Cambria Math" panose="02040503050406030204" pitchFamily="18" charset="0"/>
+                        </a:rPr>
+                        <m:t>𝑛</m:t>
+                      </m:r>
+                      <m:r>
+                        <a:rPr lang="en-US" sz="1400" b="0" i="1" smtClean="0">
+                          <a:latin typeface="Cambria Math" panose="02040503050406030204" pitchFamily="18" charset="0"/>
+                        </a:rPr>
+                        <m:t>−1</m:t>
+                      </m:r>
+                    </m:oMath>
+                  </m:oMathPara>
+                </a14:m>
+                <a:endParaRPr lang="en-US" sz="1400" dirty="0"/>
+              </a:p>
+            </p:txBody>
+          </p:sp>
+        </mc:Choice>
+        <mc:Fallback>
+          <p:sp>
+            <p:nvSpPr>
+              <p:cNvPr id="278" name="TextBox 277">
+                <a:extLst>
+                  <a:ext uri="{FF2B5EF4-FFF2-40B4-BE49-F238E27FC236}">
+                    <a16:creationId xmlns:a16="http://schemas.microsoft.com/office/drawing/2014/main" id="{D16448B1-E8EF-57C6-7AFD-9CCA2350DB4D}"/>
+                  </a:ext>
+                </a:extLst>
+              </p:cNvPr>
+              <p:cNvSpPr txBox="1">
+                <a:spLocks noRot="1" noChangeAspect="1" noMove="1" noResize="1" noEditPoints="1" noAdjustHandles="1" noChangeArrowheads="1" noChangeShapeType="1" noTextEdit="1"/>
+              </p:cNvSpPr>
+              <p:nvPr/>
+            </p:nvSpPr>
+            <p:spPr>
+              <a:xfrm>
+                <a:off x="10207456" y="3384208"/>
+                <a:ext cx="761170" cy="215444"/>
+              </a:xfrm>
+              <a:prstGeom prst="rect">
+                <a:avLst/>
+              </a:prstGeom>
+              <a:blipFill>
+                <a:blip r:embed="rId50"/>
+                <a:stretch>
+                  <a:fillRect l="-7200" r="-4800" b="-34286"/>
+                </a:stretch>
+              </a:blipFill>
+            </p:spPr>
+            <p:txBody>
+              <a:bodyPr/>
+              <a:lstStyle/>
+              <a:p>
+                <a:r>
+                  <a:rPr lang="en-US">
+                    <a:noFill/>
+                  </a:rPr>
+                  <a:t> </a:t>
+                </a:r>
+              </a:p>
+            </p:txBody>
+          </p:sp>
+        </mc:Fallback>
+      </mc:AlternateContent>
+      <p:cxnSp>
+        <p:nvCxnSpPr>
+          <p:cNvPr id="279" name="Straight Connector 278">
+            <a:extLst>
+              <a:ext uri="{FF2B5EF4-FFF2-40B4-BE49-F238E27FC236}">
+                <a16:creationId xmlns:a16="http://schemas.microsoft.com/office/drawing/2014/main" id="{D9FE2F7C-422F-3D7C-8CC8-C55F674B00AE}"/>
+              </a:ext>
+            </a:extLst>
+          </p:cNvPr>
+          <p:cNvCxnSpPr>
+            <a:cxnSpLocks/>
+          </p:cNvCxnSpPr>
+          <p:nvPr/>
+        </p:nvCxnSpPr>
+        <p:spPr>
+          <a:xfrm flipV="1">
+            <a:off x="9822180" y="5309661"/>
+            <a:ext cx="101678" cy="96982"/>
+          </a:xfrm>
+          <a:prstGeom prst="line">
+            <a:avLst/>
+          </a:prstGeom>
+          <a:ln w="19050">
+            <a:prstDash val="dash"/>
+          </a:ln>
+        </p:spPr>
+        <p:style>
+          <a:lnRef idx="1">
+            <a:schemeClr val="accent2"/>
+          </a:lnRef>
+          <a:fillRef idx="0">
+            <a:schemeClr val="accent2"/>
+          </a:fillRef>
+          <a:effectRef idx="0">
+            <a:schemeClr val="accent2"/>
+          </a:effectRef>
+          <a:fontRef idx="minor">
+            <a:schemeClr val="tx1"/>
+          </a:fontRef>
+        </p:style>
+      </p:cxnSp>
+      <p:cxnSp>
+        <p:nvCxnSpPr>
+          <p:cNvPr id="281" name="Straight Connector 280">
+            <a:extLst>
+              <a:ext uri="{FF2B5EF4-FFF2-40B4-BE49-F238E27FC236}">
+                <a16:creationId xmlns:a16="http://schemas.microsoft.com/office/drawing/2014/main" id="{499C06C7-F206-C35B-1AC7-1A72E91F914A}"/>
+              </a:ext>
+            </a:extLst>
+          </p:cNvPr>
+          <p:cNvCxnSpPr>
+            <a:cxnSpLocks/>
+          </p:cNvCxnSpPr>
+          <p:nvPr/>
+        </p:nvCxnSpPr>
+        <p:spPr>
+          <a:xfrm flipV="1">
+            <a:off x="9799125" y="3395437"/>
+            <a:ext cx="258977" cy="245415"/>
+          </a:xfrm>
+          <a:prstGeom prst="line">
+            <a:avLst/>
+          </a:prstGeom>
+          <a:ln w="19050"/>
+        </p:spPr>
+        <p:style>
+          <a:lnRef idx="1">
+            <a:schemeClr val="accent2"/>
+          </a:lnRef>
+          <a:fillRef idx="0">
+            <a:schemeClr val="accent2"/>
+          </a:fillRef>
+          <a:effectRef idx="0">
+            <a:schemeClr val="accent2"/>
+          </a:effectRef>
+          <a:fontRef idx="minor">
+            <a:schemeClr val="tx1"/>
+          </a:fontRef>
+        </p:style>
+      </p:cxnSp>
+      <p:cxnSp>
+        <p:nvCxnSpPr>
+          <p:cNvPr id="283" name="Straight Connector 282">
+            <a:extLst>
+              <a:ext uri="{FF2B5EF4-FFF2-40B4-BE49-F238E27FC236}">
+                <a16:creationId xmlns:a16="http://schemas.microsoft.com/office/drawing/2014/main" id="{34386D2C-50FC-F21F-ECD4-9A330490D179}"/>
+              </a:ext>
+            </a:extLst>
+          </p:cNvPr>
+          <p:cNvCxnSpPr>
+            <a:cxnSpLocks/>
+          </p:cNvCxnSpPr>
+          <p:nvPr/>
+        </p:nvCxnSpPr>
+        <p:spPr>
+          <a:xfrm flipV="1">
+            <a:off x="9824463" y="3653574"/>
+            <a:ext cx="0" cy="1779486"/>
+          </a:xfrm>
+          <a:prstGeom prst="line">
+            <a:avLst/>
+          </a:prstGeom>
+          <a:ln w="19050">
+            <a:solidFill>
+              <a:schemeClr val="accent2"/>
+            </a:solidFill>
+            <a:prstDash val="dash"/>
+          </a:ln>
+        </p:spPr>
+        <p:style>
+          <a:lnRef idx="1">
+            <a:schemeClr val="dk1"/>
+          </a:lnRef>
+          <a:fillRef idx="0">
+            <a:schemeClr val="dk1"/>
+          </a:fillRef>
+          <a:effectRef idx="0">
+            <a:schemeClr val="dk1"/>
+          </a:effectRef>
+          <a:fontRef idx="minor">
+            <a:schemeClr val="tx1"/>
+          </a:fontRef>
+        </p:style>
+      </p:cxnSp>
     </p:spTree>
     <p:extLst>
       <p:ext uri="{BB962C8B-B14F-4D97-AF65-F5344CB8AC3E}">
@@ -10603,8 +17253,8 @@
           </p:sp>
         </mc:Fallback>
       </mc:AlternateContent>
-      <mc:AlternateContent xmlns:mc="http://schemas.openxmlformats.org/markup-compatibility/2006">
-        <mc:Choice xmlns:a14="http://schemas.microsoft.com/office/drawing/2010/main" Requires="a14">
+      <mc:AlternateContent xmlns:mc="http://schemas.openxmlformats.org/markup-compatibility/2006" xmlns:a14="http://schemas.microsoft.com/office/drawing/2010/main">
+        <mc:Choice Requires="a14">
           <p:sp>
             <p:nvSpPr>
               <p:cNvPr id="25" name="TextBox 24">
@@ -10696,7 +17346,7 @@
             </p:txBody>
           </p:sp>
         </mc:Choice>
-        <mc:Fallback>
+        <mc:Fallback xmlns="">
           <p:sp>
             <p:nvSpPr>
               <p:cNvPr id="25" name="TextBox 24">
@@ -10741,8 +17391,8 @@
           </p:sp>
         </mc:Fallback>
       </mc:AlternateContent>
-      <mc:AlternateContent xmlns:mc="http://schemas.openxmlformats.org/markup-compatibility/2006">
-        <mc:Choice xmlns:a14="http://schemas.microsoft.com/office/drawing/2010/main" Requires="a14">
+      <mc:AlternateContent xmlns:mc="http://schemas.openxmlformats.org/markup-compatibility/2006" xmlns:a14="http://schemas.microsoft.com/office/drawing/2010/main">
+        <mc:Choice Requires="a14">
           <p:sp>
             <p:nvSpPr>
               <p:cNvPr id="32" name="TextBox 31">
@@ -10866,7 +17516,7 @@
             </p:txBody>
           </p:sp>
         </mc:Choice>
-        <mc:Fallback>
+        <mc:Fallback xmlns="">
           <p:sp>
             <p:nvSpPr>
               <p:cNvPr id="32" name="TextBox 31">
@@ -10954,8 +17604,8 @@
           </a:fontRef>
         </p:style>
       </p:cxnSp>
-      <mc:AlternateContent xmlns:mc="http://schemas.openxmlformats.org/markup-compatibility/2006">
-        <mc:Choice xmlns:a14="http://schemas.microsoft.com/office/drawing/2010/main" Requires="a14">
+      <mc:AlternateContent xmlns:mc="http://schemas.openxmlformats.org/markup-compatibility/2006" xmlns:a14="http://schemas.microsoft.com/office/drawing/2010/main">
+        <mc:Choice Requires="a14">
           <p:sp>
             <p:nvSpPr>
               <p:cNvPr id="43" name="TextBox 42">
@@ -10984,6 +17634,7 @@
               </a:bodyPr>
               <a:lstStyle/>
               <a:p>
+                <a:pPr/>
                 <a14:m>
                   <m:oMathPara xmlns:m="http://schemas.openxmlformats.org/officeDocument/2006/math">
                     <m:oMathParaPr>
@@ -11055,7 +17706,7 @@
             </p:txBody>
           </p:sp>
         </mc:Choice>
-        <mc:Fallback>
+        <mc:Fallback xmlns="">
           <p:sp>
             <p:nvSpPr>
               <p:cNvPr id="43" name="TextBox 42">
@@ -11266,8 +17917,8 @@
           </a:fontRef>
         </p:style>
       </p:cxnSp>
-      <mc:AlternateContent xmlns:mc="http://schemas.openxmlformats.org/markup-compatibility/2006">
-        <mc:Choice xmlns:a14="http://schemas.microsoft.com/office/drawing/2010/main" Requires="a14">
+      <mc:AlternateContent xmlns:mc="http://schemas.openxmlformats.org/markup-compatibility/2006" xmlns:a14="http://schemas.microsoft.com/office/drawing/2010/main">
+        <mc:Choice Requires="a14">
           <p:sp>
             <p:nvSpPr>
               <p:cNvPr id="62" name="TextBox 61">
@@ -11322,7 +17973,7 @@
             </p:txBody>
           </p:sp>
         </mc:Choice>
-        <mc:Fallback>
+        <mc:Fallback xmlns="">
           <p:sp>
             <p:nvSpPr>
               <p:cNvPr id="62" name="TextBox 61">
@@ -11437,8 +18088,8 @@
           </a:p>
         </p:txBody>
       </p:sp>
-      <mc:AlternateContent xmlns:mc="http://schemas.openxmlformats.org/markup-compatibility/2006">
-        <mc:Choice xmlns:a14="http://schemas.microsoft.com/office/drawing/2010/main" Requires="a14">
+      <mc:AlternateContent xmlns:mc="http://schemas.openxmlformats.org/markup-compatibility/2006" xmlns:a14="http://schemas.microsoft.com/office/drawing/2010/main">
+        <mc:Choice Requires="a14">
           <p:sp>
             <p:nvSpPr>
               <p:cNvPr id="57" name="Rectangle 56">
@@ -11494,7 +18145,7 @@
                     <m:sSub>
                       <m:sSubPr>
                         <m:ctrlPr>
-                          <a:rPr lang="en-US" sz="1000" b="1" dirty="0">
+                          <a:rPr lang="en-US" sz="1000" b="1" i="1" dirty="0">
                             <a:solidFill>
                               <a:srgbClr val="FF0000"/>
                             </a:solidFill>
@@ -11571,7 +18222,7 @@
             </p:txBody>
           </p:sp>
         </mc:Choice>
-        <mc:Fallback>
+        <mc:Fallback xmlns="">
           <p:sp>
             <p:nvSpPr>
               <p:cNvPr id="57" name="Rectangle 56">
@@ -11667,8 +18318,8 @@
           </a:fontRef>
         </p:style>
       </p:cxnSp>
-      <mc:AlternateContent xmlns:mc="http://schemas.openxmlformats.org/markup-compatibility/2006">
-        <mc:Choice xmlns:a14="http://schemas.microsoft.com/office/drawing/2010/main" Requires="a14">
+      <mc:AlternateContent xmlns:mc="http://schemas.openxmlformats.org/markup-compatibility/2006" xmlns:a14="http://schemas.microsoft.com/office/drawing/2010/main">
+        <mc:Choice Requires="a14">
           <p:sp>
             <p:nvSpPr>
               <p:cNvPr id="84" name="TextBox 83">
@@ -11797,7 +18448,7 @@
             </p:txBody>
           </p:sp>
         </mc:Choice>
-        <mc:Fallback>
+        <mc:Fallback xmlns="">
           <p:sp>
             <p:nvSpPr>
               <p:cNvPr id="84" name="TextBox 83">
@@ -12001,8 +18652,8 @@
           </a:fontRef>
         </p:style>
       </p:cxnSp>
-      <mc:AlternateContent xmlns:mc="http://schemas.openxmlformats.org/markup-compatibility/2006">
-        <mc:Choice xmlns:a14="http://schemas.microsoft.com/office/drawing/2010/main" Requires="a14">
+      <mc:AlternateContent xmlns:mc="http://schemas.openxmlformats.org/markup-compatibility/2006" xmlns:a14="http://schemas.microsoft.com/office/drawing/2010/main">
+        <mc:Choice Requires="a14">
           <p:sp>
             <p:nvSpPr>
               <p:cNvPr id="96" name="TextBox 95">
@@ -12133,7 +18784,7 @@
             </p:txBody>
           </p:sp>
         </mc:Choice>
-        <mc:Fallback>
+        <mc:Fallback xmlns="">
           <p:sp>
             <p:nvSpPr>
               <p:cNvPr id="96" name="TextBox 95">
@@ -12377,8 +19028,8 @@
           </a:fontRef>
         </p:style>
       </p:cxnSp>
-      <mc:AlternateContent xmlns:mc="http://schemas.openxmlformats.org/markup-compatibility/2006">
-        <mc:Choice xmlns:a14="http://schemas.microsoft.com/office/drawing/2010/main" Requires="a14">
+      <mc:AlternateContent xmlns:mc="http://schemas.openxmlformats.org/markup-compatibility/2006" xmlns:a14="http://schemas.microsoft.com/office/drawing/2010/main">
+        <mc:Choice Requires="a14">
           <p:sp>
             <p:nvSpPr>
               <p:cNvPr id="121" name="TextBox 120">
@@ -12496,7 +19147,7 @@
             </p:txBody>
           </p:sp>
         </mc:Choice>
-        <mc:Fallback>
+        <mc:Fallback xmlns="">
           <p:sp>
             <p:nvSpPr>
               <p:cNvPr id="121" name="TextBox 120">
@@ -12541,8 +19192,8 @@
           </p:sp>
         </mc:Fallback>
       </mc:AlternateContent>
-      <mc:AlternateContent xmlns:mc="http://schemas.openxmlformats.org/markup-compatibility/2006">
-        <mc:Choice xmlns:a14="http://schemas.microsoft.com/office/drawing/2010/main" Requires="a14">
+      <mc:AlternateContent xmlns:mc="http://schemas.openxmlformats.org/markup-compatibility/2006" xmlns:a14="http://schemas.microsoft.com/office/drawing/2010/main">
+        <mc:Choice Requires="a14">
           <p:sp>
             <p:nvSpPr>
               <p:cNvPr id="122" name="TextBox 121">
@@ -12607,7 +19258,7 @@
             </p:txBody>
           </p:sp>
         </mc:Choice>
-        <mc:Fallback>
+        <mc:Fallback xmlns="">
           <p:sp>
             <p:nvSpPr>
               <p:cNvPr id="122" name="TextBox 121">
@@ -12652,8 +19303,8 @@
           </p:sp>
         </mc:Fallback>
       </mc:AlternateContent>
-      <mc:AlternateContent xmlns:mc="http://schemas.openxmlformats.org/markup-compatibility/2006">
-        <mc:Choice xmlns:a14="http://schemas.microsoft.com/office/drawing/2010/main" Requires="a14">
+      <mc:AlternateContent xmlns:mc="http://schemas.openxmlformats.org/markup-compatibility/2006" xmlns:a14="http://schemas.microsoft.com/office/drawing/2010/main">
+        <mc:Choice Requires="a14">
           <p:sp>
             <p:nvSpPr>
               <p:cNvPr id="146" name="TextBox 145">
@@ -12772,7 +19423,7 @@
             </p:txBody>
           </p:sp>
         </mc:Choice>
-        <mc:Fallback>
+        <mc:Fallback xmlns="">
           <p:sp>
             <p:nvSpPr>
               <p:cNvPr id="146" name="TextBox 145">
@@ -13040,8 +19691,8 @@
           </a:p>
         </p:txBody>
       </p:sp>
-      <mc:AlternateContent xmlns:mc="http://schemas.openxmlformats.org/markup-compatibility/2006">
-        <mc:Choice xmlns:a14="http://schemas.microsoft.com/office/drawing/2010/main" Requires="a14">
+      <mc:AlternateContent xmlns:mc="http://schemas.openxmlformats.org/markup-compatibility/2006" xmlns:a14="http://schemas.microsoft.com/office/drawing/2010/main">
+        <mc:Choice Requires="a14">
           <p:sp>
             <p:nvSpPr>
               <p:cNvPr id="24" name="TextBox 23">
@@ -13094,7 +19745,7 @@
             </p:txBody>
           </p:sp>
         </mc:Choice>
-        <mc:Fallback>
+        <mc:Fallback xmlns="">
           <p:sp>
             <p:nvSpPr>
               <p:cNvPr id="24" name="TextBox 23">
@@ -13182,8 +19833,8 @@
           </a:fontRef>
         </p:style>
       </p:cxnSp>
-      <mc:AlternateContent xmlns:mc="http://schemas.openxmlformats.org/markup-compatibility/2006">
-        <mc:Choice xmlns:a14="http://schemas.microsoft.com/office/drawing/2010/main" Requires="a14">
+      <mc:AlternateContent xmlns:mc="http://schemas.openxmlformats.org/markup-compatibility/2006" xmlns:a14="http://schemas.microsoft.com/office/drawing/2010/main">
+        <mc:Choice Requires="a14">
           <p:sp>
             <p:nvSpPr>
               <p:cNvPr id="14" name="TextBox 13">
@@ -13352,7 +20003,7 @@
             </p:txBody>
           </p:sp>
         </mc:Choice>
-        <mc:Fallback>
+        <mc:Fallback xmlns="">
           <p:sp>
             <p:nvSpPr>
               <p:cNvPr id="14" name="TextBox 13">
@@ -13397,8 +20048,8 @@
           </p:sp>
         </mc:Fallback>
       </mc:AlternateContent>
-      <mc:AlternateContent xmlns:mc="http://schemas.openxmlformats.org/markup-compatibility/2006">
-        <mc:Choice xmlns:a14="http://schemas.microsoft.com/office/drawing/2010/main" Requires="a14">
+      <mc:AlternateContent xmlns:mc="http://schemas.openxmlformats.org/markup-compatibility/2006" xmlns:a14="http://schemas.microsoft.com/office/drawing/2010/main">
+        <mc:Choice Requires="a14">
           <p:sp>
             <p:nvSpPr>
               <p:cNvPr id="7" name="Rectangle 6">
@@ -13454,7 +20105,7 @@
                     <m:sSub>
                       <m:sSubPr>
                         <m:ctrlPr>
-                          <a:rPr lang="en-US" sz="1000" b="1" dirty="0">
+                          <a:rPr lang="en-US" sz="1000" b="1" i="1" dirty="0">
                             <a:solidFill>
                               <a:srgbClr val="FF0000"/>
                             </a:solidFill>
@@ -13511,7 +20162,7 @@
             </p:txBody>
           </p:sp>
         </mc:Choice>
-        <mc:Fallback>
+        <mc:Fallback xmlns="">
           <p:sp>
             <p:nvSpPr>
               <p:cNvPr id="7" name="Rectangle 6">
@@ -13561,8 +20212,8 @@
           </p:sp>
         </mc:Fallback>
       </mc:AlternateContent>
-      <mc:AlternateContent xmlns:mc="http://schemas.openxmlformats.org/markup-compatibility/2006">
-        <mc:Choice xmlns:a14="http://schemas.microsoft.com/office/drawing/2010/main" Requires="a14">
+      <mc:AlternateContent xmlns:mc="http://schemas.openxmlformats.org/markup-compatibility/2006" xmlns:a14="http://schemas.microsoft.com/office/drawing/2010/main">
+        <mc:Choice Requires="a14">
           <p:sp>
             <p:nvSpPr>
               <p:cNvPr id="23" name="TextBox 22">
@@ -13649,7 +20300,7 @@
             </p:txBody>
           </p:sp>
         </mc:Choice>
-        <mc:Fallback>
+        <mc:Fallback xmlns="">
           <p:sp>
             <p:nvSpPr>
               <p:cNvPr id="23" name="TextBox 22">
@@ -13742,6 +20393,36 @@
     <p:extLst>
       <p:ext uri="{BB962C8B-B14F-4D97-AF65-F5344CB8AC3E}">
         <p14:creationId xmlns:p14="http://schemas.microsoft.com/office/powerpoint/2010/main" val="2498160762"/>
+      </p:ext>
+    </p:extLst>
+  </p:cSld>
+  <p:clrMapOvr>
+    <a:masterClrMapping/>
+  </p:clrMapOvr>
+</p:sld>
+</file>
+
+<file path=ppt/slides/slide4.xml><?xml version="1.0" encoding="utf-8"?>
+<p:sld xmlns:a="http://schemas.openxmlformats.org/drawingml/2006/main" xmlns:r="http://schemas.openxmlformats.org/officeDocument/2006/relationships" xmlns:p="http://schemas.openxmlformats.org/presentationml/2006/main">
+  <p:cSld>
+    <p:spTree>
+      <p:nvGrpSpPr>
+        <p:cNvPr id="1" name=""/>
+        <p:cNvGrpSpPr/>
+        <p:nvPr/>
+      </p:nvGrpSpPr>
+      <p:grpSpPr>
+        <a:xfrm>
+          <a:off x="0" y="0"/>
+          <a:ext cx="0" cy="0"/>
+          <a:chOff x="0" y="0"/>
+          <a:chExt cx="0" cy="0"/>
+        </a:xfrm>
+      </p:grpSpPr>
+    </p:spTree>
+    <p:extLst>
+      <p:ext uri="{BB962C8B-B14F-4D97-AF65-F5344CB8AC3E}">
+        <p14:creationId xmlns:p14="http://schemas.microsoft.com/office/powerpoint/2010/main" val="1772019249"/>
       </p:ext>
     </p:extLst>
   </p:cSld>

--- a/images/draw.pptx
+++ b/images/draw.pptx
@@ -20419,6 +20419,9000 @@
           <a:chExt cx="0" cy="0"/>
         </a:xfrm>
       </p:grpSpPr>
+      <mc:AlternateContent xmlns:mc="http://schemas.openxmlformats.org/markup-compatibility/2006">
+        <mc:Choice xmlns:a14="http://schemas.microsoft.com/office/drawing/2010/main" Requires="a14">
+          <p:sp>
+            <p:nvSpPr>
+              <p:cNvPr id="35" name="TextBox 34">
+                <a:extLst>
+                  <a:ext uri="{FF2B5EF4-FFF2-40B4-BE49-F238E27FC236}">
+                    <a16:creationId xmlns:a16="http://schemas.microsoft.com/office/drawing/2014/main" id="{5E0FF0D9-F3E6-74B9-BE7F-479C4D675E53}"/>
+                  </a:ext>
+                </a:extLst>
+              </p:cNvPr>
+              <p:cNvSpPr txBox="1"/>
+              <p:nvPr/>
+            </p:nvSpPr>
+            <p:spPr>
+              <a:xfrm>
+                <a:off x="3655326" y="976764"/>
+                <a:ext cx="739369" cy="289182"/>
+              </a:xfrm>
+              <a:prstGeom prst="rect">
+                <a:avLst/>
+              </a:prstGeom>
+              <a:noFill/>
+            </p:spPr>
+            <p:txBody>
+              <a:bodyPr wrap="none" lIns="0" tIns="0" rIns="0" bIns="0" rtlCol="0">
+                <a:spAutoFit/>
+              </a:bodyPr>
+              <a:lstStyle/>
+              <a:p>
+                <a14:m>
+                  <m:oMathPara xmlns:m="http://schemas.openxmlformats.org/officeDocument/2006/math">
+                    <m:oMathParaPr>
+                      <m:jc m:val="centerGroup"/>
+                    </m:oMathParaPr>
+                    <m:oMath xmlns:m="http://schemas.openxmlformats.org/officeDocument/2006/math">
+                      <m:sSub>
+                        <m:sSubPr>
+                          <m:ctrlPr>
+                            <a:rPr lang="en-US" b="0" i="1" smtClean="0">
+                              <a:latin typeface="Cambria Math" panose="02040503050406030204" pitchFamily="18" charset="0"/>
+                            </a:rPr>
+                          </m:ctrlPr>
+                        </m:sSubPr>
+                        <m:e>
+                          <m:r>
+                            <a:rPr lang="en-US" b="0" i="1" smtClean="0">
+                              <a:latin typeface="Cambria Math" panose="02040503050406030204" pitchFamily="18" charset="0"/>
+                            </a:rPr>
+                            <m:t>𝜆</m:t>
+                          </m:r>
+                        </m:e>
+                        <m:sub>
+                          <m:r>
+                            <a:rPr lang="en-US" b="0" i="1" smtClean="0">
+                              <a:latin typeface="Cambria Math" panose="02040503050406030204" pitchFamily="18" charset="0"/>
+                            </a:rPr>
+                            <m:t>0</m:t>
+                          </m:r>
+                        </m:sub>
+                      </m:sSub>
+                      <m:r>
+                        <a:rPr lang="en-US" b="0" i="1" smtClean="0">
+                          <a:latin typeface="Cambria Math" panose="02040503050406030204" pitchFamily="18" charset="0"/>
+                        </a:rPr>
+                        <m:t>,</m:t>
+                      </m:r>
+                      <m:sSub>
+                        <m:sSubPr>
+                          <m:ctrlPr>
+                            <a:rPr lang="en-US" b="0" i="1" smtClean="0">
+                              <a:latin typeface="Cambria Math" panose="02040503050406030204" pitchFamily="18" charset="0"/>
+                            </a:rPr>
+                          </m:ctrlPr>
+                        </m:sSubPr>
+                        <m:e>
+                          <m:r>
+                            <a:rPr lang="en-US" b="0" i="1" smtClean="0">
+                              <a:latin typeface="Cambria Math" panose="02040503050406030204" pitchFamily="18" charset="0"/>
+                            </a:rPr>
+                            <m:t>𝑃</m:t>
+                          </m:r>
+                        </m:e>
+                        <m:sub>
+                          <m:r>
+                            <a:rPr lang="en-US" b="0" i="1" smtClean="0">
+                              <a:latin typeface="Cambria Math" panose="02040503050406030204" pitchFamily="18" charset="0"/>
+                            </a:rPr>
+                            <m:t>𝑛</m:t>
+                          </m:r>
+                          <m:r>
+                            <a:rPr lang="en-US" b="0" i="1" smtClean="0">
+                              <a:latin typeface="Cambria Math" panose="02040503050406030204" pitchFamily="18" charset="0"/>
+                            </a:rPr>
+                            <m:t>,0</m:t>
+                          </m:r>
+                        </m:sub>
+                      </m:sSub>
+                    </m:oMath>
+                  </m:oMathPara>
+                </a14:m>
+                <a:endParaRPr lang="en-US" dirty="0"/>
+              </a:p>
+            </p:txBody>
+          </p:sp>
+        </mc:Choice>
+        <mc:Fallback>
+          <p:sp>
+            <p:nvSpPr>
+              <p:cNvPr id="35" name="TextBox 34">
+                <a:extLst>
+                  <a:ext uri="{FF2B5EF4-FFF2-40B4-BE49-F238E27FC236}">
+                    <a16:creationId xmlns:a16="http://schemas.microsoft.com/office/drawing/2014/main" id="{5E0FF0D9-F3E6-74B9-BE7F-479C4D675E53}"/>
+                  </a:ext>
+                </a:extLst>
+              </p:cNvPr>
+              <p:cNvSpPr txBox="1">
+                <a:spLocks noRot="1" noChangeAspect="1" noMove="1" noResize="1" noEditPoints="1" noAdjustHandles="1" noChangeArrowheads="1" noChangeShapeType="1" noTextEdit="1"/>
+              </p:cNvSpPr>
+              <p:nvPr/>
+            </p:nvSpPr>
+            <p:spPr>
+              <a:xfrm>
+                <a:off x="3655326" y="976764"/>
+                <a:ext cx="739369" cy="289182"/>
+              </a:xfrm>
+              <a:prstGeom prst="rect">
+                <a:avLst/>
+              </a:prstGeom>
+              <a:blipFill>
+                <a:blip r:embed="rId2"/>
+                <a:stretch>
+                  <a:fillRect l="-7438" r="-3306" b="-12500"/>
+                </a:stretch>
+              </a:blipFill>
+            </p:spPr>
+            <p:txBody>
+              <a:bodyPr/>
+              <a:lstStyle/>
+              <a:p>
+                <a:r>
+                  <a:rPr lang="en-US">
+                    <a:noFill/>
+                  </a:rPr>
+                  <a:t> </a:t>
+                </a:r>
+              </a:p>
+            </p:txBody>
+          </p:sp>
+        </mc:Fallback>
+      </mc:AlternateContent>
+      <mc:AlternateContent xmlns:mc="http://schemas.openxmlformats.org/markup-compatibility/2006">
+        <mc:Choice xmlns:a14="http://schemas.microsoft.com/office/drawing/2010/main" Requires="a14">
+          <p:sp>
+            <p:nvSpPr>
+              <p:cNvPr id="36" name="TextBox 35">
+                <a:extLst>
+                  <a:ext uri="{FF2B5EF4-FFF2-40B4-BE49-F238E27FC236}">
+                    <a16:creationId xmlns:a16="http://schemas.microsoft.com/office/drawing/2014/main" id="{09802EC7-6E87-9DB0-D1AE-375FBA2F262E}"/>
+                  </a:ext>
+                </a:extLst>
+              </p:cNvPr>
+              <p:cNvSpPr txBox="1"/>
+              <p:nvPr/>
+            </p:nvSpPr>
+            <p:spPr>
+              <a:xfrm>
+                <a:off x="4401213" y="976763"/>
+                <a:ext cx="734047" cy="289182"/>
+              </a:xfrm>
+              <a:prstGeom prst="rect">
+                <a:avLst/>
+              </a:prstGeom>
+              <a:noFill/>
+            </p:spPr>
+            <p:txBody>
+              <a:bodyPr wrap="none" lIns="0" tIns="0" rIns="0" bIns="0" rtlCol="0">
+                <a:spAutoFit/>
+              </a:bodyPr>
+              <a:lstStyle/>
+              <a:p>
+                <a14:m>
+                  <m:oMathPara xmlns:m="http://schemas.openxmlformats.org/officeDocument/2006/math">
+                    <m:oMathParaPr>
+                      <m:jc m:val="centerGroup"/>
+                    </m:oMathParaPr>
+                    <m:oMath xmlns:m="http://schemas.openxmlformats.org/officeDocument/2006/math">
+                      <m:sSub>
+                        <m:sSubPr>
+                          <m:ctrlPr>
+                            <a:rPr lang="en-US" b="0" i="1" smtClean="0">
+                              <a:latin typeface="Cambria Math" panose="02040503050406030204" pitchFamily="18" charset="0"/>
+                            </a:rPr>
+                          </m:ctrlPr>
+                        </m:sSubPr>
+                        <m:e>
+                          <m:r>
+                            <a:rPr lang="en-US" b="0" i="1" smtClean="0">
+                              <a:latin typeface="Cambria Math" panose="02040503050406030204" pitchFamily="18" charset="0"/>
+                            </a:rPr>
+                            <m:t>𝜆</m:t>
+                          </m:r>
+                        </m:e>
+                        <m:sub>
+                          <m:r>
+                            <a:rPr lang="en-US" b="0" i="1" smtClean="0">
+                              <a:latin typeface="Cambria Math" panose="02040503050406030204" pitchFamily="18" charset="0"/>
+                            </a:rPr>
+                            <m:t>1</m:t>
+                          </m:r>
+                        </m:sub>
+                      </m:sSub>
+                      <m:r>
+                        <a:rPr lang="en-US" b="0" i="1" smtClean="0">
+                          <a:latin typeface="Cambria Math" panose="02040503050406030204" pitchFamily="18" charset="0"/>
+                        </a:rPr>
+                        <m:t>,</m:t>
+                      </m:r>
+                      <m:sSub>
+                        <m:sSubPr>
+                          <m:ctrlPr>
+                            <a:rPr lang="en-US" b="0" i="1" smtClean="0">
+                              <a:latin typeface="Cambria Math" panose="02040503050406030204" pitchFamily="18" charset="0"/>
+                            </a:rPr>
+                          </m:ctrlPr>
+                        </m:sSubPr>
+                        <m:e>
+                          <m:r>
+                            <a:rPr lang="en-US" b="0" i="1" smtClean="0">
+                              <a:latin typeface="Cambria Math" panose="02040503050406030204" pitchFamily="18" charset="0"/>
+                            </a:rPr>
+                            <m:t>𝑃</m:t>
+                          </m:r>
+                        </m:e>
+                        <m:sub>
+                          <m:r>
+                            <a:rPr lang="en-US" b="0" i="1" smtClean="0">
+                              <a:latin typeface="Cambria Math" panose="02040503050406030204" pitchFamily="18" charset="0"/>
+                            </a:rPr>
+                            <m:t>𝑛</m:t>
+                          </m:r>
+                          <m:r>
+                            <a:rPr lang="en-US" b="0" i="1" smtClean="0">
+                              <a:latin typeface="Cambria Math" panose="02040503050406030204" pitchFamily="18" charset="0"/>
+                            </a:rPr>
+                            <m:t>,1</m:t>
+                          </m:r>
+                        </m:sub>
+                      </m:sSub>
+                    </m:oMath>
+                  </m:oMathPara>
+                </a14:m>
+                <a:endParaRPr lang="en-US" dirty="0"/>
+              </a:p>
+            </p:txBody>
+          </p:sp>
+        </mc:Choice>
+        <mc:Fallback>
+          <p:sp>
+            <p:nvSpPr>
+              <p:cNvPr id="36" name="TextBox 35">
+                <a:extLst>
+                  <a:ext uri="{FF2B5EF4-FFF2-40B4-BE49-F238E27FC236}">
+                    <a16:creationId xmlns:a16="http://schemas.microsoft.com/office/drawing/2014/main" id="{09802EC7-6E87-9DB0-D1AE-375FBA2F262E}"/>
+                  </a:ext>
+                </a:extLst>
+              </p:cNvPr>
+              <p:cNvSpPr txBox="1">
+                <a:spLocks noRot="1" noChangeAspect="1" noMove="1" noResize="1" noEditPoints="1" noAdjustHandles="1" noChangeArrowheads="1" noChangeShapeType="1" noTextEdit="1"/>
+              </p:cNvSpPr>
+              <p:nvPr/>
+            </p:nvSpPr>
+            <p:spPr>
+              <a:xfrm>
+                <a:off x="4401213" y="976763"/>
+                <a:ext cx="734047" cy="289182"/>
+              </a:xfrm>
+              <a:prstGeom prst="rect">
+                <a:avLst/>
+              </a:prstGeom>
+              <a:blipFill>
+                <a:blip r:embed="rId3"/>
+                <a:stretch>
+                  <a:fillRect l="-7500" r="-3333" b="-12500"/>
+                </a:stretch>
+              </a:blipFill>
+            </p:spPr>
+            <p:txBody>
+              <a:bodyPr/>
+              <a:lstStyle/>
+              <a:p>
+                <a:r>
+                  <a:rPr lang="en-US">
+                    <a:noFill/>
+                  </a:rPr>
+                  <a:t> </a:t>
+                </a:r>
+              </a:p>
+            </p:txBody>
+          </p:sp>
+        </mc:Fallback>
+      </mc:AlternateContent>
+      <mc:AlternateContent xmlns:mc="http://schemas.openxmlformats.org/markup-compatibility/2006">
+        <mc:Choice xmlns:a14="http://schemas.microsoft.com/office/drawing/2010/main" Requires="a14">
+          <p:sp>
+            <p:nvSpPr>
+              <p:cNvPr id="39" name="TextBox 38">
+                <a:extLst>
+                  <a:ext uri="{FF2B5EF4-FFF2-40B4-BE49-F238E27FC236}">
+                    <a16:creationId xmlns:a16="http://schemas.microsoft.com/office/drawing/2014/main" id="{D0F97580-10B6-9D1F-FF38-81DEDADA1631}"/>
+                  </a:ext>
+                </a:extLst>
+              </p:cNvPr>
+              <p:cNvSpPr txBox="1"/>
+              <p:nvPr/>
+            </p:nvSpPr>
+            <p:spPr>
+              <a:xfrm>
+                <a:off x="4605792" y="1960728"/>
+                <a:ext cx="338554" cy="276999"/>
+              </a:xfrm>
+              <a:prstGeom prst="rect">
+                <a:avLst/>
+              </a:prstGeom>
+              <a:noFill/>
+            </p:spPr>
+            <p:txBody>
+              <a:bodyPr wrap="none" lIns="0" tIns="0" rIns="0" bIns="0" rtlCol="0">
+                <a:spAutoFit/>
+              </a:bodyPr>
+              <a:lstStyle/>
+              <a:p>
+                <a14:m>
+                  <m:oMathPara xmlns:m="http://schemas.openxmlformats.org/officeDocument/2006/math">
+                    <m:oMathParaPr>
+                      <m:jc m:val="centerGroup"/>
+                    </m:oMathParaPr>
+                    <m:oMath xmlns:m="http://schemas.openxmlformats.org/officeDocument/2006/math">
+                      <m:sSub>
+                        <m:sSubPr>
+                          <m:ctrlPr>
+                            <a:rPr lang="en-US" b="0" i="1" smtClean="0">
+                              <a:latin typeface="Cambria Math" panose="02040503050406030204" pitchFamily="18" charset="0"/>
+                            </a:rPr>
+                          </m:ctrlPr>
+                        </m:sSubPr>
+                        <m:e>
+                          <m:r>
+                            <a:rPr lang="en-US" b="0" i="1" smtClean="0">
+                              <a:latin typeface="Cambria Math" panose="02040503050406030204" pitchFamily="18" charset="0"/>
+                            </a:rPr>
+                            <m:t>𝑀</m:t>
+                          </m:r>
+                        </m:e>
+                        <m:sub>
+                          <m:r>
+                            <a:rPr lang="en-US" b="0" i="1" smtClean="0">
+                              <a:latin typeface="Cambria Math" panose="02040503050406030204" pitchFamily="18" charset="0"/>
+                            </a:rPr>
+                            <m:t>1</m:t>
+                          </m:r>
+                        </m:sub>
+                      </m:sSub>
+                    </m:oMath>
+                  </m:oMathPara>
+                </a14:m>
+                <a:endParaRPr lang="en-US" dirty="0"/>
+              </a:p>
+            </p:txBody>
+          </p:sp>
+        </mc:Choice>
+        <mc:Fallback>
+          <p:sp>
+            <p:nvSpPr>
+              <p:cNvPr id="39" name="TextBox 38">
+                <a:extLst>
+                  <a:ext uri="{FF2B5EF4-FFF2-40B4-BE49-F238E27FC236}">
+                    <a16:creationId xmlns:a16="http://schemas.microsoft.com/office/drawing/2014/main" id="{D0F97580-10B6-9D1F-FF38-81DEDADA1631}"/>
+                  </a:ext>
+                </a:extLst>
+              </p:cNvPr>
+              <p:cNvSpPr txBox="1">
+                <a:spLocks noRot="1" noChangeAspect="1" noMove="1" noResize="1" noEditPoints="1" noAdjustHandles="1" noChangeArrowheads="1" noChangeShapeType="1" noTextEdit="1"/>
+              </p:cNvSpPr>
+              <p:nvPr/>
+            </p:nvSpPr>
+            <p:spPr>
+              <a:xfrm>
+                <a:off x="4605792" y="1960728"/>
+                <a:ext cx="338554" cy="276999"/>
+              </a:xfrm>
+              <a:prstGeom prst="rect">
+                <a:avLst/>
+              </a:prstGeom>
+              <a:blipFill>
+                <a:blip r:embed="rId4"/>
+                <a:stretch>
+                  <a:fillRect l="-16364" r="-7273" b="-15556"/>
+                </a:stretch>
+              </a:blipFill>
+            </p:spPr>
+            <p:txBody>
+              <a:bodyPr/>
+              <a:lstStyle/>
+              <a:p>
+                <a:r>
+                  <a:rPr lang="en-US">
+                    <a:noFill/>
+                  </a:rPr>
+                  <a:t> </a:t>
+                </a:r>
+              </a:p>
+            </p:txBody>
+          </p:sp>
+        </mc:Fallback>
+      </mc:AlternateContent>
+      <p:cxnSp>
+        <p:nvCxnSpPr>
+          <p:cNvPr id="43" name="Straight Arrow Connector 42">
+            <a:extLst>
+              <a:ext uri="{FF2B5EF4-FFF2-40B4-BE49-F238E27FC236}">
+                <a16:creationId xmlns:a16="http://schemas.microsoft.com/office/drawing/2014/main" id="{3E799488-24AA-F79F-025A-F4556439DCC7}"/>
+              </a:ext>
+            </a:extLst>
+          </p:cNvPr>
+          <p:cNvCxnSpPr>
+            <a:cxnSpLocks/>
+            <a:stCxn id="35" idx="2"/>
+            <a:endCxn id="60" idx="0"/>
+          </p:cNvCxnSpPr>
+          <p:nvPr/>
+        </p:nvCxnSpPr>
+        <p:spPr>
+          <a:xfrm flipH="1">
+            <a:off x="4018179" y="1265946"/>
+            <a:ext cx="6832" cy="694782"/>
+          </a:xfrm>
+          <a:prstGeom prst="straightConnector1">
+            <a:avLst/>
+          </a:prstGeom>
+          <a:ln>
+            <a:tailEnd type="triangle"/>
+          </a:ln>
+        </p:spPr>
+        <p:style>
+          <a:lnRef idx="1">
+            <a:schemeClr val="dk1"/>
+          </a:lnRef>
+          <a:fillRef idx="0">
+            <a:schemeClr val="dk1"/>
+          </a:fillRef>
+          <a:effectRef idx="0">
+            <a:schemeClr val="dk1"/>
+          </a:effectRef>
+          <a:fontRef idx="minor">
+            <a:schemeClr val="tx1"/>
+          </a:fontRef>
+        </p:style>
+      </p:cxnSp>
+      <p:cxnSp>
+        <p:nvCxnSpPr>
+          <p:cNvPr id="48" name="Straight Arrow Connector 47">
+            <a:extLst>
+              <a:ext uri="{FF2B5EF4-FFF2-40B4-BE49-F238E27FC236}">
+                <a16:creationId xmlns:a16="http://schemas.microsoft.com/office/drawing/2014/main" id="{47D24A7B-7766-2FB7-243A-BB5581D6073E}"/>
+              </a:ext>
+            </a:extLst>
+          </p:cNvPr>
+          <p:cNvCxnSpPr>
+            <a:cxnSpLocks/>
+            <a:stCxn id="36" idx="2"/>
+            <a:endCxn id="39" idx="0"/>
+          </p:cNvCxnSpPr>
+          <p:nvPr/>
+        </p:nvCxnSpPr>
+        <p:spPr>
+          <a:xfrm>
+            <a:off x="4768237" y="1265945"/>
+            <a:ext cx="6832" cy="694783"/>
+          </a:xfrm>
+          <a:prstGeom prst="straightConnector1">
+            <a:avLst/>
+          </a:prstGeom>
+          <a:ln>
+            <a:tailEnd type="triangle"/>
+          </a:ln>
+        </p:spPr>
+        <p:style>
+          <a:lnRef idx="1">
+            <a:schemeClr val="dk1"/>
+          </a:lnRef>
+          <a:fillRef idx="0">
+            <a:schemeClr val="dk1"/>
+          </a:fillRef>
+          <a:effectRef idx="0">
+            <a:schemeClr val="dk1"/>
+          </a:effectRef>
+          <a:fontRef idx="minor">
+            <a:schemeClr val="tx1"/>
+          </a:fontRef>
+        </p:style>
+      </p:cxnSp>
+      <mc:AlternateContent xmlns:mc="http://schemas.openxmlformats.org/markup-compatibility/2006">
+        <mc:Choice xmlns:a14="http://schemas.microsoft.com/office/drawing/2010/main" Requires="a14">
+          <p:sp>
+            <p:nvSpPr>
+              <p:cNvPr id="60" name="TextBox 59">
+                <a:extLst>
+                  <a:ext uri="{FF2B5EF4-FFF2-40B4-BE49-F238E27FC236}">
+                    <a16:creationId xmlns:a16="http://schemas.microsoft.com/office/drawing/2014/main" id="{E5FBDAC4-1A50-1276-09F9-25A5D1975735}"/>
+                  </a:ext>
+                </a:extLst>
+              </p:cNvPr>
+              <p:cNvSpPr txBox="1"/>
+              <p:nvPr/>
+            </p:nvSpPr>
+            <p:spPr>
+              <a:xfrm>
+                <a:off x="3846241" y="1960728"/>
+                <a:ext cx="343876" cy="276999"/>
+              </a:xfrm>
+              <a:prstGeom prst="rect">
+                <a:avLst/>
+              </a:prstGeom>
+              <a:noFill/>
+            </p:spPr>
+            <p:txBody>
+              <a:bodyPr wrap="none" lIns="0" tIns="0" rIns="0" bIns="0" rtlCol="0">
+                <a:spAutoFit/>
+              </a:bodyPr>
+              <a:lstStyle/>
+              <a:p>
+                <a14:m>
+                  <m:oMathPara xmlns:m="http://schemas.openxmlformats.org/officeDocument/2006/math">
+                    <m:oMathParaPr>
+                      <m:jc m:val="centerGroup"/>
+                    </m:oMathParaPr>
+                    <m:oMath xmlns:m="http://schemas.openxmlformats.org/officeDocument/2006/math">
+                      <m:sSub>
+                        <m:sSubPr>
+                          <m:ctrlPr>
+                            <a:rPr lang="en-US" b="0" i="1" smtClean="0">
+                              <a:latin typeface="Cambria Math" panose="02040503050406030204" pitchFamily="18" charset="0"/>
+                            </a:rPr>
+                          </m:ctrlPr>
+                        </m:sSubPr>
+                        <m:e>
+                          <m:r>
+                            <a:rPr lang="en-US" b="0" i="1" smtClean="0">
+                              <a:latin typeface="Cambria Math" panose="02040503050406030204" pitchFamily="18" charset="0"/>
+                            </a:rPr>
+                            <m:t>𝑀</m:t>
+                          </m:r>
+                        </m:e>
+                        <m:sub>
+                          <m:r>
+                            <a:rPr lang="en-US" b="0" i="1" smtClean="0">
+                              <a:latin typeface="Cambria Math" panose="02040503050406030204" pitchFamily="18" charset="0"/>
+                            </a:rPr>
+                            <m:t>0</m:t>
+                          </m:r>
+                        </m:sub>
+                      </m:sSub>
+                    </m:oMath>
+                  </m:oMathPara>
+                </a14:m>
+                <a:endParaRPr lang="en-US" dirty="0"/>
+              </a:p>
+            </p:txBody>
+          </p:sp>
+        </mc:Choice>
+        <mc:Fallback>
+          <p:sp>
+            <p:nvSpPr>
+              <p:cNvPr id="60" name="TextBox 59">
+                <a:extLst>
+                  <a:ext uri="{FF2B5EF4-FFF2-40B4-BE49-F238E27FC236}">
+                    <a16:creationId xmlns:a16="http://schemas.microsoft.com/office/drawing/2014/main" id="{E5FBDAC4-1A50-1276-09F9-25A5D1975735}"/>
+                  </a:ext>
+                </a:extLst>
+              </p:cNvPr>
+              <p:cNvSpPr txBox="1">
+                <a:spLocks noRot="1" noChangeAspect="1" noMove="1" noResize="1" noEditPoints="1" noAdjustHandles="1" noChangeArrowheads="1" noChangeShapeType="1" noTextEdit="1"/>
+              </p:cNvSpPr>
+              <p:nvPr/>
+            </p:nvSpPr>
+            <p:spPr>
+              <a:xfrm>
+                <a:off x="3846241" y="1960728"/>
+                <a:ext cx="343876" cy="276999"/>
+              </a:xfrm>
+              <a:prstGeom prst="rect">
+                <a:avLst/>
+              </a:prstGeom>
+              <a:blipFill>
+                <a:blip r:embed="rId5"/>
+                <a:stretch>
+                  <a:fillRect l="-17857" r="-5357" b="-15556"/>
+                </a:stretch>
+              </a:blipFill>
+            </p:spPr>
+            <p:txBody>
+              <a:bodyPr/>
+              <a:lstStyle/>
+              <a:p>
+                <a:r>
+                  <a:rPr lang="en-US">
+                    <a:noFill/>
+                  </a:rPr>
+                  <a:t> </a:t>
+                </a:r>
+              </a:p>
+            </p:txBody>
+          </p:sp>
+        </mc:Fallback>
+      </mc:AlternateContent>
+      <mc:AlternateContent xmlns:mc="http://schemas.openxmlformats.org/markup-compatibility/2006">
+        <mc:Choice xmlns:a14="http://schemas.microsoft.com/office/drawing/2010/main" Requires="a14">
+          <p:sp>
+            <p:nvSpPr>
+              <p:cNvPr id="63" name="TextBox 62">
+                <a:extLst>
+                  <a:ext uri="{FF2B5EF4-FFF2-40B4-BE49-F238E27FC236}">
+                    <a16:creationId xmlns:a16="http://schemas.microsoft.com/office/drawing/2014/main" id="{4E2A7078-3528-21B6-BE24-E8A7D627C932}"/>
+                  </a:ext>
+                </a:extLst>
+              </p:cNvPr>
+              <p:cNvSpPr txBox="1"/>
+              <p:nvPr/>
+            </p:nvSpPr>
+            <p:spPr>
+              <a:xfrm>
+                <a:off x="5154286" y="976763"/>
+                <a:ext cx="226023" cy="276999"/>
+              </a:xfrm>
+              <a:prstGeom prst="rect">
+                <a:avLst/>
+              </a:prstGeom>
+              <a:noFill/>
+            </p:spPr>
+            <p:txBody>
+              <a:bodyPr wrap="none" lIns="0" tIns="0" rIns="0" bIns="0" rtlCol="0">
+                <a:spAutoFit/>
+              </a:bodyPr>
+              <a:lstStyle/>
+              <a:p>
+                <a14:m>
+                  <m:oMathPara xmlns:m="http://schemas.openxmlformats.org/officeDocument/2006/math">
+                    <m:oMathParaPr>
+                      <m:jc m:val="centerGroup"/>
+                    </m:oMathParaPr>
+                    <m:oMath xmlns:m="http://schemas.openxmlformats.org/officeDocument/2006/math">
+                      <m:r>
+                        <a:rPr lang="en-US" b="0" i="1" smtClean="0">
+                          <a:latin typeface="Cambria Math" panose="02040503050406030204" pitchFamily="18" charset="0"/>
+                        </a:rPr>
+                        <m:t>…</m:t>
+                      </m:r>
+                    </m:oMath>
+                  </m:oMathPara>
+                </a14:m>
+                <a:endParaRPr lang="en-US" dirty="0"/>
+              </a:p>
+            </p:txBody>
+          </p:sp>
+        </mc:Choice>
+        <mc:Fallback>
+          <p:sp>
+            <p:nvSpPr>
+              <p:cNvPr id="63" name="TextBox 62">
+                <a:extLst>
+                  <a:ext uri="{FF2B5EF4-FFF2-40B4-BE49-F238E27FC236}">
+                    <a16:creationId xmlns:a16="http://schemas.microsoft.com/office/drawing/2014/main" id="{4E2A7078-3528-21B6-BE24-E8A7D627C932}"/>
+                  </a:ext>
+                </a:extLst>
+              </p:cNvPr>
+              <p:cNvSpPr txBox="1">
+                <a:spLocks noRot="1" noChangeAspect="1" noMove="1" noResize="1" noEditPoints="1" noAdjustHandles="1" noChangeArrowheads="1" noChangeShapeType="1" noTextEdit="1"/>
+              </p:cNvSpPr>
+              <p:nvPr/>
+            </p:nvSpPr>
+            <p:spPr>
+              <a:xfrm>
+                <a:off x="5154286" y="976763"/>
+                <a:ext cx="226023" cy="276999"/>
+              </a:xfrm>
+              <a:prstGeom prst="rect">
+                <a:avLst/>
+              </a:prstGeom>
+              <a:blipFill>
+                <a:blip r:embed="rId6"/>
+                <a:stretch>
+                  <a:fillRect/>
+                </a:stretch>
+              </a:blipFill>
+            </p:spPr>
+            <p:txBody>
+              <a:bodyPr/>
+              <a:lstStyle/>
+              <a:p>
+                <a:r>
+                  <a:rPr lang="en-US">
+                    <a:noFill/>
+                  </a:rPr>
+                  <a:t> </a:t>
+                </a:r>
+              </a:p>
+            </p:txBody>
+          </p:sp>
+        </mc:Fallback>
+      </mc:AlternateContent>
+      <mc:AlternateContent xmlns:mc="http://schemas.openxmlformats.org/markup-compatibility/2006">
+        <mc:Choice xmlns:a14="http://schemas.microsoft.com/office/drawing/2010/main" Requires="a14">
+          <p:sp>
+            <p:nvSpPr>
+              <p:cNvPr id="258" name="TextBox 257">
+                <a:extLst>
+                  <a:ext uri="{FF2B5EF4-FFF2-40B4-BE49-F238E27FC236}">
+                    <a16:creationId xmlns:a16="http://schemas.microsoft.com/office/drawing/2014/main" id="{480238CA-43F3-254A-52AD-96CFD72EFBBF}"/>
+                  </a:ext>
+                </a:extLst>
+              </p:cNvPr>
+              <p:cNvSpPr txBox="1"/>
+              <p:nvPr/>
+            </p:nvSpPr>
+            <p:spPr>
+              <a:xfrm>
+                <a:off x="5411456" y="976763"/>
+                <a:ext cx="1423467" cy="289182"/>
+              </a:xfrm>
+              <a:prstGeom prst="rect">
+                <a:avLst/>
+              </a:prstGeom>
+              <a:noFill/>
+            </p:spPr>
+            <p:txBody>
+              <a:bodyPr wrap="none" lIns="0" tIns="0" rIns="0" bIns="0" rtlCol="0">
+                <a:spAutoFit/>
+              </a:bodyPr>
+              <a:lstStyle/>
+              <a:p>
+                <a14:m>
+                  <m:oMathPara xmlns:m="http://schemas.openxmlformats.org/officeDocument/2006/math">
+                    <m:oMathParaPr>
+                      <m:jc m:val="centerGroup"/>
+                    </m:oMathParaPr>
+                    <m:oMath xmlns:m="http://schemas.openxmlformats.org/officeDocument/2006/math">
+                      <m:sSub>
+                        <m:sSubPr>
+                          <m:ctrlPr>
+                            <a:rPr lang="en-US" b="0" i="1" smtClean="0">
+                              <a:latin typeface="Cambria Math" panose="02040503050406030204" pitchFamily="18" charset="0"/>
+                            </a:rPr>
+                          </m:ctrlPr>
+                        </m:sSubPr>
+                        <m:e>
+                          <m:r>
+                            <a:rPr lang="en-US" b="0" i="1" smtClean="0">
+                              <a:latin typeface="Cambria Math" panose="02040503050406030204" pitchFamily="18" charset="0"/>
+                            </a:rPr>
+                            <m:t>𝜆</m:t>
+                          </m:r>
+                        </m:e>
+                        <m:sub>
+                          <m:sSup>
+                            <m:sSupPr>
+                              <m:ctrlPr>
+                                <a:rPr lang="en-US" b="0" i="1" smtClean="0">
+                                  <a:latin typeface="Cambria Math" panose="02040503050406030204" pitchFamily="18" charset="0"/>
+                                </a:rPr>
+                              </m:ctrlPr>
+                            </m:sSupPr>
+                            <m:e>
+                              <m:r>
+                                <a:rPr lang="en-US" b="0" i="1" smtClean="0">
+                                  <a:latin typeface="Cambria Math" panose="02040503050406030204" pitchFamily="18" charset="0"/>
+                                </a:rPr>
+                                <m:t>4</m:t>
+                              </m:r>
+                            </m:e>
+                            <m:sup>
+                              <m:r>
+                                <a:rPr lang="en-US" b="0" i="1" smtClean="0">
+                                  <a:latin typeface="Cambria Math" panose="02040503050406030204" pitchFamily="18" charset="0"/>
+                                </a:rPr>
+                                <m:t>𝑛</m:t>
+                              </m:r>
+                            </m:sup>
+                          </m:sSup>
+                          <m:r>
+                            <a:rPr lang="en-US" b="0" i="1" smtClean="0">
+                              <a:latin typeface="Cambria Math" panose="02040503050406030204" pitchFamily="18" charset="0"/>
+                            </a:rPr>
+                            <m:t>−1</m:t>
+                          </m:r>
+                        </m:sub>
+                      </m:sSub>
+                      <m:r>
+                        <a:rPr lang="en-US" b="0" i="1" smtClean="0">
+                          <a:latin typeface="Cambria Math" panose="02040503050406030204" pitchFamily="18" charset="0"/>
+                        </a:rPr>
+                        <m:t>,</m:t>
+                      </m:r>
+                      <m:sSub>
+                        <m:sSubPr>
+                          <m:ctrlPr>
+                            <a:rPr lang="en-US" b="0" i="1" smtClean="0">
+                              <a:latin typeface="Cambria Math" panose="02040503050406030204" pitchFamily="18" charset="0"/>
+                            </a:rPr>
+                          </m:ctrlPr>
+                        </m:sSubPr>
+                        <m:e>
+                          <m:r>
+                            <a:rPr lang="en-US" b="0" i="1" smtClean="0">
+                              <a:latin typeface="Cambria Math" panose="02040503050406030204" pitchFamily="18" charset="0"/>
+                            </a:rPr>
+                            <m:t>𝑃</m:t>
+                          </m:r>
+                        </m:e>
+                        <m:sub>
+                          <m:r>
+                            <a:rPr lang="en-US" b="0" i="1" smtClean="0">
+                              <a:latin typeface="Cambria Math" panose="02040503050406030204" pitchFamily="18" charset="0"/>
+                            </a:rPr>
+                            <m:t>𝑛</m:t>
+                          </m:r>
+                          <m:r>
+                            <a:rPr lang="en-US" b="0" i="1" smtClean="0">
+                              <a:latin typeface="Cambria Math" panose="02040503050406030204" pitchFamily="18" charset="0"/>
+                            </a:rPr>
+                            <m:t>,</m:t>
+                          </m:r>
+                          <m:sSup>
+                            <m:sSupPr>
+                              <m:ctrlPr>
+                                <a:rPr lang="en-US" b="0" i="1" smtClean="0">
+                                  <a:latin typeface="Cambria Math" panose="02040503050406030204" pitchFamily="18" charset="0"/>
+                                </a:rPr>
+                              </m:ctrlPr>
+                            </m:sSupPr>
+                            <m:e>
+                              <m:r>
+                                <a:rPr lang="en-US" b="0" i="1" smtClean="0">
+                                  <a:latin typeface="Cambria Math" panose="02040503050406030204" pitchFamily="18" charset="0"/>
+                                </a:rPr>
+                                <m:t>4</m:t>
+                              </m:r>
+                            </m:e>
+                            <m:sup>
+                              <m:r>
+                                <a:rPr lang="en-US" b="0" i="1" smtClean="0">
+                                  <a:latin typeface="Cambria Math" panose="02040503050406030204" pitchFamily="18" charset="0"/>
+                                </a:rPr>
+                                <m:t>𝑛</m:t>
+                              </m:r>
+                            </m:sup>
+                          </m:sSup>
+                          <m:r>
+                            <a:rPr lang="en-US" b="0" i="1" smtClean="0">
+                              <a:latin typeface="Cambria Math" panose="02040503050406030204" pitchFamily="18" charset="0"/>
+                            </a:rPr>
+                            <m:t>−1</m:t>
+                          </m:r>
+                        </m:sub>
+                      </m:sSub>
+                    </m:oMath>
+                  </m:oMathPara>
+                </a14:m>
+                <a:endParaRPr lang="en-US" dirty="0"/>
+              </a:p>
+            </p:txBody>
+          </p:sp>
+        </mc:Choice>
+        <mc:Fallback>
+          <p:sp>
+            <p:nvSpPr>
+              <p:cNvPr id="258" name="TextBox 257">
+                <a:extLst>
+                  <a:ext uri="{FF2B5EF4-FFF2-40B4-BE49-F238E27FC236}">
+                    <a16:creationId xmlns:a16="http://schemas.microsoft.com/office/drawing/2014/main" id="{480238CA-43F3-254A-52AD-96CFD72EFBBF}"/>
+                  </a:ext>
+                </a:extLst>
+              </p:cNvPr>
+              <p:cNvSpPr txBox="1">
+                <a:spLocks noRot="1" noChangeAspect="1" noMove="1" noResize="1" noEditPoints="1" noAdjustHandles="1" noChangeArrowheads="1" noChangeShapeType="1" noTextEdit="1"/>
+              </p:cNvSpPr>
+              <p:nvPr/>
+            </p:nvSpPr>
+            <p:spPr>
+              <a:xfrm>
+                <a:off x="5411456" y="976763"/>
+                <a:ext cx="1423467" cy="289182"/>
+              </a:xfrm>
+              <a:prstGeom prst="rect">
+                <a:avLst/>
+              </a:prstGeom>
+              <a:blipFill>
+                <a:blip r:embed="rId7"/>
+                <a:stretch>
+                  <a:fillRect l="-3863" r="-1288" b="-12500"/>
+                </a:stretch>
+              </a:blipFill>
+            </p:spPr>
+            <p:txBody>
+              <a:bodyPr/>
+              <a:lstStyle/>
+              <a:p>
+                <a:r>
+                  <a:rPr lang="en-US">
+                    <a:noFill/>
+                  </a:rPr>
+                  <a:t> </a:t>
+                </a:r>
+              </a:p>
+            </p:txBody>
+          </p:sp>
+        </mc:Fallback>
+      </mc:AlternateContent>
+      <mc:AlternateContent xmlns:mc="http://schemas.openxmlformats.org/markup-compatibility/2006">
+        <mc:Choice xmlns:a14="http://schemas.microsoft.com/office/drawing/2010/main" Requires="a14">
+          <p:sp>
+            <p:nvSpPr>
+              <p:cNvPr id="259" name="TextBox 258">
+                <a:extLst>
+                  <a:ext uri="{FF2B5EF4-FFF2-40B4-BE49-F238E27FC236}">
+                    <a16:creationId xmlns:a16="http://schemas.microsoft.com/office/drawing/2014/main" id="{2A0F5E74-0527-F6E5-54DF-190B63ACB241}"/>
+                  </a:ext>
+                </a:extLst>
+              </p:cNvPr>
+              <p:cNvSpPr txBox="1"/>
+              <p:nvPr/>
+            </p:nvSpPr>
+            <p:spPr>
+              <a:xfrm>
+                <a:off x="5784602" y="1953694"/>
+                <a:ext cx="677173" cy="276999"/>
+              </a:xfrm>
+              <a:prstGeom prst="rect">
+                <a:avLst/>
+              </a:prstGeom>
+              <a:noFill/>
+            </p:spPr>
+            <p:txBody>
+              <a:bodyPr wrap="none" lIns="0" tIns="0" rIns="0" bIns="0" rtlCol="0">
+                <a:spAutoFit/>
+              </a:bodyPr>
+              <a:lstStyle/>
+              <a:p>
+                <a14:m>
+                  <m:oMathPara xmlns:m="http://schemas.openxmlformats.org/officeDocument/2006/math">
+                    <m:oMathParaPr>
+                      <m:jc m:val="centerGroup"/>
+                    </m:oMathParaPr>
+                    <m:oMath xmlns:m="http://schemas.openxmlformats.org/officeDocument/2006/math">
+                      <m:sSub>
+                        <m:sSubPr>
+                          <m:ctrlPr>
+                            <a:rPr lang="en-US" b="0" i="1" smtClean="0">
+                              <a:latin typeface="Cambria Math" panose="02040503050406030204" pitchFamily="18" charset="0"/>
+                            </a:rPr>
+                          </m:ctrlPr>
+                        </m:sSubPr>
+                        <m:e>
+                          <m:r>
+                            <a:rPr lang="en-US" b="0" i="1" smtClean="0">
+                              <a:latin typeface="Cambria Math" panose="02040503050406030204" pitchFamily="18" charset="0"/>
+                            </a:rPr>
+                            <m:t>𝑀</m:t>
+                          </m:r>
+                        </m:e>
+                        <m:sub>
+                          <m:sSup>
+                            <m:sSupPr>
+                              <m:ctrlPr>
+                                <a:rPr lang="en-US" b="0" i="1" smtClean="0">
+                                  <a:latin typeface="Cambria Math" panose="02040503050406030204" pitchFamily="18" charset="0"/>
+                                </a:rPr>
+                              </m:ctrlPr>
+                            </m:sSupPr>
+                            <m:e>
+                              <m:r>
+                                <a:rPr lang="en-US" b="0" i="1" smtClean="0">
+                                  <a:latin typeface="Cambria Math" panose="02040503050406030204" pitchFamily="18" charset="0"/>
+                                </a:rPr>
+                                <m:t>4</m:t>
+                              </m:r>
+                            </m:e>
+                            <m:sup>
+                              <m:r>
+                                <a:rPr lang="en-US" b="0" i="1" smtClean="0">
+                                  <a:latin typeface="Cambria Math" panose="02040503050406030204" pitchFamily="18" charset="0"/>
+                                </a:rPr>
+                                <m:t>𝑛</m:t>
+                              </m:r>
+                            </m:sup>
+                          </m:sSup>
+                          <m:r>
+                            <a:rPr lang="en-US" b="0" i="1" smtClean="0">
+                              <a:latin typeface="Cambria Math" panose="02040503050406030204" pitchFamily="18" charset="0"/>
+                            </a:rPr>
+                            <m:t>−1</m:t>
+                          </m:r>
+                        </m:sub>
+                      </m:sSub>
+                    </m:oMath>
+                  </m:oMathPara>
+                </a14:m>
+                <a:endParaRPr lang="en-US" dirty="0"/>
+              </a:p>
+            </p:txBody>
+          </p:sp>
+        </mc:Choice>
+        <mc:Fallback>
+          <p:sp>
+            <p:nvSpPr>
+              <p:cNvPr id="259" name="TextBox 258">
+                <a:extLst>
+                  <a:ext uri="{FF2B5EF4-FFF2-40B4-BE49-F238E27FC236}">
+                    <a16:creationId xmlns:a16="http://schemas.microsoft.com/office/drawing/2014/main" id="{2A0F5E74-0527-F6E5-54DF-190B63ACB241}"/>
+                  </a:ext>
+                </a:extLst>
+              </p:cNvPr>
+              <p:cNvSpPr txBox="1">
+                <a:spLocks noRot="1" noChangeAspect="1" noMove="1" noResize="1" noEditPoints="1" noAdjustHandles="1" noChangeArrowheads="1" noChangeShapeType="1" noTextEdit="1"/>
+              </p:cNvSpPr>
+              <p:nvPr/>
+            </p:nvSpPr>
+            <p:spPr>
+              <a:xfrm>
+                <a:off x="5784602" y="1953694"/>
+                <a:ext cx="677173" cy="276999"/>
+              </a:xfrm>
+              <a:prstGeom prst="rect">
+                <a:avLst/>
+              </a:prstGeom>
+              <a:blipFill>
+                <a:blip r:embed="rId8"/>
+                <a:stretch>
+                  <a:fillRect l="-8108" r="-2703" b="-15217"/>
+                </a:stretch>
+              </a:blipFill>
+            </p:spPr>
+            <p:txBody>
+              <a:bodyPr/>
+              <a:lstStyle/>
+              <a:p>
+                <a:r>
+                  <a:rPr lang="en-US">
+                    <a:noFill/>
+                  </a:rPr>
+                  <a:t> </a:t>
+                </a:r>
+              </a:p>
+            </p:txBody>
+          </p:sp>
+        </mc:Fallback>
+      </mc:AlternateContent>
+      <p:cxnSp>
+        <p:nvCxnSpPr>
+          <p:cNvPr id="260" name="Straight Arrow Connector 259">
+            <a:extLst>
+              <a:ext uri="{FF2B5EF4-FFF2-40B4-BE49-F238E27FC236}">
+                <a16:creationId xmlns:a16="http://schemas.microsoft.com/office/drawing/2014/main" id="{C4FB4F75-4400-BC75-885E-68E5883878D0}"/>
+              </a:ext>
+            </a:extLst>
+          </p:cNvPr>
+          <p:cNvCxnSpPr>
+            <a:cxnSpLocks/>
+            <a:stCxn id="258" idx="2"/>
+            <a:endCxn id="259" idx="0"/>
+          </p:cNvCxnSpPr>
+          <p:nvPr/>
+        </p:nvCxnSpPr>
+        <p:spPr>
+          <a:xfrm flipH="1">
+            <a:off x="6123189" y="1265945"/>
+            <a:ext cx="1" cy="687749"/>
+          </a:xfrm>
+          <a:prstGeom prst="straightConnector1">
+            <a:avLst/>
+          </a:prstGeom>
+          <a:ln>
+            <a:tailEnd type="triangle"/>
+          </a:ln>
+        </p:spPr>
+        <p:style>
+          <a:lnRef idx="1">
+            <a:schemeClr val="dk1"/>
+          </a:lnRef>
+          <a:fillRef idx="0">
+            <a:schemeClr val="dk1"/>
+          </a:fillRef>
+          <a:effectRef idx="0">
+            <a:schemeClr val="dk1"/>
+          </a:effectRef>
+          <a:fontRef idx="minor">
+            <a:schemeClr val="tx1"/>
+          </a:fontRef>
+        </p:style>
+      </p:cxnSp>
+      <mc:AlternateContent xmlns:mc="http://schemas.openxmlformats.org/markup-compatibility/2006">
+        <mc:Choice xmlns:a14="http://schemas.microsoft.com/office/drawing/2010/main" Requires="a14">
+          <p:sp>
+            <p:nvSpPr>
+              <p:cNvPr id="264" name="TextBox 263">
+                <a:extLst>
+                  <a:ext uri="{FF2B5EF4-FFF2-40B4-BE49-F238E27FC236}">
+                    <a16:creationId xmlns:a16="http://schemas.microsoft.com/office/drawing/2014/main" id="{C5A9547E-AF89-C30C-270D-7B60AA6227F9}"/>
+                  </a:ext>
+                </a:extLst>
+              </p:cNvPr>
+              <p:cNvSpPr txBox="1"/>
+              <p:nvPr/>
+            </p:nvSpPr>
+            <p:spPr>
+              <a:xfrm>
+                <a:off x="3720037" y="1948638"/>
+                <a:ext cx="142667" cy="276999"/>
+              </a:xfrm>
+              <a:prstGeom prst="rect">
+                <a:avLst/>
+              </a:prstGeom>
+              <a:noFill/>
+            </p:spPr>
+            <p:txBody>
+              <a:bodyPr wrap="none" lIns="0" tIns="0" rIns="0" bIns="0" rtlCol="0">
+                <a:spAutoFit/>
+              </a:bodyPr>
+              <a:lstStyle/>
+              <a:p>
+                <a14:m>
+                  <m:oMathPara xmlns:m="http://schemas.openxmlformats.org/officeDocument/2006/math">
+                    <m:oMathParaPr>
+                      <m:jc m:val="centerGroup"/>
+                    </m:oMathParaPr>
+                    <m:oMath xmlns:m="http://schemas.openxmlformats.org/officeDocument/2006/math">
+                      <m:r>
+                        <a:rPr lang="en-US" b="0" i="1" smtClean="0">
+                          <a:latin typeface="Cambria Math" panose="02040503050406030204" pitchFamily="18" charset="0"/>
+                        </a:rPr>
+                        <m:t>{</m:t>
+                      </m:r>
+                    </m:oMath>
+                  </m:oMathPara>
+                </a14:m>
+                <a:endParaRPr lang="en-US" dirty="0"/>
+              </a:p>
+            </p:txBody>
+          </p:sp>
+        </mc:Choice>
+        <mc:Fallback>
+          <p:sp>
+            <p:nvSpPr>
+              <p:cNvPr id="264" name="TextBox 263">
+                <a:extLst>
+                  <a:ext uri="{FF2B5EF4-FFF2-40B4-BE49-F238E27FC236}">
+                    <a16:creationId xmlns:a16="http://schemas.microsoft.com/office/drawing/2014/main" id="{C5A9547E-AF89-C30C-270D-7B60AA6227F9}"/>
+                  </a:ext>
+                </a:extLst>
+              </p:cNvPr>
+              <p:cNvSpPr txBox="1">
+                <a:spLocks noRot="1" noChangeAspect="1" noMove="1" noResize="1" noEditPoints="1" noAdjustHandles="1" noChangeArrowheads="1" noChangeShapeType="1" noTextEdit="1"/>
+              </p:cNvSpPr>
+              <p:nvPr/>
+            </p:nvSpPr>
+            <p:spPr>
+              <a:xfrm>
+                <a:off x="3720037" y="1948638"/>
+                <a:ext cx="142667" cy="276999"/>
+              </a:xfrm>
+              <a:prstGeom prst="rect">
+                <a:avLst/>
+              </a:prstGeom>
+              <a:blipFill>
+                <a:blip r:embed="rId9"/>
+                <a:stretch>
+                  <a:fillRect l="-58333" t="-4444" r="-58333" b="-37778"/>
+                </a:stretch>
+              </a:blipFill>
+            </p:spPr>
+            <p:txBody>
+              <a:bodyPr/>
+              <a:lstStyle/>
+              <a:p>
+                <a:r>
+                  <a:rPr lang="en-US">
+                    <a:noFill/>
+                  </a:rPr>
+                  <a:t> </a:t>
+                </a:r>
+              </a:p>
+            </p:txBody>
+          </p:sp>
+        </mc:Fallback>
+      </mc:AlternateContent>
+      <mc:AlternateContent xmlns:mc="http://schemas.openxmlformats.org/markup-compatibility/2006">
+        <mc:Choice xmlns:a14="http://schemas.microsoft.com/office/drawing/2010/main" Requires="a14">
+          <p:sp>
+            <p:nvSpPr>
+              <p:cNvPr id="265" name="TextBox 264">
+                <a:extLst>
+                  <a:ext uri="{FF2B5EF4-FFF2-40B4-BE49-F238E27FC236}">
+                    <a16:creationId xmlns:a16="http://schemas.microsoft.com/office/drawing/2014/main" id="{40C34BDF-1DDA-3693-2E30-903F87E480CF}"/>
+                  </a:ext>
+                </a:extLst>
+              </p:cNvPr>
+              <p:cNvSpPr txBox="1"/>
+              <p:nvPr/>
+            </p:nvSpPr>
+            <p:spPr>
+              <a:xfrm>
+                <a:off x="4271585" y="2324667"/>
+                <a:ext cx="253274" cy="276999"/>
+              </a:xfrm>
+              <a:prstGeom prst="rect">
+                <a:avLst/>
+              </a:prstGeom>
+              <a:noFill/>
+            </p:spPr>
+            <p:txBody>
+              <a:bodyPr wrap="none" lIns="0" tIns="0" rIns="0" bIns="0" rtlCol="0">
+                <a:spAutoFit/>
+              </a:bodyPr>
+              <a:lstStyle/>
+              <a:p>
+                <a14:m>
+                  <m:oMathPara xmlns:m="http://schemas.openxmlformats.org/officeDocument/2006/math">
+                    <m:oMathParaPr>
+                      <m:jc m:val="centerGroup"/>
+                    </m:oMathParaPr>
+                    <m:oMath xmlns:m="http://schemas.openxmlformats.org/officeDocument/2006/math">
+                      <m:r>
+                        <a:rPr lang="en-US" i="1" smtClean="0">
+                          <a:latin typeface="Cambria Math" panose="02040503050406030204" pitchFamily="18" charset="0"/>
+                          <a:ea typeface="Cambria Math" panose="02040503050406030204" pitchFamily="18" charset="0"/>
+                        </a:rPr>
+                        <m:t>⨁</m:t>
+                      </m:r>
+                    </m:oMath>
+                  </m:oMathPara>
+                </a14:m>
+                <a:endParaRPr lang="en-US" dirty="0"/>
+              </a:p>
+            </p:txBody>
+          </p:sp>
+        </mc:Choice>
+        <mc:Fallback>
+          <p:sp>
+            <p:nvSpPr>
+              <p:cNvPr id="265" name="TextBox 264">
+                <a:extLst>
+                  <a:ext uri="{FF2B5EF4-FFF2-40B4-BE49-F238E27FC236}">
+                    <a16:creationId xmlns:a16="http://schemas.microsoft.com/office/drawing/2014/main" id="{40C34BDF-1DDA-3693-2E30-903F87E480CF}"/>
+                  </a:ext>
+                </a:extLst>
+              </p:cNvPr>
+              <p:cNvSpPr txBox="1">
+                <a:spLocks noRot="1" noChangeAspect="1" noMove="1" noResize="1" noEditPoints="1" noAdjustHandles="1" noChangeArrowheads="1" noChangeShapeType="1" noTextEdit="1"/>
+              </p:cNvSpPr>
+              <p:nvPr/>
+            </p:nvSpPr>
+            <p:spPr>
+              <a:xfrm>
+                <a:off x="4271585" y="2324667"/>
+                <a:ext cx="253274" cy="276999"/>
+              </a:xfrm>
+              <a:prstGeom prst="rect">
+                <a:avLst/>
+              </a:prstGeom>
+              <a:blipFill>
+                <a:blip r:embed="rId10"/>
+                <a:stretch>
+                  <a:fillRect l="-26829" r="-26829" b="-17391"/>
+                </a:stretch>
+              </a:blipFill>
+            </p:spPr>
+            <p:txBody>
+              <a:bodyPr/>
+              <a:lstStyle/>
+              <a:p>
+                <a:r>
+                  <a:rPr lang="en-US">
+                    <a:noFill/>
+                  </a:rPr>
+                  <a:t> </a:t>
+                </a:r>
+              </a:p>
+            </p:txBody>
+          </p:sp>
+        </mc:Fallback>
+      </mc:AlternateContent>
+      <mc:AlternateContent xmlns:mc="http://schemas.openxmlformats.org/markup-compatibility/2006">
+        <mc:Choice xmlns:a14="http://schemas.microsoft.com/office/drawing/2010/main" Requires="a14">
+          <p:sp>
+            <p:nvSpPr>
+              <p:cNvPr id="267" name="TextBox 266">
+                <a:extLst>
+                  <a:ext uri="{FF2B5EF4-FFF2-40B4-BE49-F238E27FC236}">
+                    <a16:creationId xmlns:a16="http://schemas.microsoft.com/office/drawing/2014/main" id="{EDF1C3D5-5759-F33F-8206-7F3C1C9DC187}"/>
+                  </a:ext>
+                </a:extLst>
+              </p:cNvPr>
+              <p:cNvSpPr txBox="1"/>
+              <p:nvPr/>
+            </p:nvSpPr>
+            <p:spPr>
+              <a:xfrm>
+                <a:off x="5632580" y="2320118"/>
+                <a:ext cx="253274" cy="276999"/>
+              </a:xfrm>
+              <a:prstGeom prst="rect">
+                <a:avLst/>
+              </a:prstGeom>
+              <a:noFill/>
+            </p:spPr>
+            <p:txBody>
+              <a:bodyPr wrap="none" lIns="0" tIns="0" rIns="0" bIns="0" rtlCol="0">
+                <a:spAutoFit/>
+              </a:bodyPr>
+              <a:lstStyle/>
+              <a:p>
+                <a14:m>
+                  <m:oMathPara xmlns:m="http://schemas.openxmlformats.org/officeDocument/2006/math">
+                    <m:oMathParaPr>
+                      <m:jc m:val="centerGroup"/>
+                    </m:oMathParaPr>
+                    <m:oMath xmlns:m="http://schemas.openxmlformats.org/officeDocument/2006/math">
+                      <m:r>
+                        <a:rPr lang="en-US" i="1" smtClean="0">
+                          <a:latin typeface="Cambria Math" panose="02040503050406030204" pitchFamily="18" charset="0"/>
+                          <a:ea typeface="Cambria Math" panose="02040503050406030204" pitchFamily="18" charset="0"/>
+                        </a:rPr>
+                        <m:t>⨁</m:t>
+                      </m:r>
+                    </m:oMath>
+                  </m:oMathPara>
+                </a14:m>
+                <a:endParaRPr lang="en-US" dirty="0"/>
+              </a:p>
+            </p:txBody>
+          </p:sp>
+        </mc:Choice>
+        <mc:Fallback>
+          <p:sp>
+            <p:nvSpPr>
+              <p:cNvPr id="267" name="TextBox 266">
+                <a:extLst>
+                  <a:ext uri="{FF2B5EF4-FFF2-40B4-BE49-F238E27FC236}">
+                    <a16:creationId xmlns:a16="http://schemas.microsoft.com/office/drawing/2014/main" id="{EDF1C3D5-5759-F33F-8206-7F3C1C9DC187}"/>
+                  </a:ext>
+                </a:extLst>
+              </p:cNvPr>
+              <p:cNvSpPr txBox="1">
+                <a:spLocks noRot="1" noChangeAspect="1" noMove="1" noResize="1" noEditPoints="1" noAdjustHandles="1" noChangeArrowheads="1" noChangeShapeType="1" noTextEdit="1"/>
+              </p:cNvSpPr>
+              <p:nvPr/>
+            </p:nvSpPr>
+            <p:spPr>
+              <a:xfrm>
+                <a:off x="5632580" y="2320118"/>
+                <a:ext cx="253274" cy="276999"/>
+              </a:xfrm>
+              <a:prstGeom prst="rect">
+                <a:avLst/>
+              </a:prstGeom>
+              <a:blipFill>
+                <a:blip r:embed="rId11"/>
+                <a:stretch>
+                  <a:fillRect l="-26190" r="-23810" b="-20000"/>
+                </a:stretch>
+              </a:blipFill>
+            </p:spPr>
+            <p:txBody>
+              <a:bodyPr/>
+              <a:lstStyle/>
+              <a:p>
+                <a:r>
+                  <a:rPr lang="en-US">
+                    <a:noFill/>
+                  </a:rPr>
+                  <a:t> </a:t>
+                </a:r>
+              </a:p>
+            </p:txBody>
+          </p:sp>
+        </mc:Fallback>
+      </mc:AlternateContent>
+      <mc:AlternateContent xmlns:mc="http://schemas.openxmlformats.org/markup-compatibility/2006">
+        <mc:Choice xmlns:a14="http://schemas.microsoft.com/office/drawing/2010/main" Requires="a14">
+          <p:sp>
+            <p:nvSpPr>
+              <p:cNvPr id="268" name="TextBox 267">
+                <a:extLst>
+                  <a:ext uri="{FF2B5EF4-FFF2-40B4-BE49-F238E27FC236}">
+                    <a16:creationId xmlns:a16="http://schemas.microsoft.com/office/drawing/2014/main" id="{1A9D8F68-4BDC-8327-5D66-9387D3A1B227}"/>
+                  </a:ext>
+                </a:extLst>
+              </p:cNvPr>
+              <p:cNvSpPr txBox="1"/>
+              <p:nvPr/>
+            </p:nvSpPr>
+            <p:spPr>
+              <a:xfrm>
+                <a:off x="5215880" y="1948639"/>
+                <a:ext cx="226023" cy="276999"/>
+              </a:xfrm>
+              <a:prstGeom prst="rect">
+                <a:avLst/>
+              </a:prstGeom>
+              <a:noFill/>
+            </p:spPr>
+            <p:txBody>
+              <a:bodyPr wrap="none" lIns="0" tIns="0" rIns="0" bIns="0" rtlCol="0">
+                <a:spAutoFit/>
+              </a:bodyPr>
+              <a:lstStyle/>
+              <a:p>
+                <a14:m>
+                  <m:oMathPara xmlns:m="http://schemas.openxmlformats.org/officeDocument/2006/math">
+                    <m:oMathParaPr>
+                      <m:jc m:val="centerGroup"/>
+                    </m:oMathParaPr>
+                    <m:oMath xmlns:m="http://schemas.openxmlformats.org/officeDocument/2006/math">
+                      <m:r>
+                        <a:rPr lang="en-US" b="0" i="1" smtClean="0">
+                          <a:latin typeface="Cambria Math" panose="02040503050406030204" pitchFamily="18" charset="0"/>
+                          <a:ea typeface="Cambria Math" panose="02040503050406030204" pitchFamily="18" charset="0"/>
+                        </a:rPr>
+                        <m:t>…</m:t>
+                      </m:r>
+                    </m:oMath>
+                  </m:oMathPara>
+                </a14:m>
+                <a:endParaRPr lang="en-US" dirty="0"/>
+              </a:p>
+            </p:txBody>
+          </p:sp>
+        </mc:Choice>
+        <mc:Fallback>
+          <p:sp>
+            <p:nvSpPr>
+              <p:cNvPr id="268" name="TextBox 267">
+                <a:extLst>
+                  <a:ext uri="{FF2B5EF4-FFF2-40B4-BE49-F238E27FC236}">
+                    <a16:creationId xmlns:a16="http://schemas.microsoft.com/office/drawing/2014/main" id="{1A9D8F68-4BDC-8327-5D66-9387D3A1B227}"/>
+                  </a:ext>
+                </a:extLst>
+              </p:cNvPr>
+              <p:cNvSpPr txBox="1">
+                <a:spLocks noRot="1" noChangeAspect="1" noMove="1" noResize="1" noEditPoints="1" noAdjustHandles="1" noChangeArrowheads="1" noChangeShapeType="1" noTextEdit="1"/>
+              </p:cNvSpPr>
+              <p:nvPr/>
+            </p:nvSpPr>
+            <p:spPr>
+              <a:xfrm>
+                <a:off x="5215880" y="1948639"/>
+                <a:ext cx="226023" cy="276999"/>
+              </a:xfrm>
+              <a:prstGeom prst="rect">
+                <a:avLst/>
+              </a:prstGeom>
+              <a:blipFill>
+                <a:blip r:embed="rId12"/>
+                <a:stretch>
+                  <a:fillRect/>
+                </a:stretch>
+              </a:blipFill>
+            </p:spPr>
+            <p:txBody>
+              <a:bodyPr/>
+              <a:lstStyle/>
+              <a:p>
+                <a:r>
+                  <a:rPr lang="en-US">
+                    <a:noFill/>
+                  </a:rPr>
+                  <a:t> </a:t>
+                </a:r>
+              </a:p>
+            </p:txBody>
+          </p:sp>
+        </mc:Fallback>
+      </mc:AlternateContent>
+      <mc:AlternateContent xmlns:mc="http://schemas.openxmlformats.org/markup-compatibility/2006">
+        <mc:Choice xmlns:a14="http://schemas.microsoft.com/office/drawing/2010/main" Requires="a14">
+          <p:sp>
+            <p:nvSpPr>
+              <p:cNvPr id="269" name="TextBox 268">
+                <a:extLst>
+                  <a:ext uri="{FF2B5EF4-FFF2-40B4-BE49-F238E27FC236}">
+                    <a16:creationId xmlns:a16="http://schemas.microsoft.com/office/drawing/2014/main" id="{7ED42C85-55A3-BA9D-74FA-1D9E4D1FFE3A}"/>
+                  </a:ext>
+                </a:extLst>
+              </p:cNvPr>
+              <p:cNvSpPr txBox="1"/>
+              <p:nvPr/>
+            </p:nvSpPr>
+            <p:spPr>
+              <a:xfrm>
+                <a:off x="6408129" y="1948638"/>
+                <a:ext cx="142667" cy="276999"/>
+              </a:xfrm>
+              <a:prstGeom prst="rect">
+                <a:avLst/>
+              </a:prstGeom>
+              <a:noFill/>
+            </p:spPr>
+            <p:txBody>
+              <a:bodyPr wrap="none" lIns="0" tIns="0" rIns="0" bIns="0" rtlCol="0">
+                <a:spAutoFit/>
+              </a:bodyPr>
+              <a:lstStyle/>
+              <a:p>
+                <a14:m>
+                  <m:oMathPara xmlns:m="http://schemas.openxmlformats.org/officeDocument/2006/math">
+                    <m:oMathParaPr>
+                      <m:jc m:val="centerGroup"/>
+                    </m:oMathParaPr>
+                    <m:oMath xmlns:m="http://schemas.openxmlformats.org/officeDocument/2006/math">
+                      <m:r>
+                        <a:rPr lang="en-US" b="0" i="1" smtClean="0">
+                          <a:latin typeface="Cambria Math" panose="02040503050406030204" pitchFamily="18" charset="0"/>
+                        </a:rPr>
+                        <m:t>}</m:t>
+                      </m:r>
+                    </m:oMath>
+                  </m:oMathPara>
+                </a14:m>
+                <a:endParaRPr lang="en-US" dirty="0"/>
+              </a:p>
+            </p:txBody>
+          </p:sp>
+        </mc:Choice>
+        <mc:Fallback>
+          <p:sp>
+            <p:nvSpPr>
+              <p:cNvPr id="269" name="TextBox 268">
+                <a:extLst>
+                  <a:ext uri="{FF2B5EF4-FFF2-40B4-BE49-F238E27FC236}">
+                    <a16:creationId xmlns:a16="http://schemas.microsoft.com/office/drawing/2014/main" id="{7ED42C85-55A3-BA9D-74FA-1D9E4D1FFE3A}"/>
+                  </a:ext>
+                </a:extLst>
+              </p:cNvPr>
+              <p:cNvSpPr txBox="1">
+                <a:spLocks noRot="1" noChangeAspect="1" noMove="1" noResize="1" noEditPoints="1" noAdjustHandles="1" noChangeArrowheads="1" noChangeShapeType="1" noTextEdit="1"/>
+              </p:cNvSpPr>
+              <p:nvPr/>
+            </p:nvSpPr>
+            <p:spPr>
+              <a:xfrm>
+                <a:off x="6408129" y="1948638"/>
+                <a:ext cx="142667" cy="276999"/>
+              </a:xfrm>
+              <a:prstGeom prst="rect">
+                <a:avLst/>
+              </a:prstGeom>
+              <a:blipFill>
+                <a:blip r:embed="rId13"/>
+                <a:stretch>
+                  <a:fillRect l="-58333" t="-4444" r="-58333" b="-37778"/>
+                </a:stretch>
+              </a:blipFill>
+            </p:spPr>
+            <p:txBody>
+              <a:bodyPr/>
+              <a:lstStyle/>
+              <a:p>
+                <a:r>
+                  <a:rPr lang="en-US">
+                    <a:noFill/>
+                  </a:rPr>
+                  <a:t> </a:t>
+                </a:r>
+              </a:p>
+            </p:txBody>
+          </p:sp>
+        </mc:Fallback>
+      </mc:AlternateContent>
+      <mc:AlternateContent xmlns:mc="http://schemas.openxmlformats.org/markup-compatibility/2006">
+        <mc:Choice xmlns:a14="http://schemas.microsoft.com/office/drawing/2010/main" Requires="a14">
+          <p:sp>
+            <p:nvSpPr>
+              <p:cNvPr id="282" name="TextBox 281">
+                <a:extLst>
+                  <a:ext uri="{FF2B5EF4-FFF2-40B4-BE49-F238E27FC236}">
+                    <a16:creationId xmlns:a16="http://schemas.microsoft.com/office/drawing/2014/main" id="{2ED84B3D-E0F2-4559-6845-7555B260DFB8}"/>
+                  </a:ext>
+                </a:extLst>
+              </p:cNvPr>
+              <p:cNvSpPr txBox="1"/>
+              <p:nvPr/>
+            </p:nvSpPr>
+            <p:spPr>
+              <a:xfrm rot="16200000">
+                <a:off x="4273348" y="2560616"/>
+                <a:ext cx="226023" cy="276999"/>
+              </a:xfrm>
+              <a:prstGeom prst="rect">
+                <a:avLst/>
+              </a:prstGeom>
+              <a:noFill/>
+            </p:spPr>
+            <p:txBody>
+              <a:bodyPr wrap="none" lIns="0" tIns="0" rIns="0" bIns="0" rtlCol="0">
+                <a:spAutoFit/>
+              </a:bodyPr>
+              <a:lstStyle/>
+              <a:p>
+                <a14:m>
+                  <m:oMathPara xmlns:m="http://schemas.openxmlformats.org/officeDocument/2006/math">
+                    <m:oMathParaPr>
+                      <m:jc m:val="centerGroup"/>
+                    </m:oMathParaPr>
+                    <m:oMath xmlns:m="http://schemas.openxmlformats.org/officeDocument/2006/math">
+                      <m:r>
+                        <a:rPr lang="en-US" b="0" i="1" smtClean="0">
+                          <a:latin typeface="Cambria Math" panose="02040503050406030204" pitchFamily="18" charset="0"/>
+                        </a:rPr>
+                        <m:t>=</m:t>
+                      </m:r>
+                    </m:oMath>
+                  </m:oMathPara>
+                </a14:m>
+                <a:endParaRPr lang="en-US" dirty="0"/>
+              </a:p>
+            </p:txBody>
+          </p:sp>
+        </mc:Choice>
+        <mc:Fallback>
+          <p:sp>
+            <p:nvSpPr>
+              <p:cNvPr id="282" name="TextBox 281">
+                <a:extLst>
+                  <a:ext uri="{FF2B5EF4-FFF2-40B4-BE49-F238E27FC236}">
+                    <a16:creationId xmlns:a16="http://schemas.microsoft.com/office/drawing/2014/main" id="{2ED84B3D-E0F2-4559-6845-7555B260DFB8}"/>
+                  </a:ext>
+                </a:extLst>
+              </p:cNvPr>
+              <p:cNvSpPr txBox="1">
+                <a:spLocks noRot="1" noChangeAspect="1" noMove="1" noResize="1" noEditPoints="1" noAdjustHandles="1" noChangeArrowheads="1" noChangeShapeType="1" noTextEdit="1"/>
+              </p:cNvSpPr>
+              <p:nvPr/>
+            </p:nvSpPr>
+            <p:spPr>
+              <a:xfrm rot="16200000">
+                <a:off x="4273348" y="2560616"/>
+                <a:ext cx="226023" cy="276999"/>
+              </a:xfrm>
+              <a:prstGeom prst="rect">
+                <a:avLst/>
+              </a:prstGeom>
+              <a:blipFill>
+                <a:blip r:embed="rId14"/>
+                <a:stretch>
+                  <a:fillRect t="-8108" b="-13514"/>
+                </a:stretch>
+              </a:blipFill>
+            </p:spPr>
+            <p:txBody>
+              <a:bodyPr/>
+              <a:lstStyle/>
+              <a:p>
+                <a:r>
+                  <a:rPr lang="en-US">
+                    <a:noFill/>
+                  </a:rPr>
+                  <a:t> </a:t>
+                </a:r>
+              </a:p>
+            </p:txBody>
+          </p:sp>
+        </mc:Fallback>
+      </mc:AlternateContent>
+      <mc:AlternateContent xmlns:mc="http://schemas.openxmlformats.org/markup-compatibility/2006">
+        <mc:Choice xmlns:a14="http://schemas.microsoft.com/office/drawing/2010/main" Requires="a14">
+          <p:sp>
+            <p:nvSpPr>
+              <p:cNvPr id="283" name="TextBox 282">
+                <a:extLst>
+                  <a:ext uri="{FF2B5EF4-FFF2-40B4-BE49-F238E27FC236}">
+                    <a16:creationId xmlns:a16="http://schemas.microsoft.com/office/drawing/2014/main" id="{D7176C63-0C8C-65AD-CEEE-645FDFF08D97}"/>
+                  </a:ext>
+                </a:extLst>
+              </p:cNvPr>
+              <p:cNvSpPr txBox="1"/>
+              <p:nvPr/>
+            </p:nvSpPr>
+            <p:spPr>
+              <a:xfrm rot="16200000">
+                <a:off x="5646205" y="2571629"/>
+                <a:ext cx="226023" cy="276999"/>
+              </a:xfrm>
+              <a:prstGeom prst="rect">
+                <a:avLst/>
+              </a:prstGeom>
+              <a:noFill/>
+            </p:spPr>
+            <p:txBody>
+              <a:bodyPr wrap="none" lIns="0" tIns="0" rIns="0" bIns="0" rtlCol="0">
+                <a:spAutoFit/>
+              </a:bodyPr>
+              <a:lstStyle/>
+              <a:p>
+                <a14:m>
+                  <m:oMathPara xmlns:m="http://schemas.openxmlformats.org/officeDocument/2006/math">
+                    <m:oMathParaPr>
+                      <m:jc m:val="centerGroup"/>
+                    </m:oMathParaPr>
+                    <m:oMath xmlns:m="http://schemas.openxmlformats.org/officeDocument/2006/math">
+                      <m:r>
+                        <a:rPr lang="en-US" b="0" i="1" smtClean="0">
+                          <a:latin typeface="Cambria Math" panose="02040503050406030204" pitchFamily="18" charset="0"/>
+                        </a:rPr>
+                        <m:t>=</m:t>
+                      </m:r>
+                    </m:oMath>
+                  </m:oMathPara>
+                </a14:m>
+                <a:endParaRPr lang="en-US" dirty="0"/>
+              </a:p>
+            </p:txBody>
+          </p:sp>
+        </mc:Choice>
+        <mc:Fallback>
+          <p:sp>
+            <p:nvSpPr>
+              <p:cNvPr id="283" name="TextBox 282">
+                <a:extLst>
+                  <a:ext uri="{FF2B5EF4-FFF2-40B4-BE49-F238E27FC236}">
+                    <a16:creationId xmlns:a16="http://schemas.microsoft.com/office/drawing/2014/main" id="{D7176C63-0C8C-65AD-CEEE-645FDFF08D97}"/>
+                  </a:ext>
+                </a:extLst>
+              </p:cNvPr>
+              <p:cNvSpPr txBox="1">
+                <a:spLocks noRot="1" noChangeAspect="1" noMove="1" noResize="1" noEditPoints="1" noAdjustHandles="1" noChangeArrowheads="1" noChangeShapeType="1" noTextEdit="1"/>
+              </p:cNvSpPr>
+              <p:nvPr/>
+            </p:nvSpPr>
+            <p:spPr>
+              <a:xfrm rot="16200000">
+                <a:off x="5646205" y="2571629"/>
+                <a:ext cx="226023" cy="276999"/>
+              </a:xfrm>
+              <a:prstGeom prst="rect">
+                <a:avLst/>
+              </a:prstGeom>
+              <a:blipFill>
+                <a:blip r:embed="rId15"/>
+                <a:stretch>
+                  <a:fillRect t="-8108" b="-13514"/>
+                </a:stretch>
+              </a:blipFill>
+            </p:spPr>
+            <p:txBody>
+              <a:bodyPr/>
+              <a:lstStyle/>
+              <a:p>
+                <a:r>
+                  <a:rPr lang="en-US">
+                    <a:noFill/>
+                  </a:rPr>
+                  <a:t> </a:t>
+                </a:r>
+              </a:p>
+            </p:txBody>
+          </p:sp>
+        </mc:Fallback>
+      </mc:AlternateContent>
+      <mc:AlternateContent xmlns:mc="http://schemas.openxmlformats.org/markup-compatibility/2006">
+        <mc:Choice xmlns:a14="http://schemas.microsoft.com/office/drawing/2010/main" Requires="a14">
+          <p:sp>
+            <p:nvSpPr>
+              <p:cNvPr id="284" name="TextBox 283">
+                <a:extLst>
+                  <a:ext uri="{FF2B5EF4-FFF2-40B4-BE49-F238E27FC236}">
+                    <a16:creationId xmlns:a16="http://schemas.microsoft.com/office/drawing/2014/main" id="{722548AC-B03D-DC15-04E6-1FBE229BA651}"/>
+                  </a:ext>
+                </a:extLst>
+              </p:cNvPr>
+              <p:cNvSpPr txBox="1"/>
+              <p:nvPr/>
+            </p:nvSpPr>
+            <p:spPr>
+              <a:xfrm>
+                <a:off x="4157869" y="2823140"/>
+                <a:ext cx="476925" cy="289182"/>
+              </a:xfrm>
+              <a:prstGeom prst="rect">
+                <a:avLst/>
+              </a:prstGeom>
+              <a:noFill/>
+            </p:spPr>
+            <p:txBody>
+              <a:bodyPr wrap="none" lIns="0" tIns="0" rIns="0" bIns="0" rtlCol="0">
+                <a:spAutoFit/>
+              </a:bodyPr>
+              <a:lstStyle/>
+              <a:p>
+                <a14:m>
+                  <m:oMathPara xmlns:m="http://schemas.openxmlformats.org/officeDocument/2006/math">
+                    <m:oMathParaPr>
+                      <m:jc m:val="centerGroup"/>
+                    </m:oMathParaPr>
+                    <m:oMath xmlns:m="http://schemas.openxmlformats.org/officeDocument/2006/math">
+                      <m:sSub>
+                        <m:sSubPr>
+                          <m:ctrlPr>
+                            <a:rPr lang="en-US" b="0" i="1" smtClean="0">
+                              <a:latin typeface="Cambria Math" panose="02040503050406030204" pitchFamily="18" charset="0"/>
+                            </a:rPr>
+                          </m:ctrlPr>
+                        </m:sSubPr>
+                        <m:e>
+                          <m:r>
+                            <a:rPr lang="en-US" b="0" i="1" smtClean="0">
+                              <a:latin typeface="Cambria Math" panose="02040503050406030204" pitchFamily="18" charset="0"/>
+                            </a:rPr>
+                            <m:t>𝑀</m:t>
+                          </m:r>
+                        </m:e>
+                        <m:sub>
+                          <m:r>
+                            <a:rPr lang="en-US" b="0" i="1" smtClean="0">
+                              <a:latin typeface="Cambria Math" panose="02040503050406030204" pitchFamily="18" charset="0"/>
+                            </a:rPr>
+                            <m:t>0,1</m:t>
+                          </m:r>
+                        </m:sub>
+                      </m:sSub>
+                    </m:oMath>
+                  </m:oMathPara>
+                </a14:m>
+                <a:endParaRPr lang="en-US" dirty="0"/>
+              </a:p>
+            </p:txBody>
+          </p:sp>
+        </mc:Choice>
+        <mc:Fallback>
+          <p:sp>
+            <p:nvSpPr>
+              <p:cNvPr id="284" name="TextBox 283">
+                <a:extLst>
+                  <a:ext uri="{FF2B5EF4-FFF2-40B4-BE49-F238E27FC236}">
+                    <a16:creationId xmlns:a16="http://schemas.microsoft.com/office/drawing/2014/main" id="{722548AC-B03D-DC15-04E6-1FBE229BA651}"/>
+                  </a:ext>
+                </a:extLst>
+              </p:cNvPr>
+              <p:cNvSpPr txBox="1">
+                <a:spLocks noRot="1" noChangeAspect="1" noMove="1" noResize="1" noEditPoints="1" noAdjustHandles="1" noChangeArrowheads="1" noChangeShapeType="1" noTextEdit="1"/>
+              </p:cNvSpPr>
+              <p:nvPr/>
+            </p:nvSpPr>
+            <p:spPr>
+              <a:xfrm>
+                <a:off x="4157869" y="2823140"/>
+                <a:ext cx="476925" cy="289182"/>
+              </a:xfrm>
+              <a:prstGeom prst="rect">
+                <a:avLst/>
+              </a:prstGeom>
+              <a:blipFill>
+                <a:blip r:embed="rId16"/>
+                <a:stretch>
+                  <a:fillRect l="-10256" r="-6410" b="-12500"/>
+                </a:stretch>
+              </a:blipFill>
+            </p:spPr>
+            <p:txBody>
+              <a:bodyPr/>
+              <a:lstStyle/>
+              <a:p>
+                <a:r>
+                  <a:rPr lang="en-US">
+                    <a:noFill/>
+                  </a:rPr>
+                  <a:t> </a:t>
+                </a:r>
+              </a:p>
+            </p:txBody>
+          </p:sp>
+        </mc:Fallback>
+      </mc:AlternateContent>
+      <mc:AlternateContent xmlns:mc="http://schemas.openxmlformats.org/markup-compatibility/2006">
+        <mc:Choice xmlns:a14="http://schemas.microsoft.com/office/drawing/2010/main" Requires="a14">
+          <p:sp>
+            <p:nvSpPr>
+              <p:cNvPr id="287" name="TextBox 286">
+                <a:extLst>
+                  <a:ext uri="{FF2B5EF4-FFF2-40B4-BE49-F238E27FC236}">
+                    <a16:creationId xmlns:a16="http://schemas.microsoft.com/office/drawing/2014/main" id="{158DF546-204D-8384-31B6-3246DA13395C}"/>
+                  </a:ext>
+                </a:extLst>
+              </p:cNvPr>
+              <p:cNvSpPr txBox="1"/>
+              <p:nvPr/>
+            </p:nvSpPr>
+            <p:spPr>
+              <a:xfrm>
+                <a:off x="5399147" y="2827188"/>
+                <a:ext cx="1139863" cy="289182"/>
+              </a:xfrm>
+              <a:prstGeom prst="rect">
+                <a:avLst/>
+              </a:prstGeom>
+              <a:noFill/>
+            </p:spPr>
+            <p:txBody>
+              <a:bodyPr wrap="none" lIns="0" tIns="0" rIns="0" bIns="0" rtlCol="0">
+                <a:spAutoFit/>
+              </a:bodyPr>
+              <a:lstStyle/>
+              <a:p>
+                <a14:m>
+                  <m:oMathPara xmlns:m="http://schemas.openxmlformats.org/officeDocument/2006/math">
+                    <m:oMathParaPr>
+                      <m:jc m:val="centerGroup"/>
+                    </m:oMathParaPr>
+                    <m:oMath xmlns:m="http://schemas.openxmlformats.org/officeDocument/2006/math">
+                      <m:sSub>
+                        <m:sSubPr>
+                          <m:ctrlPr>
+                            <a:rPr lang="en-US" b="0" i="1" smtClean="0">
+                              <a:latin typeface="Cambria Math" panose="02040503050406030204" pitchFamily="18" charset="0"/>
+                            </a:rPr>
+                          </m:ctrlPr>
+                        </m:sSubPr>
+                        <m:e>
+                          <m:r>
+                            <a:rPr lang="en-US" b="0" i="1" smtClean="0">
+                              <a:latin typeface="Cambria Math" panose="02040503050406030204" pitchFamily="18" charset="0"/>
+                            </a:rPr>
+                            <m:t>𝑀</m:t>
+                          </m:r>
+                        </m:e>
+                        <m:sub>
+                          <m:sSup>
+                            <m:sSupPr>
+                              <m:ctrlPr>
+                                <a:rPr lang="en-US" b="0" i="1" smtClean="0">
+                                  <a:latin typeface="Cambria Math" panose="02040503050406030204" pitchFamily="18" charset="0"/>
+                                </a:rPr>
+                              </m:ctrlPr>
+                            </m:sSupPr>
+                            <m:e>
+                              <m:r>
+                                <a:rPr lang="en-US" b="0" i="1" smtClean="0">
+                                  <a:latin typeface="Cambria Math" panose="02040503050406030204" pitchFamily="18" charset="0"/>
+                                </a:rPr>
+                                <m:t>4</m:t>
+                              </m:r>
+                            </m:e>
+                            <m:sup>
+                              <m:r>
+                                <a:rPr lang="en-US" b="0" i="1" smtClean="0">
+                                  <a:latin typeface="Cambria Math" panose="02040503050406030204" pitchFamily="18" charset="0"/>
+                                </a:rPr>
+                                <m:t>𝑛</m:t>
+                              </m:r>
+                            </m:sup>
+                          </m:sSup>
+                          <m:r>
+                            <a:rPr lang="en-US" b="0" i="1" smtClean="0">
+                              <a:latin typeface="Cambria Math" panose="02040503050406030204" pitchFamily="18" charset="0"/>
+                            </a:rPr>
+                            <m:t>−</m:t>
+                          </m:r>
+                          <m:sSup>
+                            <m:sSupPr>
+                              <m:ctrlPr>
+                                <a:rPr lang="en-US" b="0" i="1" smtClean="0">
+                                  <a:latin typeface="Cambria Math" panose="02040503050406030204" pitchFamily="18" charset="0"/>
+                                </a:rPr>
+                              </m:ctrlPr>
+                            </m:sSupPr>
+                            <m:e>
+                              <m:r>
+                                <a:rPr lang="en-US" b="0" i="1" smtClean="0">
+                                  <a:latin typeface="Cambria Math" panose="02040503050406030204" pitchFamily="18" charset="0"/>
+                                </a:rPr>
+                                <m:t>2,4</m:t>
+                              </m:r>
+                            </m:e>
+                            <m:sup>
+                              <m:r>
+                                <a:rPr lang="en-US" b="0" i="1" smtClean="0">
+                                  <a:latin typeface="Cambria Math" panose="02040503050406030204" pitchFamily="18" charset="0"/>
+                                </a:rPr>
+                                <m:t>𝑛</m:t>
+                              </m:r>
+                            </m:sup>
+                          </m:sSup>
+                          <m:r>
+                            <a:rPr lang="en-US" b="0" i="1" smtClean="0">
+                              <a:latin typeface="Cambria Math" panose="02040503050406030204" pitchFamily="18" charset="0"/>
+                            </a:rPr>
+                            <m:t>−1</m:t>
+                          </m:r>
+                        </m:sub>
+                      </m:sSub>
+                    </m:oMath>
+                  </m:oMathPara>
+                </a14:m>
+                <a:endParaRPr lang="en-US" dirty="0"/>
+              </a:p>
+            </p:txBody>
+          </p:sp>
+        </mc:Choice>
+        <mc:Fallback>
+          <p:sp>
+            <p:nvSpPr>
+              <p:cNvPr id="287" name="TextBox 286">
+                <a:extLst>
+                  <a:ext uri="{FF2B5EF4-FFF2-40B4-BE49-F238E27FC236}">
+                    <a16:creationId xmlns:a16="http://schemas.microsoft.com/office/drawing/2014/main" id="{158DF546-204D-8384-31B6-3246DA13395C}"/>
+                  </a:ext>
+                </a:extLst>
+              </p:cNvPr>
+              <p:cNvSpPr txBox="1">
+                <a:spLocks noRot="1" noChangeAspect="1" noMove="1" noResize="1" noEditPoints="1" noAdjustHandles="1" noChangeArrowheads="1" noChangeShapeType="1" noTextEdit="1"/>
+              </p:cNvSpPr>
+              <p:nvPr/>
+            </p:nvSpPr>
+            <p:spPr>
+              <a:xfrm>
+                <a:off x="5399147" y="2827188"/>
+                <a:ext cx="1139863" cy="289182"/>
+              </a:xfrm>
+              <a:prstGeom prst="rect">
+                <a:avLst/>
+              </a:prstGeom>
+              <a:blipFill>
+                <a:blip r:embed="rId17"/>
+                <a:stretch>
+                  <a:fillRect l="-4813" r="-1604" b="-12766"/>
+                </a:stretch>
+              </a:blipFill>
+            </p:spPr>
+            <p:txBody>
+              <a:bodyPr/>
+              <a:lstStyle/>
+              <a:p>
+                <a:r>
+                  <a:rPr lang="en-US">
+                    <a:noFill/>
+                  </a:rPr>
+                  <a:t> </a:t>
+                </a:r>
+              </a:p>
+            </p:txBody>
+          </p:sp>
+        </mc:Fallback>
+      </mc:AlternateContent>
+      <p:sp>
+        <p:nvSpPr>
+          <p:cNvPr id="290" name="Left Brace 289">
+            <a:extLst>
+              <a:ext uri="{FF2B5EF4-FFF2-40B4-BE49-F238E27FC236}">
+                <a16:creationId xmlns:a16="http://schemas.microsoft.com/office/drawing/2014/main" id="{6C096D1C-8C3B-32BA-5FE9-B44061A9D271}"/>
+              </a:ext>
+            </a:extLst>
+          </p:cNvPr>
+          <p:cNvSpPr/>
+          <p:nvPr/>
+        </p:nvSpPr>
+        <p:spPr>
+          <a:xfrm rot="5400000" flipH="1">
+            <a:off x="4334816" y="1892740"/>
+            <a:ext cx="109666" cy="847039"/>
+          </a:xfrm>
+          <a:prstGeom prst="leftBrace">
+            <a:avLst>
+              <a:gd name="adj1" fmla="val 44503"/>
+              <a:gd name="adj2" fmla="val 50000"/>
+            </a:avLst>
+          </a:prstGeom>
+          <a:ln w="19050"/>
+        </p:spPr>
+        <p:style>
+          <a:lnRef idx="1">
+            <a:schemeClr val="dk1"/>
+          </a:lnRef>
+          <a:fillRef idx="0">
+            <a:schemeClr val="dk1"/>
+          </a:fillRef>
+          <a:effectRef idx="0">
+            <a:schemeClr val="dk1"/>
+          </a:effectRef>
+          <a:fontRef idx="minor">
+            <a:schemeClr val="tx1"/>
+          </a:fontRef>
+        </p:style>
+        <p:txBody>
+          <a:bodyPr rtlCol="0" anchor="ctr"/>
+          <a:lstStyle/>
+          <a:p>
+            <a:pPr algn="ctr"/>
+            <a:endParaRPr lang="en-US"/>
+          </a:p>
+        </p:txBody>
+      </p:sp>
+      <p:sp>
+        <p:nvSpPr>
+          <p:cNvPr id="291" name="Left Brace 290">
+            <a:extLst>
+              <a:ext uri="{FF2B5EF4-FFF2-40B4-BE49-F238E27FC236}">
+                <a16:creationId xmlns:a16="http://schemas.microsoft.com/office/drawing/2014/main" id="{B7B1C420-FF9D-B8E0-41C4-080B9FA5902A}"/>
+              </a:ext>
+            </a:extLst>
+          </p:cNvPr>
+          <p:cNvSpPr/>
+          <p:nvPr/>
+        </p:nvSpPr>
+        <p:spPr>
+          <a:xfrm rot="5400000" flipH="1">
+            <a:off x="5701985" y="1860296"/>
+            <a:ext cx="109666" cy="847039"/>
+          </a:xfrm>
+          <a:prstGeom prst="leftBrace">
+            <a:avLst>
+              <a:gd name="adj1" fmla="val 44503"/>
+              <a:gd name="adj2" fmla="val 50000"/>
+            </a:avLst>
+          </a:prstGeom>
+          <a:ln w="19050"/>
+        </p:spPr>
+        <p:style>
+          <a:lnRef idx="1">
+            <a:schemeClr val="dk1"/>
+          </a:lnRef>
+          <a:fillRef idx="0">
+            <a:schemeClr val="dk1"/>
+          </a:fillRef>
+          <a:effectRef idx="0">
+            <a:schemeClr val="dk1"/>
+          </a:effectRef>
+          <a:fontRef idx="minor">
+            <a:schemeClr val="tx1"/>
+          </a:fontRef>
+        </p:style>
+        <p:txBody>
+          <a:bodyPr rtlCol="0" anchor="ctr"/>
+          <a:lstStyle/>
+          <a:p>
+            <a:pPr algn="ctr"/>
+            <a:endParaRPr lang="en-US"/>
+          </a:p>
+        </p:txBody>
+      </p:sp>
+      <p:sp>
+        <p:nvSpPr>
+          <p:cNvPr id="295" name="Left Brace 294">
+            <a:extLst>
+              <a:ext uri="{FF2B5EF4-FFF2-40B4-BE49-F238E27FC236}">
+                <a16:creationId xmlns:a16="http://schemas.microsoft.com/office/drawing/2014/main" id="{7910D0B8-9137-7315-3EF9-040D7E03772E}"/>
+              </a:ext>
+            </a:extLst>
+          </p:cNvPr>
+          <p:cNvSpPr/>
+          <p:nvPr/>
+        </p:nvSpPr>
+        <p:spPr>
+          <a:xfrm rot="5400000" flipH="1">
+            <a:off x="4553197" y="2907519"/>
+            <a:ext cx="133364" cy="595332"/>
+          </a:xfrm>
+          <a:prstGeom prst="leftBrace">
+            <a:avLst>
+              <a:gd name="adj1" fmla="val 44503"/>
+              <a:gd name="adj2" fmla="val 50000"/>
+            </a:avLst>
+          </a:prstGeom>
+          <a:ln w="19050"/>
+        </p:spPr>
+        <p:style>
+          <a:lnRef idx="1">
+            <a:schemeClr val="dk1"/>
+          </a:lnRef>
+          <a:fillRef idx="0">
+            <a:schemeClr val="dk1"/>
+          </a:fillRef>
+          <a:effectRef idx="0">
+            <a:schemeClr val="dk1"/>
+          </a:effectRef>
+          <a:fontRef idx="minor">
+            <a:schemeClr val="tx1"/>
+          </a:fontRef>
+        </p:style>
+        <p:txBody>
+          <a:bodyPr rtlCol="0" anchor="ctr"/>
+          <a:lstStyle/>
+          <a:p>
+            <a:pPr algn="ctr"/>
+            <a:endParaRPr lang="en-US"/>
+          </a:p>
+        </p:txBody>
+      </p:sp>
+      <mc:AlternateContent xmlns:mc="http://schemas.openxmlformats.org/markup-compatibility/2006">
+        <mc:Choice xmlns:a14="http://schemas.microsoft.com/office/drawing/2010/main" Requires="a14">
+          <p:sp>
+            <p:nvSpPr>
+              <p:cNvPr id="296" name="TextBox 295">
+                <a:extLst>
+                  <a:ext uri="{FF2B5EF4-FFF2-40B4-BE49-F238E27FC236}">
+                    <a16:creationId xmlns:a16="http://schemas.microsoft.com/office/drawing/2014/main" id="{AF90AFC8-7CBD-280C-0EBC-A0705D596DD6}"/>
+                  </a:ext>
+                </a:extLst>
+              </p:cNvPr>
+              <p:cNvSpPr txBox="1"/>
+              <p:nvPr/>
+            </p:nvSpPr>
+            <p:spPr>
+              <a:xfrm rot="5400000">
+                <a:off x="4569309" y="3246380"/>
+                <a:ext cx="226023" cy="276999"/>
+              </a:xfrm>
+              <a:prstGeom prst="rect">
+                <a:avLst/>
+              </a:prstGeom>
+              <a:noFill/>
+            </p:spPr>
+            <p:txBody>
+              <a:bodyPr wrap="none" lIns="0" tIns="0" rIns="0" bIns="0" rtlCol="0">
+                <a:spAutoFit/>
+              </a:bodyPr>
+              <a:lstStyle/>
+              <a:p>
+                <a14:m>
+                  <m:oMathPara xmlns:m="http://schemas.openxmlformats.org/officeDocument/2006/math">
+                    <m:oMathParaPr>
+                      <m:jc m:val="centerGroup"/>
+                    </m:oMathParaPr>
+                    <m:oMath xmlns:m="http://schemas.openxmlformats.org/officeDocument/2006/math">
+                      <m:r>
+                        <a:rPr lang="en-US" b="0" i="1" smtClean="0">
+                          <a:latin typeface="Cambria Math" panose="02040503050406030204" pitchFamily="18" charset="0"/>
+                          <a:ea typeface="Cambria Math" panose="02040503050406030204" pitchFamily="18" charset="0"/>
+                        </a:rPr>
+                        <m:t>…</m:t>
+                      </m:r>
+                    </m:oMath>
+                  </m:oMathPara>
+                </a14:m>
+                <a:endParaRPr lang="en-US" dirty="0"/>
+              </a:p>
+            </p:txBody>
+          </p:sp>
+        </mc:Choice>
+        <mc:Fallback>
+          <p:sp>
+            <p:nvSpPr>
+              <p:cNvPr id="296" name="TextBox 295">
+                <a:extLst>
+                  <a:ext uri="{FF2B5EF4-FFF2-40B4-BE49-F238E27FC236}">
+                    <a16:creationId xmlns:a16="http://schemas.microsoft.com/office/drawing/2014/main" id="{AF90AFC8-7CBD-280C-0EBC-A0705D596DD6}"/>
+                  </a:ext>
+                </a:extLst>
+              </p:cNvPr>
+              <p:cNvSpPr txBox="1">
+                <a:spLocks noRot="1" noChangeAspect="1" noMove="1" noResize="1" noEditPoints="1" noAdjustHandles="1" noChangeArrowheads="1" noChangeShapeType="1" noTextEdit="1"/>
+              </p:cNvSpPr>
+              <p:nvPr/>
+            </p:nvSpPr>
+            <p:spPr>
+              <a:xfrm rot="5400000">
+                <a:off x="4569309" y="3246380"/>
+                <a:ext cx="226023" cy="276999"/>
+              </a:xfrm>
+              <a:prstGeom prst="rect">
+                <a:avLst/>
+              </a:prstGeom>
+              <a:blipFill>
+                <a:blip r:embed="rId18"/>
+                <a:stretch>
+                  <a:fillRect/>
+                </a:stretch>
+              </a:blipFill>
+            </p:spPr>
+            <p:txBody>
+              <a:bodyPr/>
+              <a:lstStyle/>
+              <a:p>
+                <a:r>
+                  <a:rPr lang="en-US">
+                    <a:noFill/>
+                  </a:rPr>
+                  <a:t> </a:t>
+                </a:r>
+              </a:p>
+            </p:txBody>
+          </p:sp>
+        </mc:Fallback>
+      </mc:AlternateContent>
+      <mc:AlternateContent xmlns:mc="http://schemas.openxmlformats.org/markup-compatibility/2006">
+        <mc:Choice xmlns:a14="http://schemas.microsoft.com/office/drawing/2010/main" Requires="a14">
+          <p:sp>
+            <p:nvSpPr>
+              <p:cNvPr id="297" name="TextBox 296">
+                <a:extLst>
+                  <a:ext uri="{FF2B5EF4-FFF2-40B4-BE49-F238E27FC236}">
+                    <a16:creationId xmlns:a16="http://schemas.microsoft.com/office/drawing/2014/main" id="{3E7F85F4-E0BD-BD61-70E3-8D81F5397E36}"/>
+                  </a:ext>
+                </a:extLst>
+              </p:cNvPr>
+              <p:cNvSpPr txBox="1"/>
+              <p:nvPr/>
+            </p:nvSpPr>
+            <p:spPr>
+              <a:xfrm>
+                <a:off x="4803307" y="2848832"/>
+                <a:ext cx="226023" cy="276999"/>
+              </a:xfrm>
+              <a:prstGeom prst="rect">
+                <a:avLst/>
+              </a:prstGeom>
+              <a:noFill/>
+            </p:spPr>
+            <p:txBody>
+              <a:bodyPr wrap="none" lIns="0" tIns="0" rIns="0" bIns="0" rtlCol="0">
+                <a:spAutoFit/>
+              </a:bodyPr>
+              <a:lstStyle/>
+              <a:p>
+                <a14:m>
+                  <m:oMathPara xmlns:m="http://schemas.openxmlformats.org/officeDocument/2006/math">
+                    <m:oMathParaPr>
+                      <m:jc m:val="centerGroup"/>
+                    </m:oMathParaPr>
+                    <m:oMath xmlns:m="http://schemas.openxmlformats.org/officeDocument/2006/math">
+                      <m:r>
+                        <a:rPr lang="en-US" b="0" i="1" smtClean="0">
+                          <a:latin typeface="Cambria Math" panose="02040503050406030204" pitchFamily="18" charset="0"/>
+                          <a:ea typeface="Cambria Math" panose="02040503050406030204" pitchFamily="18" charset="0"/>
+                        </a:rPr>
+                        <m:t>…</m:t>
+                      </m:r>
+                    </m:oMath>
+                  </m:oMathPara>
+                </a14:m>
+                <a:endParaRPr lang="en-US" dirty="0"/>
+              </a:p>
+            </p:txBody>
+          </p:sp>
+        </mc:Choice>
+        <mc:Fallback>
+          <p:sp>
+            <p:nvSpPr>
+              <p:cNvPr id="297" name="TextBox 296">
+                <a:extLst>
+                  <a:ext uri="{FF2B5EF4-FFF2-40B4-BE49-F238E27FC236}">
+                    <a16:creationId xmlns:a16="http://schemas.microsoft.com/office/drawing/2014/main" id="{3E7F85F4-E0BD-BD61-70E3-8D81F5397E36}"/>
+                  </a:ext>
+                </a:extLst>
+              </p:cNvPr>
+              <p:cNvSpPr txBox="1">
+                <a:spLocks noRot="1" noChangeAspect="1" noMove="1" noResize="1" noEditPoints="1" noAdjustHandles="1" noChangeArrowheads="1" noChangeShapeType="1" noTextEdit="1"/>
+              </p:cNvSpPr>
+              <p:nvPr/>
+            </p:nvSpPr>
+            <p:spPr>
+              <a:xfrm>
+                <a:off x="4803307" y="2848832"/>
+                <a:ext cx="226023" cy="276999"/>
+              </a:xfrm>
+              <a:prstGeom prst="rect">
+                <a:avLst/>
+              </a:prstGeom>
+              <a:blipFill>
+                <a:blip r:embed="rId19"/>
+                <a:stretch>
+                  <a:fillRect/>
+                </a:stretch>
+              </a:blipFill>
+            </p:spPr>
+            <p:txBody>
+              <a:bodyPr/>
+              <a:lstStyle/>
+              <a:p>
+                <a:r>
+                  <a:rPr lang="en-US">
+                    <a:noFill/>
+                  </a:rPr>
+                  <a:t> </a:t>
+                </a:r>
+              </a:p>
+            </p:txBody>
+          </p:sp>
+        </mc:Fallback>
+      </mc:AlternateContent>
+      <p:sp>
+        <p:nvSpPr>
+          <p:cNvPr id="298" name="Left Brace 297">
+            <a:extLst>
+              <a:ext uri="{FF2B5EF4-FFF2-40B4-BE49-F238E27FC236}">
+                <a16:creationId xmlns:a16="http://schemas.microsoft.com/office/drawing/2014/main" id="{66DDFAA7-DCE2-CD23-ED1E-CF22F381101C}"/>
+              </a:ext>
+            </a:extLst>
+          </p:cNvPr>
+          <p:cNvSpPr/>
+          <p:nvPr/>
+        </p:nvSpPr>
+        <p:spPr>
+          <a:xfrm rot="5400000" flipH="1">
+            <a:off x="5438358" y="2908623"/>
+            <a:ext cx="109666" cy="569425"/>
+          </a:xfrm>
+          <a:prstGeom prst="leftBrace">
+            <a:avLst>
+              <a:gd name="adj1" fmla="val 44503"/>
+              <a:gd name="adj2" fmla="val 50000"/>
+            </a:avLst>
+          </a:prstGeom>
+          <a:ln w="19050"/>
+        </p:spPr>
+        <p:style>
+          <a:lnRef idx="1">
+            <a:schemeClr val="dk1"/>
+          </a:lnRef>
+          <a:fillRef idx="0">
+            <a:schemeClr val="dk1"/>
+          </a:fillRef>
+          <a:effectRef idx="0">
+            <a:schemeClr val="dk1"/>
+          </a:effectRef>
+          <a:fontRef idx="minor">
+            <a:schemeClr val="tx1"/>
+          </a:fontRef>
+        </p:style>
+        <p:txBody>
+          <a:bodyPr rtlCol="0" anchor="ctr"/>
+          <a:lstStyle/>
+          <a:p>
+            <a:pPr algn="ctr"/>
+            <a:endParaRPr lang="en-US"/>
+          </a:p>
+        </p:txBody>
+      </p:sp>
+      <mc:AlternateContent xmlns:mc="http://schemas.openxmlformats.org/markup-compatibility/2006">
+        <mc:Choice xmlns:a14="http://schemas.microsoft.com/office/drawing/2010/main" Requires="a14">
+          <p:sp>
+            <p:nvSpPr>
+              <p:cNvPr id="299" name="TextBox 298">
+                <a:extLst>
+                  <a:ext uri="{FF2B5EF4-FFF2-40B4-BE49-F238E27FC236}">
+                    <a16:creationId xmlns:a16="http://schemas.microsoft.com/office/drawing/2014/main" id="{ECAB19B4-8860-2F76-A1B4-117C05076428}"/>
+                  </a:ext>
+                </a:extLst>
+              </p:cNvPr>
+              <p:cNvSpPr txBox="1"/>
+              <p:nvPr/>
+            </p:nvSpPr>
+            <p:spPr>
+              <a:xfrm rot="5400000">
+                <a:off x="5439242" y="3246379"/>
+                <a:ext cx="226023" cy="276999"/>
+              </a:xfrm>
+              <a:prstGeom prst="rect">
+                <a:avLst/>
+              </a:prstGeom>
+              <a:noFill/>
+            </p:spPr>
+            <p:txBody>
+              <a:bodyPr wrap="none" lIns="0" tIns="0" rIns="0" bIns="0" rtlCol="0">
+                <a:spAutoFit/>
+              </a:bodyPr>
+              <a:lstStyle/>
+              <a:p>
+                <a14:m>
+                  <m:oMathPara xmlns:m="http://schemas.openxmlformats.org/officeDocument/2006/math">
+                    <m:oMathParaPr>
+                      <m:jc m:val="centerGroup"/>
+                    </m:oMathParaPr>
+                    <m:oMath xmlns:m="http://schemas.openxmlformats.org/officeDocument/2006/math">
+                      <m:r>
+                        <a:rPr lang="en-US" b="0" i="1" smtClean="0">
+                          <a:latin typeface="Cambria Math" panose="02040503050406030204" pitchFamily="18" charset="0"/>
+                          <a:ea typeface="Cambria Math" panose="02040503050406030204" pitchFamily="18" charset="0"/>
+                        </a:rPr>
+                        <m:t>…</m:t>
+                      </m:r>
+                    </m:oMath>
+                  </m:oMathPara>
+                </a14:m>
+                <a:endParaRPr lang="en-US" dirty="0"/>
+              </a:p>
+            </p:txBody>
+          </p:sp>
+        </mc:Choice>
+        <mc:Fallback>
+          <p:sp>
+            <p:nvSpPr>
+              <p:cNvPr id="299" name="TextBox 298">
+                <a:extLst>
+                  <a:ext uri="{FF2B5EF4-FFF2-40B4-BE49-F238E27FC236}">
+                    <a16:creationId xmlns:a16="http://schemas.microsoft.com/office/drawing/2014/main" id="{ECAB19B4-8860-2F76-A1B4-117C05076428}"/>
+                  </a:ext>
+                </a:extLst>
+              </p:cNvPr>
+              <p:cNvSpPr txBox="1">
+                <a:spLocks noRot="1" noChangeAspect="1" noMove="1" noResize="1" noEditPoints="1" noAdjustHandles="1" noChangeArrowheads="1" noChangeShapeType="1" noTextEdit="1"/>
+              </p:cNvSpPr>
+              <p:nvPr/>
+            </p:nvSpPr>
+            <p:spPr>
+              <a:xfrm rot="5400000">
+                <a:off x="5439242" y="3246379"/>
+                <a:ext cx="226023" cy="276999"/>
+              </a:xfrm>
+              <a:prstGeom prst="rect">
+                <a:avLst/>
+              </a:prstGeom>
+              <a:blipFill>
+                <a:blip r:embed="rId20"/>
+                <a:stretch>
+                  <a:fillRect/>
+                </a:stretch>
+              </a:blipFill>
+            </p:spPr>
+            <p:txBody>
+              <a:bodyPr/>
+              <a:lstStyle/>
+              <a:p>
+                <a:r>
+                  <a:rPr lang="en-US">
+                    <a:noFill/>
+                  </a:rPr>
+                  <a:t> </a:t>
+                </a:r>
+              </a:p>
+            </p:txBody>
+          </p:sp>
+        </mc:Fallback>
+      </mc:AlternateContent>
+      <mc:AlternateContent xmlns:mc="http://schemas.openxmlformats.org/markup-compatibility/2006">
+        <mc:Choice xmlns:a14="http://schemas.microsoft.com/office/drawing/2010/main" Requires="a14">
+          <p:sp>
+            <p:nvSpPr>
+              <p:cNvPr id="300" name="TextBox 299">
+                <a:extLst>
+                  <a:ext uri="{FF2B5EF4-FFF2-40B4-BE49-F238E27FC236}">
+                    <a16:creationId xmlns:a16="http://schemas.microsoft.com/office/drawing/2014/main" id="{6FB5538E-9A60-2335-11B6-36A51B2CC354}"/>
+                  </a:ext>
+                </a:extLst>
+              </p:cNvPr>
+              <p:cNvSpPr txBox="1"/>
+              <p:nvPr/>
+            </p:nvSpPr>
+            <p:spPr>
+              <a:xfrm>
+                <a:off x="5071025" y="3755497"/>
+                <a:ext cx="392543" cy="276999"/>
+              </a:xfrm>
+              <a:prstGeom prst="rect">
+                <a:avLst/>
+              </a:prstGeom>
+              <a:noFill/>
+            </p:spPr>
+            <p:txBody>
+              <a:bodyPr wrap="none" lIns="0" tIns="0" rIns="0" bIns="0" rtlCol="0">
+                <a:spAutoFit/>
+              </a:bodyPr>
+              <a:lstStyle/>
+              <a:p>
+                <a14:m>
+                  <m:oMathPara xmlns:m="http://schemas.openxmlformats.org/officeDocument/2006/math">
+                    <m:oMathParaPr>
+                      <m:jc m:val="centerGroup"/>
+                    </m:oMathParaPr>
+                    <m:oMath xmlns:m="http://schemas.openxmlformats.org/officeDocument/2006/math">
+                      <m:sSub>
+                        <m:sSubPr>
+                          <m:ctrlPr>
+                            <a:rPr lang="en-US" b="0" i="1" smtClean="0">
+                              <a:latin typeface="Cambria Math" panose="02040503050406030204" pitchFamily="18" charset="0"/>
+                              <a:ea typeface="Cambria Math" panose="02040503050406030204" pitchFamily="18" charset="0"/>
+                            </a:rPr>
+                          </m:ctrlPr>
+                        </m:sSubPr>
+                        <m:e>
+                          <m:r>
+                            <a:rPr lang="en-US" i="1" smtClean="0">
+                              <a:latin typeface="Cambria Math" panose="02040503050406030204" pitchFamily="18" charset="0"/>
+                              <a:ea typeface="Cambria Math" panose="02040503050406030204" pitchFamily="18" charset="0"/>
+                            </a:rPr>
+                            <m:t>ℳ</m:t>
+                          </m:r>
+                        </m:e>
+                        <m:sub>
+                          <m:r>
+                            <a:rPr lang="en-US" b="0" i="1" smtClean="0">
+                              <a:latin typeface="Cambria Math" panose="02040503050406030204" pitchFamily="18" charset="0"/>
+                              <a:ea typeface="Cambria Math" panose="02040503050406030204" pitchFamily="18" charset="0"/>
+                            </a:rPr>
+                            <m:t>0</m:t>
+                          </m:r>
+                        </m:sub>
+                      </m:sSub>
+                    </m:oMath>
+                  </m:oMathPara>
+                </a14:m>
+                <a:endParaRPr lang="en-US" dirty="0"/>
+              </a:p>
+            </p:txBody>
+          </p:sp>
+        </mc:Choice>
+        <mc:Fallback>
+          <p:sp>
+            <p:nvSpPr>
+              <p:cNvPr id="300" name="TextBox 299">
+                <a:extLst>
+                  <a:ext uri="{FF2B5EF4-FFF2-40B4-BE49-F238E27FC236}">
+                    <a16:creationId xmlns:a16="http://schemas.microsoft.com/office/drawing/2014/main" id="{6FB5538E-9A60-2335-11B6-36A51B2CC354}"/>
+                  </a:ext>
+                </a:extLst>
+              </p:cNvPr>
+              <p:cNvSpPr txBox="1">
+                <a:spLocks noRot="1" noChangeAspect="1" noMove="1" noResize="1" noEditPoints="1" noAdjustHandles="1" noChangeArrowheads="1" noChangeShapeType="1" noTextEdit="1"/>
+              </p:cNvSpPr>
+              <p:nvPr/>
+            </p:nvSpPr>
+            <p:spPr>
+              <a:xfrm>
+                <a:off x="5071025" y="3755497"/>
+                <a:ext cx="392543" cy="276999"/>
+              </a:xfrm>
+              <a:prstGeom prst="rect">
+                <a:avLst/>
+              </a:prstGeom>
+              <a:blipFill>
+                <a:blip r:embed="rId21"/>
+                <a:stretch>
+                  <a:fillRect l="-14063" r="-6250" b="-17778"/>
+                </a:stretch>
+              </a:blipFill>
+            </p:spPr>
+            <p:txBody>
+              <a:bodyPr/>
+              <a:lstStyle/>
+              <a:p>
+                <a:r>
+                  <a:rPr lang="en-US">
+                    <a:noFill/>
+                  </a:rPr>
+                  <a:t> </a:t>
+                </a:r>
+              </a:p>
+            </p:txBody>
+          </p:sp>
+        </mc:Fallback>
+      </mc:AlternateContent>
+      <mc:AlternateContent xmlns:mc="http://schemas.openxmlformats.org/markup-compatibility/2006">
+        <mc:Choice xmlns:a14="http://schemas.microsoft.com/office/drawing/2010/main" Requires="a14">
+          <p:sp>
+            <p:nvSpPr>
+              <p:cNvPr id="330" name="TextBox 329">
+                <a:extLst>
+                  <a:ext uri="{FF2B5EF4-FFF2-40B4-BE49-F238E27FC236}">
+                    <a16:creationId xmlns:a16="http://schemas.microsoft.com/office/drawing/2014/main" id="{9E2A3599-DBBF-9A64-EC72-D290C8009DF0}"/>
+                  </a:ext>
+                </a:extLst>
+              </p:cNvPr>
+              <p:cNvSpPr txBox="1"/>
+              <p:nvPr/>
+            </p:nvSpPr>
+            <p:spPr>
+              <a:xfrm>
+                <a:off x="6864209" y="984015"/>
+                <a:ext cx="226023" cy="276999"/>
+              </a:xfrm>
+              <a:prstGeom prst="rect">
+                <a:avLst/>
+              </a:prstGeom>
+              <a:noFill/>
+            </p:spPr>
+            <p:txBody>
+              <a:bodyPr wrap="none" lIns="0" tIns="0" rIns="0" bIns="0" rtlCol="0">
+                <a:spAutoFit/>
+              </a:bodyPr>
+              <a:lstStyle/>
+              <a:p>
+                <a14:m>
+                  <m:oMathPara xmlns:m="http://schemas.openxmlformats.org/officeDocument/2006/math">
+                    <m:oMathParaPr>
+                      <m:jc m:val="centerGroup"/>
+                    </m:oMathParaPr>
+                    <m:oMath xmlns:m="http://schemas.openxmlformats.org/officeDocument/2006/math">
+                      <m:r>
+                        <a:rPr lang="en-US" b="0" i="1" smtClean="0">
+                          <a:latin typeface="Cambria Math" panose="02040503050406030204" pitchFamily="18" charset="0"/>
+                        </a:rPr>
+                        <m:t>…</m:t>
+                      </m:r>
+                    </m:oMath>
+                  </m:oMathPara>
+                </a14:m>
+                <a:endParaRPr lang="en-US" dirty="0"/>
+              </a:p>
+            </p:txBody>
+          </p:sp>
+        </mc:Choice>
+        <mc:Fallback>
+          <p:sp>
+            <p:nvSpPr>
+              <p:cNvPr id="330" name="TextBox 329">
+                <a:extLst>
+                  <a:ext uri="{FF2B5EF4-FFF2-40B4-BE49-F238E27FC236}">
+                    <a16:creationId xmlns:a16="http://schemas.microsoft.com/office/drawing/2014/main" id="{9E2A3599-DBBF-9A64-EC72-D290C8009DF0}"/>
+                  </a:ext>
+                </a:extLst>
+              </p:cNvPr>
+              <p:cNvSpPr txBox="1">
+                <a:spLocks noRot="1" noChangeAspect="1" noMove="1" noResize="1" noEditPoints="1" noAdjustHandles="1" noChangeArrowheads="1" noChangeShapeType="1" noTextEdit="1"/>
+              </p:cNvSpPr>
+              <p:nvPr/>
+            </p:nvSpPr>
+            <p:spPr>
+              <a:xfrm>
+                <a:off x="6864209" y="984015"/>
+                <a:ext cx="226023" cy="276999"/>
+              </a:xfrm>
+              <a:prstGeom prst="rect">
+                <a:avLst/>
+              </a:prstGeom>
+              <a:blipFill>
+                <a:blip r:embed="rId22"/>
+                <a:stretch>
+                  <a:fillRect/>
+                </a:stretch>
+              </a:blipFill>
+            </p:spPr>
+            <p:txBody>
+              <a:bodyPr/>
+              <a:lstStyle/>
+              <a:p>
+                <a:r>
+                  <a:rPr lang="en-US">
+                    <a:noFill/>
+                  </a:rPr>
+                  <a:t> </a:t>
+                </a:r>
+              </a:p>
+            </p:txBody>
+          </p:sp>
+        </mc:Fallback>
+      </mc:AlternateContent>
+      <p:cxnSp>
+        <p:nvCxnSpPr>
+          <p:cNvPr id="332" name="Straight Connector 331">
+            <a:extLst>
+              <a:ext uri="{FF2B5EF4-FFF2-40B4-BE49-F238E27FC236}">
+                <a16:creationId xmlns:a16="http://schemas.microsoft.com/office/drawing/2014/main" id="{3248CD7D-D557-41CA-F78D-4CF14C70126D}"/>
+              </a:ext>
+            </a:extLst>
+          </p:cNvPr>
+          <p:cNvCxnSpPr>
+            <a:cxnSpLocks/>
+          </p:cNvCxnSpPr>
+          <p:nvPr/>
+        </p:nvCxnSpPr>
+        <p:spPr>
+          <a:xfrm>
+            <a:off x="5128886" y="645994"/>
+            <a:ext cx="0" cy="1692655"/>
+          </a:xfrm>
+          <a:prstGeom prst="line">
+            <a:avLst/>
+          </a:prstGeom>
+          <a:ln>
+            <a:prstDash val="dash"/>
+          </a:ln>
+        </p:spPr>
+        <p:style>
+          <a:lnRef idx="1">
+            <a:schemeClr val="dk1"/>
+          </a:lnRef>
+          <a:fillRef idx="0">
+            <a:schemeClr val="dk1"/>
+          </a:fillRef>
+          <a:effectRef idx="0">
+            <a:schemeClr val="dk1"/>
+          </a:effectRef>
+          <a:fontRef idx="minor">
+            <a:schemeClr val="tx1"/>
+          </a:fontRef>
+        </p:style>
+      </p:cxnSp>
+      <p:cxnSp>
+        <p:nvCxnSpPr>
+          <p:cNvPr id="333" name="Straight Connector 332">
+            <a:extLst>
+              <a:ext uri="{FF2B5EF4-FFF2-40B4-BE49-F238E27FC236}">
+                <a16:creationId xmlns:a16="http://schemas.microsoft.com/office/drawing/2014/main" id="{DABF82E8-A22F-F50D-10E6-8CFC949F2C95}"/>
+              </a:ext>
+            </a:extLst>
+          </p:cNvPr>
+          <p:cNvCxnSpPr>
+            <a:cxnSpLocks/>
+          </p:cNvCxnSpPr>
+          <p:nvPr/>
+        </p:nvCxnSpPr>
+        <p:spPr>
+          <a:xfrm>
+            <a:off x="3607790" y="645994"/>
+            <a:ext cx="0" cy="1692655"/>
+          </a:xfrm>
+          <a:prstGeom prst="line">
+            <a:avLst/>
+          </a:prstGeom>
+          <a:ln>
+            <a:prstDash val="dash"/>
+          </a:ln>
+        </p:spPr>
+        <p:style>
+          <a:lnRef idx="1">
+            <a:schemeClr val="dk1"/>
+          </a:lnRef>
+          <a:fillRef idx="0">
+            <a:schemeClr val="dk1"/>
+          </a:fillRef>
+          <a:effectRef idx="0">
+            <a:schemeClr val="dk1"/>
+          </a:effectRef>
+          <a:fontRef idx="minor">
+            <a:schemeClr val="tx1"/>
+          </a:fontRef>
+        </p:style>
+      </p:cxnSp>
+      <p:cxnSp>
+        <p:nvCxnSpPr>
+          <p:cNvPr id="334" name="Straight Connector 333">
+            <a:extLst>
+              <a:ext uri="{FF2B5EF4-FFF2-40B4-BE49-F238E27FC236}">
+                <a16:creationId xmlns:a16="http://schemas.microsoft.com/office/drawing/2014/main" id="{8A8C973E-A2C0-266E-31E4-031F30D4CACF}"/>
+              </a:ext>
+            </a:extLst>
+          </p:cNvPr>
+          <p:cNvCxnSpPr>
+            <a:cxnSpLocks/>
+          </p:cNvCxnSpPr>
+          <p:nvPr/>
+        </p:nvCxnSpPr>
+        <p:spPr>
+          <a:xfrm>
+            <a:off x="6825408" y="645994"/>
+            <a:ext cx="0" cy="1674124"/>
+          </a:xfrm>
+          <a:prstGeom prst="line">
+            <a:avLst/>
+          </a:prstGeom>
+          <a:ln>
+            <a:prstDash val="dash"/>
+          </a:ln>
+        </p:spPr>
+        <p:style>
+          <a:lnRef idx="1">
+            <a:schemeClr val="dk1"/>
+          </a:lnRef>
+          <a:fillRef idx="0">
+            <a:schemeClr val="dk1"/>
+          </a:fillRef>
+          <a:effectRef idx="0">
+            <a:schemeClr val="dk1"/>
+          </a:effectRef>
+          <a:fontRef idx="minor">
+            <a:schemeClr val="tx1"/>
+          </a:fontRef>
+        </p:style>
+      </p:cxnSp>
+      <p:cxnSp>
+        <p:nvCxnSpPr>
+          <p:cNvPr id="335" name="Straight Connector 334">
+            <a:extLst>
+              <a:ext uri="{FF2B5EF4-FFF2-40B4-BE49-F238E27FC236}">
+                <a16:creationId xmlns:a16="http://schemas.microsoft.com/office/drawing/2014/main" id="{FD8194B1-ECB8-78EA-C905-4709DB2FE699}"/>
+              </a:ext>
+            </a:extLst>
+          </p:cNvPr>
+          <p:cNvCxnSpPr>
+            <a:cxnSpLocks/>
+          </p:cNvCxnSpPr>
+          <p:nvPr/>
+        </p:nvCxnSpPr>
+        <p:spPr>
+          <a:xfrm>
+            <a:off x="4116926" y="2492989"/>
+            <a:ext cx="0" cy="1015899"/>
+          </a:xfrm>
+          <a:prstGeom prst="line">
+            <a:avLst/>
+          </a:prstGeom>
+          <a:ln>
+            <a:prstDash val="dash"/>
+          </a:ln>
+        </p:spPr>
+        <p:style>
+          <a:lnRef idx="1">
+            <a:schemeClr val="dk1"/>
+          </a:lnRef>
+          <a:fillRef idx="0">
+            <a:schemeClr val="dk1"/>
+          </a:fillRef>
+          <a:effectRef idx="0">
+            <a:schemeClr val="dk1"/>
+          </a:effectRef>
+          <a:fontRef idx="minor">
+            <a:schemeClr val="tx1"/>
+          </a:fontRef>
+        </p:style>
+      </p:cxnSp>
+      <p:cxnSp>
+        <p:nvCxnSpPr>
+          <p:cNvPr id="338" name="Straight Connector 337">
+            <a:extLst>
+              <a:ext uri="{FF2B5EF4-FFF2-40B4-BE49-F238E27FC236}">
+                <a16:creationId xmlns:a16="http://schemas.microsoft.com/office/drawing/2014/main" id="{F0B5C44F-2CB1-629A-B9C7-1AFB7877DE2B}"/>
+              </a:ext>
+            </a:extLst>
+          </p:cNvPr>
+          <p:cNvCxnSpPr>
+            <a:cxnSpLocks/>
+          </p:cNvCxnSpPr>
+          <p:nvPr/>
+        </p:nvCxnSpPr>
+        <p:spPr>
+          <a:xfrm>
+            <a:off x="5043287" y="2484339"/>
+            <a:ext cx="0" cy="1015899"/>
+          </a:xfrm>
+          <a:prstGeom prst="line">
+            <a:avLst/>
+          </a:prstGeom>
+          <a:ln>
+            <a:prstDash val="dash"/>
+          </a:ln>
+        </p:spPr>
+        <p:style>
+          <a:lnRef idx="1">
+            <a:schemeClr val="dk1"/>
+          </a:lnRef>
+          <a:fillRef idx="0">
+            <a:schemeClr val="dk1"/>
+          </a:fillRef>
+          <a:effectRef idx="0">
+            <a:schemeClr val="dk1"/>
+          </a:effectRef>
+          <a:fontRef idx="minor">
+            <a:schemeClr val="tx1"/>
+          </a:fontRef>
+        </p:style>
+      </p:cxnSp>
+      <p:cxnSp>
+        <p:nvCxnSpPr>
+          <p:cNvPr id="339" name="Straight Connector 338">
+            <a:extLst>
+              <a:ext uri="{FF2B5EF4-FFF2-40B4-BE49-F238E27FC236}">
+                <a16:creationId xmlns:a16="http://schemas.microsoft.com/office/drawing/2014/main" id="{F7093B3F-7D15-6F12-287C-E708AEEF8122}"/>
+              </a:ext>
+            </a:extLst>
+          </p:cNvPr>
+          <p:cNvCxnSpPr>
+            <a:cxnSpLocks/>
+          </p:cNvCxnSpPr>
+          <p:nvPr/>
+        </p:nvCxnSpPr>
+        <p:spPr>
+          <a:xfrm>
+            <a:off x="6552859" y="2484339"/>
+            <a:ext cx="0" cy="1015899"/>
+          </a:xfrm>
+          <a:prstGeom prst="line">
+            <a:avLst/>
+          </a:prstGeom>
+          <a:ln>
+            <a:prstDash val="dash"/>
+          </a:ln>
+        </p:spPr>
+        <p:style>
+          <a:lnRef idx="1">
+            <a:schemeClr val="dk1"/>
+          </a:lnRef>
+          <a:fillRef idx="0">
+            <a:schemeClr val="dk1"/>
+          </a:fillRef>
+          <a:effectRef idx="0">
+            <a:schemeClr val="dk1"/>
+          </a:effectRef>
+          <a:fontRef idx="minor">
+            <a:schemeClr val="tx1"/>
+          </a:fontRef>
+        </p:style>
+      </p:cxnSp>
+      <mc:AlternateContent xmlns:mc="http://schemas.openxmlformats.org/markup-compatibility/2006">
+        <mc:Choice xmlns:a14="http://schemas.microsoft.com/office/drawing/2010/main" Requires="a14">
+          <p:sp>
+            <p:nvSpPr>
+              <p:cNvPr id="340" name="TextBox 339">
+                <a:extLst>
+                  <a:ext uri="{FF2B5EF4-FFF2-40B4-BE49-F238E27FC236}">
+                    <a16:creationId xmlns:a16="http://schemas.microsoft.com/office/drawing/2014/main" id="{6C178785-959B-AB16-5A3F-9D79BC303F03}"/>
+                  </a:ext>
+                </a:extLst>
+              </p:cNvPr>
+              <p:cNvSpPr txBox="1"/>
+              <p:nvPr/>
+            </p:nvSpPr>
+            <p:spPr>
+              <a:xfrm>
+                <a:off x="7175942" y="961703"/>
+                <a:ext cx="739369" cy="289182"/>
+              </a:xfrm>
+              <a:prstGeom prst="rect">
+                <a:avLst/>
+              </a:prstGeom>
+              <a:noFill/>
+            </p:spPr>
+            <p:txBody>
+              <a:bodyPr wrap="none" lIns="0" tIns="0" rIns="0" bIns="0" rtlCol="0">
+                <a:spAutoFit/>
+              </a:bodyPr>
+              <a:lstStyle/>
+              <a:p>
+                <a14:m>
+                  <m:oMathPara xmlns:m="http://schemas.openxmlformats.org/officeDocument/2006/math">
+                    <m:oMathParaPr>
+                      <m:jc m:val="centerGroup"/>
+                    </m:oMathParaPr>
+                    <m:oMath xmlns:m="http://schemas.openxmlformats.org/officeDocument/2006/math">
+                      <m:sSub>
+                        <m:sSubPr>
+                          <m:ctrlPr>
+                            <a:rPr lang="en-US" b="0" i="1" smtClean="0">
+                              <a:latin typeface="Cambria Math" panose="02040503050406030204" pitchFamily="18" charset="0"/>
+                            </a:rPr>
+                          </m:ctrlPr>
+                        </m:sSubPr>
+                        <m:e>
+                          <m:r>
+                            <a:rPr lang="en-US" b="0" i="1" smtClean="0">
+                              <a:latin typeface="Cambria Math" panose="02040503050406030204" pitchFamily="18" charset="0"/>
+                            </a:rPr>
+                            <m:t>𝜆</m:t>
+                          </m:r>
+                        </m:e>
+                        <m:sub>
+                          <m:r>
+                            <a:rPr lang="en-US" b="0" i="1" smtClean="0">
+                              <a:latin typeface="Cambria Math" panose="02040503050406030204" pitchFamily="18" charset="0"/>
+                            </a:rPr>
+                            <m:t>0</m:t>
+                          </m:r>
+                        </m:sub>
+                      </m:sSub>
+                      <m:r>
+                        <a:rPr lang="en-US" b="0" i="1" smtClean="0">
+                          <a:latin typeface="Cambria Math" panose="02040503050406030204" pitchFamily="18" charset="0"/>
+                        </a:rPr>
+                        <m:t>,</m:t>
+                      </m:r>
+                      <m:sSub>
+                        <m:sSubPr>
+                          <m:ctrlPr>
+                            <a:rPr lang="en-US" b="0" i="1" smtClean="0">
+                              <a:latin typeface="Cambria Math" panose="02040503050406030204" pitchFamily="18" charset="0"/>
+                            </a:rPr>
+                          </m:ctrlPr>
+                        </m:sSubPr>
+                        <m:e>
+                          <m:r>
+                            <a:rPr lang="en-US" b="0" i="1" smtClean="0">
+                              <a:latin typeface="Cambria Math" panose="02040503050406030204" pitchFamily="18" charset="0"/>
+                            </a:rPr>
+                            <m:t>𝑃</m:t>
+                          </m:r>
+                        </m:e>
+                        <m:sub>
+                          <m:r>
+                            <a:rPr lang="en-US" b="0" i="1" smtClean="0">
+                              <a:latin typeface="Cambria Math" panose="02040503050406030204" pitchFamily="18" charset="0"/>
+                            </a:rPr>
+                            <m:t>𝑛</m:t>
+                          </m:r>
+                          <m:r>
+                            <a:rPr lang="en-US" b="0" i="1" smtClean="0">
+                              <a:latin typeface="Cambria Math" panose="02040503050406030204" pitchFamily="18" charset="0"/>
+                            </a:rPr>
+                            <m:t>,0</m:t>
+                          </m:r>
+                        </m:sub>
+                      </m:sSub>
+                    </m:oMath>
+                  </m:oMathPara>
+                </a14:m>
+                <a:endParaRPr lang="en-US" dirty="0"/>
+              </a:p>
+            </p:txBody>
+          </p:sp>
+        </mc:Choice>
+        <mc:Fallback>
+          <p:sp>
+            <p:nvSpPr>
+              <p:cNvPr id="340" name="TextBox 339">
+                <a:extLst>
+                  <a:ext uri="{FF2B5EF4-FFF2-40B4-BE49-F238E27FC236}">
+                    <a16:creationId xmlns:a16="http://schemas.microsoft.com/office/drawing/2014/main" id="{6C178785-959B-AB16-5A3F-9D79BC303F03}"/>
+                  </a:ext>
+                </a:extLst>
+              </p:cNvPr>
+              <p:cNvSpPr txBox="1">
+                <a:spLocks noRot="1" noChangeAspect="1" noMove="1" noResize="1" noEditPoints="1" noAdjustHandles="1" noChangeArrowheads="1" noChangeShapeType="1" noTextEdit="1"/>
+              </p:cNvSpPr>
+              <p:nvPr/>
+            </p:nvSpPr>
+            <p:spPr>
+              <a:xfrm>
+                <a:off x="7175942" y="961703"/>
+                <a:ext cx="739369" cy="289182"/>
+              </a:xfrm>
+              <a:prstGeom prst="rect">
+                <a:avLst/>
+              </a:prstGeom>
+              <a:blipFill>
+                <a:blip r:embed="rId23"/>
+                <a:stretch>
+                  <a:fillRect l="-7438" r="-4132" b="-12766"/>
+                </a:stretch>
+              </a:blipFill>
+            </p:spPr>
+            <p:txBody>
+              <a:bodyPr/>
+              <a:lstStyle/>
+              <a:p>
+                <a:r>
+                  <a:rPr lang="en-US">
+                    <a:noFill/>
+                  </a:rPr>
+                  <a:t> </a:t>
+                </a:r>
+              </a:p>
+            </p:txBody>
+          </p:sp>
+        </mc:Fallback>
+      </mc:AlternateContent>
+      <mc:AlternateContent xmlns:mc="http://schemas.openxmlformats.org/markup-compatibility/2006">
+        <mc:Choice xmlns:a14="http://schemas.microsoft.com/office/drawing/2010/main" Requires="a14">
+          <p:sp>
+            <p:nvSpPr>
+              <p:cNvPr id="341" name="TextBox 340">
+                <a:extLst>
+                  <a:ext uri="{FF2B5EF4-FFF2-40B4-BE49-F238E27FC236}">
+                    <a16:creationId xmlns:a16="http://schemas.microsoft.com/office/drawing/2014/main" id="{1374FF4E-3C91-0EC0-45DB-1DB4177FD7ED}"/>
+                  </a:ext>
+                </a:extLst>
+              </p:cNvPr>
+              <p:cNvSpPr txBox="1"/>
+              <p:nvPr/>
+            </p:nvSpPr>
+            <p:spPr>
+              <a:xfrm>
+                <a:off x="7915479" y="961702"/>
+                <a:ext cx="734047" cy="289182"/>
+              </a:xfrm>
+              <a:prstGeom prst="rect">
+                <a:avLst/>
+              </a:prstGeom>
+              <a:noFill/>
+            </p:spPr>
+            <p:txBody>
+              <a:bodyPr wrap="none" lIns="0" tIns="0" rIns="0" bIns="0" rtlCol="0">
+                <a:spAutoFit/>
+              </a:bodyPr>
+              <a:lstStyle/>
+              <a:p>
+                <a14:m>
+                  <m:oMathPara xmlns:m="http://schemas.openxmlformats.org/officeDocument/2006/math">
+                    <m:oMathParaPr>
+                      <m:jc m:val="centerGroup"/>
+                    </m:oMathParaPr>
+                    <m:oMath xmlns:m="http://schemas.openxmlformats.org/officeDocument/2006/math">
+                      <m:sSub>
+                        <m:sSubPr>
+                          <m:ctrlPr>
+                            <a:rPr lang="en-US" b="0" i="1" smtClean="0">
+                              <a:latin typeface="Cambria Math" panose="02040503050406030204" pitchFamily="18" charset="0"/>
+                            </a:rPr>
+                          </m:ctrlPr>
+                        </m:sSubPr>
+                        <m:e>
+                          <m:r>
+                            <a:rPr lang="en-US" b="0" i="1" smtClean="0">
+                              <a:latin typeface="Cambria Math" panose="02040503050406030204" pitchFamily="18" charset="0"/>
+                            </a:rPr>
+                            <m:t>𝜆</m:t>
+                          </m:r>
+                        </m:e>
+                        <m:sub>
+                          <m:r>
+                            <a:rPr lang="en-US" b="0" i="1" smtClean="0">
+                              <a:latin typeface="Cambria Math" panose="02040503050406030204" pitchFamily="18" charset="0"/>
+                            </a:rPr>
+                            <m:t>1</m:t>
+                          </m:r>
+                        </m:sub>
+                      </m:sSub>
+                      <m:r>
+                        <a:rPr lang="en-US" b="0" i="1" smtClean="0">
+                          <a:latin typeface="Cambria Math" panose="02040503050406030204" pitchFamily="18" charset="0"/>
+                        </a:rPr>
+                        <m:t>,</m:t>
+                      </m:r>
+                      <m:sSub>
+                        <m:sSubPr>
+                          <m:ctrlPr>
+                            <a:rPr lang="en-US" b="0" i="1" smtClean="0">
+                              <a:latin typeface="Cambria Math" panose="02040503050406030204" pitchFamily="18" charset="0"/>
+                            </a:rPr>
+                          </m:ctrlPr>
+                        </m:sSubPr>
+                        <m:e>
+                          <m:r>
+                            <a:rPr lang="en-US" b="0" i="1" smtClean="0">
+                              <a:latin typeface="Cambria Math" panose="02040503050406030204" pitchFamily="18" charset="0"/>
+                            </a:rPr>
+                            <m:t>𝑃</m:t>
+                          </m:r>
+                        </m:e>
+                        <m:sub>
+                          <m:r>
+                            <a:rPr lang="en-US" b="0" i="1" smtClean="0">
+                              <a:latin typeface="Cambria Math" panose="02040503050406030204" pitchFamily="18" charset="0"/>
+                            </a:rPr>
+                            <m:t>𝑛</m:t>
+                          </m:r>
+                          <m:r>
+                            <a:rPr lang="en-US" b="0" i="1" smtClean="0">
+                              <a:latin typeface="Cambria Math" panose="02040503050406030204" pitchFamily="18" charset="0"/>
+                            </a:rPr>
+                            <m:t>,1</m:t>
+                          </m:r>
+                        </m:sub>
+                      </m:sSub>
+                    </m:oMath>
+                  </m:oMathPara>
+                </a14:m>
+                <a:endParaRPr lang="en-US" dirty="0"/>
+              </a:p>
+            </p:txBody>
+          </p:sp>
+        </mc:Choice>
+        <mc:Fallback>
+          <p:sp>
+            <p:nvSpPr>
+              <p:cNvPr id="341" name="TextBox 340">
+                <a:extLst>
+                  <a:ext uri="{FF2B5EF4-FFF2-40B4-BE49-F238E27FC236}">
+                    <a16:creationId xmlns:a16="http://schemas.microsoft.com/office/drawing/2014/main" id="{1374FF4E-3C91-0EC0-45DB-1DB4177FD7ED}"/>
+                  </a:ext>
+                </a:extLst>
+              </p:cNvPr>
+              <p:cNvSpPr txBox="1">
+                <a:spLocks noRot="1" noChangeAspect="1" noMove="1" noResize="1" noEditPoints="1" noAdjustHandles="1" noChangeArrowheads="1" noChangeShapeType="1" noTextEdit="1"/>
+              </p:cNvSpPr>
+              <p:nvPr/>
+            </p:nvSpPr>
+            <p:spPr>
+              <a:xfrm>
+                <a:off x="7915479" y="961702"/>
+                <a:ext cx="734047" cy="289182"/>
+              </a:xfrm>
+              <a:prstGeom prst="rect">
+                <a:avLst/>
+              </a:prstGeom>
+              <a:blipFill>
+                <a:blip r:embed="rId24"/>
+                <a:stretch>
+                  <a:fillRect l="-7438" r="-3306" b="-12766"/>
+                </a:stretch>
+              </a:blipFill>
+            </p:spPr>
+            <p:txBody>
+              <a:bodyPr/>
+              <a:lstStyle/>
+              <a:p>
+                <a:r>
+                  <a:rPr lang="en-US">
+                    <a:noFill/>
+                  </a:rPr>
+                  <a:t> </a:t>
+                </a:r>
+              </a:p>
+            </p:txBody>
+          </p:sp>
+        </mc:Fallback>
+      </mc:AlternateContent>
+      <mc:AlternateContent xmlns:mc="http://schemas.openxmlformats.org/markup-compatibility/2006">
+        <mc:Choice xmlns:a14="http://schemas.microsoft.com/office/drawing/2010/main" Requires="a14">
+          <p:sp>
+            <p:nvSpPr>
+              <p:cNvPr id="342" name="TextBox 341">
+                <a:extLst>
+                  <a:ext uri="{FF2B5EF4-FFF2-40B4-BE49-F238E27FC236}">
+                    <a16:creationId xmlns:a16="http://schemas.microsoft.com/office/drawing/2014/main" id="{86A9EAA1-A409-B837-2A88-A49574A23BF7}"/>
+                  </a:ext>
+                </a:extLst>
+              </p:cNvPr>
+              <p:cNvSpPr txBox="1"/>
+              <p:nvPr/>
+            </p:nvSpPr>
+            <p:spPr>
+              <a:xfrm>
+                <a:off x="8120058" y="1945667"/>
+                <a:ext cx="338554" cy="276999"/>
+              </a:xfrm>
+              <a:prstGeom prst="rect">
+                <a:avLst/>
+              </a:prstGeom>
+              <a:noFill/>
+            </p:spPr>
+            <p:txBody>
+              <a:bodyPr wrap="none" lIns="0" tIns="0" rIns="0" bIns="0" rtlCol="0">
+                <a:spAutoFit/>
+              </a:bodyPr>
+              <a:lstStyle/>
+              <a:p>
+                <a14:m>
+                  <m:oMathPara xmlns:m="http://schemas.openxmlformats.org/officeDocument/2006/math">
+                    <m:oMathParaPr>
+                      <m:jc m:val="centerGroup"/>
+                    </m:oMathParaPr>
+                    <m:oMath xmlns:m="http://schemas.openxmlformats.org/officeDocument/2006/math">
+                      <m:sSub>
+                        <m:sSubPr>
+                          <m:ctrlPr>
+                            <a:rPr lang="en-US" b="0" i="1" smtClean="0">
+                              <a:latin typeface="Cambria Math" panose="02040503050406030204" pitchFamily="18" charset="0"/>
+                            </a:rPr>
+                          </m:ctrlPr>
+                        </m:sSubPr>
+                        <m:e>
+                          <m:r>
+                            <a:rPr lang="en-US" b="0" i="1" smtClean="0">
+                              <a:latin typeface="Cambria Math" panose="02040503050406030204" pitchFamily="18" charset="0"/>
+                            </a:rPr>
+                            <m:t>𝑀</m:t>
+                          </m:r>
+                        </m:e>
+                        <m:sub>
+                          <m:r>
+                            <a:rPr lang="en-US" b="0" i="1" smtClean="0">
+                              <a:latin typeface="Cambria Math" panose="02040503050406030204" pitchFamily="18" charset="0"/>
+                            </a:rPr>
+                            <m:t>1</m:t>
+                          </m:r>
+                        </m:sub>
+                      </m:sSub>
+                    </m:oMath>
+                  </m:oMathPara>
+                </a14:m>
+                <a:endParaRPr lang="en-US" dirty="0"/>
+              </a:p>
+            </p:txBody>
+          </p:sp>
+        </mc:Choice>
+        <mc:Fallback>
+          <p:sp>
+            <p:nvSpPr>
+              <p:cNvPr id="342" name="TextBox 341">
+                <a:extLst>
+                  <a:ext uri="{FF2B5EF4-FFF2-40B4-BE49-F238E27FC236}">
+                    <a16:creationId xmlns:a16="http://schemas.microsoft.com/office/drawing/2014/main" id="{86A9EAA1-A409-B837-2A88-A49574A23BF7}"/>
+                  </a:ext>
+                </a:extLst>
+              </p:cNvPr>
+              <p:cNvSpPr txBox="1">
+                <a:spLocks noRot="1" noChangeAspect="1" noMove="1" noResize="1" noEditPoints="1" noAdjustHandles="1" noChangeArrowheads="1" noChangeShapeType="1" noTextEdit="1"/>
+              </p:cNvSpPr>
+              <p:nvPr/>
+            </p:nvSpPr>
+            <p:spPr>
+              <a:xfrm>
+                <a:off x="8120058" y="1945667"/>
+                <a:ext cx="338554" cy="276999"/>
+              </a:xfrm>
+              <a:prstGeom prst="rect">
+                <a:avLst/>
+              </a:prstGeom>
+              <a:blipFill>
+                <a:blip r:embed="rId25"/>
+                <a:stretch>
+                  <a:fillRect l="-14286" r="-7143" b="-15217"/>
+                </a:stretch>
+              </a:blipFill>
+            </p:spPr>
+            <p:txBody>
+              <a:bodyPr/>
+              <a:lstStyle/>
+              <a:p>
+                <a:r>
+                  <a:rPr lang="en-US">
+                    <a:noFill/>
+                  </a:rPr>
+                  <a:t> </a:t>
+                </a:r>
+              </a:p>
+            </p:txBody>
+          </p:sp>
+        </mc:Fallback>
+      </mc:AlternateContent>
+      <p:cxnSp>
+        <p:nvCxnSpPr>
+          <p:cNvPr id="343" name="Straight Arrow Connector 342">
+            <a:extLst>
+              <a:ext uri="{FF2B5EF4-FFF2-40B4-BE49-F238E27FC236}">
+                <a16:creationId xmlns:a16="http://schemas.microsoft.com/office/drawing/2014/main" id="{E77D1233-8218-13C8-6E2A-1AB2D254A25A}"/>
+              </a:ext>
+            </a:extLst>
+          </p:cNvPr>
+          <p:cNvCxnSpPr>
+            <a:cxnSpLocks/>
+            <a:stCxn id="340" idx="2"/>
+            <a:endCxn id="345" idx="0"/>
+          </p:cNvCxnSpPr>
+          <p:nvPr/>
+        </p:nvCxnSpPr>
+        <p:spPr>
+          <a:xfrm flipH="1">
+            <a:off x="7538795" y="1250885"/>
+            <a:ext cx="6832" cy="694782"/>
+          </a:xfrm>
+          <a:prstGeom prst="straightConnector1">
+            <a:avLst/>
+          </a:prstGeom>
+          <a:ln>
+            <a:tailEnd type="triangle"/>
+          </a:ln>
+        </p:spPr>
+        <p:style>
+          <a:lnRef idx="1">
+            <a:schemeClr val="dk1"/>
+          </a:lnRef>
+          <a:fillRef idx="0">
+            <a:schemeClr val="dk1"/>
+          </a:fillRef>
+          <a:effectRef idx="0">
+            <a:schemeClr val="dk1"/>
+          </a:effectRef>
+          <a:fontRef idx="minor">
+            <a:schemeClr val="tx1"/>
+          </a:fontRef>
+        </p:style>
+      </p:cxnSp>
+      <p:cxnSp>
+        <p:nvCxnSpPr>
+          <p:cNvPr id="344" name="Straight Arrow Connector 343">
+            <a:extLst>
+              <a:ext uri="{FF2B5EF4-FFF2-40B4-BE49-F238E27FC236}">
+                <a16:creationId xmlns:a16="http://schemas.microsoft.com/office/drawing/2014/main" id="{176D8C46-2A7F-C59E-749F-C2A9513E6C3D}"/>
+              </a:ext>
+            </a:extLst>
+          </p:cNvPr>
+          <p:cNvCxnSpPr>
+            <a:cxnSpLocks/>
+            <a:stCxn id="341" idx="2"/>
+            <a:endCxn id="342" idx="0"/>
+          </p:cNvCxnSpPr>
+          <p:nvPr/>
+        </p:nvCxnSpPr>
+        <p:spPr>
+          <a:xfrm>
+            <a:off x="8282503" y="1250884"/>
+            <a:ext cx="6832" cy="694783"/>
+          </a:xfrm>
+          <a:prstGeom prst="straightConnector1">
+            <a:avLst/>
+          </a:prstGeom>
+          <a:ln>
+            <a:tailEnd type="triangle"/>
+          </a:ln>
+        </p:spPr>
+        <p:style>
+          <a:lnRef idx="1">
+            <a:schemeClr val="dk1"/>
+          </a:lnRef>
+          <a:fillRef idx="0">
+            <a:schemeClr val="dk1"/>
+          </a:fillRef>
+          <a:effectRef idx="0">
+            <a:schemeClr val="dk1"/>
+          </a:effectRef>
+          <a:fontRef idx="minor">
+            <a:schemeClr val="tx1"/>
+          </a:fontRef>
+        </p:style>
+      </p:cxnSp>
+      <mc:AlternateContent xmlns:mc="http://schemas.openxmlformats.org/markup-compatibility/2006">
+        <mc:Choice xmlns:a14="http://schemas.microsoft.com/office/drawing/2010/main" Requires="a14">
+          <p:sp>
+            <p:nvSpPr>
+              <p:cNvPr id="345" name="TextBox 344">
+                <a:extLst>
+                  <a:ext uri="{FF2B5EF4-FFF2-40B4-BE49-F238E27FC236}">
+                    <a16:creationId xmlns:a16="http://schemas.microsoft.com/office/drawing/2014/main" id="{F5988D90-C63E-ED1E-2A70-DE520269E6AF}"/>
+                  </a:ext>
+                </a:extLst>
+              </p:cNvPr>
+              <p:cNvSpPr txBox="1"/>
+              <p:nvPr/>
+            </p:nvSpPr>
+            <p:spPr>
+              <a:xfrm>
+                <a:off x="7366857" y="1945667"/>
+                <a:ext cx="343876" cy="276999"/>
+              </a:xfrm>
+              <a:prstGeom prst="rect">
+                <a:avLst/>
+              </a:prstGeom>
+              <a:noFill/>
+            </p:spPr>
+            <p:txBody>
+              <a:bodyPr wrap="none" lIns="0" tIns="0" rIns="0" bIns="0" rtlCol="0">
+                <a:spAutoFit/>
+              </a:bodyPr>
+              <a:lstStyle/>
+              <a:p>
+                <a14:m>
+                  <m:oMathPara xmlns:m="http://schemas.openxmlformats.org/officeDocument/2006/math">
+                    <m:oMathParaPr>
+                      <m:jc m:val="centerGroup"/>
+                    </m:oMathParaPr>
+                    <m:oMath xmlns:m="http://schemas.openxmlformats.org/officeDocument/2006/math">
+                      <m:sSub>
+                        <m:sSubPr>
+                          <m:ctrlPr>
+                            <a:rPr lang="en-US" b="0" i="1" smtClean="0">
+                              <a:latin typeface="Cambria Math" panose="02040503050406030204" pitchFamily="18" charset="0"/>
+                            </a:rPr>
+                          </m:ctrlPr>
+                        </m:sSubPr>
+                        <m:e>
+                          <m:r>
+                            <a:rPr lang="en-US" b="0" i="1" smtClean="0">
+                              <a:latin typeface="Cambria Math" panose="02040503050406030204" pitchFamily="18" charset="0"/>
+                            </a:rPr>
+                            <m:t>𝑀</m:t>
+                          </m:r>
+                        </m:e>
+                        <m:sub>
+                          <m:r>
+                            <a:rPr lang="en-US" b="0" i="1" smtClean="0">
+                              <a:latin typeface="Cambria Math" panose="02040503050406030204" pitchFamily="18" charset="0"/>
+                            </a:rPr>
+                            <m:t>0</m:t>
+                          </m:r>
+                        </m:sub>
+                      </m:sSub>
+                    </m:oMath>
+                  </m:oMathPara>
+                </a14:m>
+                <a:endParaRPr lang="en-US" dirty="0"/>
+              </a:p>
+            </p:txBody>
+          </p:sp>
+        </mc:Choice>
+        <mc:Fallback>
+          <p:sp>
+            <p:nvSpPr>
+              <p:cNvPr id="345" name="TextBox 344">
+                <a:extLst>
+                  <a:ext uri="{FF2B5EF4-FFF2-40B4-BE49-F238E27FC236}">
+                    <a16:creationId xmlns:a16="http://schemas.microsoft.com/office/drawing/2014/main" id="{F5988D90-C63E-ED1E-2A70-DE520269E6AF}"/>
+                  </a:ext>
+                </a:extLst>
+              </p:cNvPr>
+              <p:cNvSpPr txBox="1">
+                <a:spLocks noRot="1" noChangeAspect="1" noMove="1" noResize="1" noEditPoints="1" noAdjustHandles="1" noChangeArrowheads="1" noChangeShapeType="1" noTextEdit="1"/>
+              </p:cNvSpPr>
+              <p:nvPr/>
+            </p:nvSpPr>
+            <p:spPr>
+              <a:xfrm>
+                <a:off x="7366857" y="1945667"/>
+                <a:ext cx="343876" cy="276999"/>
+              </a:xfrm>
+              <a:prstGeom prst="rect">
+                <a:avLst/>
+              </a:prstGeom>
+              <a:blipFill>
+                <a:blip r:embed="rId26"/>
+                <a:stretch>
+                  <a:fillRect l="-15789" r="-5263" b="-15217"/>
+                </a:stretch>
+              </a:blipFill>
+            </p:spPr>
+            <p:txBody>
+              <a:bodyPr/>
+              <a:lstStyle/>
+              <a:p>
+                <a:r>
+                  <a:rPr lang="en-US">
+                    <a:noFill/>
+                  </a:rPr>
+                  <a:t> </a:t>
+                </a:r>
+              </a:p>
+            </p:txBody>
+          </p:sp>
+        </mc:Fallback>
+      </mc:AlternateContent>
+      <mc:AlternateContent xmlns:mc="http://schemas.openxmlformats.org/markup-compatibility/2006">
+        <mc:Choice xmlns:a14="http://schemas.microsoft.com/office/drawing/2010/main" Requires="a14">
+          <p:sp>
+            <p:nvSpPr>
+              <p:cNvPr id="346" name="TextBox 345">
+                <a:extLst>
+                  <a:ext uri="{FF2B5EF4-FFF2-40B4-BE49-F238E27FC236}">
+                    <a16:creationId xmlns:a16="http://schemas.microsoft.com/office/drawing/2014/main" id="{B604039B-4C58-8596-E80E-C54040C0D61C}"/>
+                  </a:ext>
+                </a:extLst>
+              </p:cNvPr>
+              <p:cNvSpPr txBox="1"/>
+              <p:nvPr/>
+            </p:nvSpPr>
+            <p:spPr>
+              <a:xfrm>
+                <a:off x="8643152" y="961702"/>
+                <a:ext cx="226023" cy="276999"/>
+              </a:xfrm>
+              <a:prstGeom prst="rect">
+                <a:avLst/>
+              </a:prstGeom>
+              <a:noFill/>
+            </p:spPr>
+            <p:txBody>
+              <a:bodyPr wrap="none" lIns="0" tIns="0" rIns="0" bIns="0" rtlCol="0">
+                <a:spAutoFit/>
+              </a:bodyPr>
+              <a:lstStyle/>
+              <a:p>
+                <a14:m>
+                  <m:oMathPara xmlns:m="http://schemas.openxmlformats.org/officeDocument/2006/math">
+                    <m:oMathParaPr>
+                      <m:jc m:val="centerGroup"/>
+                    </m:oMathParaPr>
+                    <m:oMath xmlns:m="http://schemas.openxmlformats.org/officeDocument/2006/math">
+                      <m:r>
+                        <a:rPr lang="en-US" b="0" i="1" smtClean="0">
+                          <a:latin typeface="Cambria Math" panose="02040503050406030204" pitchFamily="18" charset="0"/>
+                        </a:rPr>
+                        <m:t>…</m:t>
+                      </m:r>
+                    </m:oMath>
+                  </m:oMathPara>
+                </a14:m>
+                <a:endParaRPr lang="en-US" dirty="0"/>
+              </a:p>
+            </p:txBody>
+          </p:sp>
+        </mc:Choice>
+        <mc:Fallback>
+          <p:sp>
+            <p:nvSpPr>
+              <p:cNvPr id="346" name="TextBox 345">
+                <a:extLst>
+                  <a:ext uri="{FF2B5EF4-FFF2-40B4-BE49-F238E27FC236}">
+                    <a16:creationId xmlns:a16="http://schemas.microsoft.com/office/drawing/2014/main" id="{B604039B-4C58-8596-E80E-C54040C0D61C}"/>
+                  </a:ext>
+                </a:extLst>
+              </p:cNvPr>
+              <p:cNvSpPr txBox="1">
+                <a:spLocks noRot="1" noChangeAspect="1" noMove="1" noResize="1" noEditPoints="1" noAdjustHandles="1" noChangeArrowheads="1" noChangeShapeType="1" noTextEdit="1"/>
+              </p:cNvSpPr>
+              <p:nvPr/>
+            </p:nvSpPr>
+            <p:spPr>
+              <a:xfrm>
+                <a:off x="8643152" y="961702"/>
+                <a:ext cx="226023" cy="276999"/>
+              </a:xfrm>
+              <a:prstGeom prst="rect">
+                <a:avLst/>
+              </a:prstGeom>
+              <a:blipFill>
+                <a:blip r:embed="rId27"/>
+                <a:stretch>
+                  <a:fillRect/>
+                </a:stretch>
+              </a:blipFill>
+            </p:spPr>
+            <p:txBody>
+              <a:bodyPr/>
+              <a:lstStyle/>
+              <a:p>
+                <a:r>
+                  <a:rPr lang="en-US">
+                    <a:noFill/>
+                  </a:rPr>
+                  <a:t> </a:t>
+                </a:r>
+              </a:p>
+            </p:txBody>
+          </p:sp>
+        </mc:Fallback>
+      </mc:AlternateContent>
+      <mc:AlternateContent xmlns:mc="http://schemas.openxmlformats.org/markup-compatibility/2006">
+        <mc:Choice xmlns:a14="http://schemas.microsoft.com/office/drawing/2010/main" Requires="a14">
+          <p:sp>
+            <p:nvSpPr>
+              <p:cNvPr id="348" name="TextBox 347">
+                <a:extLst>
+                  <a:ext uri="{FF2B5EF4-FFF2-40B4-BE49-F238E27FC236}">
+                    <a16:creationId xmlns:a16="http://schemas.microsoft.com/office/drawing/2014/main" id="{B8336287-3186-17BA-11B5-10C177254D1E}"/>
+                  </a:ext>
+                </a:extLst>
+              </p:cNvPr>
+              <p:cNvSpPr txBox="1"/>
+              <p:nvPr/>
+            </p:nvSpPr>
+            <p:spPr>
+              <a:xfrm>
+                <a:off x="8887622" y="961702"/>
+                <a:ext cx="1423467" cy="289182"/>
+              </a:xfrm>
+              <a:prstGeom prst="rect">
+                <a:avLst/>
+              </a:prstGeom>
+              <a:noFill/>
+            </p:spPr>
+            <p:txBody>
+              <a:bodyPr wrap="none" lIns="0" tIns="0" rIns="0" bIns="0" rtlCol="0">
+                <a:spAutoFit/>
+              </a:bodyPr>
+              <a:lstStyle/>
+              <a:p>
+                <a14:m>
+                  <m:oMathPara xmlns:m="http://schemas.openxmlformats.org/officeDocument/2006/math">
+                    <m:oMathParaPr>
+                      <m:jc m:val="centerGroup"/>
+                    </m:oMathParaPr>
+                    <m:oMath xmlns:m="http://schemas.openxmlformats.org/officeDocument/2006/math">
+                      <m:sSub>
+                        <m:sSubPr>
+                          <m:ctrlPr>
+                            <a:rPr lang="en-US" b="0" i="1" smtClean="0">
+                              <a:latin typeface="Cambria Math" panose="02040503050406030204" pitchFamily="18" charset="0"/>
+                            </a:rPr>
+                          </m:ctrlPr>
+                        </m:sSubPr>
+                        <m:e>
+                          <m:r>
+                            <a:rPr lang="en-US" b="0" i="1" smtClean="0">
+                              <a:latin typeface="Cambria Math" panose="02040503050406030204" pitchFamily="18" charset="0"/>
+                            </a:rPr>
+                            <m:t>𝜆</m:t>
+                          </m:r>
+                        </m:e>
+                        <m:sub>
+                          <m:sSup>
+                            <m:sSupPr>
+                              <m:ctrlPr>
+                                <a:rPr lang="en-US" b="0" i="1" smtClean="0">
+                                  <a:latin typeface="Cambria Math" panose="02040503050406030204" pitchFamily="18" charset="0"/>
+                                </a:rPr>
+                              </m:ctrlPr>
+                            </m:sSupPr>
+                            <m:e>
+                              <m:r>
+                                <a:rPr lang="en-US" b="0" i="1" smtClean="0">
+                                  <a:latin typeface="Cambria Math" panose="02040503050406030204" pitchFamily="18" charset="0"/>
+                                </a:rPr>
+                                <m:t>4</m:t>
+                              </m:r>
+                            </m:e>
+                            <m:sup>
+                              <m:r>
+                                <a:rPr lang="en-US" b="0" i="1" smtClean="0">
+                                  <a:latin typeface="Cambria Math" panose="02040503050406030204" pitchFamily="18" charset="0"/>
+                                </a:rPr>
+                                <m:t>𝑛</m:t>
+                              </m:r>
+                            </m:sup>
+                          </m:sSup>
+                          <m:r>
+                            <a:rPr lang="en-US" b="0" i="1" smtClean="0">
+                              <a:latin typeface="Cambria Math" panose="02040503050406030204" pitchFamily="18" charset="0"/>
+                            </a:rPr>
+                            <m:t>−1</m:t>
+                          </m:r>
+                        </m:sub>
+                      </m:sSub>
+                      <m:r>
+                        <a:rPr lang="en-US" b="0" i="1" smtClean="0">
+                          <a:latin typeface="Cambria Math" panose="02040503050406030204" pitchFamily="18" charset="0"/>
+                        </a:rPr>
+                        <m:t>,</m:t>
+                      </m:r>
+                      <m:sSub>
+                        <m:sSubPr>
+                          <m:ctrlPr>
+                            <a:rPr lang="en-US" b="0" i="1" smtClean="0">
+                              <a:latin typeface="Cambria Math" panose="02040503050406030204" pitchFamily="18" charset="0"/>
+                            </a:rPr>
+                          </m:ctrlPr>
+                        </m:sSubPr>
+                        <m:e>
+                          <m:r>
+                            <a:rPr lang="en-US" b="0" i="1" smtClean="0">
+                              <a:latin typeface="Cambria Math" panose="02040503050406030204" pitchFamily="18" charset="0"/>
+                            </a:rPr>
+                            <m:t>𝑃</m:t>
+                          </m:r>
+                        </m:e>
+                        <m:sub>
+                          <m:r>
+                            <a:rPr lang="en-US" b="0" i="1" smtClean="0">
+                              <a:latin typeface="Cambria Math" panose="02040503050406030204" pitchFamily="18" charset="0"/>
+                            </a:rPr>
+                            <m:t>𝑛</m:t>
+                          </m:r>
+                          <m:r>
+                            <a:rPr lang="en-US" b="0" i="1" smtClean="0">
+                              <a:latin typeface="Cambria Math" panose="02040503050406030204" pitchFamily="18" charset="0"/>
+                            </a:rPr>
+                            <m:t>,</m:t>
+                          </m:r>
+                          <m:sSup>
+                            <m:sSupPr>
+                              <m:ctrlPr>
+                                <a:rPr lang="en-US" b="0" i="1" smtClean="0">
+                                  <a:latin typeface="Cambria Math" panose="02040503050406030204" pitchFamily="18" charset="0"/>
+                                </a:rPr>
+                              </m:ctrlPr>
+                            </m:sSupPr>
+                            <m:e>
+                              <m:r>
+                                <a:rPr lang="en-US" b="0" i="1" smtClean="0">
+                                  <a:latin typeface="Cambria Math" panose="02040503050406030204" pitchFamily="18" charset="0"/>
+                                </a:rPr>
+                                <m:t>4</m:t>
+                              </m:r>
+                            </m:e>
+                            <m:sup>
+                              <m:r>
+                                <a:rPr lang="en-US" b="0" i="1" smtClean="0">
+                                  <a:latin typeface="Cambria Math" panose="02040503050406030204" pitchFamily="18" charset="0"/>
+                                </a:rPr>
+                                <m:t>𝑛</m:t>
+                              </m:r>
+                            </m:sup>
+                          </m:sSup>
+                          <m:r>
+                            <a:rPr lang="en-US" b="0" i="1" smtClean="0">
+                              <a:latin typeface="Cambria Math" panose="02040503050406030204" pitchFamily="18" charset="0"/>
+                            </a:rPr>
+                            <m:t>−1</m:t>
+                          </m:r>
+                        </m:sub>
+                      </m:sSub>
+                    </m:oMath>
+                  </m:oMathPara>
+                </a14:m>
+                <a:endParaRPr lang="en-US" dirty="0"/>
+              </a:p>
+            </p:txBody>
+          </p:sp>
+        </mc:Choice>
+        <mc:Fallback>
+          <p:sp>
+            <p:nvSpPr>
+              <p:cNvPr id="348" name="TextBox 347">
+                <a:extLst>
+                  <a:ext uri="{FF2B5EF4-FFF2-40B4-BE49-F238E27FC236}">
+                    <a16:creationId xmlns:a16="http://schemas.microsoft.com/office/drawing/2014/main" id="{B8336287-3186-17BA-11B5-10C177254D1E}"/>
+                  </a:ext>
+                </a:extLst>
+              </p:cNvPr>
+              <p:cNvSpPr txBox="1">
+                <a:spLocks noRot="1" noChangeAspect="1" noMove="1" noResize="1" noEditPoints="1" noAdjustHandles="1" noChangeArrowheads="1" noChangeShapeType="1" noTextEdit="1"/>
+              </p:cNvSpPr>
+              <p:nvPr/>
+            </p:nvSpPr>
+            <p:spPr>
+              <a:xfrm>
+                <a:off x="8887622" y="961702"/>
+                <a:ext cx="1423467" cy="289182"/>
+              </a:xfrm>
+              <a:prstGeom prst="rect">
+                <a:avLst/>
+              </a:prstGeom>
+              <a:blipFill>
+                <a:blip r:embed="rId28"/>
+                <a:stretch>
+                  <a:fillRect l="-3863" r="-1288" b="-12766"/>
+                </a:stretch>
+              </a:blipFill>
+            </p:spPr>
+            <p:txBody>
+              <a:bodyPr/>
+              <a:lstStyle/>
+              <a:p>
+                <a:r>
+                  <a:rPr lang="en-US">
+                    <a:noFill/>
+                  </a:rPr>
+                  <a:t> </a:t>
+                </a:r>
+              </a:p>
+            </p:txBody>
+          </p:sp>
+        </mc:Fallback>
+      </mc:AlternateContent>
+      <mc:AlternateContent xmlns:mc="http://schemas.openxmlformats.org/markup-compatibility/2006">
+        <mc:Choice xmlns:a14="http://schemas.microsoft.com/office/drawing/2010/main" Requires="a14">
+          <p:sp>
+            <p:nvSpPr>
+              <p:cNvPr id="349" name="TextBox 348">
+                <a:extLst>
+                  <a:ext uri="{FF2B5EF4-FFF2-40B4-BE49-F238E27FC236}">
+                    <a16:creationId xmlns:a16="http://schemas.microsoft.com/office/drawing/2014/main" id="{53B3EAFD-8306-DC8B-B159-47C498CF9B66}"/>
+                  </a:ext>
+                </a:extLst>
+              </p:cNvPr>
+              <p:cNvSpPr txBox="1"/>
+              <p:nvPr/>
+            </p:nvSpPr>
+            <p:spPr>
+              <a:xfrm>
+                <a:off x="9260768" y="1938633"/>
+                <a:ext cx="677173" cy="276999"/>
+              </a:xfrm>
+              <a:prstGeom prst="rect">
+                <a:avLst/>
+              </a:prstGeom>
+              <a:noFill/>
+            </p:spPr>
+            <p:txBody>
+              <a:bodyPr wrap="none" lIns="0" tIns="0" rIns="0" bIns="0" rtlCol="0">
+                <a:spAutoFit/>
+              </a:bodyPr>
+              <a:lstStyle/>
+              <a:p>
+                <a14:m>
+                  <m:oMathPara xmlns:m="http://schemas.openxmlformats.org/officeDocument/2006/math">
+                    <m:oMathParaPr>
+                      <m:jc m:val="centerGroup"/>
+                    </m:oMathParaPr>
+                    <m:oMath xmlns:m="http://schemas.openxmlformats.org/officeDocument/2006/math">
+                      <m:sSub>
+                        <m:sSubPr>
+                          <m:ctrlPr>
+                            <a:rPr lang="en-US" b="0" i="1" smtClean="0">
+                              <a:latin typeface="Cambria Math" panose="02040503050406030204" pitchFamily="18" charset="0"/>
+                            </a:rPr>
+                          </m:ctrlPr>
+                        </m:sSubPr>
+                        <m:e>
+                          <m:r>
+                            <a:rPr lang="en-US" b="0" i="1" smtClean="0">
+                              <a:latin typeface="Cambria Math" panose="02040503050406030204" pitchFamily="18" charset="0"/>
+                            </a:rPr>
+                            <m:t>𝑀</m:t>
+                          </m:r>
+                        </m:e>
+                        <m:sub>
+                          <m:sSup>
+                            <m:sSupPr>
+                              <m:ctrlPr>
+                                <a:rPr lang="en-US" b="0" i="1" smtClean="0">
+                                  <a:latin typeface="Cambria Math" panose="02040503050406030204" pitchFamily="18" charset="0"/>
+                                </a:rPr>
+                              </m:ctrlPr>
+                            </m:sSupPr>
+                            <m:e>
+                              <m:r>
+                                <a:rPr lang="en-US" b="0" i="1" smtClean="0">
+                                  <a:latin typeface="Cambria Math" panose="02040503050406030204" pitchFamily="18" charset="0"/>
+                                </a:rPr>
+                                <m:t>4</m:t>
+                              </m:r>
+                            </m:e>
+                            <m:sup>
+                              <m:r>
+                                <a:rPr lang="en-US" b="0" i="1" smtClean="0">
+                                  <a:latin typeface="Cambria Math" panose="02040503050406030204" pitchFamily="18" charset="0"/>
+                                </a:rPr>
+                                <m:t>𝑛</m:t>
+                              </m:r>
+                            </m:sup>
+                          </m:sSup>
+                          <m:r>
+                            <a:rPr lang="en-US" b="0" i="1" smtClean="0">
+                              <a:latin typeface="Cambria Math" panose="02040503050406030204" pitchFamily="18" charset="0"/>
+                            </a:rPr>
+                            <m:t>−1</m:t>
+                          </m:r>
+                        </m:sub>
+                      </m:sSub>
+                    </m:oMath>
+                  </m:oMathPara>
+                </a14:m>
+                <a:endParaRPr lang="en-US" dirty="0"/>
+              </a:p>
+            </p:txBody>
+          </p:sp>
+        </mc:Choice>
+        <mc:Fallback>
+          <p:sp>
+            <p:nvSpPr>
+              <p:cNvPr id="349" name="TextBox 348">
+                <a:extLst>
+                  <a:ext uri="{FF2B5EF4-FFF2-40B4-BE49-F238E27FC236}">
+                    <a16:creationId xmlns:a16="http://schemas.microsoft.com/office/drawing/2014/main" id="{53B3EAFD-8306-DC8B-B159-47C498CF9B66}"/>
+                  </a:ext>
+                </a:extLst>
+              </p:cNvPr>
+              <p:cNvSpPr txBox="1">
+                <a:spLocks noRot="1" noChangeAspect="1" noMove="1" noResize="1" noEditPoints="1" noAdjustHandles="1" noChangeArrowheads="1" noChangeShapeType="1" noTextEdit="1"/>
+              </p:cNvSpPr>
+              <p:nvPr/>
+            </p:nvSpPr>
+            <p:spPr>
+              <a:xfrm>
+                <a:off x="9260768" y="1938633"/>
+                <a:ext cx="677173" cy="276999"/>
+              </a:xfrm>
+              <a:prstGeom prst="rect">
+                <a:avLst/>
+              </a:prstGeom>
+              <a:blipFill>
+                <a:blip r:embed="rId29"/>
+                <a:stretch>
+                  <a:fillRect l="-7207" r="-3604" b="-17778"/>
+                </a:stretch>
+              </a:blipFill>
+            </p:spPr>
+            <p:txBody>
+              <a:bodyPr/>
+              <a:lstStyle/>
+              <a:p>
+                <a:r>
+                  <a:rPr lang="en-US">
+                    <a:noFill/>
+                  </a:rPr>
+                  <a:t> </a:t>
+                </a:r>
+              </a:p>
+            </p:txBody>
+          </p:sp>
+        </mc:Fallback>
+      </mc:AlternateContent>
+      <p:cxnSp>
+        <p:nvCxnSpPr>
+          <p:cNvPr id="350" name="Straight Arrow Connector 349">
+            <a:extLst>
+              <a:ext uri="{FF2B5EF4-FFF2-40B4-BE49-F238E27FC236}">
+                <a16:creationId xmlns:a16="http://schemas.microsoft.com/office/drawing/2014/main" id="{51BC5428-F7A2-944A-F380-025880618FA0}"/>
+              </a:ext>
+            </a:extLst>
+          </p:cNvPr>
+          <p:cNvCxnSpPr>
+            <a:cxnSpLocks/>
+            <a:stCxn id="348" idx="2"/>
+            <a:endCxn id="349" idx="0"/>
+          </p:cNvCxnSpPr>
+          <p:nvPr/>
+        </p:nvCxnSpPr>
+        <p:spPr>
+          <a:xfrm flipH="1">
+            <a:off x="9599355" y="1250884"/>
+            <a:ext cx="1" cy="687749"/>
+          </a:xfrm>
+          <a:prstGeom prst="straightConnector1">
+            <a:avLst/>
+          </a:prstGeom>
+          <a:ln>
+            <a:tailEnd type="triangle"/>
+          </a:ln>
+        </p:spPr>
+        <p:style>
+          <a:lnRef idx="1">
+            <a:schemeClr val="dk1"/>
+          </a:lnRef>
+          <a:fillRef idx="0">
+            <a:schemeClr val="dk1"/>
+          </a:fillRef>
+          <a:effectRef idx="0">
+            <a:schemeClr val="dk1"/>
+          </a:effectRef>
+          <a:fontRef idx="minor">
+            <a:schemeClr val="tx1"/>
+          </a:fontRef>
+        </p:style>
+      </p:cxnSp>
+      <mc:AlternateContent xmlns:mc="http://schemas.openxmlformats.org/markup-compatibility/2006">
+        <mc:Choice xmlns:a14="http://schemas.microsoft.com/office/drawing/2010/main" Requires="a14">
+          <p:sp>
+            <p:nvSpPr>
+              <p:cNvPr id="351" name="TextBox 350">
+                <a:extLst>
+                  <a:ext uri="{FF2B5EF4-FFF2-40B4-BE49-F238E27FC236}">
+                    <a16:creationId xmlns:a16="http://schemas.microsoft.com/office/drawing/2014/main" id="{7D26AA91-5EDE-FF87-0A55-530945BE9435}"/>
+                  </a:ext>
+                </a:extLst>
+              </p:cNvPr>
+              <p:cNvSpPr txBox="1"/>
+              <p:nvPr/>
+            </p:nvSpPr>
+            <p:spPr>
+              <a:xfrm>
+                <a:off x="7240653" y="1933577"/>
+                <a:ext cx="142667" cy="276999"/>
+              </a:xfrm>
+              <a:prstGeom prst="rect">
+                <a:avLst/>
+              </a:prstGeom>
+              <a:noFill/>
+            </p:spPr>
+            <p:txBody>
+              <a:bodyPr wrap="none" lIns="0" tIns="0" rIns="0" bIns="0" rtlCol="0">
+                <a:spAutoFit/>
+              </a:bodyPr>
+              <a:lstStyle/>
+              <a:p>
+                <a14:m>
+                  <m:oMathPara xmlns:m="http://schemas.openxmlformats.org/officeDocument/2006/math">
+                    <m:oMathParaPr>
+                      <m:jc m:val="centerGroup"/>
+                    </m:oMathParaPr>
+                    <m:oMath xmlns:m="http://schemas.openxmlformats.org/officeDocument/2006/math">
+                      <m:r>
+                        <a:rPr lang="en-US" b="0" i="1" smtClean="0">
+                          <a:latin typeface="Cambria Math" panose="02040503050406030204" pitchFamily="18" charset="0"/>
+                        </a:rPr>
+                        <m:t>{</m:t>
+                      </m:r>
+                    </m:oMath>
+                  </m:oMathPara>
+                </a14:m>
+                <a:endParaRPr lang="en-US" dirty="0"/>
+              </a:p>
+            </p:txBody>
+          </p:sp>
+        </mc:Choice>
+        <mc:Fallback>
+          <p:sp>
+            <p:nvSpPr>
+              <p:cNvPr id="351" name="TextBox 350">
+                <a:extLst>
+                  <a:ext uri="{FF2B5EF4-FFF2-40B4-BE49-F238E27FC236}">
+                    <a16:creationId xmlns:a16="http://schemas.microsoft.com/office/drawing/2014/main" id="{7D26AA91-5EDE-FF87-0A55-530945BE9435}"/>
+                  </a:ext>
+                </a:extLst>
+              </p:cNvPr>
+              <p:cNvSpPr txBox="1">
+                <a:spLocks noRot="1" noChangeAspect="1" noMove="1" noResize="1" noEditPoints="1" noAdjustHandles="1" noChangeArrowheads="1" noChangeShapeType="1" noTextEdit="1"/>
+              </p:cNvSpPr>
+              <p:nvPr/>
+            </p:nvSpPr>
+            <p:spPr>
+              <a:xfrm>
+                <a:off x="7240653" y="1933577"/>
+                <a:ext cx="142667" cy="276999"/>
+              </a:xfrm>
+              <a:prstGeom prst="rect">
+                <a:avLst/>
+              </a:prstGeom>
+              <a:blipFill>
+                <a:blip r:embed="rId30"/>
+                <a:stretch>
+                  <a:fillRect l="-65217" t="-2174" r="-60870" b="-36957"/>
+                </a:stretch>
+              </a:blipFill>
+            </p:spPr>
+            <p:txBody>
+              <a:bodyPr/>
+              <a:lstStyle/>
+              <a:p>
+                <a:r>
+                  <a:rPr lang="en-US">
+                    <a:noFill/>
+                  </a:rPr>
+                  <a:t> </a:t>
+                </a:r>
+              </a:p>
+            </p:txBody>
+          </p:sp>
+        </mc:Fallback>
+      </mc:AlternateContent>
+      <mc:AlternateContent xmlns:mc="http://schemas.openxmlformats.org/markup-compatibility/2006">
+        <mc:Choice xmlns:a14="http://schemas.microsoft.com/office/drawing/2010/main" Requires="a14">
+          <p:sp>
+            <p:nvSpPr>
+              <p:cNvPr id="352" name="TextBox 351">
+                <a:extLst>
+                  <a:ext uri="{FF2B5EF4-FFF2-40B4-BE49-F238E27FC236}">
+                    <a16:creationId xmlns:a16="http://schemas.microsoft.com/office/drawing/2014/main" id="{601C982D-6ACA-3CE7-9BC6-80E0E4B515E2}"/>
+                  </a:ext>
+                </a:extLst>
+              </p:cNvPr>
+              <p:cNvSpPr txBox="1"/>
+              <p:nvPr/>
+            </p:nvSpPr>
+            <p:spPr>
+              <a:xfrm>
+                <a:off x="7792201" y="2309606"/>
+                <a:ext cx="253274" cy="276999"/>
+              </a:xfrm>
+              <a:prstGeom prst="rect">
+                <a:avLst/>
+              </a:prstGeom>
+              <a:noFill/>
+            </p:spPr>
+            <p:txBody>
+              <a:bodyPr wrap="none" lIns="0" tIns="0" rIns="0" bIns="0" rtlCol="0">
+                <a:spAutoFit/>
+              </a:bodyPr>
+              <a:lstStyle/>
+              <a:p>
+                <a14:m>
+                  <m:oMathPara xmlns:m="http://schemas.openxmlformats.org/officeDocument/2006/math">
+                    <m:oMathParaPr>
+                      <m:jc m:val="centerGroup"/>
+                    </m:oMathParaPr>
+                    <m:oMath xmlns:m="http://schemas.openxmlformats.org/officeDocument/2006/math">
+                      <m:r>
+                        <a:rPr lang="en-US" i="1" smtClean="0">
+                          <a:latin typeface="Cambria Math" panose="02040503050406030204" pitchFamily="18" charset="0"/>
+                          <a:ea typeface="Cambria Math" panose="02040503050406030204" pitchFamily="18" charset="0"/>
+                        </a:rPr>
+                        <m:t>⨁</m:t>
+                      </m:r>
+                    </m:oMath>
+                  </m:oMathPara>
+                </a14:m>
+                <a:endParaRPr lang="en-US" dirty="0"/>
+              </a:p>
+            </p:txBody>
+          </p:sp>
+        </mc:Choice>
+        <mc:Fallback>
+          <p:sp>
+            <p:nvSpPr>
+              <p:cNvPr id="352" name="TextBox 351">
+                <a:extLst>
+                  <a:ext uri="{FF2B5EF4-FFF2-40B4-BE49-F238E27FC236}">
+                    <a16:creationId xmlns:a16="http://schemas.microsoft.com/office/drawing/2014/main" id="{601C982D-6ACA-3CE7-9BC6-80E0E4B515E2}"/>
+                  </a:ext>
+                </a:extLst>
+              </p:cNvPr>
+              <p:cNvSpPr txBox="1">
+                <a:spLocks noRot="1" noChangeAspect="1" noMove="1" noResize="1" noEditPoints="1" noAdjustHandles="1" noChangeArrowheads="1" noChangeShapeType="1" noTextEdit="1"/>
+              </p:cNvSpPr>
+              <p:nvPr/>
+            </p:nvSpPr>
+            <p:spPr>
+              <a:xfrm>
+                <a:off x="7792201" y="2309606"/>
+                <a:ext cx="253274" cy="276999"/>
+              </a:xfrm>
+              <a:prstGeom prst="rect">
+                <a:avLst/>
+              </a:prstGeom>
+              <a:blipFill>
+                <a:blip r:embed="rId31"/>
+                <a:stretch>
+                  <a:fillRect l="-26190" r="-23810" b="-20000"/>
+                </a:stretch>
+              </a:blipFill>
+            </p:spPr>
+            <p:txBody>
+              <a:bodyPr/>
+              <a:lstStyle/>
+              <a:p>
+                <a:r>
+                  <a:rPr lang="en-US">
+                    <a:noFill/>
+                  </a:rPr>
+                  <a:t> </a:t>
+                </a:r>
+              </a:p>
+            </p:txBody>
+          </p:sp>
+        </mc:Fallback>
+      </mc:AlternateContent>
+      <mc:AlternateContent xmlns:mc="http://schemas.openxmlformats.org/markup-compatibility/2006">
+        <mc:Choice xmlns:a14="http://schemas.microsoft.com/office/drawing/2010/main" Requires="a14">
+          <p:sp>
+            <p:nvSpPr>
+              <p:cNvPr id="353" name="TextBox 352">
+                <a:extLst>
+                  <a:ext uri="{FF2B5EF4-FFF2-40B4-BE49-F238E27FC236}">
+                    <a16:creationId xmlns:a16="http://schemas.microsoft.com/office/drawing/2014/main" id="{3BC73C48-1F4A-F2E5-6728-0AF1386B0BEC}"/>
+                  </a:ext>
+                </a:extLst>
+              </p:cNvPr>
+              <p:cNvSpPr txBox="1"/>
+              <p:nvPr/>
+            </p:nvSpPr>
+            <p:spPr>
+              <a:xfrm>
+                <a:off x="9153196" y="2305057"/>
+                <a:ext cx="253274" cy="276999"/>
+              </a:xfrm>
+              <a:prstGeom prst="rect">
+                <a:avLst/>
+              </a:prstGeom>
+              <a:noFill/>
+            </p:spPr>
+            <p:txBody>
+              <a:bodyPr wrap="none" lIns="0" tIns="0" rIns="0" bIns="0" rtlCol="0">
+                <a:spAutoFit/>
+              </a:bodyPr>
+              <a:lstStyle/>
+              <a:p>
+                <a14:m>
+                  <m:oMathPara xmlns:m="http://schemas.openxmlformats.org/officeDocument/2006/math">
+                    <m:oMathParaPr>
+                      <m:jc m:val="centerGroup"/>
+                    </m:oMathParaPr>
+                    <m:oMath xmlns:m="http://schemas.openxmlformats.org/officeDocument/2006/math">
+                      <m:r>
+                        <a:rPr lang="en-US" i="1" smtClean="0">
+                          <a:latin typeface="Cambria Math" panose="02040503050406030204" pitchFamily="18" charset="0"/>
+                          <a:ea typeface="Cambria Math" panose="02040503050406030204" pitchFamily="18" charset="0"/>
+                        </a:rPr>
+                        <m:t>⨁</m:t>
+                      </m:r>
+                    </m:oMath>
+                  </m:oMathPara>
+                </a14:m>
+                <a:endParaRPr lang="en-US" dirty="0"/>
+              </a:p>
+            </p:txBody>
+          </p:sp>
+        </mc:Choice>
+        <mc:Fallback>
+          <p:sp>
+            <p:nvSpPr>
+              <p:cNvPr id="353" name="TextBox 352">
+                <a:extLst>
+                  <a:ext uri="{FF2B5EF4-FFF2-40B4-BE49-F238E27FC236}">
+                    <a16:creationId xmlns:a16="http://schemas.microsoft.com/office/drawing/2014/main" id="{3BC73C48-1F4A-F2E5-6728-0AF1386B0BEC}"/>
+                  </a:ext>
+                </a:extLst>
+              </p:cNvPr>
+              <p:cNvSpPr txBox="1">
+                <a:spLocks noRot="1" noChangeAspect="1" noMove="1" noResize="1" noEditPoints="1" noAdjustHandles="1" noChangeArrowheads="1" noChangeShapeType="1" noTextEdit="1"/>
+              </p:cNvSpPr>
+              <p:nvPr/>
+            </p:nvSpPr>
+            <p:spPr>
+              <a:xfrm>
+                <a:off x="9153196" y="2305057"/>
+                <a:ext cx="253274" cy="276999"/>
+              </a:xfrm>
+              <a:prstGeom prst="rect">
+                <a:avLst/>
+              </a:prstGeom>
+              <a:blipFill>
+                <a:blip r:embed="rId32"/>
+                <a:stretch>
+                  <a:fillRect l="-26829" r="-26829" b="-17391"/>
+                </a:stretch>
+              </a:blipFill>
+            </p:spPr>
+            <p:txBody>
+              <a:bodyPr/>
+              <a:lstStyle/>
+              <a:p>
+                <a:r>
+                  <a:rPr lang="en-US">
+                    <a:noFill/>
+                  </a:rPr>
+                  <a:t> </a:t>
+                </a:r>
+              </a:p>
+            </p:txBody>
+          </p:sp>
+        </mc:Fallback>
+      </mc:AlternateContent>
+      <mc:AlternateContent xmlns:mc="http://schemas.openxmlformats.org/markup-compatibility/2006">
+        <mc:Choice xmlns:a14="http://schemas.microsoft.com/office/drawing/2010/main" Requires="a14">
+          <p:sp>
+            <p:nvSpPr>
+              <p:cNvPr id="354" name="TextBox 353">
+                <a:extLst>
+                  <a:ext uri="{FF2B5EF4-FFF2-40B4-BE49-F238E27FC236}">
+                    <a16:creationId xmlns:a16="http://schemas.microsoft.com/office/drawing/2014/main" id="{0043BB5A-560C-6164-4C2F-5660E98D20E7}"/>
+                  </a:ext>
+                </a:extLst>
+              </p:cNvPr>
+              <p:cNvSpPr txBox="1"/>
+              <p:nvPr/>
+            </p:nvSpPr>
+            <p:spPr>
+              <a:xfrm>
+                <a:off x="8736496" y="1933578"/>
+                <a:ext cx="226023" cy="276999"/>
+              </a:xfrm>
+              <a:prstGeom prst="rect">
+                <a:avLst/>
+              </a:prstGeom>
+              <a:noFill/>
+            </p:spPr>
+            <p:txBody>
+              <a:bodyPr wrap="none" lIns="0" tIns="0" rIns="0" bIns="0" rtlCol="0">
+                <a:spAutoFit/>
+              </a:bodyPr>
+              <a:lstStyle/>
+              <a:p>
+                <a14:m>
+                  <m:oMathPara xmlns:m="http://schemas.openxmlformats.org/officeDocument/2006/math">
+                    <m:oMathParaPr>
+                      <m:jc m:val="centerGroup"/>
+                    </m:oMathParaPr>
+                    <m:oMath xmlns:m="http://schemas.openxmlformats.org/officeDocument/2006/math">
+                      <m:r>
+                        <a:rPr lang="en-US" b="0" i="1" smtClean="0">
+                          <a:latin typeface="Cambria Math" panose="02040503050406030204" pitchFamily="18" charset="0"/>
+                          <a:ea typeface="Cambria Math" panose="02040503050406030204" pitchFamily="18" charset="0"/>
+                        </a:rPr>
+                        <m:t>…</m:t>
+                      </m:r>
+                    </m:oMath>
+                  </m:oMathPara>
+                </a14:m>
+                <a:endParaRPr lang="en-US" dirty="0"/>
+              </a:p>
+            </p:txBody>
+          </p:sp>
+        </mc:Choice>
+        <mc:Fallback>
+          <p:sp>
+            <p:nvSpPr>
+              <p:cNvPr id="354" name="TextBox 353">
+                <a:extLst>
+                  <a:ext uri="{FF2B5EF4-FFF2-40B4-BE49-F238E27FC236}">
+                    <a16:creationId xmlns:a16="http://schemas.microsoft.com/office/drawing/2014/main" id="{0043BB5A-560C-6164-4C2F-5660E98D20E7}"/>
+                  </a:ext>
+                </a:extLst>
+              </p:cNvPr>
+              <p:cNvSpPr txBox="1">
+                <a:spLocks noRot="1" noChangeAspect="1" noMove="1" noResize="1" noEditPoints="1" noAdjustHandles="1" noChangeArrowheads="1" noChangeShapeType="1" noTextEdit="1"/>
+              </p:cNvSpPr>
+              <p:nvPr/>
+            </p:nvSpPr>
+            <p:spPr>
+              <a:xfrm>
+                <a:off x="8736496" y="1933578"/>
+                <a:ext cx="226023" cy="276999"/>
+              </a:xfrm>
+              <a:prstGeom prst="rect">
+                <a:avLst/>
+              </a:prstGeom>
+              <a:blipFill>
+                <a:blip r:embed="rId33"/>
+                <a:stretch>
+                  <a:fillRect/>
+                </a:stretch>
+              </a:blipFill>
+            </p:spPr>
+            <p:txBody>
+              <a:bodyPr/>
+              <a:lstStyle/>
+              <a:p>
+                <a:r>
+                  <a:rPr lang="en-US">
+                    <a:noFill/>
+                  </a:rPr>
+                  <a:t> </a:t>
+                </a:r>
+              </a:p>
+            </p:txBody>
+          </p:sp>
+        </mc:Fallback>
+      </mc:AlternateContent>
+      <mc:AlternateContent xmlns:mc="http://schemas.openxmlformats.org/markup-compatibility/2006">
+        <mc:Choice xmlns:a14="http://schemas.microsoft.com/office/drawing/2010/main" Requires="a14">
+          <p:sp>
+            <p:nvSpPr>
+              <p:cNvPr id="355" name="TextBox 354">
+                <a:extLst>
+                  <a:ext uri="{FF2B5EF4-FFF2-40B4-BE49-F238E27FC236}">
+                    <a16:creationId xmlns:a16="http://schemas.microsoft.com/office/drawing/2014/main" id="{730878E5-1D7A-43B6-B128-C0013DE69927}"/>
+                  </a:ext>
+                </a:extLst>
+              </p:cNvPr>
+              <p:cNvSpPr txBox="1"/>
+              <p:nvPr/>
+            </p:nvSpPr>
+            <p:spPr>
+              <a:xfrm>
+                <a:off x="9884295" y="1933577"/>
+                <a:ext cx="142667" cy="276999"/>
+              </a:xfrm>
+              <a:prstGeom prst="rect">
+                <a:avLst/>
+              </a:prstGeom>
+              <a:noFill/>
+            </p:spPr>
+            <p:txBody>
+              <a:bodyPr wrap="none" lIns="0" tIns="0" rIns="0" bIns="0" rtlCol="0">
+                <a:spAutoFit/>
+              </a:bodyPr>
+              <a:lstStyle/>
+              <a:p>
+                <a14:m>
+                  <m:oMathPara xmlns:m="http://schemas.openxmlformats.org/officeDocument/2006/math">
+                    <m:oMathParaPr>
+                      <m:jc m:val="centerGroup"/>
+                    </m:oMathParaPr>
+                    <m:oMath xmlns:m="http://schemas.openxmlformats.org/officeDocument/2006/math">
+                      <m:r>
+                        <a:rPr lang="en-US" b="0" i="1" smtClean="0">
+                          <a:latin typeface="Cambria Math" panose="02040503050406030204" pitchFamily="18" charset="0"/>
+                        </a:rPr>
+                        <m:t>}</m:t>
+                      </m:r>
+                    </m:oMath>
+                  </m:oMathPara>
+                </a14:m>
+                <a:endParaRPr lang="en-US" dirty="0"/>
+              </a:p>
+            </p:txBody>
+          </p:sp>
+        </mc:Choice>
+        <mc:Fallback>
+          <p:sp>
+            <p:nvSpPr>
+              <p:cNvPr id="355" name="TextBox 354">
+                <a:extLst>
+                  <a:ext uri="{FF2B5EF4-FFF2-40B4-BE49-F238E27FC236}">
+                    <a16:creationId xmlns:a16="http://schemas.microsoft.com/office/drawing/2014/main" id="{730878E5-1D7A-43B6-B128-C0013DE69927}"/>
+                  </a:ext>
+                </a:extLst>
+              </p:cNvPr>
+              <p:cNvSpPr txBox="1">
+                <a:spLocks noRot="1" noChangeAspect="1" noMove="1" noResize="1" noEditPoints="1" noAdjustHandles="1" noChangeArrowheads="1" noChangeShapeType="1" noTextEdit="1"/>
+              </p:cNvSpPr>
+              <p:nvPr/>
+            </p:nvSpPr>
+            <p:spPr>
+              <a:xfrm>
+                <a:off x="9884295" y="1933577"/>
+                <a:ext cx="142667" cy="276999"/>
+              </a:xfrm>
+              <a:prstGeom prst="rect">
+                <a:avLst/>
+              </a:prstGeom>
+              <a:blipFill>
+                <a:blip r:embed="rId34"/>
+                <a:stretch>
+                  <a:fillRect l="-58333" t="-2174" r="-58333" b="-36957"/>
+                </a:stretch>
+              </a:blipFill>
+            </p:spPr>
+            <p:txBody>
+              <a:bodyPr/>
+              <a:lstStyle/>
+              <a:p>
+                <a:r>
+                  <a:rPr lang="en-US">
+                    <a:noFill/>
+                  </a:rPr>
+                  <a:t> </a:t>
+                </a:r>
+              </a:p>
+            </p:txBody>
+          </p:sp>
+        </mc:Fallback>
+      </mc:AlternateContent>
+      <mc:AlternateContent xmlns:mc="http://schemas.openxmlformats.org/markup-compatibility/2006">
+        <mc:Choice xmlns:a14="http://schemas.microsoft.com/office/drawing/2010/main" Requires="a14">
+          <p:sp>
+            <p:nvSpPr>
+              <p:cNvPr id="356" name="TextBox 355">
+                <a:extLst>
+                  <a:ext uri="{FF2B5EF4-FFF2-40B4-BE49-F238E27FC236}">
+                    <a16:creationId xmlns:a16="http://schemas.microsoft.com/office/drawing/2014/main" id="{A470C661-FD14-608B-04A6-657823412C7F}"/>
+                  </a:ext>
+                </a:extLst>
+              </p:cNvPr>
+              <p:cNvSpPr txBox="1"/>
+              <p:nvPr/>
+            </p:nvSpPr>
+            <p:spPr>
+              <a:xfrm rot="16200000">
+                <a:off x="7793964" y="2545555"/>
+                <a:ext cx="226023" cy="276999"/>
+              </a:xfrm>
+              <a:prstGeom prst="rect">
+                <a:avLst/>
+              </a:prstGeom>
+              <a:noFill/>
+            </p:spPr>
+            <p:txBody>
+              <a:bodyPr wrap="none" lIns="0" tIns="0" rIns="0" bIns="0" rtlCol="0">
+                <a:spAutoFit/>
+              </a:bodyPr>
+              <a:lstStyle/>
+              <a:p>
+                <a14:m>
+                  <m:oMathPara xmlns:m="http://schemas.openxmlformats.org/officeDocument/2006/math">
+                    <m:oMathParaPr>
+                      <m:jc m:val="centerGroup"/>
+                    </m:oMathParaPr>
+                    <m:oMath xmlns:m="http://schemas.openxmlformats.org/officeDocument/2006/math">
+                      <m:r>
+                        <a:rPr lang="en-US" b="0" i="1" smtClean="0">
+                          <a:latin typeface="Cambria Math" panose="02040503050406030204" pitchFamily="18" charset="0"/>
+                        </a:rPr>
+                        <m:t>=</m:t>
+                      </m:r>
+                    </m:oMath>
+                  </m:oMathPara>
+                </a14:m>
+                <a:endParaRPr lang="en-US" dirty="0"/>
+              </a:p>
+            </p:txBody>
+          </p:sp>
+        </mc:Choice>
+        <mc:Fallback>
+          <p:sp>
+            <p:nvSpPr>
+              <p:cNvPr id="356" name="TextBox 355">
+                <a:extLst>
+                  <a:ext uri="{FF2B5EF4-FFF2-40B4-BE49-F238E27FC236}">
+                    <a16:creationId xmlns:a16="http://schemas.microsoft.com/office/drawing/2014/main" id="{A470C661-FD14-608B-04A6-657823412C7F}"/>
+                  </a:ext>
+                </a:extLst>
+              </p:cNvPr>
+              <p:cNvSpPr txBox="1">
+                <a:spLocks noRot="1" noChangeAspect="1" noMove="1" noResize="1" noEditPoints="1" noAdjustHandles="1" noChangeArrowheads="1" noChangeShapeType="1" noTextEdit="1"/>
+              </p:cNvSpPr>
+              <p:nvPr/>
+            </p:nvSpPr>
+            <p:spPr>
+              <a:xfrm rot="16200000">
+                <a:off x="7793964" y="2545555"/>
+                <a:ext cx="226023" cy="276999"/>
+              </a:xfrm>
+              <a:prstGeom prst="rect">
+                <a:avLst/>
+              </a:prstGeom>
+              <a:blipFill>
+                <a:blip r:embed="rId35"/>
+                <a:stretch>
+                  <a:fillRect t="-10811" b="-10811"/>
+                </a:stretch>
+              </a:blipFill>
+            </p:spPr>
+            <p:txBody>
+              <a:bodyPr/>
+              <a:lstStyle/>
+              <a:p>
+                <a:r>
+                  <a:rPr lang="en-US">
+                    <a:noFill/>
+                  </a:rPr>
+                  <a:t> </a:t>
+                </a:r>
+              </a:p>
+            </p:txBody>
+          </p:sp>
+        </mc:Fallback>
+      </mc:AlternateContent>
+      <mc:AlternateContent xmlns:mc="http://schemas.openxmlformats.org/markup-compatibility/2006">
+        <mc:Choice xmlns:a14="http://schemas.microsoft.com/office/drawing/2010/main" Requires="a14">
+          <p:sp>
+            <p:nvSpPr>
+              <p:cNvPr id="357" name="TextBox 356">
+                <a:extLst>
+                  <a:ext uri="{FF2B5EF4-FFF2-40B4-BE49-F238E27FC236}">
+                    <a16:creationId xmlns:a16="http://schemas.microsoft.com/office/drawing/2014/main" id="{A03DE478-C88E-E40C-AEF6-7C1306C5BE05}"/>
+                  </a:ext>
+                </a:extLst>
+              </p:cNvPr>
+              <p:cNvSpPr txBox="1"/>
+              <p:nvPr/>
+            </p:nvSpPr>
+            <p:spPr>
+              <a:xfrm rot="16200000">
+                <a:off x="9166821" y="2556568"/>
+                <a:ext cx="226023" cy="276999"/>
+              </a:xfrm>
+              <a:prstGeom prst="rect">
+                <a:avLst/>
+              </a:prstGeom>
+              <a:noFill/>
+            </p:spPr>
+            <p:txBody>
+              <a:bodyPr wrap="none" lIns="0" tIns="0" rIns="0" bIns="0" rtlCol="0">
+                <a:spAutoFit/>
+              </a:bodyPr>
+              <a:lstStyle/>
+              <a:p>
+                <a14:m>
+                  <m:oMathPara xmlns:m="http://schemas.openxmlformats.org/officeDocument/2006/math">
+                    <m:oMathParaPr>
+                      <m:jc m:val="centerGroup"/>
+                    </m:oMathParaPr>
+                    <m:oMath xmlns:m="http://schemas.openxmlformats.org/officeDocument/2006/math">
+                      <m:r>
+                        <a:rPr lang="en-US" b="0" i="1" smtClean="0">
+                          <a:latin typeface="Cambria Math" panose="02040503050406030204" pitchFamily="18" charset="0"/>
+                        </a:rPr>
+                        <m:t>=</m:t>
+                      </m:r>
+                    </m:oMath>
+                  </m:oMathPara>
+                </a14:m>
+                <a:endParaRPr lang="en-US" dirty="0"/>
+              </a:p>
+            </p:txBody>
+          </p:sp>
+        </mc:Choice>
+        <mc:Fallback>
+          <p:sp>
+            <p:nvSpPr>
+              <p:cNvPr id="357" name="TextBox 356">
+                <a:extLst>
+                  <a:ext uri="{FF2B5EF4-FFF2-40B4-BE49-F238E27FC236}">
+                    <a16:creationId xmlns:a16="http://schemas.microsoft.com/office/drawing/2014/main" id="{A03DE478-C88E-E40C-AEF6-7C1306C5BE05}"/>
+                  </a:ext>
+                </a:extLst>
+              </p:cNvPr>
+              <p:cNvSpPr txBox="1">
+                <a:spLocks noRot="1" noChangeAspect="1" noMove="1" noResize="1" noEditPoints="1" noAdjustHandles="1" noChangeArrowheads="1" noChangeShapeType="1" noTextEdit="1"/>
+              </p:cNvSpPr>
+              <p:nvPr/>
+            </p:nvSpPr>
+            <p:spPr>
+              <a:xfrm rot="16200000">
+                <a:off x="9166821" y="2556568"/>
+                <a:ext cx="226023" cy="276999"/>
+              </a:xfrm>
+              <a:prstGeom prst="rect">
+                <a:avLst/>
+              </a:prstGeom>
+              <a:blipFill>
+                <a:blip r:embed="rId36"/>
+                <a:stretch>
+                  <a:fillRect t="-10811" b="-10811"/>
+                </a:stretch>
+              </a:blipFill>
+            </p:spPr>
+            <p:txBody>
+              <a:bodyPr/>
+              <a:lstStyle/>
+              <a:p>
+                <a:r>
+                  <a:rPr lang="en-US">
+                    <a:noFill/>
+                  </a:rPr>
+                  <a:t> </a:t>
+                </a:r>
+              </a:p>
+            </p:txBody>
+          </p:sp>
+        </mc:Fallback>
+      </mc:AlternateContent>
+      <mc:AlternateContent xmlns:mc="http://schemas.openxmlformats.org/markup-compatibility/2006">
+        <mc:Choice xmlns:a14="http://schemas.microsoft.com/office/drawing/2010/main" Requires="a14">
+          <p:sp>
+            <p:nvSpPr>
+              <p:cNvPr id="358" name="TextBox 357">
+                <a:extLst>
+                  <a:ext uri="{FF2B5EF4-FFF2-40B4-BE49-F238E27FC236}">
+                    <a16:creationId xmlns:a16="http://schemas.microsoft.com/office/drawing/2014/main" id="{38AB93A0-A028-1381-D374-A5CCA71BB70B}"/>
+                  </a:ext>
+                </a:extLst>
+              </p:cNvPr>
+              <p:cNvSpPr txBox="1"/>
+              <p:nvPr/>
+            </p:nvSpPr>
+            <p:spPr>
+              <a:xfrm>
+                <a:off x="7678485" y="2808079"/>
+                <a:ext cx="476925" cy="289182"/>
+              </a:xfrm>
+              <a:prstGeom prst="rect">
+                <a:avLst/>
+              </a:prstGeom>
+              <a:noFill/>
+            </p:spPr>
+            <p:txBody>
+              <a:bodyPr wrap="none" lIns="0" tIns="0" rIns="0" bIns="0" rtlCol="0">
+                <a:spAutoFit/>
+              </a:bodyPr>
+              <a:lstStyle/>
+              <a:p>
+                <a14:m>
+                  <m:oMathPara xmlns:m="http://schemas.openxmlformats.org/officeDocument/2006/math">
+                    <m:oMathParaPr>
+                      <m:jc m:val="centerGroup"/>
+                    </m:oMathParaPr>
+                    <m:oMath xmlns:m="http://schemas.openxmlformats.org/officeDocument/2006/math">
+                      <m:sSub>
+                        <m:sSubPr>
+                          <m:ctrlPr>
+                            <a:rPr lang="en-US" b="0" i="1" smtClean="0">
+                              <a:latin typeface="Cambria Math" panose="02040503050406030204" pitchFamily="18" charset="0"/>
+                            </a:rPr>
+                          </m:ctrlPr>
+                        </m:sSubPr>
+                        <m:e>
+                          <m:r>
+                            <a:rPr lang="en-US" b="0" i="1" smtClean="0">
+                              <a:latin typeface="Cambria Math" panose="02040503050406030204" pitchFamily="18" charset="0"/>
+                            </a:rPr>
+                            <m:t>𝑀</m:t>
+                          </m:r>
+                        </m:e>
+                        <m:sub>
+                          <m:r>
+                            <a:rPr lang="en-US" b="0" i="1" smtClean="0">
+                              <a:latin typeface="Cambria Math" panose="02040503050406030204" pitchFamily="18" charset="0"/>
+                            </a:rPr>
+                            <m:t>0,1</m:t>
+                          </m:r>
+                        </m:sub>
+                      </m:sSub>
+                    </m:oMath>
+                  </m:oMathPara>
+                </a14:m>
+                <a:endParaRPr lang="en-US" dirty="0"/>
+              </a:p>
+            </p:txBody>
+          </p:sp>
+        </mc:Choice>
+        <mc:Fallback>
+          <p:sp>
+            <p:nvSpPr>
+              <p:cNvPr id="358" name="TextBox 357">
+                <a:extLst>
+                  <a:ext uri="{FF2B5EF4-FFF2-40B4-BE49-F238E27FC236}">
+                    <a16:creationId xmlns:a16="http://schemas.microsoft.com/office/drawing/2014/main" id="{38AB93A0-A028-1381-D374-A5CCA71BB70B}"/>
+                  </a:ext>
+                </a:extLst>
+              </p:cNvPr>
+              <p:cNvSpPr txBox="1">
+                <a:spLocks noRot="1" noChangeAspect="1" noMove="1" noResize="1" noEditPoints="1" noAdjustHandles="1" noChangeArrowheads="1" noChangeShapeType="1" noTextEdit="1"/>
+              </p:cNvSpPr>
+              <p:nvPr/>
+            </p:nvSpPr>
+            <p:spPr>
+              <a:xfrm>
+                <a:off x="7678485" y="2808079"/>
+                <a:ext cx="476925" cy="289182"/>
+              </a:xfrm>
+              <a:prstGeom prst="rect">
+                <a:avLst/>
+              </a:prstGeom>
+              <a:blipFill>
+                <a:blip r:embed="rId37"/>
+                <a:stretch>
+                  <a:fillRect l="-11538" r="-5128" b="-12766"/>
+                </a:stretch>
+              </a:blipFill>
+            </p:spPr>
+            <p:txBody>
+              <a:bodyPr/>
+              <a:lstStyle/>
+              <a:p>
+                <a:r>
+                  <a:rPr lang="en-US">
+                    <a:noFill/>
+                  </a:rPr>
+                  <a:t> </a:t>
+                </a:r>
+              </a:p>
+            </p:txBody>
+          </p:sp>
+        </mc:Fallback>
+      </mc:AlternateContent>
+      <mc:AlternateContent xmlns:mc="http://schemas.openxmlformats.org/markup-compatibility/2006">
+        <mc:Choice xmlns:a14="http://schemas.microsoft.com/office/drawing/2010/main" Requires="a14">
+          <p:sp>
+            <p:nvSpPr>
+              <p:cNvPr id="359" name="TextBox 358">
+                <a:extLst>
+                  <a:ext uri="{FF2B5EF4-FFF2-40B4-BE49-F238E27FC236}">
+                    <a16:creationId xmlns:a16="http://schemas.microsoft.com/office/drawing/2014/main" id="{713EA4C6-E172-32E1-BAE8-D4FEAFB4CF3B}"/>
+                  </a:ext>
+                </a:extLst>
+              </p:cNvPr>
+              <p:cNvSpPr txBox="1"/>
+              <p:nvPr/>
+            </p:nvSpPr>
+            <p:spPr>
+              <a:xfrm>
+                <a:off x="8919763" y="2812127"/>
+                <a:ext cx="1139863" cy="289182"/>
+              </a:xfrm>
+              <a:prstGeom prst="rect">
+                <a:avLst/>
+              </a:prstGeom>
+              <a:noFill/>
+            </p:spPr>
+            <p:txBody>
+              <a:bodyPr wrap="none" lIns="0" tIns="0" rIns="0" bIns="0" rtlCol="0">
+                <a:spAutoFit/>
+              </a:bodyPr>
+              <a:lstStyle/>
+              <a:p>
+                <a14:m>
+                  <m:oMathPara xmlns:m="http://schemas.openxmlformats.org/officeDocument/2006/math">
+                    <m:oMathParaPr>
+                      <m:jc m:val="centerGroup"/>
+                    </m:oMathParaPr>
+                    <m:oMath xmlns:m="http://schemas.openxmlformats.org/officeDocument/2006/math">
+                      <m:sSub>
+                        <m:sSubPr>
+                          <m:ctrlPr>
+                            <a:rPr lang="en-US" b="0" i="1" smtClean="0">
+                              <a:latin typeface="Cambria Math" panose="02040503050406030204" pitchFamily="18" charset="0"/>
+                            </a:rPr>
+                          </m:ctrlPr>
+                        </m:sSubPr>
+                        <m:e>
+                          <m:r>
+                            <a:rPr lang="en-US" b="0" i="1" smtClean="0">
+                              <a:latin typeface="Cambria Math" panose="02040503050406030204" pitchFamily="18" charset="0"/>
+                            </a:rPr>
+                            <m:t>𝑀</m:t>
+                          </m:r>
+                        </m:e>
+                        <m:sub>
+                          <m:sSup>
+                            <m:sSupPr>
+                              <m:ctrlPr>
+                                <a:rPr lang="en-US" b="0" i="1" smtClean="0">
+                                  <a:latin typeface="Cambria Math" panose="02040503050406030204" pitchFamily="18" charset="0"/>
+                                </a:rPr>
+                              </m:ctrlPr>
+                            </m:sSupPr>
+                            <m:e>
+                              <m:r>
+                                <a:rPr lang="en-US" b="0" i="1" smtClean="0">
+                                  <a:latin typeface="Cambria Math" panose="02040503050406030204" pitchFamily="18" charset="0"/>
+                                </a:rPr>
+                                <m:t>4</m:t>
+                              </m:r>
+                            </m:e>
+                            <m:sup>
+                              <m:r>
+                                <a:rPr lang="en-US" b="0" i="1" smtClean="0">
+                                  <a:latin typeface="Cambria Math" panose="02040503050406030204" pitchFamily="18" charset="0"/>
+                                </a:rPr>
+                                <m:t>𝑛</m:t>
+                              </m:r>
+                            </m:sup>
+                          </m:sSup>
+                          <m:r>
+                            <a:rPr lang="en-US" b="0" i="1" smtClean="0">
+                              <a:latin typeface="Cambria Math" panose="02040503050406030204" pitchFamily="18" charset="0"/>
+                            </a:rPr>
+                            <m:t>−</m:t>
+                          </m:r>
+                          <m:sSup>
+                            <m:sSupPr>
+                              <m:ctrlPr>
+                                <a:rPr lang="en-US" b="0" i="1" smtClean="0">
+                                  <a:latin typeface="Cambria Math" panose="02040503050406030204" pitchFamily="18" charset="0"/>
+                                </a:rPr>
+                              </m:ctrlPr>
+                            </m:sSupPr>
+                            <m:e>
+                              <m:r>
+                                <a:rPr lang="en-US" b="0" i="1" smtClean="0">
+                                  <a:latin typeface="Cambria Math" panose="02040503050406030204" pitchFamily="18" charset="0"/>
+                                </a:rPr>
+                                <m:t>2,4</m:t>
+                              </m:r>
+                            </m:e>
+                            <m:sup>
+                              <m:r>
+                                <a:rPr lang="en-US" b="0" i="1" smtClean="0">
+                                  <a:latin typeface="Cambria Math" panose="02040503050406030204" pitchFamily="18" charset="0"/>
+                                </a:rPr>
+                                <m:t>𝑛</m:t>
+                              </m:r>
+                            </m:sup>
+                          </m:sSup>
+                          <m:r>
+                            <a:rPr lang="en-US" b="0" i="1" smtClean="0">
+                              <a:latin typeface="Cambria Math" panose="02040503050406030204" pitchFamily="18" charset="0"/>
+                            </a:rPr>
+                            <m:t>−1</m:t>
+                          </m:r>
+                        </m:sub>
+                      </m:sSub>
+                    </m:oMath>
+                  </m:oMathPara>
+                </a14:m>
+                <a:endParaRPr lang="en-US" dirty="0"/>
+              </a:p>
+            </p:txBody>
+          </p:sp>
+        </mc:Choice>
+        <mc:Fallback>
+          <p:sp>
+            <p:nvSpPr>
+              <p:cNvPr id="359" name="TextBox 358">
+                <a:extLst>
+                  <a:ext uri="{FF2B5EF4-FFF2-40B4-BE49-F238E27FC236}">
+                    <a16:creationId xmlns:a16="http://schemas.microsoft.com/office/drawing/2014/main" id="{713EA4C6-E172-32E1-BAE8-D4FEAFB4CF3B}"/>
+                  </a:ext>
+                </a:extLst>
+              </p:cNvPr>
+              <p:cNvSpPr txBox="1">
+                <a:spLocks noRot="1" noChangeAspect="1" noMove="1" noResize="1" noEditPoints="1" noAdjustHandles="1" noChangeArrowheads="1" noChangeShapeType="1" noTextEdit="1"/>
+              </p:cNvSpPr>
+              <p:nvPr/>
+            </p:nvSpPr>
+            <p:spPr>
+              <a:xfrm>
+                <a:off x="8919763" y="2812127"/>
+                <a:ext cx="1139863" cy="289182"/>
+              </a:xfrm>
+              <a:prstGeom prst="rect">
+                <a:avLst/>
+              </a:prstGeom>
+              <a:blipFill>
+                <a:blip r:embed="rId38"/>
+                <a:stretch>
+                  <a:fillRect l="-4278" r="-2139" b="-12500"/>
+                </a:stretch>
+              </a:blipFill>
+            </p:spPr>
+            <p:txBody>
+              <a:bodyPr/>
+              <a:lstStyle/>
+              <a:p>
+                <a:r>
+                  <a:rPr lang="en-US">
+                    <a:noFill/>
+                  </a:rPr>
+                  <a:t> </a:t>
+                </a:r>
+              </a:p>
+            </p:txBody>
+          </p:sp>
+        </mc:Fallback>
+      </mc:AlternateContent>
+      <p:sp>
+        <p:nvSpPr>
+          <p:cNvPr id="361" name="Left Brace 360">
+            <a:extLst>
+              <a:ext uri="{FF2B5EF4-FFF2-40B4-BE49-F238E27FC236}">
+                <a16:creationId xmlns:a16="http://schemas.microsoft.com/office/drawing/2014/main" id="{3CDFED54-CB3F-6F4A-F902-AC23C788EC63}"/>
+              </a:ext>
+            </a:extLst>
+          </p:cNvPr>
+          <p:cNvSpPr/>
+          <p:nvPr/>
+        </p:nvSpPr>
+        <p:spPr>
+          <a:xfrm rot="5400000" flipH="1">
+            <a:off x="7855432" y="1877679"/>
+            <a:ext cx="109666" cy="847039"/>
+          </a:xfrm>
+          <a:prstGeom prst="leftBrace">
+            <a:avLst>
+              <a:gd name="adj1" fmla="val 44503"/>
+              <a:gd name="adj2" fmla="val 50000"/>
+            </a:avLst>
+          </a:prstGeom>
+          <a:ln w="19050"/>
+        </p:spPr>
+        <p:style>
+          <a:lnRef idx="1">
+            <a:schemeClr val="dk1"/>
+          </a:lnRef>
+          <a:fillRef idx="0">
+            <a:schemeClr val="dk1"/>
+          </a:fillRef>
+          <a:effectRef idx="0">
+            <a:schemeClr val="dk1"/>
+          </a:effectRef>
+          <a:fontRef idx="minor">
+            <a:schemeClr val="tx1"/>
+          </a:fontRef>
+        </p:style>
+        <p:txBody>
+          <a:bodyPr rtlCol="0" anchor="ctr"/>
+          <a:lstStyle/>
+          <a:p>
+            <a:pPr algn="ctr"/>
+            <a:endParaRPr lang="en-US"/>
+          </a:p>
+        </p:txBody>
+      </p:sp>
+      <p:sp>
+        <p:nvSpPr>
+          <p:cNvPr id="362" name="Left Brace 361">
+            <a:extLst>
+              <a:ext uri="{FF2B5EF4-FFF2-40B4-BE49-F238E27FC236}">
+                <a16:creationId xmlns:a16="http://schemas.microsoft.com/office/drawing/2014/main" id="{6D0E3E3F-E2BC-2A7D-ED93-54DC566E10E3}"/>
+              </a:ext>
+            </a:extLst>
+          </p:cNvPr>
+          <p:cNvSpPr/>
+          <p:nvPr/>
+        </p:nvSpPr>
+        <p:spPr>
+          <a:xfrm rot="5400000" flipH="1">
+            <a:off x="9222601" y="1845235"/>
+            <a:ext cx="109666" cy="847039"/>
+          </a:xfrm>
+          <a:prstGeom prst="leftBrace">
+            <a:avLst>
+              <a:gd name="adj1" fmla="val 44503"/>
+              <a:gd name="adj2" fmla="val 50000"/>
+            </a:avLst>
+          </a:prstGeom>
+          <a:ln w="19050"/>
+        </p:spPr>
+        <p:style>
+          <a:lnRef idx="1">
+            <a:schemeClr val="dk1"/>
+          </a:lnRef>
+          <a:fillRef idx="0">
+            <a:schemeClr val="dk1"/>
+          </a:fillRef>
+          <a:effectRef idx="0">
+            <a:schemeClr val="dk1"/>
+          </a:effectRef>
+          <a:fontRef idx="minor">
+            <a:schemeClr val="tx1"/>
+          </a:fontRef>
+        </p:style>
+        <p:txBody>
+          <a:bodyPr rtlCol="0" anchor="ctr"/>
+          <a:lstStyle/>
+          <a:p>
+            <a:pPr algn="ctr"/>
+            <a:endParaRPr lang="en-US"/>
+          </a:p>
+        </p:txBody>
+      </p:sp>
+      <mc:AlternateContent xmlns:mc="http://schemas.openxmlformats.org/markup-compatibility/2006">
+        <mc:Choice xmlns:a14="http://schemas.microsoft.com/office/drawing/2010/main" Requires="a14">
+          <p:sp>
+            <p:nvSpPr>
+              <p:cNvPr id="364" name="TextBox 363">
+                <a:extLst>
+                  <a:ext uri="{FF2B5EF4-FFF2-40B4-BE49-F238E27FC236}">
+                    <a16:creationId xmlns:a16="http://schemas.microsoft.com/office/drawing/2014/main" id="{0A8C32F6-BF05-394D-ED24-7A2C25DD49B0}"/>
+                  </a:ext>
+                </a:extLst>
+              </p:cNvPr>
+              <p:cNvSpPr txBox="1"/>
+              <p:nvPr/>
+            </p:nvSpPr>
+            <p:spPr>
+              <a:xfrm rot="5400000">
+                <a:off x="8216925" y="3231319"/>
+                <a:ext cx="226023" cy="276999"/>
+              </a:xfrm>
+              <a:prstGeom prst="rect">
+                <a:avLst/>
+              </a:prstGeom>
+              <a:noFill/>
+            </p:spPr>
+            <p:txBody>
+              <a:bodyPr wrap="none" lIns="0" tIns="0" rIns="0" bIns="0" rtlCol="0">
+                <a:spAutoFit/>
+              </a:bodyPr>
+              <a:lstStyle/>
+              <a:p>
+                <a14:m>
+                  <m:oMathPara xmlns:m="http://schemas.openxmlformats.org/officeDocument/2006/math">
+                    <m:oMathParaPr>
+                      <m:jc m:val="centerGroup"/>
+                    </m:oMathParaPr>
+                    <m:oMath xmlns:m="http://schemas.openxmlformats.org/officeDocument/2006/math">
+                      <m:r>
+                        <a:rPr lang="en-US" b="0" i="1" smtClean="0">
+                          <a:latin typeface="Cambria Math" panose="02040503050406030204" pitchFamily="18" charset="0"/>
+                          <a:ea typeface="Cambria Math" panose="02040503050406030204" pitchFamily="18" charset="0"/>
+                        </a:rPr>
+                        <m:t>…</m:t>
+                      </m:r>
+                    </m:oMath>
+                  </m:oMathPara>
+                </a14:m>
+                <a:endParaRPr lang="en-US" dirty="0"/>
+              </a:p>
+            </p:txBody>
+          </p:sp>
+        </mc:Choice>
+        <mc:Fallback>
+          <p:sp>
+            <p:nvSpPr>
+              <p:cNvPr id="364" name="TextBox 363">
+                <a:extLst>
+                  <a:ext uri="{FF2B5EF4-FFF2-40B4-BE49-F238E27FC236}">
+                    <a16:creationId xmlns:a16="http://schemas.microsoft.com/office/drawing/2014/main" id="{0A8C32F6-BF05-394D-ED24-7A2C25DD49B0}"/>
+                  </a:ext>
+                </a:extLst>
+              </p:cNvPr>
+              <p:cNvSpPr txBox="1">
+                <a:spLocks noRot="1" noChangeAspect="1" noMove="1" noResize="1" noEditPoints="1" noAdjustHandles="1" noChangeArrowheads="1" noChangeShapeType="1" noTextEdit="1"/>
+              </p:cNvSpPr>
+              <p:nvPr/>
+            </p:nvSpPr>
+            <p:spPr>
+              <a:xfrm rot="5400000">
+                <a:off x="8216925" y="3231319"/>
+                <a:ext cx="226023" cy="276999"/>
+              </a:xfrm>
+              <a:prstGeom prst="rect">
+                <a:avLst/>
+              </a:prstGeom>
+              <a:blipFill>
+                <a:blip r:embed="rId39"/>
+                <a:stretch>
+                  <a:fillRect/>
+                </a:stretch>
+              </a:blipFill>
+            </p:spPr>
+            <p:txBody>
+              <a:bodyPr/>
+              <a:lstStyle/>
+              <a:p>
+                <a:r>
+                  <a:rPr lang="en-US">
+                    <a:noFill/>
+                  </a:rPr>
+                  <a:t> </a:t>
+                </a:r>
+              </a:p>
+            </p:txBody>
+          </p:sp>
+        </mc:Fallback>
+      </mc:AlternateContent>
+      <mc:AlternateContent xmlns:mc="http://schemas.openxmlformats.org/markup-compatibility/2006">
+        <mc:Choice xmlns:a14="http://schemas.microsoft.com/office/drawing/2010/main" Requires="a14">
+          <p:sp>
+            <p:nvSpPr>
+              <p:cNvPr id="365" name="TextBox 364">
+                <a:extLst>
+                  <a:ext uri="{FF2B5EF4-FFF2-40B4-BE49-F238E27FC236}">
+                    <a16:creationId xmlns:a16="http://schemas.microsoft.com/office/drawing/2014/main" id="{92F8B544-30A0-D7E0-36DD-82A64B832347}"/>
+                  </a:ext>
+                </a:extLst>
+              </p:cNvPr>
+              <p:cNvSpPr txBox="1"/>
+              <p:nvPr/>
+            </p:nvSpPr>
+            <p:spPr>
+              <a:xfrm>
+                <a:off x="8323014" y="2825298"/>
+                <a:ext cx="226023" cy="276999"/>
+              </a:xfrm>
+              <a:prstGeom prst="rect">
+                <a:avLst/>
+              </a:prstGeom>
+              <a:noFill/>
+            </p:spPr>
+            <p:txBody>
+              <a:bodyPr wrap="none" lIns="0" tIns="0" rIns="0" bIns="0" rtlCol="0">
+                <a:spAutoFit/>
+              </a:bodyPr>
+              <a:lstStyle/>
+              <a:p>
+                <a14:m>
+                  <m:oMathPara xmlns:m="http://schemas.openxmlformats.org/officeDocument/2006/math">
+                    <m:oMathParaPr>
+                      <m:jc m:val="centerGroup"/>
+                    </m:oMathParaPr>
+                    <m:oMath xmlns:m="http://schemas.openxmlformats.org/officeDocument/2006/math">
+                      <m:r>
+                        <a:rPr lang="en-US" b="0" i="1" smtClean="0">
+                          <a:latin typeface="Cambria Math" panose="02040503050406030204" pitchFamily="18" charset="0"/>
+                          <a:ea typeface="Cambria Math" panose="02040503050406030204" pitchFamily="18" charset="0"/>
+                        </a:rPr>
+                        <m:t>…</m:t>
+                      </m:r>
+                    </m:oMath>
+                  </m:oMathPara>
+                </a14:m>
+                <a:endParaRPr lang="en-US" dirty="0"/>
+              </a:p>
+            </p:txBody>
+          </p:sp>
+        </mc:Choice>
+        <mc:Fallback>
+          <p:sp>
+            <p:nvSpPr>
+              <p:cNvPr id="365" name="TextBox 364">
+                <a:extLst>
+                  <a:ext uri="{FF2B5EF4-FFF2-40B4-BE49-F238E27FC236}">
+                    <a16:creationId xmlns:a16="http://schemas.microsoft.com/office/drawing/2014/main" id="{92F8B544-30A0-D7E0-36DD-82A64B832347}"/>
+                  </a:ext>
+                </a:extLst>
+              </p:cNvPr>
+              <p:cNvSpPr txBox="1">
+                <a:spLocks noRot="1" noChangeAspect="1" noMove="1" noResize="1" noEditPoints="1" noAdjustHandles="1" noChangeArrowheads="1" noChangeShapeType="1" noTextEdit="1"/>
+              </p:cNvSpPr>
+              <p:nvPr/>
+            </p:nvSpPr>
+            <p:spPr>
+              <a:xfrm>
+                <a:off x="8323014" y="2825298"/>
+                <a:ext cx="226023" cy="276999"/>
+              </a:xfrm>
+              <a:prstGeom prst="rect">
+                <a:avLst/>
+              </a:prstGeom>
+              <a:blipFill>
+                <a:blip r:embed="rId40"/>
+                <a:stretch>
+                  <a:fillRect/>
+                </a:stretch>
+              </a:blipFill>
+            </p:spPr>
+            <p:txBody>
+              <a:bodyPr/>
+              <a:lstStyle/>
+              <a:p>
+                <a:r>
+                  <a:rPr lang="en-US">
+                    <a:noFill/>
+                  </a:rPr>
+                  <a:t> </a:t>
+                </a:r>
+              </a:p>
+            </p:txBody>
+          </p:sp>
+        </mc:Fallback>
+      </mc:AlternateContent>
+      <p:sp>
+        <p:nvSpPr>
+          <p:cNvPr id="366" name="Left Brace 365">
+            <a:extLst>
+              <a:ext uri="{FF2B5EF4-FFF2-40B4-BE49-F238E27FC236}">
+                <a16:creationId xmlns:a16="http://schemas.microsoft.com/office/drawing/2014/main" id="{25D169E3-BDCD-EDC2-E560-F07CE22A7D09}"/>
+              </a:ext>
+            </a:extLst>
+          </p:cNvPr>
+          <p:cNvSpPr/>
+          <p:nvPr/>
+        </p:nvSpPr>
+        <p:spPr>
+          <a:xfrm rot="5400000" flipH="1">
+            <a:off x="9066924" y="2893562"/>
+            <a:ext cx="109666" cy="569425"/>
+          </a:xfrm>
+          <a:prstGeom prst="leftBrace">
+            <a:avLst>
+              <a:gd name="adj1" fmla="val 44503"/>
+              <a:gd name="adj2" fmla="val 50000"/>
+            </a:avLst>
+          </a:prstGeom>
+          <a:ln w="19050"/>
+        </p:spPr>
+        <p:style>
+          <a:lnRef idx="1">
+            <a:schemeClr val="dk1"/>
+          </a:lnRef>
+          <a:fillRef idx="0">
+            <a:schemeClr val="dk1"/>
+          </a:fillRef>
+          <a:effectRef idx="0">
+            <a:schemeClr val="dk1"/>
+          </a:effectRef>
+          <a:fontRef idx="minor">
+            <a:schemeClr val="tx1"/>
+          </a:fontRef>
+        </p:style>
+        <p:txBody>
+          <a:bodyPr rtlCol="0" anchor="ctr"/>
+          <a:lstStyle/>
+          <a:p>
+            <a:pPr algn="ctr"/>
+            <a:endParaRPr lang="en-US"/>
+          </a:p>
+        </p:txBody>
+      </p:sp>
+      <mc:AlternateContent xmlns:mc="http://schemas.openxmlformats.org/markup-compatibility/2006">
+        <mc:Choice xmlns:a14="http://schemas.microsoft.com/office/drawing/2010/main" Requires="a14">
+          <p:sp>
+            <p:nvSpPr>
+              <p:cNvPr id="367" name="TextBox 366">
+                <a:extLst>
+                  <a:ext uri="{FF2B5EF4-FFF2-40B4-BE49-F238E27FC236}">
+                    <a16:creationId xmlns:a16="http://schemas.microsoft.com/office/drawing/2014/main" id="{9DF0CF80-6A8D-F329-3FC8-99CE5653C524}"/>
+                  </a:ext>
+                </a:extLst>
+              </p:cNvPr>
+              <p:cNvSpPr txBox="1"/>
+              <p:nvPr/>
+            </p:nvSpPr>
+            <p:spPr>
+              <a:xfrm rot="5400000">
+                <a:off x="9067808" y="3231318"/>
+                <a:ext cx="226023" cy="276999"/>
+              </a:xfrm>
+              <a:prstGeom prst="rect">
+                <a:avLst/>
+              </a:prstGeom>
+              <a:noFill/>
+            </p:spPr>
+            <p:txBody>
+              <a:bodyPr wrap="none" lIns="0" tIns="0" rIns="0" bIns="0" rtlCol="0">
+                <a:spAutoFit/>
+              </a:bodyPr>
+              <a:lstStyle/>
+              <a:p>
+                <a14:m>
+                  <m:oMathPara xmlns:m="http://schemas.openxmlformats.org/officeDocument/2006/math">
+                    <m:oMathParaPr>
+                      <m:jc m:val="centerGroup"/>
+                    </m:oMathParaPr>
+                    <m:oMath xmlns:m="http://schemas.openxmlformats.org/officeDocument/2006/math">
+                      <m:r>
+                        <a:rPr lang="en-US" b="0" i="1" smtClean="0">
+                          <a:latin typeface="Cambria Math" panose="02040503050406030204" pitchFamily="18" charset="0"/>
+                          <a:ea typeface="Cambria Math" panose="02040503050406030204" pitchFamily="18" charset="0"/>
+                        </a:rPr>
+                        <m:t>…</m:t>
+                      </m:r>
+                    </m:oMath>
+                  </m:oMathPara>
+                </a14:m>
+                <a:endParaRPr lang="en-US" dirty="0"/>
+              </a:p>
+            </p:txBody>
+          </p:sp>
+        </mc:Choice>
+        <mc:Fallback>
+          <p:sp>
+            <p:nvSpPr>
+              <p:cNvPr id="367" name="TextBox 366">
+                <a:extLst>
+                  <a:ext uri="{FF2B5EF4-FFF2-40B4-BE49-F238E27FC236}">
+                    <a16:creationId xmlns:a16="http://schemas.microsoft.com/office/drawing/2014/main" id="{9DF0CF80-6A8D-F329-3FC8-99CE5653C524}"/>
+                  </a:ext>
+                </a:extLst>
+              </p:cNvPr>
+              <p:cNvSpPr txBox="1">
+                <a:spLocks noRot="1" noChangeAspect="1" noMove="1" noResize="1" noEditPoints="1" noAdjustHandles="1" noChangeArrowheads="1" noChangeShapeType="1" noTextEdit="1"/>
+              </p:cNvSpPr>
+              <p:nvPr/>
+            </p:nvSpPr>
+            <p:spPr>
+              <a:xfrm rot="5400000">
+                <a:off x="9067808" y="3231318"/>
+                <a:ext cx="226023" cy="276999"/>
+              </a:xfrm>
+              <a:prstGeom prst="rect">
+                <a:avLst/>
+              </a:prstGeom>
+              <a:blipFill>
+                <a:blip r:embed="rId41"/>
+                <a:stretch>
+                  <a:fillRect/>
+                </a:stretch>
+              </a:blipFill>
+            </p:spPr>
+            <p:txBody>
+              <a:bodyPr/>
+              <a:lstStyle/>
+              <a:p>
+                <a:r>
+                  <a:rPr lang="en-US">
+                    <a:noFill/>
+                  </a:rPr>
+                  <a:t> </a:t>
+                </a:r>
+              </a:p>
+            </p:txBody>
+          </p:sp>
+        </mc:Fallback>
+      </mc:AlternateContent>
+      <mc:AlternateContent xmlns:mc="http://schemas.openxmlformats.org/markup-compatibility/2006">
+        <mc:Choice xmlns:a14="http://schemas.microsoft.com/office/drawing/2010/main" Requires="a14">
+          <p:sp>
+            <p:nvSpPr>
+              <p:cNvPr id="368" name="TextBox 367">
+                <a:extLst>
+                  <a:ext uri="{FF2B5EF4-FFF2-40B4-BE49-F238E27FC236}">
+                    <a16:creationId xmlns:a16="http://schemas.microsoft.com/office/drawing/2014/main" id="{233C7031-FB33-4000-84A8-662D34A80FC8}"/>
+                  </a:ext>
+                </a:extLst>
+              </p:cNvPr>
+              <p:cNvSpPr txBox="1"/>
+              <p:nvPr/>
+            </p:nvSpPr>
+            <p:spPr>
+              <a:xfrm>
+                <a:off x="8491559" y="3740436"/>
+                <a:ext cx="626262" cy="276999"/>
+              </a:xfrm>
+              <a:prstGeom prst="rect">
+                <a:avLst/>
+              </a:prstGeom>
+              <a:noFill/>
+            </p:spPr>
+            <p:txBody>
+              <a:bodyPr wrap="none" lIns="0" tIns="0" rIns="0" bIns="0" rtlCol="0">
+                <a:spAutoFit/>
+              </a:bodyPr>
+              <a:lstStyle/>
+              <a:p>
+                <a14:m>
+                  <m:oMathPara xmlns:m="http://schemas.openxmlformats.org/officeDocument/2006/math">
+                    <m:oMathParaPr>
+                      <m:jc m:val="centerGroup"/>
+                    </m:oMathParaPr>
+                    <m:oMath xmlns:m="http://schemas.openxmlformats.org/officeDocument/2006/math">
+                      <m:sSub>
+                        <m:sSubPr>
+                          <m:ctrlPr>
+                            <a:rPr lang="en-US" b="0" i="1" smtClean="0">
+                              <a:latin typeface="Cambria Math" panose="02040503050406030204" pitchFamily="18" charset="0"/>
+                              <a:ea typeface="Cambria Math" panose="02040503050406030204" pitchFamily="18" charset="0"/>
+                            </a:rPr>
+                          </m:ctrlPr>
+                        </m:sSubPr>
+                        <m:e>
+                          <m:r>
+                            <a:rPr lang="en-US" i="1" smtClean="0">
+                              <a:latin typeface="Cambria Math" panose="02040503050406030204" pitchFamily="18" charset="0"/>
+                              <a:ea typeface="Cambria Math" panose="02040503050406030204" pitchFamily="18" charset="0"/>
+                            </a:rPr>
+                            <m:t>ℳ</m:t>
+                          </m:r>
+                        </m:e>
+                        <m:sub>
+                          <m:r>
+                            <a:rPr lang="en-US" b="0" i="1" smtClean="0">
+                              <a:latin typeface="Cambria Math" panose="02040503050406030204" pitchFamily="18" charset="0"/>
+                              <a:ea typeface="Cambria Math" panose="02040503050406030204" pitchFamily="18" charset="0"/>
+                            </a:rPr>
+                            <m:t>𝑛</m:t>
+                          </m:r>
+                          <m:r>
+                            <a:rPr lang="en-US" b="0" i="1" smtClean="0">
+                              <a:latin typeface="Cambria Math" panose="02040503050406030204" pitchFamily="18" charset="0"/>
+                              <a:ea typeface="Cambria Math" panose="02040503050406030204" pitchFamily="18" charset="0"/>
+                            </a:rPr>
+                            <m:t>−1</m:t>
+                          </m:r>
+                        </m:sub>
+                      </m:sSub>
+                    </m:oMath>
+                  </m:oMathPara>
+                </a14:m>
+                <a:endParaRPr lang="en-US" dirty="0"/>
+              </a:p>
+            </p:txBody>
+          </p:sp>
+        </mc:Choice>
+        <mc:Fallback>
+          <p:sp>
+            <p:nvSpPr>
+              <p:cNvPr id="368" name="TextBox 367">
+                <a:extLst>
+                  <a:ext uri="{FF2B5EF4-FFF2-40B4-BE49-F238E27FC236}">
+                    <a16:creationId xmlns:a16="http://schemas.microsoft.com/office/drawing/2014/main" id="{233C7031-FB33-4000-84A8-662D34A80FC8}"/>
+                  </a:ext>
+                </a:extLst>
+              </p:cNvPr>
+              <p:cNvSpPr txBox="1">
+                <a:spLocks noRot="1" noChangeAspect="1" noMove="1" noResize="1" noEditPoints="1" noAdjustHandles="1" noChangeArrowheads="1" noChangeShapeType="1" noTextEdit="1"/>
+              </p:cNvSpPr>
+              <p:nvPr/>
+            </p:nvSpPr>
+            <p:spPr>
+              <a:xfrm>
+                <a:off x="8491559" y="3740436"/>
+                <a:ext cx="626262" cy="276999"/>
+              </a:xfrm>
+              <a:prstGeom prst="rect">
+                <a:avLst/>
+              </a:prstGeom>
+              <a:blipFill>
+                <a:blip r:embed="rId42"/>
+                <a:stretch>
+                  <a:fillRect l="-8738" r="-2913" b="-15556"/>
+                </a:stretch>
+              </a:blipFill>
+            </p:spPr>
+            <p:txBody>
+              <a:bodyPr/>
+              <a:lstStyle/>
+              <a:p>
+                <a:r>
+                  <a:rPr lang="en-US">
+                    <a:noFill/>
+                  </a:rPr>
+                  <a:t> </a:t>
+                </a:r>
+              </a:p>
+            </p:txBody>
+          </p:sp>
+        </mc:Fallback>
+      </mc:AlternateContent>
+      <p:cxnSp>
+        <p:nvCxnSpPr>
+          <p:cNvPr id="370" name="Straight Connector 369">
+            <a:extLst>
+              <a:ext uri="{FF2B5EF4-FFF2-40B4-BE49-F238E27FC236}">
+                <a16:creationId xmlns:a16="http://schemas.microsoft.com/office/drawing/2014/main" id="{37D7DD00-4BE3-4C1C-E92F-7CF76919C2CA}"/>
+              </a:ext>
+            </a:extLst>
+          </p:cNvPr>
+          <p:cNvCxnSpPr>
+            <a:cxnSpLocks/>
+          </p:cNvCxnSpPr>
+          <p:nvPr/>
+        </p:nvCxnSpPr>
+        <p:spPr>
+          <a:xfrm>
+            <a:off x="8630452" y="645994"/>
+            <a:ext cx="0" cy="1677594"/>
+          </a:xfrm>
+          <a:prstGeom prst="line">
+            <a:avLst/>
+          </a:prstGeom>
+          <a:ln>
+            <a:prstDash val="dash"/>
+          </a:ln>
+        </p:spPr>
+        <p:style>
+          <a:lnRef idx="1">
+            <a:schemeClr val="dk1"/>
+          </a:lnRef>
+          <a:fillRef idx="0">
+            <a:schemeClr val="dk1"/>
+          </a:fillRef>
+          <a:effectRef idx="0">
+            <a:schemeClr val="dk1"/>
+          </a:effectRef>
+          <a:fontRef idx="minor">
+            <a:schemeClr val="tx1"/>
+          </a:fontRef>
+        </p:style>
+      </p:cxnSp>
+      <p:cxnSp>
+        <p:nvCxnSpPr>
+          <p:cNvPr id="371" name="Straight Connector 370">
+            <a:extLst>
+              <a:ext uri="{FF2B5EF4-FFF2-40B4-BE49-F238E27FC236}">
+                <a16:creationId xmlns:a16="http://schemas.microsoft.com/office/drawing/2014/main" id="{0F7FBBB1-D5A9-7B7C-A1D3-91BC8E19A314}"/>
+              </a:ext>
+            </a:extLst>
+          </p:cNvPr>
+          <p:cNvCxnSpPr>
+            <a:cxnSpLocks/>
+          </p:cNvCxnSpPr>
+          <p:nvPr/>
+        </p:nvCxnSpPr>
+        <p:spPr>
+          <a:xfrm>
+            <a:off x="7146695" y="645994"/>
+            <a:ext cx="0" cy="1677594"/>
+          </a:xfrm>
+          <a:prstGeom prst="line">
+            <a:avLst/>
+          </a:prstGeom>
+          <a:ln>
+            <a:prstDash val="dash"/>
+          </a:ln>
+        </p:spPr>
+        <p:style>
+          <a:lnRef idx="1">
+            <a:schemeClr val="dk1"/>
+          </a:lnRef>
+          <a:fillRef idx="0">
+            <a:schemeClr val="dk1"/>
+          </a:fillRef>
+          <a:effectRef idx="0">
+            <a:schemeClr val="dk1"/>
+          </a:effectRef>
+          <a:fontRef idx="minor">
+            <a:schemeClr val="tx1"/>
+          </a:fontRef>
+        </p:style>
+      </p:cxnSp>
+      <p:cxnSp>
+        <p:nvCxnSpPr>
+          <p:cNvPr id="372" name="Straight Connector 371">
+            <a:extLst>
+              <a:ext uri="{FF2B5EF4-FFF2-40B4-BE49-F238E27FC236}">
+                <a16:creationId xmlns:a16="http://schemas.microsoft.com/office/drawing/2014/main" id="{7D228C0E-6A3A-2155-A558-852A21163EEC}"/>
+              </a:ext>
+            </a:extLst>
+          </p:cNvPr>
+          <p:cNvCxnSpPr>
+            <a:cxnSpLocks/>
+          </p:cNvCxnSpPr>
+          <p:nvPr/>
+        </p:nvCxnSpPr>
+        <p:spPr>
+          <a:xfrm>
+            <a:off x="10301574" y="645994"/>
+            <a:ext cx="0" cy="1659063"/>
+          </a:xfrm>
+          <a:prstGeom prst="line">
+            <a:avLst/>
+          </a:prstGeom>
+          <a:ln>
+            <a:prstDash val="dash"/>
+          </a:ln>
+        </p:spPr>
+        <p:style>
+          <a:lnRef idx="1">
+            <a:schemeClr val="dk1"/>
+          </a:lnRef>
+          <a:fillRef idx="0">
+            <a:schemeClr val="dk1"/>
+          </a:fillRef>
+          <a:effectRef idx="0">
+            <a:schemeClr val="dk1"/>
+          </a:effectRef>
+          <a:fontRef idx="minor">
+            <a:schemeClr val="tx1"/>
+          </a:fontRef>
+        </p:style>
+      </p:cxnSp>
+      <p:cxnSp>
+        <p:nvCxnSpPr>
+          <p:cNvPr id="373" name="Straight Connector 372">
+            <a:extLst>
+              <a:ext uri="{FF2B5EF4-FFF2-40B4-BE49-F238E27FC236}">
+                <a16:creationId xmlns:a16="http://schemas.microsoft.com/office/drawing/2014/main" id="{2F2AD1D9-1A7D-0D66-39CE-77ABAC65407D}"/>
+              </a:ext>
+            </a:extLst>
+          </p:cNvPr>
+          <p:cNvCxnSpPr>
+            <a:cxnSpLocks/>
+          </p:cNvCxnSpPr>
+          <p:nvPr/>
+        </p:nvCxnSpPr>
+        <p:spPr>
+          <a:xfrm>
+            <a:off x="7637542" y="2482477"/>
+            <a:ext cx="0" cy="1015899"/>
+          </a:xfrm>
+          <a:prstGeom prst="line">
+            <a:avLst/>
+          </a:prstGeom>
+          <a:ln>
+            <a:prstDash val="dash"/>
+          </a:ln>
+        </p:spPr>
+        <p:style>
+          <a:lnRef idx="1">
+            <a:schemeClr val="dk1"/>
+          </a:lnRef>
+          <a:fillRef idx="0">
+            <a:schemeClr val="dk1"/>
+          </a:fillRef>
+          <a:effectRef idx="0">
+            <a:schemeClr val="dk1"/>
+          </a:effectRef>
+          <a:fontRef idx="minor">
+            <a:schemeClr val="tx1"/>
+          </a:fontRef>
+        </p:style>
+      </p:cxnSp>
+      <p:cxnSp>
+        <p:nvCxnSpPr>
+          <p:cNvPr id="374" name="Straight Connector 373">
+            <a:extLst>
+              <a:ext uri="{FF2B5EF4-FFF2-40B4-BE49-F238E27FC236}">
+                <a16:creationId xmlns:a16="http://schemas.microsoft.com/office/drawing/2014/main" id="{51C7832C-BD04-FBAF-5B66-3A6EE180EAEE}"/>
+              </a:ext>
+            </a:extLst>
+          </p:cNvPr>
+          <p:cNvCxnSpPr>
+            <a:cxnSpLocks/>
+          </p:cNvCxnSpPr>
+          <p:nvPr/>
+        </p:nvCxnSpPr>
+        <p:spPr>
+          <a:xfrm>
+            <a:off x="8563663" y="2478376"/>
+            <a:ext cx="0" cy="1015899"/>
+          </a:xfrm>
+          <a:prstGeom prst="line">
+            <a:avLst/>
+          </a:prstGeom>
+          <a:ln>
+            <a:prstDash val="dash"/>
+          </a:ln>
+        </p:spPr>
+        <p:style>
+          <a:lnRef idx="1">
+            <a:schemeClr val="dk1"/>
+          </a:lnRef>
+          <a:fillRef idx="0">
+            <a:schemeClr val="dk1"/>
+          </a:fillRef>
+          <a:effectRef idx="0">
+            <a:schemeClr val="dk1"/>
+          </a:effectRef>
+          <a:fontRef idx="minor">
+            <a:schemeClr val="tx1"/>
+          </a:fontRef>
+        </p:style>
+      </p:cxnSp>
+      <p:cxnSp>
+        <p:nvCxnSpPr>
+          <p:cNvPr id="375" name="Straight Connector 374">
+            <a:extLst>
+              <a:ext uri="{FF2B5EF4-FFF2-40B4-BE49-F238E27FC236}">
+                <a16:creationId xmlns:a16="http://schemas.microsoft.com/office/drawing/2014/main" id="{2BE4C9D5-930F-F1A3-8BB3-76B962DBE5E0}"/>
+              </a:ext>
+            </a:extLst>
+          </p:cNvPr>
+          <p:cNvCxnSpPr>
+            <a:cxnSpLocks/>
+          </p:cNvCxnSpPr>
+          <p:nvPr/>
+        </p:nvCxnSpPr>
+        <p:spPr>
+          <a:xfrm>
+            <a:off x="10073475" y="2482925"/>
+            <a:ext cx="0" cy="1015899"/>
+          </a:xfrm>
+          <a:prstGeom prst="line">
+            <a:avLst/>
+          </a:prstGeom>
+          <a:ln>
+            <a:prstDash val="dash"/>
+          </a:ln>
+        </p:spPr>
+        <p:style>
+          <a:lnRef idx="1">
+            <a:schemeClr val="dk1"/>
+          </a:lnRef>
+          <a:fillRef idx="0">
+            <a:schemeClr val="dk1"/>
+          </a:fillRef>
+          <a:effectRef idx="0">
+            <a:schemeClr val="dk1"/>
+          </a:effectRef>
+          <a:fontRef idx="minor">
+            <a:schemeClr val="tx1"/>
+          </a:fontRef>
+        </p:style>
+      </p:cxnSp>
+      <p:sp>
+        <p:nvSpPr>
+          <p:cNvPr id="42" name="Rectangle 41">
+            <a:extLst>
+              <a:ext uri="{FF2B5EF4-FFF2-40B4-BE49-F238E27FC236}">
+                <a16:creationId xmlns:a16="http://schemas.microsoft.com/office/drawing/2014/main" id="{134F031F-C7CB-32FB-D592-9F5E0A5CBE9D}"/>
+              </a:ext>
+            </a:extLst>
+          </p:cNvPr>
+          <p:cNvSpPr/>
+          <p:nvPr/>
+        </p:nvSpPr>
+        <p:spPr>
+          <a:xfrm>
+            <a:off x="3662158" y="1451172"/>
+            <a:ext cx="6700078" cy="379762"/>
+          </a:xfrm>
+          <a:prstGeom prst="rect">
+            <a:avLst/>
+          </a:prstGeom>
+          <a:solidFill>
+            <a:schemeClr val="bg1"/>
+          </a:solidFill>
+          <a:ln>
+            <a:solidFill>
+              <a:schemeClr val="tx1"/>
+            </a:solidFill>
+          </a:ln>
+        </p:spPr>
+        <p:style>
+          <a:lnRef idx="2">
+            <a:schemeClr val="accent1">
+              <a:shade val="15000"/>
+            </a:schemeClr>
+          </a:lnRef>
+          <a:fillRef idx="1">
+            <a:schemeClr val="accent1"/>
+          </a:fillRef>
+          <a:effectRef idx="0">
+            <a:schemeClr val="accent1"/>
+          </a:effectRef>
+          <a:fontRef idx="minor">
+            <a:schemeClr val="lt1"/>
+          </a:fontRef>
+        </p:style>
+        <p:txBody>
+          <a:bodyPr rtlCol="0" anchor="ctr"/>
+          <a:lstStyle/>
+          <a:p>
+            <a:pPr algn="ctr"/>
+            <a:r>
+              <a:rPr lang="en-US" b="1" dirty="0" err="1">
+                <a:solidFill>
+                  <a:srgbClr val="FF0000"/>
+                </a:solidFill>
+              </a:rPr>
+              <a:t>toMatrix</a:t>
+            </a:r>
+            <a:r>
+              <a:rPr lang="en-US" b="1" dirty="0">
+                <a:solidFill>
+                  <a:srgbClr val="FF0000"/>
+                </a:solidFill>
+              </a:rPr>
+              <a:t>()</a:t>
+            </a:r>
+          </a:p>
+        </p:txBody>
+      </p:sp>
+      <mc:AlternateContent xmlns:mc="http://schemas.openxmlformats.org/markup-compatibility/2006">
+        <mc:Choice xmlns:a14="http://schemas.microsoft.com/office/drawing/2010/main" Requires="a14">
+          <p:sp>
+            <p:nvSpPr>
+              <p:cNvPr id="382" name="TextBox 381">
+                <a:extLst>
+                  <a:ext uri="{FF2B5EF4-FFF2-40B4-BE49-F238E27FC236}">
+                    <a16:creationId xmlns:a16="http://schemas.microsoft.com/office/drawing/2014/main" id="{A9A7D1D8-F757-45CE-1FB2-300B65387A94}"/>
+                  </a:ext>
+                </a:extLst>
+              </p:cNvPr>
+              <p:cNvSpPr txBox="1"/>
+              <p:nvPr/>
+            </p:nvSpPr>
+            <p:spPr>
+              <a:xfrm>
+                <a:off x="5478543" y="4122525"/>
+                <a:ext cx="218008" cy="276999"/>
+              </a:xfrm>
+              <a:prstGeom prst="rect">
+                <a:avLst/>
+              </a:prstGeom>
+              <a:noFill/>
+            </p:spPr>
+            <p:txBody>
+              <a:bodyPr wrap="none" lIns="0" tIns="0" rIns="0" bIns="0" rtlCol="0">
+                <a:spAutoFit/>
+              </a:bodyPr>
+              <a:lstStyle/>
+              <a:p>
+                <a14:m>
+                  <m:oMathPara xmlns:m="http://schemas.openxmlformats.org/officeDocument/2006/math">
+                    <m:oMathParaPr>
+                      <m:jc m:val="centerGroup"/>
+                    </m:oMathParaPr>
+                    <m:oMath xmlns:m="http://schemas.openxmlformats.org/officeDocument/2006/math">
+                      <m:r>
+                        <a:rPr lang="en-US" b="0" i="1" smtClean="0">
+                          <a:latin typeface="Cambria Math" panose="02040503050406030204" pitchFamily="18" charset="0"/>
+                        </a:rPr>
+                        <m:t>×</m:t>
+                      </m:r>
+                    </m:oMath>
+                  </m:oMathPara>
+                </a14:m>
+                <a:endParaRPr lang="en-US" dirty="0"/>
+              </a:p>
+            </p:txBody>
+          </p:sp>
+        </mc:Choice>
+        <mc:Fallback>
+          <p:sp>
+            <p:nvSpPr>
+              <p:cNvPr id="382" name="TextBox 381">
+                <a:extLst>
+                  <a:ext uri="{FF2B5EF4-FFF2-40B4-BE49-F238E27FC236}">
+                    <a16:creationId xmlns:a16="http://schemas.microsoft.com/office/drawing/2014/main" id="{A9A7D1D8-F757-45CE-1FB2-300B65387A94}"/>
+                  </a:ext>
+                </a:extLst>
+              </p:cNvPr>
+              <p:cNvSpPr txBox="1">
+                <a:spLocks noRot="1" noChangeAspect="1" noMove="1" noResize="1" noEditPoints="1" noAdjustHandles="1" noChangeArrowheads="1" noChangeShapeType="1" noTextEdit="1"/>
+              </p:cNvSpPr>
+              <p:nvPr/>
+            </p:nvSpPr>
+            <p:spPr>
+              <a:xfrm>
+                <a:off x="5478543" y="4122525"/>
+                <a:ext cx="218008" cy="276999"/>
+              </a:xfrm>
+              <a:prstGeom prst="rect">
+                <a:avLst/>
+              </a:prstGeom>
+              <a:blipFill>
+                <a:blip r:embed="rId43"/>
+                <a:stretch>
+                  <a:fillRect l="-20000" r="-20000"/>
+                </a:stretch>
+              </a:blipFill>
+            </p:spPr>
+            <p:txBody>
+              <a:bodyPr/>
+              <a:lstStyle/>
+              <a:p>
+                <a:r>
+                  <a:rPr lang="en-US">
+                    <a:noFill/>
+                  </a:rPr>
+                  <a:t> </a:t>
+                </a:r>
+              </a:p>
+            </p:txBody>
+          </p:sp>
+        </mc:Fallback>
+      </mc:AlternateContent>
+      <mc:AlternateContent xmlns:mc="http://schemas.openxmlformats.org/markup-compatibility/2006">
+        <mc:Choice xmlns:a14="http://schemas.microsoft.com/office/drawing/2010/main" Requires="a14">
+          <p:sp>
+            <p:nvSpPr>
+              <p:cNvPr id="383" name="TextBox 382">
+                <a:extLst>
+                  <a:ext uri="{FF2B5EF4-FFF2-40B4-BE49-F238E27FC236}">
+                    <a16:creationId xmlns:a16="http://schemas.microsoft.com/office/drawing/2014/main" id="{1739ECB6-6754-4808-67DB-5A8EE1B8AFA4}"/>
+                  </a:ext>
+                </a:extLst>
+              </p:cNvPr>
+              <p:cNvSpPr txBox="1"/>
+              <p:nvPr/>
+            </p:nvSpPr>
+            <p:spPr>
+              <a:xfrm rot="16200000">
+                <a:off x="5480306" y="4358474"/>
+                <a:ext cx="226023" cy="276999"/>
+              </a:xfrm>
+              <a:prstGeom prst="rect">
+                <a:avLst/>
+              </a:prstGeom>
+              <a:noFill/>
+            </p:spPr>
+            <p:txBody>
+              <a:bodyPr wrap="none" lIns="0" tIns="0" rIns="0" bIns="0" rtlCol="0">
+                <a:spAutoFit/>
+              </a:bodyPr>
+              <a:lstStyle/>
+              <a:p>
+                <a14:m>
+                  <m:oMathPara xmlns:m="http://schemas.openxmlformats.org/officeDocument/2006/math">
+                    <m:oMathParaPr>
+                      <m:jc m:val="centerGroup"/>
+                    </m:oMathParaPr>
+                    <m:oMath xmlns:m="http://schemas.openxmlformats.org/officeDocument/2006/math">
+                      <m:r>
+                        <a:rPr lang="en-US" b="0" i="1" smtClean="0">
+                          <a:latin typeface="Cambria Math" panose="02040503050406030204" pitchFamily="18" charset="0"/>
+                        </a:rPr>
+                        <m:t>=</m:t>
+                      </m:r>
+                    </m:oMath>
+                  </m:oMathPara>
+                </a14:m>
+                <a:endParaRPr lang="en-US" dirty="0"/>
+              </a:p>
+            </p:txBody>
+          </p:sp>
+        </mc:Choice>
+        <mc:Fallback>
+          <p:sp>
+            <p:nvSpPr>
+              <p:cNvPr id="383" name="TextBox 382">
+                <a:extLst>
+                  <a:ext uri="{FF2B5EF4-FFF2-40B4-BE49-F238E27FC236}">
+                    <a16:creationId xmlns:a16="http://schemas.microsoft.com/office/drawing/2014/main" id="{1739ECB6-6754-4808-67DB-5A8EE1B8AFA4}"/>
+                  </a:ext>
+                </a:extLst>
+              </p:cNvPr>
+              <p:cNvSpPr txBox="1">
+                <a:spLocks noRot="1" noChangeAspect="1" noMove="1" noResize="1" noEditPoints="1" noAdjustHandles="1" noChangeArrowheads="1" noChangeShapeType="1" noTextEdit="1"/>
+              </p:cNvSpPr>
+              <p:nvPr/>
+            </p:nvSpPr>
+            <p:spPr>
+              <a:xfrm rot="16200000">
+                <a:off x="5480306" y="4358474"/>
+                <a:ext cx="226023" cy="276999"/>
+              </a:xfrm>
+              <a:prstGeom prst="rect">
+                <a:avLst/>
+              </a:prstGeom>
+              <a:blipFill>
+                <a:blip r:embed="rId44"/>
+                <a:stretch>
+                  <a:fillRect t="-8108" b="-13514"/>
+                </a:stretch>
+              </a:blipFill>
+            </p:spPr>
+            <p:txBody>
+              <a:bodyPr/>
+              <a:lstStyle/>
+              <a:p>
+                <a:r>
+                  <a:rPr lang="en-US">
+                    <a:noFill/>
+                  </a:rPr>
+                  <a:t> </a:t>
+                </a:r>
+              </a:p>
+            </p:txBody>
+          </p:sp>
+        </mc:Fallback>
+      </mc:AlternateContent>
+      <mc:AlternateContent xmlns:mc="http://schemas.openxmlformats.org/markup-compatibility/2006">
+        <mc:Choice xmlns:a14="http://schemas.microsoft.com/office/drawing/2010/main" Requires="a14">
+          <p:sp>
+            <p:nvSpPr>
+              <p:cNvPr id="384" name="TextBox 383">
+                <a:extLst>
+                  <a:ext uri="{FF2B5EF4-FFF2-40B4-BE49-F238E27FC236}">
+                    <a16:creationId xmlns:a16="http://schemas.microsoft.com/office/drawing/2014/main" id="{80C1DE04-5158-FF3C-ADEC-013DF5590FA9}"/>
+                  </a:ext>
+                </a:extLst>
+              </p:cNvPr>
+              <p:cNvSpPr txBox="1"/>
+              <p:nvPr/>
+            </p:nvSpPr>
+            <p:spPr>
+              <a:xfrm>
+                <a:off x="5364827" y="4620998"/>
+                <a:ext cx="525592" cy="289182"/>
+              </a:xfrm>
+              <a:prstGeom prst="rect">
+                <a:avLst/>
+              </a:prstGeom>
+              <a:noFill/>
+            </p:spPr>
+            <p:txBody>
+              <a:bodyPr wrap="none" lIns="0" tIns="0" rIns="0" bIns="0" rtlCol="0">
+                <a:spAutoFit/>
+              </a:bodyPr>
+              <a:lstStyle/>
+              <a:p>
+                <a14:m>
+                  <m:oMathPara xmlns:m="http://schemas.openxmlformats.org/officeDocument/2006/math">
+                    <m:oMathParaPr>
+                      <m:jc m:val="centerGroup"/>
+                    </m:oMathParaPr>
+                    <m:oMath xmlns:m="http://schemas.openxmlformats.org/officeDocument/2006/math">
+                      <m:sSub>
+                        <m:sSubPr>
+                          <m:ctrlPr>
+                            <a:rPr lang="en-US" b="0" i="1" smtClean="0">
+                              <a:latin typeface="Cambria Math" panose="02040503050406030204" pitchFamily="18" charset="0"/>
+                            </a:rPr>
+                          </m:ctrlPr>
+                        </m:sSubPr>
+                        <m:e>
+                          <m:r>
+                            <a:rPr lang="en-US" i="1">
+                              <a:latin typeface="Cambria Math" panose="02040503050406030204" pitchFamily="18" charset="0"/>
+                              <a:ea typeface="Cambria Math" panose="02040503050406030204" pitchFamily="18" charset="0"/>
+                            </a:rPr>
+                            <m:t>ℳ</m:t>
+                          </m:r>
+                        </m:e>
+                        <m:sub>
+                          <m:r>
+                            <a:rPr lang="en-US" b="0" i="1" smtClean="0">
+                              <a:latin typeface="Cambria Math" panose="02040503050406030204" pitchFamily="18" charset="0"/>
+                            </a:rPr>
+                            <m:t>0,1</m:t>
+                          </m:r>
+                        </m:sub>
+                      </m:sSub>
+                    </m:oMath>
+                  </m:oMathPara>
+                </a14:m>
+                <a:endParaRPr lang="en-US" dirty="0"/>
+              </a:p>
+            </p:txBody>
+          </p:sp>
+        </mc:Choice>
+        <mc:Fallback>
+          <p:sp>
+            <p:nvSpPr>
+              <p:cNvPr id="384" name="TextBox 383">
+                <a:extLst>
+                  <a:ext uri="{FF2B5EF4-FFF2-40B4-BE49-F238E27FC236}">
+                    <a16:creationId xmlns:a16="http://schemas.microsoft.com/office/drawing/2014/main" id="{80C1DE04-5158-FF3C-ADEC-013DF5590FA9}"/>
+                  </a:ext>
+                </a:extLst>
+              </p:cNvPr>
+              <p:cNvSpPr txBox="1">
+                <a:spLocks noRot="1" noChangeAspect="1" noMove="1" noResize="1" noEditPoints="1" noAdjustHandles="1" noChangeArrowheads="1" noChangeShapeType="1" noTextEdit="1"/>
+              </p:cNvSpPr>
+              <p:nvPr/>
+            </p:nvSpPr>
+            <p:spPr>
+              <a:xfrm>
+                <a:off x="5364827" y="4620998"/>
+                <a:ext cx="525592" cy="289182"/>
+              </a:xfrm>
+              <a:prstGeom prst="rect">
+                <a:avLst/>
+              </a:prstGeom>
+              <a:blipFill>
+                <a:blip r:embed="rId45"/>
+                <a:stretch>
+                  <a:fillRect l="-9302" r="-5814" b="-14894"/>
+                </a:stretch>
+              </a:blipFill>
+            </p:spPr>
+            <p:txBody>
+              <a:bodyPr/>
+              <a:lstStyle/>
+              <a:p>
+                <a:r>
+                  <a:rPr lang="en-US">
+                    <a:noFill/>
+                  </a:rPr>
+                  <a:t> </a:t>
+                </a:r>
+              </a:p>
+            </p:txBody>
+          </p:sp>
+        </mc:Fallback>
+      </mc:AlternateContent>
+      <p:sp>
+        <p:nvSpPr>
+          <p:cNvPr id="385" name="Left Brace 384">
+            <a:extLst>
+              <a:ext uri="{FF2B5EF4-FFF2-40B4-BE49-F238E27FC236}">
+                <a16:creationId xmlns:a16="http://schemas.microsoft.com/office/drawing/2014/main" id="{BE97C018-AD3B-FF4C-661E-C0DCDBF60BB0}"/>
+              </a:ext>
+            </a:extLst>
+          </p:cNvPr>
+          <p:cNvSpPr/>
+          <p:nvPr/>
+        </p:nvSpPr>
+        <p:spPr>
+          <a:xfrm rot="5400000" flipH="1">
+            <a:off x="5541774" y="3690598"/>
+            <a:ext cx="109666" cy="847039"/>
+          </a:xfrm>
+          <a:prstGeom prst="leftBrace">
+            <a:avLst>
+              <a:gd name="adj1" fmla="val 44503"/>
+              <a:gd name="adj2" fmla="val 50000"/>
+            </a:avLst>
+          </a:prstGeom>
+          <a:ln w="19050"/>
+        </p:spPr>
+        <p:style>
+          <a:lnRef idx="1">
+            <a:schemeClr val="dk1"/>
+          </a:lnRef>
+          <a:fillRef idx="0">
+            <a:schemeClr val="dk1"/>
+          </a:fillRef>
+          <a:effectRef idx="0">
+            <a:schemeClr val="dk1"/>
+          </a:effectRef>
+          <a:fontRef idx="minor">
+            <a:schemeClr val="tx1"/>
+          </a:fontRef>
+        </p:style>
+        <p:txBody>
+          <a:bodyPr rtlCol="0" anchor="ctr"/>
+          <a:lstStyle/>
+          <a:p>
+            <a:pPr algn="ctr"/>
+            <a:endParaRPr lang="en-US"/>
+          </a:p>
+        </p:txBody>
+      </p:sp>
+      <mc:AlternateContent xmlns:mc="http://schemas.openxmlformats.org/markup-compatibility/2006">
+        <mc:Choice xmlns:a14="http://schemas.microsoft.com/office/drawing/2010/main" Requires="a14">
+          <p:sp>
+            <p:nvSpPr>
+              <p:cNvPr id="387" name="TextBox 386">
+                <a:extLst>
+                  <a:ext uri="{FF2B5EF4-FFF2-40B4-BE49-F238E27FC236}">
+                    <a16:creationId xmlns:a16="http://schemas.microsoft.com/office/drawing/2014/main" id="{931A1975-5927-540A-ADFC-FD3711A34AD4}"/>
+                  </a:ext>
+                </a:extLst>
+              </p:cNvPr>
+              <p:cNvSpPr txBox="1"/>
+              <p:nvPr/>
+            </p:nvSpPr>
+            <p:spPr>
+              <a:xfrm>
+                <a:off x="8254094" y="4120650"/>
+                <a:ext cx="218008" cy="276999"/>
+              </a:xfrm>
+              <a:prstGeom prst="rect">
+                <a:avLst/>
+              </a:prstGeom>
+              <a:noFill/>
+            </p:spPr>
+            <p:txBody>
+              <a:bodyPr wrap="none" lIns="0" tIns="0" rIns="0" bIns="0" rtlCol="0">
+                <a:spAutoFit/>
+              </a:bodyPr>
+              <a:lstStyle/>
+              <a:p>
+                <a14:m>
+                  <m:oMathPara xmlns:m="http://schemas.openxmlformats.org/officeDocument/2006/math">
+                    <m:oMathParaPr>
+                      <m:jc m:val="centerGroup"/>
+                    </m:oMathParaPr>
+                    <m:oMath xmlns:m="http://schemas.openxmlformats.org/officeDocument/2006/math">
+                      <m:r>
+                        <a:rPr lang="en-US" b="0" i="1" smtClean="0">
+                          <a:latin typeface="Cambria Math" panose="02040503050406030204" pitchFamily="18" charset="0"/>
+                        </a:rPr>
+                        <m:t>×</m:t>
+                      </m:r>
+                    </m:oMath>
+                  </m:oMathPara>
+                </a14:m>
+                <a:endParaRPr lang="en-US" dirty="0"/>
+              </a:p>
+            </p:txBody>
+          </p:sp>
+        </mc:Choice>
+        <mc:Fallback>
+          <p:sp>
+            <p:nvSpPr>
+              <p:cNvPr id="387" name="TextBox 386">
+                <a:extLst>
+                  <a:ext uri="{FF2B5EF4-FFF2-40B4-BE49-F238E27FC236}">
+                    <a16:creationId xmlns:a16="http://schemas.microsoft.com/office/drawing/2014/main" id="{931A1975-5927-540A-ADFC-FD3711A34AD4}"/>
+                  </a:ext>
+                </a:extLst>
+              </p:cNvPr>
+              <p:cNvSpPr txBox="1">
+                <a:spLocks noRot="1" noChangeAspect="1" noMove="1" noResize="1" noEditPoints="1" noAdjustHandles="1" noChangeArrowheads="1" noChangeShapeType="1" noTextEdit="1"/>
+              </p:cNvSpPr>
+              <p:nvPr/>
+            </p:nvSpPr>
+            <p:spPr>
+              <a:xfrm>
+                <a:off x="8254094" y="4120650"/>
+                <a:ext cx="218008" cy="276999"/>
+              </a:xfrm>
+              <a:prstGeom prst="rect">
+                <a:avLst/>
+              </a:prstGeom>
+              <a:blipFill>
+                <a:blip r:embed="rId46"/>
+                <a:stretch>
+                  <a:fillRect l="-19444" r="-16667" b="-2222"/>
+                </a:stretch>
+              </a:blipFill>
+            </p:spPr>
+            <p:txBody>
+              <a:bodyPr/>
+              <a:lstStyle/>
+              <a:p>
+                <a:r>
+                  <a:rPr lang="en-US">
+                    <a:noFill/>
+                  </a:rPr>
+                  <a:t> </a:t>
+                </a:r>
+              </a:p>
+            </p:txBody>
+          </p:sp>
+        </mc:Fallback>
+      </mc:AlternateContent>
+      <mc:AlternateContent xmlns:mc="http://schemas.openxmlformats.org/markup-compatibility/2006">
+        <mc:Choice xmlns:a14="http://schemas.microsoft.com/office/drawing/2010/main" Requires="a14">
+          <p:sp>
+            <p:nvSpPr>
+              <p:cNvPr id="388" name="TextBox 387">
+                <a:extLst>
+                  <a:ext uri="{FF2B5EF4-FFF2-40B4-BE49-F238E27FC236}">
+                    <a16:creationId xmlns:a16="http://schemas.microsoft.com/office/drawing/2014/main" id="{5340754D-A616-AC59-FBDA-1F9EA6F74D95}"/>
+                  </a:ext>
+                </a:extLst>
+              </p:cNvPr>
+              <p:cNvSpPr txBox="1"/>
+              <p:nvPr/>
+            </p:nvSpPr>
+            <p:spPr>
+              <a:xfrm rot="16200000">
+                <a:off x="8255857" y="4356599"/>
+                <a:ext cx="226023" cy="276999"/>
+              </a:xfrm>
+              <a:prstGeom prst="rect">
+                <a:avLst/>
+              </a:prstGeom>
+              <a:noFill/>
+            </p:spPr>
+            <p:txBody>
+              <a:bodyPr wrap="none" lIns="0" tIns="0" rIns="0" bIns="0" rtlCol="0">
+                <a:spAutoFit/>
+              </a:bodyPr>
+              <a:lstStyle/>
+              <a:p>
+                <a14:m>
+                  <m:oMathPara xmlns:m="http://schemas.openxmlformats.org/officeDocument/2006/math">
+                    <m:oMathParaPr>
+                      <m:jc m:val="centerGroup"/>
+                    </m:oMathParaPr>
+                    <m:oMath xmlns:m="http://schemas.openxmlformats.org/officeDocument/2006/math">
+                      <m:r>
+                        <a:rPr lang="en-US" b="0" i="1" smtClean="0">
+                          <a:latin typeface="Cambria Math" panose="02040503050406030204" pitchFamily="18" charset="0"/>
+                        </a:rPr>
+                        <m:t>=</m:t>
+                      </m:r>
+                    </m:oMath>
+                  </m:oMathPara>
+                </a14:m>
+                <a:endParaRPr lang="en-US" dirty="0"/>
+              </a:p>
+            </p:txBody>
+          </p:sp>
+        </mc:Choice>
+        <mc:Fallback>
+          <p:sp>
+            <p:nvSpPr>
+              <p:cNvPr id="388" name="TextBox 387">
+                <a:extLst>
+                  <a:ext uri="{FF2B5EF4-FFF2-40B4-BE49-F238E27FC236}">
+                    <a16:creationId xmlns:a16="http://schemas.microsoft.com/office/drawing/2014/main" id="{5340754D-A616-AC59-FBDA-1F9EA6F74D95}"/>
+                  </a:ext>
+                </a:extLst>
+              </p:cNvPr>
+              <p:cNvSpPr txBox="1">
+                <a:spLocks noRot="1" noChangeAspect="1" noMove="1" noResize="1" noEditPoints="1" noAdjustHandles="1" noChangeArrowheads="1" noChangeShapeType="1" noTextEdit="1"/>
+              </p:cNvSpPr>
+              <p:nvPr/>
+            </p:nvSpPr>
+            <p:spPr>
+              <a:xfrm rot="16200000">
+                <a:off x="8255857" y="4356599"/>
+                <a:ext cx="226023" cy="276999"/>
+              </a:xfrm>
+              <a:prstGeom prst="rect">
+                <a:avLst/>
+              </a:prstGeom>
+              <a:blipFill>
+                <a:blip r:embed="rId47"/>
+                <a:stretch>
+                  <a:fillRect t="-10811" b="-10811"/>
+                </a:stretch>
+              </a:blipFill>
+            </p:spPr>
+            <p:txBody>
+              <a:bodyPr/>
+              <a:lstStyle/>
+              <a:p>
+                <a:r>
+                  <a:rPr lang="en-US">
+                    <a:noFill/>
+                  </a:rPr>
+                  <a:t> </a:t>
+                </a:r>
+              </a:p>
+            </p:txBody>
+          </p:sp>
+        </mc:Fallback>
+      </mc:AlternateContent>
+      <mc:AlternateContent xmlns:mc="http://schemas.openxmlformats.org/markup-compatibility/2006">
+        <mc:Choice xmlns:a14="http://schemas.microsoft.com/office/drawing/2010/main" Requires="a14">
+          <p:sp>
+            <p:nvSpPr>
+              <p:cNvPr id="389" name="TextBox 388">
+                <a:extLst>
+                  <a:ext uri="{FF2B5EF4-FFF2-40B4-BE49-F238E27FC236}">
+                    <a16:creationId xmlns:a16="http://schemas.microsoft.com/office/drawing/2014/main" id="{0D05AA6E-4DA0-B01F-527D-D3BD3BC5B058}"/>
+                  </a:ext>
+                </a:extLst>
+              </p:cNvPr>
+              <p:cNvSpPr txBox="1"/>
+              <p:nvPr/>
+            </p:nvSpPr>
+            <p:spPr>
+              <a:xfrm>
+                <a:off x="7710734" y="4619123"/>
+                <a:ext cx="1422674" cy="289182"/>
+              </a:xfrm>
+              <a:prstGeom prst="rect">
+                <a:avLst/>
+              </a:prstGeom>
+              <a:noFill/>
+            </p:spPr>
+            <p:txBody>
+              <a:bodyPr wrap="square" lIns="0" tIns="0" rIns="0" bIns="0" rtlCol="0">
+                <a:spAutoFit/>
+              </a:bodyPr>
+              <a:lstStyle/>
+              <a:p>
+                <a14:m>
+                  <m:oMathPara xmlns:m="http://schemas.openxmlformats.org/officeDocument/2006/math">
+                    <m:oMathParaPr>
+                      <m:jc m:val="centerGroup"/>
+                    </m:oMathParaPr>
+                    <m:oMath xmlns:m="http://schemas.openxmlformats.org/officeDocument/2006/math">
+                      <m:sSub>
+                        <m:sSubPr>
+                          <m:ctrlPr>
+                            <a:rPr lang="en-US" b="0" i="1" smtClean="0">
+                              <a:latin typeface="Cambria Math" panose="02040503050406030204" pitchFamily="18" charset="0"/>
+                            </a:rPr>
+                          </m:ctrlPr>
+                        </m:sSubPr>
+                        <m:e>
+                          <m:r>
+                            <a:rPr lang="en-US" i="1">
+                              <a:latin typeface="Cambria Math" panose="02040503050406030204" pitchFamily="18" charset="0"/>
+                              <a:ea typeface="Cambria Math" panose="02040503050406030204" pitchFamily="18" charset="0"/>
+                            </a:rPr>
+                            <m:t>ℳ</m:t>
+                          </m:r>
+                        </m:e>
+                        <m:sub>
+                          <m:r>
+                            <a:rPr lang="en-US" b="0" i="1" smtClean="0">
+                              <a:latin typeface="Cambria Math" panose="02040503050406030204" pitchFamily="18" charset="0"/>
+                            </a:rPr>
+                            <m:t>𝑛</m:t>
+                          </m:r>
+                          <m:r>
+                            <a:rPr lang="en-US" b="0" i="1" smtClean="0">
+                              <a:latin typeface="Cambria Math" panose="02040503050406030204" pitchFamily="18" charset="0"/>
+                            </a:rPr>
+                            <m:t>−2,</m:t>
+                          </m:r>
+                          <m:r>
+                            <a:rPr lang="en-US" b="0" i="1" smtClean="0">
+                              <a:latin typeface="Cambria Math" panose="02040503050406030204" pitchFamily="18" charset="0"/>
+                            </a:rPr>
+                            <m:t>𝑛</m:t>
+                          </m:r>
+                          <m:r>
+                            <a:rPr lang="en-US" b="0" i="1" smtClean="0">
+                              <a:latin typeface="Cambria Math" panose="02040503050406030204" pitchFamily="18" charset="0"/>
+                            </a:rPr>
+                            <m:t>−1</m:t>
+                          </m:r>
+                        </m:sub>
+                      </m:sSub>
+                    </m:oMath>
+                  </m:oMathPara>
+                </a14:m>
+                <a:endParaRPr lang="en-US" dirty="0"/>
+              </a:p>
+            </p:txBody>
+          </p:sp>
+        </mc:Choice>
+        <mc:Fallback>
+          <p:sp>
+            <p:nvSpPr>
+              <p:cNvPr id="389" name="TextBox 388">
+                <a:extLst>
+                  <a:ext uri="{FF2B5EF4-FFF2-40B4-BE49-F238E27FC236}">
+                    <a16:creationId xmlns:a16="http://schemas.microsoft.com/office/drawing/2014/main" id="{0D05AA6E-4DA0-B01F-527D-D3BD3BC5B058}"/>
+                  </a:ext>
+                </a:extLst>
+              </p:cNvPr>
+              <p:cNvSpPr txBox="1">
+                <a:spLocks noRot="1" noChangeAspect="1" noMove="1" noResize="1" noEditPoints="1" noAdjustHandles="1" noChangeArrowheads="1" noChangeShapeType="1" noTextEdit="1"/>
+              </p:cNvSpPr>
+              <p:nvPr/>
+            </p:nvSpPr>
+            <p:spPr>
+              <a:xfrm>
+                <a:off x="7710734" y="4619123"/>
+                <a:ext cx="1422674" cy="289182"/>
+              </a:xfrm>
+              <a:prstGeom prst="rect">
+                <a:avLst/>
+              </a:prstGeom>
+              <a:blipFill>
+                <a:blip r:embed="rId48"/>
+                <a:stretch>
+                  <a:fillRect b="-12766"/>
+                </a:stretch>
+              </a:blipFill>
+            </p:spPr>
+            <p:txBody>
+              <a:bodyPr/>
+              <a:lstStyle/>
+              <a:p>
+                <a:r>
+                  <a:rPr lang="en-US">
+                    <a:noFill/>
+                  </a:rPr>
+                  <a:t> </a:t>
+                </a:r>
+              </a:p>
+            </p:txBody>
+          </p:sp>
+        </mc:Fallback>
+      </mc:AlternateContent>
+      <p:sp>
+        <p:nvSpPr>
+          <p:cNvPr id="390" name="Left Brace 389">
+            <a:extLst>
+              <a:ext uri="{FF2B5EF4-FFF2-40B4-BE49-F238E27FC236}">
+                <a16:creationId xmlns:a16="http://schemas.microsoft.com/office/drawing/2014/main" id="{4C4D8B5D-BD73-7FBB-D7D4-AD9C85F9C0D1}"/>
+              </a:ext>
+            </a:extLst>
+          </p:cNvPr>
+          <p:cNvSpPr/>
+          <p:nvPr/>
+        </p:nvSpPr>
+        <p:spPr>
+          <a:xfrm rot="5400000" flipH="1">
+            <a:off x="8317325" y="3688723"/>
+            <a:ext cx="109666" cy="847039"/>
+          </a:xfrm>
+          <a:prstGeom prst="leftBrace">
+            <a:avLst>
+              <a:gd name="adj1" fmla="val 44503"/>
+              <a:gd name="adj2" fmla="val 50000"/>
+            </a:avLst>
+          </a:prstGeom>
+          <a:ln w="19050"/>
+        </p:spPr>
+        <p:style>
+          <a:lnRef idx="1">
+            <a:schemeClr val="dk1"/>
+          </a:lnRef>
+          <a:fillRef idx="0">
+            <a:schemeClr val="dk1"/>
+          </a:fillRef>
+          <a:effectRef idx="0">
+            <a:schemeClr val="dk1"/>
+          </a:effectRef>
+          <a:fontRef idx="minor">
+            <a:schemeClr val="tx1"/>
+          </a:fontRef>
+        </p:style>
+        <p:txBody>
+          <a:bodyPr rtlCol="0" anchor="ctr"/>
+          <a:lstStyle/>
+          <a:p>
+            <a:pPr algn="ctr"/>
+            <a:endParaRPr lang="en-US"/>
+          </a:p>
+        </p:txBody>
+      </p:sp>
+      <p:sp>
+        <p:nvSpPr>
+          <p:cNvPr id="407" name="Left Brace 406">
+            <a:extLst>
+              <a:ext uri="{FF2B5EF4-FFF2-40B4-BE49-F238E27FC236}">
+                <a16:creationId xmlns:a16="http://schemas.microsoft.com/office/drawing/2014/main" id="{24566BA0-8A01-394C-58F6-143A204A29C6}"/>
+              </a:ext>
+            </a:extLst>
+          </p:cNvPr>
+          <p:cNvSpPr/>
+          <p:nvPr/>
+        </p:nvSpPr>
+        <p:spPr>
+          <a:xfrm rot="5400000" flipH="1">
+            <a:off x="5980815" y="4570786"/>
+            <a:ext cx="109666" cy="847039"/>
+          </a:xfrm>
+          <a:prstGeom prst="leftBrace">
+            <a:avLst>
+              <a:gd name="adj1" fmla="val 44503"/>
+              <a:gd name="adj2" fmla="val 50000"/>
+            </a:avLst>
+          </a:prstGeom>
+          <a:ln w="19050"/>
+        </p:spPr>
+        <p:style>
+          <a:lnRef idx="1">
+            <a:schemeClr val="dk1"/>
+          </a:lnRef>
+          <a:fillRef idx="0">
+            <a:schemeClr val="dk1"/>
+          </a:fillRef>
+          <a:effectRef idx="0">
+            <a:schemeClr val="dk1"/>
+          </a:effectRef>
+          <a:fontRef idx="minor">
+            <a:schemeClr val="tx1"/>
+          </a:fontRef>
+        </p:style>
+        <p:txBody>
+          <a:bodyPr rtlCol="0" anchor="ctr"/>
+          <a:lstStyle/>
+          <a:p>
+            <a:pPr algn="ctr"/>
+            <a:endParaRPr lang="en-US"/>
+          </a:p>
+        </p:txBody>
+      </p:sp>
+      <mc:AlternateContent xmlns:mc="http://schemas.openxmlformats.org/markup-compatibility/2006">
+        <mc:Choice xmlns:a14="http://schemas.microsoft.com/office/drawing/2010/main" Requires="a14">
+          <p:sp>
+            <p:nvSpPr>
+              <p:cNvPr id="408" name="TextBox 407">
+                <a:extLst>
+                  <a:ext uri="{FF2B5EF4-FFF2-40B4-BE49-F238E27FC236}">
+                    <a16:creationId xmlns:a16="http://schemas.microsoft.com/office/drawing/2014/main" id="{07767CD4-F343-C234-F6B7-4EEE647900EE}"/>
+                  </a:ext>
+                </a:extLst>
+              </p:cNvPr>
+              <p:cNvSpPr txBox="1"/>
+              <p:nvPr/>
+            </p:nvSpPr>
+            <p:spPr>
+              <a:xfrm rot="5400000">
+                <a:off x="5986225" y="5047350"/>
+                <a:ext cx="226023" cy="276999"/>
+              </a:xfrm>
+              <a:prstGeom prst="rect">
+                <a:avLst/>
+              </a:prstGeom>
+              <a:noFill/>
+            </p:spPr>
+            <p:txBody>
+              <a:bodyPr wrap="none" lIns="0" tIns="0" rIns="0" bIns="0" rtlCol="0">
+                <a:spAutoFit/>
+              </a:bodyPr>
+              <a:lstStyle/>
+              <a:p>
+                <a14:m>
+                  <m:oMathPara xmlns:m="http://schemas.openxmlformats.org/officeDocument/2006/math">
+                    <m:oMathParaPr>
+                      <m:jc m:val="centerGroup"/>
+                    </m:oMathParaPr>
+                    <m:oMath xmlns:m="http://schemas.openxmlformats.org/officeDocument/2006/math">
+                      <m:r>
+                        <a:rPr lang="en-US" b="0" i="1" smtClean="0">
+                          <a:latin typeface="Cambria Math" panose="02040503050406030204" pitchFamily="18" charset="0"/>
+                          <a:ea typeface="Cambria Math" panose="02040503050406030204" pitchFamily="18" charset="0"/>
+                        </a:rPr>
+                        <m:t>…</m:t>
+                      </m:r>
+                    </m:oMath>
+                  </m:oMathPara>
+                </a14:m>
+                <a:endParaRPr lang="en-US" dirty="0"/>
+              </a:p>
+            </p:txBody>
+          </p:sp>
+        </mc:Choice>
+        <mc:Fallback>
+          <p:sp>
+            <p:nvSpPr>
+              <p:cNvPr id="408" name="TextBox 407">
+                <a:extLst>
+                  <a:ext uri="{FF2B5EF4-FFF2-40B4-BE49-F238E27FC236}">
+                    <a16:creationId xmlns:a16="http://schemas.microsoft.com/office/drawing/2014/main" id="{07767CD4-F343-C234-F6B7-4EEE647900EE}"/>
+                  </a:ext>
+                </a:extLst>
+              </p:cNvPr>
+              <p:cNvSpPr txBox="1">
+                <a:spLocks noRot="1" noChangeAspect="1" noMove="1" noResize="1" noEditPoints="1" noAdjustHandles="1" noChangeArrowheads="1" noChangeShapeType="1" noTextEdit="1"/>
+              </p:cNvSpPr>
+              <p:nvPr/>
+            </p:nvSpPr>
+            <p:spPr>
+              <a:xfrm rot="5400000">
+                <a:off x="5986225" y="5047350"/>
+                <a:ext cx="226023" cy="276999"/>
+              </a:xfrm>
+              <a:prstGeom prst="rect">
+                <a:avLst/>
+              </a:prstGeom>
+              <a:blipFill>
+                <a:blip r:embed="rId49"/>
+                <a:stretch>
+                  <a:fillRect/>
+                </a:stretch>
+              </a:blipFill>
+            </p:spPr>
+            <p:txBody>
+              <a:bodyPr/>
+              <a:lstStyle/>
+              <a:p>
+                <a:r>
+                  <a:rPr lang="en-US">
+                    <a:noFill/>
+                  </a:rPr>
+                  <a:t> </a:t>
+                </a:r>
+              </a:p>
+            </p:txBody>
+          </p:sp>
+        </mc:Fallback>
+      </mc:AlternateContent>
+      <mc:AlternateContent xmlns:mc="http://schemas.openxmlformats.org/markup-compatibility/2006">
+        <mc:Choice xmlns:a14="http://schemas.microsoft.com/office/drawing/2010/main" Requires="a14">
+          <p:sp>
+            <p:nvSpPr>
+              <p:cNvPr id="414" name="TextBox 413">
+                <a:extLst>
+                  <a:ext uri="{FF2B5EF4-FFF2-40B4-BE49-F238E27FC236}">
+                    <a16:creationId xmlns:a16="http://schemas.microsoft.com/office/drawing/2014/main" id="{FB292958-7090-9586-2189-E361622FE95B}"/>
+                  </a:ext>
+                </a:extLst>
+              </p:cNvPr>
+              <p:cNvSpPr txBox="1"/>
+              <p:nvPr/>
+            </p:nvSpPr>
+            <p:spPr>
+              <a:xfrm rot="5400000">
+                <a:off x="7923035" y="5044753"/>
+                <a:ext cx="226023" cy="276999"/>
+              </a:xfrm>
+              <a:prstGeom prst="rect">
+                <a:avLst/>
+              </a:prstGeom>
+              <a:noFill/>
+            </p:spPr>
+            <p:txBody>
+              <a:bodyPr wrap="none" lIns="0" tIns="0" rIns="0" bIns="0" rtlCol="0">
+                <a:spAutoFit/>
+              </a:bodyPr>
+              <a:lstStyle/>
+              <a:p>
+                <a14:m>
+                  <m:oMathPara xmlns:m="http://schemas.openxmlformats.org/officeDocument/2006/math">
+                    <m:oMathParaPr>
+                      <m:jc m:val="centerGroup"/>
+                    </m:oMathParaPr>
+                    <m:oMath xmlns:m="http://schemas.openxmlformats.org/officeDocument/2006/math">
+                      <m:r>
+                        <a:rPr lang="en-US" b="0" i="1" smtClean="0">
+                          <a:latin typeface="Cambria Math" panose="02040503050406030204" pitchFamily="18" charset="0"/>
+                          <a:ea typeface="Cambria Math" panose="02040503050406030204" pitchFamily="18" charset="0"/>
+                        </a:rPr>
+                        <m:t>…</m:t>
+                      </m:r>
+                    </m:oMath>
+                  </m:oMathPara>
+                </a14:m>
+                <a:endParaRPr lang="en-US" dirty="0"/>
+              </a:p>
+            </p:txBody>
+          </p:sp>
+        </mc:Choice>
+        <mc:Fallback>
+          <p:sp>
+            <p:nvSpPr>
+              <p:cNvPr id="414" name="TextBox 413">
+                <a:extLst>
+                  <a:ext uri="{FF2B5EF4-FFF2-40B4-BE49-F238E27FC236}">
+                    <a16:creationId xmlns:a16="http://schemas.microsoft.com/office/drawing/2014/main" id="{FB292958-7090-9586-2189-E361622FE95B}"/>
+                  </a:ext>
+                </a:extLst>
+              </p:cNvPr>
+              <p:cNvSpPr txBox="1">
+                <a:spLocks noRot="1" noChangeAspect="1" noMove="1" noResize="1" noEditPoints="1" noAdjustHandles="1" noChangeArrowheads="1" noChangeShapeType="1" noTextEdit="1"/>
+              </p:cNvSpPr>
+              <p:nvPr/>
+            </p:nvSpPr>
+            <p:spPr>
+              <a:xfrm rot="5400000">
+                <a:off x="7923035" y="5044753"/>
+                <a:ext cx="226023" cy="276999"/>
+              </a:xfrm>
+              <a:prstGeom prst="rect">
+                <a:avLst/>
+              </a:prstGeom>
+              <a:blipFill>
+                <a:blip r:embed="rId50"/>
+                <a:stretch>
+                  <a:fillRect/>
+                </a:stretch>
+              </a:blipFill>
+            </p:spPr>
+            <p:txBody>
+              <a:bodyPr/>
+              <a:lstStyle/>
+              <a:p>
+                <a:r>
+                  <a:rPr lang="en-US">
+                    <a:noFill/>
+                  </a:rPr>
+                  <a:t> </a:t>
+                </a:r>
+              </a:p>
+            </p:txBody>
+          </p:sp>
+        </mc:Fallback>
+      </mc:AlternateContent>
+      <mc:AlternateContent xmlns:mc="http://schemas.openxmlformats.org/markup-compatibility/2006">
+        <mc:Choice xmlns:a14="http://schemas.microsoft.com/office/drawing/2010/main" Requires="a14">
+          <p:sp>
+            <p:nvSpPr>
+              <p:cNvPr id="415" name="TextBox 414">
+                <a:extLst>
+                  <a:ext uri="{FF2B5EF4-FFF2-40B4-BE49-F238E27FC236}">
+                    <a16:creationId xmlns:a16="http://schemas.microsoft.com/office/drawing/2014/main" id="{7159AE12-74A8-4112-E939-09FE8A897588}"/>
+                  </a:ext>
+                </a:extLst>
+              </p:cNvPr>
+              <p:cNvSpPr txBox="1"/>
+              <p:nvPr/>
+            </p:nvSpPr>
+            <p:spPr>
+              <a:xfrm>
+                <a:off x="6876682" y="2821028"/>
+                <a:ext cx="226023" cy="276999"/>
+              </a:xfrm>
+              <a:prstGeom prst="rect">
+                <a:avLst/>
+              </a:prstGeom>
+              <a:noFill/>
+            </p:spPr>
+            <p:txBody>
+              <a:bodyPr wrap="none" lIns="0" tIns="0" rIns="0" bIns="0" rtlCol="0">
+                <a:spAutoFit/>
+              </a:bodyPr>
+              <a:lstStyle/>
+              <a:p>
+                <a14:m>
+                  <m:oMathPara xmlns:m="http://schemas.openxmlformats.org/officeDocument/2006/math">
+                    <m:oMathParaPr>
+                      <m:jc m:val="centerGroup"/>
+                    </m:oMathParaPr>
+                    <m:oMath xmlns:m="http://schemas.openxmlformats.org/officeDocument/2006/math">
+                      <m:r>
+                        <a:rPr lang="en-US" b="0" i="1" smtClean="0">
+                          <a:latin typeface="Cambria Math" panose="02040503050406030204" pitchFamily="18" charset="0"/>
+                        </a:rPr>
+                        <m:t>…</m:t>
+                      </m:r>
+                    </m:oMath>
+                  </m:oMathPara>
+                </a14:m>
+                <a:endParaRPr lang="en-US" dirty="0"/>
+              </a:p>
+            </p:txBody>
+          </p:sp>
+        </mc:Choice>
+        <mc:Fallback>
+          <p:sp>
+            <p:nvSpPr>
+              <p:cNvPr id="415" name="TextBox 414">
+                <a:extLst>
+                  <a:ext uri="{FF2B5EF4-FFF2-40B4-BE49-F238E27FC236}">
+                    <a16:creationId xmlns:a16="http://schemas.microsoft.com/office/drawing/2014/main" id="{7159AE12-74A8-4112-E939-09FE8A897588}"/>
+                  </a:ext>
+                </a:extLst>
+              </p:cNvPr>
+              <p:cNvSpPr txBox="1">
+                <a:spLocks noRot="1" noChangeAspect="1" noMove="1" noResize="1" noEditPoints="1" noAdjustHandles="1" noChangeArrowheads="1" noChangeShapeType="1" noTextEdit="1"/>
+              </p:cNvSpPr>
+              <p:nvPr/>
+            </p:nvSpPr>
+            <p:spPr>
+              <a:xfrm>
+                <a:off x="6876682" y="2821028"/>
+                <a:ext cx="226023" cy="276999"/>
+              </a:xfrm>
+              <a:prstGeom prst="rect">
+                <a:avLst/>
+              </a:prstGeom>
+              <a:blipFill>
+                <a:blip r:embed="rId51"/>
+                <a:stretch>
+                  <a:fillRect/>
+                </a:stretch>
+              </a:blipFill>
+            </p:spPr>
+            <p:txBody>
+              <a:bodyPr/>
+              <a:lstStyle/>
+              <a:p>
+                <a:r>
+                  <a:rPr lang="en-US">
+                    <a:noFill/>
+                  </a:rPr>
+                  <a:t> </a:t>
+                </a:r>
+              </a:p>
+            </p:txBody>
+          </p:sp>
+        </mc:Fallback>
+      </mc:AlternateContent>
+      <mc:AlternateContent xmlns:mc="http://schemas.openxmlformats.org/markup-compatibility/2006">
+        <mc:Choice xmlns:a14="http://schemas.microsoft.com/office/drawing/2010/main" Requires="a14">
+          <p:sp>
+            <p:nvSpPr>
+              <p:cNvPr id="416" name="TextBox 415">
+                <a:extLst>
+                  <a:ext uri="{FF2B5EF4-FFF2-40B4-BE49-F238E27FC236}">
+                    <a16:creationId xmlns:a16="http://schemas.microsoft.com/office/drawing/2014/main" id="{F9B7A121-3444-1209-BC2C-D9254DFB7629}"/>
+                  </a:ext>
+                </a:extLst>
+              </p:cNvPr>
+              <p:cNvSpPr txBox="1"/>
+              <p:nvPr/>
+            </p:nvSpPr>
+            <p:spPr>
+              <a:xfrm>
+                <a:off x="6879989" y="3740434"/>
+                <a:ext cx="226023" cy="276999"/>
+              </a:xfrm>
+              <a:prstGeom prst="rect">
+                <a:avLst/>
+              </a:prstGeom>
+              <a:noFill/>
+            </p:spPr>
+            <p:txBody>
+              <a:bodyPr wrap="none" lIns="0" tIns="0" rIns="0" bIns="0" rtlCol="0">
+                <a:spAutoFit/>
+              </a:bodyPr>
+              <a:lstStyle/>
+              <a:p>
+                <a14:m>
+                  <m:oMathPara xmlns:m="http://schemas.openxmlformats.org/officeDocument/2006/math">
+                    <m:oMathParaPr>
+                      <m:jc m:val="centerGroup"/>
+                    </m:oMathParaPr>
+                    <m:oMath xmlns:m="http://schemas.openxmlformats.org/officeDocument/2006/math">
+                      <m:r>
+                        <a:rPr lang="en-US" b="0" i="1" smtClean="0">
+                          <a:latin typeface="Cambria Math" panose="02040503050406030204" pitchFamily="18" charset="0"/>
+                        </a:rPr>
+                        <m:t>…</m:t>
+                      </m:r>
+                    </m:oMath>
+                  </m:oMathPara>
+                </a14:m>
+                <a:endParaRPr lang="en-US" dirty="0"/>
+              </a:p>
+            </p:txBody>
+          </p:sp>
+        </mc:Choice>
+        <mc:Fallback>
+          <p:sp>
+            <p:nvSpPr>
+              <p:cNvPr id="416" name="TextBox 415">
+                <a:extLst>
+                  <a:ext uri="{FF2B5EF4-FFF2-40B4-BE49-F238E27FC236}">
+                    <a16:creationId xmlns:a16="http://schemas.microsoft.com/office/drawing/2014/main" id="{F9B7A121-3444-1209-BC2C-D9254DFB7629}"/>
+                  </a:ext>
+                </a:extLst>
+              </p:cNvPr>
+              <p:cNvSpPr txBox="1">
+                <a:spLocks noRot="1" noChangeAspect="1" noMove="1" noResize="1" noEditPoints="1" noAdjustHandles="1" noChangeArrowheads="1" noChangeShapeType="1" noTextEdit="1"/>
+              </p:cNvSpPr>
+              <p:nvPr/>
+            </p:nvSpPr>
+            <p:spPr>
+              <a:xfrm>
+                <a:off x="6879989" y="3740434"/>
+                <a:ext cx="226023" cy="276999"/>
+              </a:xfrm>
+              <a:prstGeom prst="rect">
+                <a:avLst/>
+              </a:prstGeom>
+              <a:blipFill>
+                <a:blip r:embed="rId12"/>
+                <a:stretch>
+                  <a:fillRect/>
+                </a:stretch>
+              </a:blipFill>
+            </p:spPr>
+            <p:txBody>
+              <a:bodyPr/>
+              <a:lstStyle/>
+              <a:p>
+                <a:r>
+                  <a:rPr lang="en-US">
+                    <a:noFill/>
+                  </a:rPr>
+                  <a:t> </a:t>
+                </a:r>
+              </a:p>
+            </p:txBody>
+          </p:sp>
+        </mc:Fallback>
+      </mc:AlternateContent>
+      <mc:AlternateContent xmlns:mc="http://schemas.openxmlformats.org/markup-compatibility/2006">
+        <mc:Choice xmlns:a14="http://schemas.microsoft.com/office/drawing/2010/main" Requires="a14">
+          <p:sp>
+            <p:nvSpPr>
+              <p:cNvPr id="417" name="TextBox 416">
+                <a:extLst>
+                  <a:ext uri="{FF2B5EF4-FFF2-40B4-BE49-F238E27FC236}">
+                    <a16:creationId xmlns:a16="http://schemas.microsoft.com/office/drawing/2014/main" id="{7D553610-DE1B-5021-1C32-A3E97E97CEB3}"/>
+                  </a:ext>
+                </a:extLst>
+              </p:cNvPr>
+              <p:cNvSpPr txBox="1"/>
+              <p:nvPr/>
+            </p:nvSpPr>
+            <p:spPr>
+              <a:xfrm>
+                <a:off x="6303722" y="4609985"/>
+                <a:ext cx="226023" cy="276999"/>
+              </a:xfrm>
+              <a:prstGeom prst="rect">
+                <a:avLst/>
+              </a:prstGeom>
+              <a:noFill/>
+            </p:spPr>
+            <p:txBody>
+              <a:bodyPr wrap="none" lIns="0" tIns="0" rIns="0" bIns="0" rtlCol="0">
+                <a:spAutoFit/>
+              </a:bodyPr>
+              <a:lstStyle/>
+              <a:p>
+                <a14:m>
+                  <m:oMathPara xmlns:m="http://schemas.openxmlformats.org/officeDocument/2006/math">
+                    <m:oMathParaPr>
+                      <m:jc m:val="centerGroup"/>
+                    </m:oMathParaPr>
+                    <m:oMath xmlns:m="http://schemas.openxmlformats.org/officeDocument/2006/math">
+                      <m:r>
+                        <a:rPr lang="en-US" b="0" i="1" smtClean="0">
+                          <a:latin typeface="Cambria Math" panose="02040503050406030204" pitchFamily="18" charset="0"/>
+                        </a:rPr>
+                        <m:t>…</m:t>
+                      </m:r>
+                    </m:oMath>
+                  </m:oMathPara>
+                </a14:m>
+                <a:endParaRPr lang="en-US" dirty="0"/>
+              </a:p>
+            </p:txBody>
+          </p:sp>
+        </mc:Choice>
+        <mc:Fallback>
+          <p:sp>
+            <p:nvSpPr>
+              <p:cNvPr id="417" name="TextBox 416">
+                <a:extLst>
+                  <a:ext uri="{FF2B5EF4-FFF2-40B4-BE49-F238E27FC236}">
+                    <a16:creationId xmlns:a16="http://schemas.microsoft.com/office/drawing/2014/main" id="{7D553610-DE1B-5021-1C32-A3E97E97CEB3}"/>
+                  </a:ext>
+                </a:extLst>
+              </p:cNvPr>
+              <p:cNvSpPr txBox="1">
+                <a:spLocks noRot="1" noChangeAspect="1" noMove="1" noResize="1" noEditPoints="1" noAdjustHandles="1" noChangeArrowheads="1" noChangeShapeType="1" noTextEdit="1"/>
+              </p:cNvSpPr>
+              <p:nvPr/>
+            </p:nvSpPr>
+            <p:spPr>
+              <a:xfrm>
+                <a:off x="6303722" y="4609985"/>
+                <a:ext cx="226023" cy="276999"/>
+              </a:xfrm>
+              <a:prstGeom prst="rect">
+                <a:avLst/>
+              </a:prstGeom>
+              <a:blipFill>
+                <a:blip r:embed="rId52"/>
+                <a:stretch>
+                  <a:fillRect/>
+                </a:stretch>
+              </a:blipFill>
+            </p:spPr>
+            <p:txBody>
+              <a:bodyPr/>
+              <a:lstStyle/>
+              <a:p>
+                <a:r>
+                  <a:rPr lang="en-US">
+                    <a:noFill/>
+                  </a:rPr>
+                  <a:t> </a:t>
+                </a:r>
+              </a:p>
+            </p:txBody>
+          </p:sp>
+        </mc:Fallback>
+      </mc:AlternateContent>
+      <mc:AlternateContent xmlns:mc="http://schemas.openxmlformats.org/markup-compatibility/2006">
+        <mc:Choice xmlns:a14="http://schemas.microsoft.com/office/drawing/2010/main" Requires="a14">
+          <p:sp>
+            <p:nvSpPr>
+              <p:cNvPr id="418" name="TextBox 417">
+                <a:extLst>
+                  <a:ext uri="{FF2B5EF4-FFF2-40B4-BE49-F238E27FC236}">
+                    <a16:creationId xmlns:a16="http://schemas.microsoft.com/office/drawing/2014/main" id="{384733AA-EDD6-AFA5-1346-6CFE6036FC19}"/>
+                  </a:ext>
+                </a:extLst>
+              </p:cNvPr>
+              <p:cNvSpPr txBox="1"/>
+              <p:nvPr/>
+            </p:nvSpPr>
+            <p:spPr>
+              <a:xfrm>
+                <a:off x="7066173" y="5612231"/>
+                <a:ext cx="185564" cy="276999"/>
+              </a:xfrm>
+              <a:prstGeom prst="rect">
+                <a:avLst/>
+              </a:prstGeom>
+              <a:noFill/>
+            </p:spPr>
+            <p:txBody>
+              <a:bodyPr wrap="none" lIns="0" tIns="0" rIns="0" bIns="0" rtlCol="0">
+                <a:spAutoFit/>
+              </a:bodyPr>
+              <a:lstStyle/>
+              <a:p>
+                <a14:m>
+                  <m:oMathPara xmlns:m="http://schemas.openxmlformats.org/officeDocument/2006/math">
+                    <m:oMathParaPr>
+                      <m:jc m:val="centerGroup"/>
+                    </m:oMathParaPr>
+                    <m:oMath xmlns:m="http://schemas.openxmlformats.org/officeDocument/2006/math">
+                      <m:r>
+                        <a:rPr lang="en-US" b="0" i="1" smtClean="0">
+                          <a:latin typeface="Cambria Math" panose="02040503050406030204" pitchFamily="18" charset="0"/>
+                        </a:rPr>
+                        <m:t>𝜌</m:t>
+                      </m:r>
+                    </m:oMath>
+                  </m:oMathPara>
+                </a14:m>
+                <a:endParaRPr lang="en-US" dirty="0"/>
+              </a:p>
+            </p:txBody>
+          </p:sp>
+        </mc:Choice>
+        <mc:Fallback>
+          <p:sp>
+            <p:nvSpPr>
+              <p:cNvPr id="418" name="TextBox 417">
+                <a:extLst>
+                  <a:ext uri="{FF2B5EF4-FFF2-40B4-BE49-F238E27FC236}">
+                    <a16:creationId xmlns:a16="http://schemas.microsoft.com/office/drawing/2014/main" id="{384733AA-EDD6-AFA5-1346-6CFE6036FC19}"/>
+                  </a:ext>
+                </a:extLst>
+              </p:cNvPr>
+              <p:cNvSpPr txBox="1">
+                <a:spLocks noRot="1" noChangeAspect="1" noMove="1" noResize="1" noEditPoints="1" noAdjustHandles="1" noChangeArrowheads="1" noChangeShapeType="1" noTextEdit="1"/>
+              </p:cNvSpPr>
+              <p:nvPr/>
+            </p:nvSpPr>
+            <p:spPr>
+              <a:xfrm>
+                <a:off x="7066173" y="5612231"/>
+                <a:ext cx="185564" cy="276999"/>
+              </a:xfrm>
+              <a:prstGeom prst="rect">
+                <a:avLst/>
+              </a:prstGeom>
+              <a:blipFill>
+                <a:blip r:embed="rId53"/>
+                <a:stretch>
+                  <a:fillRect l="-32258" r="-25806" b="-26667"/>
+                </a:stretch>
+              </a:blipFill>
+            </p:spPr>
+            <p:txBody>
+              <a:bodyPr/>
+              <a:lstStyle/>
+              <a:p>
+                <a:r>
+                  <a:rPr lang="en-US">
+                    <a:noFill/>
+                  </a:rPr>
+                  <a:t> </a:t>
+                </a:r>
+              </a:p>
+            </p:txBody>
+          </p:sp>
+        </mc:Fallback>
+      </mc:AlternateContent>
+      <p:cxnSp>
+        <p:nvCxnSpPr>
+          <p:cNvPr id="419" name="Straight Connector 418">
+            <a:extLst>
+              <a:ext uri="{FF2B5EF4-FFF2-40B4-BE49-F238E27FC236}">
+                <a16:creationId xmlns:a16="http://schemas.microsoft.com/office/drawing/2014/main" id="{3725E254-709D-2FD5-8D26-219EFC7F037F}"/>
+              </a:ext>
+            </a:extLst>
+          </p:cNvPr>
+          <p:cNvCxnSpPr>
+            <a:cxnSpLocks/>
+          </p:cNvCxnSpPr>
+          <p:nvPr/>
+        </p:nvCxnSpPr>
+        <p:spPr>
+          <a:xfrm>
+            <a:off x="5025854" y="3784743"/>
+            <a:ext cx="0" cy="731520"/>
+          </a:xfrm>
+          <a:prstGeom prst="line">
+            <a:avLst/>
+          </a:prstGeom>
+          <a:ln>
+            <a:prstDash val="dash"/>
+          </a:ln>
+        </p:spPr>
+        <p:style>
+          <a:lnRef idx="1">
+            <a:schemeClr val="dk1"/>
+          </a:lnRef>
+          <a:fillRef idx="0">
+            <a:schemeClr val="dk1"/>
+          </a:fillRef>
+          <a:effectRef idx="0">
+            <a:schemeClr val="dk1"/>
+          </a:effectRef>
+          <a:fontRef idx="minor">
+            <a:schemeClr val="tx1"/>
+          </a:fontRef>
+        </p:style>
+      </p:cxnSp>
+      <p:cxnSp>
+        <p:nvCxnSpPr>
+          <p:cNvPr id="420" name="Straight Connector 419">
+            <a:extLst>
+              <a:ext uri="{FF2B5EF4-FFF2-40B4-BE49-F238E27FC236}">
+                <a16:creationId xmlns:a16="http://schemas.microsoft.com/office/drawing/2014/main" id="{2B2FA3A4-20F5-48E7-5F81-BA8864CDF066}"/>
+              </a:ext>
+            </a:extLst>
+          </p:cNvPr>
+          <p:cNvCxnSpPr>
+            <a:cxnSpLocks/>
+          </p:cNvCxnSpPr>
+          <p:nvPr/>
+        </p:nvCxnSpPr>
+        <p:spPr>
+          <a:xfrm>
+            <a:off x="6180002" y="3786007"/>
+            <a:ext cx="0" cy="731520"/>
+          </a:xfrm>
+          <a:prstGeom prst="line">
+            <a:avLst/>
+          </a:prstGeom>
+          <a:ln>
+            <a:prstDash val="dash"/>
+          </a:ln>
+        </p:spPr>
+        <p:style>
+          <a:lnRef idx="1">
+            <a:schemeClr val="dk1"/>
+          </a:lnRef>
+          <a:fillRef idx="0">
+            <a:schemeClr val="dk1"/>
+          </a:fillRef>
+          <a:effectRef idx="0">
+            <a:schemeClr val="dk1"/>
+          </a:effectRef>
+          <a:fontRef idx="minor">
+            <a:schemeClr val="tx1"/>
+          </a:fontRef>
+        </p:style>
+      </p:cxnSp>
+      <p:cxnSp>
+        <p:nvCxnSpPr>
+          <p:cNvPr id="421" name="Straight Connector 420">
+            <a:extLst>
+              <a:ext uri="{FF2B5EF4-FFF2-40B4-BE49-F238E27FC236}">
+                <a16:creationId xmlns:a16="http://schemas.microsoft.com/office/drawing/2014/main" id="{1FBACA09-2D35-14BC-E269-E3120DE7CA34}"/>
+              </a:ext>
+            </a:extLst>
+          </p:cNvPr>
+          <p:cNvCxnSpPr>
+            <a:cxnSpLocks/>
+          </p:cNvCxnSpPr>
+          <p:nvPr/>
+        </p:nvCxnSpPr>
+        <p:spPr>
+          <a:xfrm>
+            <a:off x="7757384" y="3790474"/>
+            <a:ext cx="0" cy="731520"/>
+          </a:xfrm>
+          <a:prstGeom prst="line">
+            <a:avLst/>
+          </a:prstGeom>
+          <a:ln>
+            <a:prstDash val="dash"/>
+          </a:ln>
+        </p:spPr>
+        <p:style>
+          <a:lnRef idx="1">
+            <a:schemeClr val="dk1"/>
+          </a:lnRef>
+          <a:fillRef idx="0">
+            <a:schemeClr val="dk1"/>
+          </a:fillRef>
+          <a:effectRef idx="0">
+            <a:schemeClr val="dk1"/>
+          </a:effectRef>
+          <a:fontRef idx="minor">
+            <a:schemeClr val="tx1"/>
+          </a:fontRef>
+        </p:style>
+      </p:cxnSp>
+      <p:cxnSp>
+        <p:nvCxnSpPr>
+          <p:cNvPr id="422" name="Straight Connector 421">
+            <a:extLst>
+              <a:ext uri="{FF2B5EF4-FFF2-40B4-BE49-F238E27FC236}">
+                <a16:creationId xmlns:a16="http://schemas.microsoft.com/office/drawing/2014/main" id="{E4DB5B27-D143-737D-3F22-E2D96DACEDB0}"/>
+              </a:ext>
+            </a:extLst>
+          </p:cNvPr>
+          <p:cNvCxnSpPr>
+            <a:cxnSpLocks/>
+          </p:cNvCxnSpPr>
+          <p:nvPr/>
+        </p:nvCxnSpPr>
+        <p:spPr>
+          <a:xfrm>
+            <a:off x="9115740" y="3790474"/>
+            <a:ext cx="0" cy="731520"/>
+          </a:xfrm>
+          <a:prstGeom prst="line">
+            <a:avLst/>
+          </a:prstGeom>
+          <a:ln>
+            <a:prstDash val="dash"/>
+          </a:ln>
+        </p:spPr>
+        <p:style>
+          <a:lnRef idx="1">
+            <a:schemeClr val="dk1"/>
+          </a:lnRef>
+          <a:fillRef idx="0">
+            <a:schemeClr val="dk1"/>
+          </a:fillRef>
+          <a:effectRef idx="0">
+            <a:schemeClr val="dk1"/>
+          </a:effectRef>
+          <a:fontRef idx="minor">
+            <a:schemeClr val="tx1"/>
+          </a:fontRef>
+        </p:style>
+      </p:cxnSp>
+      <p:cxnSp>
+        <p:nvCxnSpPr>
+          <p:cNvPr id="424" name="Straight Arrow Connector 423">
+            <a:extLst>
+              <a:ext uri="{FF2B5EF4-FFF2-40B4-BE49-F238E27FC236}">
+                <a16:creationId xmlns:a16="http://schemas.microsoft.com/office/drawing/2014/main" id="{A9756860-A48D-A5AE-1B7B-40BB26AFD871}"/>
+              </a:ext>
+            </a:extLst>
+          </p:cNvPr>
+          <p:cNvCxnSpPr>
+            <a:cxnSpLocks/>
+          </p:cNvCxnSpPr>
+          <p:nvPr/>
+        </p:nvCxnSpPr>
+        <p:spPr>
+          <a:xfrm>
+            <a:off x="3662727" y="1945667"/>
+            <a:ext cx="0" cy="1667898"/>
+          </a:xfrm>
+          <a:prstGeom prst="straightConnector1">
+            <a:avLst/>
+          </a:prstGeom>
+          <a:ln>
+            <a:tailEnd type="triangle"/>
+          </a:ln>
+        </p:spPr>
+        <p:style>
+          <a:lnRef idx="1">
+            <a:schemeClr val="accent1"/>
+          </a:lnRef>
+          <a:fillRef idx="0">
+            <a:schemeClr val="accent1"/>
+          </a:fillRef>
+          <a:effectRef idx="0">
+            <a:schemeClr val="accent1"/>
+          </a:effectRef>
+          <a:fontRef idx="minor">
+            <a:schemeClr val="tx1"/>
+          </a:fontRef>
+        </p:style>
+      </p:cxnSp>
+      <mc:AlternateContent xmlns:mc="http://schemas.openxmlformats.org/markup-compatibility/2006">
+        <mc:Choice xmlns:a14="http://schemas.microsoft.com/office/drawing/2010/main" Requires="a14">
+          <p:sp>
+            <p:nvSpPr>
+              <p:cNvPr id="425" name="TextBox 424">
+                <a:extLst>
+                  <a:ext uri="{FF2B5EF4-FFF2-40B4-BE49-F238E27FC236}">
+                    <a16:creationId xmlns:a16="http://schemas.microsoft.com/office/drawing/2014/main" id="{E5B14D39-32AA-FB7D-B070-1F5FA434B9E8}"/>
+                  </a:ext>
+                </a:extLst>
+              </p:cNvPr>
+              <p:cNvSpPr txBox="1"/>
+              <p:nvPr/>
+            </p:nvSpPr>
+            <p:spPr>
+              <a:xfrm rot="16200000">
+                <a:off x="2720225" y="2750071"/>
+                <a:ext cx="1548757" cy="215444"/>
+              </a:xfrm>
+              <a:prstGeom prst="rect">
+                <a:avLst/>
+              </a:prstGeom>
+              <a:noFill/>
+            </p:spPr>
+            <p:txBody>
+              <a:bodyPr wrap="none" lIns="0" tIns="0" rIns="0" bIns="0" rtlCol="0">
+                <a:spAutoFit/>
+              </a:bodyPr>
+              <a:lstStyle/>
+              <a:p>
+                <a14:m>
+                  <m:oMath xmlns:m="http://schemas.openxmlformats.org/officeDocument/2006/math">
+                    <m:d>
+                      <m:dPr>
+                        <m:begChr m:val="⌈"/>
+                        <m:endChr m:val="⌉"/>
+                        <m:ctrlPr>
+                          <a:rPr lang="en-US" sz="1400" b="0" i="1" smtClean="0">
+                            <a:latin typeface="Cambria Math" panose="02040503050406030204" pitchFamily="18" charset="0"/>
+                          </a:rPr>
+                        </m:ctrlPr>
+                      </m:dPr>
+                      <m:e>
+                        <m:func>
+                          <m:funcPr>
+                            <m:ctrlPr>
+                              <a:rPr lang="en-US" sz="1400" i="1">
+                                <a:latin typeface="Cambria Math" panose="02040503050406030204" pitchFamily="18" charset="0"/>
+                              </a:rPr>
+                            </m:ctrlPr>
+                          </m:funcPr>
+                          <m:fName>
+                            <m:sSub>
+                              <m:sSubPr>
+                                <m:ctrlPr>
+                                  <a:rPr lang="en-US" sz="1400" i="1">
+                                    <a:latin typeface="Cambria Math" panose="02040503050406030204" pitchFamily="18" charset="0"/>
+                                  </a:rPr>
+                                </m:ctrlPr>
+                              </m:sSubPr>
+                              <m:e>
+                                <m:r>
+                                  <m:rPr>
+                                    <m:sty m:val="p"/>
+                                  </m:rPr>
+                                  <a:rPr lang="en-US" sz="1400">
+                                    <a:latin typeface="Cambria Math" panose="02040503050406030204" pitchFamily="18" charset="0"/>
+                                  </a:rPr>
+                                  <m:t>log</m:t>
+                                </m:r>
+                              </m:e>
+                              <m:sub>
+                                <m:r>
+                                  <a:rPr lang="en-US" sz="1400" i="1">
+                                    <a:latin typeface="Cambria Math" panose="02040503050406030204" pitchFamily="18" charset="0"/>
+                                  </a:rPr>
+                                  <m:t>2</m:t>
+                                </m:r>
+                              </m:sub>
+                            </m:sSub>
+                          </m:fName>
+                          <m:e>
+                            <m:d>
+                              <m:dPr>
+                                <m:ctrlPr>
+                                  <a:rPr lang="en-US" sz="1400" i="1">
+                                    <a:latin typeface="Cambria Math" panose="02040503050406030204" pitchFamily="18" charset="0"/>
+                                  </a:rPr>
+                                </m:ctrlPr>
+                              </m:dPr>
+                              <m:e>
+                                <m:sSup>
+                                  <m:sSupPr>
+                                    <m:ctrlPr>
+                                      <a:rPr lang="en-US" sz="1400" i="1">
+                                        <a:latin typeface="Cambria Math" panose="02040503050406030204" pitchFamily="18" charset="0"/>
+                                      </a:rPr>
+                                    </m:ctrlPr>
+                                  </m:sSupPr>
+                                  <m:e>
+                                    <m:r>
+                                      <a:rPr lang="en-US" sz="1400" i="1">
+                                        <a:latin typeface="Cambria Math" panose="02040503050406030204" pitchFamily="18" charset="0"/>
+                                      </a:rPr>
+                                      <m:t>4</m:t>
+                                    </m:r>
+                                  </m:e>
+                                  <m:sup>
+                                    <m:r>
+                                      <a:rPr lang="en-US" sz="1400" i="1">
+                                        <a:latin typeface="Cambria Math" panose="02040503050406030204" pitchFamily="18" charset="0"/>
+                                      </a:rPr>
+                                      <m:t>𝑛</m:t>
+                                    </m:r>
+                                  </m:sup>
+                                </m:sSup>
+                                <m:r>
+                                  <a:rPr lang="en-US" sz="1400" i="1">
+                                    <a:latin typeface="Cambria Math" panose="02040503050406030204" pitchFamily="18" charset="0"/>
+                                  </a:rPr>
+                                  <m:t>−1</m:t>
+                                </m:r>
+                              </m:e>
+                            </m:d>
+                          </m:e>
+                        </m:func>
+                      </m:e>
+                    </m:d>
+                  </m:oMath>
+                </a14:m>
+                <a:r>
+                  <a:rPr lang="en-US" sz="1400" dirty="0"/>
+                  <a:t> </a:t>
+                </a:r>
+                <a:r>
+                  <a:rPr lang="en-US" sz="1400" dirty="0">
+                    <a:latin typeface="Times New Roman" panose="02020603050405020304" pitchFamily="18" charset="0"/>
+                    <a:cs typeface="Times New Roman" panose="02020603050405020304" pitchFamily="18" charset="0"/>
+                  </a:rPr>
+                  <a:t>times</a:t>
+                </a:r>
+              </a:p>
+            </p:txBody>
+          </p:sp>
+        </mc:Choice>
+        <mc:Fallback>
+          <p:sp>
+            <p:nvSpPr>
+              <p:cNvPr id="425" name="TextBox 424">
+                <a:extLst>
+                  <a:ext uri="{FF2B5EF4-FFF2-40B4-BE49-F238E27FC236}">
+                    <a16:creationId xmlns:a16="http://schemas.microsoft.com/office/drawing/2014/main" id="{E5B14D39-32AA-FB7D-B070-1F5FA434B9E8}"/>
+                  </a:ext>
+                </a:extLst>
+              </p:cNvPr>
+              <p:cNvSpPr txBox="1">
+                <a:spLocks noRot="1" noChangeAspect="1" noMove="1" noResize="1" noEditPoints="1" noAdjustHandles="1" noChangeArrowheads="1" noChangeShapeType="1" noTextEdit="1"/>
+              </p:cNvSpPr>
+              <p:nvPr/>
+            </p:nvSpPr>
+            <p:spPr>
+              <a:xfrm rot="16200000">
+                <a:off x="2720225" y="2750071"/>
+                <a:ext cx="1548757" cy="215444"/>
+              </a:xfrm>
+              <a:prstGeom prst="rect">
+                <a:avLst/>
+              </a:prstGeom>
+              <a:blipFill>
+                <a:blip r:embed="rId54"/>
+                <a:stretch>
+                  <a:fillRect l="-31429" t="-4724" r="-48571" b="-1181"/>
+                </a:stretch>
+              </a:blipFill>
+            </p:spPr>
+            <p:txBody>
+              <a:bodyPr/>
+              <a:lstStyle/>
+              <a:p>
+                <a:r>
+                  <a:rPr lang="en-US">
+                    <a:noFill/>
+                  </a:rPr>
+                  <a:t> </a:t>
+                </a:r>
+              </a:p>
+            </p:txBody>
+          </p:sp>
+        </mc:Fallback>
+      </mc:AlternateContent>
+      <p:cxnSp>
+        <p:nvCxnSpPr>
+          <p:cNvPr id="427" name="Straight Arrow Connector 426">
+            <a:extLst>
+              <a:ext uri="{FF2B5EF4-FFF2-40B4-BE49-F238E27FC236}">
+                <a16:creationId xmlns:a16="http://schemas.microsoft.com/office/drawing/2014/main" id="{37AF0C13-41CE-E7D5-E98C-3B229F62A3C3}"/>
+              </a:ext>
+            </a:extLst>
+          </p:cNvPr>
+          <p:cNvCxnSpPr>
+            <a:cxnSpLocks/>
+          </p:cNvCxnSpPr>
+          <p:nvPr/>
+        </p:nvCxnSpPr>
+        <p:spPr>
+          <a:xfrm>
+            <a:off x="3661127" y="3820864"/>
+            <a:ext cx="0" cy="1637731"/>
+          </a:xfrm>
+          <a:prstGeom prst="straightConnector1">
+            <a:avLst/>
+          </a:prstGeom>
+          <a:ln>
+            <a:tailEnd type="triangle"/>
+          </a:ln>
+        </p:spPr>
+        <p:style>
+          <a:lnRef idx="1">
+            <a:schemeClr val="accent1"/>
+          </a:lnRef>
+          <a:fillRef idx="0">
+            <a:schemeClr val="accent1"/>
+          </a:fillRef>
+          <a:effectRef idx="0">
+            <a:schemeClr val="accent1"/>
+          </a:effectRef>
+          <a:fontRef idx="minor">
+            <a:schemeClr val="tx1"/>
+          </a:fontRef>
+        </p:style>
+      </p:cxnSp>
+      <mc:AlternateContent xmlns:mc="http://schemas.openxmlformats.org/markup-compatibility/2006">
+        <mc:Choice xmlns:a14="http://schemas.microsoft.com/office/drawing/2010/main" Requires="a14">
+          <p:sp>
+            <p:nvSpPr>
+              <p:cNvPr id="428" name="TextBox 427">
+                <a:extLst>
+                  <a:ext uri="{FF2B5EF4-FFF2-40B4-BE49-F238E27FC236}">
+                    <a16:creationId xmlns:a16="http://schemas.microsoft.com/office/drawing/2014/main" id="{9E0CBAD3-EE54-2F80-1244-FB454E6D8F1F}"/>
+                  </a:ext>
+                </a:extLst>
+              </p:cNvPr>
+              <p:cNvSpPr txBox="1"/>
+              <p:nvPr/>
+            </p:nvSpPr>
+            <p:spPr>
+              <a:xfrm rot="16200000">
+                <a:off x="2919705" y="4530755"/>
+                <a:ext cx="1146596" cy="215444"/>
+              </a:xfrm>
+              <a:prstGeom prst="rect">
+                <a:avLst/>
+              </a:prstGeom>
+              <a:noFill/>
+            </p:spPr>
+            <p:txBody>
+              <a:bodyPr wrap="none" lIns="0" tIns="0" rIns="0" bIns="0" rtlCol="0">
+                <a:spAutoFit/>
+              </a:bodyPr>
+              <a:lstStyle/>
+              <a:p>
+                <a14:m>
+                  <m:oMath xmlns:m="http://schemas.openxmlformats.org/officeDocument/2006/math">
+                    <m:d>
+                      <m:dPr>
+                        <m:begChr m:val="⌈"/>
+                        <m:endChr m:val="⌉"/>
+                        <m:ctrlPr>
+                          <a:rPr lang="en-US" sz="1400" i="1" smtClean="0">
+                            <a:latin typeface="Cambria Math" panose="02040503050406030204" pitchFamily="18" charset="0"/>
+                          </a:rPr>
+                        </m:ctrlPr>
+                      </m:dPr>
+                      <m:e>
+                        <m:func>
+                          <m:funcPr>
+                            <m:ctrlPr>
+                              <a:rPr lang="en-US" sz="1400" i="1">
+                                <a:latin typeface="Cambria Math" panose="02040503050406030204" pitchFamily="18" charset="0"/>
+                              </a:rPr>
+                            </m:ctrlPr>
+                          </m:funcPr>
+                          <m:fName>
+                            <m:sSub>
+                              <m:sSubPr>
+                                <m:ctrlPr>
+                                  <a:rPr lang="en-US" sz="1400" i="1">
+                                    <a:latin typeface="Cambria Math" panose="02040503050406030204" pitchFamily="18" charset="0"/>
+                                  </a:rPr>
+                                </m:ctrlPr>
+                              </m:sSubPr>
+                              <m:e>
+                                <m:r>
+                                  <m:rPr>
+                                    <m:sty m:val="p"/>
+                                  </m:rPr>
+                                  <a:rPr lang="en-US" sz="1400">
+                                    <a:latin typeface="Cambria Math" panose="02040503050406030204" pitchFamily="18" charset="0"/>
+                                  </a:rPr>
+                                  <m:t>log</m:t>
+                                </m:r>
+                              </m:e>
+                              <m:sub>
+                                <m:r>
+                                  <a:rPr lang="en-US" sz="1400" i="1">
+                                    <a:latin typeface="Cambria Math" panose="02040503050406030204" pitchFamily="18" charset="0"/>
+                                  </a:rPr>
+                                  <m:t>2</m:t>
+                                </m:r>
+                              </m:sub>
+                            </m:sSub>
+                          </m:fName>
+                          <m:e>
+                            <m:d>
+                              <m:dPr>
+                                <m:ctrlPr>
+                                  <a:rPr lang="en-US" sz="1400" i="1">
+                                    <a:latin typeface="Cambria Math" panose="02040503050406030204" pitchFamily="18" charset="0"/>
+                                  </a:rPr>
+                                </m:ctrlPr>
+                              </m:dPr>
+                              <m:e>
+                                <m:r>
+                                  <a:rPr lang="en-US" sz="1400" i="1">
+                                    <a:latin typeface="Cambria Math" panose="02040503050406030204" pitchFamily="18" charset="0"/>
+                                  </a:rPr>
+                                  <m:t>𝑛</m:t>
+                                </m:r>
+                              </m:e>
+                            </m:d>
+                          </m:e>
+                        </m:func>
+                      </m:e>
+                    </m:d>
+                    <m:r>
+                      <a:rPr lang="en-US" sz="1400" b="0" i="1" smtClean="0">
+                        <a:latin typeface="Cambria Math" panose="02040503050406030204" pitchFamily="18" charset="0"/>
+                      </a:rPr>
+                      <m:t> </m:t>
+                    </m:r>
+                  </m:oMath>
+                </a14:m>
+                <a:r>
+                  <a:rPr lang="en-US" sz="1400" dirty="0">
+                    <a:latin typeface="Times New Roman" panose="02020603050405020304" pitchFamily="18" charset="0"/>
+                    <a:cs typeface="Times New Roman" panose="02020603050405020304" pitchFamily="18" charset="0"/>
+                  </a:rPr>
+                  <a:t>times</a:t>
+                </a:r>
+              </a:p>
+            </p:txBody>
+          </p:sp>
+        </mc:Choice>
+        <mc:Fallback>
+          <p:sp>
+            <p:nvSpPr>
+              <p:cNvPr id="428" name="TextBox 427">
+                <a:extLst>
+                  <a:ext uri="{FF2B5EF4-FFF2-40B4-BE49-F238E27FC236}">
+                    <a16:creationId xmlns:a16="http://schemas.microsoft.com/office/drawing/2014/main" id="{9E0CBAD3-EE54-2F80-1244-FB454E6D8F1F}"/>
+                  </a:ext>
+                </a:extLst>
+              </p:cNvPr>
+              <p:cNvSpPr txBox="1">
+                <a:spLocks noRot="1" noChangeAspect="1" noMove="1" noResize="1" noEditPoints="1" noAdjustHandles="1" noChangeArrowheads="1" noChangeShapeType="1" noTextEdit="1"/>
+              </p:cNvSpPr>
+              <p:nvPr/>
+            </p:nvSpPr>
+            <p:spPr>
+              <a:xfrm rot="16200000">
+                <a:off x="2919705" y="4530755"/>
+                <a:ext cx="1146596" cy="215444"/>
+              </a:xfrm>
+              <a:prstGeom prst="rect">
+                <a:avLst/>
+              </a:prstGeom>
+              <a:blipFill>
+                <a:blip r:embed="rId55"/>
+                <a:stretch>
+                  <a:fillRect l="-25000" t="-6383" r="-47222" b="-1596"/>
+                </a:stretch>
+              </a:blipFill>
+            </p:spPr>
+            <p:txBody>
+              <a:bodyPr/>
+              <a:lstStyle/>
+              <a:p>
+                <a:r>
+                  <a:rPr lang="en-US">
+                    <a:noFill/>
+                  </a:rPr>
+                  <a:t> </a:t>
+                </a:r>
+              </a:p>
+            </p:txBody>
+          </p:sp>
+        </mc:Fallback>
+      </mc:AlternateContent>
+      <p:sp>
+        <p:nvSpPr>
+          <p:cNvPr id="430" name="Rectangle 429">
+            <a:extLst>
+              <a:ext uri="{FF2B5EF4-FFF2-40B4-BE49-F238E27FC236}">
+                <a16:creationId xmlns:a16="http://schemas.microsoft.com/office/drawing/2014/main" id="{551835A4-EACA-0F93-9149-E70C64D11A33}"/>
+              </a:ext>
+            </a:extLst>
+          </p:cNvPr>
+          <p:cNvSpPr/>
+          <p:nvPr/>
+        </p:nvSpPr>
+        <p:spPr>
+          <a:xfrm>
+            <a:off x="7111648" y="936449"/>
+            <a:ext cx="3249696" cy="404273"/>
+          </a:xfrm>
+          <a:prstGeom prst="rect">
+            <a:avLst/>
+          </a:prstGeom>
+          <a:solidFill>
+            <a:schemeClr val="accent1">
+              <a:alpha val="20000"/>
+            </a:schemeClr>
+          </a:solidFill>
+          <a:ln>
+            <a:noFill/>
+          </a:ln>
+        </p:spPr>
+        <p:style>
+          <a:lnRef idx="2">
+            <a:schemeClr val="accent1">
+              <a:shade val="15000"/>
+            </a:schemeClr>
+          </a:lnRef>
+          <a:fillRef idx="1">
+            <a:schemeClr val="accent1"/>
+          </a:fillRef>
+          <a:effectRef idx="0">
+            <a:schemeClr val="accent1"/>
+          </a:effectRef>
+          <a:fontRef idx="minor">
+            <a:schemeClr val="lt1"/>
+          </a:fontRef>
+        </p:style>
+        <p:txBody>
+          <a:bodyPr rtlCol="0" anchor="ctr"/>
+          <a:lstStyle/>
+          <a:p>
+            <a:pPr algn="ctr"/>
+            <a:endParaRPr lang="en-US"/>
+          </a:p>
+        </p:txBody>
+      </p:sp>
+      <p:cxnSp>
+        <p:nvCxnSpPr>
+          <p:cNvPr id="433" name="Straight Arrow Connector 432">
+            <a:extLst>
+              <a:ext uri="{FF2B5EF4-FFF2-40B4-BE49-F238E27FC236}">
+                <a16:creationId xmlns:a16="http://schemas.microsoft.com/office/drawing/2014/main" id="{E19A5817-98B9-4298-4145-3F33A50856E3}"/>
+              </a:ext>
+            </a:extLst>
+          </p:cNvPr>
+          <p:cNvCxnSpPr>
+            <a:cxnSpLocks/>
+          </p:cNvCxnSpPr>
+          <p:nvPr/>
+        </p:nvCxnSpPr>
+        <p:spPr>
+          <a:xfrm flipH="1">
+            <a:off x="7044655" y="5323049"/>
+            <a:ext cx="6832" cy="289182"/>
+          </a:xfrm>
+          <a:prstGeom prst="straightConnector1">
+            <a:avLst/>
+          </a:prstGeom>
+          <a:ln>
+            <a:tailEnd type="triangle"/>
+          </a:ln>
+        </p:spPr>
+        <p:style>
+          <a:lnRef idx="1">
+            <a:schemeClr val="dk1"/>
+          </a:lnRef>
+          <a:fillRef idx="0">
+            <a:schemeClr val="dk1"/>
+          </a:fillRef>
+          <a:effectRef idx="0">
+            <a:schemeClr val="dk1"/>
+          </a:effectRef>
+          <a:fontRef idx="minor">
+            <a:schemeClr val="tx1"/>
+          </a:fontRef>
+        </p:style>
+      </p:cxnSp>
+      <mc:AlternateContent xmlns:mc="http://schemas.openxmlformats.org/markup-compatibility/2006">
+        <mc:Choice xmlns:a14="http://schemas.microsoft.com/office/drawing/2010/main" Requires="a14">
+          <p:sp>
+            <p:nvSpPr>
+              <p:cNvPr id="440" name="TextBox 439">
+                <a:extLst>
+                  <a:ext uri="{FF2B5EF4-FFF2-40B4-BE49-F238E27FC236}">
+                    <a16:creationId xmlns:a16="http://schemas.microsoft.com/office/drawing/2014/main" id="{4715DFD8-1598-B4AF-A308-38770F3D7A84}"/>
+                  </a:ext>
+                </a:extLst>
+              </p:cNvPr>
+              <p:cNvSpPr txBox="1"/>
+              <p:nvPr/>
+            </p:nvSpPr>
+            <p:spPr>
+              <a:xfrm>
+                <a:off x="5897716" y="3740436"/>
+                <a:ext cx="226023" cy="276999"/>
+              </a:xfrm>
+              <a:prstGeom prst="rect">
+                <a:avLst/>
+              </a:prstGeom>
+              <a:noFill/>
+            </p:spPr>
+            <p:txBody>
+              <a:bodyPr wrap="none" lIns="0" tIns="0" rIns="0" bIns="0" rtlCol="0">
+                <a:spAutoFit/>
+              </a:bodyPr>
+              <a:lstStyle/>
+              <a:p>
+                <a14:m>
+                  <m:oMathPara xmlns:m="http://schemas.openxmlformats.org/officeDocument/2006/math">
+                    <m:oMathParaPr>
+                      <m:jc m:val="centerGroup"/>
+                    </m:oMathParaPr>
+                    <m:oMath xmlns:m="http://schemas.openxmlformats.org/officeDocument/2006/math">
+                      <m:r>
+                        <a:rPr lang="en-US" b="0" i="1" smtClean="0">
+                          <a:latin typeface="Cambria Math" panose="02040503050406030204" pitchFamily="18" charset="0"/>
+                        </a:rPr>
+                        <m:t>…</m:t>
+                      </m:r>
+                    </m:oMath>
+                  </m:oMathPara>
+                </a14:m>
+                <a:endParaRPr lang="en-US" dirty="0"/>
+              </a:p>
+            </p:txBody>
+          </p:sp>
+        </mc:Choice>
+        <mc:Fallback>
+          <p:sp>
+            <p:nvSpPr>
+              <p:cNvPr id="440" name="TextBox 439">
+                <a:extLst>
+                  <a:ext uri="{FF2B5EF4-FFF2-40B4-BE49-F238E27FC236}">
+                    <a16:creationId xmlns:a16="http://schemas.microsoft.com/office/drawing/2014/main" id="{4715DFD8-1598-B4AF-A308-38770F3D7A84}"/>
+                  </a:ext>
+                </a:extLst>
+              </p:cNvPr>
+              <p:cNvSpPr txBox="1">
+                <a:spLocks noRot="1" noChangeAspect="1" noMove="1" noResize="1" noEditPoints="1" noAdjustHandles="1" noChangeArrowheads="1" noChangeShapeType="1" noTextEdit="1"/>
+              </p:cNvSpPr>
+              <p:nvPr/>
+            </p:nvSpPr>
+            <p:spPr>
+              <a:xfrm>
+                <a:off x="5897716" y="3740436"/>
+                <a:ext cx="226023" cy="276999"/>
+              </a:xfrm>
+              <a:prstGeom prst="rect">
+                <a:avLst/>
+              </a:prstGeom>
+              <a:blipFill>
+                <a:blip r:embed="rId56"/>
+                <a:stretch>
+                  <a:fillRect/>
+                </a:stretch>
+              </a:blipFill>
+            </p:spPr>
+            <p:txBody>
+              <a:bodyPr/>
+              <a:lstStyle/>
+              <a:p>
+                <a:r>
+                  <a:rPr lang="en-US">
+                    <a:noFill/>
+                  </a:rPr>
+                  <a:t> </a:t>
+                </a:r>
+              </a:p>
+            </p:txBody>
+          </p:sp>
+        </mc:Fallback>
+      </mc:AlternateContent>
+      <mc:AlternateContent xmlns:mc="http://schemas.openxmlformats.org/markup-compatibility/2006">
+        <mc:Choice xmlns:a14="http://schemas.microsoft.com/office/drawing/2010/main" Requires="a14">
+          <p:sp>
+            <p:nvSpPr>
+              <p:cNvPr id="441" name="TextBox 440">
+                <a:extLst>
+                  <a:ext uri="{FF2B5EF4-FFF2-40B4-BE49-F238E27FC236}">
+                    <a16:creationId xmlns:a16="http://schemas.microsoft.com/office/drawing/2014/main" id="{DFBB1D44-ABE2-A54A-C7D5-63138C9B2C84}"/>
+                  </a:ext>
+                </a:extLst>
+              </p:cNvPr>
+              <p:cNvSpPr txBox="1"/>
+              <p:nvPr/>
+            </p:nvSpPr>
+            <p:spPr>
+              <a:xfrm>
+                <a:off x="7793963" y="3737590"/>
+                <a:ext cx="226023" cy="276999"/>
+              </a:xfrm>
+              <a:prstGeom prst="rect">
+                <a:avLst/>
+              </a:prstGeom>
+              <a:noFill/>
+            </p:spPr>
+            <p:txBody>
+              <a:bodyPr wrap="none" lIns="0" tIns="0" rIns="0" bIns="0" rtlCol="0">
+                <a:spAutoFit/>
+              </a:bodyPr>
+              <a:lstStyle/>
+              <a:p>
+                <a14:m>
+                  <m:oMathPara xmlns:m="http://schemas.openxmlformats.org/officeDocument/2006/math">
+                    <m:oMathParaPr>
+                      <m:jc m:val="centerGroup"/>
+                    </m:oMathParaPr>
+                    <m:oMath xmlns:m="http://schemas.openxmlformats.org/officeDocument/2006/math">
+                      <m:r>
+                        <a:rPr lang="en-US" b="0" i="1" smtClean="0">
+                          <a:latin typeface="Cambria Math" panose="02040503050406030204" pitchFamily="18" charset="0"/>
+                        </a:rPr>
+                        <m:t>…</m:t>
+                      </m:r>
+                    </m:oMath>
+                  </m:oMathPara>
+                </a14:m>
+                <a:endParaRPr lang="en-US" dirty="0"/>
+              </a:p>
+            </p:txBody>
+          </p:sp>
+        </mc:Choice>
+        <mc:Fallback>
+          <p:sp>
+            <p:nvSpPr>
+              <p:cNvPr id="441" name="TextBox 440">
+                <a:extLst>
+                  <a:ext uri="{FF2B5EF4-FFF2-40B4-BE49-F238E27FC236}">
+                    <a16:creationId xmlns:a16="http://schemas.microsoft.com/office/drawing/2014/main" id="{DFBB1D44-ABE2-A54A-C7D5-63138C9B2C84}"/>
+                  </a:ext>
+                </a:extLst>
+              </p:cNvPr>
+              <p:cNvSpPr txBox="1">
+                <a:spLocks noRot="1" noChangeAspect="1" noMove="1" noResize="1" noEditPoints="1" noAdjustHandles="1" noChangeArrowheads="1" noChangeShapeType="1" noTextEdit="1"/>
+              </p:cNvSpPr>
+              <p:nvPr/>
+            </p:nvSpPr>
+            <p:spPr>
+              <a:xfrm>
+                <a:off x="7793963" y="3737590"/>
+                <a:ext cx="226023" cy="276999"/>
+              </a:xfrm>
+              <a:prstGeom prst="rect">
+                <a:avLst/>
+              </a:prstGeom>
+              <a:blipFill>
+                <a:blip r:embed="rId6"/>
+                <a:stretch>
+                  <a:fillRect/>
+                </a:stretch>
+              </a:blipFill>
+            </p:spPr>
+            <p:txBody>
+              <a:bodyPr/>
+              <a:lstStyle/>
+              <a:p>
+                <a:r>
+                  <a:rPr lang="en-US">
+                    <a:noFill/>
+                  </a:rPr>
+                  <a:t> </a:t>
+                </a:r>
+              </a:p>
+            </p:txBody>
+          </p:sp>
+        </mc:Fallback>
+      </mc:AlternateContent>
+      <p:cxnSp>
+        <p:nvCxnSpPr>
+          <p:cNvPr id="442" name="Straight Arrow Connector 441">
+            <a:extLst>
+              <a:ext uri="{FF2B5EF4-FFF2-40B4-BE49-F238E27FC236}">
+                <a16:creationId xmlns:a16="http://schemas.microsoft.com/office/drawing/2014/main" id="{BE0CE70D-8128-58AC-F7E5-03F63154E632}"/>
+              </a:ext>
+            </a:extLst>
+          </p:cNvPr>
+          <p:cNvCxnSpPr>
+            <a:cxnSpLocks/>
+            <a:endCxn id="300" idx="0"/>
+          </p:cNvCxnSpPr>
+          <p:nvPr/>
+        </p:nvCxnSpPr>
+        <p:spPr>
+          <a:xfrm>
+            <a:off x="5267297" y="3438725"/>
+            <a:ext cx="0" cy="316772"/>
+          </a:xfrm>
+          <a:prstGeom prst="straightConnector1">
+            <a:avLst/>
+          </a:prstGeom>
+          <a:ln>
+            <a:tailEnd type="triangle"/>
+          </a:ln>
+        </p:spPr>
+        <p:style>
+          <a:lnRef idx="1">
+            <a:schemeClr val="dk1"/>
+          </a:lnRef>
+          <a:fillRef idx="0">
+            <a:schemeClr val="dk1"/>
+          </a:fillRef>
+          <a:effectRef idx="0">
+            <a:schemeClr val="dk1"/>
+          </a:effectRef>
+          <a:fontRef idx="minor">
+            <a:schemeClr val="tx1"/>
+          </a:fontRef>
+        </p:style>
+      </p:cxnSp>
+      <p:cxnSp>
+        <p:nvCxnSpPr>
+          <p:cNvPr id="445" name="Straight Arrow Connector 444">
+            <a:extLst>
+              <a:ext uri="{FF2B5EF4-FFF2-40B4-BE49-F238E27FC236}">
+                <a16:creationId xmlns:a16="http://schemas.microsoft.com/office/drawing/2014/main" id="{8F9BC09D-816E-74D7-C954-D5F1C83C3D8E}"/>
+              </a:ext>
+            </a:extLst>
+          </p:cNvPr>
+          <p:cNvCxnSpPr>
+            <a:cxnSpLocks/>
+          </p:cNvCxnSpPr>
+          <p:nvPr/>
+        </p:nvCxnSpPr>
+        <p:spPr>
+          <a:xfrm>
+            <a:off x="6974805" y="3423664"/>
+            <a:ext cx="0" cy="316772"/>
+          </a:xfrm>
+          <a:prstGeom prst="straightConnector1">
+            <a:avLst/>
+          </a:prstGeom>
+          <a:ln>
+            <a:tailEnd type="triangle"/>
+          </a:ln>
+        </p:spPr>
+        <p:style>
+          <a:lnRef idx="1">
+            <a:schemeClr val="dk1"/>
+          </a:lnRef>
+          <a:fillRef idx="0">
+            <a:schemeClr val="dk1"/>
+          </a:fillRef>
+          <a:effectRef idx="0">
+            <a:schemeClr val="dk1"/>
+          </a:effectRef>
+          <a:fontRef idx="minor">
+            <a:schemeClr val="tx1"/>
+          </a:fontRef>
+        </p:style>
+      </p:cxnSp>
+      <p:sp>
+        <p:nvSpPr>
+          <p:cNvPr id="446" name="Rectangle 445">
+            <a:extLst>
+              <a:ext uri="{FF2B5EF4-FFF2-40B4-BE49-F238E27FC236}">
+                <a16:creationId xmlns:a16="http://schemas.microsoft.com/office/drawing/2014/main" id="{27EC6366-3F6D-6B11-763B-D572D96C8926}"/>
+              </a:ext>
+            </a:extLst>
+          </p:cNvPr>
+          <p:cNvSpPr/>
+          <p:nvPr/>
+        </p:nvSpPr>
+        <p:spPr>
+          <a:xfrm>
+            <a:off x="3549651" y="927361"/>
+            <a:ext cx="3313625" cy="426019"/>
+          </a:xfrm>
+          <a:prstGeom prst="rect">
+            <a:avLst/>
+          </a:prstGeom>
+          <a:solidFill>
+            <a:schemeClr val="accent1">
+              <a:alpha val="20000"/>
+            </a:schemeClr>
+          </a:solidFill>
+          <a:ln>
+            <a:noFill/>
+          </a:ln>
+        </p:spPr>
+        <p:style>
+          <a:lnRef idx="2">
+            <a:schemeClr val="accent1">
+              <a:shade val="15000"/>
+            </a:schemeClr>
+          </a:lnRef>
+          <a:fillRef idx="1">
+            <a:schemeClr val="accent1"/>
+          </a:fillRef>
+          <a:effectRef idx="0">
+            <a:schemeClr val="accent1"/>
+          </a:effectRef>
+          <a:fontRef idx="minor">
+            <a:schemeClr val="lt1"/>
+          </a:fontRef>
+        </p:style>
+        <p:txBody>
+          <a:bodyPr rtlCol="0" anchor="ctr"/>
+          <a:lstStyle/>
+          <a:p>
+            <a:pPr algn="ctr"/>
+            <a:endParaRPr lang="en-US"/>
+          </a:p>
+        </p:txBody>
+      </p:sp>
+      <p:cxnSp>
+        <p:nvCxnSpPr>
+          <p:cNvPr id="447" name="Straight Arrow Connector 446">
+            <a:extLst>
+              <a:ext uri="{FF2B5EF4-FFF2-40B4-BE49-F238E27FC236}">
+                <a16:creationId xmlns:a16="http://schemas.microsoft.com/office/drawing/2014/main" id="{D18620B2-B4CD-5FBC-B55B-8BF64E621C90}"/>
+              </a:ext>
+            </a:extLst>
+          </p:cNvPr>
+          <p:cNvCxnSpPr>
+            <a:cxnSpLocks/>
+          </p:cNvCxnSpPr>
+          <p:nvPr/>
+        </p:nvCxnSpPr>
+        <p:spPr>
+          <a:xfrm>
+            <a:off x="8648371" y="3438725"/>
+            <a:ext cx="0" cy="316772"/>
+          </a:xfrm>
+          <a:prstGeom prst="straightConnector1">
+            <a:avLst/>
+          </a:prstGeom>
+          <a:ln>
+            <a:tailEnd type="triangle"/>
+          </a:ln>
+        </p:spPr>
+        <p:style>
+          <a:lnRef idx="1">
+            <a:schemeClr val="dk1"/>
+          </a:lnRef>
+          <a:fillRef idx="0">
+            <a:schemeClr val="dk1"/>
+          </a:fillRef>
+          <a:effectRef idx="0">
+            <a:schemeClr val="dk1"/>
+          </a:effectRef>
+          <a:fontRef idx="minor">
+            <a:schemeClr val="tx1"/>
+          </a:fontRef>
+        </p:style>
+      </p:cxnSp>
+      <mc:AlternateContent xmlns:mc="http://schemas.openxmlformats.org/markup-compatibility/2006">
+        <mc:Choice xmlns:a14="http://schemas.microsoft.com/office/drawing/2010/main" Requires="a14">
+          <p:sp>
+            <p:nvSpPr>
+              <p:cNvPr id="450" name="TextBox 449">
+                <a:extLst>
+                  <a:ext uri="{FF2B5EF4-FFF2-40B4-BE49-F238E27FC236}">
+                    <a16:creationId xmlns:a16="http://schemas.microsoft.com/office/drawing/2014/main" id="{630AE700-A08B-B6B5-9B82-CA5627E4A702}"/>
+                  </a:ext>
+                </a:extLst>
+              </p:cNvPr>
+              <p:cNvSpPr txBox="1"/>
+              <p:nvPr/>
+            </p:nvSpPr>
+            <p:spPr>
+              <a:xfrm>
+                <a:off x="5226538" y="516623"/>
+                <a:ext cx="470898" cy="368884"/>
+              </a:xfrm>
+              <a:prstGeom prst="rect">
+                <a:avLst/>
+              </a:prstGeom>
+              <a:noFill/>
+            </p:spPr>
+            <p:txBody>
+              <a:bodyPr wrap="none" lIns="0" tIns="0" rIns="0" bIns="0" rtlCol="0">
+                <a:spAutoFit/>
+              </a:bodyPr>
+              <a:lstStyle/>
+              <a:p>
+                <a14:m>
+                  <m:oMath xmlns:m="http://schemas.openxmlformats.org/officeDocument/2006/math">
+                    <m:sSubSup>
+                      <m:sSubSupPr>
+                        <m:ctrlPr>
+                          <a:rPr lang="en-US" sz="1800" i="1" smtClean="0">
+                            <a:latin typeface="Cambria Math" panose="02040503050406030204" pitchFamily="18" charset="0"/>
+                          </a:rPr>
+                        </m:ctrlPr>
+                      </m:sSubSupPr>
+                      <m:e>
+                        <m:r>
+                          <a:rPr lang="en-US" sz="1800" b="0" i="1" dirty="0">
+                            <a:latin typeface="Cambria Math" panose="02040503050406030204" pitchFamily="18" charset="0"/>
+                            <a:ea typeface="Cambria Math" panose="02040503050406030204" pitchFamily="18" charset="0"/>
+                          </a:rPr>
+                          <m:t>ℙ</m:t>
+                        </m:r>
+                      </m:e>
+                      <m:sub>
+                        <m:r>
+                          <a:rPr lang="en-US" sz="1800" b="0" i="1" dirty="0" smtClean="0">
+                            <a:latin typeface="Cambria Math" panose="02040503050406030204" pitchFamily="18" charset="0"/>
+                          </a:rPr>
+                          <m:t>𝑛</m:t>
+                        </m:r>
+                        <m:r>
+                          <a:rPr lang="en-US" sz="1800" b="0" i="1" dirty="0" smtClean="0">
+                            <a:latin typeface="Cambria Math" panose="02040503050406030204" pitchFamily="18" charset="0"/>
+                          </a:rPr>
+                          <m:t>,0</m:t>
+                        </m:r>
+                      </m:sub>
+                      <m:sup>
+                        <m:d>
+                          <m:dPr>
+                            <m:ctrlPr>
+                              <a:rPr lang="en-US" sz="1800" i="1">
+                                <a:latin typeface="Cambria Math" panose="02040503050406030204" pitchFamily="18" charset="0"/>
+                              </a:rPr>
+                            </m:ctrlPr>
+                          </m:dPr>
+                          <m:e>
+                            <m:r>
+                              <a:rPr lang="en-US" sz="1800" b="0" i="1" smtClean="0">
+                                <a:latin typeface="Cambria Math" panose="02040503050406030204" pitchFamily="18" charset="0"/>
+                              </a:rPr>
+                              <m:t>𝑇</m:t>
+                            </m:r>
+                          </m:e>
+                        </m:d>
+                      </m:sup>
+                    </m:sSubSup>
+                  </m:oMath>
+                </a14:m>
+                <a:r>
+                  <a:rPr lang="en-US" dirty="0"/>
+                  <a:t> </a:t>
+                </a:r>
+              </a:p>
+            </p:txBody>
+          </p:sp>
+        </mc:Choice>
+        <mc:Fallback>
+          <p:sp>
+            <p:nvSpPr>
+              <p:cNvPr id="450" name="TextBox 449">
+                <a:extLst>
+                  <a:ext uri="{FF2B5EF4-FFF2-40B4-BE49-F238E27FC236}">
+                    <a16:creationId xmlns:a16="http://schemas.microsoft.com/office/drawing/2014/main" id="{630AE700-A08B-B6B5-9B82-CA5627E4A702}"/>
+                  </a:ext>
+                </a:extLst>
+              </p:cNvPr>
+              <p:cNvSpPr txBox="1">
+                <a:spLocks noRot="1" noChangeAspect="1" noMove="1" noResize="1" noEditPoints="1" noAdjustHandles="1" noChangeArrowheads="1" noChangeShapeType="1" noTextEdit="1"/>
+              </p:cNvSpPr>
+              <p:nvPr/>
+            </p:nvSpPr>
+            <p:spPr>
+              <a:xfrm>
+                <a:off x="5226538" y="516623"/>
+                <a:ext cx="470898" cy="368884"/>
+              </a:xfrm>
+              <a:prstGeom prst="rect">
+                <a:avLst/>
+              </a:prstGeom>
+              <a:blipFill>
+                <a:blip r:embed="rId57"/>
+                <a:stretch>
+                  <a:fillRect l="-16667" b="-8333"/>
+                </a:stretch>
+              </a:blipFill>
+            </p:spPr>
+            <p:txBody>
+              <a:bodyPr/>
+              <a:lstStyle/>
+              <a:p>
+                <a:r>
+                  <a:rPr lang="en-US">
+                    <a:noFill/>
+                  </a:rPr>
+                  <a:t> </a:t>
+                </a:r>
+              </a:p>
+            </p:txBody>
+          </p:sp>
+        </mc:Fallback>
+      </mc:AlternateContent>
+      <mc:AlternateContent xmlns:mc="http://schemas.openxmlformats.org/markup-compatibility/2006">
+        <mc:Choice xmlns:a14="http://schemas.microsoft.com/office/drawing/2010/main" Requires="a14">
+          <p:sp>
+            <p:nvSpPr>
+              <p:cNvPr id="462" name="TextBox 461">
+                <a:extLst>
+                  <a:ext uri="{FF2B5EF4-FFF2-40B4-BE49-F238E27FC236}">
+                    <a16:creationId xmlns:a16="http://schemas.microsoft.com/office/drawing/2014/main" id="{6FB63B82-3E34-20B9-71AF-F0DF3EF17060}"/>
+                  </a:ext>
+                </a:extLst>
+              </p:cNvPr>
+              <p:cNvSpPr txBox="1"/>
+              <p:nvPr/>
+            </p:nvSpPr>
+            <p:spPr>
+              <a:xfrm>
+                <a:off x="8753773" y="531831"/>
+                <a:ext cx="701410" cy="365036"/>
+              </a:xfrm>
+              <a:prstGeom prst="rect">
+                <a:avLst/>
+              </a:prstGeom>
+              <a:noFill/>
+            </p:spPr>
+            <p:txBody>
+              <a:bodyPr wrap="none" lIns="0" tIns="0" rIns="0" bIns="0" rtlCol="0">
+                <a:spAutoFit/>
+              </a:bodyPr>
+              <a:lstStyle/>
+              <a:p>
+                <a14:m>
+                  <m:oMath xmlns:m="http://schemas.openxmlformats.org/officeDocument/2006/math">
+                    <m:sSubSup>
+                      <m:sSubSupPr>
+                        <m:ctrlPr>
+                          <a:rPr lang="en-US" sz="1800" i="1" smtClean="0">
+                            <a:latin typeface="Cambria Math" panose="02040503050406030204" pitchFamily="18" charset="0"/>
+                          </a:rPr>
+                        </m:ctrlPr>
+                      </m:sSubSupPr>
+                      <m:e>
+                        <m:r>
+                          <a:rPr lang="en-US" sz="1800" b="0" i="1" dirty="0">
+                            <a:latin typeface="Cambria Math" panose="02040503050406030204" pitchFamily="18" charset="0"/>
+                            <a:ea typeface="Cambria Math" panose="02040503050406030204" pitchFamily="18" charset="0"/>
+                          </a:rPr>
+                          <m:t>ℙ</m:t>
+                        </m:r>
+                      </m:e>
+                      <m:sub>
+                        <m:r>
+                          <a:rPr lang="en-US" sz="1800" b="0" i="1" dirty="0" smtClean="0">
+                            <a:latin typeface="Cambria Math" panose="02040503050406030204" pitchFamily="18" charset="0"/>
+                          </a:rPr>
+                          <m:t>𝑛</m:t>
+                        </m:r>
+                        <m:r>
+                          <a:rPr lang="en-US" sz="1800" b="0" i="1" dirty="0" smtClean="0">
+                            <a:latin typeface="Cambria Math" panose="02040503050406030204" pitchFamily="18" charset="0"/>
+                          </a:rPr>
+                          <m:t>,</m:t>
+                        </m:r>
+                        <m:r>
+                          <a:rPr lang="en-US" sz="1800" b="0" i="1" dirty="0" smtClean="0">
+                            <a:latin typeface="Cambria Math" panose="02040503050406030204" pitchFamily="18" charset="0"/>
+                          </a:rPr>
+                          <m:t>𝑛</m:t>
+                        </m:r>
+                        <m:r>
+                          <a:rPr lang="en-US" sz="1800" b="0" i="1" dirty="0" smtClean="0">
+                            <a:latin typeface="Cambria Math" panose="02040503050406030204" pitchFamily="18" charset="0"/>
+                          </a:rPr>
+                          <m:t>−1</m:t>
+                        </m:r>
+                      </m:sub>
+                      <m:sup>
+                        <m:d>
+                          <m:dPr>
+                            <m:ctrlPr>
+                              <a:rPr lang="en-US" sz="1800" i="1">
+                                <a:latin typeface="Cambria Math" panose="02040503050406030204" pitchFamily="18" charset="0"/>
+                              </a:rPr>
+                            </m:ctrlPr>
+                          </m:dPr>
+                          <m:e>
+                            <m:r>
+                              <a:rPr lang="en-US" sz="1800" b="0" i="1" smtClean="0">
+                                <a:latin typeface="Cambria Math" panose="02040503050406030204" pitchFamily="18" charset="0"/>
+                              </a:rPr>
+                              <m:t>𝑇</m:t>
+                            </m:r>
+                          </m:e>
+                        </m:d>
+                      </m:sup>
+                    </m:sSubSup>
+                  </m:oMath>
+                </a14:m>
+                <a:r>
+                  <a:rPr lang="en-US" dirty="0"/>
+                  <a:t> </a:t>
+                </a:r>
+              </a:p>
+            </p:txBody>
+          </p:sp>
+        </mc:Choice>
+        <mc:Fallback>
+          <p:sp>
+            <p:nvSpPr>
+              <p:cNvPr id="462" name="TextBox 461">
+                <a:extLst>
+                  <a:ext uri="{FF2B5EF4-FFF2-40B4-BE49-F238E27FC236}">
+                    <a16:creationId xmlns:a16="http://schemas.microsoft.com/office/drawing/2014/main" id="{6FB63B82-3E34-20B9-71AF-F0DF3EF17060}"/>
+                  </a:ext>
+                </a:extLst>
+              </p:cNvPr>
+              <p:cNvSpPr txBox="1">
+                <a:spLocks noRot="1" noChangeAspect="1" noMove="1" noResize="1" noEditPoints="1" noAdjustHandles="1" noChangeArrowheads="1" noChangeShapeType="1" noTextEdit="1"/>
+              </p:cNvSpPr>
+              <p:nvPr/>
+            </p:nvSpPr>
+            <p:spPr>
+              <a:xfrm>
+                <a:off x="8753773" y="531831"/>
+                <a:ext cx="701410" cy="365036"/>
+              </a:xfrm>
+              <a:prstGeom prst="rect">
+                <a:avLst/>
+              </a:prstGeom>
+              <a:blipFill>
+                <a:blip r:embed="rId58"/>
+                <a:stretch>
+                  <a:fillRect l="-12174" b="-10000"/>
+                </a:stretch>
+              </a:blipFill>
+            </p:spPr>
+            <p:txBody>
+              <a:bodyPr/>
+              <a:lstStyle/>
+              <a:p>
+                <a:r>
+                  <a:rPr lang="en-US">
+                    <a:noFill/>
+                  </a:rPr>
+                  <a:t> </a:t>
+                </a:r>
+              </a:p>
+            </p:txBody>
+          </p:sp>
+        </mc:Fallback>
+      </mc:AlternateContent>
+      <mc:AlternateContent xmlns:mc="http://schemas.openxmlformats.org/markup-compatibility/2006">
+        <mc:Choice xmlns:a14="http://schemas.microsoft.com/office/drawing/2010/main" Requires="a14">
+          <p:sp>
+            <p:nvSpPr>
+              <p:cNvPr id="463" name="TextBox 462">
+                <a:extLst>
+                  <a:ext uri="{FF2B5EF4-FFF2-40B4-BE49-F238E27FC236}">
+                    <a16:creationId xmlns:a16="http://schemas.microsoft.com/office/drawing/2014/main" id="{FCEF8DDD-D04B-9987-48A9-43497594DE99}"/>
+                  </a:ext>
+                </a:extLst>
+              </p:cNvPr>
+              <p:cNvSpPr txBox="1"/>
+              <p:nvPr/>
+            </p:nvSpPr>
+            <p:spPr>
+              <a:xfrm>
+                <a:off x="5079200" y="2854216"/>
+                <a:ext cx="226023" cy="276999"/>
+              </a:xfrm>
+              <a:prstGeom prst="rect">
+                <a:avLst/>
+              </a:prstGeom>
+              <a:noFill/>
+            </p:spPr>
+            <p:txBody>
+              <a:bodyPr wrap="none" lIns="0" tIns="0" rIns="0" bIns="0" rtlCol="0">
+                <a:spAutoFit/>
+              </a:bodyPr>
+              <a:lstStyle/>
+              <a:p>
+                <a14:m>
+                  <m:oMathPara xmlns:m="http://schemas.openxmlformats.org/officeDocument/2006/math">
+                    <m:oMathParaPr>
+                      <m:jc m:val="centerGroup"/>
+                    </m:oMathParaPr>
+                    <m:oMath xmlns:m="http://schemas.openxmlformats.org/officeDocument/2006/math">
+                      <m:r>
+                        <a:rPr lang="en-US" b="0" i="1" smtClean="0">
+                          <a:latin typeface="Cambria Math" panose="02040503050406030204" pitchFamily="18" charset="0"/>
+                          <a:ea typeface="Cambria Math" panose="02040503050406030204" pitchFamily="18" charset="0"/>
+                        </a:rPr>
+                        <m:t>…</m:t>
+                      </m:r>
+                    </m:oMath>
+                  </m:oMathPara>
+                </a14:m>
+                <a:endParaRPr lang="en-US" dirty="0"/>
+              </a:p>
+            </p:txBody>
+          </p:sp>
+        </mc:Choice>
+        <mc:Fallback>
+          <p:sp>
+            <p:nvSpPr>
+              <p:cNvPr id="463" name="TextBox 462">
+                <a:extLst>
+                  <a:ext uri="{FF2B5EF4-FFF2-40B4-BE49-F238E27FC236}">
+                    <a16:creationId xmlns:a16="http://schemas.microsoft.com/office/drawing/2014/main" id="{FCEF8DDD-D04B-9987-48A9-43497594DE99}"/>
+                  </a:ext>
+                </a:extLst>
+              </p:cNvPr>
+              <p:cNvSpPr txBox="1">
+                <a:spLocks noRot="1" noChangeAspect="1" noMove="1" noResize="1" noEditPoints="1" noAdjustHandles="1" noChangeArrowheads="1" noChangeShapeType="1" noTextEdit="1"/>
+              </p:cNvSpPr>
+              <p:nvPr/>
+            </p:nvSpPr>
+            <p:spPr>
+              <a:xfrm>
+                <a:off x="5079200" y="2854216"/>
+                <a:ext cx="226023" cy="276999"/>
+              </a:xfrm>
+              <a:prstGeom prst="rect">
+                <a:avLst/>
+              </a:prstGeom>
+              <a:blipFill>
+                <a:blip r:embed="rId59"/>
+                <a:stretch>
+                  <a:fillRect/>
+                </a:stretch>
+              </a:blipFill>
+            </p:spPr>
+            <p:txBody>
+              <a:bodyPr/>
+              <a:lstStyle/>
+              <a:p>
+                <a:r>
+                  <a:rPr lang="en-US">
+                    <a:noFill/>
+                  </a:rPr>
+                  <a:t> </a:t>
+                </a:r>
+              </a:p>
+            </p:txBody>
+          </p:sp>
+        </mc:Fallback>
+      </mc:AlternateContent>
+      <p:sp>
+        <p:nvSpPr>
+          <p:cNvPr id="464" name="Left Brace 463">
+            <a:extLst>
+              <a:ext uri="{FF2B5EF4-FFF2-40B4-BE49-F238E27FC236}">
+                <a16:creationId xmlns:a16="http://schemas.microsoft.com/office/drawing/2014/main" id="{0C31AB8E-3E19-8693-E3D2-A953722F8B22}"/>
+              </a:ext>
+            </a:extLst>
+          </p:cNvPr>
+          <p:cNvSpPr/>
+          <p:nvPr/>
+        </p:nvSpPr>
+        <p:spPr>
+          <a:xfrm rot="5400000" flipH="1">
+            <a:off x="8090098" y="2886953"/>
+            <a:ext cx="133364" cy="595332"/>
+          </a:xfrm>
+          <a:prstGeom prst="leftBrace">
+            <a:avLst>
+              <a:gd name="adj1" fmla="val 44503"/>
+              <a:gd name="adj2" fmla="val 50000"/>
+            </a:avLst>
+          </a:prstGeom>
+          <a:ln w="19050"/>
+        </p:spPr>
+        <p:style>
+          <a:lnRef idx="1">
+            <a:schemeClr val="dk1"/>
+          </a:lnRef>
+          <a:fillRef idx="0">
+            <a:schemeClr val="dk1"/>
+          </a:fillRef>
+          <a:effectRef idx="0">
+            <a:schemeClr val="dk1"/>
+          </a:effectRef>
+          <a:fontRef idx="minor">
+            <a:schemeClr val="tx1"/>
+          </a:fontRef>
+        </p:style>
+        <p:txBody>
+          <a:bodyPr rtlCol="0" anchor="ctr"/>
+          <a:lstStyle/>
+          <a:p>
+            <a:pPr algn="ctr"/>
+            <a:endParaRPr lang="en-US"/>
+          </a:p>
+        </p:txBody>
+      </p:sp>
+      <mc:AlternateContent xmlns:mc="http://schemas.openxmlformats.org/markup-compatibility/2006">
+        <mc:Choice xmlns:a14="http://schemas.microsoft.com/office/drawing/2010/main" Requires="a14">
+          <p:sp>
+            <p:nvSpPr>
+              <p:cNvPr id="465" name="TextBox 464">
+                <a:extLst>
+                  <a:ext uri="{FF2B5EF4-FFF2-40B4-BE49-F238E27FC236}">
+                    <a16:creationId xmlns:a16="http://schemas.microsoft.com/office/drawing/2014/main" id="{28E9CD02-17FA-F97E-B1F4-63CCD2623189}"/>
+                  </a:ext>
+                </a:extLst>
+              </p:cNvPr>
+              <p:cNvSpPr txBox="1"/>
+              <p:nvPr/>
+            </p:nvSpPr>
+            <p:spPr>
+              <a:xfrm>
+                <a:off x="8611848" y="2819059"/>
+                <a:ext cx="226023" cy="276999"/>
+              </a:xfrm>
+              <a:prstGeom prst="rect">
+                <a:avLst/>
+              </a:prstGeom>
+              <a:noFill/>
+            </p:spPr>
+            <p:txBody>
+              <a:bodyPr wrap="none" lIns="0" tIns="0" rIns="0" bIns="0" rtlCol="0">
+                <a:spAutoFit/>
+              </a:bodyPr>
+              <a:lstStyle/>
+              <a:p>
+                <a14:m>
+                  <m:oMathPara xmlns:m="http://schemas.openxmlformats.org/officeDocument/2006/math">
+                    <m:oMathParaPr>
+                      <m:jc m:val="centerGroup"/>
+                    </m:oMathParaPr>
+                    <m:oMath xmlns:m="http://schemas.openxmlformats.org/officeDocument/2006/math">
+                      <m:r>
+                        <a:rPr lang="en-US" b="0" i="1" smtClean="0">
+                          <a:latin typeface="Cambria Math" panose="02040503050406030204" pitchFamily="18" charset="0"/>
+                          <a:ea typeface="Cambria Math" panose="02040503050406030204" pitchFamily="18" charset="0"/>
+                        </a:rPr>
+                        <m:t>…</m:t>
+                      </m:r>
+                    </m:oMath>
+                  </m:oMathPara>
+                </a14:m>
+                <a:endParaRPr lang="en-US" dirty="0"/>
+              </a:p>
+            </p:txBody>
+          </p:sp>
+        </mc:Choice>
+        <mc:Fallback>
+          <p:sp>
+            <p:nvSpPr>
+              <p:cNvPr id="465" name="TextBox 464">
+                <a:extLst>
+                  <a:ext uri="{FF2B5EF4-FFF2-40B4-BE49-F238E27FC236}">
+                    <a16:creationId xmlns:a16="http://schemas.microsoft.com/office/drawing/2014/main" id="{28E9CD02-17FA-F97E-B1F4-63CCD2623189}"/>
+                  </a:ext>
+                </a:extLst>
+              </p:cNvPr>
+              <p:cNvSpPr txBox="1">
+                <a:spLocks noRot="1" noChangeAspect="1" noMove="1" noResize="1" noEditPoints="1" noAdjustHandles="1" noChangeArrowheads="1" noChangeShapeType="1" noTextEdit="1"/>
+              </p:cNvSpPr>
+              <p:nvPr/>
+            </p:nvSpPr>
+            <p:spPr>
+              <a:xfrm>
+                <a:off x="8611848" y="2819059"/>
+                <a:ext cx="226023" cy="276999"/>
+              </a:xfrm>
+              <a:prstGeom prst="rect">
+                <a:avLst/>
+              </a:prstGeom>
+              <a:blipFill>
+                <a:blip r:embed="rId60"/>
+                <a:stretch>
+                  <a:fillRect/>
+                </a:stretch>
+              </a:blipFill>
+            </p:spPr>
+            <p:txBody>
+              <a:bodyPr/>
+              <a:lstStyle/>
+              <a:p>
+                <a:r>
+                  <a:rPr lang="en-US">
+                    <a:noFill/>
+                  </a:rPr>
+                  <a:t> </a:t>
+                </a:r>
+              </a:p>
+            </p:txBody>
+          </p:sp>
+        </mc:Fallback>
+      </mc:AlternateContent>
+      <mc:AlternateContent xmlns:mc="http://schemas.openxmlformats.org/markup-compatibility/2006">
+        <mc:Choice xmlns:a14="http://schemas.microsoft.com/office/drawing/2010/main" Requires="a14">
+          <p:sp>
+            <p:nvSpPr>
+              <p:cNvPr id="469" name="TextBox 468">
+                <a:extLst>
+                  <a:ext uri="{FF2B5EF4-FFF2-40B4-BE49-F238E27FC236}">
+                    <a16:creationId xmlns:a16="http://schemas.microsoft.com/office/drawing/2014/main" id="{0F5338DB-E867-A46A-F9F1-CAC9CD593996}"/>
+                  </a:ext>
+                </a:extLst>
+              </p:cNvPr>
+              <p:cNvSpPr txBox="1"/>
+              <p:nvPr/>
+            </p:nvSpPr>
+            <p:spPr>
+              <a:xfrm>
+                <a:off x="7431026" y="4608110"/>
+                <a:ext cx="226023" cy="276999"/>
+              </a:xfrm>
+              <a:prstGeom prst="rect">
+                <a:avLst/>
+              </a:prstGeom>
+              <a:noFill/>
+            </p:spPr>
+            <p:txBody>
+              <a:bodyPr wrap="none" lIns="0" tIns="0" rIns="0" bIns="0" rtlCol="0">
+                <a:spAutoFit/>
+              </a:bodyPr>
+              <a:lstStyle/>
+              <a:p>
+                <a14:m>
+                  <m:oMathPara xmlns:m="http://schemas.openxmlformats.org/officeDocument/2006/math">
+                    <m:oMathParaPr>
+                      <m:jc m:val="centerGroup"/>
+                    </m:oMathParaPr>
+                    <m:oMath xmlns:m="http://schemas.openxmlformats.org/officeDocument/2006/math">
+                      <m:r>
+                        <a:rPr lang="en-US" b="0" i="1" smtClean="0">
+                          <a:latin typeface="Cambria Math" panose="02040503050406030204" pitchFamily="18" charset="0"/>
+                        </a:rPr>
+                        <m:t>…</m:t>
+                      </m:r>
+                    </m:oMath>
+                  </m:oMathPara>
+                </a14:m>
+                <a:endParaRPr lang="en-US" dirty="0"/>
+              </a:p>
+            </p:txBody>
+          </p:sp>
+        </mc:Choice>
+        <mc:Fallback>
+          <p:sp>
+            <p:nvSpPr>
+              <p:cNvPr id="469" name="TextBox 468">
+                <a:extLst>
+                  <a:ext uri="{FF2B5EF4-FFF2-40B4-BE49-F238E27FC236}">
+                    <a16:creationId xmlns:a16="http://schemas.microsoft.com/office/drawing/2014/main" id="{0F5338DB-E867-A46A-F9F1-CAC9CD593996}"/>
+                  </a:ext>
+                </a:extLst>
+              </p:cNvPr>
+              <p:cNvSpPr txBox="1">
+                <a:spLocks noRot="1" noChangeAspect="1" noMove="1" noResize="1" noEditPoints="1" noAdjustHandles="1" noChangeArrowheads="1" noChangeShapeType="1" noTextEdit="1"/>
+              </p:cNvSpPr>
+              <p:nvPr/>
+            </p:nvSpPr>
+            <p:spPr>
+              <a:xfrm>
+                <a:off x="7431026" y="4608110"/>
+                <a:ext cx="226023" cy="276999"/>
+              </a:xfrm>
+              <a:prstGeom prst="rect">
+                <a:avLst/>
+              </a:prstGeom>
+              <a:blipFill>
+                <a:blip r:embed="rId61"/>
+                <a:stretch>
+                  <a:fillRect/>
+                </a:stretch>
+              </a:blipFill>
+            </p:spPr>
+            <p:txBody>
+              <a:bodyPr/>
+              <a:lstStyle/>
+              <a:p>
+                <a:r>
+                  <a:rPr lang="en-US">
+                    <a:noFill/>
+                  </a:rPr>
+                  <a:t> </a:t>
+                </a:r>
+              </a:p>
+            </p:txBody>
+          </p:sp>
+        </mc:Fallback>
+      </mc:AlternateContent>
+      <p:sp>
+        <p:nvSpPr>
+          <p:cNvPr id="470" name="Left Brace 469">
+            <a:extLst>
+              <a:ext uri="{FF2B5EF4-FFF2-40B4-BE49-F238E27FC236}">
+                <a16:creationId xmlns:a16="http://schemas.microsoft.com/office/drawing/2014/main" id="{8DFF33BE-0125-2CFD-3BFC-1CCA985277E9}"/>
+              </a:ext>
+            </a:extLst>
+          </p:cNvPr>
+          <p:cNvSpPr/>
+          <p:nvPr/>
+        </p:nvSpPr>
+        <p:spPr>
+          <a:xfrm rot="5400000" flipH="1">
+            <a:off x="7908861" y="4568734"/>
+            <a:ext cx="109666" cy="847039"/>
+          </a:xfrm>
+          <a:prstGeom prst="leftBrace">
+            <a:avLst>
+              <a:gd name="adj1" fmla="val 44503"/>
+              <a:gd name="adj2" fmla="val 50000"/>
+            </a:avLst>
+          </a:prstGeom>
+          <a:ln w="19050"/>
+        </p:spPr>
+        <p:style>
+          <a:lnRef idx="1">
+            <a:schemeClr val="dk1"/>
+          </a:lnRef>
+          <a:fillRef idx="0">
+            <a:schemeClr val="dk1"/>
+          </a:fillRef>
+          <a:effectRef idx="0">
+            <a:schemeClr val="dk1"/>
+          </a:effectRef>
+          <a:fontRef idx="minor">
+            <a:schemeClr val="tx1"/>
+          </a:fontRef>
+        </p:style>
+        <p:txBody>
+          <a:bodyPr rtlCol="0" anchor="ctr"/>
+          <a:lstStyle/>
+          <a:p>
+            <a:pPr algn="ctr"/>
+            <a:endParaRPr lang="en-US"/>
+          </a:p>
+        </p:txBody>
+      </p:sp>
     </p:spTree>
     <p:extLst>
       <p:ext uri="{BB962C8B-B14F-4D97-AF65-F5344CB8AC3E}">

--- a/images/draw.pptx
+++ b/images/draw.pptx
@@ -200,7 +200,7 @@
           </a:lstStyle>
           <a:p>
             <a:fld id="{25BDC7A1-BCF8-BB44-960D-FA8DD82E5CAA}" type="datetimeFigureOut">
-              <a:t>28/1/25</a:t>
+              <a:t>7/2/25</a:t>
             </a:fld>
             <a:endParaRPr lang="en-VN"/>
           </a:p>
@@ -699,7 +699,7 @@
           <a:lstStyle/>
           <a:p>
             <a:fld id="{9117D41A-B3D1-B44F-ADF3-E80281933F1D}" type="datetimeFigureOut">
-              <a:t>28/1/25</a:t>
+              <a:t>7/2/25</a:t>
             </a:fld>
             <a:endParaRPr lang="en-VN"/>
           </a:p>
@@ -897,7 +897,7 @@
           <a:lstStyle/>
           <a:p>
             <a:fld id="{9117D41A-B3D1-B44F-ADF3-E80281933F1D}" type="datetimeFigureOut">
-              <a:t>28/1/25</a:t>
+              <a:t>7/2/25</a:t>
             </a:fld>
             <a:endParaRPr lang="en-VN"/>
           </a:p>
@@ -1105,7 +1105,7 @@
           <a:lstStyle/>
           <a:p>
             <a:fld id="{9117D41A-B3D1-B44F-ADF3-E80281933F1D}" type="datetimeFigureOut">
-              <a:t>28/1/25</a:t>
+              <a:t>7/2/25</a:t>
             </a:fld>
             <a:endParaRPr lang="en-VN"/>
           </a:p>
@@ -1303,7 +1303,7 @@
           <a:lstStyle/>
           <a:p>
             <a:fld id="{9117D41A-B3D1-B44F-ADF3-E80281933F1D}" type="datetimeFigureOut">
-              <a:t>28/1/25</a:t>
+              <a:t>7/2/25</a:t>
             </a:fld>
             <a:endParaRPr lang="en-VN"/>
           </a:p>
@@ -1577,7 +1577,7 @@
           <a:lstStyle/>
           <a:p>
             <a:fld id="{9117D41A-B3D1-B44F-ADF3-E80281933F1D}" type="datetimeFigureOut">
-              <a:t>28/1/25</a:t>
+              <a:t>7/2/25</a:t>
             </a:fld>
             <a:endParaRPr lang="en-VN"/>
           </a:p>
@@ -1843,7 +1843,7 @@
           <a:lstStyle/>
           <a:p>
             <a:fld id="{9117D41A-B3D1-B44F-ADF3-E80281933F1D}" type="datetimeFigureOut">
-              <a:t>28/1/25</a:t>
+              <a:t>7/2/25</a:t>
             </a:fld>
             <a:endParaRPr lang="en-VN"/>
           </a:p>
@@ -2256,7 +2256,7 @@
           <a:lstStyle/>
           <a:p>
             <a:fld id="{9117D41A-B3D1-B44F-ADF3-E80281933F1D}" type="datetimeFigureOut">
-              <a:t>28/1/25</a:t>
+              <a:t>7/2/25</a:t>
             </a:fld>
             <a:endParaRPr lang="en-VN"/>
           </a:p>
@@ -2396,7 +2396,7 @@
           <a:lstStyle/>
           <a:p>
             <a:fld id="{9117D41A-B3D1-B44F-ADF3-E80281933F1D}" type="datetimeFigureOut">
-              <a:t>28/1/25</a:t>
+              <a:t>7/2/25</a:t>
             </a:fld>
             <a:endParaRPr lang="en-VN"/>
           </a:p>
@@ -2507,7 +2507,7 @@
           <a:lstStyle/>
           <a:p>
             <a:fld id="{9117D41A-B3D1-B44F-ADF3-E80281933F1D}" type="datetimeFigureOut">
-              <a:t>28/1/25</a:t>
+              <a:t>7/2/25</a:t>
             </a:fld>
             <a:endParaRPr lang="en-VN"/>
           </a:p>
@@ -2818,7 +2818,7 @@
           <a:lstStyle/>
           <a:p>
             <a:fld id="{9117D41A-B3D1-B44F-ADF3-E80281933F1D}" type="datetimeFigureOut">
-              <a:t>28/1/25</a:t>
+              <a:t>7/2/25</a:t>
             </a:fld>
             <a:endParaRPr lang="en-VN"/>
           </a:p>
@@ -3105,7 +3105,7 @@
           <a:lstStyle/>
           <a:p>
             <a:fld id="{9117D41A-B3D1-B44F-ADF3-E80281933F1D}" type="datetimeFigureOut">
-              <a:t>28/1/25</a:t>
+              <a:t>7/2/25</a:t>
             </a:fld>
             <a:endParaRPr lang="en-VN"/>
           </a:p>
@@ -3346,7 +3346,7 @@
           </a:lstStyle>
           <a:p>
             <a:fld id="{9117D41A-B3D1-B44F-ADF3-E80281933F1D}" type="datetimeFigureOut">
-              <a:t>28/1/25</a:t>
+              <a:t>7/2/25</a:t>
             </a:fld>
             <a:endParaRPr lang="en-VN"/>
           </a:p>
@@ -6117,8 +6117,8 @@
           </a:p>
         </p:txBody>
       </p:sp>
-      <mc:AlternateContent xmlns:mc="http://schemas.openxmlformats.org/markup-compatibility/2006">
-        <mc:Choice xmlns:a14="http://schemas.microsoft.com/office/drawing/2010/main" Requires="a14">
+      <mc:AlternateContent xmlns:mc="http://schemas.openxmlformats.org/markup-compatibility/2006" xmlns:a14="http://schemas.microsoft.com/office/drawing/2010/main">
+        <mc:Choice Requires="a14">
           <p:sp>
             <p:nvSpPr>
               <p:cNvPr id="47" name="TextBox 46">
@@ -6187,7 +6187,7 @@
             </p:txBody>
           </p:sp>
         </mc:Choice>
-        <mc:Fallback>
+        <mc:Fallback xmlns="">
           <p:sp>
             <p:nvSpPr>
               <p:cNvPr id="47" name="TextBox 46">
@@ -6232,8 +6232,8 @@
           </p:sp>
         </mc:Fallback>
       </mc:AlternateContent>
-      <mc:AlternateContent xmlns:mc="http://schemas.openxmlformats.org/markup-compatibility/2006">
-        <mc:Choice xmlns:a14="http://schemas.microsoft.com/office/drawing/2010/main" Requires="a14">
+      <mc:AlternateContent xmlns:mc="http://schemas.openxmlformats.org/markup-compatibility/2006" xmlns:a14="http://schemas.microsoft.com/office/drawing/2010/main">
+        <mc:Choice Requires="a14">
           <p:sp>
             <p:nvSpPr>
               <p:cNvPr id="48" name="TextBox 47">
@@ -6302,7 +6302,7 @@
             </p:txBody>
           </p:sp>
         </mc:Choice>
-        <mc:Fallback>
+        <mc:Fallback xmlns="">
           <p:sp>
             <p:nvSpPr>
               <p:cNvPr id="48" name="TextBox 47">
@@ -6347,8 +6347,8 @@
           </p:sp>
         </mc:Fallback>
       </mc:AlternateContent>
-      <mc:AlternateContent xmlns:mc="http://schemas.openxmlformats.org/markup-compatibility/2006">
-        <mc:Choice xmlns:a14="http://schemas.microsoft.com/office/drawing/2010/main" Requires="a14">
+      <mc:AlternateContent xmlns:mc="http://schemas.openxmlformats.org/markup-compatibility/2006" xmlns:a14="http://schemas.microsoft.com/office/drawing/2010/main">
+        <mc:Choice Requires="a14">
           <p:sp>
             <p:nvSpPr>
               <p:cNvPr id="49" name="TextBox 48">
@@ -6417,7 +6417,7 @@
             </p:txBody>
           </p:sp>
         </mc:Choice>
-        <mc:Fallback>
+        <mc:Fallback xmlns="">
           <p:sp>
             <p:nvSpPr>
               <p:cNvPr id="49" name="TextBox 48">
@@ -6462,8 +6462,8 @@
           </p:sp>
         </mc:Fallback>
       </mc:AlternateContent>
-      <mc:AlternateContent xmlns:mc="http://schemas.openxmlformats.org/markup-compatibility/2006">
-        <mc:Choice xmlns:a14="http://schemas.microsoft.com/office/drawing/2010/main" Requires="a14">
+      <mc:AlternateContent xmlns:mc="http://schemas.openxmlformats.org/markup-compatibility/2006" xmlns:a14="http://schemas.microsoft.com/office/drawing/2010/main">
+        <mc:Choice Requires="a14">
           <p:sp>
             <p:nvSpPr>
               <p:cNvPr id="50" name="TextBox 49">
@@ -6532,7 +6532,7 @@
             </p:txBody>
           </p:sp>
         </mc:Choice>
-        <mc:Fallback>
+        <mc:Fallback xmlns="">
           <p:sp>
             <p:nvSpPr>
               <p:cNvPr id="50" name="TextBox 49">
@@ -7065,8 +7065,8 @@
           </a:fontRef>
         </p:style>
       </p:cxnSp>
-      <mc:AlternateContent xmlns:mc="http://schemas.openxmlformats.org/markup-compatibility/2006">
-        <mc:Choice xmlns:a14="http://schemas.microsoft.com/office/drawing/2010/main" Requires="a14">
+      <mc:AlternateContent xmlns:mc="http://schemas.openxmlformats.org/markup-compatibility/2006" xmlns:a14="http://schemas.microsoft.com/office/drawing/2010/main">
+        <mc:Choice Requires="a14">
           <p:sp>
             <p:nvSpPr>
               <p:cNvPr id="68" name="TextBox 67">
@@ -7116,7 +7116,7 @@
             </p:txBody>
           </p:sp>
         </mc:Choice>
-        <mc:Fallback>
+        <mc:Fallback xmlns="">
           <p:sp>
             <p:nvSpPr>
               <p:cNvPr id="68" name="TextBox 67">
@@ -7161,314 +7161,272 @@
           </p:sp>
         </mc:Fallback>
       </mc:AlternateContent>
-      <p:grpSp>
-        <p:nvGrpSpPr>
-          <p:cNvPr id="70" name="Group 69">
+      <p:cxnSp>
+        <p:nvCxnSpPr>
+          <p:cNvPr id="71" name="Straight Connector 70">
             <a:extLst>
               <a:ext uri="{FF2B5EF4-FFF2-40B4-BE49-F238E27FC236}">
-                <a16:creationId xmlns:a16="http://schemas.microsoft.com/office/drawing/2014/main" id="{8CCB733C-411A-3896-BD12-A2B4A8498129}"/>
+                <a16:creationId xmlns:a16="http://schemas.microsoft.com/office/drawing/2014/main" id="{81CC80FC-2916-D1CE-D03E-B72E557EBF97}"/>
               </a:ext>
             </a:extLst>
           </p:cNvPr>
-          <p:cNvGrpSpPr/>
+          <p:cNvCxnSpPr/>
           <p:nvPr/>
-        </p:nvGrpSpPr>
-        <p:grpSpPr>
+        </p:nvCxnSpPr>
+        <p:spPr>
           <a:xfrm>
-            <a:off x="3683494" y="2201144"/>
-            <a:ext cx="681037" cy="424337"/>
-            <a:chOff x="2438400" y="2562225"/>
-            <a:chExt cx="681037" cy="424337"/>
+            <a:off x="3963455" y="2189032"/>
+            <a:ext cx="0" cy="269081"/>
           </a:xfrm>
-        </p:grpSpPr>
-        <p:cxnSp>
-          <p:nvCxnSpPr>
-            <p:cNvPr id="71" name="Straight Connector 70">
-              <a:extLst>
-                <a:ext uri="{FF2B5EF4-FFF2-40B4-BE49-F238E27FC236}">
-                  <a16:creationId xmlns:a16="http://schemas.microsoft.com/office/drawing/2014/main" id="{81CC80FC-2916-D1CE-D03E-B72E557EBF97}"/>
-                </a:ext>
-              </a:extLst>
-            </p:cNvPr>
-            <p:cNvCxnSpPr/>
-            <p:nvPr/>
-          </p:nvCxnSpPr>
-          <p:spPr>
-            <a:xfrm>
-              <a:off x="2778919" y="2562225"/>
-              <a:ext cx="0" cy="269081"/>
-            </a:xfrm>
-            <a:prstGeom prst="line">
-              <a:avLst/>
-            </a:prstGeom>
-            <a:ln w="28575"/>
-          </p:spPr>
-          <p:style>
-            <a:lnRef idx="1">
-              <a:schemeClr val="dk1"/>
-            </a:lnRef>
-            <a:fillRef idx="0">
-              <a:schemeClr val="dk1"/>
-            </a:fillRef>
-            <a:effectRef idx="0">
-              <a:schemeClr val="dk1"/>
-            </a:effectRef>
-            <a:fontRef idx="minor">
-              <a:schemeClr val="tx1"/>
-            </a:fontRef>
-          </p:style>
-        </p:cxnSp>
-        <mc:AlternateContent xmlns:mc="http://schemas.openxmlformats.org/markup-compatibility/2006" xmlns:a14="http://schemas.microsoft.com/office/drawing/2010/main">
-          <mc:Choice Requires="a14">
-            <p:sp>
-              <p:nvSpPr>
-                <p:cNvPr id="72" name="TextBox 71">
-                  <a:extLst>
-                    <a:ext uri="{FF2B5EF4-FFF2-40B4-BE49-F238E27FC236}">
-                      <a16:creationId xmlns:a16="http://schemas.microsoft.com/office/drawing/2014/main" id="{D6D95DFD-BB98-76B2-8CA3-3DA82C2AC759}"/>
-                    </a:ext>
-                  </a:extLst>
-                </p:cNvPr>
-                <p:cNvSpPr txBox="1"/>
-                <p:nvPr/>
-              </p:nvSpPr>
-              <p:spPr>
-                <a:xfrm>
-                  <a:off x="2438400" y="2617230"/>
-                  <a:ext cx="681037" cy="369332"/>
-                </a:xfrm>
-                <a:prstGeom prst="rect">
-                  <a:avLst/>
-                </a:prstGeom>
-                <a:noFill/>
-              </p:spPr>
-              <p:txBody>
-                <a:bodyPr wrap="square" rtlCol="0">
-                  <a:spAutoFit/>
-                </a:bodyPr>
-                <a:lstStyle/>
-                <a:p>
-                  <a:pPr/>
-                  <a14:m>
-                    <m:oMathPara xmlns:m="http://schemas.openxmlformats.org/officeDocument/2006/math">
-                      <m:oMathParaPr>
-                        <m:jc m:val="centerGroup"/>
-                      </m:oMathParaPr>
-                      <m:oMath xmlns:m="http://schemas.openxmlformats.org/officeDocument/2006/math">
-                        <m:r>
-                          <a:rPr lang="en-US" b="0" i="1" smtClean="0">
-                            <a:latin typeface="Cambria Math" panose="02040503050406030204" pitchFamily="18" charset="0"/>
-                          </a:rPr>
-                          <m:t>×</m:t>
-                        </m:r>
-                      </m:oMath>
-                    </m:oMathPara>
-                  </a14:m>
-                  <a:endParaRPr lang="en-US" dirty="0"/>
-                </a:p>
-              </p:txBody>
-            </p:sp>
-          </mc:Choice>
-          <mc:Fallback xmlns="">
-            <p:sp>
-              <p:nvSpPr>
-                <p:cNvPr id="72" name="TextBox 71">
-                  <a:extLst>
-                    <a:ext uri="{FF2B5EF4-FFF2-40B4-BE49-F238E27FC236}">
-                      <a16:creationId xmlns:a16="http://schemas.microsoft.com/office/drawing/2014/main" id="{D6D95DFD-BB98-76B2-8CA3-3DA82C2AC759}"/>
-                    </a:ext>
-                  </a:extLst>
-                </p:cNvPr>
-                <p:cNvSpPr txBox="1">
-                  <a:spLocks noRot="1" noChangeAspect="1" noMove="1" noResize="1" noEditPoints="1" noAdjustHandles="1" noChangeArrowheads="1" noChangeShapeType="1" noTextEdit="1"/>
-                </p:cNvSpPr>
-                <p:nvPr/>
-              </p:nvSpPr>
-              <p:spPr>
-                <a:xfrm>
-                  <a:off x="2438400" y="2617230"/>
-                  <a:ext cx="681037" cy="369332"/>
-                </a:xfrm>
-                <a:prstGeom prst="rect">
-                  <a:avLst/>
-                </a:prstGeom>
-                <a:blipFill>
-                  <a:blip r:embed="rId15"/>
-                  <a:stretch>
-                    <a:fillRect/>
-                  </a:stretch>
-                </a:blipFill>
-              </p:spPr>
-              <p:txBody>
-                <a:bodyPr/>
-                <a:lstStyle/>
-                <a:p>
-                  <a:r>
-                    <a:rPr lang="en-US">
-                      <a:noFill/>
-                    </a:rPr>
-                    <a:t> </a:t>
-                  </a:r>
-                </a:p>
-              </p:txBody>
-            </p:sp>
-          </mc:Fallback>
-        </mc:AlternateContent>
-      </p:grpSp>
-      <p:grpSp>
-        <p:nvGrpSpPr>
-          <p:cNvPr id="73" name="Group 72">
+          <a:prstGeom prst="line">
+            <a:avLst/>
+          </a:prstGeom>
+          <a:ln w="28575"/>
+        </p:spPr>
+        <p:style>
+          <a:lnRef idx="1">
+            <a:schemeClr val="dk1"/>
+          </a:lnRef>
+          <a:fillRef idx="0">
+            <a:schemeClr val="dk1"/>
+          </a:fillRef>
+          <a:effectRef idx="0">
+            <a:schemeClr val="dk1"/>
+          </a:effectRef>
+          <a:fontRef idx="minor">
+            <a:schemeClr val="tx1"/>
+          </a:fontRef>
+        </p:style>
+      </p:cxnSp>
+      <mc:AlternateContent xmlns:mc="http://schemas.openxmlformats.org/markup-compatibility/2006">
+        <mc:Choice xmlns:a14="http://schemas.microsoft.com/office/drawing/2010/main" Requires="a14">
+          <p:sp>
+            <p:nvSpPr>
+              <p:cNvPr id="72" name="TextBox 71">
+                <a:extLst>
+                  <a:ext uri="{FF2B5EF4-FFF2-40B4-BE49-F238E27FC236}">
+                    <a16:creationId xmlns:a16="http://schemas.microsoft.com/office/drawing/2014/main" id="{D6D95DFD-BB98-76B2-8CA3-3DA82C2AC759}"/>
+                  </a:ext>
+                </a:extLst>
+              </p:cNvPr>
+              <p:cNvSpPr txBox="1"/>
+              <p:nvPr/>
+            </p:nvSpPr>
+            <p:spPr>
+              <a:xfrm>
+                <a:off x="3793089" y="2256149"/>
+                <a:ext cx="280459" cy="369332"/>
+              </a:xfrm>
+              <a:prstGeom prst="rect">
+                <a:avLst/>
+              </a:prstGeom>
+              <a:noFill/>
+            </p:spPr>
+            <p:txBody>
+              <a:bodyPr wrap="square" rtlCol="0">
+                <a:spAutoFit/>
+              </a:bodyPr>
+              <a:lstStyle/>
+              <a:p>
+                <a:pPr/>
+                <a14:m>
+                  <m:oMathPara xmlns:m="http://schemas.openxmlformats.org/officeDocument/2006/math">
+                    <m:oMathParaPr>
+                      <m:jc m:val="centerGroup"/>
+                    </m:oMathParaPr>
+                    <m:oMath xmlns:m="http://schemas.openxmlformats.org/officeDocument/2006/math">
+                      <m:r>
+                        <a:rPr lang="en-US" b="0" i="1" smtClean="0">
+                          <a:latin typeface="Cambria Math" panose="02040503050406030204" pitchFamily="18" charset="0"/>
+                        </a:rPr>
+                        <m:t>×</m:t>
+                      </m:r>
+                    </m:oMath>
+                  </m:oMathPara>
+                </a14:m>
+                <a:endParaRPr lang="en-US" dirty="0"/>
+              </a:p>
+            </p:txBody>
+          </p:sp>
+        </mc:Choice>
+        <mc:Fallback>
+          <p:sp>
+            <p:nvSpPr>
+              <p:cNvPr id="72" name="TextBox 71">
+                <a:extLst>
+                  <a:ext uri="{FF2B5EF4-FFF2-40B4-BE49-F238E27FC236}">
+                    <a16:creationId xmlns:a16="http://schemas.microsoft.com/office/drawing/2014/main" id="{D6D95DFD-BB98-76B2-8CA3-3DA82C2AC759}"/>
+                  </a:ext>
+                </a:extLst>
+              </p:cNvPr>
+              <p:cNvSpPr txBox="1">
+                <a:spLocks noRot="1" noChangeAspect="1" noMove="1" noResize="1" noEditPoints="1" noAdjustHandles="1" noChangeArrowheads="1" noChangeShapeType="1" noTextEdit="1"/>
+              </p:cNvSpPr>
+              <p:nvPr/>
+            </p:nvSpPr>
+            <p:spPr>
+              <a:xfrm>
+                <a:off x="3793089" y="2256149"/>
+                <a:ext cx="280459" cy="369332"/>
+              </a:xfrm>
+              <a:prstGeom prst="rect">
+                <a:avLst/>
+              </a:prstGeom>
+              <a:blipFill>
+                <a:blip r:embed="rId8"/>
+                <a:stretch>
+                  <a:fillRect r="-13043"/>
+                </a:stretch>
+              </a:blipFill>
+            </p:spPr>
+            <p:txBody>
+              <a:bodyPr/>
+              <a:lstStyle/>
+              <a:p>
+                <a:r>
+                  <a:rPr lang="en-VN">
+                    <a:noFill/>
+                  </a:rPr>
+                  <a:t> </a:t>
+                </a:r>
+              </a:p>
+            </p:txBody>
+          </p:sp>
+        </mc:Fallback>
+      </mc:AlternateContent>
+      <p:cxnSp>
+        <p:nvCxnSpPr>
+          <p:cNvPr id="74" name="Straight Connector 73">
             <a:extLst>
               <a:ext uri="{FF2B5EF4-FFF2-40B4-BE49-F238E27FC236}">
-                <a16:creationId xmlns:a16="http://schemas.microsoft.com/office/drawing/2014/main" id="{5C5BDE70-874F-D48A-ED72-7DDF3A16A17B}"/>
+                <a16:creationId xmlns:a16="http://schemas.microsoft.com/office/drawing/2014/main" id="{16D691A6-08A6-E086-3FD0-58F7329804A9}"/>
               </a:ext>
             </a:extLst>
           </p:cNvPr>
-          <p:cNvGrpSpPr/>
+          <p:cNvCxnSpPr/>
           <p:nvPr/>
-        </p:nvGrpSpPr>
-        <p:grpSpPr>
+        </p:nvCxnSpPr>
+        <p:spPr>
           <a:xfrm>
-            <a:off x="4101026" y="2722892"/>
-            <a:ext cx="681037" cy="424337"/>
-            <a:chOff x="2438400" y="2562225"/>
-            <a:chExt cx="681037" cy="424337"/>
+            <a:off x="4290152" y="2716836"/>
+            <a:ext cx="0" cy="269081"/>
           </a:xfrm>
-        </p:grpSpPr>
-        <p:cxnSp>
-          <p:nvCxnSpPr>
-            <p:cNvPr id="74" name="Straight Connector 73">
-              <a:extLst>
-                <a:ext uri="{FF2B5EF4-FFF2-40B4-BE49-F238E27FC236}">
-                  <a16:creationId xmlns:a16="http://schemas.microsoft.com/office/drawing/2014/main" id="{16D691A6-08A6-E086-3FD0-58F7329804A9}"/>
-                </a:ext>
-              </a:extLst>
-            </p:cNvPr>
-            <p:cNvCxnSpPr/>
-            <p:nvPr/>
-          </p:nvCxnSpPr>
-          <p:spPr>
-            <a:xfrm>
-              <a:off x="2778919" y="2562225"/>
-              <a:ext cx="0" cy="269081"/>
-            </a:xfrm>
-            <a:prstGeom prst="line">
-              <a:avLst/>
-            </a:prstGeom>
-            <a:ln w="28575"/>
-          </p:spPr>
-          <p:style>
-            <a:lnRef idx="1">
-              <a:schemeClr val="dk1"/>
-            </a:lnRef>
-            <a:fillRef idx="0">
-              <a:schemeClr val="dk1"/>
-            </a:fillRef>
-            <a:effectRef idx="0">
-              <a:schemeClr val="dk1"/>
-            </a:effectRef>
-            <a:fontRef idx="minor">
-              <a:schemeClr val="tx1"/>
-            </a:fontRef>
-          </p:style>
-        </p:cxnSp>
-        <mc:AlternateContent xmlns:mc="http://schemas.openxmlformats.org/markup-compatibility/2006" xmlns:a14="http://schemas.microsoft.com/office/drawing/2010/main">
-          <mc:Choice Requires="a14">
-            <p:sp>
-              <p:nvSpPr>
-                <p:cNvPr id="75" name="TextBox 74">
-                  <a:extLst>
-                    <a:ext uri="{FF2B5EF4-FFF2-40B4-BE49-F238E27FC236}">
-                      <a16:creationId xmlns:a16="http://schemas.microsoft.com/office/drawing/2014/main" id="{2B8D6F2E-0446-8DA4-D5F9-ACFDA9E6DF7F}"/>
-                    </a:ext>
-                  </a:extLst>
-                </p:cNvPr>
-                <p:cNvSpPr txBox="1"/>
-                <p:nvPr/>
-              </p:nvSpPr>
-              <p:spPr>
-                <a:xfrm>
-                  <a:off x="2438400" y="2617230"/>
-                  <a:ext cx="681037" cy="369332"/>
-                </a:xfrm>
-                <a:prstGeom prst="rect">
-                  <a:avLst/>
-                </a:prstGeom>
-                <a:noFill/>
-              </p:spPr>
-              <p:txBody>
-                <a:bodyPr wrap="square" rtlCol="0">
-                  <a:spAutoFit/>
-                </a:bodyPr>
-                <a:lstStyle/>
-                <a:p>
-                  <a:pPr/>
-                  <a14:m>
-                    <m:oMathPara xmlns:m="http://schemas.openxmlformats.org/officeDocument/2006/math">
-                      <m:oMathParaPr>
-                        <m:jc m:val="centerGroup"/>
-                      </m:oMathParaPr>
-                      <m:oMath xmlns:m="http://schemas.openxmlformats.org/officeDocument/2006/math">
-                        <m:r>
-                          <a:rPr lang="en-US" b="0" i="1" smtClean="0">
-                            <a:latin typeface="Cambria Math" panose="02040503050406030204" pitchFamily="18" charset="0"/>
-                          </a:rPr>
-                          <m:t>×</m:t>
-                        </m:r>
-                      </m:oMath>
-                    </m:oMathPara>
-                  </a14:m>
-                  <a:endParaRPr lang="en-US" dirty="0"/>
-                </a:p>
-              </p:txBody>
-            </p:sp>
-          </mc:Choice>
-          <mc:Fallback xmlns="">
-            <p:sp>
-              <p:nvSpPr>
-                <p:cNvPr id="75" name="TextBox 74">
-                  <a:extLst>
-                    <a:ext uri="{FF2B5EF4-FFF2-40B4-BE49-F238E27FC236}">
-                      <a16:creationId xmlns:a16="http://schemas.microsoft.com/office/drawing/2014/main" id="{2B8D6F2E-0446-8DA4-D5F9-ACFDA9E6DF7F}"/>
-                    </a:ext>
-                  </a:extLst>
-                </p:cNvPr>
-                <p:cNvSpPr txBox="1">
-                  <a:spLocks noRot="1" noChangeAspect="1" noMove="1" noResize="1" noEditPoints="1" noAdjustHandles="1" noChangeArrowheads="1" noChangeShapeType="1" noTextEdit="1"/>
-                </p:cNvSpPr>
-                <p:nvPr/>
-              </p:nvSpPr>
-              <p:spPr>
-                <a:xfrm>
-                  <a:off x="2438400" y="2617230"/>
-                  <a:ext cx="681037" cy="369332"/>
-                </a:xfrm>
-                <a:prstGeom prst="rect">
-                  <a:avLst/>
-                </a:prstGeom>
-                <a:blipFill>
-                  <a:blip r:embed="rId16"/>
-                  <a:stretch>
-                    <a:fillRect/>
-                  </a:stretch>
-                </a:blipFill>
-              </p:spPr>
-              <p:txBody>
-                <a:bodyPr/>
-                <a:lstStyle/>
-                <a:p>
-                  <a:r>
-                    <a:rPr lang="en-US">
-                      <a:noFill/>
-                    </a:rPr>
-                    <a:t> </a:t>
-                  </a:r>
-                </a:p>
-              </p:txBody>
-            </p:sp>
-          </mc:Fallback>
-        </mc:AlternateContent>
-      </p:grpSp>
+          <a:prstGeom prst="line">
+            <a:avLst/>
+          </a:prstGeom>
+          <a:ln w="28575"/>
+        </p:spPr>
+        <p:style>
+          <a:lnRef idx="1">
+            <a:schemeClr val="dk1"/>
+          </a:lnRef>
+          <a:fillRef idx="0">
+            <a:schemeClr val="dk1"/>
+          </a:fillRef>
+          <a:effectRef idx="0">
+            <a:schemeClr val="dk1"/>
+          </a:effectRef>
+          <a:fontRef idx="minor">
+            <a:schemeClr val="tx1"/>
+          </a:fontRef>
+        </p:style>
+      </p:cxnSp>
+      <mc:AlternateContent xmlns:mc="http://schemas.openxmlformats.org/markup-compatibility/2006">
+        <mc:Choice xmlns:a14="http://schemas.microsoft.com/office/drawing/2010/main" Requires="a14">
+          <p:sp>
+            <p:nvSpPr>
+              <p:cNvPr id="75" name="TextBox 74">
+                <a:extLst>
+                  <a:ext uri="{FF2B5EF4-FFF2-40B4-BE49-F238E27FC236}">
+                    <a16:creationId xmlns:a16="http://schemas.microsoft.com/office/drawing/2014/main" id="{2B8D6F2E-0446-8DA4-D5F9-ACFDA9E6DF7F}"/>
+                  </a:ext>
+                </a:extLst>
+              </p:cNvPr>
+              <p:cNvSpPr txBox="1"/>
+              <p:nvPr/>
+            </p:nvSpPr>
+            <p:spPr>
+              <a:xfrm>
+                <a:off x="4101027" y="2777897"/>
+                <a:ext cx="388078" cy="369332"/>
+              </a:xfrm>
+              <a:prstGeom prst="rect">
+                <a:avLst/>
+              </a:prstGeom>
+              <a:noFill/>
+            </p:spPr>
+            <p:txBody>
+              <a:bodyPr wrap="square" rtlCol="0">
+                <a:spAutoFit/>
+              </a:bodyPr>
+              <a:lstStyle/>
+              <a:p>
+                <a:pPr/>
+                <a14:m>
+                  <m:oMathPara xmlns:m="http://schemas.openxmlformats.org/officeDocument/2006/math">
+                    <m:oMathParaPr>
+                      <m:jc m:val="centerGroup"/>
+                    </m:oMathParaPr>
+                    <m:oMath xmlns:m="http://schemas.openxmlformats.org/officeDocument/2006/math">
+                      <m:r>
+                        <a:rPr lang="en-US" b="0" i="1" smtClean="0">
+                          <a:latin typeface="Cambria Math" panose="02040503050406030204" pitchFamily="18" charset="0"/>
+                        </a:rPr>
+                        <m:t>×</m:t>
+                      </m:r>
+                    </m:oMath>
+                  </m:oMathPara>
+                </a14:m>
+                <a:endParaRPr lang="en-US" dirty="0"/>
+              </a:p>
+            </p:txBody>
+          </p:sp>
+        </mc:Choice>
+        <mc:Fallback>
+          <p:sp>
+            <p:nvSpPr>
+              <p:cNvPr id="75" name="TextBox 74">
+                <a:extLst>
+                  <a:ext uri="{FF2B5EF4-FFF2-40B4-BE49-F238E27FC236}">
+                    <a16:creationId xmlns:a16="http://schemas.microsoft.com/office/drawing/2014/main" id="{2B8D6F2E-0446-8DA4-D5F9-ACFDA9E6DF7F}"/>
+                  </a:ext>
+                </a:extLst>
+              </p:cNvPr>
+              <p:cNvSpPr txBox="1">
+                <a:spLocks noRot="1" noChangeAspect="1" noMove="1" noResize="1" noEditPoints="1" noAdjustHandles="1" noChangeArrowheads="1" noChangeShapeType="1" noTextEdit="1"/>
+              </p:cNvSpPr>
+              <p:nvPr/>
+            </p:nvSpPr>
+            <p:spPr>
+              <a:xfrm>
+                <a:off x="4101027" y="2777897"/>
+                <a:ext cx="388078" cy="369332"/>
+              </a:xfrm>
+              <a:prstGeom prst="rect">
+                <a:avLst/>
+              </a:prstGeom>
+              <a:blipFill>
+                <a:blip r:embed="rId9"/>
+                <a:stretch>
+                  <a:fillRect/>
+                </a:stretch>
+              </a:blipFill>
+            </p:spPr>
+            <p:txBody>
+              <a:bodyPr/>
+              <a:lstStyle/>
+              <a:p>
+                <a:r>
+                  <a:rPr lang="en-VN">
+                    <a:noFill/>
+                  </a:rPr>
+                  <a:t> </a:t>
+                </a:r>
+              </a:p>
+            </p:txBody>
+          </p:sp>
+        </mc:Fallback>
+      </mc:AlternateContent>
       <p:sp>
         <p:nvSpPr>
           <p:cNvPr id="76" name="Rectangle: Rounded Corners 75">
@@ -7483,7 +7441,7 @@
         </p:nvSpPr>
         <p:spPr>
           <a:xfrm>
-            <a:off x="3861293" y="2039758"/>
+            <a:off x="3865897" y="2042715"/>
             <a:ext cx="684588" cy="1111081"/>
           </a:xfrm>
           <a:prstGeom prst="roundRect">
@@ -7523,160 +7481,139 @@
           </a:p>
         </p:txBody>
       </p:sp>
-      <p:grpSp>
-        <p:nvGrpSpPr>
-          <p:cNvPr id="78" name="Group 77">
+      <p:cxnSp>
+        <p:nvCxnSpPr>
+          <p:cNvPr id="79" name="Straight Connector 78">
             <a:extLst>
               <a:ext uri="{FF2B5EF4-FFF2-40B4-BE49-F238E27FC236}">
-                <a16:creationId xmlns:a16="http://schemas.microsoft.com/office/drawing/2014/main" id="{8EE3E5AD-9CF6-394F-06EE-2FD44A1B320B}"/>
+                <a16:creationId xmlns:a16="http://schemas.microsoft.com/office/drawing/2014/main" id="{A4DD88C4-04F8-08FC-6A83-D01FEF3AB8D2}"/>
               </a:ext>
             </a:extLst>
           </p:cNvPr>
-          <p:cNvGrpSpPr/>
+          <p:cNvCxnSpPr/>
           <p:nvPr/>
-        </p:nvGrpSpPr>
-        <p:grpSpPr>
+        </p:nvCxnSpPr>
+        <p:spPr>
           <a:xfrm>
-            <a:off x="3884362" y="2463885"/>
-            <a:ext cx="681037" cy="424337"/>
-            <a:chOff x="2438400" y="2562225"/>
-            <a:chExt cx="681037" cy="424337"/>
+            <a:off x="4140100" y="2451773"/>
+            <a:ext cx="0" cy="269081"/>
           </a:xfrm>
-        </p:grpSpPr>
-        <p:cxnSp>
-          <p:nvCxnSpPr>
-            <p:cNvPr id="79" name="Straight Connector 78">
-              <a:extLst>
-                <a:ext uri="{FF2B5EF4-FFF2-40B4-BE49-F238E27FC236}">
-                  <a16:creationId xmlns:a16="http://schemas.microsoft.com/office/drawing/2014/main" id="{A4DD88C4-04F8-08FC-6A83-D01FEF3AB8D2}"/>
-                </a:ext>
-              </a:extLst>
-            </p:cNvPr>
-            <p:cNvCxnSpPr/>
-            <p:nvPr/>
-          </p:nvCxnSpPr>
-          <p:spPr>
-            <a:xfrm>
-              <a:off x="2778919" y="2562225"/>
-              <a:ext cx="0" cy="269081"/>
-            </a:xfrm>
-            <a:prstGeom prst="line">
-              <a:avLst/>
-            </a:prstGeom>
-            <a:ln w="28575"/>
-          </p:spPr>
-          <p:style>
-            <a:lnRef idx="1">
-              <a:schemeClr val="dk1"/>
-            </a:lnRef>
-            <a:fillRef idx="0">
-              <a:schemeClr val="dk1"/>
-            </a:fillRef>
-            <a:effectRef idx="0">
-              <a:schemeClr val="dk1"/>
-            </a:effectRef>
-            <a:fontRef idx="minor">
-              <a:schemeClr val="tx1"/>
-            </a:fontRef>
-          </p:style>
-        </p:cxnSp>
-        <mc:AlternateContent xmlns:mc="http://schemas.openxmlformats.org/markup-compatibility/2006" xmlns:a14="http://schemas.microsoft.com/office/drawing/2010/main">
-          <mc:Choice Requires="a14">
-            <p:sp>
-              <p:nvSpPr>
-                <p:cNvPr id="80" name="TextBox 79">
-                  <a:extLst>
-                    <a:ext uri="{FF2B5EF4-FFF2-40B4-BE49-F238E27FC236}">
-                      <a16:creationId xmlns:a16="http://schemas.microsoft.com/office/drawing/2014/main" id="{631AF7F2-4F99-150D-D55A-41EB5F5AE6D1}"/>
-                    </a:ext>
-                  </a:extLst>
-                </p:cNvPr>
-                <p:cNvSpPr txBox="1"/>
-                <p:nvPr/>
-              </p:nvSpPr>
-              <p:spPr>
-                <a:xfrm>
-                  <a:off x="2438400" y="2617230"/>
-                  <a:ext cx="681037" cy="369332"/>
-                </a:xfrm>
-                <a:prstGeom prst="rect">
-                  <a:avLst/>
-                </a:prstGeom>
-                <a:noFill/>
-              </p:spPr>
-              <p:txBody>
-                <a:bodyPr wrap="square" rtlCol="0">
-                  <a:spAutoFit/>
-                </a:bodyPr>
-                <a:lstStyle/>
-                <a:p>
-                  <a:pPr/>
-                  <a14:m>
-                    <m:oMathPara xmlns:m="http://schemas.openxmlformats.org/officeDocument/2006/math">
-                      <m:oMathParaPr>
-                        <m:jc m:val="centerGroup"/>
-                      </m:oMathParaPr>
-                      <m:oMath xmlns:m="http://schemas.openxmlformats.org/officeDocument/2006/math">
-                        <m:r>
-                          <a:rPr lang="en-US" b="0" i="1" smtClean="0">
-                            <a:latin typeface="Cambria Math" panose="02040503050406030204" pitchFamily="18" charset="0"/>
-                          </a:rPr>
-                          <m:t>×</m:t>
-                        </m:r>
-                      </m:oMath>
-                    </m:oMathPara>
-                  </a14:m>
-                  <a:endParaRPr lang="en-US" dirty="0"/>
-                </a:p>
-              </p:txBody>
-            </p:sp>
-          </mc:Choice>
-          <mc:Fallback xmlns="">
-            <p:sp>
-              <p:nvSpPr>
-                <p:cNvPr id="80" name="TextBox 79">
-                  <a:extLst>
-                    <a:ext uri="{FF2B5EF4-FFF2-40B4-BE49-F238E27FC236}">
-                      <a16:creationId xmlns:a16="http://schemas.microsoft.com/office/drawing/2014/main" id="{631AF7F2-4F99-150D-D55A-41EB5F5AE6D1}"/>
-                    </a:ext>
-                  </a:extLst>
-                </p:cNvPr>
-                <p:cNvSpPr txBox="1">
-                  <a:spLocks noRot="1" noChangeAspect="1" noMove="1" noResize="1" noEditPoints="1" noAdjustHandles="1" noChangeArrowheads="1" noChangeShapeType="1" noTextEdit="1"/>
-                </p:cNvSpPr>
-                <p:nvPr/>
-              </p:nvSpPr>
-              <p:spPr>
-                <a:xfrm>
-                  <a:off x="2438400" y="2617230"/>
-                  <a:ext cx="681037" cy="369332"/>
-                </a:xfrm>
-                <a:prstGeom prst="rect">
-                  <a:avLst/>
-                </a:prstGeom>
-                <a:blipFill>
-                  <a:blip r:embed="rId18"/>
-                  <a:stretch>
-                    <a:fillRect/>
-                  </a:stretch>
-                </a:blipFill>
-              </p:spPr>
-              <p:txBody>
-                <a:bodyPr/>
-                <a:lstStyle/>
-                <a:p>
-                  <a:r>
-                    <a:rPr lang="en-US">
-                      <a:noFill/>
-                    </a:rPr>
-                    <a:t> </a:t>
-                  </a:r>
-                </a:p>
-              </p:txBody>
-            </p:sp>
-          </mc:Fallback>
-        </mc:AlternateContent>
-      </p:grpSp>
+          <a:prstGeom prst="line">
+            <a:avLst/>
+          </a:prstGeom>
+          <a:ln w="28575"/>
+        </p:spPr>
+        <p:style>
+          <a:lnRef idx="1">
+            <a:schemeClr val="dk1"/>
+          </a:lnRef>
+          <a:fillRef idx="0">
+            <a:schemeClr val="dk1"/>
+          </a:fillRef>
+          <a:effectRef idx="0">
+            <a:schemeClr val="dk1"/>
+          </a:effectRef>
+          <a:fontRef idx="minor">
+            <a:schemeClr val="tx1"/>
+          </a:fontRef>
+        </p:style>
+      </p:cxnSp>
+      <mc:AlternateContent xmlns:mc="http://schemas.openxmlformats.org/markup-compatibility/2006">
+        <mc:Choice xmlns:a14="http://schemas.microsoft.com/office/drawing/2010/main" Requires="a14">
+          <p:sp>
+            <p:nvSpPr>
+              <p:cNvPr id="80" name="TextBox 79">
+                <a:extLst>
+                  <a:ext uri="{FF2B5EF4-FFF2-40B4-BE49-F238E27FC236}">
+                    <a16:creationId xmlns:a16="http://schemas.microsoft.com/office/drawing/2014/main" id="{631AF7F2-4F99-150D-D55A-41EB5F5AE6D1}"/>
+                  </a:ext>
+                </a:extLst>
+              </p:cNvPr>
+              <p:cNvSpPr txBox="1"/>
+              <p:nvPr/>
+            </p:nvSpPr>
+            <p:spPr>
+              <a:xfrm>
+                <a:off x="3965017" y="2518890"/>
+                <a:ext cx="198867" cy="369332"/>
+              </a:xfrm>
+              <a:prstGeom prst="rect">
+                <a:avLst/>
+              </a:prstGeom>
+              <a:noFill/>
+            </p:spPr>
+            <p:txBody>
+              <a:bodyPr wrap="square" rtlCol="0">
+                <a:spAutoFit/>
+              </a:bodyPr>
+              <a:lstStyle/>
+              <a:p>
+                <a:pPr/>
+                <a14:m>
+                  <m:oMathPara xmlns:m="http://schemas.openxmlformats.org/officeDocument/2006/math">
+                    <m:oMathParaPr>
+                      <m:jc m:val="centerGroup"/>
+                    </m:oMathParaPr>
+                    <m:oMath xmlns:m="http://schemas.openxmlformats.org/officeDocument/2006/math">
+                      <m:r>
+                        <a:rPr lang="en-US" b="0" i="1" smtClean="0">
+                          <a:latin typeface="Cambria Math" panose="02040503050406030204" pitchFamily="18" charset="0"/>
+                        </a:rPr>
+                        <m:t>×</m:t>
+                      </m:r>
+                    </m:oMath>
+                  </m:oMathPara>
+                </a14:m>
+                <a:endParaRPr lang="en-US" dirty="0"/>
+              </a:p>
+            </p:txBody>
+          </p:sp>
+        </mc:Choice>
+        <mc:Fallback>
+          <p:sp>
+            <p:nvSpPr>
+              <p:cNvPr id="80" name="TextBox 79">
+                <a:extLst>
+                  <a:ext uri="{FF2B5EF4-FFF2-40B4-BE49-F238E27FC236}">
+                    <a16:creationId xmlns:a16="http://schemas.microsoft.com/office/drawing/2014/main" id="{631AF7F2-4F99-150D-D55A-41EB5F5AE6D1}"/>
+                  </a:ext>
+                </a:extLst>
+              </p:cNvPr>
+              <p:cNvSpPr txBox="1">
+                <a:spLocks noRot="1" noChangeAspect="1" noMove="1" noResize="1" noEditPoints="1" noAdjustHandles="1" noChangeArrowheads="1" noChangeShapeType="1" noTextEdit="1"/>
+              </p:cNvSpPr>
+              <p:nvPr/>
+            </p:nvSpPr>
+            <p:spPr>
+              <a:xfrm>
+                <a:off x="3965017" y="2518890"/>
+                <a:ext cx="198867" cy="369332"/>
+              </a:xfrm>
+              <a:prstGeom prst="rect">
+                <a:avLst/>
+              </a:prstGeom>
+              <a:blipFill>
+                <a:blip r:embed="rId10"/>
+                <a:stretch>
+                  <a:fillRect r="-62500"/>
+                </a:stretch>
+              </a:blipFill>
+            </p:spPr>
+            <p:txBody>
+              <a:bodyPr/>
+              <a:lstStyle/>
+              <a:p>
+                <a:r>
+                  <a:rPr lang="en-VN">
+                    <a:noFill/>
+                  </a:rPr>
+                  <a:t> </a:t>
+                </a:r>
+              </a:p>
+            </p:txBody>
+          </p:sp>
+        </mc:Fallback>
+      </mc:AlternateContent>
       <p:grpSp>
         <p:nvGrpSpPr>
           <p:cNvPr id="3" name="Group 2">
@@ -7870,8 +7807,8 @@
           </a:fontRef>
         </p:style>
       </p:cxnSp>
-      <mc:AlternateContent xmlns:mc="http://schemas.openxmlformats.org/markup-compatibility/2006">
-        <mc:Choice xmlns:a14="http://schemas.microsoft.com/office/drawing/2010/main" Requires="a14">
+      <mc:AlternateContent xmlns:mc="http://schemas.openxmlformats.org/markup-compatibility/2006" xmlns:a14="http://schemas.microsoft.com/office/drawing/2010/main">
+        <mc:Choice Requires="a14">
           <p:sp>
             <p:nvSpPr>
               <p:cNvPr id="9" name="TextBox 8">
@@ -7921,7 +7858,7 @@
             </p:txBody>
           </p:sp>
         </mc:Choice>
-        <mc:Fallback>
+        <mc:Fallback xmlns="">
           <p:sp>
             <p:nvSpPr>
               <p:cNvPr id="9" name="TextBox 8">
@@ -7966,8 +7903,8 @@
           </p:sp>
         </mc:Fallback>
       </mc:AlternateContent>
-      <mc:AlternateContent xmlns:mc="http://schemas.openxmlformats.org/markup-compatibility/2006">
-        <mc:Choice xmlns:a14="http://schemas.microsoft.com/office/drawing/2010/main" Requires="a14">
+      <mc:AlternateContent xmlns:mc="http://schemas.openxmlformats.org/markup-compatibility/2006" xmlns:a14="http://schemas.microsoft.com/office/drawing/2010/main">
+        <mc:Choice Requires="a14">
           <p:sp>
             <p:nvSpPr>
               <p:cNvPr id="11" name="TextBox 10">
@@ -8017,7 +7954,7 @@
             </p:txBody>
           </p:sp>
         </mc:Choice>
-        <mc:Fallback>
+        <mc:Fallback xmlns="">
           <p:sp>
             <p:nvSpPr>
               <p:cNvPr id="11" name="TextBox 10">
@@ -8193,8 +8130,8 @@
           </a:p>
         </p:txBody>
       </p:sp>
-      <mc:AlternateContent xmlns:mc="http://schemas.openxmlformats.org/markup-compatibility/2006">
-        <mc:Choice xmlns:a14="http://schemas.microsoft.com/office/drawing/2010/main" Requires="a14">
+      <mc:AlternateContent xmlns:mc="http://schemas.openxmlformats.org/markup-compatibility/2006" xmlns:a14="http://schemas.microsoft.com/office/drawing/2010/main">
+        <mc:Choice Requires="a14">
           <p:sp>
             <p:nvSpPr>
               <p:cNvPr id="17" name="Rectangle 16">
@@ -8282,7 +8219,7 @@
             </p:txBody>
           </p:sp>
         </mc:Choice>
-        <mc:Fallback>
+        <mc:Fallback xmlns="">
           <p:sp>
             <p:nvSpPr>
               <p:cNvPr id="17" name="Rectangle 16">
@@ -8327,8 +8264,8 @@
           </p:sp>
         </mc:Fallback>
       </mc:AlternateContent>
-      <mc:AlternateContent xmlns:mc="http://schemas.openxmlformats.org/markup-compatibility/2006">
-        <mc:Choice xmlns:a14="http://schemas.microsoft.com/office/drawing/2010/main" Requires="a14">
+      <mc:AlternateContent xmlns:mc="http://schemas.openxmlformats.org/markup-compatibility/2006" xmlns:a14="http://schemas.microsoft.com/office/drawing/2010/main">
+        <mc:Choice Requires="a14">
           <p:sp>
             <p:nvSpPr>
               <p:cNvPr id="30" name="Rectangle 29">
@@ -8416,7 +8353,7 @@
             </p:txBody>
           </p:sp>
         </mc:Choice>
-        <mc:Fallback>
+        <mc:Fallback xmlns="">
           <p:sp>
             <p:nvSpPr>
               <p:cNvPr id="30" name="Rectangle 29">
@@ -8461,8 +8398,8 @@
           </p:sp>
         </mc:Fallback>
       </mc:AlternateContent>
-      <mc:AlternateContent xmlns:mc="http://schemas.openxmlformats.org/markup-compatibility/2006">
-        <mc:Choice xmlns:a14="http://schemas.microsoft.com/office/drawing/2010/main" Requires="a14">
+      <mc:AlternateContent xmlns:mc="http://schemas.openxmlformats.org/markup-compatibility/2006" xmlns:a14="http://schemas.microsoft.com/office/drawing/2010/main">
+        <mc:Choice Requires="a14">
           <p:sp>
             <p:nvSpPr>
               <p:cNvPr id="58" name="Rectangle 57">
@@ -8550,7 +8487,7 @@
             </p:txBody>
           </p:sp>
         </mc:Choice>
-        <mc:Fallback>
+        <mc:Fallback xmlns="">
           <p:sp>
             <p:nvSpPr>
               <p:cNvPr id="58" name="Rectangle 57">
@@ -8595,8 +8532,8 @@
           </p:sp>
         </mc:Fallback>
       </mc:AlternateContent>
-      <mc:AlternateContent xmlns:mc="http://schemas.openxmlformats.org/markup-compatibility/2006">
-        <mc:Choice xmlns:a14="http://schemas.microsoft.com/office/drawing/2010/main" Requires="a14">
+      <mc:AlternateContent xmlns:mc="http://schemas.openxmlformats.org/markup-compatibility/2006" xmlns:a14="http://schemas.microsoft.com/office/drawing/2010/main">
+        <mc:Choice Requires="a14">
           <p:sp>
             <p:nvSpPr>
               <p:cNvPr id="67" name="Rectangle 66">
@@ -8684,7 +8621,7 @@
             </p:txBody>
           </p:sp>
         </mc:Choice>
-        <mc:Fallback>
+        <mc:Fallback xmlns="">
           <p:sp>
             <p:nvSpPr>
               <p:cNvPr id="67" name="Rectangle 66">
@@ -8729,8 +8666,8 @@
           </p:sp>
         </mc:Fallback>
       </mc:AlternateContent>
-      <mc:AlternateContent xmlns:mc="http://schemas.openxmlformats.org/markup-compatibility/2006">
-        <mc:Choice xmlns:a14="http://schemas.microsoft.com/office/drawing/2010/main" Requires="a14">
+      <mc:AlternateContent xmlns:mc="http://schemas.openxmlformats.org/markup-compatibility/2006" xmlns:a14="http://schemas.microsoft.com/office/drawing/2010/main">
+        <mc:Choice Requires="a14">
           <p:sp>
             <p:nvSpPr>
               <p:cNvPr id="69" name="Rectangle 68">
@@ -8818,7 +8755,7 @@
             </p:txBody>
           </p:sp>
         </mc:Choice>
-        <mc:Fallback>
+        <mc:Fallback xmlns="">
           <p:sp>
             <p:nvSpPr>
               <p:cNvPr id="69" name="Rectangle 68">
@@ -8863,8 +8800,8 @@
           </p:sp>
         </mc:Fallback>
       </mc:AlternateContent>
-      <mc:AlternateContent xmlns:mc="http://schemas.openxmlformats.org/markup-compatibility/2006">
-        <mc:Choice xmlns:a14="http://schemas.microsoft.com/office/drawing/2010/main" Requires="a14">
+      <mc:AlternateContent xmlns:mc="http://schemas.openxmlformats.org/markup-compatibility/2006" xmlns:a14="http://schemas.microsoft.com/office/drawing/2010/main">
+        <mc:Choice Requires="a14">
           <p:sp>
             <p:nvSpPr>
               <p:cNvPr id="81" name="Rectangle 80">
@@ -8952,7 +8889,7 @@
             </p:txBody>
           </p:sp>
         </mc:Choice>
-        <mc:Fallback>
+        <mc:Fallback xmlns="">
           <p:sp>
             <p:nvSpPr>
               <p:cNvPr id="81" name="Rectangle 80">
@@ -8997,8 +8934,8 @@
           </p:sp>
         </mc:Fallback>
       </mc:AlternateContent>
-      <mc:AlternateContent xmlns:mc="http://schemas.openxmlformats.org/markup-compatibility/2006">
-        <mc:Choice xmlns:a14="http://schemas.microsoft.com/office/drawing/2010/main" Requires="a14">
+      <mc:AlternateContent xmlns:mc="http://schemas.openxmlformats.org/markup-compatibility/2006" xmlns:a14="http://schemas.microsoft.com/office/drawing/2010/main">
+        <mc:Choice Requires="a14">
           <p:sp>
             <p:nvSpPr>
               <p:cNvPr id="82" name="Rectangle 81">
@@ -9086,7 +9023,7 @@
             </p:txBody>
           </p:sp>
         </mc:Choice>
-        <mc:Fallback>
+        <mc:Fallback xmlns="">
           <p:sp>
             <p:nvSpPr>
               <p:cNvPr id="82" name="Rectangle 81">
@@ -9131,8 +9068,8 @@
           </p:sp>
         </mc:Fallback>
       </mc:AlternateContent>
-      <mc:AlternateContent xmlns:mc="http://schemas.openxmlformats.org/markup-compatibility/2006">
-        <mc:Choice xmlns:a14="http://schemas.microsoft.com/office/drawing/2010/main" Requires="a14">
+      <mc:AlternateContent xmlns:mc="http://schemas.openxmlformats.org/markup-compatibility/2006" xmlns:a14="http://schemas.microsoft.com/office/drawing/2010/main">
+        <mc:Choice Requires="a14">
           <p:sp>
             <p:nvSpPr>
               <p:cNvPr id="83" name="Rectangle 82">
@@ -9220,7 +9157,7 @@
             </p:txBody>
           </p:sp>
         </mc:Choice>
-        <mc:Fallback>
+        <mc:Fallback xmlns="">
           <p:sp>
             <p:nvSpPr>
               <p:cNvPr id="83" name="Rectangle 82">
@@ -9265,8 +9202,8 @@
           </p:sp>
         </mc:Fallback>
       </mc:AlternateContent>
-      <mc:AlternateContent xmlns:mc="http://schemas.openxmlformats.org/markup-compatibility/2006">
-        <mc:Choice xmlns:a14="http://schemas.microsoft.com/office/drawing/2010/main" Requires="a14">
+      <mc:AlternateContent xmlns:mc="http://schemas.openxmlformats.org/markup-compatibility/2006" xmlns:a14="http://schemas.microsoft.com/office/drawing/2010/main">
+        <mc:Choice Requires="a14">
           <p:sp>
             <p:nvSpPr>
               <p:cNvPr id="84" name="Rectangle 83">
@@ -9354,7 +9291,7 @@
             </p:txBody>
           </p:sp>
         </mc:Choice>
-        <mc:Fallback>
+        <mc:Fallback xmlns="">
           <p:sp>
             <p:nvSpPr>
               <p:cNvPr id="84" name="Rectangle 83">
@@ -9399,8 +9336,8 @@
           </p:sp>
         </mc:Fallback>
       </mc:AlternateContent>
-      <mc:AlternateContent xmlns:mc="http://schemas.openxmlformats.org/markup-compatibility/2006">
-        <mc:Choice xmlns:a14="http://schemas.microsoft.com/office/drawing/2010/main" Requires="a14">
+      <mc:AlternateContent xmlns:mc="http://schemas.openxmlformats.org/markup-compatibility/2006" xmlns:a14="http://schemas.microsoft.com/office/drawing/2010/main">
+        <mc:Choice Requires="a14">
           <p:sp>
             <p:nvSpPr>
               <p:cNvPr id="85" name="Rectangle 84">
@@ -9488,7 +9425,7 @@
             </p:txBody>
           </p:sp>
         </mc:Choice>
-        <mc:Fallback>
+        <mc:Fallback xmlns="">
           <p:sp>
             <p:nvSpPr>
               <p:cNvPr id="85" name="Rectangle 84">
@@ -9533,8 +9470,8 @@
           </p:sp>
         </mc:Fallback>
       </mc:AlternateContent>
-      <mc:AlternateContent xmlns:mc="http://schemas.openxmlformats.org/markup-compatibility/2006">
-        <mc:Choice xmlns:a14="http://schemas.microsoft.com/office/drawing/2010/main" Requires="a14">
+      <mc:AlternateContent xmlns:mc="http://schemas.openxmlformats.org/markup-compatibility/2006" xmlns:a14="http://schemas.microsoft.com/office/drawing/2010/main">
+        <mc:Choice Requires="a14">
           <p:sp>
             <p:nvSpPr>
               <p:cNvPr id="86" name="Rectangle 85">
@@ -9622,7 +9559,7 @@
             </p:txBody>
           </p:sp>
         </mc:Choice>
-        <mc:Fallback>
+        <mc:Fallback xmlns="">
           <p:sp>
             <p:nvSpPr>
               <p:cNvPr id="86" name="Rectangle 85">
@@ -9667,8 +9604,8 @@
           </p:sp>
         </mc:Fallback>
       </mc:AlternateContent>
-      <mc:AlternateContent xmlns:mc="http://schemas.openxmlformats.org/markup-compatibility/2006">
-        <mc:Choice xmlns:a14="http://schemas.microsoft.com/office/drawing/2010/main" Requires="a14">
+      <mc:AlternateContent xmlns:mc="http://schemas.openxmlformats.org/markup-compatibility/2006" xmlns:a14="http://schemas.microsoft.com/office/drawing/2010/main">
+        <mc:Choice Requires="a14">
           <p:sp>
             <p:nvSpPr>
               <p:cNvPr id="87" name="Rectangle 86">
@@ -9756,7 +9693,7 @@
             </p:txBody>
           </p:sp>
         </mc:Choice>
-        <mc:Fallback>
+        <mc:Fallback xmlns="">
           <p:sp>
             <p:nvSpPr>
               <p:cNvPr id="87" name="Rectangle 86">
@@ -9801,8 +9738,8 @@
           </p:sp>
         </mc:Fallback>
       </mc:AlternateContent>
-      <mc:AlternateContent xmlns:mc="http://schemas.openxmlformats.org/markup-compatibility/2006">
-        <mc:Choice xmlns:a14="http://schemas.microsoft.com/office/drawing/2010/main" Requires="a14">
+      <mc:AlternateContent xmlns:mc="http://schemas.openxmlformats.org/markup-compatibility/2006" xmlns:a14="http://schemas.microsoft.com/office/drawing/2010/main">
+        <mc:Choice Requires="a14">
           <p:sp>
             <p:nvSpPr>
               <p:cNvPr id="90" name="TextBox 89">
@@ -9831,7 +9768,6 @@
               </a:bodyPr>
               <a:lstStyle/>
               <a:p>
-                <a:pPr/>
                 <a14:m>
                   <m:oMath xmlns:m="http://schemas.openxmlformats.org/officeDocument/2006/math">
                     <m:r>
@@ -9871,7 +9807,7 @@
             </p:txBody>
           </p:sp>
         </mc:Choice>
-        <mc:Fallback>
+        <mc:Fallback xmlns="">
           <p:sp>
             <p:nvSpPr>
               <p:cNvPr id="90" name="TextBox 89">
@@ -9994,8 +9930,8 @@
           </a:fontRef>
         </p:style>
       </p:cxnSp>
-      <mc:AlternateContent xmlns:mc="http://schemas.openxmlformats.org/markup-compatibility/2006">
-        <mc:Choice xmlns:a14="http://schemas.microsoft.com/office/drawing/2010/main" Requires="a14">
+      <mc:AlternateContent xmlns:mc="http://schemas.openxmlformats.org/markup-compatibility/2006" xmlns:a14="http://schemas.microsoft.com/office/drawing/2010/main">
+        <mc:Choice Requires="a14">
           <p:sp>
             <p:nvSpPr>
               <p:cNvPr id="94" name="TextBox 93">
@@ -10045,7 +9981,7 @@
             </p:txBody>
           </p:sp>
         </mc:Choice>
-        <mc:Fallback>
+        <mc:Fallback xmlns="">
           <p:sp>
             <p:nvSpPr>
               <p:cNvPr id="94" name="TextBox 93">
@@ -16909,8 +16845,8 @@
           </a:p>
         </p:txBody>
       </p:sp>
-      <mc:AlternateContent xmlns:mc="http://schemas.openxmlformats.org/markup-compatibility/2006">
-        <mc:Choice xmlns:a14="http://schemas.microsoft.com/office/drawing/2010/main" Requires="a14">
+      <mc:AlternateContent xmlns:mc="http://schemas.openxmlformats.org/markup-compatibility/2006" xmlns:a14="http://schemas.microsoft.com/office/drawing/2010/main">
+        <mc:Choice Requires="a14">
           <p:sp>
             <p:nvSpPr>
               <p:cNvPr id="109" name="TextBox 108">
@@ -16939,7 +16875,6 @@
               </a:bodyPr>
               <a:lstStyle/>
               <a:p>
-                <a:pPr/>
                 <a14:m>
                   <m:oMath xmlns:m="http://schemas.openxmlformats.org/officeDocument/2006/math">
                     <m:r>
@@ -16976,7 +16911,7 @@
             </p:txBody>
           </p:sp>
         </mc:Choice>
-        <mc:Fallback>
+        <mc:Fallback xmlns="">
           <p:sp>
             <p:nvSpPr>
               <p:cNvPr id="109" name="TextBox 108">
@@ -17068,6 +17003,139 @@
           </a:p>
         </p:txBody>
       </p:sp>
+      <mc:AlternateContent xmlns:mc="http://schemas.openxmlformats.org/markup-compatibility/2006">
+        <mc:Choice xmlns:a14="http://schemas.microsoft.com/office/drawing/2010/main" Requires="a14">
+          <p:sp>
+            <p:nvSpPr>
+              <p:cNvPr id="88" name="TextBox 87">
+                <a:extLst>
+                  <a:ext uri="{FF2B5EF4-FFF2-40B4-BE49-F238E27FC236}">
+                    <a16:creationId xmlns:a16="http://schemas.microsoft.com/office/drawing/2014/main" id="{9B4B2DF7-B3B1-2A1B-E4C9-9E1CB654EA48}"/>
+                  </a:ext>
+                </a:extLst>
+              </p:cNvPr>
+              <p:cNvSpPr txBox="1"/>
+              <p:nvPr/>
+            </p:nvSpPr>
+            <p:spPr>
+              <a:xfrm>
+                <a:off x="4260125" y="1991647"/>
+                <a:ext cx="388078" cy="369332"/>
+              </a:xfrm>
+              <a:prstGeom prst="rect">
+                <a:avLst/>
+              </a:prstGeom>
+              <a:noFill/>
+            </p:spPr>
+            <p:txBody>
+              <a:bodyPr wrap="square" rtlCol="0">
+                <a:spAutoFit/>
+              </a:bodyPr>
+              <a:lstStyle/>
+              <a:p>
+                <a:pPr/>
+                <a14:m>
+                  <m:oMathPara xmlns:m="http://schemas.openxmlformats.org/officeDocument/2006/math">
+                    <m:oMathParaPr>
+                      <m:jc m:val="centerGroup"/>
+                    </m:oMathParaPr>
+                    <m:oMath xmlns:m="http://schemas.openxmlformats.org/officeDocument/2006/math">
+                      <m:r>
+                        <a:rPr lang="en-US" b="0" i="1" smtClean="0">
+                          <a:latin typeface="Cambria Math" panose="02040503050406030204" pitchFamily="18" charset="0"/>
+                        </a:rPr>
+                        <m:t>×</m:t>
+                      </m:r>
+                    </m:oMath>
+                  </m:oMathPara>
+                </a14:m>
+                <a:endParaRPr lang="en-US" dirty="0"/>
+              </a:p>
+            </p:txBody>
+          </p:sp>
+        </mc:Choice>
+        <mc:Fallback>
+          <p:sp>
+            <p:nvSpPr>
+              <p:cNvPr id="88" name="TextBox 87">
+                <a:extLst>
+                  <a:ext uri="{FF2B5EF4-FFF2-40B4-BE49-F238E27FC236}">
+                    <a16:creationId xmlns:a16="http://schemas.microsoft.com/office/drawing/2014/main" id="{9B4B2DF7-B3B1-2A1B-E4C9-9E1CB654EA48}"/>
+                  </a:ext>
+                </a:extLst>
+              </p:cNvPr>
+              <p:cNvSpPr txBox="1">
+                <a:spLocks noRot="1" noChangeAspect="1" noMove="1" noResize="1" noEditPoints="1" noAdjustHandles="1" noChangeArrowheads="1" noChangeShapeType="1" noTextEdit="1"/>
+              </p:cNvSpPr>
+              <p:nvPr/>
+            </p:nvSpPr>
+            <p:spPr>
+              <a:xfrm>
+                <a:off x="4260125" y="1991647"/>
+                <a:ext cx="388078" cy="369332"/>
+              </a:xfrm>
+              <a:prstGeom prst="rect">
+                <a:avLst/>
+              </a:prstGeom>
+              <a:blipFill>
+                <a:blip r:embed="rId57"/>
+                <a:stretch>
+                  <a:fillRect/>
+                </a:stretch>
+              </a:blipFill>
+            </p:spPr>
+            <p:txBody>
+              <a:bodyPr/>
+              <a:lstStyle/>
+              <a:p>
+                <a:r>
+                  <a:rPr lang="en-VN">
+                    <a:noFill/>
+                  </a:rPr>
+                  <a:t> </a:t>
+                </a:r>
+              </a:p>
+            </p:txBody>
+          </p:sp>
+        </mc:Fallback>
+      </mc:AlternateContent>
+      <p:cxnSp>
+        <p:nvCxnSpPr>
+          <p:cNvPr id="89" name="Straight Connector 88">
+            <a:extLst>
+              <a:ext uri="{FF2B5EF4-FFF2-40B4-BE49-F238E27FC236}">
+                <a16:creationId xmlns:a16="http://schemas.microsoft.com/office/drawing/2014/main" id="{CE0A1D83-94C8-4F09-51D6-77EDE0D62E49}"/>
+              </a:ext>
+            </a:extLst>
+          </p:cNvPr>
+          <p:cNvCxnSpPr/>
+          <p:nvPr/>
+        </p:nvCxnSpPr>
+        <p:spPr>
+          <a:xfrm>
+            <a:off x="4457884" y="2189030"/>
+            <a:ext cx="0" cy="792000"/>
+          </a:xfrm>
+          <a:prstGeom prst="line">
+            <a:avLst/>
+          </a:prstGeom>
+          <a:ln w="28575"/>
+        </p:spPr>
+        <p:style>
+          <a:lnRef idx="1">
+            <a:schemeClr val="dk1"/>
+          </a:lnRef>
+          <a:fillRef idx="0">
+            <a:schemeClr val="dk1"/>
+          </a:fillRef>
+          <a:effectRef idx="0">
+            <a:schemeClr val="dk1"/>
+          </a:effectRef>
+          <a:fontRef idx="minor">
+            <a:schemeClr val="tx1"/>
+          </a:fontRef>
+        </p:style>
+      </p:cxnSp>
     </p:spTree>
     <p:extLst>
       <p:ext uri="{BB962C8B-B14F-4D97-AF65-F5344CB8AC3E}">
@@ -17429,8 +17497,8 @@
           <a:chExt cx="0" cy="0"/>
         </a:xfrm>
       </p:grpSpPr>
-      <mc:AlternateContent xmlns:mc="http://schemas.openxmlformats.org/markup-compatibility/2006">
-        <mc:Choice xmlns:a14="http://schemas.microsoft.com/office/drawing/2010/main" Requires="a14">
+      <mc:AlternateContent xmlns:mc="http://schemas.openxmlformats.org/markup-compatibility/2006" xmlns:a14="http://schemas.microsoft.com/office/drawing/2010/main">
+        <mc:Choice Requires="a14">
           <p:sp>
             <p:nvSpPr>
               <p:cNvPr id="12" name="TextBox 11">
@@ -17522,7 +17590,7 @@
                     <m:sSup>
                       <m:sSupPr>
                         <m:ctrlPr>
-                          <a:rPr lang="vi-VN" sz="1000" b="1" i="0" smtClean="0">
+                          <a:rPr lang="vi-VN" sz="1000" b="1" i="1" smtClean="0">
                             <a:latin typeface="Cambria Math" panose="02040503050406030204" pitchFamily="18" charset="0"/>
                           </a:rPr>
                         </m:ctrlPr>
@@ -17539,7 +17607,7 @@
                         <m:d>
                           <m:dPr>
                             <m:ctrlPr>
-                              <a:rPr lang="vi-VN" sz="1000" b="1" i="0" smtClean="0">
+                              <a:rPr lang="vi-VN" sz="1000" b="1" i="1" smtClean="0">
                                 <a:latin typeface="Cambria Math" panose="02040503050406030204" pitchFamily="18" charset="0"/>
                               </a:rPr>
                             </m:ctrlPr>
@@ -17613,7 +17681,7 @@
             </p:txBody>
           </p:sp>
         </mc:Choice>
-        <mc:Fallback>
+        <mc:Fallback xmlns="">
           <p:sp>
             <p:nvSpPr>
               <p:cNvPr id="12" name="TextBox 11">
@@ -17658,8 +17726,8 @@
           </p:sp>
         </mc:Fallback>
       </mc:AlternateContent>
-      <mc:AlternateContent xmlns:mc="http://schemas.openxmlformats.org/markup-compatibility/2006">
-        <mc:Choice xmlns:a14="http://schemas.microsoft.com/office/drawing/2010/main" Requires="a14">
+      <mc:AlternateContent xmlns:mc="http://schemas.openxmlformats.org/markup-compatibility/2006" xmlns:a14="http://schemas.microsoft.com/office/drawing/2010/main">
+        <mc:Choice Requires="a14">
           <p:sp>
             <p:nvSpPr>
               <p:cNvPr id="25" name="TextBox 24">
@@ -17751,7 +17819,7 @@
             </p:txBody>
           </p:sp>
         </mc:Choice>
-        <mc:Fallback>
+        <mc:Fallback xmlns="">
           <p:sp>
             <p:nvSpPr>
               <p:cNvPr id="25" name="TextBox 24">
@@ -17796,8 +17864,8 @@
           </p:sp>
         </mc:Fallback>
       </mc:AlternateContent>
-      <mc:AlternateContent xmlns:mc="http://schemas.openxmlformats.org/markup-compatibility/2006">
-        <mc:Choice xmlns:a14="http://schemas.microsoft.com/office/drawing/2010/main" Requires="a14">
+      <mc:AlternateContent xmlns:mc="http://schemas.openxmlformats.org/markup-compatibility/2006" xmlns:a14="http://schemas.microsoft.com/office/drawing/2010/main">
+        <mc:Choice Requires="a14">
           <p:sp>
             <p:nvSpPr>
               <p:cNvPr id="32" name="TextBox 31">
@@ -17921,7 +17989,7 @@
             </p:txBody>
           </p:sp>
         </mc:Choice>
-        <mc:Fallback>
+        <mc:Fallback xmlns="">
           <p:sp>
             <p:nvSpPr>
               <p:cNvPr id="32" name="TextBox 31">
@@ -18009,8 +18077,8 @@
           </a:fontRef>
         </p:style>
       </p:cxnSp>
-      <mc:AlternateContent xmlns:mc="http://schemas.openxmlformats.org/markup-compatibility/2006">
-        <mc:Choice xmlns:a14="http://schemas.microsoft.com/office/drawing/2010/main" Requires="a14">
+      <mc:AlternateContent xmlns:mc="http://schemas.openxmlformats.org/markup-compatibility/2006" xmlns:a14="http://schemas.microsoft.com/office/drawing/2010/main">
+        <mc:Choice Requires="a14">
           <p:sp>
             <p:nvSpPr>
               <p:cNvPr id="43" name="TextBox 42">
@@ -18111,7 +18179,7 @@
             </p:txBody>
           </p:sp>
         </mc:Choice>
-        <mc:Fallback>
+        <mc:Fallback xmlns="">
           <p:sp>
             <p:nvSpPr>
               <p:cNvPr id="43" name="TextBox 42">
@@ -18322,8 +18390,8 @@
           </a:fontRef>
         </p:style>
       </p:cxnSp>
-      <mc:AlternateContent xmlns:mc="http://schemas.openxmlformats.org/markup-compatibility/2006">
-        <mc:Choice xmlns:a14="http://schemas.microsoft.com/office/drawing/2010/main" Requires="a14">
+      <mc:AlternateContent xmlns:mc="http://schemas.openxmlformats.org/markup-compatibility/2006" xmlns:a14="http://schemas.microsoft.com/office/drawing/2010/main">
+        <mc:Choice Requires="a14">
           <p:sp>
             <p:nvSpPr>
               <p:cNvPr id="62" name="TextBox 61">
@@ -18378,7 +18446,7 @@
             </p:txBody>
           </p:sp>
         </mc:Choice>
-        <mc:Fallback>
+        <mc:Fallback xmlns="">
           <p:sp>
             <p:nvSpPr>
               <p:cNvPr id="62" name="TextBox 61">
@@ -18493,8 +18561,8 @@
           </a:p>
         </p:txBody>
       </p:sp>
-      <mc:AlternateContent xmlns:mc="http://schemas.openxmlformats.org/markup-compatibility/2006">
-        <mc:Choice xmlns:a14="http://schemas.microsoft.com/office/drawing/2010/main" Requires="a14">
+      <mc:AlternateContent xmlns:mc="http://schemas.openxmlformats.org/markup-compatibility/2006" xmlns:a14="http://schemas.microsoft.com/office/drawing/2010/main">
+        <mc:Choice Requires="a14">
           <p:sp>
             <p:nvSpPr>
               <p:cNvPr id="57" name="Rectangle 56">
@@ -18627,7 +18695,7 @@
             </p:txBody>
           </p:sp>
         </mc:Choice>
-        <mc:Fallback>
+        <mc:Fallback xmlns="">
           <p:sp>
             <p:nvSpPr>
               <p:cNvPr id="57" name="Rectangle 56">
@@ -18723,8 +18791,8 @@
           </a:fontRef>
         </p:style>
       </p:cxnSp>
-      <mc:AlternateContent xmlns:mc="http://schemas.openxmlformats.org/markup-compatibility/2006">
-        <mc:Choice xmlns:a14="http://schemas.microsoft.com/office/drawing/2010/main" Requires="a14">
+      <mc:AlternateContent xmlns:mc="http://schemas.openxmlformats.org/markup-compatibility/2006" xmlns:a14="http://schemas.microsoft.com/office/drawing/2010/main">
+        <mc:Choice Requires="a14">
           <p:sp>
             <p:nvSpPr>
               <p:cNvPr id="84" name="TextBox 83">
@@ -18853,7 +18921,7 @@
             </p:txBody>
           </p:sp>
         </mc:Choice>
-        <mc:Fallback>
+        <mc:Fallback xmlns="">
           <p:sp>
             <p:nvSpPr>
               <p:cNvPr id="84" name="TextBox 83">
@@ -19057,8 +19125,8 @@
           </a:fontRef>
         </p:style>
       </p:cxnSp>
-      <mc:AlternateContent xmlns:mc="http://schemas.openxmlformats.org/markup-compatibility/2006">
-        <mc:Choice xmlns:a14="http://schemas.microsoft.com/office/drawing/2010/main" Requires="a14">
+      <mc:AlternateContent xmlns:mc="http://schemas.openxmlformats.org/markup-compatibility/2006" xmlns:a14="http://schemas.microsoft.com/office/drawing/2010/main">
+        <mc:Choice Requires="a14">
           <p:sp>
             <p:nvSpPr>
               <p:cNvPr id="96" name="TextBox 95">
@@ -19189,7 +19257,7 @@
             </p:txBody>
           </p:sp>
         </mc:Choice>
-        <mc:Fallback>
+        <mc:Fallback xmlns="">
           <p:sp>
             <p:nvSpPr>
               <p:cNvPr id="96" name="TextBox 95">
@@ -19433,8 +19501,8 @@
           </a:fontRef>
         </p:style>
       </p:cxnSp>
-      <mc:AlternateContent xmlns:mc="http://schemas.openxmlformats.org/markup-compatibility/2006">
-        <mc:Choice xmlns:a14="http://schemas.microsoft.com/office/drawing/2010/main" Requires="a14">
+      <mc:AlternateContent xmlns:mc="http://schemas.openxmlformats.org/markup-compatibility/2006" xmlns:a14="http://schemas.microsoft.com/office/drawing/2010/main">
+        <mc:Choice Requires="a14">
           <p:sp>
             <p:nvSpPr>
               <p:cNvPr id="121" name="TextBox 120">
@@ -19638,7 +19706,7 @@
             </p:txBody>
           </p:sp>
         </mc:Choice>
-        <mc:Fallback>
+        <mc:Fallback xmlns="">
           <p:sp>
             <p:nvSpPr>
               <p:cNvPr id="121" name="TextBox 120">
@@ -19683,8 +19751,8 @@
           </p:sp>
         </mc:Fallback>
       </mc:AlternateContent>
-      <mc:AlternateContent xmlns:mc="http://schemas.openxmlformats.org/markup-compatibility/2006">
-        <mc:Choice xmlns:a14="http://schemas.microsoft.com/office/drawing/2010/main" Requires="a14">
+      <mc:AlternateContent xmlns:mc="http://schemas.openxmlformats.org/markup-compatibility/2006" xmlns:a14="http://schemas.microsoft.com/office/drawing/2010/main">
+        <mc:Choice Requires="a14">
           <p:sp>
             <p:nvSpPr>
               <p:cNvPr id="122" name="TextBox 121">
@@ -19749,7 +19817,7 @@
             </p:txBody>
           </p:sp>
         </mc:Choice>
-        <mc:Fallback>
+        <mc:Fallback xmlns="">
           <p:sp>
             <p:nvSpPr>
               <p:cNvPr id="122" name="TextBox 121">
@@ -19794,8 +19862,8 @@
           </p:sp>
         </mc:Fallback>
       </mc:AlternateContent>
-      <mc:AlternateContent xmlns:mc="http://schemas.openxmlformats.org/markup-compatibility/2006">
-        <mc:Choice xmlns:a14="http://schemas.microsoft.com/office/drawing/2010/main" Requires="a14">
+      <mc:AlternateContent xmlns:mc="http://schemas.openxmlformats.org/markup-compatibility/2006" xmlns:a14="http://schemas.microsoft.com/office/drawing/2010/main">
+        <mc:Choice Requires="a14">
           <p:sp>
             <p:nvSpPr>
               <p:cNvPr id="146" name="TextBox 145">
@@ -19914,7 +19982,7 @@
             </p:txBody>
           </p:sp>
         </mc:Choice>
-        <mc:Fallback>
+        <mc:Fallback xmlns="">
           <p:sp>
             <p:nvSpPr>
               <p:cNvPr id="146" name="TextBox 145">
@@ -20182,8 +20250,8 @@
           </a:p>
         </p:txBody>
       </p:sp>
-      <mc:AlternateContent xmlns:mc="http://schemas.openxmlformats.org/markup-compatibility/2006">
-        <mc:Choice xmlns:a14="http://schemas.microsoft.com/office/drawing/2010/main" Requires="a14">
+      <mc:AlternateContent xmlns:mc="http://schemas.openxmlformats.org/markup-compatibility/2006" xmlns:a14="http://schemas.microsoft.com/office/drawing/2010/main">
+        <mc:Choice Requires="a14">
           <p:sp>
             <p:nvSpPr>
               <p:cNvPr id="24" name="TextBox 23">
@@ -20236,7 +20304,7 @@
             </p:txBody>
           </p:sp>
         </mc:Choice>
-        <mc:Fallback>
+        <mc:Fallback xmlns="">
           <p:sp>
             <p:nvSpPr>
               <p:cNvPr id="24" name="TextBox 23">
@@ -20324,8 +20392,8 @@
           </a:fontRef>
         </p:style>
       </p:cxnSp>
-      <mc:AlternateContent xmlns:mc="http://schemas.openxmlformats.org/markup-compatibility/2006">
-        <mc:Choice xmlns:a14="http://schemas.microsoft.com/office/drawing/2010/main" Requires="a14">
+      <mc:AlternateContent xmlns:mc="http://schemas.openxmlformats.org/markup-compatibility/2006" xmlns:a14="http://schemas.microsoft.com/office/drawing/2010/main">
+        <mc:Choice Requires="a14">
           <p:sp>
             <p:nvSpPr>
               <p:cNvPr id="14" name="TextBox 13">
@@ -20494,7 +20562,7 @@
             </p:txBody>
           </p:sp>
         </mc:Choice>
-        <mc:Fallback>
+        <mc:Fallback xmlns="">
           <p:sp>
             <p:nvSpPr>
               <p:cNvPr id="14" name="TextBox 13">
@@ -20539,8 +20607,8 @@
           </p:sp>
         </mc:Fallback>
       </mc:AlternateContent>
-      <mc:AlternateContent xmlns:mc="http://schemas.openxmlformats.org/markup-compatibility/2006">
-        <mc:Choice xmlns:a14="http://schemas.microsoft.com/office/drawing/2010/main" Requires="a14">
+      <mc:AlternateContent xmlns:mc="http://schemas.openxmlformats.org/markup-compatibility/2006" xmlns:a14="http://schemas.microsoft.com/office/drawing/2010/main">
+        <mc:Choice Requires="a14">
           <p:sp>
             <p:nvSpPr>
               <p:cNvPr id="7" name="Rectangle 6">
@@ -20653,7 +20721,7 @@
             </p:txBody>
           </p:sp>
         </mc:Choice>
-        <mc:Fallback>
+        <mc:Fallback xmlns="">
           <p:sp>
             <p:nvSpPr>
               <p:cNvPr id="7" name="Rectangle 6">
@@ -20703,8 +20771,8 @@
           </p:sp>
         </mc:Fallback>
       </mc:AlternateContent>
-      <mc:AlternateContent xmlns:mc="http://schemas.openxmlformats.org/markup-compatibility/2006">
-        <mc:Choice xmlns:a14="http://schemas.microsoft.com/office/drawing/2010/main" Requires="a14">
+      <mc:AlternateContent xmlns:mc="http://schemas.openxmlformats.org/markup-compatibility/2006" xmlns:a14="http://schemas.microsoft.com/office/drawing/2010/main">
+        <mc:Choice Requires="a14">
           <p:sp>
             <p:nvSpPr>
               <p:cNvPr id="23" name="TextBox 22">
@@ -20791,7 +20859,7 @@
             </p:txBody>
           </p:sp>
         </mc:Choice>
-        <mc:Fallback>
+        <mc:Fallback xmlns="">
           <p:sp>
             <p:nvSpPr>
               <p:cNvPr id="23" name="TextBox 22">
@@ -21074,8 +21142,8 @@
           </a:p>
         </p:txBody>
       </p:sp>
-      <mc:AlternateContent xmlns:mc="http://schemas.openxmlformats.org/markup-compatibility/2006">
-        <mc:Choice xmlns:a14="http://schemas.microsoft.com/office/drawing/2010/main" Requires="a14">
+      <mc:AlternateContent xmlns:mc="http://schemas.openxmlformats.org/markup-compatibility/2006" xmlns:a14="http://schemas.microsoft.com/office/drawing/2010/main">
+        <mc:Choice Requires="a14">
           <p:graphicFrame>
             <p:nvGraphicFramePr>
               <p:cNvPr id="10" name="Content Placeholder 3">
@@ -21122,6 +21190,7 @@
                         <a:bodyPr/>
                         <a:lstStyle/>
                         <a:p>
+                          <a:pPr/>
                           <a14:m>
                             <m:oMathPara xmlns:m="http://schemas.openxmlformats.org/officeDocument/2006/math">
                               <m:oMathParaPr>
@@ -21214,6 +21283,7 @@
                         <a:bodyPr/>
                         <a:lstStyle/>
                         <a:p>
+                          <a:pPr/>
                           <a14:m>
                             <m:oMathPara xmlns:m="http://schemas.openxmlformats.org/officeDocument/2006/math">
                               <m:oMathParaPr>
@@ -21306,6 +21376,7 @@
                         <a:bodyPr/>
                         <a:lstStyle/>
                         <a:p>
+                          <a:pPr/>
                           <a14:m>
                             <m:oMathPara xmlns:m="http://schemas.openxmlformats.org/officeDocument/2006/math">
                               <m:oMathParaPr>
@@ -21359,6 +21430,7 @@
                         <a:bodyPr/>
                         <a:lstStyle/>
                         <a:p>
+                          <a:pPr/>
                           <a14:m>
                             <m:oMathPara xmlns:m="http://schemas.openxmlformats.org/officeDocument/2006/math">
                               <m:oMathParaPr>
@@ -21411,7 +21483,7 @@
             </a:graphic>
           </p:graphicFrame>
         </mc:Choice>
-        <mc:Fallback>
+        <mc:Fallback xmlns="">
           <p:graphicFrame>
             <p:nvGraphicFramePr>
               <p:cNvPr id="10" name="Content Placeholder 3">
@@ -21634,8 +21706,8 @@
           </p:graphicFrame>
         </mc:Fallback>
       </mc:AlternateContent>
-      <mc:AlternateContent xmlns:mc="http://schemas.openxmlformats.org/markup-compatibility/2006">
-        <mc:Choice xmlns:a14="http://schemas.microsoft.com/office/drawing/2010/main" Requires="a14">
+      <mc:AlternateContent xmlns:mc="http://schemas.openxmlformats.org/markup-compatibility/2006" xmlns:a14="http://schemas.microsoft.com/office/drawing/2010/main">
+        <mc:Choice Requires="a14">
           <p:sp>
             <p:nvSpPr>
               <p:cNvPr id="11" name="TextBox 10">
@@ -21716,7 +21788,7 @@
             </p:txBody>
           </p:sp>
         </mc:Choice>
-        <mc:Fallback>
+        <mc:Fallback xmlns="">
           <p:sp>
             <p:nvSpPr>
               <p:cNvPr id="11" name="TextBox 10">
@@ -21761,8 +21833,8 @@
           </p:sp>
         </mc:Fallback>
       </mc:AlternateContent>
-      <mc:AlternateContent xmlns:mc="http://schemas.openxmlformats.org/markup-compatibility/2006">
-        <mc:Choice xmlns:a14="http://schemas.microsoft.com/office/drawing/2010/main" Requires="a14">
+      <mc:AlternateContent xmlns:mc="http://schemas.openxmlformats.org/markup-compatibility/2006" xmlns:a14="http://schemas.microsoft.com/office/drawing/2010/main">
+        <mc:Choice Requires="a14">
           <p:graphicFrame>
             <p:nvGraphicFramePr>
               <p:cNvPr id="13" name="Content Placeholder 3">
@@ -21808,6 +21880,7 @@
                         <a:bodyPr/>
                         <a:lstStyle/>
                         <a:p>
+                          <a:pPr/>
                           <a14:m>
                             <m:oMathPara xmlns:m="http://schemas.openxmlformats.org/officeDocument/2006/math">
                               <m:oMathParaPr>
@@ -21900,6 +21973,7 @@
                         <a:bodyPr/>
                         <a:lstStyle/>
                         <a:p>
+                          <a:pPr/>
                           <a14:m>
                             <m:oMathPara xmlns:m="http://schemas.openxmlformats.org/officeDocument/2006/math">
                               <m:oMathParaPr>
@@ -21992,6 +22066,7 @@
                         <a:bodyPr/>
                         <a:lstStyle/>
                         <a:p>
+                          <a:pPr/>
                           <a14:m>
                             <m:oMathPara xmlns:m="http://schemas.openxmlformats.org/officeDocument/2006/math">
                               <m:oMathParaPr>
@@ -22045,6 +22120,7 @@
                         <a:bodyPr/>
                         <a:lstStyle/>
                         <a:p>
+                          <a:pPr/>
                           <a14:m>
                             <m:oMathPara xmlns:m="http://schemas.openxmlformats.org/officeDocument/2006/math">
                               <m:oMathParaPr>
@@ -22097,7 +22173,7 @@
             </a:graphic>
           </p:graphicFrame>
         </mc:Choice>
-        <mc:Fallback>
+        <mc:Fallback xmlns="">
           <p:graphicFrame>
             <p:nvGraphicFramePr>
               <p:cNvPr id="13" name="Content Placeholder 3">
@@ -22319,8 +22395,8 @@
           </p:graphicFrame>
         </mc:Fallback>
       </mc:AlternateContent>
-      <mc:AlternateContent xmlns:mc="http://schemas.openxmlformats.org/markup-compatibility/2006">
-        <mc:Choice xmlns:a14="http://schemas.microsoft.com/office/drawing/2010/main" Requires="a14">
+      <mc:AlternateContent xmlns:mc="http://schemas.openxmlformats.org/markup-compatibility/2006" xmlns:a14="http://schemas.microsoft.com/office/drawing/2010/main">
+        <mc:Choice Requires="a14">
           <p:sp>
             <p:nvSpPr>
               <p:cNvPr id="15" name="TextBox 14">
@@ -22349,6 +22425,7 @@
               </a:bodyPr>
               <a:lstStyle/>
               <a:p>
+                <a:pPr/>
                 <a14:m>
                   <m:oMathPara xmlns:m="http://schemas.openxmlformats.org/officeDocument/2006/math">
                     <m:oMathParaPr>
@@ -22369,7 +22446,7 @@
             </p:txBody>
           </p:sp>
         </mc:Choice>
-        <mc:Fallback>
+        <mc:Fallback xmlns="">
           <p:sp>
             <p:nvSpPr>
               <p:cNvPr id="15" name="TextBox 14">
@@ -22414,8 +22491,8 @@
           </p:sp>
         </mc:Fallback>
       </mc:AlternateContent>
-      <mc:AlternateContent xmlns:mc="http://schemas.openxmlformats.org/markup-compatibility/2006">
-        <mc:Choice xmlns:a14="http://schemas.microsoft.com/office/drawing/2010/main" Requires="a14">
+      <mc:AlternateContent xmlns:mc="http://schemas.openxmlformats.org/markup-compatibility/2006" xmlns:a14="http://schemas.microsoft.com/office/drawing/2010/main">
+        <mc:Choice Requires="a14">
           <p:graphicFrame>
             <p:nvGraphicFramePr>
               <p:cNvPr id="16" name="Content Placeholder 3">
@@ -22461,6 +22538,7 @@
                         <a:bodyPr/>
                         <a:lstStyle/>
                         <a:p>
+                          <a:pPr/>
                           <a14:m>
                             <m:oMathPara xmlns:m="http://schemas.openxmlformats.org/officeDocument/2006/math">
                               <m:oMathParaPr>
@@ -22577,6 +22655,7 @@
                         <a:bodyPr/>
                         <a:lstStyle/>
                         <a:p>
+                          <a:pPr/>
                           <a14:m>
                             <m:oMathPara xmlns:m="http://schemas.openxmlformats.org/officeDocument/2006/math">
                               <m:oMathParaPr>
@@ -22693,6 +22772,7 @@
                         <a:bodyPr/>
                         <a:lstStyle/>
                         <a:p>
+                          <a:pPr/>
                           <a14:m>
                             <m:oMathPara xmlns:m="http://schemas.openxmlformats.org/officeDocument/2006/math">
                               <m:oMathParaPr>
@@ -22746,6 +22826,7 @@
                         <a:bodyPr/>
                         <a:lstStyle/>
                         <a:p>
+                          <a:pPr/>
                           <a14:m>
                             <m:oMathPara xmlns:m="http://schemas.openxmlformats.org/officeDocument/2006/math">
                               <m:oMathParaPr>
@@ -22886,7 +22967,7 @@
             </a:graphic>
           </p:graphicFrame>
         </mc:Choice>
-        <mc:Fallback>
+        <mc:Fallback xmlns="">
           <p:graphicFrame>
             <p:nvGraphicFramePr>
               <p:cNvPr id="16" name="Content Placeholder 3">
@@ -23108,8 +23189,8 @@
           </p:graphicFrame>
         </mc:Fallback>
       </mc:AlternateContent>
-      <mc:AlternateContent xmlns:mc="http://schemas.openxmlformats.org/markup-compatibility/2006">
-        <mc:Choice xmlns:a14="http://schemas.microsoft.com/office/drawing/2010/main" Requires="a14">
+      <mc:AlternateContent xmlns:mc="http://schemas.openxmlformats.org/markup-compatibility/2006" xmlns:a14="http://schemas.microsoft.com/office/drawing/2010/main">
+        <mc:Choice Requires="a14">
           <p:graphicFrame>
             <p:nvGraphicFramePr>
               <p:cNvPr id="19" name="Content Placeholder 3">
@@ -23155,6 +23236,7 @@
                         <a:bodyPr/>
                         <a:lstStyle/>
                         <a:p>
+                          <a:pPr/>
                           <a14:m>
                             <m:oMathPara xmlns:m="http://schemas.openxmlformats.org/officeDocument/2006/math">
                               <m:oMathParaPr>
@@ -23271,6 +23353,7 @@
                         <a:bodyPr/>
                         <a:lstStyle/>
                         <a:p>
+                          <a:pPr/>
                           <a14:m>
                             <m:oMathPara xmlns:m="http://schemas.openxmlformats.org/officeDocument/2006/math">
                               <m:oMathParaPr>
@@ -23387,6 +23470,7 @@
                         <a:bodyPr/>
                         <a:lstStyle/>
                         <a:p>
+                          <a:pPr/>
                           <a14:m>
                             <m:oMathPara xmlns:m="http://schemas.openxmlformats.org/officeDocument/2006/math">
                               <m:oMathParaPr>
@@ -23440,6 +23524,7 @@
                         <a:bodyPr/>
                         <a:lstStyle/>
                         <a:p>
+                          <a:pPr/>
                           <a14:m>
                             <m:oMathPara xmlns:m="http://schemas.openxmlformats.org/officeDocument/2006/math">
                               <m:oMathParaPr>
@@ -23580,7 +23665,7 @@
             </a:graphic>
           </p:graphicFrame>
         </mc:Choice>
-        <mc:Fallback>
+        <mc:Fallback xmlns="">
           <p:graphicFrame>
             <p:nvGraphicFramePr>
               <p:cNvPr id="19" name="Content Placeholder 3">
@@ -23881,8 +23966,8 @@
           </a:fontRef>
         </p:style>
       </p:cxnSp>
-      <mc:AlternateContent xmlns:mc="http://schemas.openxmlformats.org/markup-compatibility/2006">
-        <mc:Choice xmlns:a14="http://schemas.microsoft.com/office/drawing/2010/main" Requires="a14">
+      <mc:AlternateContent xmlns:mc="http://schemas.openxmlformats.org/markup-compatibility/2006" xmlns:a14="http://schemas.microsoft.com/office/drawing/2010/main">
+        <mc:Choice Requires="a14">
           <p:sp>
             <p:nvSpPr>
               <p:cNvPr id="42" name="TextBox 41">
@@ -23963,7 +24048,7 @@
             </p:txBody>
           </p:sp>
         </mc:Choice>
-        <mc:Fallback>
+        <mc:Fallback xmlns="">
           <p:sp>
             <p:nvSpPr>
               <p:cNvPr id="42" name="TextBox 41">
@@ -24087,8 +24172,8 @@
           </a:fontRef>
         </p:style>
       </p:cxnSp>
-      <mc:AlternateContent xmlns:mc="http://schemas.openxmlformats.org/markup-compatibility/2006">
-        <mc:Choice xmlns:a14="http://schemas.microsoft.com/office/drawing/2010/main" Requires="a14">
+      <mc:AlternateContent xmlns:mc="http://schemas.openxmlformats.org/markup-compatibility/2006" xmlns:a14="http://schemas.microsoft.com/office/drawing/2010/main">
+        <mc:Choice Requires="a14">
           <p:sp>
             <p:nvSpPr>
               <p:cNvPr id="50" name="TextBox 49">
@@ -24117,6 +24202,7 @@
               </a:bodyPr>
               <a:lstStyle/>
               <a:p>
+                <a:pPr/>
                 <a14:m>
                   <m:oMathPara xmlns:m="http://schemas.openxmlformats.org/officeDocument/2006/math">
                     <m:oMathParaPr>
@@ -24137,7 +24223,7 @@
             </p:txBody>
           </p:sp>
         </mc:Choice>
-        <mc:Fallback>
+        <mc:Fallback xmlns="">
           <p:sp>
             <p:nvSpPr>
               <p:cNvPr id="50" name="TextBox 49">
@@ -24182,8 +24268,8 @@
           </p:sp>
         </mc:Fallback>
       </mc:AlternateContent>
-      <mc:AlternateContent xmlns:mc="http://schemas.openxmlformats.org/markup-compatibility/2006">
-        <mc:Choice xmlns:a14="http://schemas.microsoft.com/office/drawing/2010/main" Requires="a14">
+      <mc:AlternateContent xmlns:mc="http://schemas.openxmlformats.org/markup-compatibility/2006" xmlns:a14="http://schemas.microsoft.com/office/drawing/2010/main">
+        <mc:Choice Requires="a14">
           <p:sp>
             <p:nvSpPr>
               <p:cNvPr id="51" name="TextBox 50">
@@ -24288,7 +24374,7 @@
             </p:txBody>
           </p:sp>
         </mc:Choice>
-        <mc:Fallback>
+        <mc:Fallback xmlns="">
           <p:sp>
             <p:nvSpPr>
               <p:cNvPr id="51" name="TextBox 50">
@@ -24412,8 +24498,8 @@
           </a:fontRef>
         </p:style>
       </p:cxnSp>
-      <mc:AlternateContent xmlns:mc="http://schemas.openxmlformats.org/markup-compatibility/2006">
-        <mc:Choice xmlns:a14="http://schemas.microsoft.com/office/drawing/2010/main" Requires="a14">
+      <mc:AlternateContent xmlns:mc="http://schemas.openxmlformats.org/markup-compatibility/2006" xmlns:a14="http://schemas.microsoft.com/office/drawing/2010/main">
+        <mc:Choice Requires="a14">
           <p:sp>
             <p:nvSpPr>
               <p:cNvPr id="54" name="TextBox 53">
@@ -24518,7 +24604,7 @@
             </p:txBody>
           </p:sp>
         </mc:Choice>
-        <mc:Fallback>
+        <mc:Fallback xmlns="">
           <p:sp>
             <p:nvSpPr>
               <p:cNvPr id="54" name="TextBox 53">
@@ -24642,8 +24728,8 @@
           </a:fontRef>
         </p:style>
       </p:cxnSp>
-      <mc:AlternateContent xmlns:mc="http://schemas.openxmlformats.org/markup-compatibility/2006">
-        <mc:Choice xmlns:a14="http://schemas.microsoft.com/office/drawing/2010/main" Requires="a14">
+      <mc:AlternateContent xmlns:mc="http://schemas.openxmlformats.org/markup-compatibility/2006" xmlns:a14="http://schemas.microsoft.com/office/drawing/2010/main">
+        <mc:Choice Requires="a14">
           <p:sp>
             <p:nvSpPr>
               <p:cNvPr id="61" name="TextBox 60">
@@ -24748,7 +24834,7 @@
             </p:txBody>
           </p:sp>
         </mc:Choice>
-        <mc:Fallback>
+        <mc:Fallback xmlns="">
           <p:sp>
             <p:nvSpPr>
               <p:cNvPr id="61" name="TextBox 60">
@@ -24872,8 +24958,8 @@
           </a:fontRef>
         </p:style>
       </p:cxnSp>
-      <mc:AlternateContent xmlns:mc="http://schemas.openxmlformats.org/markup-compatibility/2006">
-        <mc:Choice xmlns:a14="http://schemas.microsoft.com/office/drawing/2010/main" Requires="a14">
+      <mc:AlternateContent xmlns:mc="http://schemas.openxmlformats.org/markup-compatibility/2006" xmlns:a14="http://schemas.microsoft.com/office/drawing/2010/main">
+        <mc:Choice Requires="a14">
           <p:sp>
             <p:nvSpPr>
               <p:cNvPr id="65" name="TextBox 64">
@@ -24902,6 +24988,7 @@
               </a:bodyPr>
               <a:lstStyle/>
               <a:p>
+                <a:pPr/>
                 <a14:m>
                   <m:oMathPara xmlns:m="http://schemas.openxmlformats.org/officeDocument/2006/math">
                     <m:oMathParaPr>
@@ -24922,7 +25009,7 @@
             </p:txBody>
           </p:sp>
         </mc:Choice>
-        <mc:Fallback>
+        <mc:Fallback xmlns="">
           <p:sp>
             <p:nvSpPr>
               <p:cNvPr id="65" name="TextBox 64">
@@ -25147,8 +25234,8 @@
           </a:fontRef>
         </p:style>
       </p:cxnSp>
-      <mc:AlternateContent xmlns:mc="http://schemas.openxmlformats.org/markup-compatibility/2006">
-        <mc:Choice xmlns:a14="http://schemas.microsoft.com/office/drawing/2010/main" Requires="a14">
+      <mc:AlternateContent xmlns:mc="http://schemas.openxmlformats.org/markup-compatibility/2006" xmlns:a14="http://schemas.microsoft.com/office/drawing/2010/main">
+        <mc:Choice Requires="a14">
           <p:graphicFrame>
             <p:nvGraphicFramePr>
               <p:cNvPr id="76" name="Content Placeholder 3">
@@ -25483,7 +25570,7 @@
             </a:graphic>
           </p:graphicFrame>
         </mc:Choice>
-        <mc:Fallback>
+        <mc:Fallback xmlns="">
           <p:graphicFrame>
             <p:nvGraphicFramePr>
               <p:cNvPr id="76" name="Content Placeholder 3">
@@ -25830,8 +25917,8 @@
           </a:p>
         </p:txBody>
       </p:sp>
-      <mc:AlternateContent xmlns:mc="http://schemas.openxmlformats.org/markup-compatibility/2006">
-        <mc:Choice xmlns:a14="http://schemas.microsoft.com/office/drawing/2010/main" Requires="a14">
+      <mc:AlternateContent xmlns:mc="http://schemas.openxmlformats.org/markup-compatibility/2006" xmlns:a14="http://schemas.microsoft.com/office/drawing/2010/main">
+        <mc:Choice Requires="a14">
           <p:sp>
             <p:nvSpPr>
               <p:cNvPr id="80" name="TextBox 79">
@@ -25878,7 +25965,7 @@
             </p:txBody>
           </p:sp>
         </mc:Choice>
-        <mc:Fallback>
+        <mc:Fallback xmlns="">
           <p:sp>
             <p:nvSpPr>
               <p:cNvPr id="80" name="TextBox 79">
@@ -26031,8 +26118,8 @@
           </a:fontRef>
         </p:style>
       </p:cxnSp>
-      <mc:AlternateContent xmlns:mc="http://schemas.openxmlformats.org/markup-compatibility/2006">
-        <mc:Choice xmlns:a14="http://schemas.microsoft.com/office/drawing/2010/main" Requires="a14">
+      <mc:AlternateContent xmlns:mc="http://schemas.openxmlformats.org/markup-compatibility/2006" xmlns:a14="http://schemas.microsoft.com/office/drawing/2010/main">
+        <mc:Choice Requires="a14">
           <p:sp>
             <p:nvSpPr>
               <p:cNvPr id="86" name="TextBox 85">
@@ -26061,6 +26148,7 @@
               </a:bodyPr>
               <a:lstStyle/>
               <a:p>
+                <a:pPr/>
                 <a14:m>
                   <m:oMathPara xmlns:m="http://schemas.openxmlformats.org/officeDocument/2006/math">
                     <m:oMathParaPr>
@@ -26124,7 +26212,7 @@
             </p:txBody>
           </p:sp>
         </mc:Choice>
-        <mc:Fallback>
+        <mc:Fallback xmlns="">
           <p:sp>
             <p:nvSpPr>
               <p:cNvPr id="86" name="TextBox 85">
@@ -26169,8 +26257,8 @@
           </p:sp>
         </mc:Fallback>
       </mc:AlternateContent>
-      <mc:AlternateContent xmlns:mc="http://schemas.openxmlformats.org/markup-compatibility/2006">
-        <mc:Choice xmlns:a14="http://schemas.microsoft.com/office/drawing/2010/main" Requires="a14">
+      <mc:AlternateContent xmlns:mc="http://schemas.openxmlformats.org/markup-compatibility/2006" xmlns:a14="http://schemas.microsoft.com/office/drawing/2010/main">
+        <mc:Choice Requires="a14">
           <p:sp>
             <p:nvSpPr>
               <p:cNvPr id="87" name="TextBox 86">
@@ -26217,7 +26305,7 @@
             </p:txBody>
           </p:sp>
         </mc:Choice>
-        <mc:Fallback>
+        <mc:Fallback xmlns="">
           <p:sp>
             <p:nvSpPr>
               <p:cNvPr id="87" name="TextBox 86">
@@ -26512,8 +26600,8 @@
           </a:p>
         </p:txBody>
       </p:sp>
-      <mc:AlternateContent xmlns:mc="http://schemas.openxmlformats.org/markup-compatibility/2006">
-        <mc:Choice xmlns:a14="http://schemas.microsoft.com/office/drawing/2010/main" Requires="a14">
+      <mc:AlternateContent xmlns:mc="http://schemas.openxmlformats.org/markup-compatibility/2006" xmlns:a14="http://schemas.microsoft.com/office/drawing/2010/main">
+        <mc:Choice Requires="a14">
           <p:sp>
             <p:nvSpPr>
               <p:cNvPr id="35" name="TextBox 34">
@@ -26619,7 +26707,7 @@
             </p:txBody>
           </p:sp>
         </mc:Choice>
-        <mc:Fallback>
+        <mc:Fallback xmlns="">
           <p:sp>
             <p:nvSpPr>
               <p:cNvPr id="35" name="TextBox 34">
@@ -26664,8 +26752,8 @@
           </p:sp>
         </mc:Fallback>
       </mc:AlternateContent>
-      <mc:AlternateContent xmlns:mc="http://schemas.openxmlformats.org/markup-compatibility/2006">
-        <mc:Choice xmlns:a14="http://schemas.microsoft.com/office/drawing/2010/main" Requires="a14">
+      <mc:AlternateContent xmlns:mc="http://schemas.openxmlformats.org/markup-compatibility/2006" xmlns:a14="http://schemas.microsoft.com/office/drawing/2010/main">
+        <mc:Choice Requires="a14">
           <p:sp>
             <p:nvSpPr>
               <p:cNvPr id="36" name="TextBox 35">
@@ -26771,7 +26859,7 @@
             </p:txBody>
           </p:sp>
         </mc:Choice>
-        <mc:Fallback>
+        <mc:Fallback xmlns="">
           <p:sp>
             <p:nvSpPr>
               <p:cNvPr id="36" name="TextBox 35">
@@ -26816,8 +26904,8 @@
           </p:sp>
         </mc:Fallback>
       </mc:AlternateContent>
-      <mc:AlternateContent xmlns:mc="http://schemas.openxmlformats.org/markup-compatibility/2006">
-        <mc:Choice xmlns:a14="http://schemas.microsoft.com/office/drawing/2010/main" Requires="a14">
+      <mc:AlternateContent xmlns:mc="http://schemas.openxmlformats.org/markup-compatibility/2006" xmlns:a14="http://schemas.microsoft.com/office/drawing/2010/main">
+        <mc:Choice Requires="a14">
           <p:sp>
             <p:nvSpPr>
               <p:cNvPr id="39" name="TextBox 38">
@@ -26886,7 +26974,7 @@
             </p:txBody>
           </p:sp>
         </mc:Choice>
-        <mc:Fallback>
+        <mc:Fallback xmlns="">
           <p:sp>
             <p:nvSpPr>
               <p:cNvPr id="39" name="TextBox 38">
@@ -27015,8 +27103,8 @@
           </a:fontRef>
         </p:style>
       </p:cxnSp>
-      <mc:AlternateContent xmlns:mc="http://schemas.openxmlformats.org/markup-compatibility/2006">
-        <mc:Choice xmlns:a14="http://schemas.microsoft.com/office/drawing/2010/main" Requires="a14">
+      <mc:AlternateContent xmlns:mc="http://schemas.openxmlformats.org/markup-compatibility/2006" xmlns:a14="http://schemas.microsoft.com/office/drawing/2010/main">
+        <mc:Choice Requires="a14">
           <p:sp>
             <p:nvSpPr>
               <p:cNvPr id="60" name="TextBox 59">
@@ -27085,7 +27173,7 @@
             </p:txBody>
           </p:sp>
         </mc:Choice>
-        <mc:Fallback>
+        <mc:Fallback xmlns="">
           <p:sp>
             <p:nvSpPr>
               <p:cNvPr id="60" name="TextBox 59">
@@ -27130,8 +27218,8 @@
           </p:sp>
         </mc:Fallback>
       </mc:AlternateContent>
-      <mc:AlternateContent xmlns:mc="http://schemas.openxmlformats.org/markup-compatibility/2006">
-        <mc:Choice xmlns:a14="http://schemas.microsoft.com/office/drawing/2010/main" Requires="a14">
+      <mc:AlternateContent xmlns:mc="http://schemas.openxmlformats.org/markup-compatibility/2006" xmlns:a14="http://schemas.microsoft.com/office/drawing/2010/main">
+        <mc:Choice Requires="a14">
           <p:sp>
             <p:nvSpPr>
               <p:cNvPr id="63" name="TextBox 62">
@@ -27181,7 +27269,7 @@
             </p:txBody>
           </p:sp>
         </mc:Choice>
-        <mc:Fallback>
+        <mc:Fallback xmlns="">
           <p:sp>
             <p:nvSpPr>
               <p:cNvPr id="63" name="TextBox 62">
@@ -27226,8 +27314,8 @@
           </p:sp>
         </mc:Fallback>
       </mc:AlternateContent>
-      <mc:AlternateContent xmlns:mc="http://schemas.openxmlformats.org/markup-compatibility/2006">
-        <mc:Choice xmlns:a14="http://schemas.microsoft.com/office/drawing/2010/main" Requires="a14">
+      <mc:AlternateContent xmlns:mc="http://schemas.openxmlformats.org/markup-compatibility/2006" xmlns:a14="http://schemas.microsoft.com/office/drawing/2010/main">
+        <mc:Choice Requires="a14">
           <p:sp>
             <p:nvSpPr>
               <p:cNvPr id="258" name="TextBox 257">
@@ -27389,7 +27477,7 @@
             </p:txBody>
           </p:sp>
         </mc:Choice>
-        <mc:Fallback>
+        <mc:Fallback xmlns="">
           <p:sp>
             <p:nvSpPr>
               <p:cNvPr id="258" name="TextBox 257">
@@ -27434,8 +27522,8 @@
           </p:sp>
         </mc:Fallback>
       </mc:AlternateContent>
-      <mc:AlternateContent xmlns:mc="http://schemas.openxmlformats.org/markup-compatibility/2006">
-        <mc:Choice xmlns:a14="http://schemas.microsoft.com/office/drawing/2010/main" Requires="a14">
+      <mc:AlternateContent xmlns:mc="http://schemas.openxmlformats.org/markup-compatibility/2006" xmlns:a14="http://schemas.microsoft.com/office/drawing/2010/main">
+        <mc:Choice Requires="a14">
           <p:sp>
             <p:nvSpPr>
               <p:cNvPr id="259" name="TextBox 258">
@@ -27529,7 +27617,7 @@
             </p:txBody>
           </p:sp>
         </mc:Choice>
-        <mc:Fallback>
+        <mc:Fallback xmlns="">
           <p:sp>
             <p:nvSpPr>
               <p:cNvPr id="259" name="TextBox 258">
@@ -27616,8 +27704,8 @@
           </a:fontRef>
         </p:style>
       </p:cxnSp>
-      <mc:AlternateContent xmlns:mc="http://schemas.openxmlformats.org/markup-compatibility/2006">
-        <mc:Choice xmlns:a14="http://schemas.microsoft.com/office/drawing/2010/main" Requires="a14">
+      <mc:AlternateContent xmlns:mc="http://schemas.openxmlformats.org/markup-compatibility/2006" xmlns:a14="http://schemas.microsoft.com/office/drawing/2010/main">
+        <mc:Choice Requires="a14">
           <p:sp>
             <p:nvSpPr>
               <p:cNvPr id="264" name="TextBox 263">
@@ -27667,7 +27755,7 @@
             </p:txBody>
           </p:sp>
         </mc:Choice>
-        <mc:Fallback>
+        <mc:Fallback xmlns="">
           <p:sp>
             <p:nvSpPr>
               <p:cNvPr id="264" name="TextBox 263">
@@ -27712,8 +27800,8 @@
           </p:sp>
         </mc:Fallback>
       </mc:AlternateContent>
-      <mc:AlternateContent xmlns:mc="http://schemas.openxmlformats.org/markup-compatibility/2006">
-        <mc:Choice xmlns:a14="http://schemas.microsoft.com/office/drawing/2010/main" Requires="a14">
+      <mc:AlternateContent xmlns:mc="http://schemas.openxmlformats.org/markup-compatibility/2006" xmlns:a14="http://schemas.microsoft.com/office/drawing/2010/main">
+        <mc:Choice Requires="a14">
           <p:sp>
             <p:nvSpPr>
               <p:cNvPr id="265" name="TextBox 264">
@@ -27764,7 +27852,7 @@
             </p:txBody>
           </p:sp>
         </mc:Choice>
-        <mc:Fallback>
+        <mc:Fallback xmlns="">
           <p:sp>
             <p:nvSpPr>
               <p:cNvPr id="265" name="TextBox 264">
@@ -27809,8 +27897,8 @@
           </p:sp>
         </mc:Fallback>
       </mc:AlternateContent>
-      <mc:AlternateContent xmlns:mc="http://schemas.openxmlformats.org/markup-compatibility/2006">
-        <mc:Choice xmlns:a14="http://schemas.microsoft.com/office/drawing/2010/main" Requires="a14">
+      <mc:AlternateContent xmlns:mc="http://schemas.openxmlformats.org/markup-compatibility/2006" xmlns:a14="http://schemas.microsoft.com/office/drawing/2010/main">
+        <mc:Choice Requires="a14">
           <p:sp>
             <p:nvSpPr>
               <p:cNvPr id="267" name="TextBox 266">
@@ -27861,7 +27949,7 @@
             </p:txBody>
           </p:sp>
         </mc:Choice>
-        <mc:Fallback>
+        <mc:Fallback xmlns="">
           <p:sp>
             <p:nvSpPr>
               <p:cNvPr id="267" name="TextBox 266">
@@ -27906,8 +27994,8 @@
           </p:sp>
         </mc:Fallback>
       </mc:AlternateContent>
-      <mc:AlternateContent xmlns:mc="http://schemas.openxmlformats.org/markup-compatibility/2006">
-        <mc:Choice xmlns:a14="http://schemas.microsoft.com/office/drawing/2010/main" Requires="a14">
+      <mc:AlternateContent xmlns:mc="http://schemas.openxmlformats.org/markup-compatibility/2006" xmlns:a14="http://schemas.microsoft.com/office/drawing/2010/main">
+        <mc:Choice Requires="a14">
           <p:sp>
             <p:nvSpPr>
               <p:cNvPr id="268" name="TextBox 267">
@@ -27958,7 +28046,7 @@
             </p:txBody>
           </p:sp>
         </mc:Choice>
-        <mc:Fallback>
+        <mc:Fallback xmlns="">
           <p:sp>
             <p:nvSpPr>
               <p:cNvPr id="268" name="TextBox 267">
@@ -28003,8 +28091,8 @@
           </p:sp>
         </mc:Fallback>
       </mc:AlternateContent>
-      <mc:AlternateContent xmlns:mc="http://schemas.openxmlformats.org/markup-compatibility/2006">
-        <mc:Choice xmlns:a14="http://schemas.microsoft.com/office/drawing/2010/main" Requires="a14">
+      <mc:AlternateContent xmlns:mc="http://schemas.openxmlformats.org/markup-compatibility/2006" xmlns:a14="http://schemas.microsoft.com/office/drawing/2010/main">
+        <mc:Choice Requires="a14">
           <p:sp>
             <p:nvSpPr>
               <p:cNvPr id="269" name="TextBox 268">
@@ -28054,7 +28142,7 @@
             </p:txBody>
           </p:sp>
         </mc:Choice>
-        <mc:Fallback>
+        <mc:Fallback xmlns="">
           <p:sp>
             <p:nvSpPr>
               <p:cNvPr id="269" name="TextBox 268">
@@ -28099,8 +28187,8 @@
           </p:sp>
         </mc:Fallback>
       </mc:AlternateContent>
-      <mc:AlternateContent xmlns:mc="http://schemas.openxmlformats.org/markup-compatibility/2006">
-        <mc:Choice xmlns:a14="http://schemas.microsoft.com/office/drawing/2010/main" Requires="a14">
+      <mc:AlternateContent xmlns:mc="http://schemas.openxmlformats.org/markup-compatibility/2006" xmlns:a14="http://schemas.microsoft.com/office/drawing/2010/main">
+        <mc:Choice Requires="a14">
           <p:sp>
             <p:nvSpPr>
               <p:cNvPr id="282" name="TextBox 281">
@@ -28150,7 +28238,7 @@
             </p:txBody>
           </p:sp>
         </mc:Choice>
-        <mc:Fallback>
+        <mc:Fallback xmlns="">
           <p:sp>
             <p:nvSpPr>
               <p:cNvPr id="282" name="TextBox 281">
@@ -28195,8 +28283,8 @@
           </p:sp>
         </mc:Fallback>
       </mc:AlternateContent>
-      <mc:AlternateContent xmlns:mc="http://schemas.openxmlformats.org/markup-compatibility/2006">
-        <mc:Choice xmlns:a14="http://schemas.microsoft.com/office/drawing/2010/main" Requires="a14">
+      <mc:AlternateContent xmlns:mc="http://schemas.openxmlformats.org/markup-compatibility/2006" xmlns:a14="http://schemas.microsoft.com/office/drawing/2010/main">
+        <mc:Choice Requires="a14">
           <p:sp>
             <p:nvSpPr>
               <p:cNvPr id="283" name="TextBox 282">
@@ -28246,7 +28334,7 @@
             </p:txBody>
           </p:sp>
         </mc:Choice>
-        <mc:Fallback>
+        <mc:Fallback xmlns="">
           <p:sp>
             <p:nvSpPr>
               <p:cNvPr id="283" name="TextBox 282">
@@ -28291,8 +28379,8 @@
           </p:sp>
         </mc:Fallback>
       </mc:AlternateContent>
-      <mc:AlternateContent xmlns:mc="http://schemas.openxmlformats.org/markup-compatibility/2006">
-        <mc:Choice xmlns:a14="http://schemas.microsoft.com/office/drawing/2010/main" Requires="a14">
+      <mc:AlternateContent xmlns:mc="http://schemas.openxmlformats.org/markup-compatibility/2006" xmlns:a14="http://schemas.microsoft.com/office/drawing/2010/main">
+        <mc:Choice Requires="a14">
           <p:sp>
             <p:nvSpPr>
               <p:cNvPr id="284" name="TextBox 283">
@@ -28361,7 +28449,7 @@
             </p:txBody>
           </p:sp>
         </mc:Choice>
-        <mc:Fallback>
+        <mc:Fallback xmlns="">
           <p:sp>
             <p:nvSpPr>
               <p:cNvPr id="284" name="TextBox 283">
@@ -28406,8 +28494,8 @@
           </p:sp>
         </mc:Fallback>
       </mc:AlternateContent>
-      <mc:AlternateContent xmlns:mc="http://schemas.openxmlformats.org/markup-compatibility/2006">
-        <mc:Choice xmlns:a14="http://schemas.microsoft.com/office/drawing/2010/main" Requires="a14">
+      <mc:AlternateContent xmlns:mc="http://schemas.openxmlformats.org/markup-compatibility/2006" xmlns:a14="http://schemas.microsoft.com/office/drawing/2010/main">
+        <mc:Choice Requires="a14">
           <p:sp>
             <p:nvSpPr>
               <p:cNvPr id="287" name="TextBox 286">
@@ -28532,7 +28620,7 @@
             </p:txBody>
           </p:sp>
         </mc:Choice>
-        <mc:Fallback>
+        <mc:Fallback xmlns="">
           <p:sp>
             <p:nvSpPr>
               <p:cNvPr id="287" name="TextBox 286">
@@ -28721,8 +28809,8 @@
           </a:p>
         </p:txBody>
       </p:sp>
-      <mc:AlternateContent xmlns:mc="http://schemas.openxmlformats.org/markup-compatibility/2006">
-        <mc:Choice xmlns:a14="http://schemas.microsoft.com/office/drawing/2010/main" Requires="a14">
+      <mc:AlternateContent xmlns:mc="http://schemas.openxmlformats.org/markup-compatibility/2006" xmlns:a14="http://schemas.microsoft.com/office/drawing/2010/main">
+        <mc:Choice Requires="a14">
           <p:sp>
             <p:nvSpPr>
               <p:cNvPr id="296" name="TextBox 295">
@@ -28773,7 +28861,7 @@
             </p:txBody>
           </p:sp>
         </mc:Choice>
-        <mc:Fallback>
+        <mc:Fallback xmlns="">
           <p:sp>
             <p:nvSpPr>
               <p:cNvPr id="296" name="TextBox 295">
@@ -28818,8 +28906,8 @@
           </p:sp>
         </mc:Fallback>
       </mc:AlternateContent>
-      <mc:AlternateContent xmlns:mc="http://schemas.openxmlformats.org/markup-compatibility/2006">
-        <mc:Choice xmlns:a14="http://schemas.microsoft.com/office/drawing/2010/main" Requires="a14">
+      <mc:AlternateContent xmlns:mc="http://schemas.openxmlformats.org/markup-compatibility/2006" xmlns:a14="http://schemas.microsoft.com/office/drawing/2010/main">
+        <mc:Choice Requires="a14">
           <p:sp>
             <p:nvSpPr>
               <p:cNvPr id="297" name="TextBox 296">
@@ -28870,7 +28958,7 @@
             </p:txBody>
           </p:sp>
         </mc:Choice>
-        <mc:Fallback>
+        <mc:Fallback xmlns="">
           <p:sp>
             <p:nvSpPr>
               <p:cNvPr id="297" name="TextBox 296">
@@ -28963,8 +29051,8 @@
           </a:p>
         </p:txBody>
       </p:sp>
-      <mc:AlternateContent xmlns:mc="http://schemas.openxmlformats.org/markup-compatibility/2006">
-        <mc:Choice xmlns:a14="http://schemas.microsoft.com/office/drawing/2010/main" Requires="a14">
+      <mc:AlternateContent xmlns:mc="http://schemas.openxmlformats.org/markup-compatibility/2006" xmlns:a14="http://schemas.microsoft.com/office/drawing/2010/main">
+        <mc:Choice Requires="a14">
           <p:sp>
             <p:nvSpPr>
               <p:cNvPr id="299" name="TextBox 298">
@@ -29015,7 +29103,7 @@
             </p:txBody>
           </p:sp>
         </mc:Choice>
-        <mc:Fallback>
+        <mc:Fallback xmlns="">
           <p:sp>
             <p:nvSpPr>
               <p:cNvPr id="299" name="TextBox 298">
@@ -29060,8 +29148,8 @@
           </p:sp>
         </mc:Fallback>
       </mc:AlternateContent>
-      <mc:AlternateContent xmlns:mc="http://schemas.openxmlformats.org/markup-compatibility/2006">
-        <mc:Choice xmlns:a14="http://schemas.microsoft.com/office/drawing/2010/main" Requires="a14">
+      <mc:AlternateContent xmlns:mc="http://schemas.openxmlformats.org/markup-compatibility/2006" xmlns:a14="http://schemas.microsoft.com/office/drawing/2010/main">
+        <mc:Choice Requires="a14">
           <p:sp>
             <p:nvSpPr>
               <p:cNvPr id="300" name="TextBox 299">
@@ -29133,7 +29221,7 @@
             </p:txBody>
           </p:sp>
         </mc:Choice>
-        <mc:Fallback>
+        <mc:Fallback xmlns="">
           <p:sp>
             <p:nvSpPr>
               <p:cNvPr id="300" name="TextBox 299">
@@ -29178,8 +29266,8 @@
           </p:sp>
         </mc:Fallback>
       </mc:AlternateContent>
-      <mc:AlternateContent xmlns:mc="http://schemas.openxmlformats.org/markup-compatibility/2006">
-        <mc:Choice xmlns:a14="http://schemas.microsoft.com/office/drawing/2010/main" Requires="a14">
+      <mc:AlternateContent xmlns:mc="http://schemas.openxmlformats.org/markup-compatibility/2006" xmlns:a14="http://schemas.microsoft.com/office/drawing/2010/main">
+        <mc:Choice Requires="a14">
           <p:sp>
             <p:nvSpPr>
               <p:cNvPr id="330" name="TextBox 329">
@@ -29229,7 +29317,7 @@
             </p:txBody>
           </p:sp>
         </mc:Choice>
-        <mc:Fallback>
+        <mc:Fallback xmlns="">
           <p:sp>
             <p:nvSpPr>
               <p:cNvPr id="330" name="TextBox 329">
@@ -29520,8 +29608,8 @@
           </a:fontRef>
         </p:style>
       </p:cxnSp>
-      <mc:AlternateContent xmlns:mc="http://schemas.openxmlformats.org/markup-compatibility/2006">
-        <mc:Choice xmlns:a14="http://schemas.microsoft.com/office/drawing/2010/main" Requires="a14">
+      <mc:AlternateContent xmlns:mc="http://schemas.openxmlformats.org/markup-compatibility/2006" xmlns:a14="http://schemas.microsoft.com/office/drawing/2010/main">
+        <mc:Choice Requires="a14">
           <p:sp>
             <p:nvSpPr>
               <p:cNvPr id="340" name="TextBox 339">
@@ -29627,7 +29715,7 @@
             </p:txBody>
           </p:sp>
         </mc:Choice>
-        <mc:Fallback>
+        <mc:Fallback xmlns="">
           <p:sp>
             <p:nvSpPr>
               <p:cNvPr id="340" name="TextBox 339">
@@ -29672,8 +29760,8 @@
           </p:sp>
         </mc:Fallback>
       </mc:AlternateContent>
-      <mc:AlternateContent xmlns:mc="http://schemas.openxmlformats.org/markup-compatibility/2006">
-        <mc:Choice xmlns:a14="http://schemas.microsoft.com/office/drawing/2010/main" Requires="a14">
+      <mc:AlternateContent xmlns:mc="http://schemas.openxmlformats.org/markup-compatibility/2006" xmlns:a14="http://schemas.microsoft.com/office/drawing/2010/main">
+        <mc:Choice Requires="a14">
           <p:sp>
             <p:nvSpPr>
               <p:cNvPr id="341" name="TextBox 340">
@@ -29779,7 +29867,7 @@
             </p:txBody>
           </p:sp>
         </mc:Choice>
-        <mc:Fallback>
+        <mc:Fallback xmlns="">
           <p:sp>
             <p:nvSpPr>
               <p:cNvPr id="341" name="TextBox 340">
@@ -29824,8 +29912,8 @@
           </p:sp>
         </mc:Fallback>
       </mc:AlternateContent>
-      <mc:AlternateContent xmlns:mc="http://schemas.openxmlformats.org/markup-compatibility/2006">
-        <mc:Choice xmlns:a14="http://schemas.microsoft.com/office/drawing/2010/main" Requires="a14">
+      <mc:AlternateContent xmlns:mc="http://schemas.openxmlformats.org/markup-compatibility/2006" xmlns:a14="http://schemas.microsoft.com/office/drawing/2010/main">
+        <mc:Choice Requires="a14">
           <p:sp>
             <p:nvSpPr>
               <p:cNvPr id="342" name="TextBox 341">
@@ -29894,7 +29982,7 @@
             </p:txBody>
           </p:sp>
         </mc:Choice>
-        <mc:Fallback>
+        <mc:Fallback xmlns="">
           <p:sp>
             <p:nvSpPr>
               <p:cNvPr id="342" name="TextBox 341">
@@ -30023,8 +30111,8 @@
           </a:fontRef>
         </p:style>
       </p:cxnSp>
-      <mc:AlternateContent xmlns:mc="http://schemas.openxmlformats.org/markup-compatibility/2006">
-        <mc:Choice xmlns:a14="http://schemas.microsoft.com/office/drawing/2010/main" Requires="a14">
+      <mc:AlternateContent xmlns:mc="http://schemas.openxmlformats.org/markup-compatibility/2006" xmlns:a14="http://schemas.microsoft.com/office/drawing/2010/main">
+        <mc:Choice Requires="a14">
           <p:sp>
             <p:nvSpPr>
               <p:cNvPr id="345" name="TextBox 344">
@@ -30093,7 +30181,7 @@
             </p:txBody>
           </p:sp>
         </mc:Choice>
-        <mc:Fallback>
+        <mc:Fallback xmlns="">
           <p:sp>
             <p:nvSpPr>
               <p:cNvPr id="345" name="TextBox 344">
@@ -30138,8 +30226,8 @@
           </p:sp>
         </mc:Fallback>
       </mc:AlternateContent>
-      <mc:AlternateContent xmlns:mc="http://schemas.openxmlformats.org/markup-compatibility/2006">
-        <mc:Choice xmlns:a14="http://schemas.microsoft.com/office/drawing/2010/main" Requires="a14">
+      <mc:AlternateContent xmlns:mc="http://schemas.openxmlformats.org/markup-compatibility/2006" xmlns:a14="http://schemas.microsoft.com/office/drawing/2010/main">
+        <mc:Choice Requires="a14">
           <p:sp>
             <p:nvSpPr>
               <p:cNvPr id="346" name="TextBox 345">
@@ -30189,7 +30277,7 @@
             </p:txBody>
           </p:sp>
         </mc:Choice>
-        <mc:Fallback>
+        <mc:Fallback xmlns="">
           <p:sp>
             <p:nvSpPr>
               <p:cNvPr id="346" name="TextBox 345">
@@ -30234,8 +30322,8 @@
           </p:sp>
         </mc:Fallback>
       </mc:AlternateContent>
-      <mc:AlternateContent xmlns:mc="http://schemas.openxmlformats.org/markup-compatibility/2006">
-        <mc:Choice xmlns:a14="http://schemas.microsoft.com/office/drawing/2010/main" Requires="a14">
+      <mc:AlternateContent xmlns:mc="http://schemas.openxmlformats.org/markup-compatibility/2006" xmlns:a14="http://schemas.microsoft.com/office/drawing/2010/main">
+        <mc:Choice Requires="a14">
           <p:sp>
             <p:nvSpPr>
               <p:cNvPr id="348" name="TextBox 347">
@@ -30397,7 +30485,7 @@
             </p:txBody>
           </p:sp>
         </mc:Choice>
-        <mc:Fallback>
+        <mc:Fallback xmlns="">
           <p:sp>
             <p:nvSpPr>
               <p:cNvPr id="348" name="TextBox 347">
@@ -30442,8 +30530,8 @@
           </p:sp>
         </mc:Fallback>
       </mc:AlternateContent>
-      <mc:AlternateContent xmlns:mc="http://schemas.openxmlformats.org/markup-compatibility/2006">
-        <mc:Choice xmlns:a14="http://schemas.microsoft.com/office/drawing/2010/main" Requires="a14">
+      <mc:AlternateContent xmlns:mc="http://schemas.openxmlformats.org/markup-compatibility/2006" xmlns:a14="http://schemas.microsoft.com/office/drawing/2010/main">
+        <mc:Choice Requires="a14">
           <p:sp>
             <p:nvSpPr>
               <p:cNvPr id="349" name="TextBox 348">
@@ -30537,7 +30625,7 @@
             </p:txBody>
           </p:sp>
         </mc:Choice>
-        <mc:Fallback>
+        <mc:Fallback xmlns="">
           <p:sp>
             <p:nvSpPr>
               <p:cNvPr id="349" name="TextBox 348">
@@ -30624,8 +30712,8 @@
           </a:fontRef>
         </p:style>
       </p:cxnSp>
-      <mc:AlternateContent xmlns:mc="http://schemas.openxmlformats.org/markup-compatibility/2006">
-        <mc:Choice xmlns:a14="http://schemas.microsoft.com/office/drawing/2010/main" Requires="a14">
+      <mc:AlternateContent xmlns:mc="http://schemas.openxmlformats.org/markup-compatibility/2006" xmlns:a14="http://schemas.microsoft.com/office/drawing/2010/main">
+        <mc:Choice Requires="a14">
           <p:sp>
             <p:nvSpPr>
               <p:cNvPr id="351" name="TextBox 350">
@@ -30675,7 +30763,7 @@
             </p:txBody>
           </p:sp>
         </mc:Choice>
-        <mc:Fallback>
+        <mc:Fallback xmlns="">
           <p:sp>
             <p:nvSpPr>
               <p:cNvPr id="351" name="TextBox 350">
@@ -30720,8 +30808,8 @@
           </p:sp>
         </mc:Fallback>
       </mc:AlternateContent>
-      <mc:AlternateContent xmlns:mc="http://schemas.openxmlformats.org/markup-compatibility/2006">
-        <mc:Choice xmlns:a14="http://schemas.microsoft.com/office/drawing/2010/main" Requires="a14">
+      <mc:AlternateContent xmlns:mc="http://schemas.openxmlformats.org/markup-compatibility/2006" xmlns:a14="http://schemas.microsoft.com/office/drawing/2010/main">
+        <mc:Choice Requires="a14">
           <p:sp>
             <p:nvSpPr>
               <p:cNvPr id="352" name="TextBox 351">
@@ -30772,7 +30860,7 @@
             </p:txBody>
           </p:sp>
         </mc:Choice>
-        <mc:Fallback>
+        <mc:Fallback xmlns="">
           <p:sp>
             <p:nvSpPr>
               <p:cNvPr id="352" name="TextBox 351">
@@ -30817,8 +30905,8 @@
           </p:sp>
         </mc:Fallback>
       </mc:AlternateContent>
-      <mc:AlternateContent xmlns:mc="http://schemas.openxmlformats.org/markup-compatibility/2006">
-        <mc:Choice xmlns:a14="http://schemas.microsoft.com/office/drawing/2010/main" Requires="a14">
+      <mc:AlternateContent xmlns:mc="http://schemas.openxmlformats.org/markup-compatibility/2006" xmlns:a14="http://schemas.microsoft.com/office/drawing/2010/main">
+        <mc:Choice Requires="a14">
           <p:sp>
             <p:nvSpPr>
               <p:cNvPr id="353" name="TextBox 352">
@@ -30869,7 +30957,7 @@
             </p:txBody>
           </p:sp>
         </mc:Choice>
-        <mc:Fallback>
+        <mc:Fallback xmlns="">
           <p:sp>
             <p:nvSpPr>
               <p:cNvPr id="353" name="TextBox 352">
@@ -30914,8 +31002,8 @@
           </p:sp>
         </mc:Fallback>
       </mc:AlternateContent>
-      <mc:AlternateContent xmlns:mc="http://schemas.openxmlformats.org/markup-compatibility/2006">
-        <mc:Choice xmlns:a14="http://schemas.microsoft.com/office/drawing/2010/main" Requires="a14">
+      <mc:AlternateContent xmlns:mc="http://schemas.openxmlformats.org/markup-compatibility/2006" xmlns:a14="http://schemas.microsoft.com/office/drawing/2010/main">
+        <mc:Choice Requires="a14">
           <p:sp>
             <p:nvSpPr>
               <p:cNvPr id="354" name="TextBox 353">
@@ -30966,7 +31054,7 @@
             </p:txBody>
           </p:sp>
         </mc:Choice>
-        <mc:Fallback>
+        <mc:Fallback xmlns="">
           <p:sp>
             <p:nvSpPr>
               <p:cNvPr id="354" name="TextBox 353">
@@ -31011,8 +31099,8 @@
           </p:sp>
         </mc:Fallback>
       </mc:AlternateContent>
-      <mc:AlternateContent xmlns:mc="http://schemas.openxmlformats.org/markup-compatibility/2006">
-        <mc:Choice xmlns:a14="http://schemas.microsoft.com/office/drawing/2010/main" Requires="a14">
+      <mc:AlternateContent xmlns:mc="http://schemas.openxmlformats.org/markup-compatibility/2006" xmlns:a14="http://schemas.microsoft.com/office/drawing/2010/main">
+        <mc:Choice Requires="a14">
           <p:sp>
             <p:nvSpPr>
               <p:cNvPr id="355" name="TextBox 354">
@@ -31062,7 +31150,7 @@
             </p:txBody>
           </p:sp>
         </mc:Choice>
-        <mc:Fallback>
+        <mc:Fallback xmlns="">
           <p:sp>
             <p:nvSpPr>
               <p:cNvPr id="355" name="TextBox 354">
@@ -31107,8 +31195,8 @@
           </p:sp>
         </mc:Fallback>
       </mc:AlternateContent>
-      <mc:AlternateContent xmlns:mc="http://schemas.openxmlformats.org/markup-compatibility/2006">
-        <mc:Choice xmlns:a14="http://schemas.microsoft.com/office/drawing/2010/main" Requires="a14">
+      <mc:AlternateContent xmlns:mc="http://schemas.openxmlformats.org/markup-compatibility/2006" xmlns:a14="http://schemas.microsoft.com/office/drawing/2010/main">
+        <mc:Choice Requires="a14">
           <p:sp>
             <p:nvSpPr>
               <p:cNvPr id="356" name="TextBox 355">
@@ -31158,7 +31246,7 @@
             </p:txBody>
           </p:sp>
         </mc:Choice>
-        <mc:Fallback>
+        <mc:Fallback xmlns="">
           <p:sp>
             <p:nvSpPr>
               <p:cNvPr id="356" name="TextBox 355">
@@ -31203,8 +31291,8 @@
           </p:sp>
         </mc:Fallback>
       </mc:AlternateContent>
-      <mc:AlternateContent xmlns:mc="http://schemas.openxmlformats.org/markup-compatibility/2006">
-        <mc:Choice xmlns:a14="http://schemas.microsoft.com/office/drawing/2010/main" Requires="a14">
+      <mc:AlternateContent xmlns:mc="http://schemas.openxmlformats.org/markup-compatibility/2006" xmlns:a14="http://schemas.microsoft.com/office/drawing/2010/main">
+        <mc:Choice Requires="a14">
           <p:sp>
             <p:nvSpPr>
               <p:cNvPr id="357" name="TextBox 356">
@@ -31254,7 +31342,7 @@
             </p:txBody>
           </p:sp>
         </mc:Choice>
-        <mc:Fallback>
+        <mc:Fallback xmlns="">
           <p:sp>
             <p:nvSpPr>
               <p:cNvPr id="357" name="TextBox 356">
@@ -31299,8 +31387,8 @@
           </p:sp>
         </mc:Fallback>
       </mc:AlternateContent>
-      <mc:AlternateContent xmlns:mc="http://schemas.openxmlformats.org/markup-compatibility/2006">
-        <mc:Choice xmlns:a14="http://schemas.microsoft.com/office/drawing/2010/main" Requires="a14">
+      <mc:AlternateContent xmlns:mc="http://schemas.openxmlformats.org/markup-compatibility/2006" xmlns:a14="http://schemas.microsoft.com/office/drawing/2010/main">
+        <mc:Choice Requires="a14">
           <p:sp>
             <p:nvSpPr>
               <p:cNvPr id="358" name="TextBox 357">
@@ -31369,7 +31457,7 @@
             </p:txBody>
           </p:sp>
         </mc:Choice>
-        <mc:Fallback>
+        <mc:Fallback xmlns="">
           <p:sp>
             <p:nvSpPr>
               <p:cNvPr id="358" name="TextBox 357">
@@ -31414,8 +31502,8 @@
           </p:sp>
         </mc:Fallback>
       </mc:AlternateContent>
-      <mc:AlternateContent xmlns:mc="http://schemas.openxmlformats.org/markup-compatibility/2006">
-        <mc:Choice xmlns:a14="http://schemas.microsoft.com/office/drawing/2010/main" Requires="a14">
+      <mc:AlternateContent xmlns:mc="http://schemas.openxmlformats.org/markup-compatibility/2006" xmlns:a14="http://schemas.microsoft.com/office/drawing/2010/main">
+        <mc:Choice Requires="a14">
           <p:sp>
             <p:nvSpPr>
               <p:cNvPr id="359" name="TextBox 358">
@@ -31540,7 +31628,7 @@
             </p:txBody>
           </p:sp>
         </mc:Choice>
-        <mc:Fallback>
+        <mc:Fallback xmlns="">
           <p:sp>
             <p:nvSpPr>
               <p:cNvPr id="359" name="TextBox 358">
@@ -31681,8 +31769,8 @@
           </a:p>
         </p:txBody>
       </p:sp>
-      <mc:AlternateContent xmlns:mc="http://schemas.openxmlformats.org/markup-compatibility/2006">
-        <mc:Choice xmlns:a14="http://schemas.microsoft.com/office/drawing/2010/main" Requires="a14">
+      <mc:AlternateContent xmlns:mc="http://schemas.openxmlformats.org/markup-compatibility/2006" xmlns:a14="http://schemas.microsoft.com/office/drawing/2010/main">
+        <mc:Choice Requires="a14">
           <p:sp>
             <p:nvSpPr>
               <p:cNvPr id="364" name="TextBox 363">
@@ -31733,7 +31821,7 @@
             </p:txBody>
           </p:sp>
         </mc:Choice>
-        <mc:Fallback>
+        <mc:Fallback xmlns="">
           <p:sp>
             <p:nvSpPr>
               <p:cNvPr id="364" name="TextBox 363">
@@ -31778,8 +31866,8 @@
           </p:sp>
         </mc:Fallback>
       </mc:AlternateContent>
-      <mc:AlternateContent xmlns:mc="http://schemas.openxmlformats.org/markup-compatibility/2006">
-        <mc:Choice xmlns:a14="http://schemas.microsoft.com/office/drawing/2010/main" Requires="a14">
+      <mc:AlternateContent xmlns:mc="http://schemas.openxmlformats.org/markup-compatibility/2006" xmlns:a14="http://schemas.microsoft.com/office/drawing/2010/main">
+        <mc:Choice Requires="a14">
           <p:sp>
             <p:nvSpPr>
               <p:cNvPr id="365" name="TextBox 364">
@@ -31830,7 +31918,7 @@
             </p:txBody>
           </p:sp>
         </mc:Choice>
-        <mc:Fallback>
+        <mc:Fallback xmlns="">
           <p:sp>
             <p:nvSpPr>
               <p:cNvPr id="365" name="TextBox 364">
@@ -31923,8 +32011,8 @@
           </a:p>
         </p:txBody>
       </p:sp>
-      <mc:AlternateContent xmlns:mc="http://schemas.openxmlformats.org/markup-compatibility/2006">
-        <mc:Choice xmlns:a14="http://schemas.microsoft.com/office/drawing/2010/main" Requires="a14">
+      <mc:AlternateContent xmlns:mc="http://schemas.openxmlformats.org/markup-compatibility/2006" xmlns:a14="http://schemas.microsoft.com/office/drawing/2010/main">
+        <mc:Choice Requires="a14">
           <p:sp>
             <p:nvSpPr>
               <p:cNvPr id="367" name="TextBox 366">
@@ -31975,7 +32063,7 @@
             </p:txBody>
           </p:sp>
         </mc:Choice>
-        <mc:Fallback>
+        <mc:Fallback xmlns="">
           <p:sp>
             <p:nvSpPr>
               <p:cNvPr id="367" name="TextBox 366">
@@ -32020,8 +32108,8 @@
           </p:sp>
         </mc:Fallback>
       </mc:AlternateContent>
-      <mc:AlternateContent xmlns:mc="http://schemas.openxmlformats.org/markup-compatibility/2006">
-        <mc:Choice xmlns:a14="http://schemas.microsoft.com/office/drawing/2010/main" Requires="a14">
+      <mc:AlternateContent xmlns:mc="http://schemas.openxmlformats.org/markup-compatibility/2006" xmlns:a14="http://schemas.microsoft.com/office/drawing/2010/main">
+        <mc:Choice Requires="a14">
           <p:sp>
             <p:nvSpPr>
               <p:cNvPr id="368" name="TextBox 367">
@@ -32100,7 +32188,7 @@
             </p:txBody>
           </p:sp>
         </mc:Choice>
-        <mc:Fallback>
+        <mc:Fallback xmlns="">
           <p:sp>
             <p:nvSpPr>
               <p:cNvPr id="368" name="TextBox 367">
@@ -32391,8 +32479,8 @@
           </a:fontRef>
         </p:style>
       </p:cxnSp>
-      <mc:AlternateContent xmlns:mc="http://schemas.openxmlformats.org/markup-compatibility/2006">
-        <mc:Choice xmlns:a14="http://schemas.microsoft.com/office/drawing/2010/main" Requires="a14">
+      <mc:AlternateContent xmlns:mc="http://schemas.openxmlformats.org/markup-compatibility/2006" xmlns:a14="http://schemas.microsoft.com/office/drawing/2010/main">
+        <mc:Choice Requires="a14">
           <p:sp>
             <p:nvSpPr>
               <p:cNvPr id="382" name="TextBox 381">
@@ -32442,7 +32530,7 @@
             </p:txBody>
           </p:sp>
         </mc:Choice>
-        <mc:Fallback>
+        <mc:Fallback xmlns="">
           <p:sp>
             <p:nvSpPr>
               <p:cNvPr id="382" name="TextBox 381">
@@ -32487,8 +32575,8 @@
           </p:sp>
         </mc:Fallback>
       </mc:AlternateContent>
-      <mc:AlternateContent xmlns:mc="http://schemas.openxmlformats.org/markup-compatibility/2006">
-        <mc:Choice xmlns:a14="http://schemas.microsoft.com/office/drawing/2010/main" Requires="a14">
+      <mc:AlternateContent xmlns:mc="http://schemas.openxmlformats.org/markup-compatibility/2006" xmlns:a14="http://schemas.microsoft.com/office/drawing/2010/main">
+        <mc:Choice Requires="a14">
           <p:sp>
             <p:nvSpPr>
               <p:cNvPr id="383" name="TextBox 382">
@@ -32538,7 +32626,7 @@
             </p:txBody>
           </p:sp>
         </mc:Choice>
-        <mc:Fallback>
+        <mc:Fallback xmlns="">
           <p:sp>
             <p:nvSpPr>
               <p:cNvPr id="383" name="TextBox 382">
@@ -32583,8 +32671,8 @@
           </p:sp>
         </mc:Fallback>
       </mc:AlternateContent>
-      <mc:AlternateContent xmlns:mc="http://schemas.openxmlformats.org/markup-compatibility/2006">
-        <mc:Choice xmlns:a14="http://schemas.microsoft.com/office/drawing/2010/main" Requires="a14">
+      <mc:AlternateContent xmlns:mc="http://schemas.openxmlformats.org/markup-compatibility/2006" xmlns:a14="http://schemas.microsoft.com/office/drawing/2010/main">
+        <mc:Choice Requires="a14">
           <p:sp>
             <p:nvSpPr>
               <p:cNvPr id="384" name="TextBox 383">
@@ -32654,7 +32742,7 @@
             </p:txBody>
           </p:sp>
         </mc:Choice>
-        <mc:Fallback>
+        <mc:Fallback xmlns="">
           <p:sp>
             <p:nvSpPr>
               <p:cNvPr id="384" name="TextBox 383">
@@ -32747,8 +32835,8 @@
           </a:p>
         </p:txBody>
       </p:sp>
-      <mc:AlternateContent xmlns:mc="http://schemas.openxmlformats.org/markup-compatibility/2006">
-        <mc:Choice xmlns:a14="http://schemas.microsoft.com/office/drawing/2010/main" Requires="a14">
+      <mc:AlternateContent xmlns:mc="http://schemas.openxmlformats.org/markup-compatibility/2006" xmlns:a14="http://schemas.microsoft.com/office/drawing/2010/main">
+        <mc:Choice Requires="a14">
           <p:sp>
             <p:nvSpPr>
               <p:cNvPr id="387" name="TextBox 386">
@@ -32798,7 +32886,7 @@
             </p:txBody>
           </p:sp>
         </mc:Choice>
-        <mc:Fallback>
+        <mc:Fallback xmlns="">
           <p:sp>
             <p:nvSpPr>
               <p:cNvPr id="387" name="TextBox 386">
@@ -32843,8 +32931,8 @@
           </p:sp>
         </mc:Fallback>
       </mc:AlternateContent>
-      <mc:AlternateContent xmlns:mc="http://schemas.openxmlformats.org/markup-compatibility/2006">
-        <mc:Choice xmlns:a14="http://schemas.microsoft.com/office/drawing/2010/main" Requires="a14">
+      <mc:AlternateContent xmlns:mc="http://schemas.openxmlformats.org/markup-compatibility/2006" xmlns:a14="http://schemas.microsoft.com/office/drawing/2010/main">
+        <mc:Choice Requires="a14">
           <p:sp>
             <p:nvSpPr>
               <p:cNvPr id="388" name="TextBox 387">
@@ -32894,7 +32982,7 @@
             </p:txBody>
           </p:sp>
         </mc:Choice>
-        <mc:Fallback>
+        <mc:Fallback xmlns="">
           <p:sp>
             <p:nvSpPr>
               <p:cNvPr id="388" name="TextBox 387">
@@ -32939,8 +33027,8 @@
           </p:sp>
         </mc:Fallback>
       </mc:AlternateContent>
-      <mc:AlternateContent xmlns:mc="http://schemas.openxmlformats.org/markup-compatibility/2006">
-        <mc:Choice xmlns:a14="http://schemas.microsoft.com/office/drawing/2010/main" Requires="a14">
+      <mc:AlternateContent xmlns:mc="http://schemas.openxmlformats.org/markup-compatibility/2006" xmlns:a14="http://schemas.microsoft.com/office/drawing/2010/main">
+        <mc:Choice Requires="a14">
           <p:sp>
             <p:nvSpPr>
               <p:cNvPr id="389" name="TextBox 388">
@@ -33028,7 +33116,7 @@
             </p:txBody>
           </p:sp>
         </mc:Choice>
-        <mc:Fallback>
+        <mc:Fallback xmlns="">
           <p:sp>
             <p:nvSpPr>
               <p:cNvPr id="389" name="TextBox 388">
@@ -33169,8 +33257,8 @@
           </a:p>
         </p:txBody>
       </p:sp>
-      <mc:AlternateContent xmlns:mc="http://schemas.openxmlformats.org/markup-compatibility/2006">
-        <mc:Choice xmlns:a14="http://schemas.microsoft.com/office/drawing/2010/main" Requires="a14">
+      <mc:AlternateContent xmlns:mc="http://schemas.openxmlformats.org/markup-compatibility/2006" xmlns:a14="http://schemas.microsoft.com/office/drawing/2010/main">
+        <mc:Choice Requires="a14">
           <p:sp>
             <p:nvSpPr>
               <p:cNvPr id="408" name="TextBox 407">
@@ -33221,7 +33309,7 @@
             </p:txBody>
           </p:sp>
         </mc:Choice>
-        <mc:Fallback>
+        <mc:Fallback xmlns="">
           <p:sp>
             <p:nvSpPr>
               <p:cNvPr id="408" name="TextBox 407">
@@ -33266,8 +33354,8 @@
           </p:sp>
         </mc:Fallback>
       </mc:AlternateContent>
-      <mc:AlternateContent xmlns:mc="http://schemas.openxmlformats.org/markup-compatibility/2006">
-        <mc:Choice xmlns:a14="http://schemas.microsoft.com/office/drawing/2010/main" Requires="a14">
+      <mc:AlternateContent xmlns:mc="http://schemas.openxmlformats.org/markup-compatibility/2006" xmlns:a14="http://schemas.microsoft.com/office/drawing/2010/main">
+        <mc:Choice Requires="a14">
           <p:sp>
             <p:nvSpPr>
               <p:cNvPr id="414" name="TextBox 413">
@@ -33318,7 +33406,7 @@
             </p:txBody>
           </p:sp>
         </mc:Choice>
-        <mc:Fallback>
+        <mc:Fallback xmlns="">
           <p:sp>
             <p:nvSpPr>
               <p:cNvPr id="414" name="TextBox 413">
@@ -33363,8 +33451,8 @@
           </p:sp>
         </mc:Fallback>
       </mc:AlternateContent>
-      <mc:AlternateContent xmlns:mc="http://schemas.openxmlformats.org/markup-compatibility/2006">
-        <mc:Choice xmlns:a14="http://schemas.microsoft.com/office/drawing/2010/main" Requires="a14">
+      <mc:AlternateContent xmlns:mc="http://schemas.openxmlformats.org/markup-compatibility/2006" xmlns:a14="http://schemas.microsoft.com/office/drawing/2010/main">
+        <mc:Choice Requires="a14">
           <p:sp>
             <p:nvSpPr>
               <p:cNvPr id="415" name="TextBox 414">
@@ -33414,7 +33502,7 @@
             </p:txBody>
           </p:sp>
         </mc:Choice>
-        <mc:Fallback>
+        <mc:Fallback xmlns="">
           <p:sp>
             <p:nvSpPr>
               <p:cNvPr id="415" name="TextBox 414">
@@ -33459,8 +33547,8 @@
           </p:sp>
         </mc:Fallback>
       </mc:AlternateContent>
-      <mc:AlternateContent xmlns:mc="http://schemas.openxmlformats.org/markup-compatibility/2006">
-        <mc:Choice xmlns:a14="http://schemas.microsoft.com/office/drawing/2010/main" Requires="a14">
+      <mc:AlternateContent xmlns:mc="http://schemas.openxmlformats.org/markup-compatibility/2006" xmlns:a14="http://schemas.microsoft.com/office/drawing/2010/main">
+        <mc:Choice Requires="a14">
           <p:sp>
             <p:nvSpPr>
               <p:cNvPr id="416" name="TextBox 415">
@@ -33510,7 +33598,7 @@
             </p:txBody>
           </p:sp>
         </mc:Choice>
-        <mc:Fallback>
+        <mc:Fallback xmlns="">
           <p:sp>
             <p:nvSpPr>
               <p:cNvPr id="416" name="TextBox 415">
@@ -33555,8 +33643,8 @@
           </p:sp>
         </mc:Fallback>
       </mc:AlternateContent>
-      <mc:AlternateContent xmlns:mc="http://schemas.openxmlformats.org/markup-compatibility/2006">
-        <mc:Choice xmlns:a14="http://schemas.microsoft.com/office/drawing/2010/main" Requires="a14">
+      <mc:AlternateContent xmlns:mc="http://schemas.openxmlformats.org/markup-compatibility/2006" xmlns:a14="http://schemas.microsoft.com/office/drawing/2010/main">
+        <mc:Choice Requires="a14">
           <p:sp>
             <p:nvSpPr>
               <p:cNvPr id="417" name="TextBox 416">
@@ -33606,7 +33694,7 @@
             </p:txBody>
           </p:sp>
         </mc:Choice>
-        <mc:Fallback>
+        <mc:Fallback xmlns="">
           <p:sp>
             <p:nvSpPr>
               <p:cNvPr id="417" name="TextBox 416">
@@ -33651,8 +33739,8 @@
           </p:sp>
         </mc:Fallback>
       </mc:AlternateContent>
-      <mc:AlternateContent xmlns:mc="http://schemas.openxmlformats.org/markup-compatibility/2006">
-        <mc:Choice xmlns:a14="http://schemas.microsoft.com/office/drawing/2010/main" Requires="a14">
+      <mc:AlternateContent xmlns:mc="http://schemas.openxmlformats.org/markup-compatibility/2006" xmlns:a14="http://schemas.microsoft.com/office/drawing/2010/main">
+        <mc:Choice Requires="a14">
           <p:sp>
             <p:nvSpPr>
               <p:cNvPr id="418" name="TextBox 417">
@@ -33702,7 +33790,7 @@
             </p:txBody>
           </p:sp>
         </mc:Choice>
-        <mc:Fallback>
+        <mc:Fallback xmlns="">
           <p:sp>
             <p:nvSpPr>
               <p:cNvPr id="418" name="TextBox 417">
@@ -33952,8 +34040,8 @@
           </a:fontRef>
         </p:style>
       </p:cxnSp>
-      <mc:AlternateContent xmlns:mc="http://schemas.openxmlformats.org/markup-compatibility/2006">
-        <mc:Choice xmlns:a14="http://schemas.microsoft.com/office/drawing/2010/main" Requires="a14">
+      <mc:AlternateContent xmlns:mc="http://schemas.openxmlformats.org/markup-compatibility/2006" xmlns:a14="http://schemas.microsoft.com/office/drawing/2010/main">
+        <mc:Choice Requires="a14">
           <p:sp>
             <p:nvSpPr>
               <p:cNvPr id="425" name="TextBox 424">
@@ -34078,7 +34166,7 @@
             </p:txBody>
           </p:sp>
         </mc:Choice>
-        <mc:Fallback>
+        <mc:Fallback xmlns="">
           <p:sp>
             <p:nvSpPr>
               <p:cNvPr id="425" name="TextBox 424">
@@ -34164,8 +34252,8 @@
           </a:fontRef>
         </p:style>
       </p:cxnSp>
-      <mc:AlternateContent xmlns:mc="http://schemas.openxmlformats.org/markup-compatibility/2006">
-        <mc:Choice xmlns:a14="http://schemas.microsoft.com/office/drawing/2010/main" Requires="a14">
+      <mc:AlternateContent xmlns:mc="http://schemas.openxmlformats.org/markup-compatibility/2006" xmlns:a14="http://schemas.microsoft.com/office/drawing/2010/main">
+        <mc:Choice Requires="a14">
           <p:sp>
             <p:nvSpPr>
               <p:cNvPr id="428" name="TextBox 427">
@@ -34286,7 +34374,7 @@
             </p:txBody>
           </p:sp>
         </mc:Choice>
-        <mc:Fallback>
+        <mc:Fallback xmlns="">
           <p:sp>
             <p:nvSpPr>
               <p:cNvPr id="428" name="TextBox 427">
@@ -34426,8 +34514,8 @@
           </a:fontRef>
         </p:style>
       </p:cxnSp>
-      <mc:AlternateContent xmlns:mc="http://schemas.openxmlformats.org/markup-compatibility/2006">
-        <mc:Choice xmlns:a14="http://schemas.microsoft.com/office/drawing/2010/main" Requires="a14">
+      <mc:AlternateContent xmlns:mc="http://schemas.openxmlformats.org/markup-compatibility/2006" xmlns:a14="http://schemas.microsoft.com/office/drawing/2010/main">
+        <mc:Choice Requires="a14">
           <p:sp>
             <p:nvSpPr>
               <p:cNvPr id="440" name="TextBox 439">
@@ -34477,7 +34565,7 @@
             </p:txBody>
           </p:sp>
         </mc:Choice>
-        <mc:Fallback>
+        <mc:Fallback xmlns="">
           <p:sp>
             <p:nvSpPr>
               <p:cNvPr id="440" name="TextBox 439">
@@ -34522,8 +34610,8 @@
           </p:sp>
         </mc:Fallback>
       </mc:AlternateContent>
-      <mc:AlternateContent xmlns:mc="http://schemas.openxmlformats.org/markup-compatibility/2006">
-        <mc:Choice xmlns:a14="http://schemas.microsoft.com/office/drawing/2010/main" Requires="a14">
+      <mc:AlternateContent xmlns:mc="http://schemas.openxmlformats.org/markup-compatibility/2006" xmlns:a14="http://schemas.microsoft.com/office/drawing/2010/main">
+        <mc:Choice Requires="a14">
           <p:sp>
             <p:nvSpPr>
               <p:cNvPr id="441" name="TextBox 440">
@@ -34573,7 +34661,7 @@
             </p:txBody>
           </p:sp>
         </mc:Choice>
-        <mc:Fallback>
+        <mc:Fallback xmlns="">
           <p:sp>
             <p:nvSpPr>
               <p:cNvPr id="441" name="TextBox 440">
@@ -34742,8 +34830,8 @@
           </a:fontRef>
         </p:style>
       </p:cxnSp>
-      <mc:AlternateContent xmlns:mc="http://schemas.openxmlformats.org/markup-compatibility/2006">
-        <mc:Choice xmlns:a14="http://schemas.microsoft.com/office/drawing/2010/main" Requires="a14">
+      <mc:AlternateContent xmlns:mc="http://schemas.openxmlformats.org/markup-compatibility/2006" xmlns:a14="http://schemas.microsoft.com/office/drawing/2010/main">
+        <mc:Choice Requires="a14">
           <p:sp>
             <p:nvSpPr>
               <p:cNvPr id="450" name="TextBox 449">
@@ -34835,7 +34923,7 @@
             </p:txBody>
           </p:sp>
         </mc:Choice>
-        <mc:Fallback>
+        <mc:Fallback xmlns="">
           <p:sp>
             <p:nvSpPr>
               <p:cNvPr id="450" name="TextBox 449">
@@ -34880,8 +34968,8 @@
           </p:sp>
         </mc:Fallback>
       </mc:AlternateContent>
-      <mc:AlternateContent xmlns:mc="http://schemas.openxmlformats.org/markup-compatibility/2006">
-        <mc:Choice xmlns:a14="http://schemas.microsoft.com/office/drawing/2010/main" Requires="a14">
+      <mc:AlternateContent xmlns:mc="http://schemas.openxmlformats.org/markup-compatibility/2006" xmlns:a14="http://schemas.microsoft.com/office/drawing/2010/main">
+        <mc:Choice Requires="a14">
           <p:sp>
             <p:nvSpPr>
               <p:cNvPr id="462" name="TextBox 461">
@@ -34985,7 +35073,7 @@
             </p:txBody>
           </p:sp>
         </mc:Choice>
-        <mc:Fallback>
+        <mc:Fallback xmlns="">
           <p:sp>
             <p:nvSpPr>
               <p:cNvPr id="462" name="TextBox 461">
@@ -35030,8 +35118,8 @@
           </p:sp>
         </mc:Fallback>
       </mc:AlternateContent>
-      <mc:AlternateContent xmlns:mc="http://schemas.openxmlformats.org/markup-compatibility/2006">
-        <mc:Choice xmlns:a14="http://schemas.microsoft.com/office/drawing/2010/main" Requires="a14">
+      <mc:AlternateContent xmlns:mc="http://schemas.openxmlformats.org/markup-compatibility/2006" xmlns:a14="http://schemas.microsoft.com/office/drawing/2010/main">
+        <mc:Choice Requires="a14">
           <p:sp>
             <p:nvSpPr>
               <p:cNvPr id="463" name="TextBox 462">
@@ -35082,7 +35170,7 @@
             </p:txBody>
           </p:sp>
         </mc:Choice>
-        <mc:Fallback>
+        <mc:Fallback xmlns="">
           <p:sp>
             <p:nvSpPr>
               <p:cNvPr id="463" name="TextBox 462">
@@ -35175,8 +35263,8 @@
           </a:p>
         </p:txBody>
       </p:sp>
-      <mc:AlternateContent xmlns:mc="http://schemas.openxmlformats.org/markup-compatibility/2006">
-        <mc:Choice xmlns:a14="http://schemas.microsoft.com/office/drawing/2010/main" Requires="a14">
+      <mc:AlternateContent xmlns:mc="http://schemas.openxmlformats.org/markup-compatibility/2006" xmlns:a14="http://schemas.microsoft.com/office/drawing/2010/main">
+        <mc:Choice Requires="a14">
           <p:sp>
             <p:nvSpPr>
               <p:cNvPr id="465" name="TextBox 464">
@@ -35227,7 +35315,7 @@
             </p:txBody>
           </p:sp>
         </mc:Choice>
-        <mc:Fallback>
+        <mc:Fallback xmlns="">
           <p:sp>
             <p:nvSpPr>
               <p:cNvPr id="465" name="TextBox 464">
@@ -35272,8 +35360,8 @@
           </p:sp>
         </mc:Fallback>
       </mc:AlternateContent>
-      <mc:AlternateContent xmlns:mc="http://schemas.openxmlformats.org/markup-compatibility/2006">
-        <mc:Choice xmlns:a14="http://schemas.microsoft.com/office/drawing/2010/main" Requires="a14">
+      <mc:AlternateContent xmlns:mc="http://schemas.openxmlformats.org/markup-compatibility/2006" xmlns:a14="http://schemas.microsoft.com/office/drawing/2010/main">
+        <mc:Choice Requires="a14">
           <p:sp>
             <p:nvSpPr>
               <p:cNvPr id="469" name="TextBox 468">
@@ -35323,7 +35411,7 @@
             </p:txBody>
           </p:sp>
         </mc:Choice>
-        <mc:Fallback>
+        <mc:Fallback xmlns="">
           <p:sp>
             <p:nvSpPr>
               <p:cNvPr id="469" name="TextBox 468">
